--- a/FTALive/Monitoring/images/figure.pptx
+++ b/FTALive/Monitoring/images/figure.pptx
@@ -6,6 +6,7 @@
   </p:sldMasterIdLst>
   <p:sldIdLst>
     <p:sldId id="264" r:id="rId2"/>
+    <p:sldId id="265" r:id="rId3"/>
   </p:sldIdLst>
   <p:sldSz cx="12192000" cy="6858000"/>
   <p:notesSz cx="6858000" cy="9144000"/>
@@ -267,7 +268,7 @@
           <a:p>
             <a:fld id="{4AE65B02-E09F-4E22-BC41-A59DD1D5D4D7}" type="datetimeFigureOut">
               <a:rPr kumimoji="1" lang="ja-JP" altLang="en-US" smtClean="0"/>
-              <a:t>2022/10/6</a:t>
+              <a:t>2022/10/27</a:t>
             </a:fld>
             <a:endParaRPr kumimoji="1" lang="ja-JP" altLang="en-US"/>
           </a:p>
@@ -497,7 +498,7 @@
           <a:p>
             <a:fld id="{4AE65B02-E09F-4E22-BC41-A59DD1D5D4D7}" type="datetimeFigureOut">
               <a:rPr kumimoji="1" lang="ja-JP" altLang="en-US" smtClean="0"/>
-              <a:t>2022/10/6</a:t>
+              <a:t>2022/10/27</a:t>
             </a:fld>
             <a:endParaRPr kumimoji="1" lang="ja-JP" altLang="en-US"/>
           </a:p>
@@ -737,7 +738,7 @@
           <a:p>
             <a:fld id="{4AE65B02-E09F-4E22-BC41-A59DD1D5D4D7}" type="datetimeFigureOut">
               <a:rPr kumimoji="1" lang="ja-JP" altLang="en-US" smtClean="0"/>
-              <a:t>2022/10/6</a:t>
+              <a:t>2022/10/27</a:t>
             </a:fld>
             <a:endParaRPr kumimoji="1" lang="ja-JP" altLang="en-US"/>
           </a:p>
@@ -967,7 +968,7 @@
           <a:p>
             <a:fld id="{4AE65B02-E09F-4E22-BC41-A59DD1D5D4D7}" type="datetimeFigureOut">
               <a:rPr kumimoji="1" lang="ja-JP" altLang="en-US" smtClean="0"/>
-              <a:t>2022/10/6</a:t>
+              <a:t>2022/10/27</a:t>
             </a:fld>
             <a:endParaRPr kumimoji="1" lang="ja-JP" altLang="en-US"/>
           </a:p>
@@ -1242,7 +1243,7 @@
           <a:p>
             <a:fld id="{4AE65B02-E09F-4E22-BC41-A59DD1D5D4D7}" type="datetimeFigureOut">
               <a:rPr kumimoji="1" lang="ja-JP" altLang="en-US" smtClean="0"/>
-              <a:t>2022/10/6</a:t>
+              <a:t>2022/10/27</a:t>
             </a:fld>
             <a:endParaRPr kumimoji="1" lang="ja-JP" altLang="en-US"/>
           </a:p>
@@ -1571,7 +1572,7 @@
           <a:p>
             <a:fld id="{4AE65B02-E09F-4E22-BC41-A59DD1D5D4D7}" type="datetimeFigureOut">
               <a:rPr kumimoji="1" lang="ja-JP" altLang="en-US" smtClean="0"/>
-              <a:t>2022/10/6</a:t>
+              <a:t>2022/10/27</a:t>
             </a:fld>
             <a:endParaRPr kumimoji="1" lang="ja-JP" altLang="en-US"/>
           </a:p>
@@ -2047,7 +2048,7 @@
           <a:p>
             <a:fld id="{4AE65B02-E09F-4E22-BC41-A59DD1D5D4D7}" type="datetimeFigureOut">
               <a:rPr kumimoji="1" lang="ja-JP" altLang="en-US" smtClean="0"/>
-              <a:t>2022/10/6</a:t>
+              <a:t>2022/10/27</a:t>
             </a:fld>
             <a:endParaRPr kumimoji="1" lang="ja-JP" altLang="en-US"/>
           </a:p>
@@ -2188,7 +2189,7 @@
           <a:p>
             <a:fld id="{4AE65B02-E09F-4E22-BC41-A59DD1D5D4D7}" type="datetimeFigureOut">
               <a:rPr kumimoji="1" lang="ja-JP" altLang="en-US" smtClean="0"/>
-              <a:t>2022/10/6</a:t>
+              <a:t>2022/10/27</a:t>
             </a:fld>
             <a:endParaRPr kumimoji="1" lang="ja-JP" altLang="en-US"/>
           </a:p>
@@ -2301,7 +2302,7 @@
           <a:p>
             <a:fld id="{4AE65B02-E09F-4E22-BC41-A59DD1D5D4D7}" type="datetimeFigureOut">
               <a:rPr kumimoji="1" lang="ja-JP" altLang="en-US" smtClean="0"/>
-              <a:t>2022/10/6</a:t>
+              <a:t>2022/10/27</a:t>
             </a:fld>
             <a:endParaRPr kumimoji="1" lang="ja-JP" altLang="en-US"/>
           </a:p>
@@ -2644,7 +2645,7 @@
           <a:p>
             <a:fld id="{4AE65B02-E09F-4E22-BC41-A59DD1D5D4D7}" type="datetimeFigureOut">
               <a:rPr kumimoji="1" lang="ja-JP" altLang="en-US" smtClean="0"/>
-              <a:t>2022/10/6</a:t>
+              <a:t>2022/10/27</a:t>
             </a:fld>
             <a:endParaRPr kumimoji="1" lang="ja-JP" altLang="en-US"/>
           </a:p>
@@ -2932,7 +2933,7 @@
           <a:p>
             <a:fld id="{4AE65B02-E09F-4E22-BC41-A59DD1D5D4D7}" type="datetimeFigureOut">
               <a:rPr kumimoji="1" lang="ja-JP" altLang="en-US" smtClean="0"/>
-              <a:t>2022/10/6</a:t>
+              <a:t>2022/10/27</a:t>
             </a:fld>
             <a:endParaRPr kumimoji="1" lang="ja-JP" altLang="en-US"/>
           </a:p>
@@ -3205,7 +3206,7 @@
           <a:p>
             <a:fld id="{4AE65B02-E09F-4E22-BC41-A59DD1D5D4D7}" type="datetimeFigureOut">
               <a:rPr kumimoji="1" lang="ja-JP" altLang="en-US" smtClean="0"/>
-              <a:t>2022/10/6</a:t>
+              <a:t>2022/10/27</a:t>
             </a:fld>
             <a:endParaRPr kumimoji="1" lang="ja-JP" altLang="en-US"/>
           </a:p>
@@ -4035,6 +4036,4846 @@
 </p:sld>
 </file>
 
+<file path=ppt/slides/slide2.xml><?xml version="1.0" encoding="utf-8"?>
+<p:sld xmlns:a="http://schemas.openxmlformats.org/drawingml/2006/main" xmlns:r="http://schemas.openxmlformats.org/officeDocument/2006/relationships" xmlns:p="http://schemas.openxmlformats.org/presentationml/2006/main">
+  <p:cSld>
+    <p:spTree>
+      <p:nvGrpSpPr>
+        <p:cNvPr id="1" name=""/>
+        <p:cNvGrpSpPr/>
+        <p:nvPr/>
+      </p:nvGrpSpPr>
+      <p:grpSpPr>
+        <a:xfrm>
+          <a:off x="0" y="0"/>
+          <a:ext cx="0" cy="0"/>
+          <a:chOff x="0" y="0"/>
+          <a:chExt cx="0" cy="0"/>
+        </a:xfrm>
+      </p:grpSpPr>
+      <p:grpSp>
+        <p:nvGrpSpPr>
+          <p:cNvPr id="32" name="グループ化 31">
+            <a:extLst>
+              <a:ext uri="{FF2B5EF4-FFF2-40B4-BE49-F238E27FC236}">
+                <a16:creationId xmlns:a16="http://schemas.microsoft.com/office/drawing/2014/main" id="{0F6D5BB9-95A7-0E4F-7837-1417F2F874DD}"/>
+              </a:ext>
+            </a:extLst>
+          </p:cNvPr>
+          <p:cNvGrpSpPr/>
+          <p:nvPr/>
+        </p:nvGrpSpPr>
+        <p:grpSpPr>
+          <a:xfrm>
+            <a:off x="7237867" y="3354703"/>
+            <a:ext cx="4763965" cy="3351527"/>
+            <a:chOff x="5424854" y="2696410"/>
+            <a:chExt cx="5471746" cy="3849463"/>
+          </a:xfrm>
+        </p:grpSpPr>
+        <p:sp>
+          <p:nvSpPr>
+            <p:cNvPr id="33" name="正方形/長方形 32">
+              <a:extLst>
+                <a:ext uri="{FF2B5EF4-FFF2-40B4-BE49-F238E27FC236}">
+                  <a16:creationId xmlns:a16="http://schemas.microsoft.com/office/drawing/2014/main" id="{88DEC4FD-7029-9930-6D42-34208C340414}"/>
+                </a:ext>
+              </a:extLst>
+            </p:cNvPr>
+            <p:cNvSpPr/>
+            <p:nvPr/>
+          </p:nvSpPr>
+          <p:spPr>
+            <a:xfrm>
+              <a:off x="7739898" y="3900285"/>
+              <a:ext cx="840728" cy="2548186"/>
+            </a:xfrm>
+            <a:prstGeom prst="rect">
+              <a:avLst/>
+            </a:prstGeom>
+            <a:solidFill>
+              <a:srgbClr val="0078D4">
+                <a:lumMod val="20000"/>
+                <a:lumOff val="80000"/>
+              </a:srgbClr>
+            </a:solidFill>
+            <a:ln w="12700" cap="flat" cmpd="sng" algn="ctr">
+              <a:solidFill>
+                <a:srgbClr val="0078D4">
+                  <a:shade val="50000"/>
+                </a:srgbClr>
+              </a:solidFill>
+              <a:prstDash val="solid"/>
+              <a:miter lim="800000"/>
+            </a:ln>
+            <a:effectLst/>
+          </p:spPr>
+          <p:txBody>
+            <a:bodyPr rtlCol="0" anchor="ctr"/>
+            <a:lstStyle/>
+            <a:p>
+              <a:pPr marL="0" marR="0" lvl="0" indent="0" algn="ctr" defTabSz="914400" eaLnBrk="1" fontAlgn="auto" latinLnBrk="0" hangingPunct="1">
+                <a:lnSpc>
+                  <a:spcPct val="100000"/>
+                </a:lnSpc>
+                <a:spcBef>
+                  <a:spcPts val="0"/>
+                </a:spcBef>
+                <a:spcAft>
+                  <a:spcPts val="0"/>
+                </a:spcAft>
+                <a:buClrTx/>
+                <a:buSzTx/>
+                <a:buFontTx/>
+                <a:buNone/>
+                <a:tabLst/>
+                <a:defRPr/>
+              </a:pPr>
+              <a:endParaRPr kumimoji="0" lang="ja-JP" altLang="en-US" sz="1600" b="0" i="0" u="none" strike="noStrike" kern="0" cap="none" spc="0" normalizeH="0" baseline="0" noProof="0">
+                <a:ln>
+                  <a:noFill/>
+                </a:ln>
+                <a:solidFill>
+                  <a:srgbClr val="FFFFFF"/>
+                </a:solidFill>
+                <a:effectLst/>
+                <a:uLnTx/>
+                <a:uFillTx/>
+                <a:latin typeface="Yu Gothic UI"/>
+                <a:ea typeface="Yu Gothic UI"/>
+                <a:cs typeface="+mn-cs"/>
+              </a:endParaRPr>
+            </a:p>
+          </p:txBody>
+        </p:sp>
+        <p:sp>
+          <p:nvSpPr>
+            <p:cNvPr id="34" name="正方形/長方形 33">
+              <a:extLst>
+                <a:ext uri="{FF2B5EF4-FFF2-40B4-BE49-F238E27FC236}">
+                  <a16:creationId xmlns:a16="http://schemas.microsoft.com/office/drawing/2014/main" id="{99CB4828-1DB4-C2A9-56F7-D1C45D7294E7}"/>
+                </a:ext>
+              </a:extLst>
+            </p:cNvPr>
+            <p:cNvSpPr/>
+            <p:nvPr/>
+          </p:nvSpPr>
+          <p:spPr>
+            <a:xfrm>
+              <a:off x="8675966" y="3900285"/>
+              <a:ext cx="840728" cy="2548186"/>
+            </a:xfrm>
+            <a:prstGeom prst="rect">
+              <a:avLst/>
+            </a:prstGeom>
+            <a:solidFill>
+              <a:srgbClr val="0078D4">
+                <a:lumMod val="20000"/>
+                <a:lumOff val="80000"/>
+              </a:srgbClr>
+            </a:solidFill>
+            <a:ln w="12700" cap="flat" cmpd="sng" algn="ctr">
+              <a:solidFill>
+                <a:srgbClr val="0078D4">
+                  <a:shade val="50000"/>
+                </a:srgbClr>
+              </a:solidFill>
+              <a:prstDash val="solid"/>
+              <a:miter lim="800000"/>
+            </a:ln>
+            <a:effectLst/>
+          </p:spPr>
+          <p:txBody>
+            <a:bodyPr rtlCol="0" anchor="ctr"/>
+            <a:lstStyle/>
+            <a:p>
+              <a:pPr marL="0" marR="0" lvl="0" indent="0" algn="ctr" defTabSz="914400" eaLnBrk="1" fontAlgn="auto" latinLnBrk="0" hangingPunct="1">
+                <a:lnSpc>
+                  <a:spcPct val="100000"/>
+                </a:lnSpc>
+                <a:spcBef>
+                  <a:spcPts val="0"/>
+                </a:spcBef>
+                <a:spcAft>
+                  <a:spcPts val="0"/>
+                </a:spcAft>
+                <a:buClrTx/>
+                <a:buSzTx/>
+                <a:buFontTx/>
+                <a:buNone/>
+                <a:tabLst/>
+                <a:defRPr/>
+              </a:pPr>
+              <a:endParaRPr kumimoji="0" lang="ja-JP" altLang="en-US" sz="1600" b="0" i="0" u="none" strike="noStrike" kern="0" cap="none" spc="0" normalizeH="0" baseline="0" noProof="0">
+                <a:ln>
+                  <a:noFill/>
+                </a:ln>
+                <a:solidFill>
+                  <a:srgbClr val="FFFFFF"/>
+                </a:solidFill>
+                <a:effectLst/>
+                <a:uLnTx/>
+                <a:uFillTx/>
+                <a:latin typeface="Yu Gothic UI"/>
+                <a:ea typeface="Yu Gothic UI"/>
+                <a:cs typeface="+mn-cs"/>
+              </a:endParaRPr>
+            </a:p>
+          </p:txBody>
+        </p:sp>
+        <p:sp>
+          <p:nvSpPr>
+            <p:cNvPr id="35" name="正方形/長方形 34">
+              <a:extLst>
+                <a:ext uri="{FF2B5EF4-FFF2-40B4-BE49-F238E27FC236}">
+                  <a16:creationId xmlns:a16="http://schemas.microsoft.com/office/drawing/2014/main" id="{C0B32046-1F32-CE64-011B-C2E12DEA68E9}"/>
+                </a:ext>
+              </a:extLst>
+            </p:cNvPr>
+            <p:cNvSpPr/>
+            <p:nvPr/>
+          </p:nvSpPr>
+          <p:spPr>
+            <a:xfrm>
+              <a:off x="9616368" y="3900285"/>
+              <a:ext cx="840728" cy="2548186"/>
+            </a:xfrm>
+            <a:prstGeom prst="rect">
+              <a:avLst/>
+            </a:prstGeom>
+            <a:solidFill>
+              <a:srgbClr val="0078D4">
+                <a:lumMod val="20000"/>
+                <a:lumOff val="80000"/>
+              </a:srgbClr>
+            </a:solidFill>
+            <a:ln w="12700" cap="flat" cmpd="sng" algn="ctr">
+              <a:solidFill>
+                <a:srgbClr val="0078D4">
+                  <a:shade val="50000"/>
+                </a:srgbClr>
+              </a:solidFill>
+              <a:prstDash val="solid"/>
+              <a:miter lim="800000"/>
+            </a:ln>
+            <a:effectLst/>
+          </p:spPr>
+          <p:txBody>
+            <a:bodyPr rtlCol="0" anchor="ctr"/>
+            <a:lstStyle/>
+            <a:p>
+              <a:pPr marL="0" marR="0" lvl="0" indent="0" algn="ctr" defTabSz="914400" eaLnBrk="1" fontAlgn="auto" latinLnBrk="0" hangingPunct="1">
+                <a:lnSpc>
+                  <a:spcPct val="100000"/>
+                </a:lnSpc>
+                <a:spcBef>
+                  <a:spcPts val="0"/>
+                </a:spcBef>
+                <a:spcAft>
+                  <a:spcPts val="0"/>
+                </a:spcAft>
+                <a:buClrTx/>
+                <a:buSzTx/>
+                <a:buFontTx/>
+                <a:buNone/>
+                <a:tabLst/>
+                <a:defRPr/>
+              </a:pPr>
+              <a:endParaRPr kumimoji="0" lang="ja-JP" altLang="en-US" sz="1600" b="0" i="0" u="none" strike="noStrike" kern="0" cap="none" spc="0" normalizeH="0" baseline="0" noProof="0">
+                <a:ln>
+                  <a:noFill/>
+                </a:ln>
+                <a:solidFill>
+                  <a:srgbClr val="FFFFFF"/>
+                </a:solidFill>
+                <a:effectLst/>
+                <a:uLnTx/>
+                <a:uFillTx/>
+                <a:latin typeface="Yu Gothic UI"/>
+                <a:ea typeface="Yu Gothic UI"/>
+                <a:cs typeface="+mn-cs"/>
+              </a:endParaRPr>
+            </a:p>
+          </p:txBody>
+        </p:sp>
+        <p:sp>
+          <p:nvSpPr>
+            <p:cNvPr id="36" name="正方形/長方形 35">
+              <a:extLst>
+                <a:ext uri="{FF2B5EF4-FFF2-40B4-BE49-F238E27FC236}">
+                  <a16:creationId xmlns:a16="http://schemas.microsoft.com/office/drawing/2014/main" id="{F7B0EF9B-50B1-3669-0442-4588DCC02B0B}"/>
+                </a:ext>
+              </a:extLst>
+            </p:cNvPr>
+            <p:cNvSpPr/>
+            <p:nvPr/>
+          </p:nvSpPr>
+          <p:spPr>
+            <a:xfrm>
+              <a:off x="7024845" y="4476660"/>
+              <a:ext cx="3719355" cy="1642453"/>
+            </a:xfrm>
+            <a:prstGeom prst="rect">
+              <a:avLst/>
+            </a:prstGeom>
+            <a:solidFill>
+              <a:srgbClr val="107C10">
+                <a:lumMod val="20000"/>
+                <a:lumOff val="80000"/>
+                <a:alpha val="60000"/>
+              </a:srgbClr>
+            </a:solidFill>
+            <a:ln w="12700" cap="flat" cmpd="sng" algn="ctr">
+              <a:solidFill>
+                <a:srgbClr val="107C10"/>
+              </a:solidFill>
+              <a:prstDash val="solid"/>
+              <a:miter lim="800000"/>
+            </a:ln>
+            <a:effectLst/>
+          </p:spPr>
+          <p:txBody>
+            <a:bodyPr rtlCol="0" anchor="ctr"/>
+            <a:lstStyle/>
+            <a:p>
+              <a:pPr marL="0" marR="0" lvl="0" indent="0" algn="ctr" defTabSz="914400" eaLnBrk="1" fontAlgn="auto" latinLnBrk="0" hangingPunct="1">
+                <a:lnSpc>
+                  <a:spcPct val="100000"/>
+                </a:lnSpc>
+                <a:spcBef>
+                  <a:spcPts val="0"/>
+                </a:spcBef>
+                <a:spcAft>
+                  <a:spcPts val="0"/>
+                </a:spcAft>
+                <a:buClrTx/>
+                <a:buSzTx/>
+                <a:buFontTx/>
+                <a:buNone/>
+                <a:tabLst/>
+                <a:defRPr/>
+              </a:pPr>
+              <a:endParaRPr kumimoji="0" lang="ja-JP" altLang="en-US" sz="1600" b="0" i="0" u="none" strike="noStrike" kern="0" cap="none" spc="0" normalizeH="0" baseline="0" noProof="0">
+                <a:ln>
+                  <a:noFill/>
+                </a:ln>
+                <a:solidFill>
+                  <a:srgbClr val="FFFFFF"/>
+                </a:solidFill>
+                <a:effectLst/>
+                <a:uLnTx/>
+                <a:uFillTx/>
+                <a:latin typeface="Yu Gothic UI"/>
+                <a:ea typeface="Yu Gothic UI"/>
+                <a:cs typeface="+mn-cs"/>
+              </a:endParaRPr>
+            </a:p>
+          </p:txBody>
+        </p:sp>
+        <p:pic>
+          <p:nvPicPr>
+            <p:cNvPr id="37" name="グラフィックス 36">
+              <a:extLst>
+                <a:ext uri="{FF2B5EF4-FFF2-40B4-BE49-F238E27FC236}">
+                  <a16:creationId xmlns:a16="http://schemas.microsoft.com/office/drawing/2014/main" id="{FBFB3FAB-E982-BEC8-A4AD-CA0B6F8275F2}"/>
+                </a:ext>
+              </a:extLst>
+            </p:cNvPr>
+            <p:cNvPicPr>
+              <a:picLocks noChangeAspect="1"/>
+            </p:cNvPicPr>
+            <p:nvPr/>
+          </p:nvPicPr>
+          <p:blipFill>
+            <a:blip r:embed="rId2">
+              <a:extLst>
+                <a:ext uri="{28A0092B-C50C-407E-A947-70E740481C1C}">
+                  <a14:useLocalDpi xmlns:a14="http://schemas.microsoft.com/office/drawing/2010/main" val="0"/>
+                </a:ext>
+                <a:ext uri="{96DAC541-7B7A-43D3-8B79-37D633B846F1}">
+                  <asvg:svgBlip xmlns:asvg="http://schemas.microsoft.com/office/drawing/2016/SVG/main" r:embed="rId3"/>
+                </a:ext>
+              </a:extLst>
+            </a:blip>
+            <a:stretch>
+              <a:fillRect/>
+            </a:stretch>
+          </p:blipFill>
+          <p:spPr>
+            <a:xfrm>
+              <a:off x="7972327" y="3382878"/>
+              <a:ext cx="375871" cy="375871"/>
+            </a:xfrm>
+            <a:prstGeom prst="rect">
+              <a:avLst/>
+            </a:prstGeom>
+          </p:spPr>
+        </p:pic>
+        <p:pic>
+          <p:nvPicPr>
+            <p:cNvPr id="38" name="グラフィックス 37">
+              <a:extLst>
+                <a:ext uri="{FF2B5EF4-FFF2-40B4-BE49-F238E27FC236}">
+                  <a16:creationId xmlns:a16="http://schemas.microsoft.com/office/drawing/2014/main" id="{5B253D76-790E-3ACC-BFF9-C1062A2F9A83}"/>
+                </a:ext>
+              </a:extLst>
+            </p:cNvPr>
+            <p:cNvPicPr>
+              <a:picLocks noChangeAspect="1"/>
+            </p:cNvPicPr>
+            <p:nvPr/>
+          </p:nvPicPr>
+          <p:blipFill>
+            <a:blip r:embed="rId4">
+              <a:extLst>
+                <a:ext uri="{28A0092B-C50C-407E-A947-70E740481C1C}">
+                  <a14:useLocalDpi xmlns:a14="http://schemas.microsoft.com/office/drawing/2010/main" val="0"/>
+                </a:ext>
+                <a:ext uri="{96DAC541-7B7A-43D3-8B79-37D633B846F1}">
+                  <asvg:svgBlip xmlns:asvg="http://schemas.microsoft.com/office/drawing/2016/SVG/main" r:embed="rId5"/>
+                </a:ext>
+              </a:extLst>
+            </a:blip>
+            <a:stretch>
+              <a:fillRect/>
+            </a:stretch>
+          </p:blipFill>
+          <p:spPr>
+            <a:xfrm>
+              <a:off x="8943064" y="3382878"/>
+              <a:ext cx="375871" cy="375871"/>
+            </a:xfrm>
+            <a:prstGeom prst="rect">
+              <a:avLst/>
+            </a:prstGeom>
+          </p:spPr>
+        </p:pic>
+        <p:pic>
+          <p:nvPicPr>
+            <p:cNvPr id="39" name="グラフィックス 38">
+              <a:extLst>
+                <a:ext uri="{FF2B5EF4-FFF2-40B4-BE49-F238E27FC236}">
+                  <a16:creationId xmlns:a16="http://schemas.microsoft.com/office/drawing/2014/main" id="{13B7062C-334C-3353-C2AE-C7AA710297A8}"/>
+                </a:ext>
+              </a:extLst>
+            </p:cNvPr>
+            <p:cNvPicPr>
+              <a:picLocks noChangeAspect="1"/>
+            </p:cNvPicPr>
+            <p:nvPr/>
+          </p:nvPicPr>
+          <p:blipFill>
+            <a:blip r:embed="rId6">
+              <a:extLst>
+                <a:ext uri="{28A0092B-C50C-407E-A947-70E740481C1C}">
+                  <a14:useLocalDpi xmlns:a14="http://schemas.microsoft.com/office/drawing/2010/main" val="0"/>
+                </a:ext>
+                <a:ext uri="{96DAC541-7B7A-43D3-8B79-37D633B846F1}">
+                  <asvg:svgBlip xmlns:asvg="http://schemas.microsoft.com/office/drawing/2016/SVG/main" r:embed="rId7"/>
+                </a:ext>
+              </a:extLst>
+            </a:blip>
+            <a:stretch>
+              <a:fillRect/>
+            </a:stretch>
+          </p:blipFill>
+          <p:spPr>
+            <a:xfrm>
+              <a:off x="6418787" y="4970841"/>
+              <a:ext cx="375870" cy="375870"/>
+            </a:xfrm>
+            <a:prstGeom prst="rect">
+              <a:avLst/>
+            </a:prstGeom>
+          </p:spPr>
+        </p:pic>
+        <p:sp>
+          <p:nvSpPr>
+            <p:cNvPr id="40" name="テキスト ボックス 39">
+              <a:extLst>
+                <a:ext uri="{FF2B5EF4-FFF2-40B4-BE49-F238E27FC236}">
+                  <a16:creationId xmlns:a16="http://schemas.microsoft.com/office/drawing/2014/main" id="{A121CCF1-997C-7BAF-72F3-BF16BA5B2D3D}"/>
+                </a:ext>
+              </a:extLst>
+            </p:cNvPr>
+            <p:cNvSpPr txBox="1"/>
+            <p:nvPr/>
+          </p:nvSpPr>
+          <p:spPr>
+            <a:xfrm>
+              <a:off x="8923435" y="3187560"/>
+              <a:ext cx="436355" cy="185589"/>
+            </a:xfrm>
+            <a:prstGeom prst="rect">
+              <a:avLst/>
+            </a:prstGeom>
+            <a:noFill/>
+          </p:spPr>
+          <p:txBody>
+            <a:bodyPr wrap="none" lIns="0" tIns="0" rIns="0" bIns="0" rtlCol="0">
+              <a:spAutoFit/>
+            </a:bodyPr>
+            <a:lstStyle/>
+            <a:p>
+              <a:pPr marL="0" marR="0" lvl="0" indent="0" defTabSz="914400" eaLnBrk="1" fontAlgn="auto" latinLnBrk="0" hangingPunct="1">
+                <a:lnSpc>
+                  <a:spcPct val="100000"/>
+                </a:lnSpc>
+                <a:spcBef>
+                  <a:spcPts val="0"/>
+                </a:spcBef>
+                <a:spcAft>
+                  <a:spcPts val="0"/>
+                </a:spcAft>
+                <a:buClrTx/>
+                <a:buSzTx/>
+                <a:buFontTx/>
+                <a:buNone/>
+                <a:tabLst/>
+                <a:defRPr/>
+              </a:pPr>
+              <a:r>
+                <a:rPr kumimoji="0" lang="ja-JP" altLang="en-US" sz="1050" b="0" i="0" u="none" strike="noStrike" kern="0" cap="none" spc="0" normalizeH="0" baseline="0" noProof="0">
+                  <a:ln>
+                    <a:noFill/>
+                  </a:ln>
+                  <a:solidFill>
+                    <a:srgbClr val="000000"/>
+                  </a:solidFill>
+                  <a:effectLst/>
+                  <a:uLnTx/>
+                  <a:uFillTx/>
+                </a:rPr>
+                <a:t>リソース</a:t>
+              </a:r>
+            </a:p>
+          </p:txBody>
+        </p:sp>
+        <p:sp>
+          <p:nvSpPr>
+            <p:cNvPr id="41" name="テキスト ボックス 40">
+              <a:extLst>
+                <a:ext uri="{FF2B5EF4-FFF2-40B4-BE49-F238E27FC236}">
+                  <a16:creationId xmlns:a16="http://schemas.microsoft.com/office/drawing/2014/main" id="{F02E23CF-5207-E0D5-FFCB-DD278649A197}"/>
+                </a:ext>
+              </a:extLst>
+            </p:cNvPr>
+            <p:cNvSpPr txBox="1"/>
+            <p:nvPr/>
+          </p:nvSpPr>
+          <p:spPr>
+            <a:xfrm>
+              <a:off x="6033513" y="5346711"/>
+              <a:ext cx="966946" cy="371178"/>
+            </a:xfrm>
+            <a:prstGeom prst="rect">
+              <a:avLst/>
+            </a:prstGeom>
+            <a:noFill/>
+          </p:spPr>
+          <p:txBody>
+            <a:bodyPr wrap="square" lIns="0" tIns="0" rIns="0" bIns="0" rtlCol="0">
+              <a:spAutoFit/>
+            </a:bodyPr>
+            <a:lstStyle/>
+            <a:p>
+              <a:pPr marL="0" marR="0" lvl="0" indent="0" algn="ctr" defTabSz="914400" eaLnBrk="1" fontAlgn="auto" latinLnBrk="0" hangingPunct="1">
+                <a:lnSpc>
+                  <a:spcPct val="100000"/>
+                </a:lnSpc>
+                <a:spcBef>
+                  <a:spcPts val="0"/>
+                </a:spcBef>
+                <a:spcAft>
+                  <a:spcPts val="0"/>
+                </a:spcAft>
+                <a:buClrTx/>
+                <a:buSzTx/>
+                <a:buFontTx/>
+                <a:buNone/>
+                <a:tabLst/>
+                <a:defRPr/>
+              </a:pPr>
+              <a:r>
+                <a:rPr kumimoji="0" lang="en-US" altLang="ja-JP" sz="1050" b="0" i="0" u="none" strike="noStrike" kern="0" cap="none" spc="0" normalizeH="0" baseline="0" noProof="0">
+                  <a:ln>
+                    <a:noFill/>
+                  </a:ln>
+                  <a:solidFill>
+                    <a:srgbClr val="000000"/>
+                  </a:solidFill>
+                  <a:effectLst/>
+                  <a:uLnTx/>
+                  <a:uFillTx/>
+                </a:rPr>
+                <a:t>Log Analytics</a:t>
+              </a:r>
+              <a:br>
+                <a:rPr kumimoji="0" lang="en-US" altLang="ja-JP" sz="1050" b="0" i="0" u="none" strike="noStrike" kern="0" cap="none" spc="0" normalizeH="0" baseline="0" noProof="0">
+                  <a:ln>
+                    <a:noFill/>
+                  </a:ln>
+                  <a:solidFill>
+                    <a:srgbClr val="000000"/>
+                  </a:solidFill>
+                  <a:effectLst/>
+                  <a:uLnTx/>
+                  <a:uFillTx/>
+                </a:rPr>
+              </a:br>
+              <a:r>
+                <a:rPr kumimoji="0" lang="ja-JP" altLang="en-US" sz="1050" b="0" i="0" u="none" strike="noStrike" kern="0" cap="none" spc="0" normalizeH="0" baseline="0" noProof="0">
+                  <a:ln>
+                    <a:noFill/>
+                  </a:ln>
+                  <a:solidFill>
+                    <a:srgbClr val="000000"/>
+                  </a:solidFill>
+                  <a:effectLst/>
+                  <a:uLnTx/>
+                  <a:uFillTx/>
+                </a:rPr>
+                <a:t>ワークスペース</a:t>
+              </a:r>
+            </a:p>
+          </p:txBody>
+        </p:sp>
+        <p:sp>
+          <p:nvSpPr>
+            <p:cNvPr id="42" name="正方形/長方形 41">
+              <a:extLst>
+                <a:ext uri="{FF2B5EF4-FFF2-40B4-BE49-F238E27FC236}">
+                  <a16:creationId xmlns:a16="http://schemas.microsoft.com/office/drawing/2014/main" id="{4939090A-5FB5-9E1E-284B-800B46A1C564}"/>
+                </a:ext>
+              </a:extLst>
+            </p:cNvPr>
+            <p:cNvSpPr/>
+            <p:nvPr/>
+          </p:nvSpPr>
+          <p:spPr>
+            <a:xfrm>
+              <a:off x="7824404" y="4706343"/>
+              <a:ext cx="671716" cy="290354"/>
+            </a:xfrm>
+            <a:prstGeom prst="rect">
+              <a:avLst/>
+            </a:prstGeom>
+            <a:solidFill>
+              <a:srgbClr val="FFFFFF"/>
+            </a:solidFill>
+            <a:ln w="12700" cap="flat" cmpd="sng" algn="ctr">
+              <a:solidFill>
+                <a:srgbClr val="0078D4">
+                  <a:shade val="50000"/>
+                </a:srgbClr>
+              </a:solidFill>
+              <a:prstDash val="solid"/>
+              <a:miter lim="800000"/>
+            </a:ln>
+            <a:effectLst/>
+          </p:spPr>
+          <p:txBody>
+            <a:bodyPr lIns="36000" tIns="36000" rIns="36000" bIns="36000" rtlCol="0" anchor="ctr"/>
+            <a:lstStyle/>
+            <a:p>
+              <a:pPr marL="0" marR="0" lvl="0" indent="0" algn="ctr" defTabSz="914400" eaLnBrk="1" fontAlgn="auto" latinLnBrk="0" hangingPunct="1">
+                <a:lnSpc>
+                  <a:spcPct val="100000"/>
+                </a:lnSpc>
+                <a:spcBef>
+                  <a:spcPts val="0"/>
+                </a:spcBef>
+                <a:spcAft>
+                  <a:spcPts val="0"/>
+                </a:spcAft>
+                <a:buClrTx/>
+                <a:buSzTx/>
+                <a:buFontTx/>
+                <a:buNone/>
+                <a:tabLst/>
+                <a:defRPr/>
+              </a:pPr>
+              <a:r>
+                <a:rPr kumimoji="0" lang="en-US" altLang="ja-JP" sz="700" b="0" i="0" u="none" strike="noStrike" kern="0" cap="none" spc="0" normalizeH="0" baseline="0" noProof="0">
+                  <a:ln>
+                    <a:noFill/>
+                  </a:ln>
+                  <a:solidFill>
+                    <a:srgbClr val="0078D4"/>
+                  </a:solidFill>
+                  <a:effectLst/>
+                  <a:uLnTx/>
+                  <a:uFillTx/>
+                  <a:latin typeface="Yu Gothic UI"/>
+                  <a:ea typeface="Yu Gothic UI"/>
+                  <a:cs typeface="+mn-cs"/>
+                </a:rPr>
+                <a:t>Heartbeat</a:t>
+              </a:r>
+              <a:endParaRPr kumimoji="0" lang="ja-JP" altLang="en-US" sz="700" b="0" i="0" u="none" strike="noStrike" kern="0" cap="none" spc="0" normalizeH="0" baseline="0" noProof="0">
+                <a:ln>
+                  <a:noFill/>
+                </a:ln>
+                <a:solidFill>
+                  <a:srgbClr val="0078D4"/>
+                </a:solidFill>
+                <a:effectLst/>
+                <a:uLnTx/>
+                <a:uFillTx/>
+                <a:latin typeface="Yu Gothic UI"/>
+                <a:ea typeface="Yu Gothic UI"/>
+                <a:cs typeface="+mn-cs"/>
+              </a:endParaRPr>
+            </a:p>
+          </p:txBody>
+        </p:sp>
+        <p:sp>
+          <p:nvSpPr>
+            <p:cNvPr id="43" name="正方形/長方形 42">
+              <a:extLst>
+                <a:ext uri="{FF2B5EF4-FFF2-40B4-BE49-F238E27FC236}">
+                  <a16:creationId xmlns:a16="http://schemas.microsoft.com/office/drawing/2014/main" id="{7914D910-BC96-DCF5-7F79-2CFC6A30C4AA}"/>
+                </a:ext>
+              </a:extLst>
+            </p:cNvPr>
+            <p:cNvSpPr/>
+            <p:nvPr/>
+          </p:nvSpPr>
+          <p:spPr>
+            <a:xfrm>
+              <a:off x="8795142" y="5152709"/>
+              <a:ext cx="671716" cy="290354"/>
+            </a:xfrm>
+            <a:prstGeom prst="rect">
+              <a:avLst/>
+            </a:prstGeom>
+            <a:solidFill>
+              <a:srgbClr val="FFFFFF"/>
+            </a:solidFill>
+            <a:ln w="12700" cap="flat" cmpd="sng" algn="ctr">
+              <a:solidFill>
+                <a:srgbClr val="0078D4">
+                  <a:shade val="50000"/>
+                </a:srgbClr>
+              </a:solidFill>
+              <a:prstDash val="solid"/>
+              <a:miter lim="800000"/>
+            </a:ln>
+            <a:effectLst/>
+          </p:spPr>
+          <p:txBody>
+            <a:bodyPr lIns="36000" tIns="36000" rIns="36000" bIns="36000" rtlCol="0" anchor="ctr"/>
+            <a:lstStyle/>
+            <a:p>
+              <a:pPr marL="0" marR="0" lvl="0" indent="0" algn="ctr" defTabSz="914400" eaLnBrk="1" fontAlgn="auto" latinLnBrk="0" hangingPunct="1">
+                <a:lnSpc>
+                  <a:spcPct val="100000"/>
+                </a:lnSpc>
+                <a:spcBef>
+                  <a:spcPts val="0"/>
+                </a:spcBef>
+                <a:spcAft>
+                  <a:spcPts val="0"/>
+                </a:spcAft>
+                <a:buClrTx/>
+                <a:buSzTx/>
+                <a:buFontTx/>
+                <a:buNone/>
+                <a:tabLst/>
+                <a:defRPr/>
+              </a:pPr>
+              <a:r>
+                <a:rPr kumimoji="0" lang="en-US" altLang="ja-JP" sz="700" b="0" i="0" u="none" strike="noStrike" kern="0" cap="none" spc="0" normalizeH="0" baseline="0" noProof="0" err="1">
+                  <a:ln>
+                    <a:noFill/>
+                  </a:ln>
+                  <a:solidFill>
+                    <a:srgbClr val="0078D4"/>
+                  </a:solidFill>
+                  <a:effectLst/>
+                  <a:uLnTx/>
+                  <a:uFillTx/>
+                  <a:latin typeface="Yu Gothic UI"/>
+                  <a:ea typeface="Yu Gothic UI"/>
+                  <a:cs typeface="+mn-cs"/>
+                </a:rPr>
+                <a:t>KubeEvents</a:t>
+              </a:r>
+              <a:endParaRPr kumimoji="0" lang="ja-JP" altLang="en-US" sz="700" b="0" i="0" u="none" strike="noStrike" kern="0" cap="none" spc="0" normalizeH="0" baseline="0" noProof="0">
+                <a:ln>
+                  <a:noFill/>
+                </a:ln>
+                <a:solidFill>
+                  <a:srgbClr val="0078D4"/>
+                </a:solidFill>
+                <a:effectLst/>
+                <a:uLnTx/>
+                <a:uFillTx/>
+                <a:latin typeface="Yu Gothic UI"/>
+                <a:ea typeface="Yu Gothic UI"/>
+                <a:cs typeface="+mn-cs"/>
+              </a:endParaRPr>
+            </a:p>
+          </p:txBody>
+        </p:sp>
+        <p:sp>
+          <p:nvSpPr>
+            <p:cNvPr id="44" name="正方形/長方形 43">
+              <a:extLst>
+                <a:ext uri="{FF2B5EF4-FFF2-40B4-BE49-F238E27FC236}">
+                  <a16:creationId xmlns:a16="http://schemas.microsoft.com/office/drawing/2014/main" id="{FDA948E5-0918-B680-C5FB-14004DC63C70}"/>
+                </a:ext>
+              </a:extLst>
+            </p:cNvPr>
+            <p:cNvSpPr/>
+            <p:nvPr/>
+          </p:nvSpPr>
+          <p:spPr>
+            <a:xfrm>
+              <a:off x="9700874" y="5629535"/>
+              <a:ext cx="671716" cy="290354"/>
+            </a:xfrm>
+            <a:prstGeom prst="rect">
+              <a:avLst/>
+            </a:prstGeom>
+            <a:solidFill>
+              <a:srgbClr val="FFFFFF"/>
+            </a:solidFill>
+            <a:ln w="12700" cap="flat" cmpd="sng" algn="ctr">
+              <a:solidFill>
+                <a:srgbClr val="0078D4">
+                  <a:shade val="50000"/>
+                </a:srgbClr>
+              </a:solidFill>
+              <a:prstDash val="solid"/>
+              <a:miter lim="800000"/>
+            </a:ln>
+            <a:effectLst/>
+          </p:spPr>
+          <p:txBody>
+            <a:bodyPr lIns="36000" tIns="36000" rIns="36000" bIns="36000" rtlCol="0" anchor="ctr"/>
+            <a:lstStyle/>
+            <a:p>
+              <a:pPr marL="0" marR="0" lvl="0" indent="0" algn="ctr" defTabSz="914400" eaLnBrk="1" fontAlgn="auto" latinLnBrk="0" hangingPunct="1">
+                <a:lnSpc>
+                  <a:spcPct val="100000"/>
+                </a:lnSpc>
+                <a:spcBef>
+                  <a:spcPts val="0"/>
+                </a:spcBef>
+                <a:spcAft>
+                  <a:spcPts val="0"/>
+                </a:spcAft>
+                <a:buClrTx/>
+                <a:buSzTx/>
+                <a:buFontTx/>
+                <a:buNone/>
+                <a:tabLst/>
+                <a:defRPr/>
+              </a:pPr>
+              <a:r>
+                <a:rPr kumimoji="0" lang="en-US" altLang="ja-JP" sz="700" b="0" i="0" u="none" strike="noStrike" kern="0" cap="none" spc="0" normalizeH="0" baseline="0" noProof="0" err="1">
+                  <a:ln>
+                    <a:noFill/>
+                  </a:ln>
+                  <a:solidFill>
+                    <a:srgbClr val="0078D4"/>
+                  </a:solidFill>
+                  <a:effectLst/>
+                  <a:uLnTx/>
+                  <a:uFillTx/>
+                  <a:latin typeface="Yu Gothic UI"/>
+                  <a:ea typeface="Yu Gothic UI"/>
+                  <a:cs typeface="+mn-cs"/>
+                </a:rPr>
+                <a:t>QueryLog</a:t>
+              </a:r>
+              <a:endParaRPr kumimoji="0" lang="ja-JP" altLang="en-US" sz="700" b="0" i="0" u="none" strike="noStrike" kern="0" cap="none" spc="0" normalizeH="0" baseline="0" noProof="0">
+                <a:ln>
+                  <a:noFill/>
+                </a:ln>
+                <a:solidFill>
+                  <a:srgbClr val="0078D4"/>
+                </a:solidFill>
+                <a:effectLst/>
+                <a:uLnTx/>
+                <a:uFillTx/>
+                <a:latin typeface="Yu Gothic UI"/>
+                <a:ea typeface="Yu Gothic UI"/>
+                <a:cs typeface="+mn-cs"/>
+              </a:endParaRPr>
+            </a:p>
+          </p:txBody>
+        </p:sp>
+        <p:sp>
+          <p:nvSpPr>
+            <p:cNvPr id="45" name="正方形/長方形 44">
+              <a:extLst>
+                <a:ext uri="{FF2B5EF4-FFF2-40B4-BE49-F238E27FC236}">
+                  <a16:creationId xmlns:a16="http://schemas.microsoft.com/office/drawing/2014/main" id="{D1F45CA1-FE4A-6D67-F0CC-3A82DCB98228}"/>
+                </a:ext>
+              </a:extLst>
+            </p:cNvPr>
+            <p:cNvSpPr/>
+            <p:nvPr/>
+          </p:nvSpPr>
+          <p:spPr>
+            <a:xfrm>
+              <a:off x="8795142" y="4706343"/>
+              <a:ext cx="671716" cy="290354"/>
+            </a:xfrm>
+            <a:prstGeom prst="rect">
+              <a:avLst/>
+            </a:prstGeom>
+            <a:solidFill>
+              <a:srgbClr val="FFFFFF"/>
+            </a:solidFill>
+            <a:ln w="12700" cap="flat" cmpd="sng" algn="ctr">
+              <a:solidFill>
+                <a:srgbClr val="0078D4">
+                  <a:shade val="50000"/>
+                </a:srgbClr>
+              </a:solidFill>
+              <a:prstDash val="solid"/>
+              <a:miter lim="800000"/>
+            </a:ln>
+            <a:effectLst/>
+          </p:spPr>
+          <p:txBody>
+            <a:bodyPr lIns="36000" tIns="36000" rIns="36000" bIns="36000" rtlCol="0" anchor="ctr"/>
+            <a:lstStyle/>
+            <a:p>
+              <a:pPr marL="0" marR="0" lvl="0" indent="0" algn="ctr" defTabSz="914400" eaLnBrk="1" fontAlgn="auto" latinLnBrk="0" hangingPunct="1">
+                <a:lnSpc>
+                  <a:spcPct val="100000"/>
+                </a:lnSpc>
+                <a:spcBef>
+                  <a:spcPts val="0"/>
+                </a:spcBef>
+                <a:spcAft>
+                  <a:spcPts val="0"/>
+                </a:spcAft>
+                <a:buClrTx/>
+                <a:buSzTx/>
+                <a:buFontTx/>
+                <a:buNone/>
+                <a:tabLst/>
+                <a:defRPr/>
+              </a:pPr>
+              <a:r>
+                <a:rPr kumimoji="0" lang="en-US" altLang="ja-JP" sz="700" b="0" i="0" u="none" strike="noStrike" kern="0" cap="none" spc="0" normalizeH="0" baseline="0" noProof="0">
+                  <a:ln>
+                    <a:noFill/>
+                  </a:ln>
+                  <a:solidFill>
+                    <a:srgbClr val="0078D4"/>
+                  </a:solidFill>
+                  <a:effectLst/>
+                  <a:uLnTx/>
+                  <a:uFillTx/>
+                  <a:latin typeface="Yu Gothic UI"/>
+                  <a:ea typeface="Yu Gothic UI"/>
+                  <a:cs typeface="+mn-cs"/>
+                </a:rPr>
+                <a:t>Heartbeat</a:t>
+              </a:r>
+              <a:endParaRPr kumimoji="0" lang="ja-JP" altLang="en-US" sz="700" b="0" i="0" u="none" strike="noStrike" kern="0" cap="none" spc="0" normalizeH="0" baseline="0" noProof="0">
+                <a:ln>
+                  <a:noFill/>
+                </a:ln>
+                <a:solidFill>
+                  <a:srgbClr val="0078D4"/>
+                </a:solidFill>
+                <a:effectLst/>
+                <a:uLnTx/>
+                <a:uFillTx/>
+                <a:latin typeface="Yu Gothic UI"/>
+                <a:ea typeface="Yu Gothic UI"/>
+                <a:cs typeface="+mn-cs"/>
+              </a:endParaRPr>
+            </a:p>
+          </p:txBody>
+        </p:sp>
+        <p:sp>
+          <p:nvSpPr>
+            <p:cNvPr id="46" name="正方形/長方形 45">
+              <a:extLst>
+                <a:ext uri="{FF2B5EF4-FFF2-40B4-BE49-F238E27FC236}">
+                  <a16:creationId xmlns:a16="http://schemas.microsoft.com/office/drawing/2014/main" id="{D98583B7-8629-B5BA-1B73-B5C43DC54240}"/>
+                </a:ext>
+              </a:extLst>
+            </p:cNvPr>
+            <p:cNvSpPr/>
+            <p:nvPr/>
+          </p:nvSpPr>
+          <p:spPr>
+            <a:xfrm>
+              <a:off x="7824404" y="5152709"/>
+              <a:ext cx="671716" cy="290354"/>
+            </a:xfrm>
+            <a:prstGeom prst="rect">
+              <a:avLst/>
+            </a:prstGeom>
+            <a:solidFill>
+              <a:srgbClr val="FFFFFF"/>
+            </a:solidFill>
+            <a:ln w="12700" cap="flat" cmpd="sng" algn="ctr">
+              <a:solidFill>
+                <a:srgbClr val="0078D4">
+                  <a:shade val="50000"/>
+                </a:srgbClr>
+              </a:solidFill>
+              <a:prstDash val="solid"/>
+              <a:miter lim="800000"/>
+            </a:ln>
+            <a:effectLst/>
+          </p:spPr>
+          <p:txBody>
+            <a:bodyPr lIns="36000" tIns="36000" rIns="36000" bIns="36000" rtlCol="0" anchor="ctr"/>
+            <a:lstStyle/>
+            <a:p>
+              <a:pPr marL="0" marR="0" lvl="0" indent="0" algn="ctr" defTabSz="914400" eaLnBrk="1" fontAlgn="auto" latinLnBrk="0" hangingPunct="1">
+                <a:lnSpc>
+                  <a:spcPct val="100000"/>
+                </a:lnSpc>
+                <a:spcBef>
+                  <a:spcPts val="0"/>
+                </a:spcBef>
+                <a:spcAft>
+                  <a:spcPts val="0"/>
+                </a:spcAft>
+                <a:buClrTx/>
+                <a:buSzTx/>
+                <a:buFontTx/>
+                <a:buNone/>
+                <a:tabLst/>
+                <a:defRPr/>
+              </a:pPr>
+              <a:r>
+                <a:rPr kumimoji="0" lang="en-US" altLang="ja-JP" sz="700" b="0" i="0" u="none" strike="noStrike" kern="0" cap="none" spc="0" normalizeH="0" baseline="0" noProof="0">
+                  <a:ln>
+                    <a:noFill/>
+                  </a:ln>
+                  <a:solidFill>
+                    <a:srgbClr val="0078D4"/>
+                  </a:solidFill>
+                  <a:effectLst/>
+                  <a:uLnTx/>
+                  <a:uFillTx/>
+                  <a:latin typeface="Yu Gothic UI"/>
+                  <a:ea typeface="Yu Gothic UI"/>
+                  <a:cs typeface="+mn-cs"/>
+                </a:rPr>
+                <a:t>Perf</a:t>
+              </a:r>
+              <a:endParaRPr kumimoji="0" lang="ja-JP" altLang="en-US" sz="700" b="0" i="0" u="none" strike="noStrike" kern="0" cap="none" spc="0" normalizeH="0" baseline="0" noProof="0">
+                <a:ln>
+                  <a:noFill/>
+                </a:ln>
+                <a:solidFill>
+                  <a:srgbClr val="0078D4"/>
+                </a:solidFill>
+                <a:effectLst/>
+                <a:uLnTx/>
+                <a:uFillTx/>
+                <a:latin typeface="Yu Gothic UI"/>
+                <a:ea typeface="Yu Gothic UI"/>
+                <a:cs typeface="+mn-cs"/>
+              </a:endParaRPr>
+            </a:p>
+          </p:txBody>
+        </p:sp>
+        <p:pic>
+          <p:nvPicPr>
+            <p:cNvPr id="47" name="グラフィックス 46" descr="ユーザー 単色塗りつぶし">
+              <a:extLst>
+                <a:ext uri="{FF2B5EF4-FFF2-40B4-BE49-F238E27FC236}">
+                  <a16:creationId xmlns:a16="http://schemas.microsoft.com/office/drawing/2014/main" id="{03CB530D-12C2-7E02-6550-C4AF5603E399}"/>
+                </a:ext>
+              </a:extLst>
+            </p:cNvPr>
+            <p:cNvPicPr>
+              <a:picLocks noChangeAspect="1"/>
+            </p:cNvPicPr>
+            <p:nvPr/>
+          </p:nvPicPr>
+          <p:blipFill>
+            <a:blip r:embed="rId8">
+              <a:extLst>
+                <a:ext uri="{28A0092B-C50C-407E-A947-70E740481C1C}">
+                  <a14:useLocalDpi xmlns:a14="http://schemas.microsoft.com/office/drawing/2010/main" val="0"/>
+                </a:ext>
+                <a:ext uri="{96DAC541-7B7A-43D3-8B79-37D633B846F1}">
+                  <asvg:svgBlip xmlns:asvg="http://schemas.microsoft.com/office/drawing/2016/SVG/main" r:embed="rId9"/>
+                </a:ext>
+              </a:extLst>
+            </a:blip>
+            <a:stretch>
+              <a:fillRect/>
+            </a:stretch>
+          </p:blipFill>
+          <p:spPr>
+            <a:xfrm>
+              <a:off x="5475425" y="4970841"/>
+              <a:ext cx="586545" cy="586545"/>
+            </a:xfrm>
+            <a:prstGeom prst="rect">
+              <a:avLst/>
+            </a:prstGeom>
+          </p:spPr>
+        </p:pic>
+        <p:pic>
+          <p:nvPicPr>
+            <p:cNvPr id="48" name="グラフィックス 47" descr="ユーザー 単色塗りつぶし">
+              <a:extLst>
+                <a:ext uri="{FF2B5EF4-FFF2-40B4-BE49-F238E27FC236}">
+                  <a16:creationId xmlns:a16="http://schemas.microsoft.com/office/drawing/2014/main" id="{9D6FC46B-120D-294B-E966-E16B5F21E6FA}"/>
+                </a:ext>
+              </a:extLst>
+            </p:cNvPr>
+            <p:cNvPicPr>
+              <a:picLocks noChangeAspect="1"/>
+            </p:cNvPicPr>
+            <p:nvPr/>
+          </p:nvPicPr>
+          <p:blipFill>
+            <a:blip r:embed="rId10">
+              <a:extLst>
+                <a:ext uri="{28A0092B-C50C-407E-A947-70E740481C1C}">
+                  <a14:useLocalDpi xmlns:a14="http://schemas.microsoft.com/office/drawing/2010/main" val="0"/>
+                </a:ext>
+                <a:ext uri="{96DAC541-7B7A-43D3-8B79-37D633B846F1}">
+                  <asvg:svgBlip xmlns:asvg="http://schemas.microsoft.com/office/drawing/2016/SVG/main" r:embed="rId11"/>
+                </a:ext>
+              </a:extLst>
+            </a:blip>
+            <a:stretch>
+              <a:fillRect/>
+            </a:stretch>
+          </p:blipFill>
+          <p:spPr>
+            <a:xfrm>
+              <a:off x="7866988" y="2696410"/>
+              <a:ext cx="586545" cy="586545"/>
+            </a:xfrm>
+            <a:prstGeom prst="rect">
+              <a:avLst/>
+            </a:prstGeom>
+          </p:spPr>
+        </p:pic>
+        <p:pic>
+          <p:nvPicPr>
+            <p:cNvPr id="49" name="グラフィックス 48" descr="ユーザー 単色塗りつぶし">
+              <a:extLst>
+                <a:ext uri="{FF2B5EF4-FFF2-40B4-BE49-F238E27FC236}">
+                  <a16:creationId xmlns:a16="http://schemas.microsoft.com/office/drawing/2014/main" id="{5A236A9F-90A1-8A07-322D-E37C0100BEED}"/>
+                </a:ext>
+              </a:extLst>
+            </p:cNvPr>
+            <p:cNvPicPr>
+              <a:picLocks noChangeAspect="1"/>
+            </p:cNvPicPr>
+            <p:nvPr/>
+          </p:nvPicPr>
+          <p:blipFill>
+            <a:blip r:embed="rId12">
+              <a:extLst>
+                <a:ext uri="{28A0092B-C50C-407E-A947-70E740481C1C}">
+                  <a14:useLocalDpi xmlns:a14="http://schemas.microsoft.com/office/drawing/2010/main" val="0"/>
+                </a:ext>
+                <a:ext uri="{96DAC541-7B7A-43D3-8B79-37D633B846F1}">
+                  <asvg:svgBlip xmlns:asvg="http://schemas.microsoft.com/office/drawing/2016/SVG/main" r:embed="rId13"/>
+                </a:ext>
+              </a:extLst>
+            </a:blip>
+            <a:stretch>
+              <a:fillRect/>
+            </a:stretch>
+          </p:blipFill>
+          <p:spPr>
+            <a:xfrm>
+              <a:off x="9743458" y="4813478"/>
+              <a:ext cx="586545" cy="586545"/>
+            </a:xfrm>
+            <a:prstGeom prst="rect">
+              <a:avLst/>
+            </a:prstGeom>
+          </p:spPr>
+        </p:pic>
+        <p:sp>
+          <p:nvSpPr>
+            <p:cNvPr id="50" name="正方形/長方形 49">
+              <a:extLst>
+                <a:ext uri="{FF2B5EF4-FFF2-40B4-BE49-F238E27FC236}">
+                  <a16:creationId xmlns:a16="http://schemas.microsoft.com/office/drawing/2014/main" id="{81D376CE-EC51-231E-5F42-D8778DCC181D}"/>
+                </a:ext>
+              </a:extLst>
+            </p:cNvPr>
+            <p:cNvSpPr/>
+            <p:nvPr/>
+          </p:nvSpPr>
+          <p:spPr>
+            <a:xfrm>
+              <a:off x="7680081" y="2696410"/>
+              <a:ext cx="949569" cy="3849463"/>
+            </a:xfrm>
+            <a:prstGeom prst="rect">
+              <a:avLst/>
+            </a:prstGeom>
+            <a:noFill/>
+            <a:ln w="22225" cap="flat" cmpd="sng" algn="ctr">
+              <a:solidFill>
+                <a:srgbClr val="0078D4"/>
+              </a:solidFill>
+              <a:prstDash val="dash"/>
+              <a:miter lim="800000"/>
+            </a:ln>
+            <a:effectLst/>
+          </p:spPr>
+          <p:txBody>
+            <a:bodyPr rtlCol="0" anchor="ctr"/>
+            <a:lstStyle/>
+            <a:p>
+              <a:pPr marL="0" marR="0" lvl="0" indent="0" algn="ctr" defTabSz="914400" eaLnBrk="1" fontAlgn="auto" latinLnBrk="0" hangingPunct="1">
+                <a:lnSpc>
+                  <a:spcPct val="100000"/>
+                </a:lnSpc>
+                <a:spcBef>
+                  <a:spcPts val="0"/>
+                </a:spcBef>
+                <a:spcAft>
+                  <a:spcPts val="0"/>
+                </a:spcAft>
+                <a:buClrTx/>
+                <a:buSzTx/>
+                <a:buFontTx/>
+                <a:buNone/>
+                <a:tabLst/>
+                <a:defRPr/>
+              </a:pPr>
+              <a:endParaRPr kumimoji="0" lang="ja-JP" altLang="en-US" sz="1600" b="0" i="0" u="none" strike="noStrike" kern="0" cap="none" spc="0" normalizeH="0" baseline="0" noProof="0">
+                <a:ln>
+                  <a:noFill/>
+                </a:ln>
+                <a:solidFill>
+                  <a:srgbClr val="FFFFFF"/>
+                </a:solidFill>
+                <a:effectLst/>
+                <a:uLnTx/>
+                <a:uFillTx/>
+                <a:latin typeface="Yu Gothic UI"/>
+                <a:ea typeface="Yu Gothic UI"/>
+                <a:cs typeface="+mn-cs"/>
+              </a:endParaRPr>
+            </a:p>
+          </p:txBody>
+        </p:sp>
+        <p:sp>
+          <p:nvSpPr>
+            <p:cNvPr id="51" name="正方形/長方形 50">
+              <a:extLst>
+                <a:ext uri="{FF2B5EF4-FFF2-40B4-BE49-F238E27FC236}">
+                  <a16:creationId xmlns:a16="http://schemas.microsoft.com/office/drawing/2014/main" id="{F2476ED5-585B-3EAB-F072-3FFA372AFDAF}"/>
+                </a:ext>
+              </a:extLst>
+            </p:cNvPr>
+            <p:cNvSpPr/>
+            <p:nvPr/>
+          </p:nvSpPr>
+          <p:spPr>
+            <a:xfrm>
+              <a:off x="8745307" y="4633547"/>
+              <a:ext cx="1668694" cy="1352964"/>
+            </a:xfrm>
+            <a:prstGeom prst="rect">
+              <a:avLst/>
+            </a:prstGeom>
+            <a:noFill/>
+            <a:ln w="22225" cap="flat" cmpd="sng" algn="ctr">
+              <a:solidFill>
+                <a:srgbClr val="8661C5"/>
+              </a:solidFill>
+              <a:prstDash val="dash"/>
+              <a:miter lim="800000"/>
+            </a:ln>
+            <a:effectLst/>
+          </p:spPr>
+          <p:txBody>
+            <a:bodyPr rtlCol="0" anchor="ctr"/>
+            <a:lstStyle/>
+            <a:p>
+              <a:pPr marL="0" marR="0" lvl="0" indent="0" algn="ctr" defTabSz="914400" eaLnBrk="1" fontAlgn="auto" latinLnBrk="0" hangingPunct="1">
+                <a:lnSpc>
+                  <a:spcPct val="100000"/>
+                </a:lnSpc>
+                <a:spcBef>
+                  <a:spcPts val="0"/>
+                </a:spcBef>
+                <a:spcAft>
+                  <a:spcPts val="0"/>
+                </a:spcAft>
+                <a:buClrTx/>
+                <a:buSzTx/>
+                <a:buFontTx/>
+                <a:buNone/>
+                <a:tabLst/>
+                <a:defRPr/>
+              </a:pPr>
+              <a:endParaRPr kumimoji="0" lang="ja-JP" altLang="en-US" sz="1600" b="0" i="0" u="none" strike="noStrike" kern="0" cap="none" spc="0" normalizeH="0" baseline="0" noProof="0">
+                <a:ln>
+                  <a:noFill/>
+                </a:ln>
+                <a:solidFill>
+                  <a:srgbClr val="FFFFFF"/>
+                </a:solidFill>
+                <a:effectLst/>
+                <a:uLnTx/>
+                <a:uFillTx/>
+                <a:latin typeface="Yu Gothic UI"/>
+                <a:ea typeface="Yu Gothic UI"/>
+                <a:cs typeface="+mn-cs"/>
+              </a:endParaRPr>
+            </a:p>
+          </p:txBody>
+        </p:sp>
+        <p:sp>
+          <p:nvSpPr>
+            <p:cNvPr id="52" name="正方形/長方形 51">
+              <a:extLst>
+                <a:ext uri="{FF2B5EF4-FFF2-40B4-BE49-F238E27FC236}">
+                  <a16:creationId xmlns:a16="http://schemas.microsoft.com/office/drawing/2014/main" id="{38D0C445-422A-B1BB-466D-C4B96C8CF2A8}"/>
+                </a:ext>
+              </a:extLst>
+            </p:cNvPr>
+            <p:cNvSpPr/>
+            <p:nvPr/>
+          </p:nvSpPr>
+          <p:spPr>
+            <a:xfrm>
+              <a:off x="5424854" y="4393325"/>
+              <a:ext cx="5471746" cy="1844915"/>
+            </a:xfrm>
+            <a:prstGeom prst="rect">
+              <a:avLst/>
+            </a:prstGeom>
+            <a:noFill/>
+            <a:ln w="22225" cap="flat" cmpd="sng" algn="ctr">
+              <a:solidFill>
+                <a:srgbClr val="107C10"/>
+              </a:solidFill>
+              <a:prstDash val="dash"/>
+              <a:miter lim="800000"/>
+            </a:ln>
+            <a:effectLst/>
+          </p:spPr>
+          <p:txBody>
+            <a:bodyPr rtlCol="0" anchor="ctr"/>
+            <a:lstStyle/>
+            <a:p>
+              <a:pPr marL="0" marR="0" lvl="0" indent="0" algn="ctr" defTabSz="914400" eaLnBrk="1" fontAlgn="auto" latinLnBrk="0" hangingPunct="1">
+                <a:lnSpc>
+                  <a:spcPct val="100000"/>
+                </a:lnSpc>
+                <a:spcBef>
+                  <a:spcPts val="0"/>
+                </a:spcBef>
+                <a:spcAft>
+                  <a:spcPts val="0"/>
+                </a:spcAft>
+                <a:buClrTx/>
+                <a:buSzTx/>
+                <a:buFontTx/>
+                <a:buNone/>
+                <a:tabLst/>
+                <a:defRPr/>
+              </a:pPr>
+              <a:endParaRPr kumimoji="0" lang="ja-JP" altLang="en-US" sz="1600" b="0" i="0" u="none" strike="noStrike" kern="0" cap="none" spc="0" normalizeH="0" baseline="0" noProof="0">
+                <a:ln>
+                  <a:noFill/>
+                </a:ln>
+                <a:solidFill>
+                  <a:srgbClr val="FFFFFF"/>
+                </a:solidFill>
+                <a:effectLst/>
+                <a:uLnTx/>
+                <a:uFillTx/>
+                <a:latin typeface="Yu Gothic UI"/>
+                <a:ea typeface="Yu Gothic UI"/>
+                <a:cs typeface="+mn-cs"/>
+              </a:endParaRPr>
+            </a:p>
+          </p:txBody>
+        </p:sp>
+        <p:pic>
+          <p:nvPicPr>
+            <p:cNvPr id="53" name="コンテンツ プレースホルダー 20">
+              <a:extLst>
+                <a:ext uri="{FF2B5EF4-FFF2-40B4-BE49-F238E27FC236}">
+                  <a16:creationId xmlns:a16="http://schemas.microsoft.com/office/drawing/2014/main" id="{2286312E-39E6-D451-517C-B7DAA934BEFC}"/>
+                </a:ext>
+              </a:extLst>
+            </p:cNvPr>
+            <p:cNvPicPr>
+              <a:picLocks noChangeAspect="1"/>
+            </p:cNvPicPr>
+            <p:nvPr/>
+          </p:nvPicPr>
+          <p:blipFill>
+            <a:blip r:embed="rId14">
+              <a:extLst>
+                <a:ext uri="{28A0092B-C50C-407E-A947-70E740481C1C}">
+                  <a14:useLocalDpi xmlns:a14="http://schemas.microsoft.com/office/drawing/2010/main" val="0"/>
+                </a:ext>
+                <a:ext uri="{96DAC541-7B7A-43D3-8B79-37D633B846F1}">
+                  <asvg:svgBlip xmlns:asvg="http://schemas.microsoft.com/office/drawing/2016/SVG/main" r:embed="rId15"/>
+                </a:ext>
+              </a:extLst>
+            </a:blip>
+            <a:stretch>
+              <a:fillRect/>
+            </a:stretch>
+          </p:blipFill>
+          <p:spPr>
+            <a:xfrm>
+              <a:off x="9879567" y="3382878"/>
+              <a:ext cx="375871" cy="375871"/>
+            </a:xfrm>
+            <a:prstGeom prst="rect">
+              <a:avLst/>
+            </a:prstGeom>
+          </p:spPr>
+        </p:pic>
+      </p:grpSp>
+      <p:graphicFrame>
+        <p:nvGraphicFramePr>
+          <p:cNvPr id="54" name="表 53">
+            <a:extLst>
+              <a:ext uri="{FF2B5EF4-FFF2-40B4-BE49-F238E27FC236}">
+                <a16:creationId xmlns:a16="http://schemas.microsoft.com/office/drawing/2014/main" id="{68E02B80-4E7F-89BC-75F0-CCB081373599}"/>
+              </a:ext>
+            </a:extLst>
+          </p:cNvPr>
+          <p:cNvGraphicFramePr/>
+          <p:nvPr>
+            <p:extLst>
+              <p:ext uri="{D42A27DB-BD31-4B8C-83A1-F6EECF244321}">
+                <p14:modId xmlns:p14="http://schemas.microsoft.com/office/powerpoint/2010/main" val="3767622848"/>
+              </p:ext>
+            </p:extLst>
+          </p:nvPr>
+        </p:nvGraphicFramePr>
+        <p:xfrm>
+          <a:off x="6882275" y="637423"/>
+          <a:ext cx="5183664" cy="2066880"/>
+        </p:xfrm>
+        <a:graphic>
+          <a:graphicData uri="http://schemas.openxmlformats.org/drawingml/2006/table">
+            <a:tbl>
+              <a:tblPr firstRow="1" firstCol="1"/>
+              <a:tblGrid>
+                <a:gridCol w="1276913">
+                  <a:extLst>
+                    <a:ext uri="{9D8B030D-6E8A-4147-A177-3AD203B41FA5}">
+                      <a16:colId xmlns:a16="http://schemas.microsoft.com/office/drawing/2014/main" val="3412230207"/>
+                    </a:ext>
+                  </a:extLst>
+                </a:gridCol>
+                <a:gridCol w="1876888">
+                  <a:extLst>
+                    <a:ext uri="{9D8B030D-6E8A-4147-A177-3AD203B41FA5}">
+                      <a16:colId xmlns:a16="http://schemas.microsoft.com/office/drawing/2014/main" val="725716445"/>
+                    </a:ext>
+                  </a:extLst>
+                </a:gridCol>
+                <a:gridCol w="2029863">
+                  <a:extLst>
+                    <a:ext uri="{9D8B030D-6E8A-4147-A177-3AD203B41FA5}">
+                      <a16:colId xmlns:a16="http://schemas.microsoft.com/office/drawing/2014/main" val="2891721407"/>
+                    </a:ext>
+                  </a:extLst>
+                </a:gridCol>
+              </a:tblGrid>
+              <a:tr h="101931">
+                <a:tc>
+                  <a:txBody>
+                    <a:bodyPr/>
+                    <a:lstStyle>
+                      <a:lvl1pPr marL="0" algn="l" defTabSz="914400" rtl="0" eaLnBrk="1" latinLnBrk="0" hangingPunct="1">
+                        <a:defRPr kumimoji="1" sz="1800" b="1" kern="1200">
+                          <a:solidFill>
+                            <a:schemeClr val="lt1"/>
+                          </a:solidFill>
+                          <a:latin typeface="Yu Gothic UI"/>
+                          <a:ea typeface="Yu Gothic UI"/>
+                        </a:defRPr>
+                      </a:lvl1pPr>
+                      <a:lvl2pPr marL="457200" algn="l" defTabSz="914400" rtl="0" eaLnBrk="1" latinLnBrk="0" hangingPunct="1">
+                        <a:defRPr kumimoji="1" sz="1800" b="1" kern="1200">
+                          <a:solidFill>
+                            <a:schemeClr val="lt1"/>
+                          </a:solidFill>
+                          <a:latin typeface="Yu Gothic UI"/>
+                          <a:ea typeface="Yu Gothic UI"/>
+                        </a:defRPr>
+                      </a:lvl2pPr>
+                      <a:lvl3pPr marL="914400" algn="l" defTabSz="914400" rtl="0" eaLnBrk="1" latinLnBrk="0" hangingPunct="1">
+                        <a:defRPr kumimoji="1" sz="1800" b="1" kern="1200">
+                          <a:solidFill>
+                            <a:schemeClr val="lt1"/>
+                          </a:solidFill>
+                          <a:latin typeface="Yu Gothic UI"/>
+                          <a:ea typeface="Yu Gothic UI"/>
+                        </a:defRPr>
+                      </a:lvl3pPr>
+                      <a:lvl4pPr marL="1371600" algn="l" defTabSz="914400" rtl="0" eaLnBrk="1" latinLnBrk="0" hangingPunct="1">
+                        <a:defRPr kumimoji="1" sz="1800" b="1" kern="1200">
+                          <a:solidFill>
+                            <a:schemeClr val="lt1"/>
+                          </a:solidFill>
+                          <a:latin typeface="Yu Gothic UI"/>
+                          <a:ea typeface="Yu Gothic UI"/>
+                        </a:defRPr>
+                      </a:lvl4pPr>
+                      <a:lvl5pPr marL="1828800" algn="l" defTabSz="914400" rtl="0" eaLnBrk="1" latinLnBrk="0" hangingPunct="1">
+                        <a:defRPr kumimoji="1" sz="1800" b="1" kern="1200">
+                          <a:solidFill>
+                            <a:schemeClr val="lt1"/>
+                          </a:solidFill>
+                          <a:latin typeface="Yu Gothic UI"/>
+                          <a:ea typeface="Yu Gothic UI"/>
+                        </a:defRPr>
+                      </a:lvl5pPr>
+                      <a:lvl6pPr marL="2286000" algn="l" defTabSz="914400" rtl="0" eaLnBrk="1" latinLnBrk="0" hangingPunct="1">
+                        <a:defRPr kumimoji="1" sz="1800" b="1" kern="1200">
+                          <a:solidFill>
+                            <a:schemeClr val="lt1"/>
+                          </a:solidFill>
+                          <a:latin typeface="Yu Gothic UI"/>
+                          <a:ea typeface="Yu Gothic UI"/>
+                        </a:defRPr>
+                      </a:lvl6pPr>
+                      <a:lvl7pPr marL="2743200" algn="l" defTabSz="914400" rtl="0" eaLnBrk="1" latinLnBrk="0" hangingPunct="1">
+                        <a:defRPr kumimoji="1" sz="1800" b="1" kern="1200">
+                          <a:solidFill>
+                            <a:schemeClr val="lt1"/>
+                          </a:solidFill>
+                          <a:latin typeface="Yu Gothic UI"/>
+                          <a:ea typeface="Yu Gothic UI"/>
+                        </a:defRPr>
+                      </a:lvl7pPr>
+                      <a:lvl8pPr marL="3200400" algn="l" defTabSz="914400" rtl="0" eaLnBrk="1" latinLnBrk="0" hangingPunct="1">
+                        <a:defRPr kumimoji="1" sz="1800" b="1" kern="1200">
+                          <a:solidFill>
+                            <a:schemeClr val="lt1"/>
+                          </a:solidFill>
+                          <a:latin typeface="Yu Gothic UI"/>
+                          <a:ea typeface="Yu Gothic UI"/>
+                        </a:defRPr>
+                      </a:lvl8pPr>
+                      <a:lvl9pPr marL="3657600" algn="l" defTabSz="914400" rtl="0" eaLnBrk="1" latinLnBrk="0" hangingPunct="1">
+                        <a:defRPr kumimoji="1" sz="1800" b="1" kern="1200">
+                          <a:solidFill>
+                            <a:schemeClr val="lt1"/>
+                          </a:solidFill>
+                          <a:latin typeface="Yu Gothic UI"/>
+                          <a:ea typeface="Yu Gothic UI"/>
+                        </a:defRPr>
+                      </a:lvl9pPr>
+                    </a:lstStyle>
+                    <a:p>
+                      <a:pPr algn="l" fontAlgn="t">
+                        <a:spcBef>
+                          <a:spcPts val="0"/>
+                        </a:spcBef>
+                        <a:spcAft>
+                          <a:spcPts val="0"/>
+                        </a:spcAft>
+                      </a:pPr>
+                      <a:endParaRPr lang="ja-JP" altLang="en-US" sz="700" b="0" i="0" u="none" strike="noStrike">
+                        <a:effectLst/>
+                        <a:latin typeface="+mn-ea"/>
+                        <a:ea typeface="+mn-ea"/>
+                      </a:endParaRPr>
+                    </a:p>
+                  </a:txBody>
+                  <a:tcPr marL="36000" marR="36000" marT="36000" marB="36000">
+                    <a:lnL w="12700" cmpd="sng">
+                      <a:solidFill>
+                        <a:srgbClr val="FFFFFF"/>
+                      </a:solidFill>
+                    </a:lnL>
+                    <a:lnR w="12700" cmpd="sng">
+                      <a:solidFill>
+                        <a:srgbClr val="FFFFFF"/>
+                      </a:solidFill>
+                    </a:lnR>
+                    <a:lnT w="12700" cmpd="sng">
+                      <a:solidFill>
+                        <a:srgbClr val="FFFFFF"/>
+                      </a:solidFill>
+                    </a:lnT>
+                    <a:lnB w="38100" cmpd="sng">
+                      <a:solidFill>
+                        <a:srgbClr val="FFFFFF"/>
+                      </a:solidFill>
+                    </a:lnB>
+                    <a:lnTlToBr w="12700" cmpd="sng">
+                      <a:noFill/>
+                      <a:prstDash val="solid"/>
+                    </a:lnTlToBr>
+                    <a:lnBlToTr w="12700" cmpd="sng">
+                      <a:noFill/>
+                      <a:prstDash val="solid"/>
+                    </a:lnBlToTr>
+                    <a:solidFill>
+                      <a:srgbClr val="0078D4"/>
+                    </a:solidFill>
+                  </a:tcPr>
+                </a:tc>
+                <a:tc>
+                  <a:txBody>
+                    <a:bodyPr/>
+                    <a:lstStyle>
+                      <a:lvl1pPr marL="0" algn="l" defTabSz="914400" rtl="0" eaLnBrk="1" latinLnBrk="0" hangingPunct="1">
+                        <a:defRPr kumimoji="1" sz="1800" b="1" kern="1200">
+                          <a:solidFill>
+                            <a:schemeClr val="lt1"/>
+                          </a:solidFill>
+                          <a:latin typeface="Yu Gothic UI"/>
+                          <a:ea typeface="Yu Gothic UI"/>
+                        </a:defRPr>
+                      </a:lvl1pPr>
+                      <a:lvl2pPr marL="457200" algn="l" defTabSz="914400" rtl="0" eaLnBrk="1" latinLnBrk="0" hangingPunct="1">
+                        <a:defRPr kumimoji="1" sz="1800" b="1" kern="1200">
+                          <a:solidFill>
+                            <a:schemeClr val="lt1"/>
+                          </a:solidFill>
+                          <a:latin typeface="Yu Gothic UI"/>
+                          <a:ea typeface="Yu Gothic UI"/>
+                        </a:defRPr>
+                      </a:lvl2pPr>
+                      <a:lvl3pPr marL="914400" algn="l" defTabSz="914400" rtl="0" eaLnBrk="1" latinLnBrk="0" hangingPunct="1">
+                        <a:defRPr kumimoji="1" sz="1800" b="1" kern="1200">
+                          <a:solidFill>
+                            <a:schemeClr val="lt1"/>
+                          </a:solidFill>
+                          <a:latin typeface="Yu Gothic UI"/>
+                          <a:ea typeface="Yu Gothic UI"/>
+                        </a:defRPr>
+                      </a:lvl3pPr>
+                      <a:lvl4pPr marL="1371600" algn="l" defTabSz="914400" rtl="0" eaLnBrk="1" latinLnBrk="0" hangingPunct="1">
+                        <a:defRPr kumimoji="1" sz="1800" b="1" kern="1200">
+                          <a:solidFill>
+                            <a:schemeClr val="lt1"/>
+                          </a:solidFill>
+                          <a:latin typeface="Yu Gothic UI"/>
+                          <a:ea typeface="Yu Gothic UI"/>
+                        </a:defRPr>
+                      </a:lvl4pPr>
+                      <a:lvl5pPr marL="1828800" algn="l" defTabSz="914400" rtl="0" eaLnBrk="1" latinLnBrk="0" hangingPunct="1">
+                        <a:defRPr kumimoji="1" sz="1800" b="1" kern="1200">
+                          <a:solidFill>
+                            <a:schemeClr val="lt1"/>
+                          </a:solidFill>
+                          <a:latin typeface="Yu Gothic UI"/>
+                          <a:ea typeface="Yu Gothic UI"/>
+                        </a:defRPr>
+                      </a:lvl5pPr>
+                      <a:lvl6pPr marL="2286000" algn="l" defTabSz="914400" rtl="0" eaLnBrk="1" latinLnBrk="0" hangingPunct="1">
+                        <a:defRPr kumimoji="1" sz="1800" b="1" kern="1200">
+                          <a:solidFill>
+                            <a:schemeClr val="lt1"/>
+                          </a:solidFill>
+                          <a:latin typeface="Yu Gothic UI"/>
+                          <a:ea typeface="Yu Gothic UI"/>
+                        </a:defRPr>
+                      </a:lvl6pPr>
+                      <a:lvl7pPr marL="2743200" algn="l" defTabSz="914400" rtl="0" eaLnBrk="1" latinLnBrk="0" hangingPunct="1">
+                        <a:defRPr kumimoji="1" sz="1800" b="1" kern="1200">
+                          <a:solidFill>
+                            <a:schemeClr val="lt1"/>
+                          </a:solidFill>
+                          <a:latin typeface="Yu Gothic UI"/>
+                          <a:ea typeface="Yu Gothic UI"/>
+                        </a:defRPr>
+                      </a:lvl7pPr>
+                      <a:lvl8pPr marL="3200400" algn="l" defTabSz="914400" rtl="0" eaLnBrk="1" latinLnBrk="0" hangingPunct="1">
+                        <a:defRPr kumimoji="1" sz="1800" b="1" kern="1200">
+                          <a:solidFill>
+                            <a:schemeClr val="lt1"/>
+                          </a:solidFill>
+                          <a:latin typeface="Yu Gothic UI"/>
+                          <a:ea typeface="Yu Gothic UI"/>
+                        </a:defRPr>
+                      </a:lvl8pPr>
+                      <a:lvl9pPr marL="3657600" algn="l" defTabSz="914400" rtl="0" eaLnBrk="1" latinLnBrk="0" hangingPunct="1">
+                        <a:defRPr kumimoji="1" sz="1800" b="1" kern="1200">
+                          <a:solidFill>
+                            <a:schemeClr val="lt1"/>
+                          </a:solidFill>
+                          <a:latin typeface="Yu Gothic UI"/>
+                          <a:ea typeface="Yu Gothic UI"/>
+                        </a:defRPr>
+                      </a:lvl9pPr>
+                    </a:lstStyle>
+                    <a:p>
+                      <a:pPr algn="l" fontAlgn="t">
+                        <a:spcBef>
+                          <a:spcPts val="0"/>
+                        </a:spcBef>
+                        <a:spcAft>
+                          <a:spcPts val="0"/>
+                        </a:spcAft>
+                      </a:pPr>
+                      <a:r>
+                        <a:rPr lang="ja-JP" altLang="en-US" sz="700" u="none" strike="noStrike">
+                          <a:effectLst/>
+                          <a:latin typeface="+mn-ea"/>
+                          <a:ea typeface="+mn-ea"/>
+                        </a:rPr>
+                        <a:t>ワークスペース コンテキスト</a:t>
+                      </a:r>
+                      <a:endParaRPr lang="ja-JP" altLang="en-US" sz="700" b="0" i="0" u="none" strike="noStrike">
+                        <a:effectLst/>
+                        <a:latin typeface="+mn-ea"/>
+                        <a:ea typeface="+mn-ea"/>
+                      </a:endParaRPr>
+                    </a:p>
+                  </a:txBody>
+                  <a:tcPr marL="36000" marR="36000" marT="36000" marB="36000">
+                    <a:lnL w="12700" cmpd="sng">
+                      <a:solidFill>
+                        <a:srgbClr val="FFFFFF"/>
+                      </a:solidFill>
+                    </a:lnL>
+                    <a:lnR w="12700" cmpd="sng">
+                      <a:solidFill>
+                        <a:srgbClr val="FFFFFF"/>
+                      </a:solidFill>
+                    </a:lnR>
+                    <a:lnT w="12700" cmpd="sng">
+                      <a:solidFill>
+                        <a:srgbClr val="FFFFFF"/>
+                      </a:solidFill>
+                    </a:lnT>
+                    <a:lnB w="38100" cmpd="sng">
+                      <a:solidFill>
+                        <a:srgbClr val="FFFFFF"/>
+                      </a:solidFill>
+                    </a:lnB>
+                    <a:lnTlToBr w="12700" cmpd="sng">
+                      <a:noFill/>
+                      <a:prstDash val="solid"/>
+                    </a:lnTlToBr>
+                    <a:lnBlToTr w="12700" cmpd="sng">
+                      <a:noFill/>
+                      <a:prstDash val="solid"/>
+                    </a:lnBlToTr>
+                    <a:solidFill>
+                      <a:srgbClr val="0078D4"/>
+                    </a:solidFill>
+                  </a:tcPr>
+                </a:tc>
+                <a:tc>
+                  <a:txBody>
+                    <a:bodyPr/>
+                    <a:lstStyle>
+                      <a:lvl1pPr marL="0" algn="l" defTabSz="914400" rtl="0" eaLnBrk="1" latinLnBrk="0" hangingPunct="1">
+                        <a:defRPr kumimoji="1" sz="1800" b="1" kern="1200">
+                          <a:solidFill>
+                            <a:schemeClr val="lt1"/>
+                          </a:solidFill>
+                          <a:latin typeface="Yu Gothic UI"/>
+                          <a:ea typeface="Yu Gothic UI"/>
+                        </a:defRPr>
+                      </a:lvl1pPr>
+                      <a:lvl2pPr marL="457200" algn="l" defTabSz="914400" rtl="0" eaLnBrk="1" latinLnBrk="0" hangingPunct="1">
+                        <a:defRPr kumimoji="1" sz="1800" b="1" kern="1200">
+                          <a:solidFill>
+                            <a:schemeClr val="lt1"/>
+                          </a:solidFill>
+                          <a:latin typeface="Yu Gothic UI"/>
+                          <a:ea typeface="Yu Gothic UI"/>
+                        </a:defRPr>
+                      </a:lvl2pPr>
+                      <a:lvl3pPr marL="914400" algn="l" defTabSz="914400" rtl="0" eaLnBrk="1" latinLnBrk="0" hangingPunct="1">
+                        <a:defRPr kumimoji="1" sz="1800" b="1" kern="1200">
+                          <a:solidFill>
+                            <a:schemeClr val="lt1"/>
+                          </a:solidFill>
+                          <a:latin typeface="Yu Gothic UI"/>
+                          <a:ea typeface="Yu Gothic UI"/>
+                        </a:defRPr>
+                      </a:lvl3pPr>
+                      <a:lvl4pPr marL="1371600" algn="l" defTabSz="914400" rtl="0" eaLnBrk="1" latinLnBrk="0" hangingPunct="1">
+                        <a:defRPr kumimoji="1" sz="1800" b="1" kern="1200">
+                          <a:solidFill>
+                            <a:schemeClr val="lt1"/>
+                          </a:solidFill>
+                          <a:latin typeface="Yu Gothic UI"/>
+                          <a:ea typeface="Yu Gothic UI"/>
+                        </a:defRPr>
+                      </a:lvl4pPr>
+                      <a:lvl5pPr marL="1828800" algn="l" defTabSz="914400" rtl="0" eaLnBrk="1" latinLnBrk="0" hangingPunct="1">
+                        <a:defRPr kumimoji="1" sz="1800" b="1" kern="1200">
+                          <a:solidFill>
+                            <a:schemeClr val="lt1"/>
+                          </a:solidFill>
+                          <a:latin typeface="Yu Gothic UI"/>
+                          <a:ea typeface="Yu Gothic UI"/>
+                        </a:defRPr>
+                      </a:lvl5pPr>
+                      <a:lvl6pPr marL="2286000" algn="l" defTabSz="914400" rtl="0" eaLnBrk="1" latinLnBrk="0" hangingPunct="1">
+                        <a:defRPr kumimoji="1" sz="1800" b="1" kern="1200">
+                          <a:solidFill>
+                            <a:schemeClr val="lt1"/>
+                          </a:solidFill>
+                          <a:latin typeface="Yu Gothic UI"/>
+                          <a:ea typeface="Yu Gothic UI"/>
+                        </a:defRPr>
+                      </a:lvl6pPr>
+                      <a:lvl7pPr marL="2743200" algn="l" defTabSz="914400" rtl="0" eaLnBrk="1" latinLnBrk="0" hangingPunct="1">
+                        <a:defRPr kumimoji="1" sz="1800" b="1" kern="1200">
+                          <a:solidFill>
+                            <a:schemeClr val="lt1"/>
+                          </a:solidFill>
+                          <a:latin typeface="Yu Gothic UI"/>
+                          <a:ea typeface="Yu Gothic UI"/>
+                        </a:defRPr>
+                      </a:lvl7pPr>
+                      <a:lvl8pPr marL="3200400" algn="l" defTabSz="914400" rtl="0" eaLnBrk="1" latinLnBrk="0" hangingPunct="1">
+                        <a:defRPr kumimoji="1" sz="1800" b="1" kern="1200">
+                          <a:solidFill>
+                            <a:schemeClr val="lt1"/>
+                          </a:solidFill>
+                          <a:latin typeface="Yu Gothic UI"/>
+                          <a:ea typeface="Yu Gothic UI"/>
+                        </a:defRPr>
+                      </a:lvl8pPr>
+                      <a:lvl9pPr marL="3657600" algn="l" defTabSz="914400" rtl="0" eaLnBrk="1" latinLnBrk="0" hangingPunct="1">
+                        <a:defRPr kumimoji="1" sz="1800" b="1" kern="1200">
+                          <a:solidFill>
+                            <a:schemeClr val="lt1"/>
+                          </a:solidFill>
+                          <a:latin typeface="Yu Gothic UI"/>
+                          <a:ea typeface="Yu Gothic UI"/>
+                        </a:defRPr>
+                      </a:lvl9pPr>
+                    </a:lstStyle>
+                    <a:p>
+                      <a:pPr algn="l" fontAlgn="t">
+                        <a:spcBef>
+                          <a:spcPts val="0"/>
+                        </a:spcBef>
+                        <a:spcAft>
+                          <a:spcPts val="0"/>
+                        </a:spcAft>
+                      </a:pPr>
+                      <a:r>
+                        <a:rPr lang="ja-JP" altLang="en-US" sz="700" u="none" strike="noStrike">
+                          <a:effectLst/>
+                          <a:latin typeface="+mn-ea"/>
+                          <a:ea typeface="+mn-ea"/>
+                        </a:rPr>
+                        <a:t>リソース コンテキスト</a:t>
+                      </a:r>
+                      <a:endParaRPr lang="ja-JP" altLang="en-US" sz="700" b="0" i="0" u="none" strike="noStrike">
+                        <a:effectLst/>
+                        <a:latin typeface="+mn-ea"/>
+                        <a:ea typeface="+mn-ea"/>
+                      </a:endParaRPr>
+                    </a:p>
+                  </a:txBody>
+                  <a:tcPr marL="36000" marR="36000" marT="36000" marB="36000">
+                    <a:lnL w="12700" cmpd="sng">
+                      <a:solidFill>
+                        <a:srgbClr val="FFFFFF"/>
+                      </a:solidFill>
+                    </a:lnL>
+                    <a:lnR w="12700" cmpd="sng">
+                      <a:solidFill>
+                        <a:srgbClr val="FFFFFF"/>
+                      </a:solidFill>
+                    </a:lnR>
+                    <a:lnT w="12700" cmpd="sng">
+                      <a:solidFill>
+                        <a:srgbClr val="FFFFFF"/>
+                      </a:solidFill>
+                    </a:lnT>
+                    <a:lnB w="38100" cmpd="sng">
+                      <a:solidFill>
+                        <a:srgbClr val="FFFFFF"/>
+                      </a:solidFill>
+                    </a:lnB>
+                    <a:lnTlToBr w="12700" cmpd="sng">
+                      <a:noFill/>
+                      <a:prstDash val="solid"/>
+                    </a:lnTlToBr>
+                    <a:lnBlToTr w="12700" cmpd="sng">
+                      <a:noFill/>
+                      <a:prstDash val="solid"/>
+                    </a:lnBlToTr>
+                    <a:solidFill>
+                      <a:srgbClr val="0078D4"/>
+                    </a:solidFill>
+                  </a:tcPr>
+                </a:tc>
+                <a:extLst>
+                  <a:ext uri="{0D108BD9-81ED-4DB2-BD59-A6C34878D82A}">
+                    <a16:rowId xmlns:a16="http://schemas.microsoft.com/office/drawing/2014/main" val="3151960612"/>
+                  </a:ext>
+                </a:extLst>
+              </a:tr>
+              <a:tr h="223646">
+                <a:tc>
+                  <a:txBody>
+                    <a:bodyPr/>
+                    <a:lstStyle>
+                      <a:lvl1pPr marL="0" algn="l" defTabSz="914400" rtl="0" eaLnBrk="1" latinLnBrk="0" hangingPunct="1">
+                        <a:defRPr kumimoji="1" sz="1800" b="1" kern="1200">
+                          <a:solidFill>
+                            <a:schemeClr val="lt1"/>
+                          </a:solidFill>
+                          <a:latin typeface="Yu Gothic UI"/>
+                          <a:ea typeface="Yu Gothic UI"/>
+                        </a:defRPr>
+                      </a:lvl1pPr>
+                      <a:lvl2pPr marL="457200" algn="l" defTabSz="914400" rtl="0" eaLnBrk="1" latinLnBrk="0" hangingPunct="1">
+                        <a:defRPr kumimoji="1" sz="1800" b="1" kern="1200">
+                          <a:solidFill>
+                            <a:schemeClr val="lt1"/>
+                          </a:solidFill>
+                          <a:latin typeface="Yu Gothic UI"/>
+                          <a:ea typeface="Yu Gothic UI"/>
+                        </a:defRPr>
+                      </a:lvl2pPr>
+                      <a:lvl3pPr marL="914400" algn="l" defTabSz="914400" rtl="0" eaLnBrk="1" latinLnBrk="0" hangingPunct="1">
+                        <a:defRPr kumimoji="1" sz="1800" b="1" kern="1200">
+                          <a:solidFill>
+                            <a:schemeClr val="lt1"/>
+                          </a:solidFill>
+                          <a:latin typeface="Yu Gothic UI"/>
+                          <a:ea typeface="Yu Gothic UI"/>
+                        </a:defRPr>
+                      </a:lvl3pPr>
+                      <a:lvl4pPr marL="1371600" algn="l" defTabSz="914400" rtl="0" eaLnBrk="1" latinLnBrk="0" hangingPunct="1">
+                        <a:defRPr kumimoji="1" sz="1800" b="1" kern="1200">
+                          <a:solidFill>
+                            <a:schemeClr val="lt1"/>
+                          </a:solidFill>
+                          <a:latin typeface="Yu Gothic UI"/>
+                          <a:ea typeface="Yu Gothic UI"/>
+                        </a:defRPr>
+                      </a:lvl4pPr>
+                      <a:lvl5pPr marL="1828800" algn="l" defTabSz="914400" rtl="0" eaLnBrk="1" latinLnBrk="0" hangingPunct="1">
+                        <a:defRPr kumimoji="1" sz="1800" b="1" kern="1200">
+                          <a:solidFill>
+                            <a:schemeClr val="lt1"/>
+                          </a:solidFill>
+                          <a:latin typeface="Yu Gothic UI"/>
+                          <a:ea typeface="Yu Gothic UI"/>
+                        </a:defRPr>
+                      </a:lvl5pPr>
+                      <a:lvl6pPr marL="2286000" algn="l" defTabSz="914400" rtl="0" eaLnBrk="1" latinLnBrk="0" hangingPunct="1">
+                        <a:defRPr kumimoji="1" sz="1800" b="1" kern="1200">
+                          <a:solidFill>
+                            <a:schemeClr val="lt1"/>
+                          </a:solidFill>
+                          <a:latin typeface="Yu Gothic UI"/>
+                          <a:ea typeface="Yu Gothic UI"/>
+                        </a:defRPr>
+                      </a:lvl6pPr>
+                      <a:lvl7pPr marL="2743200" algn="l" defTabSz="914400" rtl="0" eaLnBrk="1" latinLnBrk="0" hangingPunct="1">
+                        <a:defRPr kumimoji="1" sz="1800" b="1" kern="1200">
+                          <a:solidFill>
+                            <a:schemeClr val="lt1"/>
+                          </a:solidFill>
+                          <a:latin typeface="Yu Gothic UI"/>
+                          <a:ea typeface="Yu Gothic UI"/>
+                        </a:defRPr>
+                      </a:lvl7pPr>
+                      <a:lvl8pPr marL="3200400" algn="l" defTabSz="914400" rtl="0" eaLnBrk="1" latinLnBrk="0" hangingPunct="1">
+                        <a:defRPr kumimoji="1" sz="1800" b="1" kern="1200">
+                          <a:solidFill>
+                            <a:schemeClr val="lt1"/>
+                          </a:solidFill>
+                          <a:latin typeface="Yu Gothic UI"/>
+                          <a:ea typeface="Yu Gothic UI"/>
+                        </a:defRPr>
+                      </a:lvl8pPr>
+                      <a:lvl9pPr marL="3657600" algn="l" defTabSz="914400" rtl="0" eaLnBrk="1" latinLnBrk="0" hangingPunct="1">
+                        <a:defRPr kumimoji="1" sz="1800" b="1" kern="1200">
+                          <a:solidFill>
+                            <a:schemeClr val="lt1"/>
+                          </a:solidFill>
+                          <a:latin typeface="Yu Gothic UI"/>
+                          <a:ea typeface="Yu Gothic UI"/>
+                        </a:defRPr>
+                      </a:lvl9pPr>
+                    </a:lstStyle>
+                    <a:p>
+                      <a:pPr algn="l" fontAlgn="t">
+                        <a:spcBef>
+                          <a:spcPts val="0"/>
+                        </a:spcBef>
+                        <a:spcAft>
+                          <a:spcPts val="0"/>
+                        </a:spcAft>
+                      </a:pPr>
+                      <a:r>
+                        <a:rPr lang="ja-JP" altLang="en-US" sz="700" b="1" i="0" u="none" strike="noStrike">
+                          <a:effectLst/>
+                          <a:latin typeface="+mn-ea"/>
+                          <a:ea typeface="+mn-ea"/>
+                        </a:rPr>
+                        <a:t>利用想定</a:t>
+                      </a:r>
+                    </a:p>
+                  </a:txBody>
+                  <a:tcPr marL="36000" marR="36000" marT="36000" marB="36000">
+                    <a:lnL w="12700" cmpd="sng">
+                      <a:solidFill>
+                        <a:srgbClr val="FFFFFF"/>
+                      </a:solidFill>
+                    </a:lnL>
+                    <a:lnR w="12700" cmpd="sng">
+                      <a:solidFill>
+                        <a:srgbClr val="FFFFFF"/>
+                      </a:solidFill>
+                    </a:lnR>
+                    <a:lnT w="38100" cmpd="sng">
+                      <a:solidFill>
+                        <a:srgbClr val="FFFFFF"/>
+                      </a:solidFill>
+                    </a:lnT>
+                    <a:lnB w="12700" cmpd="sng">
+                      <a:solidFill>
+                        <a:srgbClr val="FFFFFF"/>
+                      </a:solidFill>
+                    </a:lnB>
+                    <a:lnTlToBr w="12700" cmpd="sng">
+                      <a:noFill/>
+                      <a:prstDash val="solid"/>
+                    </a:lnTlToBr>
+                    <a:lnBlToTr w="12700" cmpd="sng">
+                      <a:noFill/>
+                      <a:prstDash val="solid"/>
+                    </a:lnBlToTr>
+                    <a:solidFill>
+                      <a:srgbClr val="0078D4"/>
+                    </a:solidFill>
+                  </a:tcPr>
+                </a:tc>
+                <a:tc>
+                  <a:txBody>
+                    <a:bodyPr/>
+                    <a:lstStyle>
+                      <a:lvl1pPr marL="0" algn="l" defTabSz="914400" rtl="0" eaLnBrk="1" latinLnBrk="0" hangingPunct="1">
+                        <a:defRPr kumimoji="1" sz="1800" kern="1200">
+                          <a:solidFill>
+                            <a:schemeClr val="dk1"/>
+                          </a:solidFill>
+                          <a:latin typeface="Yu Gothic UI"/>
+                          <a:ea typeface="Yu Gothic UI"/>
+                        </a:defRPr>
+                      </a:lvl1pPr>
+                      <a:lvl2pPr marL="457200" algn="l" defTabSz="914400" rtl="0" eaLnBrk="1" latinLnBrk="0" hangingPunct="1">
+                        <a:defRPr kumimoji="1" sz="1800" kern="1200">
+                          <a:solidFill>
+                            <a:schemeClr val="dk1"/>
+                          </a:solidFill>
+                          <a:latin typeface="Yu Gothic UI"/>
+                          <a:ea typeface="Yu Gothic UI"/>
+                        </a:defRPr>
+                      </a:lvl2pPr>
+                      <a:lvl3pPr marL="914400" algn="l" defTabSz="914400" rtl="0" eaLnBrk="1" latinLnBrk="0" hangingPunct="1">
+                        <a:defRPr kumimoji="1" sz="1800" kern="1200">
+                          <a:solidFill>
+                            <a:schemeClr val="dk1"/>
+                          </a:solidFill>
+                          <a:latin typeface="Yu Gothic UI"/>
+                          <a:ea typeface="Yu Gothic UI"/>
+                        </a:defRPr>
+                      </a:lvl3pPr>
+                      <a:lvl4pPr marL="1371600" algn="l" defTabSz="914400" rtl="0" eaLnBrk="1" latinLnBrk="0" hangingPunct="1">
+                        <a:defRPr kumimoji="1" sz="1800" kern="1200">
+                          <a:solidFill>
+                            <a:schemeClr val="dk1"/>
+                          </a:solidFill>
+                          <a:latin typeface="Yu Gothic UI"/>
+                          <a:ea typeface="Yu Gothic UI"/>
+                        </a:defRPr>
+                      </a:lvl4pPr>
+                      <a:lvl5pPr marL="1828800" algn="l" defTabSz="914400" rtl="0" eaLnBrk="1" latinLnBrk="0" hangingPunct="1">
+                        <a:defRPr kumimoji="1" sz="1800" kern="1200">
+                          <a:solidFill>
+                            <a:schemeClr val="dk1"/>
+                          </a:solidFill>
+                          <a:latin typeface="Yu Gothic UI"/>
+                          <a:ea typeface="Yu Gothic UI"/>
+                        </a:defRPr>
+                      </a:lvl5pPr>
+                      <a:lvl6pPr marL="2286000" algn="l" defTabSz="914400" rtl="0" eaLnBrk="1" latinLnBrk="0" hangingPunct="1">
+                        <a:defRPr kumimoji="1" sz="1800" kern="1200">
+                          <a:solidFill>
+                            <a:schemeClr val="dk1"/>
+                          </a:solidFill>
+                          <a:latin typeface="Yu Gothic UI"/>
+                          <a:ea typeface="Yu Gothic UI"/>
+                        </a:defRPr>
+                      </a:lvl6pPr>
+                      <a:lvl7pPr marL="2743200" algn="l" defTabSz="914400" rtl="0" eaLnBrk="1" latinLnBrk="0" hangingPunct="1">
+                        <a:defRPr kumimoji="1" sz="1800" kern="1200">
+                          <a:solidFill>
+                            <a:schemeClr val="dk1"/>
+                          </a:solidFill>
+                          <a:latin typeface="Yu Gothic UI"/>
+                          <a:ea typeface="Yu Gothic UI"/>
+                        </a:defRPr>
+                      </a:lvl7pPr>
+                      <a:lvl8pPr marL="3200400" algn="l" defTabSz="914400" rtl="0" eaLnBrk="1" latinLnBrk="0" hangingPunct="1">
+                        <a:defRPr kumimoji="1" sz="1800" kern="1200">
+                          <a:solidFill>
+                            <a:schemeClr val="dk1"/>
+                          </a:solidFill>
+                          <a:latin typeface="Yu Gothic UI"/>
+                          <a:ea typeface="Yu Gothic UI"/>
+                        </a:defRPr>
+                      </a:lvl8pPr>
+                      <a:lvl9pPr marL="3657600" algn="l" defTabSz="914400" rtl="0" eaLnBrk="1" latinLnBrk="0" hangingPunct="1">
+                        <a:defRPr kumimoji="1" sz="1800" kern="1200">
+                          <a:solidFill>
+                            <a:schemeClr val="dk1"/>
+                          </a:solidFill>
+                          <a:latin typeface="Yu Gothic UI"/>
+                          <a:ea typeface="Yu Gothic UI"/>
+                        </a:defRPr>
+                      </a:lvl9pPr>
+                    </a:lstStyle>
+                    <a:p>
+                      <a:pPr marL="0" indent="0" algn="l" fontAlgn="t">
+                        <a:spcBef>
+                          <a:spcPts val="0"/>
+                        </a:spcBef>
+                        <a:spcAft>
+                          <a:spcPts val="0"/>
+                        </a:spcAft>
+                        <a:buFont typeface="Arial" panose="020B0604020202020204" pitchFamily="34" charset="0"/>
+                        <a:buNone/>
+                      </a:pPr>
+                      <a:r>
+                        <a:rPr lang="ja-JP" altLang="en-US" sz="700" u="none" strike="noStrike">
+                          <a:effectLst/>
+                          <a:latin typeface="+mn-ea"/>
+                          <a:ea typeface="+mn-ea"/>
+                        </a:rPr>
+                        <a:t>全体管理</a:t>
+                      </a:r>
+                      <a:endParaRPr lang="en-US" altLang="ja-JP" sz="700" u="none" strike="noStrike">
+                        <a:effectLst/>
+                        <a:latin typeface="+mn-ea"/>
+                        <a:ea typeface="+mn-ea"/>
+                      </a:endParaRPr>
+                    </a:p>
+                    <a:p>
+                      <a:pPr marL="87313" indent="-87313" algn="l" fontAlgn="t">
+                        <a:spcBef>
+                          <a:spcPts val="0"/>
+                        </a:spcBef>
+                        <a:spcAft>
+                          <a:spcPts val="0"/>
+                        </a:spcAft>
+                        <a:buFont typeface="Arial" panose="020B0604020202020204" pitchFamily="34" charset="0"/>
+                        <a:buChar char="•"/>
+                      </a:pPr>
+                      <a:r>
+                        <a:rPr lang="ja-JP" altLang="en-US" sz="700" u="none" strike="noStrike">
+                          <a:effectLst/>
+                          <a:latin typeface="+mn-ea"/>
+                          <a:ea typeface="+mn-ea"/>
+                        </a:rPr>
+                        <a:t>データ収集を構成する必要がある管理者と多様なリソースにアクセスする必要があるユーザー</a:t>
+                      </a:r>
+                      <a:endParaRPr lang="ja-JP" altLang="en-US" sz="700" b="0" i="0" u="none" strike="noStrike">
+                        <a:effectLst/>
+                        <a:latin typeface="+mn-ea"/>
+                        <a:ea typeface="+mn-ea"/>
+                      </a:endParaRPr>
+                    </a:p>
+                  </a:txBody>
+                  <a:tcPr marL="36000" marR="36000" marT="36000" marB="36000">
+                    <a:lnL w="12700" cmpd="sng">
+                      <a:solidFill>
+                        <a:srgbClr val="FFFFFF"/>
+                      </a:solidFill>
+                    </a:lnL>
+                    <a:lnR w="12700" cmpd="sng">
+                      <a:solidFill>
+                        <a:srgbClr val="FFFFFF"/>
+                      </a:solidFill>
+                    </a:lnR>
+                    <a:lnT w="38100" cmpd="sng">
+                      <a:solidFill>
+                        <a:srgbClr val="FFFFFF"/>
+                      </a:solidFill>
+                    </a:lnT>
+                    <a:lnB w="12700" cmpd="sng">
+                      <a:solidFill>
+                        <a:srgbClr val="FFFFFF"/>
+                      </a:solidFill>
+                    </a:lnB>
+                    <a:lnTlToBr w="12700" cmpd="sng">
+                      <a:noFill/>
+                      <a:prstDash val="solid"/>
+                    </a:lnTlToBr>
+                    <a:lnBlToTr w="12700" cmpd="sng">
+                      <a:noFill/>
+                      <a:prstDash val="solid"/>
+                    </a:lnBlToTr>
+                    <a:solidFill>
+                      <a:srgbClr val="0078D4">
+                        <a:tint val="20000"/>
+                      </a:srgbClr>
+                    </a:solidFill>
+                  </a:tcPr>
+                </a:tc>
+                <a:tc>
+                  <a:txBody>
+                    <a:bodyPr/>
+                    <a:lstStyle>
+                      <a:lvl1pPr marL="0" algn="l" defTabSz="914400" rtl="0" eaLnBrk="1" latinLnBrk="0" hangingPunct="1">
+                        <a:defRPr kumimoji="1" sz="1800" kern="1200">
+                          <a:solidFill>
+                            <a:schemeClr val="dk1"/>
+                          </a:solidFill>
+                          <a:latin typeface="Yu Gothic UI"/>
+                          <a:ea typeface="Yu Gothic UI"/>
+                        </a:defRPr>
+                      </a:lvl1pPr>
+                      <a:lvl2pPr marL="457200" algn="l" defTabSz="914400" rtl="0" eaLnBrk="1" latinLnBrk="0" hangingPunct="1">
+                        <a:defRPr kumimoji="1" sz="1800" kern="1200">
+                          <a:solidFill>
+                            <a:schemeClr val="dk1"/>
+                          </a:solidFill>
+                          <a:latin typeface="Yu Gothic UI"/>
+                          <a:ea typeface="Yu Gothic UI"/>
+                        </a:defRPr>
+                      </a:lvl2pPr>
+                      <a:lvl3pPr marL="914400" algn="l" defTabSz="914400" rtl="0" eaLnBrk="1" latinLnBrk="0" hangingPunct="1">
+                        <a:defRPr kumimoji="1" sz="1800" kern="1200">
+                          <a:solidFill>
+                            <a:schemeClr val="dk1"/>
+                          </a:solidFill>
+                          <a:latin typeface="Yu Gothic UI"/>
+                          <a:ea typeface="Yu Gothic UI"/>
+                        </a:defRPr>
+                      </a:lvl3pPr>
+                      <a:lvl4pPr marL="1371600" algn="l" defTabSz="914400" rtl="0" eaLnBrk="1" latinLnBrk="0" hangingPunct="1">
+                        <a:defRPr kumimoji="1" sz="1800" kern="1200">
+                          <a:solidFill>
+                            <a:schemeClr val="dk1"/>
+                          </a:solidFill>
+                          <a:latin typeface="Yu Gothic UI"/>
+                          <a:ea typeface="Yu Gothic UI"/>
+                        </a:defRPr>
+                      </a:lvl4pPr>
+                      <a:lvl5pPr marL="1828800" algn="l" defTabSz="914400" rtl="0" eaLnBrk="1" latinLnBrk="0" hangingPunct="1">
+                        <a:defRPr kumimoji="1" sz="1800" kern="1200">
+                          <a:solidFill>
+                            <a:schemeClr val="dk1"/>
+                          </a:solidFill>
+                          <a:latin typeface="Yu Gothic UI"/>
+                          <a:ea typeface="Yu Gothic UI"/>
+                        </a:defRPr>
+                      </a:lvl5pPr>
+                      <a:lvl6pPr marL="2286000" algn="l" defTabSz="914400" rtl="0" eaLnBrk="1" latinLnBrk="0" hangingPunct="1">
+                        <a:defRPr kumimoji="1" sz="1800" kern="1200">
+                          <a:solidFill>
+                            <a:schemeClr val="dk1"/>
+                          </a:solidFill>
+                          <a:latin typeface="Yu Gothic UI"/>
+                          <a:ea typeface="Yu Gothic UI"/>
+                        </a:defRPr>
+                      </a:lvl6pPr>
+                      <a:lvl7pPr marL="2743200" algn="l" defTabSz="914400" rtl="0" eaLnBrk="1" latinLnBrk="0" hangingPunct="1">
+                        <a:defRPr kumimoji="1" sz="1800" kern="1200">
+                          <a:solidFill>
+                            <a:schemeClr val="dk1"/>
+                          </a:solidFill>
+                          <a:latin typeface="Yu Gothic UI"/>
+                          <a:ea typeface="Yu Gothic UI"/>
+                        </a:defRPr>
+                      </a:lvl7pPr>
+                      <a:lvl8pPr marL="3200400" algn="l" defTabSz="914400" rtl="0" eaLnBrk="1" latinLnBrk="0" hangingPunct="1">
+                        <a:defRPr kumimoji="1" sz="1800" kern="1200">
+                          <a:solidFill>
+                            <a:schemeClr val="dk1"/>
+                          </a:solidFill>
+                          <a:latin typeface="Yu Gothic UI"/>
+                          <a:ea typeface="Yu Gothic UI"/>
+                        </a:defRPr>
+                      </a:lvl8pPr>
+                      <a:lvl9pPr marL="3657600" algn="l" defTabSz="914400" rtl="0" eaLnBrk="1" latinLnBrk="0" hangingPunct="1">
+                        <a:defRPr kumimoji="1" sz="1800" kern="1200">
+                          <a:solidFill>
+                            <a:schemeClr val="dk1"/>
+                          </a:solidFill>
+                          <a:latin typeface="Yu Gothic UI"/>
+                          <a:ea typeface="Yu Gothic UI"/>
+                        </a:defRPr>
+                      </a:lvl9pPr>
+                    </a:lstStyle>
+                    <a:p>
+                      <a:pPr marL="0" indent="0" algn="l" fontAlgn="t">
+                        <a:spcBef>
+                          <a:spcPts val="0"/>
+                        </a:spcBef>
+                        <a:spcAft>
+                          <a:spcPts val="0"/>
+                        </a:spcAft>
+                        <a:buFont typeface="Arial" panose="020B0604020202020204" pitchFamily="34" charset="0"/>
+                        <a:buNone/>
+                        <a:tabLst>
+                          <a:tab pos="87313" algn="l"/>
+                        </a:tabLst>
+                      </a:pPr>
+                      <a:r>
+                        <a:rPr lang="ja-JP" altLang="en-US" sz="700" u="none" strike="noStrike">
+                          <a:effectLst/>
+                          <a:latin typeface="+mn-ea"/>
+                          <a:ea typeface="+mn-ea"/>
+                        </a:rPr>
+                        <a:t>アプリケーション チーム</a:t>
+                      </a:r>
+                      <a:endParaRPr lang="en-US" altLang="ja-JP" sz="700" u="none" strike="noStrike">
+                        <a:effectLst/>
+                        <a:latin typeface="+mn-ea"/>
+                        <a:ea typeface="+mn-ea"/>
+                      </a:endParaRPr>
+                    </a:p>
+                    <a:p>
+                      <a:pPr marL="87313" indent="-87313" algn="l" fontAlgn="t">
+                        <a:spcBef>
+                          <a:spcPts val="0"/>
+                        </a:spcBef>
+                        <a:spcAft>
+                          <a:spcPts val="0"/>
+                        </a:spcAft>
+                        <a:buFont typeface="Arial" panose="020B0604020202020204" pitchFamily="34" charset="0"/>
+                        <a:buChar char="•"/>
+                        <a:tabLst>
+                          <a:tab pos="87313" algn="l"/>
+                        </a:tabLst>
+                      </a:pPr>
+                      <a:r>
+                        <a:rPr lang="ja-JP" altLang="en-US" sz="700" u="none" strike="noStrike">
+                          <a:effectLst/>
+                          <a:latin typeface="+mn-ea"/>
+                          <a:ea typeface="+mn-ea"/>
+                        </a:rPr>
+                        <a:t>監視されている </a:t>
+                      </a:r>
+                      <a:r>
+                        <a:rPr lang="en-US" altLang="ja-JP" sz="700" u="none" strike="noStrike">
+                          <a:effectLst/>
+                          <a:latin typeface="+mn-ea"/>
+                          <a:ea typeface="+mn-ea"/>
+                        </a:rPr>
+                        <a:t>Azure </a:t>
+                      </a:r>
+                      <a:r>
+                        <a:rPr lang="ja-JP" altLang="en-US" sz="700" u="none" strike="noStrike">
+                          <a:effectLst/>
+                          <a:latin typeface="+mn-ea"/>
+                          <a:ea typeface="+mn-ea"/>
+                        </a:rPr>
+                        <a:t>リソースの管理者</a:t>
+                      </a:r>
+                      <a:endParaRPr lang="ja-JP" altLang="en-US" sz="700" b="0" i="0" u="none" strike="noStrike">
+                        <a:effectLst/>
+                        <a:latin typeface="+mn-ea"/>
+                        <a:ea typeface="+mn-ea"/>
+                      </a:endParaRPr>
+                    </a:p>
+                  </a:txBody>
+                  <a:tcPr marL="36000" marR="36000" marT="36000" marB="36000">
+                    <a:lnL w="12700" cmpd="sng">
+                      <a:solidFill>
+                        <a:srgbClr val="FFFFFF"/>
+                      </a:solidFill>
+                    </a:lnL>
+                    <a:lnR w="12700" cmpd="sng">
+                      <a:solidFill>
+                        <a:srgbClr val="FFFFFF"/>
+                      </a:solidFill>
+                    </a:lnR>
+                    <a:lnT w="38100" cmpd="sng">
+                      <a:solidFill>
+                        <a:srgbClr val="FFFFFF"/>
+                      </a:solidFill>
+                    </a:lnT>
+                    <a:lnB w="12700" cmpd="sng">
+                      <a:solidFill>
+                        <a:srgbClr val="FFFFFF"/>
+                      </a:solidFill>
+                    </a:lnB>
+                    <a:lnTlToBr w="12700" cmpd="sng">
+                      <a:noFill/>
+                      <a:prstDash val="solid"/>
+                    </a:lnTlToBr>
+                    <a:lnBlToTr w="12700" cmpd="sng">
+                      <a:noFill/>
+                      <a:prstDash val="solid"/>
+                    </a:lnBlToTr>
+                    <a:solidFill>
+                      <a:srgbClr val="0078D4">
+                        <a:tint val="20000"/>
+                      </a:srgbClr>
+                    </a:solidFill>
+                  </a:tcPr>
+                </a:tc>
+                <a:extLst>
+                  <a:ext uri="{0D108BD9-81ED-4DB2-BD59-A6C34878D82A}">
+                    <a16:rowId xmlns:a16="http://schemas.microsoft.com/office/drawing/2014/main" val="3329152496"/>
+                  </a:ext>
+                </a:extLst>
+              </a:tr>
+              <a:tr h="162789">
+                <a:tc>
+                  <a:txBody>
+                    <a:bodyPr/>
+                    <a:lstStyle>
+                      <a:lvl1pPr marL="0" algn="l" defTabSz="914400" rtl="0" eaLnBrk="1" latinLnBrk="0" hangingPunct="1">
+                        <a:defRPr kumimoji="1" sz="1800" b="1" kern="1200">
+                          <a:solidFill>
+                            <a:schemeClr val="lt1"/>
+                          </a:solidFill>
+                          <a:latin typeface="Yu Gothic UI"/>
+                          <a:ea typeface="Yu Gothic UI"/>
+                        </a:defRPr>
+                      </a:lvl1pPr>
+                      <a:lvl2pPr marL="457200" algn="l" defTabSz="914400" rtl="0" eaLnBrk="1" latinLnBrk="0" hangingPunct="1">
+                        <a:defRPr kumimoji="1" sz="1800" b="1" kern="1200">
+                          <a:solidFill>
+                            <a:schemeClr val="lt1"/>
+                          </a:solidFill>
+                          <a:latin typeface="Yu Gothic UI"/>
+                          <a:ea typeface="Yu Gothic UI"/>
+                        </a:defRPr>
+                      </a:lvl2pPr>
+                      <a:lvl3pPr marL="914400" algn="l" defTabSz="914400" rtl="0" eaLnBrk="1" latinLnBrk="0" hangingPunct="1">
+                        <a:defRPr kumimoji="1" sz="1800" b="1" kern="1200">
+                          <a:solidFill>
+                            <a:schemeClr val="lt1"/>
+                          </a:solidFill>
+                          <a:latin typeface="Yu Gothic UI"/>
+                          <a:ea typeface="Yu Gothic UI"/>
+                        </a:defRPr>
+                      </a:lvl3pPr>
+                      <a:lvl4pPr marL="1371600" algn="l" defTabSz="914400" rtl="0" eaLnBrk="1" latinLnBrk="0" hangingPunct="1">
+                        <a:defRPr kumimoji="1" sz="1800" b="1" kern="1200">
+                          <a:solidFill>
+                            <a:schemeClr val="lt1"/>
+                          </a:solidFill>
+                          <a:latin typeface="Yu Gothic UI"/>
+                          <a:ea typeface="Yu Gothic UI"/>
+                        </a:defRPr>
+                      </a:lvl4pPr>
+                      <a:lvl5pPr marL="1828800" algn="l" defTabSz="914400" rtl="0" eaLnBrk="1" latinLnBrk="0" hangingPunct="1">
+                        <a:defRPr kumimoji="1" sz="1800" b="1" kern="1200">
+                          <a:solidFill>
+                            <a:schemeClr val="lt1"/>
+                          </a:solidFill>
+                          <a:latin typeface="Yu Gothic UI"/>
+                          <a:ea typeface="Yu Gothic UI"/>
+                        </a:defRPr>
+                      </a:lvl5pPr>
+                      <a:lvl6pPr marL="2286000" algn="l" defTabSz="914400" rtl="0" eaLnBrk="1" latinLnBrk="0" hangingPunct="1">
+                        <a:defRPr kumimoji="1" sz="1800" b="1" kern="1200">
+                          <a:solidFill>
+                            <a:schemeClr val="lt1"/>
+                          </a:solidFill>
+                          <a:latin typeface="Yu Gothic UI"/>
+                          <a:ea typeface="Yu Gothic UI"/>
+                        </a:defRPr>
+                      </a:lvl6pPr>
+                      <a:lvl7pPr marL="2743200" algn="l" defTabSz="914400" rtl="0" eaLnBrk="1" latinLnBrk="0" hangingPunct="1">
+                        <a:defRPr kumimoji="1" sz="1800" b="1" kern="1200">
+                          <a:solidFill>
+                            <a:schemeClr val="lt1"/>
+                          </a:solidFill>
+                          <a:latin typeface="Yu Gothic UI"/>
+                          <a:ea typeface="Yu Gothic UI"/>
+                        </a:defRPr>
+                      </a:lvl7pPr>
+                      <a:lvl8pPr marL="3200400" algn="l" defTabSz="914400" rtl="0" eaLnBrk="1" latinLnBrk="0" hangingPunct="1">
+                        <a:defRPr kumimoji="1" sz="1800" b="1" kern="1200">
+                          <a:solidFill>
+                            <a:schemeClr val="lt1"/>
+                          </a:solidFill>
+                          <a:latin typeface="Yu Gothic UI"/>
+                          <a:ea typeface="Yu Gothic UI"/>
+                        </a:defRPr>
+                      </a:lvl8pPr>
+                      <a:lvl9pPr marL="3657600" algn="l" defTabSz="914400" rtl="0" eaLnBrk="1" latinLnBrk="0" hangingPunct="1">
+                        <a:defRPr kumimoji="1" sz="1800" b="1" kern="1200">
+                          <a:solidFill>
+                            <a:schemeClr val="lt1"/>
+                          </a:solidFill>
+                          <a:latin typeface="Yu Gothic UI"/>
+                          <a:ea typeface="Yu Gothic UI"/>
+                        </a:defRPr>
+                      </a:lvl9pPr>
+                    </a:lstStyle>
+                    <a:p>
+                      <a:pPr algn="l" fontAlgn="t">
+                        <a:spcBef>
+                          <a:spcPts val="0"/>
+                        </a:spcBef>
+                        <a:spcAft>
+                          <a:spcPts val="0"/>
+                        </a:spcAft>
+                      </a:pPr>
+                      <a:r>
+                        <a:rPr lang="ja-JP" altLang="en-US" sz="700" u="none" strike="noStrike">
+                          <a:effectLst/>
+                          <a:latin typeface="+mn-ea"/>
+                          <a:ea typeface="+mn-ea"/>
+                        </a:rPr>
+                        <a:t>ログを表示するために必要な権限</a:t>
+                      </a:r>
+                      <a:endParaRPr lang="ja-JP" altLang="en-US" sz="700" b="0" i="0" u="none" strike="noStrike">
+                        <a:effectLst/>
+                        <a:latin typeface="+mn-ea"/>
+                        <a:ea typeface="+mn-ea"/>
+                      </a:endParaRPr>
+                    </a:p>
+                  </a:txBody>
+                  <a:tcPr marL="36000" marR="36000" marT="36000" marB="36000">
+                    <a:lnL w="12700" cmpd="sng">
+                      <a:solidFill>
+                        <a:srgbClr val="FFFFFF"/>
+                      </a:solidFill>
+                    </a:lnL>
+                    <a:lnR w="12700" cmpd="sng">
+                      <a:solidFill>
+                        <a:srgbClr val="FFFFFF"/>
+                      </a:solidFill>
+                    </a:lnR>
+                    <a:lnT w="12700" cmpd="sng">
+                      <a:solidFill>
+                        <a:srgbClr val="FFFFFF"/>
+                      </a:solidFill>
+                    </a:lnT>
+                    <a:lnB w="12700" cmpd="sng">
+                      <a:solidFill>
+                        <a:srgbClr val="FFFFFF"/>
+                      </a:solidFill>
+                    </a:lnB>
+                    <a:lnTlToBr w="12700" cmpd="sng">
+                      <a:noFill/>
+                      <a:prstDash val="solid"/>
+                    </a:lnTlToBr>
+                    <a:lnBlToTr w="12700" cmpd="sng">
+                      <a:noFill/>
+                      <a:prstDash val="solid"/>
+                    </a:lnBlToTr>
+                    <a:solidFill>
+                      <a:srgbClr val="0078D4"/>
+                    </a:solidFill>
+                  </a:tcPr>
+                </a:tc>
+                <a:tc>
+                  <a:txBody>
+                    <a:bodyPr/>
+                    <a:lstStyle>
+                      <a:lvl1pPr marL="0" algn="l" defTabSz="914400" rtl="0" eaLnBrk="1" latinLnBrk="0" hangingPunct="1">
+                        <a:defRPr kumimoji="1" sz="1800" kern="1200">
+                          <a:solidFill>
+                            <a:schemeClr val="dk1"/>
+                          </a:solidFill>
+                          <a:latin typeface="Yu Gothic UI"/>
+                          <a:ea typeface="Yu Gothic UI"/>
+                        </a:defRPr>
+                      </a:lvl1pPr>
+                      <a:lvl2pPr marL="457200" algn="l" defTabSz="914400" rtl="0" eaLnBrk="1" latinLnBrk="0" hangingPunct="1">
+                        <a:defRPr kumimoji="1" sz="1800" kern="1200">
+                          <a:solidFill>
+                            <a:schemeClr val="dk1"/>
+                          </a:solidFill>
+                          <a:latin typeface="Yu Gothic UI"/>
+                          <a:ea typeface="Yu Gothic UI"/>
+                        </a:defRPr>
+                      </a:lvl2pPr>
+                      <a:lvl3pPr marL="914400" algn="l" defTabSz="914400" rtl="0" eaLnBrk="1" latinLnBrk="0" hangingPunct="1">
+                        <a:defRPr kumimoji="1" sz="1800" kern="1200">
+                          <a:solidFill>
+                            <a:schemeClr val="dk1"/>
+                          </a:solidFill>
+                          <a:latin typeface="Yu Gothic UI"/>
+                          <a:ea typeface="Yu Gothic UI"/>
+                        </a:defRPr>
+                      </a:lvl3pPr>
+                      <a:lvl4pPr marL="1371600" algn="l" defTabSz="914400" rtl="0" eaLnBrk="1" latinLnBrk="0" hangingPunct="1">
+                        <a:defRPr kumimoji="1" sz="1800" kern="1200">
+                          <a:solidFill>
+                            <a:schemeClr val="dk1"/>
+                          </a:solidFill>
+                          <a:latin typeface="Yu Gothic UI"/>
+                          <a:ea typeface="Yu Gothic UI"/>
+                        </a:defRPr>
+                      </a:lvl4pPr>
+                      <a:lvl5pPr marL="1828800" algn="l" defTabSz="914400" rtl="0" eaLnBrk="1" latinLnBrk="0" hangingPunct="1">
+                        <a:defRPr kumimoji="1" sz="1800" kern="1200">
+                          <a:solidFill>
+                            <a:schemeClr val="dk1"/>
+                          </a:solidFill>
+                          <a:latin typeface="Yu Gothic UI"/>
+                          <a:ea typeface="Yu Gothic UI"/>
+                        </a:defRPr>
+                      </a:lvl5pPr>
+                      <a:lvl6pPr marL="2286000" algn="l" defTabSz="914400" rtl="0" eaLnBrk="1" latinLnBrk="0" hangingPunct="1">
+                        <a:defRPr kumimoji="1" sz="1800" kern="1200">
+                          <a:solidFill>
+                            <a:schemeClr val="dk1"/>
+                          </a:solidFill>
+                          <a:latin typeface="Yu Gothic UI"/>
+                          <a:ea typeface="Yu Gothic UI"/>
+                        </a:defRPr>
+                      </a:lvl6pPr>
+                      <a:lvl7pPr marL="2743200" algn="l" defTabSz="914400" rtl="0" eaLnBrk="1" latinLnBrk="0" hangingPunct="1">
+                        <a:defRPr kumimoji="1" sz="1800" kern="1200">
+                          <a:solidFill>
+                            <a:schemeClr val="dk1"/>
+                          </a:solidFill>
+                          <a:latin typeface="Yu Gothic UI"/>
+                          <a:ea typeface="Yu Gothic UI"/>
+                        </a:defRPr>
+                      </a:lvl7pPr>
+                      <a:lvl8pPr marL="3200400" algn="l" defTabSz="914400" rtl="0" eaLnBrk="1" latinLnBrk="0" hangingPunct="1">
+                        <a:defRPr kumimoji="1" sz="1800" kern="1200">
+                          <a:solidFill>
+                            <a:schemeClr val="dk1"/>
+                          </a:solidFill>
+                          <a:latin typeface="Yu Gothic UI"/>
+                          <a:ea typeface="Yu Gothic UI"/>
+                        </a:defRPr>
+                      </a:lvl8pPr>
+                      <a:lvl9pPr marL="3657600" algn="l" defTabSz="914400" rtl="0" eaLnBrk="1" latinLnBrk="0" hangingPunct="1">
+                        <a:defRPr kumimoji="1" sz="1800" kern="1200">
+                          <a:solidFill>
+                            <a:schemeClr val="dk1"/>
+                          </a:solidFill>
+                          <a:latin typeface="Yu Gothic UI"/>
+                          <a:ea typeface="Yu Gothic UI"/>
+                        </a:defRPr>
+                      </a:lvl9pPr>
+                    </a:lstStyle>
+                    <a:p>
+                      <a:pPr marL="0" indent="0" algn="l" fontAlgn="t">
+                        <a:spcBef>
+                          <a:spcPts val="0"/>
+                        </a:spcBef>
+                        <a:spcAft>
+                          <a:spcPts val="0"/>
+                        </a:spcAft>
+                        <a:buFont typeface="Arial" panose="020B0604020202020204" pitchFamily="34" charset="0"/>
+                        <a:buNone/>
+                      </a:pPr>
+                      <a:r>
+                        <a:rPr lang="ja-JP" altLang="en-US" sz="700" u="none" strike="noStrike">
+                          <a:effectLst/>
+                          <a:latin typeface="+mn-ea"/>
+                          <a:ea typeface="+mn-ea"/>
+                        </a:rPr>
+                        <a:t>ワークスペースに対するアクセス許可</a:t>
+                      </a:r>
+                      <a:endParaRPr lang="ja-JP" altLang="en-US" sz="700" b="0" i="0" u="none" strike="noStrike">
+                        <a:effectLst/>
+                        <a:latin typeface="+mn-ea"/>
+                        <a:ea typeface="+mn-ea"/>
+                      </a:endParaRPr>
+                    </a:p>
+                  </a:txBody>
+                  <a:tcPr marL="36000" marR="36000" marT="36000" marB="36000">
+                    <a:lnL w="12700" cmpd="sng">
+                      <a:solidFill>
+                        <a:srgbClr val="FFFFFF"/>
+                      </a:solidFill>
+                    </a:lnL>
+                    <a:lnR w="12700" cmpd="sng">
+                      <a:solidFill>
+                        <a:srgbClr val="FFFFFF"/>
+                      </a:solidFill>
+                    </a:lnR>
+                    <a:lnT w="12700" cmpd="sng">
+                      <a:solidFill>
+                        <a:srgbClr val="FFFFFF"/>
+                      </a:solidFill>
+                    </a:lnT>
+                    <a:lnB w="12700" cmpd="sng">
+                      <a:solidFill>
+                        <a:srgbClr val="FFFFFF"/>
+                      </a:solidFill>
+                    </a:lnB>
+                    <a:lnTlToBr w="12700" cmpd="sng">
+                      <a:noFill/>
+                      <a:prstDash val="solid"/>
+                    </a:lnTlToBr>
+                    <a:lnBlToTr w="12700" cmpd="sng">
+                      <a:noFill/>
+                      <a:prstDash val="solid"/>
+                    </a:lnBlToTr>
+                    <a:solidFill>
+                      <a:srgbClr val="0078D4">
+                        <a:tint val="20000"/>
+                      </a:srgbClr>
+                    </a:solidFill>
+                  </a:tcPr>
+                </a:tc>
+                <a:tc>
+                  <a:txBody>
+                    <a:bodyPr/>
+                    <a:lstStyle>
+                      <a:lvl1pPr marL="0" algn="l" defTabSz="914400" rtl="0" eaLnBrk="1" latinLnBrk="0" hangingPunct="1">
+                        <a:defRPr kumimoji="1" sz="1800" kern="1200">
+                          <a:solidFill>
+                            <a:schemeClr val="dk1"/>
+                          </a:solidFill>
+                          <a:latin typeface="Yu Gothic UI"/>
+                          <a:ea typeface="Yu Gothic UI"/>
+                        </a:defRPr>
+                      </a:lvl1pPr>
+                      <a:lvl2pPr marL="457200" algn="l" defTabSz="914400" rtl="0" eaLnBrk="1" latinLnBrk="0" hangingPunct="1">
+                        <a:defRPr kumimoji="1" sz="1800" kern="1200">
+                          <a:solidFill>
+                            <a:schemeClr val="dk1"/>
+                          </a:solidFill>
+                          <a:latin typeface="Yu Gothic UI"/>
+                          <a:ea typeface="Yu Gothic UI"/>
+                        </a:defRPr>
+                      </a:lvl2pPr>
+                      <a:lvl3pPr marL="914400" algn="l" defTabSz="914400" rtl="0" eaLnBrk="1" latinLnBrk="0" hangingPunct="1">
+                        <a:defRPr kumimoji="1" sz="1800" kern="1200">
+                          <a:solidFill>
+                            <a:schemeClr val="dk1"/>
+                          </a:solidFill>
+                          <a:latin typeface="Yu Gothic UI"/>
+                          <a:ea typeface="Yu Gothic UI"/>
+                        </a:defRPr>
+                      </a:lvl3pPr>
+                      <a:lvl4pPr marL="1371600" algn="l" defTabSz="914400" rtl="0" eaLnBrk="1" latinLnBrk="0" hangingPunct="1">
+                        <a:defRPr kumimoji="1" sz="1800" kern="1200">
+                          <a:solidFill>
+                            <a:schemeClr val="dk1"/>
+                          </a:solidFill>
+                          <a:latin typeface="Yu Gothic UI"/>
+                          <a:ea typeface="Yu Gothic UI"/>
+                        </a:defRPr>
+                      </a:lvl4pPr>
+                      <a:lvl5pPr marL="1828800" algn="l" defTabSz="914400" rtl="0" eaLnBrk="1" latinLnBrk="0" hangingPunct="1">
+                        <a:defRPr kumimoji="1" sz="1800" kern="1200">
+                          <a:solidFill>
+                            <a:schemeClr val="dk1"/>
+                          </a:solidFill>
+                          <a:latin typeface="Yu Gothic UI"/>
+                          <a:ea typeface="Yu Gothic UI"/>
+                        </a:defRPr>
+                      </a:lvl5pPr>
+                      <a:lvl6pPr marL="2286000" algn="l" defTabSz="914400" rtl="0" eaLnBrk="1" latinLnBrk="0" hangingPunct="1">
+                        <a:defRPr kumimoji="1" sz="1800" kern="1200">
+                          <a:solidFill>
+                            <a:schemeClr val="dk1"/>
+                          </a:solidFill>
+                          <a:latin typeface="Yu Gothic UI"/>
+                          <a:ea typeface="Yu Gothic UI"/>
+                        </a:defRPr>
+                      </a:lvl6pPr>
+                      <a:lvl7pPr marL="2743200" algn="l" defTabSz="914400" rtl="0" eaLnBrk="1" latinLnBrk="0" hangingPunct="1">
+                        <a:defRPr kumimoji="1" sz="1800" kern="1200">
+                          <a:solidFill>
+                            <a:schemeClr val="dk1"/>
+                          </a:solidFill>
+                          <a:latin typeface="Yu Gothic UI"/>
+                          <a:ea typeface="Yu Gothic UI"/>
+                        </a:defRPr>
+                      </a:lvl7pPr>
+                      <a:lvl8pPr marL="3200400" algn="l" defTabSz="914400" rtl="0" eaLnBrk="1" latinLnBrk="0" hangingPunct="1">
+                        <a:defRPr kumimoji="1" sz="1800" kern="1200">
+                          <a:solidFill>
+                            <a:schemeClr val="dk1"/>
+                          </a:solidFill>
+                          <a:latin typeface="Yu Gothic UI"/>
+                          <a:ea typeface="Yu Gothic UI"/>
+                        </a:defRPr>
+                      </a:lvl8pPr>
+                      <a:lvl9pPr marL="3657600" algn="l" defTabSz="914400" rtl="0" eaLnBrk="1" latinLnBrk="0" hangingPunct="1">
+                        <a:defRPr kumimoji="1" sz="1800" kern="1200">
+                          <a:solidFill>
+                            <a:schemeClr val="dk1"/>
+                          </a:solidFill>
+                          <a:latin typeface="Yu Gothic UI"/>
+                          <a:ea typeface="Yu Gothic UI"/>
+                        </a:defRPr>
+                      </a:lvl9pPr>
+                    </a:lstStyle>
+                    <a:p>
+                      <a:pPr marL="0" indent="0" algn="l" fontAlgn="t">
+                        <a:spcBef>
+                          <a:spcPts val="0"/>
+                        </a:spcBef>
+                        <a:spcAft>
+                          <a:spcPts val="0"/>
+                        </a:spcAft>
+                        <a:buFont typeface="Arial" panose="020B0604020202020204" pitchFamily="34" charset="0"/>
+                        <a:buNone/>
+                      </a:pPr>
+                      <a:r>
+                        <a:rPr lang="ja-JP" altLang="en-US" sz="700" u="none" strike="noStrike">
+                          <a:effectLst/>
+                          <a:latin typeface="+mn-ea"/>
+                          <a:ea typeface="+mn-ea"/>
+                        </a:rPr>
+                        <a:t>リソースへの読み取りアクセス</a:t>
+                      </a:r>
+                      <a:endParaRPr lang="en-US" altLang="ja-JP" sz="700" u="none" strike="noStrike">
+                        <a:effectLst/>
+                        <a:latin typeface="+mn-ea"/>
+                        <a:ea typeface="+mn-ea"/>
+                      </a:endParaRPr>
+                    </a:p>
+                    <a:p>
+                      <a:pPr marL="87313" indent="-87313" algn="l" fontAlgn="t">
+                        <a:spcBef>
+                          <a:spcPts val="0"/>
+                        </a:spcBef>
+                        <a:spcAft>
+                          <a:spcPts val="0"/>
+                        </a:spcAft>
+                        <a:buFont typeface="Arial" panose="020B0604020202020204" pitchFamily="34" charset="0"/>
+                        <a:buChar char="•"/>
+                      </a:pPr>
+                      <a:r>
+                        <a:rPr lang="ja-JP" altLang="en-US" sz="700" u="none" strike="noStrike">
+                          <a:effectLst/>
+                          <a:latin typeface="+mn-ea"/>
+                          <a:ea typeface="+mn-ea"/>
+                        </a:rPr>
+                        <a:t>リソースのログに対するアクセス許可は自動的に割り当てられる</a:t>
+                      </a:r>
+                      <a:endParaRPr lang="ja-JP" altLang="en-US" sz="700" b="0" i="0" u="none" strike="noStrike">
+                        <a:effectLst/>
+                        <a:latin typeface="+mn-ea"/>
+                        <a:ea typeface="+mn-ea"/>
+                      </a:endParaRPr>
+                    </a:p>
+                  </a:txBody>
+                  <a:tcPr marL="36000" marR="36000" marT="36000" marB="36000">
+                    <a:lnL w="12700" cmpd="sng">
+                      <a:solidFill>
+                        <a:srgbClr val="FFFFFF"/>
+                      </a:solidFill>
+                    </a:lnL>
+                    <a:lnR w="12700" cmpd="sng">
+                      <a:solidFill>
+                        <a:srgbClr val="FFFFFF"/>
+                      </a:solidFill>
+                    </a:lnR>
+                    <a:lnT w="12700" cmpd="sng">
+                      <a:solidFill>
+                        <a:srgbClr val="FFFFFF"/>
+                      </a:solidFill>
+                    </a:lnT>
+                    <a:lnB w="12700" cmpd="sng">
+                      <a:solidFill>
+                        <a:srgbClr val="FFFFFF"/>
+                      </a:solidFill>
+                    </a:lnB>
+                    <a:lnTlToBr w="12700" cmpd="sng">
+                      <a:noFill/>
+                      <a:prstDash val="solid"/>
+                    </a:lnTlToBr>
+                    <a:lnBlToTr w="12700" cmpd="sng">
+                      <a:noFill/>
+                      <a:prstDash val="solid"/>
+                    </a:lnBlToTr>
+                    <a:solidFill>
+                      <a:srgbClr val="0078D4">
+                        <a:tint val="20000"/>
+                      </a:srgbClr>
+                    </a:solidFill>
+                  </a:tcPr>
+                </a:tc>
+                <a:extLst>
+                  <a:ext uri="{0D108BD9-81ED-4DB2-BD59-A6C34878D82A}">
+                    <a16:rowId xmlns:a16="http://schemas.microsoft.com/office/drawing/2014/main" val="2437674762"/>
+                  </a:ext>
+                </a:extLst>
+              </a:tr>
+              <a:tr h="284504">
+                <a:tc>
+                  <a:txBody>
+                    <a:bodyPr/>
+                    <a:lstStyle>
+                      <a:lvl1pPr marL="0" algn="l" defTabSz="914400" rtl="0" eaLnBrk="1" latinLnBrk="0" hangingPunct="1">
+                        <a:defRPr kumimoji="1" sz="1800" b="1" kern="1200">
+                          <a:solidFill>
+                            <a:schemeClr val="lt1"/>
+                          </a:solidFill>
+                          <a:latin typeface="Yu Gothic UI"/>
+                          <a:ea typeface="Yu Gothic UI"/>
+                        </a:defRPr>
+                      </a:lvl1pPr>
+                      <a:lvl2pPr marL="457200" algn="l" defTabSz="914400" rtl="0" eaLnBrk="1" latinLnBrk="0" hangingPunct="1">
+                        <a:defRPr kumimoji="1" sz="1800" b="1" kern="1200">
+                          <a:solidFill>
+                            <a:schemeClr val="lt1"/>
+                          </a:solidFill>
+                          <a:latin typeface="Yu Gothic UI"/>
+                          <a:ea typeface="Yu Gothic UI"/>
+                        </a:defRPr>
+                      </a:lvl2pPr>
+                      <a:lvl3pPr marL="914400" algn="l" defTabSz="914400" rtl="0" eaLnBrk="1" latinLnBrk="0" hangingPunct="1">
+                        <a:defRPr kumimoji="1" sz="1800" b="1" kern="1200">
+                          <a:solidFill>
+                            <a:schemeClr val="lt1"/>
+                          </a:solidFill>
+                          <a:latin typeface="Yu Gothic UI"/>
+                          <a:ea typeface="Yu Gothic UI"/>
+                        </a:defRPr>
+                      </a:lvl3pPr>
+                      <a:lvl4pPr marL="1371600" algn="l" defTabSz="914400" rtl="0" eaLnBrk="1" latinLnBrk="0" hangingPunct="1">
+                        <a:defRPr kumimoji="1" sz="1800" b="1" kern="1200">
+                          <a:solidFill>
+                            <a:schemeClr val="lt1"/>
+                          </a:solidFill>
+                          <a:latin typeface="Yu Gothic UI"/>
+                          <a:ea typeface="Yu Gothic UI"/>
+                        </a:defRPr>
+                      </a:lvl4pPr>
+                      <a:lvl5pPr marL="1828800" algn="l" defTabSz="914400" rtl="0" eaLnBrk="1" latinLnBrk="0" hangingPunct="1">
+                        <a:defRPr kumimoji="1" sz="1800" b="1" kern="1200">
+                          <a:solidFill>
+                            <a:schemeClr val="lt1"/>
+                          </a:solidFill>
+                          <a:latin typeface="Yu Gothic UI"/>
+                          <a:ea typeface="Yu Gothic UI"/>
+                        </a:defRPr>
+                      </a:lvl5pPr>
+                      <a:lvl6pPr marL="2286000" algn="l" defTabSz="914400" rtl="0" eaLnBrk="1" latinLnBrk="0" hangingPunct="1">
+                        <a:defRPr kumimoji="1" sz="1800" b="1" kern="1200">
+                          <a:solidFill>
+                            <a:schemeClr val="lt1"/>
+                          </a:solidFill>
+                          <a:latin typeface="Yu Gothic UI"/>
+                          <a:ea typeface="Yu Gothic UI"/>
+                        </a:defRPr>
+                      </a:lvl6pPr>
+                      <a:lvl7pPr marL="2743200" algn="l" defTabSz="914400" rtl="0" eaLnBrk="1" latinLnBrk="0" hangingPunct="1">
+                        <a:defRPr kumimoji="1" sz="1800" b="1" kern="1200">
+                          <a:solidFill>
+                            <a:schemeClr val="lt1"/>
+                          </a:solidFill>
+                          <a:latin typeface="Yu Gothic UI"/>
+                          <a:ea typeface="Yu Gothic UI"/>
+                        </a:defRPr>
+                      </a:lvl7pPr>
+                      <a:lvl8pPr marL="3200400" algn="l" defTabSz="914400" rtl="0" eaLnBrk="1" latinLnBrk="0" hangingPunct="1">
+                        <a:defRPr kumimoji="1" sz="1800" b="1" kern="1200">
+                          <a:solidFill>
+                            <a:schemeClr val="lt1"/>
+                          </a:solidFill>
+                          <a:latin typeface="Yu Gothic UI"/>
+                          <a:ea typeface="Yu Gothic UI"/>
+                        </a:defRPr>
+                      </a:lvl8pPr>
+                      <a:lvl9pPr marL="3657600" algn="l" defTabSz="914400" rtl="0" eaLnBrk="1" latinLnBrk="0" hangingPunct="1">
+                        <a:defRPr kumimoji="1" sz="1800" b="1" kern="1200">
+                          <a:solidFill>
+                            <a:schemeClr val="lt1"/>
+                          </a:solidFill>
+                          <a:latin typeface="Yu Gothic UI"/>
+                          <a:ea typeface="Yu Gothic UI"/>
+                        </a:defRPr>
+                      </a:lvl9pPr>
+                    </a:lstStyle>
+                    <a:p>
+                      <a:pPr algn="l" fontAlgn="t">
+                        <a:spcBef>
+                          <a:spcPts val="0"/>
+                        </a:spcBef>
+                        <a:spcAft>
+                          <a:spcPts val="0"/>
+                        </a:spcAft>
+                      </a:pPr>
+                      <a:r>
+                        <a:rPr lang="ja-JP" altLang="en-US" sz="700" u="none" strike="noStrike">
+                          <a:effectLst/>
+                          <a:latin typeface="+mn-ea"/>
+                          <a:ea typeface="+mn-ea"/>
+                        </a:rPr>
+                        <a:t>アクセス許可の範囲</a:t>
+                      </a:r>
+                      <a:endParaRPr lang="ja-JP" altLang="en-US" sz="700" b="0" i="0" u="none" strike="noStrike">
+                        <a:effectLst/>
+                        <a:latin typeface="+mn-ea"/>
+                        <a:ea typeface="+mn-ea"/>
+                      </a:endParaRPr>
+                    </a:p>
+                  </a:txBody>
+                  <a:tcPr marL="36000" marR="36000" marT="36000" marB="36000">
+                    <a:lnL w="12700" cmpd="sng">
+                      <a:solidFill>
+                        <a:srgbClr val="FFFFFF"/>
+                      </a:solidFill>
+                    </a:lnL>
+                    <a:lnR w="12700" cmpd="sng">
+                      <a:solidFill>
+                        <a:srgbClr val="FFFFFF"/>
+                      </a:solidFill>
+                    </a:lnR>
+                    <a:lnT w="12700" cmpd="sng">
+                      <a:solidFill>
+                        <a:srgbClr val="FFFFFF"/>
+                      </a:solidFill>
+                    </a:lnT>
+                    <a:lnB w="12700" cmpd="sng">
+                      <a:solidFill>
+                        <a:srgbClr val="FFFFFF"/>
+                      </a:solidFill>
+                    </a:lnB>
+                    <a:lnTlToBr w="12700" cmpd="sng">
+                      <a:noFill/>
+                      <a:prstDash val="solid"/>
+                    </a:lnTlToBr>
+                    <a:lnBlToTr w="12700" cmpd="sng">
+                      <a:noFill/>
+                      <a:prstDash val="solid"/>
+                    </a:lnBlToTr>
+                    <a:solidFill>
+                      <a:srgbClr val="0078D4"/>
+                    </a:solidFill>
+                  </a:tcPr>
+                </a:tc>
+                <a:tc>
+                  <a:txBody>
+                    <a:bodyPr/>
+                    <a:lstStyle>
+                      <a:lvl1pPr marL="0" algn="l" defTabSz="914400" rtl="0" eaLnBrk="1" latinLnBrk="0" hangingPunct="1">
+                        <a:defRPr kumimoji="1" sz="1800" kern="1200">
+                          <a:solidFill>
+                            <a:schemeClr val="dk1"/>
+                          </a:solidFill>
+                          <a:latin typeface="Yu Gothic UI"/>
+                          <a:ea typeface="Yu Gothic UI"/>
+                        </a:defRPr>
+                      </a:lvl1pPr>
+                      <a:lvl2pPr marL="457200" algn="l" defTabSz="914400" rtl="0" eaLnBrk="1" latinLnBrk="0" hangingPunct="1">
+                        <a:defRPr kumimoji="1" sz="1800" kern="1200">
+                          <a:solidFill>
+                            <a:schemeClr val="dk1"/>
+                          </a:solidFill>
+                          <a:latin typeface="Yu Gothic UI"/>
+                          <a:ea typeface="Yu Gothic UI"/>
+                        </a:defRPr>
+                      </a:lvl2pPr>
+                      <a:lvl3pPr marL="914400" algn="l" defTabSz="914400" rtl="0" eaLnBrk="1" latinLnBrk="0" hangingPunct="1">
+                        <a:defRPr kumimoji="1" sz="1800" kern="1200">
+                          <a:solidFill>
+                            <a:schemeClr val="dk1"/>
+                          </a:solidFill>
+                          <a:latin typeface="Yu Gothic UI"/>
+                          <a:ea typeface="Yu Gothic UI"/>
+                        </a:defRPr>
+                      </a:lvl3pPr>
+                      <a:lvl4pPr marL="1371600" algn="l" defTabSz="914400" rtl="0" eaLnBrk="1" latinLnBrk="0" hangingPunct="1">
+                        <a:defRPr kumimoji="1" sz="1800" kern="1200">
+                          <a:solidFill>
+                            <a:schemeClr val="dk1"/>
+                          </a:solidFill>
+                          <a:latin typeface="Yu Gothic UI"/>
+                          <a:ea typeface="Yu Gothic UI"/>
+                        </a:defRPr>
+                      </a:lvl4pPr>
+                      <a:lvl5pPr marL="1828800" algn="l" defTabSz="914400" rtl="0" eaLnBrk="1" latinLnBrk="0" hangingPunct="1">
+                        <a:defRPr kumimoji="1" sz="1800" kern="1200">
+                          <a:solidFill>
+                            <a:schemeClr val="dk1"/>
+                          </a:solidFill>
+                          <a:latin typeface="Yu Gothic UI"/>
+                          <a:ea typeface="Yu Gothic UI"/>
+                        </a:defRPr>
+                      </a:lvl5pPr>
+                      <a:lvl6pPr marL="2286000" algn="l" defTabSz="914400" rtl="0" eaLnBrk="1" latinLnBrk="0" hangingPunct="1">
+                        <a:defRPr kumimoji="1" sz="1800" kern="1200">
+                          <a:solidFill>
+                            <a:schemeClr val="dk1"/>
+                          </a:solidFill>
+                          <a:latin typeface="Yu Gothic UI"/>
+                          <a:ea typeface="Yu Gothic UI"/>
+                        </a:defRPr>
+                      </a:lvl6pPr>
+                      <a:lvl7pPr marL="2743200" algn="l" defTabSz="914400" rtl="0" eaLnBrk="1" latinLnBrk="0" hangingPunct="1">
+                        <a:defRPr kumimoji="1" sz="1800" kern="1200">
+                          <a:solidFill>
+                            <a:schemeClr val="dk1"/>
+                          </a:solidFill>
+                          <a:latin typeface="Yu Gothic UI"/>
+                          <a:ea typeface="Yu Gothic UI"/>
+                        </a:defRPr>
+                      </a:lvl7pPr>
+                      <a:lvl8pPr marL="3200400" algn="l" defTabSz="914400" rtl="0" eaLnBrk="1" latinLnBrk="0" hangingPunct="1">
+                        <a:defRPr kumimoji="1" sz="1800" kern="1200">
+                          <a:solidFill>
+                            <a:schemeClr val="dk1"/>
+                          </a:solidFill>
+                          <a:latin typeface="Yu Gothic UI"/>
+                          <a:ea typeface="Yu Gothic UI"/>
+                        </a:defRPr>
+                      </a:lvl8pPr>
+                      <a:lvl9pPr marL="3657600" algn="l" defTabSz="914400" rtl="0" eaLnBrk="1" latinLnBrk="0" hangingPunct="1">
+                        <a:defRPr kumimoji="1" sz="1800" kern="1200">
+                          <a:solidFill>
+                            <a:schemeClr val="dk1"/>
+                          </a:solidFill>
+                          <a:latin typeface="Yu Gothic UI"/>
+                          <a:ea typeface="Yu Gothic UI"/>
+                        </a:defRPr>
+                      </a:lvl9pPr>
+                    </a:lstStyle>
+                    <a:p>
+                      <a:pPr marL="0" indent="0" algn="l" fontAlgn="t">
+                        <a:spcBef>
+                          <a:spcPts val="0"/>
+                        </a:spcBef>
+                        <a:spcAft>
+                          <a:spcPts val="0"/>
+                        </a:spcAft>
+                        <a:buFont typeface="Arial" panose="020B0604020202020204" pitchFamily="34" charset="0"/>
+                        <a:buNone/>
+                      </a:pPr>
+                      <a:r>
+                        <a:rPr lang="ja-JP" altLang="en-US" sz="700" u="none" strike="noStrike">
+                          <a:effectLst/>
+                          <a:latin typeface="+mn-ea"/>
+                          <a:ea typeface="+mn-ea"/>
+                        </a:rPr>
+                        <a:t>ワークスペース</a:t>
+                      </a:r>
+                      <a:endParaRPr lang="en-US" altLang="ja-JP" sz="700" u="none" strike="noStrike">
+                        <a:effectLst/>
+                        <a:latin typeface="+mn-ea"/>
+                        <a:ea typeface="+mn-ea"/>
+                      </a:endParaRPr>
+                    </a:p>
+                    <a:p>
+                      <a:pPr marL="87313" indent="-87313" algn="l" fontAlgn="t">
+                        <a:spcBef>
+                          <a:spcPts val="0"/>
+                        </a:spcBef>
+                        <a:spcAft>
+                          <a:spcPts val="0"/>
+                        </a:spcAft>
+                        <a:buFont typeface="Arial" panose="020B0604020202020204" pitchFamily="34" charset="0"/>
+                        <a:buChar char="•"/>
+                      </a:pPr>
+                      <a:r>
+                        <a:rPr lang="ja-JP" altLang="en-US" sz="700" u="none" strike="noStrike">
+                          <a:effectLst/>
+                          <a:latin typeface="+mn-ea"/>
+                          <a:ea typeface="+mn-ea"/>
+                        </a:rPr>
+                        <a:t>ワークスペースへのアクセス権を持つユーザーは、アクセス許可を持っているテーブルについて、ワークスペース内のすべてのログを照会可能</a:t>
+                      </a:r>
+                      <a:endParaRPr lang="ja-JP" altLang="en-US" sz="700" b="0" i="0" u="none" strike="noStrike">
+                        <a:effectLst/>
+                        <a:latin typeface="+mn-ea"/>
+                        <a:ea typeface="+mn-ea"/>
+                      </a:endParaRPr>
+                    </a:p>
+                  </a:txBody>
+                  <a:tcPr marL="36000" marR="36000" marT="36000" marB="36000">
+                    <a:lnL w="12700" cmpd="sng">
+                      <a:solidFill>
+                        <a:srgbClr val="FFFFFF"/>
+                      </a:solidFill>
+                    </a:lnL>
+                    <a:lnR w="12700" cmpd="sng">
+                      <a:solidFill>
+                        <a:srgbClr val="FFFFFF"/>
+                      </a:solidFill>
+                    </a:lnR>
+                    <a:lnT w="12700" cmpd="sng">
+                      <a:solidFill>
+                        <a:srgbClr val="FFFFFF"/>
+                      </a:solidFill>
+                    </a:lnT>
+                    <a:lnB w="12700" cmpd="sng">
+                      <a:solidFill>
+                        <a:srgbClr val="FFFFFF"/>
+                      </a:solidFill>
+                    </a:lnB>
+                    <a:lnTlToBr w="12700" cmpd="sng">
+                      <a:noFill/>
+                      <a:prstDash val="solid"/>
+                    </a:lnTlToBr>
+                    <a:lnBlToTr w="12700" cmpd="sng">
+                      <a:noFill/>
+                      <a:prstDash val="solid"/>
+                    </a:lnBlToTr>
+                    <a:solidFill>
+                      <a:srgbClr val="0078D4">
+                        <a:tint val="20000"/>
+                      </a:srgbClr>
+                    </a:solidFill>
+                  </a:tcPr>
+                </a:tc>
+                <a:tc>
+                  <a:txBody>
+                    <a:bodyPr/>
+                    <a:lstStyle>
+                      <a:lvl1pPr marL="0" algn="l" defTabSz="914400" rtl="0" eaLnBrk="1" latinLnBrk="0" hangingPunct="1">
+                        <a:defRPr kumimoji="1" sz="1800" kern="1200">
+                          <a:solidFill>
+                            <a:schemeClr val="dk1"/>
+                          </a:solidFill>
+                          <a:latin typeface="Yu Gothic UI"/>
+                          <a:ea typeface="Yu Gothic UI"/>
+                        </a:defRPr>
+                      </a:lvl1pPr>
+                      <a:lvl2pPr marL="457200" algn="l" defTabSz="914400" rtl="0" eaLnBrk="1" latinLnBrk="0" hangingPunct="1">
+                        <a:defRPr kumimoji="1" sz="1800" kern="1200">
+                          <a:solidFill>
+                            <a:schemeClr val="dk1"/>
+                          </a:solidFill>
+                          <a:latin typeface="Yu Gothic UI"/>
+                          <a:ea typeface="Yu Gothic UI"/>
+                        </a:defRPr>
+                      </a:lvl2pPr>
+                      <a:lvl3pPr marL="914400" algn="l" defTabSz="914400" rtl="0" eaLnBrk="1" latinLnBrk="0" hangingPunct="1">
+                        <a:defRPr kumimoji="1" sz="1800" kern="1200">
+                          <a:solidFill>
+                            <a:schemeClr val="dk1"/>
+                          </a:solidFill>
+                          <a:latin typeface="Yu Gothic UI"/>
+                          <a:ea typeface="Yu Gothic UI"/>
+                        </a:defRPr>
+                      </a:lvl3pPr>
+                      <a:lvl4pPr marL="1371600" algn="l" defTabSz="914400" rtl="0" eaLnBrk="1" latinLnBrk="0" hangingPunct="1">
+                        <a:defRPr kumimoji="1" sz="1800" kern="1200">
+                          <a:solidFill>
+                            <a:schemeClr val="dk1"/>
+                          </a:solidFill>
+                          <a:latin typeface="Yu Gothic UI"/>
+                          <a:ea typeface="Yu Gothic UI"/>
+                        </a:defRPr>
+                      </a:lvl4pPr>
+                      <a:lvl5pPr marL="1828800" algn="l" defTabSz="914400" rtl="0" eaLnBrk="1" latinLnBrk="0" hangingPunct="1">
+                        <a:defRPr kumimoji="1" sz="1800" kern="1200">
+                          <a:solidFill>
+                            <a:schemeClr val="dk1"/>
+                          </a:solidFill>
+                          <a:latin typeface="Yu Gothic UI"/>
+                          <a:ea typeface="Yu Gothic UI"/>
+                        </a:defRPr>
+                      </a:lvl5pPr>
+                      <a:lvl6pPr marL="2286000" algn="l" defTabSz="914400" rtl="0" eaLnBrk="1" latinLnBrk="0" hangingPunct="1">
+                        <a:defRPr kumimoji="1" sz="1800" kern="1200">
+                          <a:solidFill>
+                            <a:schemeClr val="dk1"/>
+                          </a:solidFill>
+                          <a:latin typeface="Yu Gothic UI"/>
+                          <a:ea typeface="Yu Gothic UI"/>
+                        </a:defRPr>
+                      </a:lvl6pPr>
+                      <a:lvl7pPr marL="2743200" algn="l" defTabSz="914400" rtl="0" eaLnBrk="1" latinLnBrk="0" hangingPunct="1">
+                        <a:defRPr kumimoji="1" sz="1800" kern="1200">
+                          <a:solidFill>
+                            <a:schemeClr val="dk1"/>
+                          </a:solidFill>
+                          <a:latin typeface="Yu Gothic UI"/>
+                          <a:ea typeface="Yu Gothic UI"/>
+                        </a:defRPr>
+                      </a:lvl7pPr>
+                      <a:lvl8pPr marL="3200400" algn="l" defTabSz="914400" rtl="0" eaLnBrk="1" latinLnBrk="0" hangingPunct="1">
+                        <a:defRPr kumimoji="1" sz="1800" kern="1200">
+                          <a:solidFill>
+                            <a:schemeClr val="dk1"/>
+                          </a:solidFill>
+                          <a:latin typeface="Yu Gothic UI"/>
+                          <a:ea typeface="Yu Gothic UI"/>
+                        </a:defRPr>
+                      </a:lvl8pPr>
+                      <a:lvl9pPr marL="3657600" algn="l" defTabSz="914400" rtl="0" eaLnBrk="1" latinLnBrk="0" hangingPunct="1">
+                        <a:defRPr kumimoji="1" sz="1800" kern="1200">
+                          <a:solidFill>
+                            <a:schemeClr val="dk1"/>
+                          </a:solidFill>
+                          <a:latin typeface="Yu Gothic UI"/>
+                          <a:ea typeface="Yu Gothic UI"/>
+                        </a:defRPr>
+                      </a:lvl9pPr>
+                    </a:lstStyle>
+                    <a:p>
+                      <a:pPr marL="0" indent="0" algn="l" fontAlgn="t">
+                        <a:spcBef>
+                          <a:spcPts val="0"/>
+                        </a:spcBef>
+                        <a:spcAft>
+                          <a:spcPts val="0"/>
+                        </a:spcAft>
+                        <a:buFont typeface="Arial" panose="020B0604020202020204" pitchFamily="34" charset="0"/>
+                        <a:buNone/>
+                      </a:pPr>
+                      <a:r>
+                        <a:rPr lang="en-US" altLang="ja-JP" sz="700" u="none" strike="noStrike">
+                          <a:effectLst/>
+                          <a:latin typeface="+mn-ea"/>
+                          <a:ea typeface="+mn-ea"/>
+                        </a:rPr>
+                        <a:t>Azure </a:t>
+                      </a:r>
+                      <a:r>
+                        <a:rPr lang="ja-JP" altLang="en-US" sz="700" u="none" strike="noStrike">
+                          <a:effectLst/>
+                          <a:latin typeface="+mn-ea"/>
+                          <a:ea typeface="+mn-ea"/>
+                        </a:rPr>
+                        <a:t>リソース</a:t>
+                      </a:r>
+                      <a:endParaRPr lang="en-US" altLang="ja-JP" sz="700" u="none" strike="noStrike">
+                        <a:effectLst/>
+                        <a:latin typeface="+mn-ea"/>
+                        <a:ea typeface="+mn-ea"/>
+                      </a:endParaRPr>
+                    </a:p>
+                    <a:p>
+                      <a:pPr marL="87313" indent="-87313" algn="l" fontAlgn="t">
+                        <a:spcBef>
+                          <a:spcPts val="0"/>
+                        </a:spcBef>
+                        <a:spcAft>
+                          <a:spcPts val="0"/>
+                        </a:spcAft>
+                        <a:buFont typeface="Arial" panose="020B0604020202020204" pitchFamily="34" charset="0"/>
+                        <a:buChar char="•"/>
+                      </a:pPr>
+                      <a:r>
+                        <a:rPr lang="ja-JP" altLang="en-US" sz="700" u="none" strike="noStrike">
+                          <a:effectLst/>
+                          <a:latin typeface="+mn-ea"/>
+                          <a:ea typeface="+mn-ea"/>
+                        </a:rPr>
+                        <a:t>ユーザーは、自分がアクセス権を持つ特定のリソース、リソース グループまたはサブスクリプションのログをすべてのワークスペースから照会可能</a:t>
+                      </a:r>
+                      <a:endParaRPr lang="en-US" altLang="ja-JP" sz="700" u="none" strike="noStrike">
+                        <a:effectLst/>
+                        <a:latin typeface="+mn-ea"/>
+                        <a:ea typeface="+mn-ea"/>
+                      </a:endParaRPr>
+                    </a:p>
+                    <a:p>
+                      <a:pPr marL="87313" indent="-87313" algn="l" fontAlgn="t">
+                        <a:spcBef>
+                          <a:spcPts val="0"/>
+                        </a:spcBef>
+                        <a:spcAft>
+                          <a:spcPts val="0"/>
+                        </a:spcAft>
+                        <a:buFont typeface="Arial" panose="020B0604020202020204" pitchFamily="34" charset="0"/>
+                        <a:buChar char="•"/>
+                      </a:pPr>
+                      <a:r>
+                        <a:rPr lang="ja-JP" altLang="en-US" sz="700" u="none" strike="noStrike">
+                          <a:effectLst/>
+                          <a:latin typeface="+mn-ea"/>
+                          <a:ea typeface="+mn-ea"/>
+                        </a:rPr>
+                        <a:t>但し、その他のリソースのログは照会不可</a:t>
+                      </a:r>
+                      <a:endParaRPr lang="ja-JP" altLang="en-US" sz="700" b="0" i="0" u="none" strike="noStrike">
+                        <a:effectLst/>
+                        <a:latin typeface="+mn-ea"/>
+                        <a:ea typeface="+mn-ea"/>
+                      </a:endParaRPr>
+                    </a:p>
+                  </a:txBody>
+                  <a:tcPr marL="36000" marR="36000" marT="36000" marB="36000">
+                    <a:lnL w="12700" cmpd="sng">
+                      <a:solidFill>
+                        <a:srgbClr val="FFFFFF"/>
+                      </a:solidFill>
+                    </a:lnL>
+                    <a:lnR w="12700" cmpd="sng">
+                      <a:solidFill>
+                        <a:srgbClr val="FFFFFF"/>
+                      </a:solidFill>
+                    </a:lnR>
+                    <a:lnT w="12700" cmpd="sng">
+                      <a:solidFill>
+                        <a:srgbClr val="FFFFFF"/>
+                      </a:solidFill>
+                    </a:lnT>
+                    <a:lnB w="12700" cmpd="sng">
+                      <a:solidFill>
+                        <a:srgbClr val="FFFFFF"/>
+                      </a:solidFill>
+                    </a:lnB>
+                    <a:lnTlToBr w="12700" cmpd="sng">
+                      <a:noFill/>
+                      <a:prstDash val="solid"/>
+                    </a:lnTlToBr>
+                    <a:lnBlToTr w="12700" cmpd="sng">
+                      <a:noFill/>
+                      <a:prstDash val="solid"/>
+                    </a:lnBlToTr>
+                    <a:solidFill>
+                      <a:srgbClr val="0078D4">
+                        <a:tint val="20000"/>
+                      </a:srgbClr>
+                    </a:solidFill>
+                  </a:tcPr>
+                </a:tc>
+                <a:extLst>
+                  <a:ext uri="{0D108BD9-81ED-4DB2-BD59-A6C34878D82A}">
+                    <a16:rowId xmlns:a16="http://schemas.microsoft.com/office/drawing/2014/main" val="4241465218"/>
+                  </a:ext>
+                </a:extLst>
+              </a:tr>
+              <a:tr h="284504">
+                <a:tc>
+                  <a:txBody>
+                    <a:bodyPr/>
+                    <a:lstStyle>
+                      <a:lvl1pPr marL="0" algn="l" defTabSz="914400" rtl="0" eaLnBrk="1" latinLnBrk="0" hangingPunct="1">
+                        <a:defRPr kumimoji="1" sz="1800" b="1" kern="1200">
+                          <a:solidFill>
+                            <a:schemeClr val="lt1"/>
+                          </a:solidFill>
+                          <a:latin typeface="Yu Gothic UI"/>
+                          <a:ea typeface="Yu Gothic UI"/>
+                        </a:defRPr>
+                      </a:lvl1pPr>
+                      <a:lvl2pPr marL="457200" algn="l" defTabSz="914400" rtl="0" eaLnBrk="1" latinLnBrk="0" hangingPunct="1">
+                        <a:defRPr kumimoji="1" sz="1800" b="1" kern="1200">
+                          <a:solidFill>
+                            <a:schemeClr val="lt1"/>
+                          </a:solidFill>
+                          <a:latin typeface="Yu Gothic UI"/>
+                          <a:ea typeface="Yu Gothic UI"/>
+                        </a:defRPr>
+                      </a:lvl2pPr>
+                      <a:lvl3pPr marL="914400" algn="l" defTabSz="914400" rtl="0" eaLnBrk="1" latinLnBrk="0" hangingPunct="1">
+                        <a:defRPr kumimoji="1" sz="1800" b="1" kern="1200">
+                          <a:solidFill>
+                            <a:schemeClr val="lt1"/>
+                          </a:solidFill>
+                          <a:latin typeface="Yu Gothic UI"/>
+                          <a:ea typeface="Yu Gothic UI"/>
+                        </a:defRPr>
+                      </a:lvl3pPr>
+                      <a:lvl4pPr marL="1371600" algn="l" defTabSz="914400" rtl="0" eaLnBrk="1" latinLnBrk="0" hangingPunct="1">
+                        <a:defRPr kumimoji="1" sz="1800" b="1" kern="1200">
+                          <a:solidFill>
+                            <a:schemeClr val="lt1"/>
+                          </a:solidFill>
+                          <a:latin typeface="Yu Gothic UI"/>
+                          <a:ea typeface="Yu Gothic UI"/>
+                        </a:defRPr>
+                      </a:lvl4pPr>
+                      <a:lvl5pPr marL="1828800" algn="l" defTabSz="914400" rtl="0" eaLnBrk="1" latinLnBrk="0" hangingPunct="1">
+                        <a:defRPr kumimoji="1" sz="1800" b="1" kern="1200">
+                          <a:solidFill>
+                            <a:schemeClr val="lt1"/>
+                          </a:solidFill>
+                          <a:latin typeface="Yu Gothic UI"/>
+                          <a:ea typeface="Yu Gothic UI"/>
+                        </a:defRPr>
+                      </a:lvl5pPr>
+                      <a:lvl6pPr marL="2286000" algn="l" defTabSz="914400" rtl="0" eaLnBrk="1" latinLnBrk="0" hangingPunct="1">
+                        <a:defRPr kumimoji="1" sz="1800" b="1" kern="1200">
+                          <a:solidFill>
+                            <a:schemeClr val="lt1"/>
+                          </a:solidFill>
+                          <a:latin typeface="Yu Gothic UI"/>
+                          <a:ea typeface="Yu Gothic UI"/>
+                        </a:defRPr>
+                      </a:lvl6pPr>
+                      <a:lvl7pPr marL="2743200" algn="l" defTabSz="914400" rtl="0" eaLnBrk="1" latinLnBrk="0" hangingPunct="1">
+                        <a:defRPr kumimoji="1" sz="1800" b="1" kern="1200">
+                          <a:solidFill>
+                            <a:schemeClr val="lt1"/>
+                          </a:solidFill>
+                          <a:latin typeface="Yu Gothic UI"/>
+                          <a:ea typeface="Yu Gothic UI"/>
+                        </a:defRPr>
+                      </a:lvl7pPr>
+                      <a:lvl8pPr marL="3200400" algn="l" defTabSz="914400" rtl="0" eaLnBrk="1" latinLnBrk="0" hangingPunct="1">
+                        <a:defRPr kumimoji="1" sz="1800" b="1" kern="1200">
+                          <a:solidFill>
+                            <a:schemeClr val="lt1"/>
+                          </a:solidFill>
+                          <a:latin typeface="Yu Gothic UI"/>
+                          <a:ea typeface="Yu Gothic UI"/>
+                        </a:defRPr>
+                      </a:lvl8pPr>
+                      <a:lvl9pPr marL="3657600" algn="l" defTabSz="914400" rtl="0" eaLnBrk="1" latinLnBrk="0" hangingPunct="1">
+                        <a:defRPr kumimoji="1" sz="1800" b="1" kern="1200">
+                          <a:solidFill>
+                            <a:schemeClr val="lt1"/>
+                          </a:solidFill>
+                          <a:latin typeface="Yu Gothic UI"/>
+                          <a:ea typeface="Yu Gothic UI"/>
+                        </a:defRPr>
+                      </a:lvl9pPr>
+                    </a:lstStyle>
+                    <a:p>
+                      <a:pPr algn="l" fontAlgn="t">
+                        <a:spcBef>
+                          <a:spcPts val="0"/>
+                        </a:spcBef>
+                        <a:spcAft>
+                          <a:spcPts val="0"/>
+                        </a:spcAft>
+                      </a:pPr>
+                      <a:r>
+                        <a:rPr lang="ja-JP" altLang="en-US" sz="700" b="1" i="0" u="none" strike="noStrike">
+                          <a:effectLst/>
+                          <a:latin typeface="+mn-ea"/>
+                          <a:ea typeface="+mn-ea"/>
+                        </a:rPr>
+                        <a:t>ログにアクセスする方法</a:t>
+                      </a:r>
+                    </a:p>
+                  </a:txBody>
+                  <a:tcPr marL="36000" marR="36000" marT="36000" marB="36000">
+                    <a:lnL w="12700" cmpd="sng">
+                      <a:solidFill>
+                        <a:srgbClr val="FFFFFF"/>
+                      </a:solidFill>
+                    </a:lnL>
+                    <a:lnR w="12700" cmpd="sng">
+                      <a:solidFill>
+                        <a:srgbClr val="FFFFFF"/>
+                      </a:solidFill>
+                    </a:lnR>
+                    <a:lnT w="12700" cmpd="sng">
+                      <a:solidFill>
+                        <a:srgbClr val="FFFFFF"/>
+                      </a:solidFill>
+                    </a:lnT>
+                    <a:lnB w="12700" cmpd="sng">
+                      <a:solidFill>
+                        <a:srgbClr val="FFFFFF"/>
+                      </a:solidFill>
+                    </a:lnB>
+                    <a:lnTlToBr w="12700" cmpd="sng">
+                      <a:noFill/>
+                      <a:prstDash val="solid"/>
+                    </a:lnTlToBr>
+                    <a:lnBlToTr w="12700" cmpd="sng">
+                      <a:noFill/>
+                      <a:prstDash val="solid"/>
+                    </a:lnBlToTr>
+                    <a:solidFill>
+                      <a:srgbClr val="0078D4"/>
+                    </a:solidFill>
+                  </a:tcPr>
+                </a:tc>
+                <a:tc>
+                  <a:txBody>
+                    <a:bodyPr/>
+                    <a:lstStyle>
+                      <a:lvl1pPr marL="0" algn="l" defTabSz="914400" rtl="0" eaLnBrk="1" latinLnBrk="0" hangingPunct="1">
+                        <a:defRPr kumimoji="1" sz="1800" kern="1200">
+                          <a:solidFill>
+                            <a:schemeClr val="dk1"/>
+                          </a:solidFill>
+                          <a:latin typeface="Yu Gothic UI"/>
+                          <a:ea typeface="Yu Gothic UI"/>
+                        </a:defRPr>
+                      </a:lvl1pPr>
+                      <a:lvl2pPr marL="457200" algn="l" defTabSz="914400" rtl="0" eaLnBrk="1" latinLnBrk="0" hangingPunct="1">
+                        <a:defRPr kumimoji="1" sz="1800" kern="1200">
+                          <a:solidFill>
+                            <a:schemeClr val="dk1"/>
+                          </a:solidFill>
+                          <a:latin typeface="Yu Gothic UI"/>
+                          <a:ea typeface="Yu Gothic UI"/>
+                        </a:defRPr>
+                      </a:lvl2pPr>
+                      <a:lvl3pPr marL="914400" algn="l" defTabSz="914400" rtl="0" eaLnBrk="1" latinLnBrk="0" hangingPunct="1">
+                        <a:defRPr kumimoji="1" sz="1800" kern="1200">
+                          <a:solidFill>
+                            <a:schemeClr val="dk1"/>
+                          </a:solidFill>
+                          <a:latin typeface="Yu Gothic UI"/>
+                          <a:ea typeface="Yu Gothic UI"/>
+                        </a:defRPr>
+                      </a:lvl3pPr>
+                      <a:lvl4pPr marL="1371600" algn="l" defTabSz="914400" rtl="0" eaLnBrk="1" latinLnBrk="0" hangingPunct="1">
+                        <a:defRPr kumimoji="1" sz="1800" kern="1200">
+                          <a:solidFill>
+                            <a:schemeClr val="dk1"/>
+                          </a:solidFill>
+                          <a:latin typeface="Yu Gothic UI"/>
+                          <a:ea typeface="Yu Gothic UI"/>
+                        </a:defRPr>
+                      </a:lvl4pPr>
+                      <a:lvl5pPr marL="1828800" algn="l" defTabSz="914400" rtl="0" eaLnBrk="1" latinLnBrk="0" hangingPunct="1">
+                        <a:defRPr kumimoji="1" sz="1800" kern="1200">
+                          <a:solidFill>
+                            <a:schemeClr val="dk1"/>
+                          </a:solidFill>
+                          <a:latin typeface="Yu Gothic UI"/>
+                          <a:ea typeface="Yu Gothic UI"/>
+                        </a:defRPr>
+                      </a:lvl5pPr>
+                      <a:lvl6pPr marL="2286000" algn="l" defTabSz="914400" rtl="0" eaLnBrk="1" latinLnBrk="0" hangingPunct="1">
+                        <a:defRPr kumimoji="1" sz="1800" kern="1200">
+                          <a:solidFill>
+                            <a:schemeClr val="dk1"/>
+                          </a:solidFill>
+                          <a:latin typeface="Yu Gothic UI"/>
+                          <a:ea typeface="Yu Gothic UI"/>
+                        </a:defRPr>
+                      </a:lvl6pPr>
+                      <a:lvl7pPr marL="2743200" algn="l" defTabSz="914400" rtl="0" eaLnBrk="1" latinLnBrk="0" hangingPunct="1">
+                        <a:defRPr kumimoji="1" sz="1800" kern="1200">
+                          <a:solidFill>
+                            <a:schemeClr val="dk1"/>
+                          </a:solidFill>
+                          <a:latin typeface="Yu Gothic UI"/>
+                          <a:ea typeface="Yu Gothic UI"/>
+                        </a:defRPr>
+                      </a:lvl7pPr>
+                      <a:lvl8pPr marL="3200400" algn="l" defTabSz="914400" rtl="0" eaLnBrk="1" latinLnBrk="0" hangingPunct="1">
+                        <a:defRPr kumimoji="1" sz="1800" kern="1200">
+                          <a:solidFill>
+                            <a:schemeClr val="dk1"/>
+                          </a:solidFill>
+                          <a:latin typeface="Yu Gothic UI"/>
+                          <a:ea typeface="Yu Gothic UI"/>
+                        </a:defRPr>
+                      </a:lvl8pPr>
+                      <a:lvl9pPr marL="3657600" algn="l" defTabSz="914400" rtl="0" eaLnBrk="1" latinLnBrk="0" hangingPunct="1">
+                        <a:defRPr kumimoji="1" sz="1800" kern="1200">
+                          <a:solidFill>
+                            <a:schemeClr val="dk1"/>
+                          </a:solidFill>
+                          <a:latin typeface="Yu Gothic UI"/>
+                          <a:ea typeface="Yu Gothic UI"/>
+                        </a:defRPr>
+                      </a:lvl9pPr>
+                    </a:lstStyle>
+                    <a:p>
+                      <a:pPr marL="87313" indent="-87313" algn="l" fontAlgn="t">
+                        <a:spcBef>
+                          <a:spcPts val="0"/>
+                        </a:spcBef>
+                        <a:spcAft>
+                          <a:spcPts val="0"/>
+                        </a:spcAft>
+                        <a:buFont typeface="Arial" panose="020B0604020202020204" pitchFamily="34" charset="0"/>
+                        <a:buChar char="•"/>
+                      </a:pPr>
+                      <a:r>
+                        <a:rPr lang="en-US" altLang="ja-JP" sz="700" b="0" i="0" u="none" strike="noStrike">
+                          <a:effectLst/>
+                          <a:latin typeface="+mn-ea"/>
+                          <a:ea typeface="+mn-ea"/>
+                        </a:rPr>
+                        <a:t>Azure Monitor </a:t>
+                      </a:r>
+                      <a:r>
+                        <a:rPr lang="ja-JP" altLang="en-US" sz="700" b="0" i="0" u="none" strike="noStrike">
+                          <a:effectLst/>
+                          <a:latin typeface="+mn-ea"/>
+                          <a:ea typeface="+mn-ea"/>
+                        </a:rPr>
+                        <a:t>の </a:t>
+                      </a:r>
+                      <a:r>
+                        <a:rPr lang="en-US" altLang="ja-JP" sz="700" b="0" i="0" u="none" strike="noStrike">
+                          <a:effectLst/>
+                          <a:latin typeface="+mn-ea"/>
+                          <a:ea typeface="+mn-ea"/>
+                        </a:rPr>
+                        <a:t>[</a:t>
+                      </a:r>
+                      <a:r>
+                        <a:rPr lang="ja-JP" altLang="en-US" sz="700" b="0" i="0" u="none" strike="noStrike">
+                          <a:effectLst/>
+                          <a:latin typeface="+mn-ea"/>
+                          <a:ea typeface="+mn-ea"/>
+                        </a:rPr>
+                        <a:t>ログ</a:t>
+                      </a:r>
+                      <a:r>
+                        <a:rPr lang="en-US" altLang="ja-JP" sz="700" b="0" i="0" u="none" strike="noStrike">
+                          <a:effectLst/>
+                          <a:latin typeface="+mn-ea"/>
+                          <a:ea typeface="+mn-ea"/>
+                        </a:rPr>
+                        <a:t>]</a:t>
+                      </a:r>
+                    </a:p>
+                    <a:p>
+                      <a:pPr marL="87313" indent="-87313" algn="l" fontAlgn="t">
+                        <a:spcBef>
+                          <a:spcPts val="0"/>
+                        </a:spcBef>
+                        <a:spcAft>
+                          <a:spcPts val="0"/>
+                        </a:spcAft>
+                        <a:buFont typeface="Arial" panose="020B0604020202020204" pitchFamily="34" charset="0"/>
+                        <a:buChar char="•"/>
+                      </a:pPr>
+                      <a:r>
+                        <a:rPr lang="en-US" altLang="ja-JP" sz="700" b="0" i="0" u="none" strike="noStrike">
+                          <a:effectLst/>
+                          <a:latin typeface="+mn-ea"/>
+                          <a:ea typeface="+mn-ea"/>
+                        </a:rPr>
+                        <a:t>Log </a:t>
+                      </a:r>
+                      <a:r>
+                        <a:rPr lang="en-US" altLang="ja-JP" sz="700" b="0" i="0" u="none" strike="noStrike" err="1">
+                          <a:effectLst/>
+                          <a:latin typeface="+mn-ea"/>
+                          <a:ea typeface="+mn-ea"/>
+                        </a:rPr>
+                        <a:t>Analtyics</a:t>
+                      </a:r>
+                      <a:r>
+                        <a:rPr lang="en-US" altLang="ja-JP" sz="700" b="0" i="0" u="none" strike="noStrike">
+                          <a:effectLst/>
+                          <a:latin typeface="+mn-ea"/>
+                          <a:ea typeface="+mn-ea"/>
+                        </a:rPr>
+                        <a:t> </a:t>
+                      </a:r>
+                      <a:r>
+                        <a:rPr lang="ja-JP" altLang="en-US" sz="700" b="0" i="0" u="none" strike="noStrike">
+                          <a:effectLst/>
+                          <a:latin typeface="+mn-ea"/>
+                          <a:ea typeface="+mn-ea"/>
+                        </a:rPr>
+                        <a:t>ワークスペースの </a:t>
+                      </a:r>
+                      <a:r>
+                        <a:rPr lang="en-US" altLang="ja-JP" sz="700" b="0" i="0" u="none" strike="noStrike">
+                          <a:effectLst/>
+                          <a:latin typeface="+mn-ea"/>
+                          <a:ea typeface="+mn-ea"/>
+                        </a:rPr>
+                        <a:t>[</a:t>
+                      </a:r>
+                      <a:r>
+                        <a:rPr lang="ja-JP" altLang="en-US" sz="700" b="0" i="0" u="none" strike="noStrike">
+                          <a:effectLst/>
+                          <a:latin typeface="+mn-ea"/>
+                          <a:ea typeface="+mn-ea"/>
+                        </a:rPr>
+                        <a:t>ログ</a:t>
+                      </a:r>
+                      <a:r>
+                        <a:rPr lang="en-US" altLang="ja-JP" sz="700" b="0" i="0" u="none" strike="noStrike">
+                          <a:effectLst/>
+                          <a:latin typeface="+mn-ea"/>
+                          <a:ea typeface="+mn-ea"/>
+                        </a:rPr>
+                        <a:t>]</a:t>
+                      </a:r>
+                    </a:p>
+                    <a:p>
+                      <a:pPr marL="87313" indent="-87313" algn="l" fontAlgn="t">
+                        <a:spcBef>
+                          <a:spcPts val="0"/>
+                        </a:spcBef>
+                        <a:spcAft>
+                          <a:spcPts val="0"/>
+                        </a:spcAft>
+                        <a:buFont typeface="Arial" panose="020B0604020202020204" pitchFamily="34" charset="0"/>
+                        <a:buChar char="•"/>
+                      </a:pPr>
+                      <a:r>
+                        <a:rPr lang="en-US" altLang="ja-JP" sz="700" b="0" i="0" u="none" strike="noStrike">
+                          <a:effectLst/>
+                          <a:latin typeface="+mn-ea"/>
+                          <a:ea typeface="+mn-ea"/>
+                        </a:rPr>
+                        <a:t>Azure Monitor Workbooks</a:t>
+                      </a:r>
+                    </a:p>
+                    <a:p>
+                      <a:pPr algn="l" fontAlgn="t">
+                        <a:spcBef>
+                          <a:spcPts val="0"/>
+                        </a:spcBef>
+                        <a:spcAft>
+                          <a:spcPts val="0"/>
+                        </a:spcAft>
+                      </a:pPr>
+                      <a:endParaRPr lang="ja-JP" altLang="en-US" sz="700" b="0" i="0" u="none" strike="noStrike">
+                        <a:effectLst/>
+                        <a:latin typeface="+mn-ea"/>
+                        <a:ea typeface="+mn-ea"/>
+                      </a:endParaRPr>
+                    </a:p>
+                  </a:txBody>
+                  <a:tcPr marL="36000" marR="36000" marT="36000" marB="36000">
+                    <a:lnL w="12700" cmpd="sng">
+                      <a:solidFill>
+                        <a:srgbClr val="FFFFFF"/>
+                      </a:solidFill>
+                    </a:lnL>
+                    <a:lnR w="12700" cmpd="sng">
+                      <a:solidFill>
+                        <a:srgbClr val="FFFFFF"/>
+                      </a:solidFill>
+                    </a:lnR>
+                    <a:lnT w="12700" cmpd="sng">
+                      <a:solidFill>
+                        <a:srgbClr val="FFFFFF"/>
+                      </a:solidFill>
+                    </a:lnT>
+                    <a:lnB w="12700" cmpd="sng">
+                      <a:solidFill>
+                        <a:srgbClr val="FFFFFF"/>
+                      </a:solidFill>
+                    </a:lnB>
+                    <a:lnTlToBr w="12700" cmpd="sng">
+                      <a:noFill/>
+                      <a:prstDash val="solid"/>
+                    </a:lnTlToBr>
+                    <a:lnBlToTr w="12700" cmpd="sng">
+                      <a:noFill/>
+                      <a:prstDash val="solid"/>
+                    </a:lnBlToTr>
+                    <a:solidFill>
+                      <a:srgbClr val="0078D4">
+                        <a:tint val="20000"/>
+                      </a:srgbClr>
+                    </a:solidFill>
+                  </a:tcPr>
+                </a:tc>
+                <a:tc>
+                  <a:txBody>
+                    <a:bodyPr/>
+                    <a:lstStyle>
+                      <a:lvl1pPr marL="0" algn="l" defTabSz="914400" rtl="0" eaLnBrk="1" latinLnBrk="0" hangingPunct="1">
+                        <a:defRPr kumimoji="1" sz="1800" kern="1200">
+                          <a:solidFill>
+                            <a:schemeClr val="dk1"/>
+                          </a:solidFill>
+                          <a:latin typeface="Yu Gothic UI"/>
+                          <a:ea typeface="Yu Gothic UI"/>
+                        </a:defRPr>
+                      </a:lvl1pPr>
+                      <a:lvl2pPr marL="457200" algn="l" defTabSz="914400" rtl="0" eaLnBrk="1" latinLnBrk="0" hangingPunct="1">
+                        <a:defRPr kumimoji="1" sz="1800" kern="1200">
+                          <a:solidFill>
+                            <a:schemeClr val="dk1"/>
+                          </a:solidFill>
+                          <a:latin typeface="Yu Gothic UI"/>
+                          <a:ea typeface="Yu Gothic UI"/>
+                        </a:defRPr>
+                      </a:lvl2pPr>
+                      <a:lvl3pPr marL="914400" algn="l" defTabSz="914400" rtl="0" eaLnBrk="1" latinLnBrk="0" hangingPunct="1">
+                        <a:defRPr kumimoji="1" sz="1800" kern="1200">
+                          <a:solidFill>
+                            <a:schemeClr val="dk1"/>
+                          </a:solidFill>
+                          <a:latin typeface="Yu Gothic UI"/>
+                          <a:ea typeface="Yu Gothic UI"/>
+                        </a:defRPr>
+                      </a:lvl3pPr>
+                      <a:lvl4pPr marL="1371600" algn="l" defTabSz="914400" rtl="0" eaLnBrk="1" latinLnBrk="0" hangingPunct="1">
+                        <a:defRPr kumimoji="1" sz="1800" kern="1200">
+                          <a:solidFill>
+                            <a:schemeClr val="dk1"/>
+                          </a:solidFill>
+                          <a:latin typeface="Yu Gothic UI"/>
+                          <a:ea typeface="Yu Gothic UI"/>
+                        </a:defRPr>
+                      </a:lvl4pPr>
+                      <a:lvl5pPr marL="1828800" algn="l" defTabSz="914400" rtl="0" eaLnBrk="1" latinLnBrk="0" hangingPunct="1">
+                        <a:defRPr kumimoji="1" sz="1800" kern="1200">
+                          <a:solidFill>
+                            <a:schemeClr val="dk1"/>
+                          </a:solidFill>
+                          <a:latin typeface="Yu Gothic UI"/>
+                          <a:ea typeface="Yu Gothic UI"/>
+                        </a:defRPr>
+                      </a:lvl5pPr>
+                      <a:lvl6pPr marL="2286000" algn="l" defTabSz="914400" rtl="0" eaLnBrk="1" latinLnBrk="0" hangingPunct="1">
+                        <a:defRPr kumimoji="1" sz="1800" kern="1200">
+                          <a:solidFill>
+                            <a:schemeClr val="dk1"/>
+                          </a:solidFill>
+                          <a:latin typeface="Yu Gothic UI"/>
+                          <a:ea typeface="Yu Gothic UI"/>
+                        </a:defRPr>
+                      </a:lvl6pPr>
+                      <a:lvl7pPr marL="2743200" algn="l" defTabSz="914400" rtl="0" eaLnBrk="1" latinLnBrk="0" hangingPunct="1">
+                        <a:defRPr kumimoji="1" sz="1800" kern="1200">
+                          <a:solidFill>
+                            <a:schemeClr val="dk1"/>
+                          </a:solidFill>
+                          <a:latin typeface="Yu Gothic UI"/>
+                          <a:ea typeface="Yu Gothic UI"/>
+                        </a:defRPr>
+                      </a:lvl7pPr>
+                      <a:lvl8pPr marL="3200400" algn="l" defTabSz="914400" rtl="0" eaLnBrk="1" latinLnBrk="0" hangingPunct="1">
+                        <a:defRPr kumimoji="1" sz="1800" kern="1200">
+                          <a:solidFill>
+                            <a:schemeClr val="dk1"/>
+                          </a:solidFill>
+                          <a:latin typeface="Yu Gothic UI"/>
+                          <a:ea typeface="Yu Gothic UI"/>
+                        </a:defRPr>
+                      </a:lvl8pPr>
+                      <a:lvl9pPr marL="3657600" algn="l" defTabSz="914400" rtl="0" eaLnBrk="1" latinLnBrk="0" hangingPunct="1">
+                        <a:defRPr kumimoji="1" sz="1800" kern="1200">
+                          <a:solidFill>
+                            <a:schemeClr val="dk1"/>
+                          </a:solidFill>
+                          <a:latin typeface="Yu Gothic UI"/>
+                          <a:ea typeface="Yu Gothic UI"/>
+                        </a:defRPr>
+                      </a:lvl9pPr>
+                    </a:lstStyle>
+                    <a:p>
+                      <a:pPr marL="87313" indent="-87313" algn="l" fontAlgn="t">
+                        <a:spcBef>
+                          <a:spcPts val="0"/>
+                        </a:spcBef>
+                        <a:spcAft>
+                          <a:spcPts val="0"/>
+                        </a:spcAft>
+                        <a:buFont typeface="Arial" panose="020B0604020202020204" pitchFamily="34" charset="0"/>
+                        <a:buChar char="•"/>
+                      </a:pPr>
+                      <a:r>
+                        <a:rPr lang="en-US" altLang="ja-JP" sz="700" b="0" i="0" u="none" strike="noStrike" dirty="0">
+                          <a:effectLst/>
+                          <a:latin typeface="+mn-ea"/>
+                          <a:ea typeface="+mn-ea"/>
+                        </a:rPr>
+                        <a:t>Azure </a:t>
+                      </a:r>
+                      <a:r>
+                        <a:rPr lang="ja-JP" altLang="en-US" sz="700" b="0" i="0" u="none" strike="noStrike" dirty="0">
+                          <a:effectLst/>
+                          <a:latin typeface="+mn-ea"/>
+                          <a:ea typeface="+mn-ea"/>
+                        </a:rPr>
+                        <a:t>リソース の </a:t>
+                      </a:r>
+                      <a:r>
+                        <a:rPr lang="en-US" altLang="ja-JP" sz="700" b="0" i="0" u="none" strike="noStrike" dirty="0">
+                          <a:effectLst/>
+                          <a:latin typeface="+mn-ea"/>
+                          <a:ea typeface="+mn-ea"/>
+                        </a:rPr>
+                        <a:t>[</a:t>
+                      </a:r>
+                      <a:r>
+                        <a:rPr lang="ja-JP" altLang="en-US" sz="700" b="0" i="0" u="none" strike="noStrike" dirty="0">
+                          <a:effectLst/>
+                          <a:latin typeface="+mn-ea"/>
+                          <a:ea typeface="+mn-ea"/>
+                        </a:rPr>
+                        <a:t>ログ</a:t>
+                      </a:r>
+                      <a:r>
+                        <a:rPr lang="en-US" altLang="ja-JP" sz="700" b="0" i="0" u="none" strike="noStrike" dirty="0">
+                          <a:effectLst/>
+                          <a:latin typeface="+mn-ea"/>
+                          <a:ea typeface="+mn-ea"/>
+                        </a:rPr>
+                        <a:t>]</a:t>
+                      </a:r>
+                      <a:endParaRPr lang="ja-JP" altLang="en-US" sz="700" b="0" i="0" u="none" strike="noStrike" dirty="0">
+                        <a:effectLst/>
+                        <a:latin typeface="+mn-ea"/>
+                        <a:ea typeface="+mn-ea"/>
+                      </a:endParaRPr>
+                    </a:p>
+                    <a:p>
+                      <a:pPr marL="87313" indent="-87313" algn="l" fontAlgn="t">
+                        <a:spcBef>
+                          <a:spcPts val="0"/>
+                        </a:spcBef>
+                        <a:spcAft>
+                          <a:spcPts val="0"/>
+                        </a:spcAft>
+                        <a:buFont typeface="Arial" panose="020B0604020202020204" pitchFamily="34" charset="0"/>
+                        <a:buChar char="•"/>
+                      </a:pPr>
+                      <a:r>
+                        <a:rPr lang="en-US" altLang="ja-JP" sz="700" b="0" i="0" u="none" strike="noStrike" dirty="0">
+                          <a:effectLst/>
+                          <a:latin typeface="+mn-ea"/>
+                          <a:ea typeface="+mn-ea"/>
+                        </a:rPr>
+                        <a:t>Azure Monitor </a:t>
+                      </a:r>
+                      <a:r>
+                        <a:rPr lang="ja-JP" altLang="en-US" sz="700" b="0" i="0" u="none" strike="noStrike" dirty="0">
+                          <a:effectLst/>
+                          <a:latin typeface="+mn-ea"/>
+                          <a:ea typeface="+mn-ea"/>
+                        </a:rPr>
+                        <a:t>の </a:t>
+                      </a:r>
+                      <a:r>
+                        <a:rPr lang="en-US" altLang="ja-JP" sz="700" b="0" i="0" u="none" strike="noStrike" dirty="0">
+                          <a:effectLst/>
+                          <a:latin typeface="+mn-ea"/>
+                          <a:ea typeface="+mn-ea"/>
+                        </a:rPr>
+                        <a:t>[</a:t>
+                      </a:r>
+                      <a:r>
+                        <a:rPr lang="ja-JP" altLang="en-US" sz="700" b="0" i="0" u="none" strike="noStrike" dirty="0">
+                          <a:effectLst/>
+                          <a:latin typeface="+mn-ea"/>
+                          <a:ea typeface="+mn-ea"/>
+                        </a:rPr>
+                        <a:t>ログ</a:t>
+                      </a:r>
+                      <a:r>
+                        <a:rPr lang="en-US" altLang="ja-JP" sz="700" b="0" i="0" u="none" strike="noStrike" dirty="0">
+                          <a:effectLst/>
+                          <a:latin typeface="+mn-ea"/>
+                          <a:ea typeface="+mn-ea"/>
+                        </a:rPr>
+                        <a:t>]</a:t>
+                      </a:r>
+                      <a:endParaRPr lang="ja-JP" altLang="en-US" sz="700" b="0" i="0" u="none" strike="noStrike" dirty="0">
+                        <a:effectLst/>
+                        <a:latin typeface="+mn-ea"/>
+                        <a:ea typeface="+mn-ea"/>
+                      </a:endParaRPr>
+                    </a:p>
+                    <a:p>
+                      <a:pPr marL="87313" indent="-87313" algn="l" fontAlgn="t">
+                        <a:spcBef>
+                          <a:spcPts val="0"/>
+                        </a:spcBef>
+                        <a:spcAft>
+                          <a:spcPts val="0"/>
+                        </a:spcAft>
+                        <a:buFont typeface="Arial" panose="020B0604020202020204" pitchFamily="34" charset="0"/>
+                        <a:buChar char="•"/>
+                      </a:pPr>
+                      <a:r>
+                        <a:rPr lang="en-US" altLang="ja-JP" sz="700" b="0" i="0" u="none" strike="noStrike" dirty="0">
+                          <a:effectLst/>
+                          <a:latin typeface="+mn-ea"/>
+                          <a:ea typeface="+mn-ea"/>
+                        </a:rPr>
+                        <a:t>Log Analytics </a:t>
+                      </a:r>
+                      <a:r>
+                        <a:rPr lang="ja-JP" altLang="en-US" sz="700" b="0" i="0" u="none" strike="noStrike" dirty="0">
+                          <a:effectLst/>
+                          <a:latin typeface="+mn-ea"/>
+                          <a:ea typeface="+mn-ea"/>
+                        </a:rPr>
+                        <a:t>ワークスペース  の </a:t>
+                      </a:r>
+                      <a:r>
+                        <a:rPr lang="en-US" altLang="ja-JP" sz="700" b="0" i="0" u="none" strike="noStrike" dirty="0">
+                          <a:effectLst/>
+                          <a:latin typeface="+mn-ea"/>
+                          <a:ea typeface="+mn-ea"/>
+                        </a:rPr>
+                        <a:t>[</a:t>
+                      </a:r>
+                      <a:r>
+                        <a:rPr lang="ja-JP" altLang="en-US" sz="700" b="0" i="0" u="none" strike="noStrike" dirty="0">
+                          <a:effectLst/>
+                          <a:latin typeface="+mn-ea"/>
+                          <a:ea typeface="+mn-ea"/>
+                        </a:rPr>
+                        <a:t>ログ</a:t>
+                      </a:r>
+                      <a:r>
+                        <a:rPr lang="en-US" altLang="ja-JP" sz="700" b="0" i="0" u="none" strike="noStrike" dirty="0">
+                          <a:effectLst/>
+                          <a:latin typeface="+mn-ea"/>
+                          <a:ea typeface="+mn-ea"/>
+                        </a:rPr>
+                        <a:t>]</a:t>
+                      </a:r>
+                      <a:endParaRPr lang="ja-JP" altLang="en-US" sz="700" b="0" i="0" u="none" strike="noStrike" dirty="0">
+                        <a:effectLst/>
+                        <a:latin typeface="+mn-ea"/>
+                        <a:ea typeface="+mn-ea"/>
+                      </a:endParaRPr>
+                    </a:p>
+                    <a:p>
+                      <a:pPr marL="87313" indent="-87313" algn="l" fontAlgn="t">
+                        <a:spcBef>
+                          <a:spcPts val="0"/>
+                        </a:spcBef>
+                        <a:spcAft>
+                          <a:spcPts val="0"/>
+                        </a:spcAft>
+                        <a:buFont typeface="Arial" panose="020B0604020202020204" pitchFamily="34" charset="0"/>
+                        <a:buChar char="•"/>
+                      </a:pPr>
+                      <a:r>
+                        <a:rPr lang="en-US" altLang="ja-JP" sz="700" b="0" i="0" u="none" strike="noStrike" dirty="0">
+                          <a:effectLst/>
+                          <a:latin typeface="+mn-ea"/>
+                          <a:ea typeface="+mn-ea"/>
+                        </a:rPr>
+                        <a:t>Azure Monitor Workbooks</a:t>
+                      </a:r>
+                      <a:endParaRPr lang="ja-JP" altLang="en-US" sz="700" b="0" i="0" u="none" strike="noStrike" dirty="0">
+                        <a:effectLst/>
+                        <a:latin typeface="+mn-ea"/>
+                        <a:ea typeface="+mn-ea"/>
+                      </a:endParaRPr>
+                    </a:p>
+                  </a:txBody>
+                  <a:tcPr marL="36000" marR="36000" marT="36000" marB="36000">
+                    <a:lnL w="12700" cmpd="sng">
+                      <a:solidFill>
+                        <a:srgbClr val="FFFFFF"/>
+                      </a:solidFill>
+                    </a:lnL>
+                    <a:lnR w="12700" cmpd="sng">
+                      <a:solidFill>
+                        <a:srgbClr val="FFFFFF"/>
+                      </a:solidFill>
+                    </a:lnR>
+                    <a:lnT w="12700" cmpd="sng">
+                      <a:solidFill>
+                        <a:srgbClr val="FFFFFF"/>
+                      </a:solidFill>
+                    </a:lnT>
+                    <a:lnB w="12700" cmpd="sng">
+                      <a:solidFill>
+                        <a:srgbClr val="FFFFFF"/>
+                      </a:solidFill>
+                    </a:lnB>
+                    <a:lnTlToBr w="12700" cmpd="sng">
+                      <a:noFill/>
+                      <a:prstDash val="solid"/>
+                    </a:lnTlToBr>
+                    <a:lnBlToTr w="12700" cmpd="sng">
+                      <a:noFill/>
+                      <a:prstDash val="solid"/>
+                    </a:lnBlToTr>
+                    <a:solidFill>
+                      <a:srgbClr val="0078D4">
+                        <a:tint val="20000"/>
+                      </a:srgbClr>
+                    </a:solidFill>
+                  </a:tcPr>
+                </a:tc>
+                <a:extLst>
+                  <a:ext uri="{0D108BD9-81ED-4DB2-BD59-A6C34878D82A}">
+                    <a16:rowId xmlns:a16="http://schemas.microsoft.com/office/drawing/2014/main" val="3376987128"/>
+                  </a:ext>
+                </a:extLst>
+              </a:tr>
+            </a:tbl>
+          </a:graphicData>
+        </a:graphic>
+      </p:graphicFrame>
+      <p:sp>
+        <p:nvSpPr>
+          <p:cNvPr id="55" name="吹き出し: 四角形 54">
+            <a:extLst>
+              <a:ext uri="{FF2B5EF4-FFF2-40B4-BE49-F238E27FC236}">
+                <a16:creationId xmlns:a16="http://schemas.microsoft.com/office/drawing/2014/main" id="{66E0D11F-0ADE-737E-717F-03BF35363A40}"/>
+              </a:ext>
+            </a:extLst>
+          </p:cNvPr>
+          <p:cNvSpPr/>
+          <p:nvPr/>
+        </p:nvSpPr>
+        <p:spPr>
+          <a:xfrm>
+            <a:off x="7035800" y="3982137"/>
+            <a:ext cx="1573865" cy="686267"/>
+          </a:xfrm>
+          <a:prstGeom prst="wedgeRectCallout">
+            <a:avLst>
+              <a:gd name="adj1" fmla="val -34720"/>
+              <a:gd name="adj2" fmla="val 80347"/>
+            </a:avLst>
+          </a:prstGeom>
+          <a:solidFill>
+            <a:srgbClr val="107C10"/>
+          </a:solidFill>
+          <a:ln w="12700" cap="flat" cmpd="sng" algn="ctr">
+            <a:noFill/>
+            <a:prstDash val="solid"/>
+            <a:miter lim="800000"/>
+          </a:ln>
+          <a:effectLst/>
+        </p:spPr>
+        <p:txBody>
+          <a:bodyPr rtlCol="0" anchor="ctr"/>
+          <a:lstStyle/>
+          <a:p>
+            <a:pPr marL="0" marR="0" lvl="0" indent="0" algn="ctr" defTabSz="914400" eaLnBrk="1" fontAlgn="auto" latinLnBrk="0" hangingPunct="1">
+              <a:lnSpc>
+                <a:spcPct val="100000"/>
+              </a:lnSpc>
+              <a:spcBef>
+                <a:spcPts val="0"/>
+              </a:spcBef>
+              <a:spcAft>
+                <a:spcPts val="0"/>
+              </a:spcAft>
+              <a:buClrTx/>
+              <a:buSzTx/>
+              <a:buFontTx/>
+              <a:buNone/>
+              <a:tabLst/>
+              <a:defRPr/>
+            </a:pPr>
+            <a:r>
+              <a:rPr kumimoji="0" lang="ja-JP" altLang="en-US" sz="800" b="1" i="0" u="sng" strike="noStrike" kern="0" cap="none" spc="0" normalizeH="0" baseline="0" noProof="0">
+                <a:ln>
+                  <a:noFill/>
+                </a:ln>
+                <a:solidFill>
+                  <a:srgbClr val="FFFFFF"/>
+                </a:solidFill>
+                <a:effectLst/>
+                <a:uLnTx/>
+                <a:uFillTx/>
+                <a:latin typeface="Yu Gothic UI"/>
+                <a:ea typeface="Yu Gothic UI"/>
+                <a:cs typeface="+mn-cs"/>
+              </a:rPr>
+              <a:t>ワークスペース全体へのアクセス権を持っている</a:t>
+            </a:r>
+            <a:endParaRPr kumimoji="0" lang="en-US" altLang="ja-JP" sz="800" b="1" i="0" u="sng" strike="noStrike" kern="0" cap="none" spc="0" normalizeH="0" baseline="0" noProof="0">
+              <a:ln>
+                <a:noFill/>
+              </a:ln>
+              <a:solidFill>
+                <a:srgbClr val="FFFFFF"/>
+              </a:solidFill>
+              <a:effectLst/>
+              <a:uLnTx/>
+              <a:uFillTx/>
+              <a:latin typeface="Yu Gothic UI"/>
+              <a:ea typeface="Yu Gothic UI"/>
+              <a:cs typeface="+mn-cs"/>
+            </a:endParaRPr>
+          </a:p>
+          <a:p>
+            <a:pPr marL="0" marR="0" lvl="0" indent="0" algn="ctr" defTabSz="914400" eaLnBrk="1" fontAlgn="auto" latinLnBrk="0" hangingPunct="1">
+              <a:lnSpc>
+                <a:spcPct val="100000"/>
+              </a:lnSpc>
+              <a:spcBef>
+                <a:spcPts val="0"/>
+              </a:spcBef>
+              <a:spcAft>
+                <a:spcPts val="0"/>
+              </a:spcAft>
+              <a:buClrTx/>
+              <a:buSzTx/>
+              <a:buFontTx/>
+              <a:buNone/>
+              <a:tabLst/>
+              <a:defRPr/>
+            </a:pPr>
+            <a:r>
+              <a:rPr kumimoji="0" lang="ja-JP" altLang="en-US" sz="800" b="0" i="0" u="none" strike="noStrike" kern="0" cap="none" spc="0" normalizeH="0" baseline="0" noProof="0">
+                <a:ln>
+                  <a:noFill/>
+                </a:ln>
+                <a:solidFill>
+                  <a:srgbClr val="FFFFFF"/>
+                </a:solidFill>
+                <a:effectLst/>
+                <a:uLnTx/>
+                <a:uFillTx/>
+                <a:latin typeface="Yu Gothic UI"/>
+                <a:ea typeface="Yu Gothic UI"/>
+                <a:cs typeface="+mn-cs"/>
+              </a:rPr>
+              <a:t>全てのログへアクセスが出来る</a:t>
+            </a:r>
+          </a:p>
+        </p:txBody>
+      </p:sp>
+      <p:sp>
+        <p:nvSpPr>
+          <p:cNvPr id="56" name="吹き出し: 四角形 55">
+            <a:extLst>
+              <a:ext uri="{FF2B5EF4-FFF2-40B4-BE49-F238E27FC236}">
+                <a16:creationId xmlns:a16="http://schemas.microsoft.com/office/drawing/2014/main" id="{CE37760D-5B0F-EAE6-1191-9E182C164E7E}"/>
+              </a:ext>
+            </a:extLst>
+          </p:cNvPr>
+          <p:cNvSpPr/>
+          <p:nvPr/>
+        </p:nvSpPr>
+        <p:spPr>
+          <a:xfrm>
+            <a:off x="10734418" y="3158821"/>
+            <a:ext cx="1331521" cy="747297"/>
+          </a:xfrm>
+          <a:prstGeom prst="wedgeRectCallout">
+            <a:avLst>
+              <a:gd name="adj1" fmla="val -98118"/>
+              <a:gd name="adj2" fmla="val 14466"/>
+            </a:avLst>
+          </a:prstGeom>
+          <a:solidFill>
+            <a:srgbClr val="0078D4"/>
+          </a:solidFill>
+          <a:ln w="12700" cap="flat" cmpd="sng" algn="ctr">
+            <a:noFill/>
+            <a:prstDash val="solid"/>
+            <a:miter lim="800000"/>
+          </a:ln>
+          <a:effectLst/>
+        </p:spPr>
+        <p:txBody>
+          <a:bodyPr rtlCol="0" anchor="ctr"/>
+          <a:lstStyle/>
+          <a:p>
+            <a:pPr marL="0" marR="0" lvl="0" indent="0" algn="ctr" defTabSz="914400" eaLnBrk="1" fontAlgn="auto" latinLnBrk="0" hangingPunct="1">
+              <a:lnSpc>
+                <a:spcPct val="100000"/>
+              </a:lnSpc>
+              <a:spcBef>
+                <a:spcPts val="0"/>
+              </a:spcBef>
+              <a:spcAft>
+                <a:spcPts val="0"/>
+              </a:spcAft>
+              <a:buClrTx/>
+              <a:buSzTx/>
+              <a:buFontTx/>
+              <a:buNone/>
+              <a:tabLst/>
+              <a:defRPr/>
+            </a:pPr>
+            <a:r>
+              <a:rPr kumimoji="0" lang="ja-JP" altLang="en-US" sz="800" b="1" i="0" u="sng" strike="noStrike" kern="0" cap="none" spc="0" normalizeH="0" baseline="0" noProof="0">
+                <a:ln>
+                  <a:noFill/>
+                </a:ln>
+                <a:solidFill>
+                  <a:srgbClr val="FFFFFF"/>
+                </a:solidFill>
+                <a:effectLst/>
+                <a:uLnTx/>
+                <a:uFillTx/>
+                <a:latin typeface="Yu Gothic UI"/>
+                <a:ea typeface="Yu Gothic UI"/>
+                <a:cs typeface="+mn-cs"/>
+              </a:rPr>
+              <a:t>リソースへのアクセス権のみ持っている</a:t>
+            </a:r>
+            <a:endParaRPr kumimoji="0" lang="en-US" altLang="ja-JP" sz="800" b="1" i="0" u="sng" strike="noStrike" kern="0" cap="none" spc="0" normalizeH="0" baseline="0" noProof="0">
+              <a:ln>
+                <a:noFill/>
+              </a:ln>
+              <a:solidFill>
+                <a:srgbClr val="FFFFFF"/>
+              </a:solidFill>
+              <a:effectLst/>
+              <a:uLnTx/>
+              <a:uFillTx/>
+              <a:latin typeface="Yu Gothic UI"/>
+              <a:ea typeface="Yu Gothic UI"/>
+              <a:cs typeface="+mn-cs"/>
+            </a:endParaRPr>
+          </a:p>
+          <a:p>
+            <a:pPr marL="0" marR="0" lvl="0" indent="0" algn="ctr" defTabSz="914400" eaLnBrk="1" fontAlgn="auto" latinLnBrk="0" hangingPunct="1">
+              <a:lnSpc>
+                <a:spcPct val="100000"/>
+              </a:lnSpc>
+              <a:spcBef>
+                <a:spcPts val="0"/>
+              </a:spcBef>
+              <a:spcAft>
+                <a:spcPts val="0"/>
+              </a:spcAft>
+              <a:buClrTx/>
+              <a:buSzTx/>
+              <a:buFontTx/>
+              <a:buNone/>
+              <a:tabLst/>
+              <a:defRPr/>
+            </a:pPr>
+            <a:r>
+              <a:rPr kumimoji="0" lang="ja-JP" altLang="en-US" sz="800" b="0" i="0" u="none" strike="noStrike" kern="0" cap="none" spc="0" normalizeH="0" baseline="0" noProof="0">
+                <a:ln>
+                  <a:noFill/>
+                </a:ln>
+                <a:solidFill>
+                  <a:srgbClr val="FFFFFF"/>
+                </a:solidFill>
+                <a:effectLst/>
+                <a:uLnTx/>
+                <a:uFillTx/>
+                <a:latin typeface="Yu Gothic UI"/>
+                <a:ea typeface="Yu Gothic UI"/>
+                <a:cs typeface="+mn-cs"/>
+              </a:rPr>
+              <a:t>リソースのログにアクセスできる。但し、アクセス制御モードで許可しておく必要がある</a:t>
+            </a:r>
+          </a:p>
+        </p:txBody>
+      </p:sp>
+      <p:sp>
+        <p:nvSpPr>
+          <p:cNvPr id="57" name="吹き出し: 四角形 56">
+            <a:extLst>
+              <a:ext uri="{FF2B5EF4-FFF2-40B4-BE49-F238E27FC236}">
+                <a16:creationId xmlns:a16="http://schemas.microsoft.com/office/drawing/2014/main" id="{4AD37267-0E50-4A8B-EA25-E5C777BCAF16}"/>
+              </a:ext>
+            </a:extLst>
+          </p:cNvPr>
+          <p:cNvSpPr/>
+          <p:nvPr/>
+        </p:nvSpPr>
+        <p:spPr>
+          <a:xfrm>
+            <a:off x="9292126" y="5862194"/>
+            <a:ext cx="1549354" cy="700574"/>
+          </a:xfrm>
+          <a:prstGeom prst="wedgeRectCallout">
+            <a:avLst>
+              <a:gd name="adj1" fmla="val 63256"/>
+              <a:gd name="adj2" fmla="val -65600"/>
+            </a:avLst>
+          </a:prstGeom>
+          <a:solidFill>
+            <a:srgbClr val="8661C5"/>
+          </a:solidFill>
+          <a:ln w="12700" cap="flat" cmpd="sng" algn="ctr">
+            <a:noFill/>
+            <a:prstDash val="solid"/>
+            <a:miter lim="800000"/>
+          </a:ln>
+          <a:effectLst/>
+        </p:spPr>
+        <p:txBody>
+          <a:bodyPr rtlCol="0" anchor="ctr"/>
+          <a:lstStyle/>
+          <a:p>
+            <a:pPr marL="0" marR="0" lvl="0" indent="0" algn="ctr" defTabSz="914400" eaLnBrk="1" fontAlgn="auto" latinLnBrk="0" hangingPunct="1">
+              <a:lnSpc>
+                <a:spcPct val="100000"/>
+              </a:lnSpc>
+              <a:spcBef>
+                <a:spcPts val="0"/>
+              </a:spcBef>
+              <a:spcAft>
+                <a:spcPts val="0"/>
+              </a:spcAft>
+              <a:buClrTx/>
+              <a:buSzTx/>
+              <a:buFontTx/>
+              <a:buNone/>
+              <a:tabLst/>
+              <a:defRPr/>
+            </a:pPr>
+            <a:r>
+              <a:rPr kumimoji="0" lang="ja-JP" altLang="en-US" sz="800" b="1" i="0" u="sng" strike="noStrike" kern="0" cap="none" spc="0" normalizeH="0" baseline="0" noProof="0">
+                <a:ln>
+                  <a:noFill/>
+                </a:ln>
+                <a:solidFill>
+                  <a:srgbClr val="FFFFFF"/>
+                </a:solidFill>
+                <a:effectLst/>
+                <a:uLnTx/>
+                <a:uFillTx/>
+                <a:latin typeface="Yu Gothic UI"/>
+                <a:ea typeface="Yu Gothic UI"/>
+                <a:cs typeface="+mn-cs"/>
+              </a:rPr>
+              <a:t>ワークスペース</a:t>
+            </a:r>
+            <a:r>
+              <a:rPr kumimoji="0" lang="en-US" altLang="ja-JP" sz="800" b="1" i="0" u="sng" strike="noStrike" kern="0" cap="none" spc="0" normalizeH="0" baseline="0" noProof="0">
+                <a:ln>
+                  <a:noFill/>
+                </a:ln>
+                <a:solidFill>
+                  <a:srgbClr val="FFFFFF"/>
+                </a:solidFill>
+                <a:effectLst/>
+                <a:uLnTx/>
+                <a:uFillTx/>
+                <a:latin typeface="Yu Gothic UI"/>
+                <a:ea typeface="Yu Gothic UI"/>
+                <a:cs typeface="+mn-cs"/>
+              </a:rPr>
+              <a:t>/</a:t>
+            </a:r>
+            <a:r>
+              <a:rPr kumimoji="0" lang="ja-JP" altLang="en-US" sz="800" b="1" i="0" u="sng" strike="noStrike" kern="0" cap="none" spc="0" normalizeH="0" baseline="0" noProof="0">
+                <a:ln>
+                  <a:noFill/>
+                </a:ln>
+                <a:solidFill>
+                  <a:srgbClr val="FFFFFF"/>
+                </a:solidFill>
+                <a:effectLst/>
+                <a:uLnTx/>
+                <a:uFillTx/>
+                <a:latin typeface="Yu Gothic UI"/>
+                <a:ea typeface="Yu Gothic UI"/>
+                <a:cs typeface="+mn-cs"/>
+              </a:rPr>
+              <a:t>リソースの権限は持っていないがテーブルの権限を持っている</a:t>
+            </a:r>
+            <a:endParaRPr kumimoji="0" lang="en-US" altLang="ja-JP" sz="800" b="1" i="0" u="sng" strike="noStrike" kern="0" cap="none" spc="0" normalizeH="0" baseline="0" noProof="0">
+              <a:ln>
+                <a:noFill/>
+              </a:ln>
+              <a:solidFill>
+                <a:srgbClr val="FFFFFF"/>
+              </a:solidFill>
+              <a:effectLst/>
+              <a:uLnTx/>
+              <a:uFillTx/>
+              <a:latin typeface="Yu Gothic UI"/>
+              <a:ea typeface="Yu Gothic UI"/>
+              <a:cs typeface="+mn-cs"/>
+            </a:endParaRPr>
+          </a:p>
+          <a:p>
+            <a:pPr marL="0" marR="0" lvl="0" indent="0" algn="ctr" defTabSz="914400" eaLnBrk="1" fontAlgn="auto" latinLnBrk="0" hangingPunct="1">
+              <a:lnSpc>
+                <a:spcPct val="100000"/>
+              </a:lnSpc>
+              <a:spcBef>
+                <a:spcPts val="0"/>
+              </a:spcBef>
+              <a:spcAft>
+                <a:spcPts val="0"/>
+              </a:spcAft>
+              <a:buClrTx/>
+              <a:buSzTx/>
+              <a:buFontTx/>
+              <a:buNone/>
+              <a:tabLst/>
+              <a:defRPr/>
+            </a:pPr>
+            <a:r>
+              <a:rPr kumimoji="0" lang="ja-JP" altLang="en-US" sz="800" b="0" i="0" u="none" strike="noStrike" kern="0" cap="none" spc="0" normalizeH="0" baseline="0" noProof="0">
+                <a:ln>
+                  <a:noFill/>
+                </a:ln>
+                <a:solidFill>
+                  <a:srgbClr val="FFFFFF"/>
+                </a:solidFill>
+                <a:effectLst/>
+                <a:uLnTx/>
+                <a:uFillTx/>
+                <a:latin typeface="Yu Gothic UI"/>
+                <a:ea typeface="Yu Gothic UI"/>
+                <a:cs typeface="+mn-cs"/>
+              </a:rPr>
+              <a:t>対象のテーブルにのみアクセス可能</a:t>
+            </a:r>
+          </a:p>
+        </p:txBody>
+      </p:sp>
+      <p:sp>
+        <p:nvSpPr>
+          <p:cNvPr id="58" name="矢印: 下 57">
+            <a:extLst>
+              <a:ext uri="{FF2B5EF4-FFF2-40B4-BE49-F238E27FC236}">
+                <a16:creationId xmlns:a16="http://schemas.microsoft.com/office/drawing/2014/main" id="{3B7AC9B8-17DE-F5FF-BB77-D9213C9A5266}"/>
+              </a:ext>
+            </a:extLst>
+          </p:cNvPr>
+          <p:cNvSpPr/>
+          <p:nvPr/>
+        </p:nvSpPr>
+        <p:spPr>
+          <a:xfrm>
+            <a:off x="9505393" y="4330626"/>
+            <a:ext cx="218706" cy="657898"/>
+          </a:xfrm>
+          <a:prstGeom prst="downArrow">
+            <a:avLst/>
+          </a:prstGeom>
+          <a:solidFill>
+            <a:srgbClr val="0078D4"/>
+          </a:solidFill>
+          <a:ln w="12700" cap="flat" cmpd="sng" algn="ctr">
+            <a:noFill/>
+            <a:prstDash val="solid"/>
+            <a:miter lim="800000"/>
+          </a:ln>
+          <a:effectLst/>
+        </p:spPr>
+        <p:txBody>
+          <a:bodyPr rtlCol="0" anchor="ctr"/>
+          <a:lstStyle/>
+          <a:p>
+            <a:pPr marL="0" marR="0" lvl="0" indent="0" algn="ctr" defTabSz="914400" eaLnBrk="1" fontAlgn="auto" latinLnBrk="0" hangingPunct="1">
+              <a:lnSpc>
+                <a:spcPct val="100000"/>
+              </a:lnSpc>
+              <a:spcBef>
+                <a:spcPts val="0"/>
+              </a:spcBef>
+              <a:spcAft>
+                <a:spcPts val="0"/>
+              </a:spcAft>
+              <a:buClrTx/>
+              <a:buSzTx/>
+              <a:buFontTx/>
+              <a:buNone/>
+              <a:tabLst/>
+              <a:defRPr/>
+            </a:pPr>
+            <a:endParaRPr kumimoji="0" lang="ja-JP" altLang="en-US" sz="1800" b="0" i="0" u="none" strike="noStrike" kern="0" cap="none" spc="0" normalizeH="0" baseline="0" noProof="0">
+              <a:ln>
+                <a:noFill/>
+              </a:ln>
+              <a:solidFill>
+                <a:srgbClr val="FFFFFF"/>
+              </a:solidFill>
+              <a:effectLst/>
+              <a:uLnTx/>
+              <a:uFillTx/>
+              <a:latin typeface="Yu Gothic UI"/>
+              <a:ea typeface="Yu Gothic UI"/>
+              <a:cs typeface="+mn-cs"/>
+            </a:endParaRPr>
+          </a:p>
+        </p:txBody>
+      </p:sp>
+      <p:sp>
+        <p:nvSpPr>
+          <p:cNvPr id="59" name="矢印: 下 58">
+            <a:extLst>
+              <a:ext uri="{FF2B5EF4-FFF2-40B4-BE49-F238E27FC236}">
+                <a16:creationId xmlns:a16="http://schemas.microsoft.com/office/drawing/2014/main" id="{650F6169-CE1E-0900-15CC-DEFF8B7B22C7}"/>
+              </a:ext>
+            </a:extLst>
+          </p:cNvPr>
+          <p:cNvSpPr/>
+          <p:nvPr/>
+        </p:nvSpPr>
+        <p:spPr>
+          <a:xfrm>
+            <a:off x="10364503" y="4330626"/>
+            <a:ext cx="218706" cy="657898"/>
+          </a:xfrm>
+          <a:prstGeom prst="downArrow">
+            <a:avLst/>
+          </a:prstGeom>
+          <a:solidFill>
+            <a:srgbClr val="0078D4"/>
+          </a:solidFill>
+          <a:ln w="12700" cap="flat" cmpd="sng" algn="ctr">
+            <a:noFill/>
+            <a:prstDash val="solid"/>
+            <a:miter lim="800000"/>
+          </a:ln>
+          <a:effectLst/>
+        </p:spPr>
+        <p:txBody>
+          <a:bodyPr rtlCol="0" anchor="ctr"/>
+          <a:lstStyle/>
+          <a:p>
+            <a:pPr marL="0" marR="0" lvl="0" indent="0" algn="ctr" defTabSz="914400" eaLnBrk="1" fontAlgn="auto" latinLnBrk="0" hangingPunct="1">
+              <a:lnSpc>
+                <a:spcPct val="100000"/>
+              </a:lnSpc>
+              <a:spcBef>
+                <a:spcPts val="0"/>
+              </a:spcBef>
+              <a:spcAft>
+                <a:spcPts val="0"/>
+              </a:spcAft>
+              <a:buClrTx/>
+              <a:buSzTx/>
+              <a:buFontTx/>
+              <a:buNone/>
+              <a:tabLst/>
+              <a:defRPr/>
+            </a:pPr>
+            <a:endParaRPr kumimoji="0" lang="ja-JP" altLang="en-US" sz="1800" b="0" i="0" u="none" strike="noStrike" kern="0" cap="none" spc="0" normalizeH="0" baseline="0" noProof="0">
+              <a:ln>
+                <a:noFill/>
+              </a:ln>
+              <a:solidFill>
+                <a:srgbClr val="FFFFFF"/>
+              </a:solidFill>
+              <a:effectLst/>
+              <a:uLnTx/>
+              <a:uFillTx/>
+              <a:latin typeface="Yu Gothic UI"/>
+              <a:ea typeface="Yu Gothic UI"/>
+              <a:cs typeface="+mn-cs"/>
+            </a:endParaRPr>
+          </a:p>
+        </p:txBody>
+      </p:sp>
+      <p:sp>
+        <p:nvSpPr>
+          <p:cNvPr id="60" name="矢印: 下 59">
+            <a:extLst>
+              <a:ext uri="{FF2B5EF4-FFF2-40B4-BE49-F238E27FC236}">
+                <a16:creationId xmlns:a16="http://schemas.microsoft.com/office/drawing/2014/main" id="{97D674EA-117D-7355-7807-1D093CE937E1}"/>
+              </a:ext>
+            </a:extLst>
+          </p:cNvPr>
+          <p:cNvSpPr/>
+          <p:nvPr/>
+        </p:nvSpPr>
+        <p:spPr>
+          <a:xfrm>
+            <a:off x="11170626" y="4330626"/>
+            <a:ext cx="218706" cy="657898"/>
+          </a:xfrm>
+          <a:prstGeom prst="downArrow">
+            <a:avLst/>
+          </a:prstGeom>
+          <a:solidFill>
+            <a:srgbClr val="0078D4"/>
+          </a:solidFill>
+          <a:ln w="12700" cap="flat" cmpd="sng" algn="ctr">
+            <a:noFill/>
+            <a:prstDash val="solid"/>
+            <a:miter lim="800000"/>
+          </a:ln>
+          <a:effectLst/>
+        </p:spPr>
+        <p:txBody>
+          <a:bodyPr rtlCol="0" anchor="ctr"/>
+          <a:lstStyle/>
+          <a:p>
+            <a:pPr marL="0" marR="0" lvl="0" indent="0" algn="ctr" defTabSz="914400" eaLnBrk="1" fontAlgn="auto" latinLnBrk="0" hangingPunct="1">
+              <a:lnSpc>
+                <a:spcPct val="100000"/>
+              </a:lnSpc>
+              <a:spcBef>
+                <a:spcPts val="0"/>
+              </a:spcBef>
+              <a:spcAft>
+                <a:spcPts val="0"/>
+              </a:spcAft>
+              <a:buClrTx/>
+              <a:buSzTx/>
+              <a:buFontTx/>
+              <a:buNone/>
+              <a:tabLst/>
+              <a:defRPr/>
+            </a:pPr>
+            <a:endParaRPr kumimoji="0" lang="ja-JP" altLang="en-US" sz="1800" b="0" i="0" u="none" strike="noStrike" kern="0" cap="none" spc="0" normalizeH="0" baseline="0" noProof="0">
+              <a:ln>
+                <a:noFill/>
+              </a:ln>
+              <a:solidFill>
+                <a:srgbClr val="FFFFFF"/>
+              </a:solidFill>
+              <a:effectLst/>
+              <a:uLnTx/>
+              <a:uFillTx/>
+              <a:latin typeface="Yu Gothic UI"/>
+              <a:ea typeface="Yu Gothic UI"/>
+              <a:cs typeface="+mn-cs"/>
+            </a:endParaRPr>
+          </a:p>
+        </p:txBody>
+      </p:sp>
+      <p:sp>
+        <p:nvSpPr>
+          <p:cNvPr id="61" name="テキスト ボックス 60">
+            <a:extLst>
+              <a:ext uri="{FF2B5EF4-FFF2-40B4-BE49-F238E27FC236}">
+                <a16:creationId xmlns:a16="http://schemas.microsoft.com/office/drawing/2014/main" id="{E0E81D38-C47E-3BF2-2752-B8E05BA5F16A}"/>
+              </a:ext>
+            </a:extLst>
+          </p:cNvPr>
+          <p:cNvSpPr txBox="1"/>
+          <p:nvPr/>
+        </p:nvSpPr>
+        <p:spPr>
+          <a:xfrm>
+            <a:off x="9570720" y="4539855"/>
+            <a:ext cx="1743075" cy="123111"/>
+          </a:xfrm>
+          <a:prstGeom prst="rect">
+            <a:avLst/>
+          </a:prstGeom>
+          <a:solidFill>
+            <a:srgbClr val="0078D4"/>
+          </a:solidFill>
+        </p:spPr>
+        <p:txBody>
+          <a:bodyPr wrap="square" lIns="0" tIns="0" rIns="0" bIns="0" rtlCol="0">
+            <a:spAutoFit/>
+          </a:bodyPr>
+          <a:lstStyle/>
+          <a:p>
+            <a:pPr marL="0" marR="0" lvl="0" indent="0" algn="ctr" defTabSz="914400" eaLnBrk="1" fontAlgn="auto" latinLnBrk="0" hangingPunct="1">
+              <a:lnSpc>
+                <a:spcPct val="100000"/>
+              </a:lnSpc>
+              <a:spcBef>
+                <a:spcPts val="0"/>
+              </a:spcBef>
+              <a:spcAft>
+                <a:spcPts val="0"/>
+              </a:spcAft>
+              <a:buClrTx/>
+              <a:buSzTx/>
+              <a:buFontTx/>
+              <a:buNone/>
+              <a:tabLst/>
+              <a:defRPr/>
+            </a:pPr>
+            <a:r>
+              <a:rPr kumimoji="0" lang="ja-JP" altLang="en-US" sz="800" b="0" i="0" u="none" strike="noStrike" kern="0" cap="none" spc="0" normalizeH="0" baseline="0" noProof="0">
+                <a:ln>
+                  <a:noFill/>
+                </a:ln>
+                <a:solidFill>
+                  <a:srgbClr val="FFFFFF"/>
+                </a:solidFill>
+                <a:effectLst/>
+                <a:uLnTx/>
+                <a:uFillTx/>
+              </a:rPr>
+              <a:t>ログ出力</a:t>
+            </a:r>
+          </a:p>
+        </p:txBody>
+      </p:sp>
+    </p:spTree>
+    <p:extLst>
+      <p:ext uri="{BB962C8B-B14F-4D97-AF65-F5344CB8AC3E}">
+        <p14:creationId xmlns:p14="http://schemas.microsoft.com/office/powerpoint/2010/main" val="1274318147"/>
+      </p:ext>
+    </p:extLst>
+  </p:cSld>
+  <p:clrMapOvr>
+    <a:masterClrMapping/>
+  </p:clrMapOvr>
+</p:sld>
+</file>
+
 <file path=ppt/theme/theme1.xml><?xml version="1.0" encoding="utf-8"?>
 <a:theme xmlns:a="http://schemas.openxmlformats.org/drawingml/2006/main" name="Office テーマ">
   <a:themeElements>

--- a/FTALive/Monitoring/images/figure.pptx
+++ b/FTALive/Monitoring/images/figure.pptx
@@ -11,6 +11,7 @@
     <p:sldId id="267" r:id="rId5"/>
     <p:sldId id="268" r:id="rId6"/>
     <p:sldId id="269" r:id="rId7"/>
+    <p:sldId id="258" r:id="rId8"/>
   </p:sldIdLst>
   <p:sldSz cx="12192000" cy="6858000"/>
   <p:notesSz cx="6858000" cy="9144000"/>
@@ -272,7 +273,7 @@
           <a:p>
             <a:fld id="{4AE65B02-E09F-4E22-BC41-A59DD1D5D4D7}" type="datetimeFigureOut">
               <a:rPr kumimoji="1" lang="ja-JP" altLang="en-US" smtClean="0"/>
-              <a:t>2022/10/28</a:t>
+              <a:t>2022/11/2</a:t>
             </a:fld>
             <a:endParaRPr kumimoji="1" lang="ja-JP" altLang="en-US"/>
           </a:p>
@@ -502,7 +503,7 @@
           <a:p>
             <a:fld id="{4AE65B02-E09F-4E22-BC41-A59DD1D5D4D7}" type="datetimeFigureOut">
               <a:rPr kumimoji="1" lang="ja-JP" altLang="en-US" smtClean="0"/>
-              <a:t>2022/10/28</a:t>
+              <a:t>2022/11/2</a:t>
             </a:fld>
             <a:endParaRPr kumimoji="1" lang="ja-JP" altLang="en-US"/>
           </a:p>
@@ -742,7 +743,7 @@
           <a:p>
             <a:fld id="{4AE65B02-E09F-4E22-BC41-A59DD1D5D4D7}" type="datetimeFigureOut">
               <a:rPr kumimoji="1" lang="ja-JP" altLang="en-US" smtClean="0"/>
-              <a:t>2022/10/28</a:t>
+              <a:t>2022/11/2</a:t>
             </a:fld>
             <a:endParaRPr kumimoji="1" lang="ja-JP" altLang="en-US"/>
           </a:p>
@@ -972,7 +973,7 @@
           <a:p>
             <a:fld id="{4AE65B02-E09F-4E22-BC41-A59DD1D5D4D7}" type="datetimeFigureOut">
               <a:rPr kumimoji="1" lang="ja-JP" altLang="en-US" smtClean="0"/>
-              <a:t>2022/10/28</a:t>
+              <a:t>2022/11/2</a:t>
             </a:fld>
             <a:endParaRPr kumimoji="1" lang="ja-JP" altLang="en-US"/>
           </a:p>
@@ -1247,7 +1248,7 @@
           <a:p>
             <a:fld id="{4AE65B02-E09F-4E22-BC41-A59DD1D5D4D7}" type="datetimeFigureOut">
               <a:rPr kumimoji="1" lang="ja-JP" altLang="en-US" smtClean="0"/>
-              <a:t>2022/10/28</a:t>
+              <a:t>2022/11/2</a:t>
             </a:fld>
             <a:endParaRPr kumimoji="1" lang="ja-JP" altLang="en-US"/>
           </a:p>
@@ -1576,7 +1577,7 @@
           <a:p>
             <a:fld id="{4AE65B02-E09F-4E22-BC41-A59DD1D5D4D7}" type="datetimeFigureOut">
               <a:rPr kumimoji="1" lang="ja-JP" altLang="en-US" smtClean="0"/>
-              <a:t>2022/10/28</a:t>
+              <a:t>2022/11/2</a:t>
             </a:fld>
             <a:endParaRPr kumimoji="1" lang="ja-JP" altLang="en-US"/>
           </a:p>
@@ -2052,7 +2053,7 @@
           <a:p>
             <a:fld id="{4AE65B02-E09F-4E22-BC41-A59DD1D5D4D7}" type="datetimeFigureOut">
               <a:rPr kumimoji="1" lang="ja-JP" altLang="en-US" smtClean="0"/>
-              <a:t>2022/10/28</a:t>
+              <a:t>2022/11/2</a:t>
             </a:fld>
             <a:endParaRPr kumimoji="1" lang="ja-JP" altLang="en-US"/>
           </a:p>
@@ -2193,7 +2194,7 @@
           <a:p>
             <a:fld id="{4AE65B02-E09F-4E22-BC41-A59DD1D5D4D7}" type="datetimeFigureOut">
               <a:rPr kumimoji="1" lang="ja-JP" altLang="en-US" smtClean="0"/>
-              <a:t>2022/10/28</a:t>
+              <a:t>2022/11/2</a:t>
             </a:fld>
             <a:endParaRPr kumimoji="1" lang="ja-JP" altLang="en-US"/>
           </a:p>
@@ -2306,7 +2307,7 @@
           <a:p>
             <a:fld id="{4AE65B02-E09F-4E22-BC41-A59DD1D5D4D7}" type="datetimeFigureOut">
               <a:rPr kumimoji="1" lang="ja-JP" altLang="en-US" smtClean="0"/>
-              <a:t>2022/10/28</a:t>
+              <a:t>2022/11/2</a:t>
             </a:fld>
             <a:endParaRPr kumimoji="1" lang="ja-JP" altLang="en-US"/>
           </a:p>
@@ -2649,7 +2650,7 @@
           <a:p>
             <a:fld id="{4AE65B02-E09F-4E22-BC41-A59DD1D5D4D7}" type="datetimeFigureOut">
               <a:rPr kumimoji="1" lang="ja-JP" altLang="en-US" smtClean="0"/>
-              <a:t>2022/10/28</a:t>
+              <a:t>2022/11/2</a:t>
             </a:fld>
             <a:endParaRPr kumimoji="1" lang="ja-JP" altLang="en-US"/>
           </a:p>
@@ -2937,7 +2938,7 @@
           <a:p>
             <a:fld id="{4AE65B02-E09F-4E22-BC41-A59DD1D5D4D7}" type="datetimeFigureOut">
               <a:rPr kumimoji="1" lang="ja-JP" altLang="en-US" smtClean="0"/>
-              <a:t>2022/10/28</a:t>
+              <a:t>2022/11/2</a:t>
             </a:fld>
             <a:endParaRPr kumimoji="1" lang="ja-JP" altLang="en-US"/>
           </a:p>
@@ -3210,7 +3211,7 @@
           <a:p>
             <a:fld id="{4AE65B02-E09F-4E22-BC41-A59DD1D5D4D7}" type="datetimeFigureOut">
               <a:rPr kumimoji="1" lang="ja-JP" altLang="en-US" smtClean="0"/>
-              <a:t>2022/10/28</a:t>
+              <a:t>2022/11/2</a:t>
             </a:fld>
             <a:endParaRPr kumimoji="1" lang="ja-JP" altLang="en-US"/>
           </a:p>
@@ -23525,6 +23526,8141 @@
 </p:sld>
 </file>
 
+<file path=ppt/slides/slide7.xml><?xml version="1.0" encoding="utf-8"?>
+<p:sld xmlns:a="http://schemas.openxmlformats.org/drawingml/2006/main" xmlns:r="http://schemas.openxmlformats.org/officeDocument/2006/relationships" xmlns:p="http://schemas.openxmlformats.org/presentationml/2006/main">
+  <p:cSld>
+    <p:spTree>
+      <p:nvGrpSpPr>
+        <p:cNvPr id="1" name=""/>
+        <p:cNvGrpSpPr/>
+        <p:nvPr/>
+      </p:nvGrpSpPr>
+      <p:grpSpPr>
+        <a:xfrm>
+          <a:off x="0" y="0"/>
+          <a:ext cx="0" cy="0"/>
+          <a:chOff x="0" y="0"/>
+          <a:chExt cx="0" cy="0"/>
+        </a:xfrm>
+      </p:grpSpPr>
+      <p:sp>
+        <p:nvSpPr>
+          <p:cNvPr id="3" name="テキスト ボックス 2">
+            <a:extLst>
+              <a:ext uri="{FF2B5EF4-FFF2-40B4-BE49-F238E27FC236}">
+                <a16:creationId xmlns:a16="http://schemas.microsoft.com/office/drawing/2014/main" id="{2BEF4833-D33B-7933-CA0E-E6251A28B741}"/>
+              </a:ext>
+            </a:extLst>
+          </p:cNvPr>
+          <p:cNvSpPr txBox="1"/>
+          <p:nvPr/>
+        </p:nvSpPr>
+        <p:spPr>
+          <a:xfrm>
+            <a:off x="2967011" y="1735775"/>
+            <a:ext cx="574196" cy="261610"/>
+          </a:xfrm>
+          <a:prstGeom prst="rect">
+            <a:avLst/>
+          </a:prstGeom>
+          <a:noFill/>
+        </p:spPr>
+        <p:txBody>
+          <a:bodyPr wrap="none" rtlCol="0">
+            <a:spAutoFit/>
+          </a:bodyPr>
+          <a:lstStyle/>
+          <a:p>
+            <a:pPr algn="ctr"/>
+            <a:r>
+              <a:rPr kumimoji="1" lang="en-US" altLang="ja-JP" sz="1100" dirty="0">
+                <a:latin typeface="Yu Gothic UI" panose="020B0500000000000000" pitchFamily="50" charset="-128"/>
+                <a:ea typeface="Yu Gothic UI" panose="020B0500000000000000" pitchFamily="50" charset="-128"/>
+              </a:rPr>
+              <a:t>Tokyo</a:t>
+            </a:r>
+            <a:endParaRPr kumimoji="1" lang="en-US" sz="1100" dirty="0">
+              <a:latin typeface="Yu Gothic UI" panose="020B0500000000000000" pitchFamily="50" charset="-128"/>
+              <a:ea typeface="Yu Gothic UI" panose="020B0500000000000000" pitchFamily="50" charset="-128"/>
+            </a:endParaRPr>
+          </a:p>
+        </p:txBody>
+      </p:sp>
+      <p:sp>
+        <p:nvSpPr>
+          <p:cNvPr id="7" name="正方形/長方形 6">
+            <a:extLst>
+              <a:ext uri="{FF2B5EF4-FFF2-40B4-BE49-F238E27FC236}">
+                <a16:creationId xmlns:a16="http://schemas.microsoft.com/office/drawing/2014/main" id="{5110CDD6-9BFC-5332-DA33-AFBE3A9F7606}"/>
+              </a:ext>
+            </a:extLst>
+          </p:cNvPr>
+          <p:cNvSpPr/>
+          <p:nvPr/>
+        </p:nvSpPr>
+        <p:spPr>
+          <a:xfrm>
+            <a:off x="3002081" y="1999476"/>
+            <a:ext cx="504056" cy="366586"/>
+          </a:xfrm>
+          <a:prstGeom prst="rect">
+            <a:avLst/>
+          </a:prstGeom>
+          <a:solidFill>
+            <a:schemeClr val="accent5">
+              <a:lumMod val="20000"/>
+              <a:lumOff val="80000"/>
+            </a:schemeClr>
+          </a:solidFill>
+          <a:ln>
+            <a:noFill/>
+          </a:ln>
+        </p:spPr>
+        <p:style>
+          <a:lnRef idx="2">
+            <a:schemeClr val="accent1">
+              <a:shade val="50000"/>
+            </a:schemeClr>
+          </a:lnRef>
+          <a:fillRef idx="1">
+            <a:schemeClr val="accent1"/>
+          </a:fillRef>
+          <a:effectRef idx="0">
+            <a:schemeClr val="accent1"/>
+          </a:effectRef>
+          <a:fontRef idx="minor">
+            <a:schemeClr val="lt1"/>
+          </a:fontRef>
+        </p:style>
+        <p:txBody>
+          <a:bodyPr rtlCol="0" anchor="ctr"/>
+          <a:lstStyle/>
+          <a:p>
+            <a:pPr algn="ctr"/>
+            <a:endParaRPr kumimoji="1" lang="en-US">
+              <a:latin typeface="Yu Gothic UI" panose="020B0500000000000000" pitchFamily="50" charset="-128"/>
+              <a:ea typeface="Yu Gothic UI" panose="020B0500000000000000" pitchFamily="50" charset="-128"/>
+            </a:endParaRPr>
+          </a:p>
+        </p:txBody>
+      </p:sp>
+      <p:grpSp>
+        <p:nvGrpSpPr>
+          <p:cNvPr id="8" name="グループ化 7">
+            <a:extLst>
+              <a:ext uri="{FF2B5EF4-FFF2-40B4-BE49-F238E27FC236}">
+                <a16:creationId xmlns:a16="http://schemas.microsoft.com/office/drawing/2014/main" id="{114E0610-B155-38FB-D76B-65D6957D5875}"/>
+              </a:ext>
+            </a:extLst>
+          </p:cNvPr>
+          <p:cNvGrpSpPr/>
+          <p:nvPr/>
+        </p:nvGrpSpPr>
+        <p:grpSpPr>
+          <a:xfrm>
+            <a:off x="4619387" y="1881455"/>
+            <a:ext cx="444835" cy="271844"/>
+            <a:chOff x="1944688" y="350838"/>
+            <a:chExt cx="571501" cy="349251"/>
+          </a:xfrm>
+        </p:grpSpPr>
+        <p:sp>
+          <p:nvSpPr>
+            <p:cNvPr id="9" name="Rectangle 20">
+              <a:extLst>
+                <a:ext uri="{FF2B5EF4-FFF2-40B4-BE49-F238E27FC236}">
+                  <a16:creationId xmlns:a16="http://schemas.microsoft.com/office/drawing/2014/main" id="{7B2E5144-4389-C432-0BC1-499FFD55DB20}"/>
+                </a:ext>
+              </a:extLst>
+            </p:cNvPr>
+            <p:cNvSpPr>
+              <a:spLocks noChangeArrowheads="1"/>
+            </p:cNvSpPr>
+            <p:nvPr/>
+          </p:nvSpPr>
+          <p:spPr bwMode="auto">
+            <a:xfrm>
+              <a:off x="2055813" y="614363"/>
+              <a:ext cx="354013" cy="42863"/>
+            </a:xfrm>
+            <a:prstGeom prst="rect">
+              <a:avLst/>
+            </a:prstGeom>
+            <a:solidFill>
+              <a:srgbClr val="68217A"/>
+            </a:solidFill>
+            <a:ln>
+              <a:noFill/>
+            </a:ln>
+            <a:extLst>
+              <a:ext uri="{91240B29-F687-4F45-9708-019B960494DF}">
+                <a14:hiddenLine xmlns:a14="http://schemas.microsoft.com/office/drawing/2010/main" w="9525">
+                  <a:solidFill>
+                    <a:srgbClr val="000000"/>
+                  </a:solidFill>
+                  <a:miter lim="800000"/>
+                  <a:headEnd/>
+                  <a:tailEnd/>
+                </a14:hiddenLine>
+              </a:ext>
+            </a:extLst>
+          </p:spPr>
+          <p:txBody>
+            <a:bodyPr vert="horz" wrap="square" lIns="91440" tIns="45720" rIns="91440" bIns="45720" numCol="1" anchor="t" anchorCtr="0" compatLnSpc="1">
+              <a:prstTxWarp prst="textNoShape">
+                <a:avLst/>
+              </a:prstTxWarp>
+            </a:bodyPr>
+            <a:lstStyle/>
+            <a:p>
+              <a:endParaRPr lang="ja-JP" altLang="en-US">
+                <a:latin typeface="Yu Gothic UI" panose="020B0500000000000000" pitchFamily="50" charset="-128"/>
+                <a:ea typeface="Yu Gothic UI" panose="020B0500000000000000" pitchFamily="50" charset="-128"/>
+              </a:endParaRPr>
+            </a:p>
+          </p:txBody>
+        </p:sp>
+        <p:sp>
+          <p:nvSpPr>
+            <p:cNvPr id="10" name="Freeform 21">
+              <a:extLst>
+                <a:ext uri="{FF2B5EF4-FFF2-40B4-BE49-F238E27FC236}">
+                  <a16:creationId xmlns:a16="http://schemas.microsoft.com/office/drawing/2014/main" id="{76EB983F-3EC4-A6DD-E220-69E8D9DC3B2D}"/>
+                </a:ext>
+              </a:extLst>
+            </p:cNvPr>
+            <p:cNvSpPr>
+              <a:spLocks/>
+            </p:cNvSpPr>
+            <p:nvPr/>
+          </p:nvSpPr>
+          <p:spPr bwMode="auto">
+            <a:xfrm>
+              <a:off x="2012951" y="428626"/>
+              <a:ext cx="203200" cy="200025"/>
+            </a:xfrm>
+            <a:custGeom>
+              <a:avLst/>
+              <a:gdLst>
+                <a:gd name="T0" fmla="*/ 0 w 128"/>
+                <a:gd name="T1" fmla="*/ 108 h 126"/>
+                <a:gd name="T2" fmla="*/ 108 w 128"/>
+                <a:gd name="T3" fmla="*/ 0 h 126"/>
+                <a:gd name="T4" fmla="*/ 128 w 128"/>
+                <a:gd name="T5" fmla="*/ 18 h 126"/>
+                <a:gd name="T6" fmla="*/ 20 w 128"/>
+                <a:gd name="T7" fmla="*/ 126 h 126"/>
+                <a:gd name="T8" fmla="*/ 0 w 128"/>
+                <a:gd name="T9" fmla="*/ 108 h 126"/>
+              </a:gdLst>
+              <a:ahLst/>
+              <a:cxnLst>
+                <a:cxn ang="0">
+                  <a:pos x="T0" y="T1"/>
+                </a:cxn>
+                <a:cxn ang="0">
+                  <a:pos x="T2" y="T3"/>
+                </a:cxn>
+                <a:cxn ang="0">
+                  <a:pos x="T4" y="T5"/>
+                </a:cxn>
+                <a:cxn ang="0">
+                  <a:pos x="T6" y="T7"/>
+                </a:cxn>
+                <a:cxn ang="0">
+                  <a:pos x="T8" y="T9"/>
+                </a:cxn>
+              </a:cxnLst>
+              <a:rect l="0" t="0" r="r" b="b"/>
+              <a:pathLst>
+                <a:path w="128" h="126">
+                  <a:moveTo>
+                    <a:pt x="0" y="108"/>
+                  </a:moveTo>
+                  <a:lnTo>
+                    <a:pt x="108" y="0"/>
+                  </a:lnTo>
+                  <a:lnTo>
+                    <a:pt x="128" y="18"/>
+                  </a:lnTo>
+                  <a:lnTo>
+                    <a:pt x="20" y="126"/>
+                  </a:lnTo>
+                  <a:lnTo>
+                    <a:pt x="0" y="108"/>
+                  </a:lnTo>
+                  <a:close/>
+                </a:path>
+              </a:pathLst>
+            </a:custGeom>
+            <a:solidFill>
+              <a:srgbClr val="68217A"/>
+            </a:solidFill>
+            <a:ln>
+              <a:noFill/>
+            </a:ln>
+            <a:extLst>
+              <a:ext uri="{91240B29-F687-4F45-9708-019B960494DF}">
+                <a14:hiddenLine xmlns:a14="http://schemas.microsoft.com/office/drawing/2010/main" w="9525">
+                  <a:solidFill>
+                    <a:srgbClr val="000000"/>
+                  </a:solidFill>
+                  <a:round/>
+                  <a:headEnd/>
+                  <a:tailEnd/>
+                </a14:hiddenLine>
+              </a:ext>
+            </a:extLst>
+          </p:spPr>
+          <p:txBody>
+            <a:bodyPr vert="horz" wrap="square" lIns="91440" tIns="45720" rIns="91440" bIns="45720" numCol="1" anchor="t" anchorCtr="0" compatLnSpc="1">
+              <a:prstTxWarp prst="textNoShape">
+                <a:avLst/>
+              </a:prstTxWarp>
+            </a:bodyPr>
+            <a:lstStyle/>
+            <a:p>
+              <a:endParaRPr lang="ja-JP" altLang="en-US">
+                <a:latin typeface="Yu Gothic UI" panose="020B0500000000000000" pitchFamily="50" charset="-128"/>
+                <a:ea typeface="Yu Gothic UI" panose="020B0500000000000000" pitchFamily="50" charset="-128"/>
+              </a:endParaRPr>
+            </a:p>
+          </p:txBody>
+        </p:sp>
+        <p:sp>
+          <p:nvSpPr>
+            <p:cNvPr id="11" name="Freeform 22">
+              <a:extLst>
+                <a:ext uri="{FF2B5EF4-FFF2-40B4-BE49-F238E27FC236}">
+                  <a16:creationId xmlns:a16="http://schemas.microsoft.com/office/drawing/2014/main" id="{07BCB7CD-A5CA-DE34-7917-58FBB15F5EE6}"/>
+                </a:ext>
+              </a:extLst>
+            </p:cNvPr>
+            <p:cNvSpPr>
+              <a:spLocks/>
+            </p:cNvSpPr>
+            <p:nvPr/>
+          </p:nvSpPr>
+          <p:spPr bwMode="auto">
+            <a:xfrm>
+              <a:off x="2244726" y="428626"/>
+              <a:ext cx="200025" cy="200025"/>
+            </a:xfrm>
+            <a:custGeom>
+              <a:avLst/>
+              <a:gdLst>
+                <a:gd name="T0" fmla="*/ 18 w 126"/>
+                <a:gd name="T1" fmla="*/ 0 h 126"/>
+                <a:gd name="T2" fmla="*/ 126 w 126"/>
+                <a:gd name="T3" fmla="*/ 108 h 126"/>
+                <a:gd name="T4" fmla="*/ 108 w 126"/>
+                <a:gd name="T5" fmla="*/ 126 h 126"/>
+                <a:gd name="T6" fmla="*/ 0 w 126"/>
+                <a:gd name="T7" fmla="*/ 20 h 126"/>
+                <a:gd name="T8" fmla="*/ 18 w 126"/>
+                <a:gd name="T9" fmla="*/ 0 h 126"/>
+              </a:gdLst>
+              <a:ahLst/>
+              <a:cxnLst>
+                <a:cxn ang="0">
+                  <a:pos x="T0" y="T1"/>
+                </a:cxn>
+                <a:cxn ang="0">
+                  <a:pos x="T2" y="T3"/>
+                </a:cxn>
+                <a:cxn ang="0">
+                  <a:pos x="T4" y="T5"/>
+                </a:cxn>
+                <a:cxn ang="0">
+                  <a:pos x="T6" y="T7"/>
+                </a:cxn>
+                <a:cxn ang="0">
+                  <a:pos x="T8" y="T9"/>
+                </a:cxn>
+              </a:cxnLst>
+              <a:rect l="0" t="0" r="r" b="b"/>
+              <a:pathLst>
+                <a:path w="126" h="126">
+                  <a:moveTo>
+                    <a:pt x="18" y="0"/>
+                  </a:moveTo>
+                  <a:lnTo>
+                    <a:pt x="126" y="108"/>
+                  </a:lnTo>
+                  <a:lnTo>
+                    <a:pt x="108" y="126"/>
+                  </a:lnTo>
+                  <a:lnTo>
+                    <a:pt x="0" y="20"/>
+                  </a:lnTo>
+                  <a:lnTo>
+                    <a:pt x="18" y="0"/>
+                  </a:lnTo>
+                  <a:close/>
+                </a:path>
+              </a:pathLst>
+            </a:custGeom>
+            <a:solidFill>
+              <a:srgbClr val="68217A"/>
+            </a:solidFill>
+            <a:ln>
+              <a:noFill/>
+            </a:ln>
+            <a:extLst>
+              <a:ext uri="{91240B29-F687-4F45-9708-019B960494DF}">
+                <a14:hiddenLine xmlns:a14="http://schemas.microsoft.com/office/drawing/2010/main" w="9525">
+                  <a:solidFill>
+                    <a:srgbClr val="000000"/>
+                  </a:solidFill>
+                  <a:round/>
+                  <a:headEnd/>
+                  <a:tailEnd/>
+                </a14:hiddenLine>
+              </a:ext>
+            </a:extLst>
+          </p:spPr>
+          <p:txBody>
+            <a:bodyPr vert="horz" wrap="square" lIns="91440" tIns="45720" rIns="91440" bIns="45720" numCol="1" anchor="t" anchorCtr="0" compatLnSpc="1">
+              <a:prstTxWarp prst="textNoShape">
+                <a:avLst/>
+              </a:prstTxWarp>
+            </a:bodyPr>
+            <a:lstStyle/>
+            <a:p>
+              <a:endParaRPr lang="ja-JP" altLang="en-US">
+                <a:latin typeface="Yu Gothic UI" panose="020B0500000000000000" pitchFamily="50" charset="-128"/>
+                <a:ea typeface="Yu Gothic UI" panose="020B0500000000000000" pitchFamily="50" charset="-128"/>
+              </a:endParaRPr>
+            </a:p>
+          </p:txBody>
+        </p:sp>
+        <p:sp>
+          <p:nvSpPr>
+            <p:cNvPr id="12" name="Freeform 23">
+              <a:extLst>
+                <a:ext uri="{FF2B5EF4-FFF2-40B4-BE49-F238E27FC236}">
+                  <a16:creationId xmlns:a16="http://schemas.microsoft.com/office/drawing/2014/main" id="{A366DC47-C5C4-29BD-A004-CE8ECFA3624C}"/>
+                </a:ext>
+              </a:extLst>
+            </p:cNvPr>
+            <p:cNvSpPr>
+              <a:spLocks noEditPoints="1"/>
+            </p:cNvSpPr>
+            <p:nvPr/>
+          </p:nvSpPr>
+          <p:spPr bwMode="auto">
+            <a:xfrm>
+              <a:off x="2163763" y="350838"/>
+              <a:ext cx="130175" cy="125413"/>
+            </a:xfrm>
+            <a:custGeom>
+              <a:avLst/>
+              <a:gdLst>
+                <a:gd name="T0" fmla="*/ 23 w 45"/>
+                <a:gd name="T1" fmla="*/ 0 h 44"/>
+                <a:gd name="T2" fmla="*/ 0 w 45"/>
+                <a:gd name="T3" fmla="*/ 22 h 44"/>
+                <a:gd name="T4" fmla="*/ 23 w 45"/>
+                <a:gd name="T5" fmla="*/ 44 h 44"/>
+                <a:gd name="T6" fmla="*/ 45 w 45"/>
+                <a:gd name="T7" fmla="*/ 22 h 44"/>
+                <a:gd name="T8" fmla="*/ 23 w 45"/>
+                <a:gd name="T9" fmla="*/ 0 h 44"/>
+                <a:gd name="T10" fmla="*/ 23 w 45"/>
+                <a:gd name="T11" fmla="*/ 29 h 44"/>
+                <a:gd name="T12" fmla="*/ 15 w 45"/>
+                <a:gd name="T13" fmla="*/ 22 h 44"/>
+                <a:gd name="T14" fmla="*/ 23 w 45"/>
+                <a:gd name="T15" fmla="*/ 15 h 44"/>
+                <a:gd name="T16" fmla="*/ 30 w 45"/>
+                <a:gd name="T17" fmla="*/ 22 h 44"/>
+                <a:gd name="T18" fmla="*/ 23 w 45"/>
+                <a:gd name="T19" fmla="*/ 29 h 44"/>
+              </a:gdLst>
+              <a:ahLst/>
+              <a:cxnLst>
+                <a:cxn ang="0">
+                  <a:pos x="T0" y="T1"/>
+                </a:cxn>
+                <a:cxn ang="0">
+                  <a:pos x="T2" y="T3"/>
+                </a:cxn>
+                <a:cxn ang="0">
+                  <a:pos x="T4" y="T5"/>
+                </a:cxn>
+                <a:cxn ang="0">
+                  <a:pos x="T6" y="T7"/>
+                </a:cxn>
+                <a:cxn ang="0">
+                  <a:pos x="T8" y="T9"/>
+                </a:cxn>
+                <a:cxn ang="0">
+                  <a:pos x="T10" y="T11"/>
+                </a:cxn>
+                <a:cxn ang="0">
+                  <a:pos x="T12" y="T13"/>
+                </a:cxn>
+                <a:cxn ang="0">
+                  <a:pos x="T14" y="T15"/>
+                </a:cxn>
+                <a:cxn ang="0">
+                  <a:pos x="T16" y="T17"/>
+                </a:cxn>
+                <a:cxn ang="0">
+                  <a:pos x="T18" y="T19"/>
+                </a:cxn>
+              </a:cxnLst>
+              <a:rect l="0" t="0" r="r" b="b"/>
+              <a:pathLst>
+                <a:path w="45" h="44">
+                  <a:moveTo>
+                    <a:pt x="23" y="0"/>
+                  </a:moveTo>
+                  <a:cubicBezTo>
+                    <a:pt x="10" y="0"/>
+                    <a:pt x="0" y="10"/>
+                    <a:pt x="0" y="22"/>
+                  </a:cubicBezTo>
+                  <a:cubicBezTo>
+                    <a:pt x="0" y="34"/>
+                    <a:pt x="10" y="44"/>
+                    <a:pt x="23" y="44"/>
+                  </a:cubicBezTo>
+                  <a:cubicBezTo>
+                    <a:pt x="35" y="44"/>
+                    <a:pt x="45" y="34"/>
+                    <a:pt x="45" y="22"/>
+                  </a:cubicBezTo>
+                  <a:cubicBezTo>
+                    <a:pt x="45" y="10"/>
+                    <a:pt x="35" y="0"/>
+                    <a:pt x="23" y="0"/>
+                  </a:cubicBezTo>
+                  <a:close/>
+                  <a:moveTo>
+                    <a:pt x="23" y="29"/>
+                  </a:moveTo>
+                  <a:cubicBezTo>
+                    <a:pt x="19" y="29"/>
+                    <a:pt x="15" y="26"/>
+                    <a:pt x="15" y="22"/>
+                  </a:cubicBezTo>
+                  <a:cubicBezTo>
+                    <a:pt x="15" y="18"/>
+                    <a:pt x="19" y="15"/>
+                    <a:pt x="23" y="15"/>
+                  </a:cubicBezTo>
+                  <a:cubicBezTo>
+                    <a:pt x="27" y="15"/>
+                    <a:pt x="30" y="18"/>
+                    <a:pt x="30" y="22"/>
+                  </a:cubicBezTo>
+                  <a:cubicBezTo>
+                    <a:pt x="30" y="26"/>
+                    <a:pt x="27" y="29"/>
+                    <a:pt x="23" y="29"/>
+                  </a:cubicBezTo>
+                  <a:close/>
+                </a:path>
+              </a:pathLst>
+            </a:custGeom>
+            <a:solidFill>
+              <a:srgbClr val="7FBA00"/>
+            </a:solidFill>
+            <a:ln>
+              <a:noFill/>
+            </a:ln>
+            <a:extLst>
+              <a:ext uri="{91240B29-F687-4F45-9708-019B960494DF}">
+                <a14:hiddenLine xmlns:a14="http://schemas.microsoft.com/office/drawing/2010/main" w="9525">
+                  <a:solidFill>
+                    <a:srgbClr val="000000"/>
+                  </a:solidFill>
+                  <a:round/>
+                  <a:headEnd/>
+                  <a:tailEnd/>
+                </a14:hiddenLine>
+              </a:ext>
+            </a:extLst>
+          </p:spPr>
+          <p:txBody>
+            <a:bodyPr vert="horz" wrap="square" lIns="91440" tIns="45720" rIns="91440" bIns="45720" numCol="1" anchor="t" anchorCtr="0" compatLnSpc="1">
+              <a:prstTxWarp prst="textNoShape">
+                <a:avLst/>
+              </a:prstTxWarp>
+            </a:bodyPr>
+            <a:lstStyle/>
+            <a:p>
+              <a:endParaRPr lang="ja-JP" altLang="en-US">
+                <a:latin typeface="Yu Gothic UI" panose="020B0500000000000000" pitchFamily="50" charset="-128"/>
+                <a:ea typeface="Yu Gothic UI" panose="020B0500000000000000" pitchFamily="50" charset="-128"/>
+              </a:endParaRPr>
+            </a:p>
+          </p:txBody>
+        </p:sp>
+        <p:sp>
+          <p:nvSpPr>
+            <p:cNvPr id="13" name="Freeform 24">
+              <a:extLst>
+                <a:ext uri="{FF2B5EF4-FFF2-40B4-BE49-F238E27FC236}">
+                  <a16:creationId xmlns:a16="http://schemas.microsoft.com/office/drawing/2014/main" id="{7E51468D-5072-DCF0-34BD-4EDA7EE9BD47}"/>
+                </a:ext>
+              </a:extLst>
+            </p:cNvPr>
+            <p:cNvSpPr>
+              <a:spLocks noEditPoints="1"/>
+            </p:cNvSpPr>
+            <p:nvPr/>
+          </p:nvSpPr>
+          <p:spPr bwMode="auto">
+            <a:xfrm>
+              <a:off x="1944688" y="571501"/>
+              <a:ext cx="125413" cy="128588"/>
+            </a:xfrm>
+            <a:custGeom>
+              <a:avLst/>
+              <a:gdLst>
+                <a:gd name="T0" fmla="*/ 22 w 44"/>
+                <a:gd name="T1" fmla="*/ 0 h 45"/>
+                <a:gd name="T2" fmla="*/ 0 w 44"/>
+                <a:gd name="T3" fmla="*/ 23 h 45"/>
+                <a:gd name="T4" fmla="*/ 22 w 44"/>
+                <a:gd name="T5" fmla="*/ 45 h 45"/>
+                <a:gd name="T6" fmla="*/ 44 w 44"/>
+                <a:gd name="T7" fmla="*/ 23 h 45"/>
+                <a:gd name="T8" fmla="*/ 22 w 44"/>
+                <a:gd name="T9" fmla="*/ 0 h 45"/>
+                <a:gd name="T10" fmla="*/ 22 w 44"/>
+                <a:gd name="T11" fmla="*/ 30 h 45"/>
+                <a:gd name="T12" fmla="*/ 15 w 44"/>
+                <a:gd name="T13" fmla="*/ 23 h 45"/>
+                <a:gd name="T14" fmla="*/ 22 w 44"/>
+                <a:gd name="T15" fmla="*/ 15 h 45"/>
+                <a:gd name="T16" fmla="*/ 29 w 44"/>
+                <a:gd name="T17" fmla="*/ 23 h 45"/>
+                <a:gd name="T18" fmla="*/ 22 w 44"/>
+                <a:gd name="T19" fmla="*/ 30 h 45"/>
+              </a:gdLst>
+              <a:ahLst/>
+              <a:cxnLst>
+                <a:cxn ang="0">
+                  <a:pos x="T0" y="T1"/>
+                </a:cxn>
+                <a:cxn ang="0">
+                  <a:pos x="T2" y="T3"/>
+                </a:cxn>
+                <a:cxn ang="0">
+                  <a:pos x="T4" y="T5"/>
+                </a:cxn>
+                <a:cxn ang="0">
+                  <a:pos x="T6" y="T7"/>
+                </a:cxn>
+                <a:cxn ang="0">
+                  <a:pos x="T8" y="T9"/>
+                </a:cxn>
+                <a:cxn ang="0">
+                  <a:pos x="T10" y="T11"/>
+                </a:cxn>
+                <a:cxn ang="0">
+                  <a:pos x="T12" y="T13"/>
+                </a:cxn>
+                <a:cxn ang="0">
+                  <a:pos x="T14" y="T15"/>
+                </a:cxn>
+                <a:cxn ang="0">
+                  <a:pos x="T16" y="T17"/>
+                </a:cxn>
+                <a:cxn ang="0">
+                  <a:pos x="T18" y="T19"/>
+                </a:cxn>
+              </a:cxnLst>
+              <a:rect l="0" t="0" r="r" b="b"/>
+              <a:pathLst>
+                <a:path w="44" h="45">
+                  <a:moveTo>
+                    <a:pt x="22" y="0"/>
+                  </a:moveTo>
+                  <a:cubicBezTo>
+                    <a:pt x="10" y="0"/>
+                    <a:pt x="0" y="10"/>
+                    <a:pt x="0" y="23"/>
+                  </a:cubicBezTo>
+                  <a:cubicBezTo>
+                    <a:pt x="0" y="35"/>
+                    <a:pt x="10" y="45"/>
+                    <a:pt x="22" y="45"/>
+                  </a:cubicBezTo>
+                  <a:cubicBezTo>
+                    <a:pt x="34" y="45"/>
+                    <a:pt x="44" y="35"/>
+                    <a:pt x="44" y="23"/>
+                  </a:cubicBezTo>
+                  <a:cubicBezTo>
+                    <a:pt x="44" y="10"/>
+                    <a:pt x="34" y="0"/>
+                    <a:pt x="22" y="0"/>
+                  </a:cubicBezTo>
+                  <a:close/>
+                  <a:moveTo>
+                    <a:pt x="22" y="30"/>
+                  </a:moveTo>
+                  <a:cubicBezTo>
+                    <a:pt x="18" y="30"/>
+                    <a:pt x="15" y="27"/>
+                    <a:pt x="15" y="23"/>
+                  </a:cubicBezTo>
+                  <a:cubicBezTo>
+                    <a:pt x="15" y="19"/>
+                    <a:pt x="18" y="15"/>
+                    <a:pt x="22" y="15"/>
+                  </a:cubicBezTo>
+                  <a:cubicBezTo>
+                    <a:pt x="26" y="15"/>
+                    <a:pt x="29" y="19"/>
+                    <a:pt x="29" y="23"/>
+                  </a:cubicBezTo>
+                  <a:cubicBezTo>
+                    <a:pt x="29" y="27"/>
+                    <a:pt x="26" y="30"/>
+                    <a:pt x="22" y="30"/>
+                  </a:cubicBezTo>
+                  <a:close/>
+                </a:path>
+              </a:pathLst>
+            </a:custGeom>
+            <a:solidFill>
+              <a:srgbClr val="7FBA00"/>
+            </a:solidFill>
+            <a:ln>
+              <a:noFill/>
+            </a:ln>
+            <a:extLst>
+              <a:ext uri="{91240B29-F687-4F45-9708-019B960494DF}">
+                <a14:hiddenLine xmlns:a14="http://schemas.microsoft.com/office/drawing/2010/main" w="9525">
+                  <a:solidFill>
+                    <a:srgbClr val="000000"/>
+                  </a:solidFill>
+                  <a:round/>
+                  <a:headEnd/>
+                  <a:tailEnd/>
+                </a14:hiddenLine>
+              </a:ext>
+            </a:extLst>
+          </p:spPr>
+          <p:txBody>
+            <a:bodyPr vert="horz" wrap="square" lIns="91440" tIns="45720" rIns="91440" bIns="45720" numCol="1" anchor="t" anchorCtr="0" compatLnSpc="1">
+              <a:prstTxWarp prst="textNoShape">
+                <a:avLst/>
+              </a:prstTxWarp>
+            </a:bodyPr>
+            <a:lstStyle/>
+            <a:p>
+              <a:endParaRPr lang="ja-JP" altLang="en-US">
+                <a:latin typeface="Yu Gothic UI" panose="020B0500000000000000" pitchFamily="50" charset="-128"/>
+                <a:ea typeface="Yu Gothic UI" panose="020B0500000000000000" pitchFamily="50" charset="-128"/>
+              </a:endParaRPr>
+            </a:p>
+          </p:txBody>
+        </p:sp>
+        <p:sp>
+          <p:nvSpPr>
+            <p:cNvPr id="14" name="Freeform 25">
+              <a:extLst>
+                <a:ext uri="{FF2B5EF4-FFF2-40B4-BE49-F238E27FC236}">
+                  <a16:creationId xmlns:a16="http://schemas.microsoft.com/office/drawing/2014/main" id="{ED01C3BC-AFFF-F4B5-C773-499EABB69085}"/>
+                </a:ext>
+              </a:extLst>
+            </p:cNvPr>
+            <p:cNvSpPr>
+              <a:spLocks noEditPoints="1"/>
+            </p:cNvSpPr>
+            <p:nvPr/>
+          </p:nvSpPr>
+          <p:spPr bwMode="auto">
+            <a:xfrm>
+              <a:off x="2387601" y="571501"/>
+              <a:ext cx="128588" cy="128588"/>
+            </a:xfrm>
+            <a:custGeom>
+              <a:avLst/>
+              <a:gdLst>
+                <a:gd name="T0" fmla="*/ 22 w 45"/>
+                <a:gd name="T1" fmla="*/ 0 h 45"/>
+                <a:gd name="T2" fmla="*/ 0 w 45"/>
+                <a:gd name="T3" fmla="*/ 23 h 45"/>
+                <a:gd name="T4" fmla="*/ 22 w 45"/>
+                <a:gd name="T5" fmla="*/ 45 h 45"/>
+                <a:gd name="T6" fmla="*/ 45 w 45"/>
+                <a:gd name="T7" fmla="*/ 23 h 45"/>
+                <a:gd name="T8" fmla="*/ 22 w 45"/>
+                <a:gd name="T9" fmla="*/ 0 h 45"/>
+                <a:gd name="T10" fmla="*/ 22 w 45"/>
+                <a:gd name="T11" fmla="*/ 30 h 45"/>
+                <a:gd name="T12" fmla="*/ 15 w 45"/>
+                <a:gd name="T13" fmla="*/ 23 h 45"/>
+                <a:gd name="T14" fmla="*/ 22 w 45"/>
+                <a:gd name="T15" fmla="*/ 15 h 45"/>
+                <a:gd name="T16" fmla="*/ 29 w 45"/>
+                <a:gd name="T17" fmla="*/ 23 h 45"/>
+                <a:gd name="T18" fmla="*/ 22 w 45"/>
+                <a:gd name="T19" fmla="*/ 30 h 45"/>
+              </a:gdLst>
+              <a:ahLst/>
+              <a:cxnLst>
+                <a:cxn ang="0">
+                  <a:pos x="T0" y="T1"/>
+                </a:cxn>
+                <a:cxn ang="0">
+                  <a:pos x="T2" y="T3"/>
+                </a:cxn>
+                <a:cxn ang="0">
+                  <a:pos x="T4" y="T5"/>
+                </a:cxn>
+                <a:cxn ang="0">
+                  <a:pos x="T6" y="T7"/>
+                </a:cxn>
+                <a:cxn ang="0">
+                  <a:pos x="T8" y="T9"/>
+                </a:cxn>
+                <a:cxn ang="0">
+                  <a:pos x="T10" y="T11"/>
+                </a:cxn>
+                <a:cxn ang="0">
+                  <a:pos x="T12" y="T13"/>
+                </a:cxn>
+                <a:cxn ang="0">
+                  <a:pos x="T14" y="T15"/>
+                </a:cxn>
+                <a:cxn ang="0">
+                  <a:pos x="T16" y="T17"/>
+                </a:cxn>
+                <a:cxn ang="0">
+                  <a:pos x="T18" y="T19"/>
+                </a:cxn>
+              </a:cxnLst>
+              <a:rect l="0" t="0" r="r" b="b"/>
+              <a:pathLst>
+                <a:path w="45" h="45">
+                  <a:moveTo>
+                    <a:pt x="22" y="0"/>
+                  </a:moveTo>
+                  <a:cubicBezTo>
+                    <a:pt x="10" y="0"/>
+                    <a:pt x="0" y="10"/>
+                    <a:pt x="0" y="23"/>
+                  </a:cubicBezTo>
+                  <a:cubicBezTo>
+                    <a:pt x="0" y="35"/>
+                    <a:pt x="10" y="45"/>
+                    <a:pt x="22" y="45"/>
+                  </a:cubicBezTo>
+                  <a:cubicBezTo>
+                    <a:pt x="35" y="45"/>
+                    <a:pt x="45" y="35"/>
+                    <a:pt x="45" y="23"/>
+                  </a:cubicBezTo>
+                  <a:cubicBezTo>
+                    <a:pt x="45" y="10"/>
+                    <a:pt x="35" y="0"/>
+                    <a:pt x="22" y="0"/>
+                  </a:cubicBezTo>
+                  <a:close/>
+                  <a:moveTo>
+                    <a:pt x="22" y="30"/>
+                  </a:moveTo>
+                  <a:cubicBezTo>
+                    <a:pt x="18" y="30"/>
+                    <a:pt x="15" y="27"/>
+                    <a:pt x="15" y="23"/>
+                  </a:cubicBezTo>
+                  <a:cubicBezTo>
+                    <a:pt x="15" y="19"/>
+                    <a:pt x="18" y="15"/>
+                    <a:pt x="22" y="15"/>
+                  </a:cubicBezTo>
+                  <a:cubicBezTo>
+                    <a:pt x="26" y="15"/>
+                    <a:pt x="29" y="19"/>
+                    <a:pt x="29" y="23"/>
+                  </a:cubicBezTo>
+                  <a:cubicBezTo>
+                    <a:pt x="29" y="27"/>
+                    <a:pt x="26" y="30"/>
+                    <a:pt x="22" y="30"/>
+                  </a:cubicBezTo>
+                  <a:close/>
+                </a:path>
+              </a:pathLst>
+            </a:custGeom>
+            <a:solidFill>
+              <a:srgbClr val="7FBA00"/>
+            </a:solidFill>
+            <a:ln>
+              <a:noFill/>
+            </a:ln>
+            <a:extLst>
+              <a:ext uri="{91240B29-F687-4F45-9708-019B960494DF}">
+                <a14:hiddenLine xmlns:a14="http://schemas.microsoft.com/office/drawing/2010/main" w="9525">
+                  <a:solidFill>
+                    <a:srgbClr val="000000"/>
+                  </a:solidFill>
+                  <a:round/>
+                  <a:headEnd/>
+                  <a:tailEnd/>
+                </a14:hiddenLine>
+              </a:ext>
+            </a:extLst>
+          </p:spPr>
+          <p:txBody>
+            <a:bodyPr vert="horz" wrap="square" lIns="91440" tIns="45720" rIns="91440" bIns="45720" numCol="1" anchor="t" anchorCtr="0" compatLnSpc="1">
+              <a:prstTxWarp prst="textNoShape">
+                <a:avLst/>
+              </a:prstTxWarp>
+            </a:bodyPr>
+            <a:lstStyle/>
+            <a:p>
+              <a:endParaRPr lang="ja-JP" altLang="en-US">
+                <a:latin typeface="Yu Gothic UI" panose="020B0500000000000000" pitchFamily="50" charset="-128"/>
+                <a:ea typeface="Yu Gothic UI" panose="020B0500000000000000" pitchFamily="50" charset="-128"/>
+              </a:endParaRPr>
+            </a:p>
+          </p:txBody>
+        </p:sp>
+      </p:grpSp>
+      <p:sp>
+        <p:nvSpPr>
+          <p:cNvPr id="6" name="テキスト ボックス 5">
+            <a:extLst>
+              <a:ext uri="{FF2B5EF4-FFF2-40B4-BE49-F238E27FC236}">
+                <a16:creationId xmlns:a16="http://schemas.microsoft.com/office/drawing/2014/main" id="{20FEAD3B-C02B-3D88-6B16-D25ACD0CCBCF}"/>
+              </a:ext>
+            </a:extLst>
+          </p:cNvPr>
+          <p:cNvSpPr txBox="1"/>
+          <p:nvPr/>
+        </p:nvSpPr>
+        <p:spPr>
+          <a:xfrm>
+            <a:off x="4411782" y="2256240"/>
+            <a:ext cx="839214" cy="246221"/>
+          </a:xfrm>
+          <a:prstGeom prst="rect">
+            <a:avLst/>
+          </a:prstGeom>
+          <a:noFill/>
+        </p:spPr>
+        <p:txBody>
+          <a:bodyPr wrap="square" lIns="0" tIns="0" rIns="0" bIns="0">
+            <a:spAutoFit/>
+          </a:bodyPr>
+          <a:lstStyle/>
+          <a:p>
+            <a:pPr algn="ctr"/>
+            <a:r>
+              <a:rPr lang="en-US" altLang="ja-JP" sz="800" dirty="0">
+                <a:latin typeface="Yu Gothic UI" panose="020B0500000000000000" pitchFamily="50" charset="-128"/>
+                <a:ea typeface="Yu Gothic UI" panose="020B0500000000000000" pitchFamily="50" charset="-128"/>
+              </a:rPr>
+              <a:t>er-</a:t>
+            </a:r>
+            <a:r>
+              <a:rPr lang="en-US" altLang="ja-JP" sz="800" dirty="0" err="1">
+                <a:latin typeface="Yu Gothic UI" panose="020B0500000000000000" pitchFamily="50" charset="-128"/>
+                <a:ea typeface="Yu Gothic UI" panose="020B0500000000000000" pitchFamily="50" charset="-128"/>
+              </a:rPr>
+              <a:t>tokyo</a:t>
+            </a:r>
+            <a:endParaRPr lang="en-US" altLang="ja-JP" sz="800" dirty="0">
+              <a:latin typeface="Yu Gothic UI" panose="020B0500000000000000" pitchFamily="50" charset="-128"/>
+              <a:ea typeface="Yu Gothic UI" panose="020B0500000000000000" pitchFamily="50" charset="-128"/>
+            </a:endParaRPr>
+          </a:p>
+          <a:p>
+            <a:pPr algn="ctr"/>
+            <a:r>
+              <a:rPr lang="en-US" altLang="ja-JP" sz="800" dirty="0">
+                <a:latin typeface="Yu Gothic UI" panose="020B0500000000000000" pitchFamily="50" charset="-128"/>
+                <a:ea typeface="Yu Gothic UI" panose="020B0500000000000000" pitchFamily="50" charset="-128"/>
+              </a:rPr>
+              <a:t>(ExpressRoute)</a:t>
+            </a:r>
+          </a:p>
+        </p:txBody>
+      </p:sp>
+      <p:sp>
+        <p:nvSpPr>
+          <p:cNvPr id="28" name="テキスト ボックス 27">
+            <a:extLst>
+              <a:ext uri="{FF2B5EF4-FFF2-40B4-BE49-F238E27FC236}">
+                <a16:creationId xmlns:a16="http://schemas.microsoft.com/office/drawing/2014/main" id="{64F3FAF7-D980-EB76-2ACB-6BCB77C2D3E5}"/>
+              </a:ext>
+            </a:extLst>
+          </p:cNvPr>
+          <p:cNvSpPr txBox="1"/>
+          <p:nvPr/>
+        </p:nvSpPr>
+        <p:spPr>
+          <a:xfrm>
+            <a:off x="613646" y="1534528"/>
+            <a:ext cx="800219" cy="276999"/>
+          </a:xfrm>
+          <a:prstGeom prst="rect">
+            <a:avLst/>
+          </a:prstGeom>
+          <a:noFill/>
+        </p:spPr>
+        <p:txBody>
+          <a:bodyPr wrap="none" rtlCol="0">
+            <a:spAutoFit/>
+          </a:bodyPr>
+          <a:lstStyle/>
+          <a:p>
+            <a:r>
+              <a:rPr lang="ja-JP" altLang="en-US" sz="1200" b="1" u="sng" dirty="0">
+                <a:latin typeface="Yu Gothic UI" panose="020B0500000000000000" pitchFamily="50" charset="-128"/>
+                <a:ea typeface="Yu Gothic UI" panose="020B0500000000000000" pitchFamily="50" charset="-128"/>
+              </a:rPr>
+              <a:t>東京拠点</a:t>
+            </a:r>
+            <a:endParaRPr kumimoji="1" lang="en-US" sz="1200" b="1" u="sng" dirty="0">
+              <a:latin typeface="Yu Gothic UI" panose="020B0500000000000000" pitchFamily="50" charset="-128"/>
+              <a:ea typeface="Yu Gothic UI" panose="020B0500000000000000" pitchFamily="50" charset="-128"/>
+            </a:endParaRPr>
+          </a:p>
+        </p:txBody>
+      </p:sp>
+      <p:grpSp>
+        <p:nvGrpSpPr>
+          <p:cNvPr id="130" name="グループ化 129">
+            <a:extLst>
+              <a:ext uri="{FF2B5EF4-FFF2-40B4-BE49-F238E27FC236}">
+                <a16:creationId xmlns:a16="http://schemas.microsoft.com/office/drawing/2014/main" id="{ACBE153A-CC78-020E-1C93-E0D5BB909CD8}"/>
+              </a:ext>
+            </a:extLst>
+          </p:cNvPr>
+          <p:cNvGrpSpPr/>
+          <p:nvPr/>
+        </p:nvGrpSpPr>
+        <p:grpSpPr>
+          <a:xfrm>
+            <a:off x="672353" y="1864129"/>
+            <a:ext cx="1375857" cy="637280"/>
+            <a:chOff x="809053" y="2098520"/>
+            <a:chExt cx="1375857" cy="637280"/>
+          </a:xfrm>
+        </p:grpSpPr>
+        <p:sp>
+          <p:nvSpPr>
+            <p:cNvPr id="2" name="正方形/長方形 1">
+              <a:extLst>
+                <a:ext uri="{FF2B5EF4-FFF2-40B4-BE49-F238E27FC236}">
+                  <a16:creationId xmlns:a16="http://schemas.microsoft.com/office/drawing/2014/main" id="{26F74F1F-25B1-BDFE-87E8-C0139D93C86A}"/>
+                </a:ext>
+              </a:extLst>
+            </p:cNvPr>
+            <p:cNvSpPr/>
+            <p:nvPr/>
+          </p:nvSpPr>
+          <p:spPr>
+            <a:xfrm>
+              <a:off x="809053" y="2098520"/>
+              <a:ext cx="1375857" cy="637280"/>
+            </a:xfrm>
+            <a:prstGeom prst="rect">
+              <a:avLst/>
+            </a:prstGeom>
+            <a:solidFill>
+              <a:schemeClr val="bg2"/>
+            </a:solidFill>
+            <a:ln>
+              <a:noFill/>
+            </a:ln>
+          </p:spPr>
+          <p:style>
+            <a:lnRef idx="2">
+              <a:schemeClr val="accent1">
+                <a:shade val="50000"/>
+              </a:schemeClr>
+            </a:lnRef>
+            <a:fillRef idx="1">
+              <a:schemeClr val="accent1"/>
+            </a:fillRef>
+            <a:effectRef idx="0">
+              <a:schemeClr val="accent1"/>
+            </a:effectRef>
+            <a:fontRef idx="minor">
+              <a:schemeClr val="lt1"/>
+            </a:fontRef>
+          </p:style>
+          <p:txBody>
+            <a:bodyPr rtlCol="0" anchor="ctr"/>
+            <a:lstStyle/>
+            <a:p>
+              <a:pPr algn="ctr"/>
+              <a:endParaRPr kumimoji="1" lang="en-US">
+                <a:latin typeface="Yu Gothic UI" panose="020B0500000000000000" pitchFamily="50" charset="-128"/>
+                <a:ea typeface="Yu Gothic UI" panose="020B0500000000000000" pitchFamily="50" charset="-128"/>
+              </a:endParaRPr>
+            </a:p>
+          </p:txBody>
+        </p:sp>
+        <p:pic>
+          <p:nvPicPr>
+            <p:cNvPr id="29" name="グラフィックス 28">
+              <a:extLst>
+                <a:ext uri="{FF2B5EF4-FFF2-40B4-BE49-F238E27FC236}">
+                  <a16:creationId xmlns:a16="http://schemas.microsoft.com/office/drawing/2014/main" id="{13AF9B1D-BC7C-BF19-572D-5090E413F74B}"/>
+                </a:ext>
+              </a:extLst>
+            </p:cNvPr>
+            <p:cNvPicPr>
+              <a:picLocks noChangeAspect="1"/>
+            </p:cNvPicPr>
+            <p:nvPr/>
+          </p:nvPicPr>
+          <p:blipFill>
+            <a:blip r:embed="rId2">
+              <a:extLst>
+                <a:ext uri="{28A0092B-C50C-407E-A947-70E740481C1C}">
+                  <a14:useLocalDpi xmlns:a14="http://schemas.microsoft.com/office/drawing/2010/main" val="0"/>
+                </a:ext>
+                <a:ext uri="{96DAC541-7B7A-43D3-8B79-37D633B846F1}">
+                  <asvg:svgBlip xmlns:asvg="http://schemas.microsoft.com/office/drawing/2016/SVG/main" r:embed="rId3"/>
+                </a:ext>
+              </a:extLst>
+            </a:blip>
+            <a:stretch>
+              <a:fillRect/>
+            </a:stretch>
+          </p:blipFill>
+          <p:spPr>
+            <a:xfrm>
+              <a:off x="1273239" y="2142691"/>
+              <a:ext cx="514517" cy="514517"/>
+            </a:xfrm>
+            <a:prstGeom prst="rect">
+              <a:avLst/>
+            </a:prstGeom>
+          </p:spPr>
+        </p:pic>
+      </p:grpSp>
+      <p:cxnSp>
+        <p:nvCxnSpPr>
+          <p:cNvPr id="30" name="直線コネクタ 29">
+            <a:extLst>
+              <a:ext uri="{FF2B5EF4-FFF2-40B4-BE49-F238E27FC236}">
+                <a16:creationId xmlns:a16="http://schemas.microsoft.com/office/drawing/2014/main" id="{97D29EBD-253E-20EC-EC2C-01F9A3DD8159}"/>
+              </a:ext>
+            </a:extLst>
+          </p:cNvPr>
+          <p:cNvCxnSpPr>
+            <a:cxnSpLocks/>
+            <a:stCxn id="2" idx="3"/>
+            <a:endCxn id="7" idx="1"/>
+          </p:cNvCxnSpPr>
+          <p:nvPr/>
+        </p:nvCxnSpPr>
+        <p:spPr>
+          <a:xfrm>
+            <a:off x="2048210" y="2182769"/>
+            <a:ext cx="953871" cy="0"/>
+          </a:xfrm>
+          <a:prstGeom prst="line">
+            <a:avLst/>
+          </a:prstGeom>
+          <a:ln w="12700">
+            <a:solidFill>
+              <a:schemeClr val="accent5"/>
+            </a:solidFill>
+            <a:headEnd type="arrow" w="med" len="med"/>
+            <a:tailEnd type="arrow" w="med" len="med"/>
+          </a:ln>
+        </p:spPr>
+        <p:style>
+          <a:lnRef idx="1">
+            <a:schemeClr val="accent1"/>
+          </a:lnRef>
+          <a:fillRef idx="0">
+            <a:schemeClr val="accent1"/>
+          </a:fillRef>
+          <a:effectRef idx="0">
+            <a:schemeClr val="accent1"/>
+          </a:effectRef>
+          <a:fontRef idx="minor">
+            <a:schemeClr val="tx1"/>
+          </a:fontRef>
+        </p:style>
+      </p:cxnSp>
+      <p:cxnSp>
+        <p:nvCxnSpPr>
+          <p:cNvPr id="31" name="直線コネクタ 30">
+            <a:extLst>
+              <a:ext uri="{FF2B5EF4-FFF2-40B4-BE49-F238E27FC236}">
+                <a16:creationId xmlns:a16="http://schemas.microsoft.com/office/drawing/2014/main" id="{2AC99EFD-0562-5947-1F80-C803E61E9FA9}"/>
+              </a:ext>
+            </a:extLst>
+          </p:cNvPr>
+          <p:cNvCxnSpPr>
+            <a:cxnSpLocks/>
+            <a:stCxn id="7" idx="3"/>
+            <a:endCxn id="118" idx="1"/>
+          </p:cNvCxnSpPr>
+          <p:nvPr/>
+        </p:nvCxnSpPr>
+        <p:spPr>
+          <a:xfrm>
+            <a:off x="3506137" y="2182769"/>
+            <a:ext cx="1921164" cy="4548"/>
+          </a:xfrm>
+          <a:prstGeom prst="line">
+            <a:avLst/>
+          </a:prstGeom>
+          <a:ln w="12700">
+            <a:solidFill>
+              <a:schemeClr val="accent5"/>
+            </a:solidFill>
+            <a:headEnd type="arrow" w="med" len="med"/>
+            <a:tailEnd type="arrow" w="med" len="med"/>
+          </a:ln>
+        </p:spPr>
+        <p:style>
+          <a:lnRef idx="1">
+            <a:schemeClr val="accent1"/>
+          </a:lnRef>
+          <a:fillRef idx="0">
+            <a:schemeClr val="accent1"/>
+          </a:fillRef>
+          <a:effectRef idx="0">
+            <a:schemeClr val="accent1"/>
+          </a:effectRef>
+          <a:fontRef idx="minor">
+            <a:schemeClr val="tx1"/>
+          </a:fontRef>
+        </p:style>
+      </p:cxnSp>
+      <p:sp>
+        <p:nvSpPr>
+          <p:cNvPr id="49" name="正方形/長方形 48">
+            <a:extLst>
+              <a:ext uri="{FF2B5EF4-FFF2-40B4-BE49-F238E27FC236}">
+                <a16:creationId xmlns:a16="http://schemas.microsoft.com/office/drawing/2014/main" id="{99BD3A82-0491-B891-B7B0-A9D9B773FE3A}"/>
+              </a:ext>
+            </a:extLst>
+          </p:cNvPr>
+          <p:cNvSpPr/>
+          <p:nvPr/>
+        </p:nvSpPr>
+        <p:spPr>
+          <a:xfrm>
+            <a:off x="4501290" y="1237601"/>
+            <a:ext cx="4288749" cy="1495085"/>
+          </a:xfrm>
+          <a:prstGeom prst="rect">
+            <a:avLst/>
+          </a:prstGeom>
+          <a:noFill/>
+          <a:ln>
+            <a:solidFill>
+              <a:schemeClr val="accent1"/>
+            </a:solidFill>
+          </a:ln>
+        </p:spPr>
+        <p:style>
+          <a:lnRef idx="2">
+            <a:schemeClr val="accent1">
+              <a:shade val="50000"/>
+            </a:schemeClr>
+          </a:lnRef>
+          <a:fillRef idx="1">
+            <a:schemeClr val="accent1"/>
+          </a:fillRef>
+          <a:effectRef idx="0">
+            <a:schemeClr val="accent1"/>
+          </a:effectRef>
+          <a:fontRef idx="minor">
+            <a:schemeClr val="lt1"/>
+          </a:fontRef>
+        </p:style>
+        <p:txBody>
+          <a:bodyPr rtlCol="0" anchor="ctr"/>
+          <a:lstStyle/>
+          <a:p>
+            <a:pPr algn="ctr"/>
+            <a:endParaRPr kumimoji="1" lang="ja-JP" altLang="en-US">
+              <a:latin typeface="Yu Gothic UI" panose="020B0500000000000000" pitchFamily="50" charset="-128"/>
+              <a:ea typeface="Yu Gothic UI" panose="020B0500000000000000" pitchFamily="50" charset="-128"/>
+            </a:endParaRPr>
+          </a:p>
+        </p:txBody>
+      </p:sp>
+      <p:pic>
+        <p:nvPicPr>
+          <p:cNvPr id="50" name="グラフィックス 49">
+            <a:extLst>
+              <a:ext uri="{FF2B5EF4-FFF2-40B4-BE49-F238E27FC236}">
+                <a16:creationId xmlns:a16="http://schemas.microsoft.com/office/drawing/2014/main" id="{93E44EF4-DF4A-9F4E-239F-7657AE954C3F}"/>
+              </a:ext>
+            </a:extLst>
+          </p:cNvPr>
+          <p:cNvPicPr>
+            <a:picLocks noChangeAspect="1"/>
+          </p:cNvPicPr>
+          <p:nvPr/>
+        </p:nvPicPr>
+        <p:blipFill>
+          <a:blip r:embed="rId4">
+            <a:extLst>
+              <a:ext uri="{28A0092B-C50C-407E-A947-70E740481C1C}">
+                <a14:useLocalDpi xmlns:a14="http://schemas.microsoft.com/office/drawing/2010/main" val="0"/>
+              </a:ext>
+              <a:ext uri="{96DAC541-7B7A-43D3-8B79-37D633B846F1}">
+                <asvg:svgBlip xmlns:asvg="http://schemas.microsoft.com/office/drawing/2016/SVG/main" r:embed="rId5"/>
+              </a:ext>
+            </a:extLst>
+          </a:blip>
+          <a:stretch>
+            <a:fillRect/>
+          </a:stretch>
+        </p:blipFill>
+        <p:spPr>
+          <a:xfrm>
+            <a:off x="4365163" y="1107993"/>
+            <a:ext cx="281656" cy="281656"/>
+          </a:xfrm>
+          <a:prstGeom prst="rect">
+            <a:avLst/>
+          </a:prstGeom>
+        </p:spPr>
+      </p:pic>
+      <p:sp>
+        <p:nvSpPr>
+          <p:cNvPr id="52" name="テキスト ボックス 51">
+            <a:extLst>
+              <a:ext uri="{FF2B5EF4-FFF2-40B4-BE49-F238E27FC236}">
+                <a16:creationId xmlns:a16="http://schemas.microsoft.com/office/drawing/2014/main" id="{D10D377E-D18D-A51E-23A7-94E30737F48E}"/>
+              </a:ext>
+            </a:extLst>
+          </p:cNvPr>
+          <p:cNvSpPr txBox="1"/>
+          <p:nvPr/>
+        </p:nvSpPr>
+        <p:spPr>
+          <a:xfrm>
+            <a:off x="4674450" y="984882"/>
+            <a:ext cx="1233451" cy="246221"/>
+          </a:xfrm>
+          <a:prstGeom prst="rect">
+            <a:avLst/>
+          </a:prstGeom>
+          <a:noFill/>
+        </p:spPr>
+        <p:txBody>
+          <a:bodyPr wrap="square" lIns="0" tIns="0" rIns="0" bIns="0" rtlCol="0">
+            <a:spAutoFit/>
+          </a:bodyPr>
+          <a:lstStyle/>
+          <a:p>
+            <a:r>
+              <a:rPr kumimoji="1" lang="en-US" altLang="ja-JP" sz="800" dirty="0" err="1">
+                <a:latin typeface="Yu Gothic UI" panose="020B0500000000000000" pitchFamily="50" charset="-128"/>
+                <a:ea typeface="Yu Gothic UI" panose="020B0500000000000000" pitchFamily="50" charset="-128"/>
+              </a:rPr>
+              <a:t>rg</a:t>
+            </a:r>
+            <a:r>
+              <a:rPr kumimoji="1" lang="en-US" altLang="ja-JP" sz="800" dirty="0">
+                <a:latin typeface="Yu Gothic UI" panose="020B0500000000000000" pitchFamily="50" charset="-128"/>
+                <a:ea typeface="Yu Gothic UI" panose="020B0500000000000000" pitchFamily="50" charset="-128"/>
+              </a:rPr>
+              <a:t>-shared</a:t>
+            </a:r>
+          </a:p>
+          <a:p>
+            <a:r>
+              <a:rPr kumimoji="1" lang="en-US" altLang="ja-JP" sz="800" dirty="0">
+                <a:latin typeface="Yu Gothic UI" panose="020B0500000000000000" pitchFamily="50" charset="-128"/>
+                <a:ea typeface="Yu Gothic UI" panose="020B0500000000000000" pitchFamily="50" charset="-128"/>
+              </a:rPr>
+              <a:t>(</a:t>
+            </a:r>
+            <a:r>
+              <a:rPr kumimoji="1" lang="ja-JP" altLang="en-US" sz="800" dirty="0">
+                <a:latin typeface="Yu Gothic UI" panose="020B0500000000000000" pitchFamily="50" charset="-128"/>
+                <a:ea typeface="Yu Gothic UI" panose="020B0500000000000000" pitchFamily="50" charset="-128"/>
+              </a:rPr>
+              <a:t>リソース グループ</a:t>
+            </a:r>
+            <a:r>
+              <a:rPr kumimoji="1" lang="en-US" altLang="ja-JP" sz="800" dirty="0">
+                <a:latin typeface="Yu Gothic UI" panose="020B0500000000000000" pitchFamily="50" charset="-128"/>
+                <a:ea typeface="Yu Gothic UI" panose="020B0500000000000000" pitchFamily="50" charset="-128"/>
+              </a:rPr>
+              <a:t>)</a:t>
+            </a:r>
+            <a:endParaRPr kumimoji="1" lang="en-US" sz="800" dirty="0">
+              <a:latin typeface="Yu Gothic UI" panose="020B0500000000000000" pitchFamily="50" charset="-128"/>
+              <a:ea typeface="Yu Gothic UI" panose="020B0500000000000000" pitchFamily="50" charset="-128"/>
+            </a:endParaRPr>
+          </a:p>
+        </p:txBody>
+      </p:sp>
+      <p:sp>
+        <p:nvSpPr>
+          <p:cNvPr id="60" name="正方形/長方形 59">
+            <a:extLst>
+              <a:ext uri="{FF2B5EF4-FFF2-40B4-BE49-F238E27FC236}">
+                <a16:creationId xmlns:a16="http://schemas.microsoft.com/office/drawing/2014/main" id="{B0B879F9-6EE6-8D49-C00A-5B41049732CF}"/>
+              </a:ext>
+            </a:extLst>
+          </p:cNvPr>
+          <p:cNvSpPr/>
+          <p:nvPr/>
+        </p:nvSpPr>
+        <p:spPr>
+          <a:xfrm>
+            <a:off x="4272817" y="916527"/>
+            <a:ext cx="4609925" cy="1922553"/>
+          </a:xfrm>
+          <a:prstGeom prst="rect">
+            <a:avLst/>
+          </a:prstGeom>
+          <a:noFill/>
+          <a:ln>
+            <a:solidFill>
+              <a:schemeClr val="accent2"/>
+            </a:solidFill>
+          </a:ln>
+        </p:spPr>
+        <p:style>
+          <a:lnRef idx="2">
+            <a:schemeClr val="accent1">
+              <a:shade val="50000"/>
+            </a:schemeClr>
+          </a:lnRef>
+          <a:fillRef idx="1">
+            <a:schemeClr val="accent1"/>
+          </a:fillRef>
+          <a:effectRef idx="0">
+            <a:schemeClr val="accent1"/>
+          </a:effectRef>
+          <a:fontRef idx="minor">
+            <a:schemeClr val="lt1"/>
+          </a:fontRef>
+        </p:style>
+        <p:txBody>
+          <a:bodyPr rtlCol="0" anchor="ctr"/>
+          <a:lstStyle/>
+          <a:p>
+            <a:pPr algn="ctr"/>
+            <a:endParaRPr kumimoji="1" lang="ja-JP" altLang="en-US" dirty="0">
+              <a:latin typeface="Yu Gothic UI" panose="020B0500000000000000" pitchFamily="50" charset="-128"/>
+              <a:ea typeface="Yu Gothic UI" panose="020B0500000000000000" pitchFamily="50" charset="-128"/>
+            </a:endParaRPr>
+          </a:p>
+        </p:txBody>
+      </p:sp>
+      <p:pic>
+        <p:nvPicPr>
+          <p:cNvPr id="59" name="グラフィックス 58">
+            <a:extLst>
+              <a:ext uri="{FF2B5EF4-FFF2-40B4-BE49-F238E27FC236}">
+                <a16:creationId xmlns:a16="http://schemas.microsoft.com/office/drawing/2014/main" id="{D3367EDA-F423-5C1D-CDC9-806077297538}"/>
+              </a:ext>
+            </a:extLst>
+          </p:cNvPr>
+          <p:cNvPicPr>
+            <a:picLocks noChangeAspect="1"/>
+          </p:cNvPicPr>
+          <p:nvPr/>
+        </p:nvPicPr>
+        <p:blipFill>
+          <a:blip r:embed="rId6">
+            <a:extLst>
+              <a:ext uri="{28A0092B-C50C-407E-A947-70E740481C1C}">
+                <a14:useLocalDpi xmlns:a14="http://schemas.microsoft.com/office/drawing/2010/main" val="0"/>
+              </a:ext>
+              <a:ext uri="{96DAC541-7B7A-43D3-8B79-37D633B846F1}">
+                <asvg:svgBlip xmlns:asvg="http://schemas.microsoft.com/office/drawing/2016/SVG/main" r:embed="rId7"/>
+              </a:ext>
+            </a:extLst>
+          </a:blip>
+          <a:stretch>
+            <a:fillRect/>
+          </a:stretch>
+        </p:blipFill>
+        <p:spPr>
+          <a:xfrm>
+            <a:off x="4072831" y="658458"/>
+            <a:ext cx="444956" cy="444956"/>
+          </a:xfrm>
+          <a:prstGeom prst="rect">
+            <a:avLst/>
+          </a:prstGeom>
+        </p:spPr>
+      </p:pic>
+      <p:sp>
+        <p:nvSpPr>
+          <p:cNvPr id="61" name="テキスト ボックス 60">
+            <a:extLst>
+              <a:ext uri="{FF2B5EF4-FFF2-40B4-BE49-F238E27FC236}">
+                <a16:creationId xmlns:a16="http://schemas.microsoft.com/office/drawing/2014/main" id="{E1161367-B510-87A9-4E28-A656DFE78D4C}"/>
+              </a:ext>
+            </a:extLst>
+          </p:cNvPr>
+          <p:cNvSpPr txBox="1"/>
+          <p:nvPr/>
+        </p:nvSpPr>
+        <p:spPr>
+          <a:xfrm>
+            <a:off x="4501291" y="619588"/>
+            <a:ext cx="1233451" cy="246221"/>
+          </a:xfrm>
+          <a:prstGeom prst="rect">
+            <a:avLst/>
+          </a:prstGeom>
+          <a:noFill/>
+        </p:spPr>
+        <p:txBody>
+          <a:bodyPr wrap="square" lIns="0" tIns="0" rIns="0" bIns="0" rtlCol="0">
+            <a:spAutoFit/>
+          </a:bodyPr>
+          <a:lstStyle/>
+          <a:p>
+            <a:r>
+              <a:rPr kumimoji="1" lang="en-US" altLang="ja-JP" sz="800" dirty="0">
+                <a:latin typeface="Yu Gothic UI" panose="020B0500000000000000" pitchFamily="50" charset="-128"/>
+                <a:ea typeface="Yu Gothic UI" panose="020B0500000000000000" pitchFamily="50" charset="-128"/>
+              </a:rPr>
+              <a:t>shared-prod-001</a:t>
+            </a:r>
+          </a:p>
+          <a:p>
+            <a:r>
+              <a:rPr kumimoji="1" lang="en-US" altLang="ja-JP" sz="800" dirty="0">
+                <a:latin typeface="Yu Gothic UI" panose="020B0500000000000000" pitchFamily="50" charset="-128"/>
+                <a:ea typeface="Yu Gothic UI" panose="020B0500000000000000" pitchFamily="50" charset="-128"/>
+              </a:rPr>
+              <a:t>(</a:t>
+            </a:r>
+            <a:r>
+              <a:rPr kumimoji="1" lang="ja-JP" altLang="en-US" sz="800" dirty="0">
+                <a:latin typeface="Yu Gothic UI" panose="020B0500000000000000" pitchFamily="50" charset="-128"/>
+                <a:ea typeface="Yu Gothic UI" panose="020B0500000000000000" pitchFamily="50" charset="-128"/>
+              </a:rPr>
+              <a:t>サブスクリプション</a:t>
+            </a:r>
+            <a:r>
+              <a:rPr kumimoji="1" lang="en-US" altLang="ja-JP" sz="800" dirty="0">
+                <a:latin typeface="Yu Gothic UI" panose="020B0500000000000000" pitchFamily="50" charset="-128"/>
+                <a:ea typeface="Yu Gothic UI" panose="020B0500000000000000" pitchFamily="50" charset="-128"/>
+              </a:rPr>
+              <a:t>:</a:t>
+            </a:r>
+            <a:r>
+              <a:rPr kumimoji="1" lang="ja-JP" altLang="en-US" sz="800" dirty="0">
+                <a:latin typeface="Yu Gothic UI" panose="020B0500000000000000" pitchFamily="50" charset="-128"/>
+                <a:ea typeface="Yu Gothic UI" panose="020B0500000000000000" pitchFamily="50" charset="-128"/>
+              </a:rPr>
+              <a:t>共有</a:t>
+            </a:r>
+            <a:r>
+              <a:rPr kumimoji="1" lang="en-US" altLang="ja-JP" sz="800" dirty="0">
+                <a:latin typeface="Yu Gothic UI" panose="020B0500000000000000" pitchFamily="50" charset="-128"/>
+                <a:ea typeface="Yu Gothic UI" panose="020B0500000000000000" pitchFamily="50" charset="-128"/>
+              </a:rPr>
+              <a:t>)</a:t>
+            </a:r>
+            <a:endParaRPr kumimoji="1" lang="en-US" sz="800" dirty="0">
+              <a:latin typeface="Yu Gothic UI" panose="020B0500000000000000" pitchFamily="50" charset="-128"/>
+              <a:ea typeface="Yu Gothic UI" panose="020B0500000000000000" pitchFamily="50" charset="-128"/>
+            </a:endParaRPr>
+          </a:p>
+        </p:txBody>
+      </p:sp>
+      <p:sp>
+        <p:nvSpPr>
+          <p:cNvPr id="86" name="正方形/長方形 85">
+            <a:extLst>
+              <a:ext uri="{FF2B5EF4-FFF2-40B4-BE49-F238E27FC236}">
+                <a16:creationId xmlns:a16="http://schemas.microsoft.com/office/drawing/2014/main" id="{3D3C9AD7-6C56-648C-6BBC-4F199E32A852}"/>
+              </a:ext>
+            </a:extLst>
+          </p:cNvPr>
+          <p:cNvSpPr/>
+          <p:nvPr/>
+        </p:nvSpPr>
+        <p:spPr>
+          <a:xfrm>
+            <a:off x="4501291" y="3759711"/>
+            <a:ext cx="3740950" cy="1587249"/>
+          </a:xfrm>
+          <a:prstGeom prst="rect">
+            <a:avLst/>
+          </a:prstGeom>
+          <a:noFill/>
+          <a:ln>
+            <a:solidFill>
+              <a:schemeClr val="accent1"/>
+            </a:solidFill>
+          </a:ln>
+        </p:spPr>
+        <p:style>
+          <a:lnRef idx="2">
+            <a:schemeClr val="accent1">
+              <a:shade val="50000"/>
+            </a:schemeClr>
+          </a:lnRef>
+          <a:fillRef idx="1">
+            <a:schemeClr val="accent1"/>
+          </a:fillRef>
+          <a:effectRef idx="0">
+            <a:schemeClr val="accent1"/>
+          </a:effectRef>
+          <a:fontRef idx="minor">
+            <a:schemeClr val="lt1"/>
+          </a:fontRef>
+        </p:style>
+        <p:txBody>
+          <a:bodyPr rtlCol="0" anchor="ctr"/>
+          <a:lstStyle/>
+          <a:p>
+            <a:pPr algn="ctr"/>
+            <a:endParaRPr kumimoji="1" lang="ja-JP" altLang="en-US">
+              <a:latin typeface="Yu Gothic UI" panose="020B0500000000000000" pitchFamily="50" charset="-128"/>
+              <a:ea typeface="Yu Gothic UI" panose="020B0500000000000000" pitchFamily="50" charset="-128"/>
+            </a:endParaRPr>
+          </a:p>
+        </p:txBody>
+      </p:sp>
+      <p:pic>
+        <p:nvPicPr>
+          <p:cNvPr id="87" name="グラフィックス 86">
+            <a:extLst>
+              <a:ext uri="{FF2B5EF4-FFF2-40B4-BE49-F238E27FC236}">
+                <a16:creationId xmlns:a16="http://schemas.microsoft.com/office/drawing/2014/main" id="{D949E671-A538-FA0B-BD15-1B2DDA5A3A20}"/>
+              </a:ext>
+            </a:extLst>
+          </p:cNvPr>
+          <p:cNvPicPr>
+            <a:picLocks noChangeAspect="1"/>
+          </p:cNvPicPr>
+          <p:nvPr/>
+        </p:nvPicPr>
+        <p:blipFill>
+          <a:blip r:embed="rId4">
+            <a:extLst>
+              <a:ext uri="{28A0092B-C50C-407E-A947-70E740481C1C}">
+                <a14:useLocalDpi xmlns:a14="http://schemas.microsoft.com/office/drawing/2010/main" val="0"/>
+              </a:ext>
+              <a:ext uri="{96DAC541-7B7A-43D3-8B79-37D633B846F1}">
+                <asvg:svgBlip xmlns:asvg="http://schemas.microsoft.com/office/drawing/2016/SVG/main" r:embed="rId5"/>
+              </a:ext>
+            </a:extLst>
+          </a:blip>
+          <a:stretch>
+            <a:fillRect/>
+          </a:stretch>
+        </p:blipFill>
+        <p:spPr>
+          <a:xfrm>
+            <a:off x="4385512" y="3513697"/>
+            <a:ext cx="281656" cy="281656"/>
+          </a:xfrm>
+          <a:prstGeom prst="rect">
+            <a:avLst/>
+          </a:prstGeom>
+        </p:spPr>
+      </p:pic>
+      <p:sp>
+        <p:nvSpPr>
+          <p:cNvPr id="89" name="テキスト ボックス 88">
+            <a:extLst>
+              <a:ext uri="{FF2B5EF4-FFF2-40B4-BE49-F238E27FC236}">
+                <a16:creationId xmlns:a16="http://schemas.microsoft.com/office/drawing/2014/main" id="{094E3361-64A2-778C-0A63-26A7E41598DF}"/>
+              </a:ext>
+            </a:extLst>
+          </p:cNvPr>
+          <p:cNvSpPr txBox="1"/>
+          <p:nvPr/>
+        </p:nvSpPr>
+        <p:spPr>
+          <a:xfrm>
+            <a:off x="4707576" y="3499320"/>
+            <a:ext cx="1233451" cy="246221"/>
+          </a:xfrm>
+          <a:prstGeom prst="rect">
+            <a:avLst/>
+          </a:prstGeom>
+          <a:noFill/>
+        </p:spPr>
+        <p:txBody>
+          <a:bodyPr wrap="square" lIns="0" tIns="0" rIns="0" bIns="0" rtlCol="0">
+            <a:spAutoFit/>
+          </a:bodyPr>
+          <a:lstStyle/>
+          <a:p>
+            <a:r>
+              <a:rPr kumimoji="1" lang="en-US" altLang="ja-JP" sz="800" dirty="0" err="1">
+                <a:latin typeface="Yu Gothic UI" panose="020B0500000000000000" pitchFamily="50" charset="-128"/>
+                <a:ea typeface="Yu Gothic UI" panose="020B0500000000000000" pitchFamily="50" charset="-128"/>
+              </a:rPr>
+              <a:t>rg</a:t>
+            </a:r>
+            <a:r>
+              <a:rPr kumimoji="1" lang="en-US" altLang="ja-JP" sz="800" dirty="0">
+                <a:latin typeface="Yu Gothic UI" panose="020B0500000000000000" pitchFamily="50" charset="-128"/>
+                <a:ea typeface="Yu Gothic UI" panose="020B0500000000000000" pitchFamily="50" charset="-128"/>
+              </a:rPr>
+              <a:t>-web</a:t>
+            </a:r>
+          </a:p>
+          <a:p>
+            <a:r>
+              <a:rPr kumimoji="1" lang="en-US" altLang="ja-JP" sz="800" dirty="0">
+                <a:latin typeface="Yu Gothic UI" panose="020B0500000000000000" pitchFamily="50" charset="-128"/>
+                <a:ea typeface="Yu Gothic UI" panose="020B0500000000000000" pitchFamily="50" charset="-128"/>
+              </a:rPr>
+              <a:t>(</a:t>
+            </a:r>
+            <a:r>
+              <a:rPr kumimoji="1" lang="ja-JP" altLang="en-US" sz="800" dirty="0">
+                <a:latin typeface="Yu Gothic UI" panose="020B0500000000000000" pitchFamily="50" charset="-128"/>
+                <a:ea typeface="Yu Gothic UI" panose="020B0500000000000000" pitchFamily="50" charset="-128"/>
+              </a:rPr>
+              <a:t>リソース グループ</a:t>
+            </a:r>
+            <a:r>
+              <a:rPr kumimoji="1" lang="en-US" altLang="ja-JP" sz="800" dirty="0">
+                <a:latin typeface="Yu Gothic UI" panose="020B0500000000000000" pitchFamily="50" charset="-128"/>
+                <a:ea typeface="Yu Gothic UI" panose="020B0500000000000000" pitchFamily="50" charset="-128"/>
+              </a:rPr>
+              <a:t>)</a:t>
+            </a:r>
+            <a:endParaRPr kumimoji="1" lang="en-US" sz="800" dirty="0">
+              <a:latin typeface="Yu Gothic UI" panose="020B0500000000000000" pitchFamily="50" charset="-128"/>
+              <a:ea typeface="Yu Gothic UI" panose="020B0500000000000000" pitchFamily="50" charset="-128"/>
+            </a:endParaRPr>
+          </a:p>
+        </p:txBody>
+      </p:sp>
+      <p:sp>
+        <p:nvSpPr>
+          <p:cNvPr id="90" name="正方形/長方形 89">
+            <a:extLst>
+              <a:ext uri="{FF2B5EF4-FFF2-40B4-BE49-F238E27FC236}">
+                <a16:creationId xmlns:a16="http://schemas.microsoft.com/office/drawing/2014/main" id="{7248F548-81B7-545F-DB08-F6804C6472E9}"/>
+              </a:ext>
+            </a:extLst>
+          </p:cNvPr>
+          <p:cNvSpPr/>
+          <p:nvPr/>
+        </p:nvSpPr>
+        <p:spPr>
+          <a:xfrm>
+            <a:off x="4252970" y="3391729"/>
+            <a:ext cx="5886111" cy="2091716"/>
+          </a:xfrm>
+          <a:prstGeom prst="rect">
+            <a:avLst/>
+          </a:prstGeom>
+          <a:noFill/>
+          <a:ln>
+            <a:solidFill>
+              <a:schemeClr val="accent2"/>
+            </a:solidFill>
+          </a:ln>
+        </p:spPr>
+        <p:style>
+          <a:lnRef idx="2">
+            <a:schemeClr val="accent1">
+              <a:shade val="50000"/>
+            </a:schemeClr>
+          </a:lnRef>
+          <a:fillRef idx="1">
+            <a:schemeClr val="accent1"/>
+          </a:fillRef>
+          <a:effectRef idx="0">
+            <a:schemeClr val="accent1"/>
+          </a:effectRef>
+          <a:fontRef idx="minor">
+            <a:schemeClr val="lt1"/>
+          </a:fontRef>
+        </p:style>
+        <p:txBody>
+          <a:bodyPr rtlCol="0" anchor="ctr"/>
+          <a:lstStyle/>
+          <a:p>
+            <a:pPr algn="ctr"/>
+            <a:endParaRPr kumimoji="1" lang="ja-JP" altLang="en-US" dirty="0">
+              <a:latin typeface="Yu Gothic UI" panose="020B0500000000000000" pitchFamily="50" charset="-128"/>
+              <a:ea typeface="Yu Gothic UI" panose="020B0500000000000000" pitchFamily="50" charset="-128"/>
+            </a:endParaRPr>
+          </a:p>
+        </p:txBody>
+      </p:sp>
+      <p:pic>
+        <p:nvPicPr>
+          <p:cNvPr id="91" name="グラフィックス 90">
+            <a:extLst>
+              <a:ext uri="{FF2B5EF4-FFF2-40B4-BE49-F238E27FC236}">
+                <a16:creationId xmlns:a16="http://schemas.microsoft.com/office/drawing/2014/main" id="{A2EE604A-53DD-B528-67E8-0CA3BE6CED83}"/>
+              </a:ext>
+            </a:extLst>
+          </p:cNvPr>
+          <p:cNvPicPr>
+            <a:picLocks noChangeAspect="1"/>
+          </p:cNvPicPr>
+          <p:nvPr/>
+        </p:nvPicPr>
+        <p:blipFill>
+          <a:blip r:embed="rId6">
+            <a:extLst>
+              <a:ext uri="{28A0092B-C50C-407E-A947-70E740481C1C}">
+                <a14:useLocalDpi xmlns:a14="http://schemas.microsoft.com/office/drawing/2010/main" val="0"/>
+              </a:ext>
+              <a:ext uri="{96DAC541-7B7A-43D3-8B79-37D633B846F1}">
+                <asvg:svgBlip xmlns:asvg="http://schemas.microsoft.com/office/drawing/2016/SVG/main" r:embed="rId7"/>
+              </a:ext>
+            </a:extLst>
+          </a:blip>
+          <a:stretch>
+            <a:fillRect/>
+          </a:stretch>
+        </p:blipFill>
+        <p:spPr>
+          <a:xfrm>
+            <a:off x="4072831" y="3154156"/>
+            <a:ext cx="444956" cy="444956"/>
+          </a:xfrm>
+          <a:prstGeom prst="rect">
+            <a:avLst/>
+          </a:prstGeom>
+        </p:spPr>
+      </p:pic>
+      <p:sp>
+        <p:nvSpPr>
+          <p:cNvPr id="92" name="テキスト ボックス 91">
+            <a:extLst>
+              <a:ext uri="{FF2B5EF4-FFF2-40B4-BE49-F238E27FC236}">
+                <a16:creationId xmlns:a16="http://schemas.microsoft.com/office/drawing/2014/main" id="{74F40DCF-B4D2-E0D4-69A6-0D0D517068F8}"/>
+              </a:ext>
+            </a:extLst>
+          </p:cNvPr>
+          <p:cNvSpPr txBox="1"/>
+          <p:nvPr/>
+        </p:nvSpPr>
+        <p:spPr>
+          <a:xfrm>
+            <a:off x="4453492" y="3094789"/>
+            <a:ext cx="1233451" cy="246221"/>
+          </a:xfrm>
+          <a:prstGeom prst="rect">
+            <a:avLst/>
+          </a:prstGeom>
+          <a:noFill/>
+        </p:spPr>
+        <p:txBody>
+          <a:bodyPr wrap="square" lIns="0" tIns="0" rIns="0" bIns="0" rtlCol="0">
+            <a:spAutoFit/>
+          </a:bodyPr>
+          <a:lstStyle/>
+          <a:p>
+            <a:r>
+              <a:rPr kumimoji="1" lang="en-US" altLang="ja-JP" sz="800" dirty="0">
+                <a:latin typeface="Yu Gothic UI" panose="020B0500000000000000" pitchFamily="50" charset="-128"/>
+                <a:ea typeface="Yu Gothic UI" panose="020B0500000000000000" pitchFamily="50" charset="-128"/>
+              </a:rPr>
+              <a:t>prod-001</a:t>
+            </a:r>
+          </a:p>
+          <a:p>
+            <a:r>
+              <a:rPr kumimoji="1" lang="en-US" altLang="ja-JP" sz="800" dirty="0">
+                <a:latin typeface="Yu Gothic UI" panose="020B0500000000000000" pitchFamily="50" charset="-128"/>
+                <a:ea typeface="Yu Gothic UI" panose="020B0500000000000000" pitchFamily="50" charset="-128"/>
+              </a:rPr>
+              <a:t>(</a:t>
+            </a:r>
+            <a:r>
+              <a:rPr kumimoji="1" lang="ja-JP" altLang="en-US" sz="800" dirty="0">
+                <a:latin typeface="Yu Gothic UI" panose="020B0500000000000000" pitchFamily="50" charset="-128"/>
+                <a:ea typeface="Yu Gothic UI" panose="020B0500000000000000" pitchFamily="50" charset="-128"/>
+              </a:rPr>
+              <a:t>サブスクリプション</a:t>
+            </a:r>
+            <a:r>
+              <a:rPr lang="en-US" altLang="ja-JP" sz="800" dirty="0">
+                <a:latin typeface="Yu Gothic UI" panose="020B0500000000000000" pitchFamily="50" charset="-128"/>
+                <a:ea typeface="Yu Gothic UI" panose="020B0500000000000000" pitchFamily="50" charset="-128"/>
+              </a:rPr>
+              <a:t>:</a:t>
+            </a:r>
+            <a:r>
+              <a:rPr lang="ja-JP" altLang="en-US" sz="800" dirty="0">
+                <a:latin typeface="Yu Gothic UI" panose="020B0500000000000000" pitchFamily="50" charset="-128"/>
+                <a:ea typeface="Yu Gothic UI" panose="020B0500000000000000" pitchFamily="50" charset="-128"/>
+              </a:rPr>
+              <a:t>業務</a:t>
+            </a:r>
+            <a:r>
+              <a:rPr kumimoji="1" lang="en-US" altLang="ja-JP" sz="800" dirty="0">
+                <a:latin typeface="Yu Gothic UI" panose="020B0500000000000000" pitchFamily="50" charset="-128"/>
+                <a:ea typeface="Yu Gothic UI" panose="020B0500000000000000" pitchFamily="50" charset="-128"/>
+              </a:rPr>
+              <a:t>)</a:t>
+            </a:r>
+            <a:endParaRPr kumimoji="1" lang="en-US" sz="800" dirty="0">
+              <a:latin typeface="Yu Gothic UI" panose="020B0500000000000000" pitchFamily="50" charset="-128"/>
+              <a:ea typeface="Yu Gothic UI" panose="020B0500000000000000" pitchFamily="50" charset="-128"/>
+            </a:endParaRPr>
+          </a:p>
+        </p:txBody>
+      </p:sp>
+      <p:sp>
+        <p:nvSpPr>
+          <p:cNvPr id="95" name="正方形/長方形 94">
+            <a:extLst>
+              <a:ext uri="{FF2B5EF4-FFF2-40B4-BE49-F238E27FC236}">
+                <a16:creationId xmlns:a16="http://schemas.microsoft.com/office/drawing/2014/main" id="{AA4DB760-924E-750E-586A-8097A1037267}"/>
+              </a:ext>
+            </a:extLst>
+          </p:cNvPr>
+          <p:cNvSpPr/>
+          <p:nvPr/>
+        </p:nvSpPr>
+        <p:spPr>
+          <a:xfrm>
+            <a:off x="5975040" y="4365729"/>
+            <a:ext cx="929618" cy="863086"/>
+          </a:xfrm>
+          <a:prstGeom prst="rect">
+            <a:avLst/>
+          </a:prstGeom>
+          <a:solidFill>
+            <a:schemeClr val="accent6">
+              <a:lumMod val="20000"/>
+              <a:lumOff val="80000"/>
+            </a:schemeClr>
+          </a:solidFill>
+          <a:ln>
+            <a:noFill/>
+          </a:ln>
+        </p:spPr>
+        <p:style>
+          <a:lnRef idx="2">
+            <a:schemeClr val="accent1">
+              <a:shade val="50000"/>
+            </a:schemeClr>
+          </a:lnRef>
+          <a:fillRef idx="1">
+            <a:schemeClr val="accent1"/>
+          </a:fillRef>
+          <a:effectRef idx="0">
+            <a:schemeClr val="accent1"/>
+          </a:effectRef>
+          <a:fontRef idx="minor">
+            <a:schemeClr val="lt1"/>
+          </a:fontRef>
+        </p:style>
+        <p:txBody>
+          <a:bodyPr rtlCol="0" anchor="ctr"/>
+          <a:lstStyle/>
+          <a:p>
+            <a:pPr algn="ctr"/>
+            <a:endParaRPr kumimoji="1" lang="en-US" sz="2400" dirty="0">
+              <a:latin typeface="Yu Gothic UI" panose="020B0500000000000000" pitchFamily="50" charset="-128"/>
+              <a:ea typeface="Yu Gothic UI" panose="020B0500000000000000" pitchFamily="50" charset="-128"/>
+            </a:endParaRPr>
+          </a:p>
+        </p:txBody>
+      </p:sp>
+      <p:sp>
+        <p:nvSpPr>
+          <p:cNvPr id="97" name="正方形/長方形 96">
+            <a:extLst>
+              <a:ext uri="{FF2B5EF4-FFF2-40B4-BE49-F238E27FC236}">
+                <a16:creationId xmlns:a16="http://schemas.microsoft.com/office/drawing/2014/main" id="{FA4EF70C-C640-662C-07FF-408FF809574A}"/>
+              </a:ext>
+            </a:extLst>
+          </p:cNvPr>
+          <p:cNvSpPr/>
+          <p:nvPr/>
+        </p:nvSpPr>
+        <p:spPr>
+          <a:xfrm>
+            <a:off x="4714848" y="4089763"/>
+            <a:ext cx="3404292" cy="1188842"/>
+          </a:xfrm>
+          <a:prstGeom prst="rect">
+            <a:avLst/>
+          </a:prstGeom>
+          <a:noFill/>
+          <a:ln>
+            <a:solidFill>
+              <a:schemeClr val="accent6"/>
+            </a:solidFill>
+          </a:ln>
+        </p:spPr>
+        <p:style>
+          <a:lnRef idx="2">
+            <a:schemeClr val="accent1">
+              <a:shade val="50000"/>
+            </a:schemeClr>
+          </a:lnRef>
+          <a:fillRef idx="1">
+            <a:schemeClr val="accent1"/>
+          </a:fillRef>
+          <a:effectRef idx="0">
+            <a:schemeClr val="accent1"/>
+          </a:effectRef>
+          <a:fontRef idx="minor">
+            <a:schemeClr val="lt1"/>
+          </a:fontRef>
+        </p:style>
+        <p:txBody>
+          <a:bodyPr rtlCol="0" anchor="ctr"/>
+          <a:lstStyle/>
+          <a:p>
+            <a:pPr algn="ctr"/>
+            <a:endParaRPr kumimoji="1" lang="ja-JP" altLang="en-US">
+              <a:latin typeface="Yu Gothic UI" panose="020B0500000000000000" pitchFamily="50" charset="-128"/>
+              <a:ea typeface="Yu Gothic UI" panose="020B0500000000000000" pitchFamily="50" charset="-128"/>
+            </a:endParaRPr>
+          </a:p>
+        </p:txBody>
+      </p:sp>
+      <p:grpSp>
+        <p:nvGrpSpPr>
+          <p:cNvPr id="64" name="グループ化 63">
+            <a:extLst>
+              <a:ext uri="{FF2B5EF4-FFF2-40B4-BE49-F238E27FC236}">
+                <a16:creationId xmlns:a16="http://schemas.microsoft.com/office/drawing/2014/main" id="{E0D767F6-83F2-A7E9-A136-5AF3CD396F2E}"/>
+              </a:ext>
+            </a:extLst>
+          </p:cNvPr>
+          <p:cNvGrpSpPr/>
+          <p:nvPr/>
+        </p:nvGrpSpPr>
+        <p:grpSpPr>
+          <a:xfrm>
+            <a:off x="4663258" y="3885797"/>
+            <a:ext cx="281657" cy="161721"/>
+            <a:chOff x="7545388" y="5762626"/>
+            <a:chExt cx="577850" cy="331788"/>
+          </a:xfrm>
+        </p:grpSpPr>
+        <p:sp>
+          <p:nvSpPr>
+            <p:cNvPr id="65" name="Freeform 2167">
+              <a:extLst>
+                <a:ext uri="{FF2B5EF4-FFF2-40B4-BE49-F238E27FC236}">
+                  <a16:creationId xmlns:a16="http://schemas.microsoft.com/office/drawing/2014/main" id="{4D3AA2B1-69B6-7A32-A8A8-4BEDCE2D07C7}"/>
+                </a:ext>
+              </a:extLst>
+            </p:cNvPr>
+            <p:cNvSpPr>
+              <a:spLocks/>
+            </p:cNvSpPr>
+            <p:nvPr/>
+          </p:nvSpPr>
+          <p:spPr bwMode="auto">
+            <a:xfrm>
+              <a:off x="7940675" y="5762626"/>
+              <a:ext cx="182563" cy="331788"/>
+            </a:xfrm>
+            <a:custGeom>
+              <a:avLst/>
+              <a:gdLst>
+                <a:gd name="T0" fmla="*/ 62 w 64"/>
+                <a:gd name="T1" fmla="*/ 60 h 116"/>
+                <a:gd name="T2" fmla="*/ 62 w 64"/>
+                <a:gd name="T3" fmla="*/ 53 h 116"/>
+                <a:gd name="T4" fmla="*/ 52 w 64"/>
+                <a:gd name="T5" fmla="*/ 44 h 116"/>
+                <a:gd name="T6" fmla="*/ 9 w 64"/>
+                <a:gd name="T7" fmla="*/ 2 h 116"/>
+                <a:gd name="T8" fmla="*/ 2 w 64"/>
+                <a:gd name="T9" fmla="*/ 2 h 116"/>
+                <a:gd name="T10" fmla="*/ 2 w 64"/>
+                <a:gd name="T11" fmla="*/ 9 h 116"/>
+                <a:gd name="T12" fmla="*/ 48 w 64"/>
+                <a:gd name="T13" fmla="*/ 53 h 116"/>
+                <a:gd name="T14" fmla="*/ 48 w 64"/>
+                <a:gd name="T15" fmla="*/ 60 h 116"/>
+                <a:gd name="T16" fmla="*/ 2 w 64"/>
+                <a:gd name="T17" fmla="*/ 106 h 116"/>
+                <a:gd name="T18" fmla="*/ 2 w 64"/>
+                <a:gd name="T19" fmla="*/ 114 h 116"/>
+                <a:gd name="T20" fmla="*/ 8 w 64"/>
+                <a:gd name="T21" fmla="*/ 114 h 116"/>
+                <a:gd name="T22" fmla="*/ 51 w 64"/>
+                <a:gd name="T23" fmla="*/ 71 h 116"/>
+                <a:gd name="T24" fmla="*/ 52 w 64"/>
+                <a:gd name="T25" fmla="*/ 71 h 116"/>
+                <a:gd name="T26" fmla="*/ 62 w 64"/>
+                <a:gd name="T27" fmla="*/ 60 h 116"/>
+              </a:gdLst>
+              <a:ahLst/>
+              <a:cxnLst>
+                <a:cxn ang="0">
+                  <a:pos x="T0" y="T1"/>
+                </a:cxn>
+                <a:cxn ang="0">
+                  <a:pos x="T2" y="T3"/>
+                </a:cxn>
+                <a:cxn ang="0">
+                  <a:pos x="T4" y="T5"/>
+                </a:cxn>
+                <a:cxn ang="0">
+                  <a:pos x="T6" y="T7"/>
+                </a:cxn>
+                <a:cxn ang="0">
+                  <a:pos x="T8" y="T9"/>
+                </a:cxn>
+                <a:cxn ang="0">
+                  <a:pos x="T10" y="T11"/>
+                </a:cxn>
+                <a:cxn ang="0">
+                  <a:pos x="T12" y="T13"/>
+                </a:cxn>
+                <a:cxn ang="0">
+                  <a:pos x="T14" y="T15"/>
+                </a:cxn>
+                <a:cxn ang="0">
+                  <a:pos x="T16" y="T17"/>
+                </a:cxn>
+                <a:cxn ang="0">
+                  <a:pos x="T18" y="T19"/>
+                </a:cxn>
+                <a:cxn ang="0">
+                  <a:pos x="T20" y="T21"/>
+                </a:cxn>
+                <a:cxn ang="0">
+                  <a:pos x="T22" y="T23"/>
+                </a:cxn>
+                <a:cxn ang="0">
+                  <a:pos x="T24" y="T25"/>
+                </a:cxn>
+                <a:cxn ang="0">
+                  <a:pos x="T26" y="T27"/>
+                </a:cxn>
+              </a:cxnLst>
+              <a:rect l="0" t="0" r="r" b="b"/>
+              <a:pathLst>
+                <a:path w="64" h="116">
+                  <a:moveTo>
+                    <a:pt x="62" y="60"/>
+                  </a:moveTo>
+                  <a:cubicBezTo>
+                    <a:pt x="64" y="58"/>
+                    <a:pt x="64" y="55"/>
+                    <a:pt x="62" y="53"/>
+                  </a:cubicBezTo>
+                  <a:cubicBezTo>
+                    <a:pt x="52" y="44"/>
+                    <a:pt x="52" y="44"/>
+                    <a:pt x="52" y="44"/>
+                  </a:cubicBezTo>
+                  <a:cubicBezTo>
+                    <a:pt x="9" y="2"/>
+                    <a:pt x="9" y="2"/>
+                    <a:pt x="9" y="2"/>
+                  </a:cubicBezTo>
+                  <a:cubicBezTo>
+                    <a:pt x="7" y="0"/>
+                    <a:pt x="4" y="0"/>
+                    <a:pt x="2" y="2"/>
+                  </a:cubicBezTo>
+                  <a:cubicBezTo>
+                    <a:pt x="0" y="4"/>
+                    <a:pt x="0" y="7"/>
+                    <a:pt x="2" y="9"/>
+                  </a:cubicBezTo>
+                  <a:cubicBezTo>
+                    <a:pt x="48" y="53"/>
+                    <a:pt x="48" y="53"/>
+                    <a:pt x="48" y="53"/>
+                  </a:cubicBezTo>
+                  <a:cubicBezTo>
+                    <a:pt x="50" y="55"/>
+                    <a:pt x="50" y="58"/>
+                    <a:pt x="48" y="60"/>
+                  </a:cubicBezTo>
+                  <a:cubicBezTo>
+                    <a:pt x="2" y="106"/>
+                    <a:pt x="2" y="106"/>
+                    <a:pt x="2" y="106"/>
+                  </a:cubicBezTo>
+                  <a:cubicBezTo>
+                    <a:pt x="0" y="108"/>
+                    <a:pt x="0" y="112"/>
+                    <a:pt x="2" y="114"/>
+                  </a:cubicBezTo>
+                  <a:cubicBezTo>
+                    <a:pt x="4" y="116"/>
+                    <a:pt x="7" y="115"/>
+                    <a:pt x="8" y="114"/>
+                  </a:cubicBezTo>
+                  <a:cubicBezTo>
+                    <a:pt x="51" y="71"/>
+                    <a:pt x="51" y="71"/>
+                    <a:pt x="51" y="71"/>
+                  </a:cubicBezTo>
+                  <a:cubicBezTo>
+                    <a:pt x="51" y="71"/>
+                    <a:pt x="51" y="71"/>
+                    <a:pt x="52" y="71"/>
+                  </a:cubicBezTo>
+                  <a:lnTo>
+                    <a:pt x="62" y="60"/>
+                  </a:lnTo>
+                  <a:close/>
+                </a:path>
+              </a:pathLst>
+            </a:custGeom>
+            <a:solidFill>
+              <a:srgbClr val="3999C6"/>
+            </a:solidFill>
+            <a:ln>
+              <a:noFill/>
+            </a:ln>
+            <a:extLst>
+              <a:ext uri="{91240B29-F687-4F45-9708-019B960494DF}">
+                <a14:hiddenLine xmlns:a14="http://schemas.microsoft.com/office/drawing/2010/main" w="9525">
+                  <a:solidFill>
+                    <a:srgbClr val="000000"/>
+                  </a:solidFill>
+                  <a:round/>
+                  <a:headEnd/>
+                  <a:tailEnd/>
+                </a14:hiddenLine>
+              </a:ext>
+            </a:extLst>
+          </p:spPr>
+          <p:txBody>
+            <a:bodyPr vert="horz" wrap="square" lIns="91440" tIns="45720" rIns="91440" bIns="45720" numCol="1" anchor="t" anchorCtr="0" compatLnSpc="1">
+              <a:prstTxWarp prst="textNoShape">
+                <a:avLst/>
+              </a:prstTxWarp>
+            </a:bodyPr>
+            <a:lstStyle/>
+            <a:p>
+              <a:endParaRPr lang="ja-JP" altLang="en-US" sz="2400">
+                <a:latin typeface="Yu Gothic UI" panose="020B0500000000000000" pitchFamily="50" charset="-128"/>
+                <a:ea typeface="Yu Gothic UI" panose="020B0500000000000000" pitchFamily="50" charset="-128"/>
+              </a:endParaRPr>
+            </a:p>
+          </p:txBody>
+        </p:sp>
+        <p:sp>
+          <p:nvSpPr>
+            <p:cNvPr id="66" name="Freeform 2168">
+              <a:extLst>
+                <a:ext uri="{FF2B5EF4-FFF2-40B4-BE49-F238E27FC236}">
+                  <a16:creationId xmlns:a16="http://schemas.microsoft.com/office/drawing/2014/main" id="{878BF40B-4B8F-C0D9-1B40-033EEDA09BDC}"/>
+                </a:ext>
+              </a:extLst>
+            </p:cNvPr>
+            <p:cNvSpPr>
+              <a:spLocks/>
+            </p:cNvSpPr>
+            <p:nvPr/>
+          </p:nvSpPr>
+          <p:spPr bwMode="auto">
+            <a:xfrm>
+              <a:off x="7545388" y="5762626"/>
+              <a:ext cx="185738" cy="331788"/>
+            </a:xfrm>
+            <a:custGeom>
+              <a:avLst/>
+              <a:gdLst>
+                <a:gd name="T0" fmla="*/ 2 w 65"/>
+                <a:gd name="T1" fmla="*/ 60 h 116"/>
+                <a:gd name="T2" fmla="*/ 2 w 65"/>
+                <a:gd name="T3" fmla="*/ 53 h 116"/>
+                <a:gd name="T4" fmla="*/ 12 w 65"/>
+                <a:gd name="T5" fmla="*/ 44 h 116"/>
+                <a:gd name="T6" fmla="*/ 55 w 65"/>
+                <a:gd name="T7" fmla="*/ 2 h 116"/>
+                <a:gd name="T8" fmla="*/ 62 w 65"/>
+                <a:gd name="T9" fmla="*/ 2 h 116"/>
+                <a:gd name="T10" fmla="*/ 62 w 65"/>
+                <a:gd name="T11" fmla="*/ 9 h 116"/>
+                <a:gd name="T12" fmla="*/ 18 w 65"/>
+                <a:gd name="T13" fmla="*/ 53 h 116"/>
+                <a:gd name="T14" fmla="*/ 18 w 65"/>
+                <a:gd name="T15" fmla="*/ 60 h 116"/>
+                <a:gd name="T16" fmla="*/ 63 w 65"/>
+                <a:gd name="T17" fmla="*/ 106 h 116"/>
+                <a:gd name="T18" fmla="*/ 63 w 65"/>
+                <a:gd name="T19" fmla="*/ 114 h 116"/>
+                <a:gd name="T20" fmla="*/ 56 w 65"/>
+                <a:gd name="T21" fmla="*/ 114 h 116"/>
+                <a:gd name="T22" fmla="*/ 12 w 65"/>
+                <a:gd name="T23" fmla="*/ 72 h 116"/>
+                <a:gd name="T24" fmla="*/ 12 w 65"/>
+                <a:gd name="T25" fmla="*/ 71 h 116"/>
+                <a:gd name="T26" fmla="*/ 2 w 65"/>
+                <a:gd name="T27" fmla="*/ 60 h 116"/>
+              </a:gdLst>
+              <a:ahLst/>
+              <a:cxnLst>
+                <a:cxn ang="0">
+                  <a:pos x="T0" y="T1"/>
+                </a:cxn>
+                <a:cxn ang="0">
+                  <a:pos x="T2" y="T3"/>
+                </a:cxn>
+                <a:cxn ang="0">
+                  <a:pos x="T4" y="T5"/>
+                </a:cxn>
+                <a:cxn ang="0">
+                  <a:pos x="T6" y="T7"/>
+                </a:cxn>
+                <a:cxn ang="0">
+                  <a:pos x="T8" y="T9"/>
+                </a:cxn>
+                <a:cxn ang="0">
+                  <a:pos x="T10" y="T11"/>
+                </a:cxn>
+                <a:cxn ang="0">
+                  <a:pos x="T12" y="T13"/>
+                </a:cxn>
+                <a:cxn ang="0">
+                  <a:pos x="T14" y="T15"/>
+                </a:cxn>
+                <a:cxn ang="0">
+                  <a:pos x="T16" y="T17"/>
+                </a:cxn>
+                <a:cxn ang="0">
+                  <a:pos x="T18" y="T19"/>
+                </a:cxn>
+                <a:cxn ang="0">
+                  <a:pos x="T20" y="T21"/>
+                </a:cxn>
+                <a:cxn ang="0">
+                  <a:pos x="T22" y="T23"/>
+                </a:cxn>
+                <a:cxn ang="0">
+                  <a:pos x="T24" y="T25"/>
+                </a:cxn>
+                <a:cxn ang="0">
+                  <a:pos x="T26" y="T27"/>
+                </a:cxn>
+              </a:cxnLst>
+              <a:rect l="0" t="0" r="r" b="b"/>
+              <a:pathLst>
+                <a:path w="65" h="116">
+                  <a:moveTo>
+                    <a:pt x="2" y="60"/>
+                  </a:moveTo>
+                  <a:cubicBezTo>
+                    <a:pt x="0" y="58"/>
+                    <a:pt x="1" y="55"/>
+                    <a:pt x="2" y="53"/>
+                  </a:cubicBezTo>
+                  <a:cubicBezTo>
+                    <a:pt x="12" y="44"/>
+                    <a:pt x="12" y="44"/>
+                    <a:pt x="12" y="44"/>
+                  </a:cubicBezTo>
+                  <a:cubicBezTo>
+                    <a:pt x="55" y="2"/>
+                    <a:pt x="55" y="2"/>
+                    <a:pt x="55" y="2"/>
+                  </a:cubicBezTo>
+                  <a:cubicBezTo>
+                    <a:pt x="57" y="0"/>
+                    <a:pt x="60" y="0"/>
+                    <a:pt x="62" y="2"/>
+                  </a:cubicBezTo>
+                  <a:cubicBezTo>
+                    <a:pt x="64" y="4"/>
+                    <a:pt x="64" y="7"/>
+                    <a:pt x="62" y="9"/>
+                  </a:cubicBezTo>
+                  <a:cubicBezTo>
+                    <a:pt x="18" y="53"/>
+                    <a:pt x="18" y="53"/>
+                    <a:pt x="18" y="53"/>
+                  </a:cubicBezTo>
+                  <a:cubicBezTo>
+                    <a:pt x="16" y="55"/>
+                    <a:pt x="16" y="58"/>
+                    <a:pt x="18" y="60"/>
+                  </a:cubicBezTo>
+                  <a:cubicBezTo>
+                    <a:pt x="63" y="106"/>
+                    <a:pt x="63" y="106"/>
+                    <a:pt x="63" y="106"/>
+                  </a:cubicBezTo>
+                  <a:cubicBezTo>
+                    <a:pt x="65" y="108"/>
+                    <a:pt x="65" y="112"/>
+                    <a:pt x="63" y="114"/>
+                  </a:cubicBezTo>
+                  <a:cubicBezTo>
+                    <a:pt x="61" y="116"/>
+                    <a:pt x="58" y="115"/>
+                    <a:pt x="56" y="114"/>
+                  </a:cubicBezTo>
+                  <a:cubicBezTo>
+                    <a:pt x="12" y="72"/>
+                    <a:pt x="12" y="72"/>
+                    <a:pt x="12" y="72"/>
+                  </a:cubicBezTo>
+                  <a:cubicBezTo>
+                    <a:pt x="12" y="72"/>
+                    <a:pt x="12" y="72"/>
+                    <a:pt x="12" y="71"/>
+                  </a:cubicBezTo>
+                  <a:lnTo>
+                    <a:pt x="2" y="60"/>
+                  </a:lnTo>
+                  <a:close/>
+                </a:path>
+              </a:pathLst>
+            </a:custGeom>
+            <a:solidFill>
+              <a:srgbClr val="3999C6"/>
+            </a:solidFill>
+            <a:ln>
+              <a:noFill/>
+            </a:ln>
+            <a:extLst>
+              <a:ext uri="{91240B29-F687-4F45-9708-019B960494DF}">
+                <a14:hiddenLine xmlns:a14="http://schemas.microsoft.com/office/drawing/2010/main" w="9525">
+                  <a:solidFill>
+                    <a:srgbClr val="000000"/>
+                  </a:solidFill>
+                  <a:round/>
+                  <a:headEnd/>
+                  <a:tailEnd/>
+                </a14:hiddenLine>
+              </a:ext>
+            </a:extLst>
+          </p:spPr>
+          <p:txBody>
+            <a:bodyPr vert="horz" wrap="square" lIns="91440" tIns="45720" rIns="91440" bIns="45720" numCol="1" anchor="t" anchorCtr="0" compatLnSpc="1">
+              <a:prstTxWarp prst="textNoShape">
+                <a:avLst/>
+              </a:prstTxWarp>
+            </a:bodyPr>
+            <a:lstStyle/>
+            <a:p>
+              <a:endParaRPr lang="ja-JP" altLang="en-US" sz="2400">
+                <a:latin typeface="Yu Gothic UI" panose="020B0500000000000000" pitchFamily="50" charset="-128"/>
+                <a:ea typeface="Yu Gothic UI" panose="020B0500000000000000" pitchFamily="50" charset="-128"/>
+              </a:endParaRPr>
+            </a:p>
+          </p:txBody>
+        </p:sp>
+        <p:sp>
+          <p:nvSpPr>
+            <p:cNvPr id="67" name="Freeform 2169">
+              <a:extLst>
+                <a:ext uri="{FF2B5EF4-FFF2-40B4-BE49-F238E27FC236}">
+                  <a16:creationId xmlns:a16="http://schemas.microsoft.com/office/drawing/2014/main" id="{91D1A452-2D74-880A-1FA9-5232D8DE618F}"/>
+                </a:ext>
+              </a:extLst>
+            </p:cNvPr>
+            <p:cNvSpPr>
+              <a:spLocks/>
+            </p:cNvSpPr>
+            <p:nvPr/>
+          </p:nvSpPr>
+          <p:spPr bwMode="auto">
+            <a:xfrm>
+              <a:off x="7680325" y="5889626"/>
+              <a:ext cx="76200" cy="74613"/>
+            </a:xfrm>
+            <a:custGeom>
+              <a:avLst/>
+              <a:gdLst>
+                <a:gd name="T0" fmla="*/ 27 w 27"/>
+                <a:gd name="T1" fmla="*/ 13 h 26"/>
+                <a:gd name="T2" fmla="*/ 14 w 27"/>
+                <a:gd name="T3" fmla="*/ 26 h 26"/>
+                <a:gd name="T4" fmla="*/ 0 w 27"/>
+                <a:gd name="T5" fmla="*/ 13 h 26"/>
+                <a:gd name="T6" fmla="*/ 14 w 27"/>
+                <a:gd name="T7" fmla="*/ 0 h 26"/>
+                <a:gd name="T8" fmla="*/ 27 w 27"/>
+                <a:gd name="T9" fmla="*/ 13 h 26"/>
+              </a:gdLst>
+              <a:ahLst/>
+              <a:cxnLst>
+                <a:cxn ang="0">
+                  <a:pos x="T0" y="T1"/>
+                </a:cxn>
+                <a:cxn ang="0">
+                  <a:pos x="T2" y="T3"/>
+                </a:cxn>
+                <a:cxn ang="0">
+                  <a:pos x="T4" y="T5"/>
+                </a:cxn>
+                <a:cxn ang="0">
+                  <a:pos x="T6" y="T7"/>
+                </a:cxn>
+                <a:cxn ang="0">
+                  <a:pos x="T8" y="T9"/>
+                </a:cxn>
+              </a:cxnLst>
+              <a:rect l="0" t="0" r="r" b="b"/>
+              <a:pathLst>
+                <a:path w="27" h="26">
+                  <a:moveTo>
+                    <a:pt x="27" y="13"/>
+                  </a:moveTo>
+                  <a:cubicBezTo>
+                    <a:pt x="27" y="20"/>
+                    <a:pt x="21" y="26"/>
+                    <a:pt x="14" y="26"/>
+                  </a:cubicBezTo>
+                  <a:cubicBezTo>
+                    <a:pt x="7" y="26"/>
+                    <a:pt x="0" y="20"/>
+                    <a:pt x="0" y="13"/>
+                  </a:cubicBezTo>
+                  <a:cubicBezTo>
+                    <a:pt x="0" y="6"/>
+                    <a:pt x="5" y="0"/>
+                    <a:pt x="14" y="0"/>
+                  </a:cubicBezTo>
+                  <a:cubicBezTo>
+                    <a:pt x="22" y="0"/>
+                    <a:pt x="27" y="6"/>
+                    <a:pt x="27" y="13"/>
+                  </a:cubicBezTo>
+                  <a:close/>
+                </a:path>
+              </a:pathLst>
+            </a:custGeom>
+            <a:solidFill>
+              <a:srgbClr val="7FBA00"/>
+            </a:solidFill>
+            <a:ln>
+              <a:noFill/>
+            </a:ln>
+            <a:extLst>
+              <a:ext uri="{91240B29-F687-4F45-9708-019B960494DF}">
+                <a14:hiddenLine xmlns:a14="http://schemas.microsoft.com/office/drawing/2010/main" w="9525">
+                  <a:solidFill>
+                    <a:srgbClr val="000000"/>
+                  </a:solidFill>
+                  <a:round/>
+                  <a:headEnd/>
+                  <a:tailEnd/>
+                </a14:hiddenLine>
+              </a:ext>
+            </a:extLst>
+          </p:spPr>
+          <p:txBody>
+            <a:bodyPr vert="horz" wrap="square" lIns="91440" tIns="45720" rIns="91440" bIns="45720" numCol="1" anchor="t" anchorCtr="0" compatLnSpc="1">
+              <a:prstTxWarp prst="textNoShape">
+                <a:avLst/>
+              </a:prstTxWarp>
+            </a:bodyPr>
+            <a:lstStyle/>
+            <a:p>
+              <a:endParaRPr lang="ja-JP" altLang="en-US" sz="2400">
+                <a:latin typeface="Yu Gothic UI" panose="020B0500000000000000" pitchFamily="50" charset="-128"/>
+                <a:ea typeface="Yu Gothic UI" panose="020B0500000000000000" pitchFamily="50" charset="-128"/>
+              </a:endParaRPr>
+            </a:p>
+          </p:txBody>
+        </p:sp>
+        <p:sp>
+          <p:nvSpPr>
+            <p:cNvPr id="68" name="Freeform 2170">
+              <a:extLst>
+                <a:ext uri="{FF2B5EF4-FFF2-40B4-BE49-F238E27FC236}">
+                  <a16:creationId xmlns:a16="http://schemas.microsoft.com/office/drawing/2014/main" id="{D965A804-9FB7-757B-E52D-C996B7FE2433}"/>
+                </a:ext>
+              </a:extLst>
+            </p:cNvPr>
+            <p:cNvSpPr>
+              <a:spLocks/>
+            </p:cNvSpPr>
+            <p:nvPr/>
+          </p:nvSpPr>
+          <p:spPr bwMode="auto">
+            <a:xfrm>
+              <a:off x="7794625" y="5889626"/>
+              <a:ext cx="76200" cy="74613"/>
+            </a:xfrm>
+            <a:custGeom>
+              <a:avLst/>
+              <a:gdLst>
+                <a:gd name="T0" fmla="*/ 27 w 27"/>
+                <a:gd name="T1" fmla="*/ 13 h 26"/>
+                <a:gd name="T2" fmla="*/ 14 w 27"/>
+                <a:gd name="T3" fmla="*/ 26 h 26"/>
+                <a:gd name="T4" fmla="*/ 0 w 27"/>
+                <a:gd name="T5" fmla="*/ 13 h 26"/>
+                <a:gd name="T6" fmla="*/ 14 w 27"/>
+                <a:gd name="T7" fmla="*/ 0 h 26"/>
+                <a:gd name="T8" fmla="*/ 27 w 27"/>
+                <a:gd name="T9" fmla="*/ 13 h 26"/>
+              </a:gdLst>
+              <a:ahLst/>
+              <a:cxnLst>
+                <a:cxn ang="0">
+                  <a:pos x="T0" y="T1"/>
+                </a:cxn>
+                <a:cxn ang="0">
+                  <a:pos x="T2" y="T3"/>
+                </a:cxn>
+                <a:cxn ang="0">
+                  <a:pos x="T4" y="T5"/>
+                </a:cxn>
+                <a:cxn ang="0">
+                  <a:pos x="T6" y="T7"/>
+                </a:cxn>
+                <a:cxn ang="0">
+                  <a:pos x="T8" y="T9"/>
+                </a:cxn>
+              </a:cxnLst>
+              <a:rect l="0" t="0" r="r" b="b"/>
+              <a:pathLst>
+                <a:path w="27" h="26">
+                  <a:moveTo>
+                    <a:pt x="27" y="13"/>
+                  </a:moveTo>
+                  <a:cubicBezTo>
+                    <a:pt x="27" y="20"/>
+                    <a:pt x="21" y="26"/>
+                    <a:pt x="14" y="26"/>
+                  </a:cubicBezTo>
+                  <a:cubicBezTo>
+                    <a:pt x="7" y="26"/>
+                    <a:pt x="0" y="20"/>
+                    <a:pt x="0" y="13"/>
+                  </a:cubicBezTo>
+                  <a:cubicBezTo>
+                    <a:pt x="0" y="6"/>
+                    <a:pt x="7" y="0"/>
+                    <a:pt x="14" y="0"/>
+                  </a:cubicBezTo>
+                  <a:cubicBezTo>
+                    <a:pt x="22" y="0"/>
+                    <a:pt x="27" y="6"/>
+                    <a:pt x="27" y="13"/>
+                  </a:cubicBezTo>
+                  <a:close/>
+                </a:path>
+              </a:pathLst>
+            </a:custGeom>
+            <a:solidFill>
+              <a:srgbClr val="7FBA00"/>
+            </a:solidFill>
+            <a:ln>
+              <a:noFill/>
+            </a:ln>
+            <a:extLst>
+              <a:ext uri="{91240B29-F687-4F45-9708-019B960494DF}">
+                <a14:hiddenLine xmlns:a14="http://schemas.microsoft.com/office/drawing/2010/main" w="9525">
+                  <a:solidFill>
+                    <a:srgbClr val="000000"/>
+                  </a:solidFill>
+                  <a:round/>
+                  <a:headEnd/>
+                  <a:tailEnd/>
+                </a14:hiddenLine>
+              </a:ext>
+            </a:extLst>
+          </p:spPr>
+          <p:txBody>
+            <a:bodyPr vert="horz" wrap="square" lIns="91440" tIns="45720" rIns="91440" bIns="45720" numCol="1" anchor="t" anchorCtr="0" compatLnSpc="1">
+              <a:prstTxWarp prst="textNoShape">
+                <a:avLst/>
+              </a:prstTxWarp>
+            </a:bodyPr>
+            <a:lstStyle/>
+            <a:p>
+              <a:endParaRPr lang="ja-JP" altLang="en-US" sz="2400">
+                <a:latin typeface="Yu Gothic UI" panose="020B0500000000000000" pitchFamily="50" charset="-128"/>
+                <a:ea typeface="Yu Gothic UI" panose="020B0500000000000000" pitchFamily="50" charset="-128"/>
+              </a:endParaRPr>
+            </a:p>
+          </p:txBody>
+        </p:sp>
+        <p:sp>
+          <p:nvSpPr>
+            <p:cNvPr id="69" name="Oval 2171">
+              <a:extLst>
+                <a:ext uri="{FF2B5EF4-FFF2-40B4-BE49-F238E27FC236}">
+                  <a16:creationId xmlns:a16="http://schemas.microsoft.com/office/drawing/2014/main" id="{A401DB27-1603-5B13-B228-E243DAA777BD}"/>
+                </a:ext>
+              </a:extLst>
+            </p:cNvPr>
+            <p:cNvSpPr>
+              <a:spLocks noChangeArrowheads="1"/>
+            </p:cNvSpPr>
+            <p:nvPr/>
+          </p:nvSpPr>
+          <p:spPr bwMode="auto">
+            <a:xfrm>
+              <a:off x="7913688" y="5889626"/>
+              <a:ext cx="74613" cy="74613"/>
+            </a:xfrm>
+            <a:prstGeom prst="ellipse">
+              <a:avLst/>
+            </a:prstGeom>
+            <a:solidFill>
+              <a:srgbClr val="7FBA00"/>
+            </a:solidFill>
+            <a:ln>
+              <a:noFill/>
+            </a:ln>
+            <a:extLst>
+              <a:ext uri="{91240B29-F687-4F45-9708-019B960494DF}">
+                <a14:hiddenLine xmlns:a14="http://schemas.microsoft.com/office/drawing/2010/main" w="9525">
+                  <a:solidFill>
+                    <a:srgbClr val="000000"/>
+                  </a:solidFill>
+                  <a:round/>
+                  <a:headEnd/>
+                  <a:tailEnd/>
+                </a14:hiddenLine>
+              </a:ext>
+            </a:extLst>
+          </p:spPr>
+          <p:txBody>
+            <a:bodyPr vert="horz" wrap="square" lIns="91440" tIns="45720" rIns="91440" bIns="45720" numCol="1" anchor="t" anchorCtr="0" compatLnSpc="1">
+              <a:prstTxWarp prst="textNoShape">
+                <a:avLst/>
+              </a:prstTxWarp>
+            </a:bodyPr>
+            <a:lstStyle/>
+            <a:p>
+              <a:endParaRPr lang="ja-JP" altLang="en-US" sz="2400">
+                <a:latin typeface="Yu Gothic UI" panose="020B0500000000000000" pitchFamily="50" charset="-128"/>
+                <a:ea typeface="Yu Gothic UI" panose="020B0500000000000000" pitchFamily="50" charset="-128"/>
+              </a:endParaRPr>
+            </a:p>
+          </p:txBody>
+        </p:sp>
+      </p:grpSp>
+      <p:pic>
+        <p:nvPicPr>
+          <p:cNvPr id="100" name="グラフィックス 99">
+            <a:extLst>
+              <a:ext uri="{FF2B5EF4-FFF2-40B4-BE49-F238E27FC236}">
+                <a16:creationId xmlns:a16="http://schemas.microsoft.com/office/drawing/2014/main" id="{0A513462-7EC3-391C-3396-E12CDAAF8A23}"/>
+              </a:ext>
+            </a:extLst>
+          </p:cNvPr>
+          <p:cNvPicPr>
+            <a:picLocks noChangeAspect="1"/>
+          </p:cNvPicPr>
+          <p:nvPr/>
+        </p:nvPicPr>
+        <p:blipFill>
+          <a:blip r:embed="rId8">
+            <a:extLst>
+              <a:ext uri="{28A0092B-C50C-407E-A947-70E740481C1C}">
+                <a14:useLocalDpi xmlns:a14="http://schemas.microsoft.com/office/drawing/2010/main" val="0"/>
+              </a:ext>
+              <a:ext uri="{96DAC541-7B7A-43D3-8B79-37D633B846F1}">
+                <asvg:svgBlip xmlns:asvg="http://schemas.microsoft.com/office/drawing/2016/SVG/main" r:embed="rId9"/>
+              </a:ext>
+            </a:extLst>
+          </a:blip>
+          <a:stretch>
+            <a:fillRect/>
+          </a:stretch>
+        </p:blipFill>
+        <p:spPr>
+          <a:xfrm>
+            <a:off x="5963856" y="4194279"/>
+            <a:ext cx="171450" cy="171450"/>
+          </a:xfrm>
+          <a:prstGeom prst="rect">
+            <a:avLst/>
+          </a:prstGeom>
+        </p:spPr>
+      </p:pic>
+      <p:sp>
+        <p:nvSpPr>
+          <p:cNvPr id="101" name="テキスト ボックス 100">
+            <a:extLst>
+              <a:ext uri="{FF2B5EF4-FFF2-40B4-BE49-F238E27FC236}">
+                <a16:creationId xmlns:a16="http://schemas.microsoft.com/office/drawing/2014/main" id="{58BBA160-BE37-240C-B330-1DB1D1B251FC}"/>
+              </a:ext>
+            </a:extLst>
+          </p:cNvPr>
+          <p:cNvSpPr txBox="1"/>
+          <p:nvPr/>
+        </p:nvSpPr>
+        <p:spPr>
+          <a:xfrm>
+            <a:off x="6139986" y="4127231"/>
+            <a:ext cx="628822" cy="246221"/>
+          </a:xfrm>
+          <a:prstGeom prst="rect">
+            <a:avLst/>
+          </a:prstGeom>
+          <a:noFill/>
+        </p:spPr>
+        <p:txBody>
+          <a:bodyPr wrap="square" lIns="0" tIns="0" rIns="0" bIns="0" rtlCol="0">
+            <a:spAutoFit/>
+          </a:bodyPr>
+          <a:lstStyle/>
+          <a:p>
+            <a:r>
+              <a:rPr kumimoji="1" lang="en-US" altLang="ja-JP" sz="800" dirty="0">
+                <a:latin typeface="Yu Gothic UI" panose="020B0500000000000000" pitchFamily="50" charset="-128"/>
+                <a:ea typeface="Yu Gothic UI" panose="020B0500000000000000" pitchFamily="50" charset="-128"/>
+              </a:rPr>
+              <a:t>snet-web</a:t>
+            </a:r>
+          </a:p>
+          <a:p>
+            <a:r>
+              <a:rPr kumimoji="1" lang="en-US" altLang="ja-JP" sz="800" dirty="0">
+                <a:latin typeface="Yu Gothic UI" panose="020B0500000000000000" pitchFamily="50" charset="-128"/>
+                <a:ea typeface="Yu Gothic UI" panose="020B0500000000000000" pitchFamily="50" charset="-128"/>
+              </a:rPr>
+              <a:t>(</a:t>
+            </a:r>
+            <a:r>
+              <a:rPr kumimoji="1" lang="ja-JP" altLang="en-US" sz="800" dirty="0">
+                <a:latin typeface="Yu Gothic UI" panose="020B0500000000000000" pitchFamily="50" charset="-128"/>
+                <a:ea typeface="Yu Gothic UI" panose="020B0500000000000000" pitchFamily="50" charset="-128"/>
+              </a:rPr>
+              <a:t>サブネット</a:t>
+            </a:r>
+            <a:r>
+              <a:rPr kumimoji="1" lang="en-US" altLang="ja-JP" sz="800" dirty="0">
+                <a:latin typeface="Yu Gothic UI" panose="020B0500000000000000" pitchFamily="50" charset="-128"/>
+                <a:ea typeface="Yu Gothic UI" panose="020B0500000000000000" pitchFamily="50" charset="-128"/>
+              </a:rPr>
+              <a:t>)</a:t>
+            </a:r>
+            <a:endParaRPr kumimoji="1" lang="en-US" sz="800" dirty="0">
+              <a:latin typeface="Yu Gothic UI" panose="020B0500000000000000" pitchFamily="50" charset="-128"/>
+              <a:ea typeface="Yu Gothic UI" panose="020B0500000000000000" pitchFamily="50" charset="-128"/>
+            </a:endParaRPr>
+          </a:p>
+        </p:txBody>
+      </p:sp>
+      <p:sp>
+        <p:nvSpPr>
+          <p:cNvPr id="102" name="正方形/長方形 101">
+            <a:extLst>
+              <a:ext uri="{FF2B5EF4-FFF2-40B4-BE49-F238E27FC236}">
+                <a16:creationId xmlns:a16="http://schemas.microsoft.com/office/drawing/2014/main" id="{82997E9F-E7BE-77CE-7F9D-77BF526448CA}"/>
+              </a:ext>
+            </a:extLst>
+          </p:cNvPr>
+          <p:cNvSpPr/>
+          <p:nvPr/>
+        </p:nvSpPr>
+        <p:spPr>
+          <a:xfrm>
+            <a:off x="7123243" y="4365728"/>
+            <a:ext cx="928913" cy="863085"/>
+          </a:xfrm>
+          <a:prstGeom prst="rect">
+            <a:avLst/>
+          </a:prstGeom>
+          <a:solidFill>
+            <a:schemeClr val="accent6">
+              <a:lumMod val="20000"/>
+              <a:lumOff val="80000"/>
+            </a:schemeClr>
+          </a:solidFill>
+          <a:ln>
+            <a:noFill/>
+          </a:ln>
+        </p:spPr>
+        <p:style>
+          <a:lnRef idx="2">
+            <a:schemeClr val="accent1">
+              <a:shade val="50000"/>
+            </a:schemeClr>
+          </a:lnRef>
+          <a:fillRef idx="1">
+            <a:schemeClr val="accent1"/>
+          </a:fillRef>
+          <a:effectRef idx="0">
+            <a:schemeClr val="accent1"/>
+          </a:effectRef>
+          <a:fontRef idx="minor">
+            <a:schemeClr val="lt1"/>
+          </a:fontRef>
+        </p:style>
+        <p:txBody>
+          <a:bodyPr rtlCol="0" anchor="ctr"/>
+          <a:lstStyle/>
+          <a:p>
+            <a:pPr algn="ctr"/>
+            <a:endParaRPr kumimoji="1" lang="en-US" sz="2400" dirty="0">
+              <a:latin typeface="Yu Gothic UI" panose="020B0500000000000000" pitchFamily="50" charset="-128"/>
+              <a:ea typeface="Yu Gothic UI" panose="020B0500000000000000" pitchFamily="50" charset="-128"/>
+            </a:endParaRPr>
+          </a:p>
+        </p:txBody>
+      </p:sp>
+      <p:pic>
+        <p:nvPicPr>
+          <p:cNvPr id="103" name="グラフィックス 102">
+            <a:extLst>
+              <a:ext uri="{FF2B5EF4-FFF2-40B4-BE49-F238E27FC236}">
+                <a16:creationId xmlns:a16="http://schemas.microsoft.com/office/drawing/2014/main" id="{EB8CD496-64AF-BEC5-D104-E525CC7E92B2}"/>
+              </a:ext>
+            </a:extLst>
+          </p:cNvPr>
+          <p:cNvPicPr>
+            <a:picLocks noChangeAspect="1"/>
+          </p:cNvPicPr>
+          <p:nvPr/>
+        </p:nvPicPr>
+        <p:blipFill>
+          <a:blip r:embed="rId8">
+            <a:extLst>
+              <a:ext uri="{28A0092B-C50C-407E-A947-70E740481C1C}">
+                <a14:useLocalDpi xmlns:a14="http://schemas.microsoft.com/office/drawing/2010/main" val="0"/>
+              </a:ext>
+              <a:ext uri="{96DAC541-7B7A-43D3-8B79-37D633B846F1}">
+                <asvg:svgBlip xmlns:asvg="http://schemas.microsoft.com/office/drawing/2016/SVG/main" r:embed="rId9"/>
+              </a:ext>
+            </a:extLst>
+          </a:blip>
+          <a:stretch>
+            <a:fillRect/>
+          </a:stretch>
+        </p:blipFill>
+        <p:spPr>
+          <a:xfrm>
+            <a:off x="7117862" y="4194279"/>
+            <a:ext cx="171450" cy="171450"/>
+          </a:xfrm>
+          <a:prstGeom prst="rect">
+            <a:avLst/>
+          </a:prstGeom>
+        </p:spPr>
+      </p:pic>
+      <p:sp>
+        <p:nvSpPr>
+          <p:cNvPr id="104" name="テキスト ボックス 103">
+            <a:extLst>
+              <a:ext uri="{FF2B5EF4-FFF2-40B4-BE49-F238E27FC236}">
+                <a16:creationId xmlns:a16="http://schemas.microsoft.com/office/drawing/2014/main" id="{ACB8A799-EED8-50D3-4B38-FF573E57C2A8}"/>
+              </a:ext>
+            </a:extLst>
+          </p:cNvPr>
+          <p:cNvSpPr txBox="1"/>
+          <p:nvPr/>
+        </p:nvSpPr>
+        <p:spPr>
+          <a:xfrm>
+            <a:off x="7293992" y="4127231"/>
+            <a:ext cx="628822" cy="246221"/>
+          </a:xfrm>
+          <a:prstGeom prst="rect">
+            <a:avLst/>
+          </a:prstGeom>
+          <a:noFill/>
+        </p:spPr>
+        <p:txBody>
+          <a:bodyPr wrap="square" lIns="0" tIns="0" rIns="0" bIns="0" rtlCol="0">
+            <a:spAutoFit/>
+          </a:bodyPr>
+          <a:lstStyle/>
+          <a:p>
+            <a:r>
+              <a:rPr kumimoji="1" lang="en-US" altLang="ja-JP" sz="800" dirty="0">
+                <a:latin typeface="Yu Gothic UI" panose="020B0500000000000000" pitchFamily="50" charset="-128"/>
+                <a:ea typeface="Yu Gothic UI" panose="020B0500000000000000" pitchFamily="50" charset="-128"/>
+              </a:rPr>
+              <a:t>snet-</a:t>
+            </a:r>
+            <a:r>
+              <a:rPr kumimoji="1" lang="en-US" altLang="ja-JP" sz="800" dirty="0" err="1">
+                <a:latin typeface="Yu Gothic UI" panose="020B0500000000000000" pitchFamily="50" charset="-128"/>
+                <a:ea typeface="Yu Gothic UI" panose="020B0500000000000000" pitchFamily="50" charset="-128"/>
+              </a:rPr>
+              <a:t>cms</a:t>
+            </a:r>
+            <a:endParaRPr kumimoji="1" lang="en-US" altLang="ja-JP" sz="800" dirty="0">
+              <a:latin typeface="Yu Gothic UI" panose="020B0500000000000000" pitchFamily="50" charset="-128"/>
+              <a:ea typeface="Yu Gothic UI" panose="020B0500000000000000" pitchFamily="50" charset="-128"/>
+            </a:endParaRPr>
+          </a:p>
+          <a:p>
+            <a:r>
+              <a:rPr kumimoji="1" lang="en-US" altLang="ja-JP" sz="800" dirty="0">
+                <a:latin typeface="Yu Gothic UI" panose="020B0500000000000000" pitchFamily="50" charset="-128"/>
+                <a:ea typeface="Yu Gothic UI" panose="020B0500000000000000" pitchFamily="50" charset="-128"/>
+              </a:rPr>
+              <a:t>(</a:t>
+            </a:r>
+            <a:r>
+              <a:rPr kumimoji="1" lang="ja-JP" altLang="en-US" sz="800" dirty="0">
+                <a:latin typeface="Yu Gothic UI" panose="020B0500000000000000" pitchFamily="50" charset="-128"/>
+                <a:ea typeface="Yu Gothic UI" panose="020B0500000000000000" pitchFamily="50" charset="-128"/>
+              </a:rPr>
+              <a:t>サブネット</a:t>
+            </a:r>
+            <a:r>
+              <a:rPr kumimoji="1" lang="en-US" altLang="ja-JP" sz="800" dirty="0">
+                <a:latin typeface="Yu Gothic UI" panose="020B0500000000000000" pitchFamily="50" charset="-128"/>
+                <a:ea typeface="Yu Gothic UI" panose="020B0500000000000000" pitchFamily="50" charset="-128"/>
+              </a:rPr>
+              <a:t>)</a:t>
+            </a:r>
+            <a:endParaRPr kumimoji="1" lang="en-US" sz="800" dirty="0">
+              <a:latin typeface="Yu Gothic UI" panose="020B0500000000000000" pitchFamily="50" charset="-128"/>
+              <a:ea typeface="Yu Gothic UI" panose="020B0500000000000000" pitchFamily="50" charset="-128"/>
+            </a:endParaRPr>
+          </a:p>
+        </p:txBody>
+      </p:sp>
+      <p:sp>
+        <p:nvSpPr>
+          <p:cNvPr id="107" name="正方形/長方形 106">
+            <a:extLst>
+              <a:ext uri="{FF2B5EF4-FFF2-40B4-BE49-F238E27FC236}">
+                <a16:creationId xmlns:a16="http://schemas.microsoft.com/office/drawing/2014/main" id="{EBF2210F-1367-E215-2F25-D41DD893E3AA}"/>
+              </a:ext>
+            </a:extLst>
+          </p:cNvPr>
+          <p:cNvSpPr/>
+          <p:nvPr/>
+        </p:nvSpPr>
+        <p:spPr>
+          <a:xfrm>
+            <a:off x="5256991" y="1534528"/>
+            <a:ext cx="3404292" cy="1072979"/>
+          </a:xfrm>
+          <a:prstGeom prst="rect">
+            <a:avLst/>
+          </a:prstGeom>
+          <a:noFill/>
+          <a:ln>
+            <a:solidFill>
+              <a:schemeClr val="accent6"/>
+            </a:solidFill>
+          </a:ln>
+        </p:spPr>
+        <p:style>
+          <a:lnRef idx="2">
+            <a:schemeClr val="accent1">
+              <a:shade val="50000"/>
+            </a:schemeClr>
+          </a:lnRef>
+          <a:fillRef idx="1">
+            <a:schemeClr val="accent1"/>
+          </a:fillRef>
+          <a:effectRef idx="0">
+            <a:schemeClr val="accent1"/>
+          </a:effectRef>
+          <a:fontRef idx="minor">
+            <a:schemeClr val="lt1"/>
+          </a:fontRef>
+        </p:style>
+        <p:txBody>
+          <a:bodyPr rtlCol="0" anchor="ctr"/>
+          <a:lstStyle/>
+          <a:p>
+            <a:pPr algn="ctr"/>
+            <a:endParaRPr kumimoji="1" lang="ja-JP" altLang="en-US">
+              <a:latin typeface="Yu Gothic UI" panose="020B0500000000000000" pitchFamily="50" charset="-128"/>
+              <a:ea typeface="Yu Gothic UI" panose="020B0500000000000000" pitchFamily="50" charset="-128"/>
+            </a:endParaRPr>
+          </a:p>
+        </p:txBody>
+      </p:sp>
+      <p:grpSp>
+        <p:nvGrpSpPr>
+          <p:cNvPr id="108" name="グループ化 107">
+            <a:extLst>
+              <a:ext uri="{FF2B5EF4-FFF2-40B4-BE49-F238E27FC236}">
+                <a16:creationId xmlns:a16="http://schemas.microsoft.com/office/drawing/2014/main" id="{F03429C1-D0AD-1F13-5E20-D5F1529D995D}"/>
+              </a:ext>
+            </a:extLst>
+          </p:cNvPr>
+          <p:cNvGrpSpPr/>
+          <p:nvPr/>
+        </p:nvGrpSpPr>
+        <p:grpSpPr>
+          <a:xfrm>
+            <a:off x="5205401" y="1349529"/>
+            <a:ext cx="281657" cy="161721"/>
+            <a:chOff x="7545388" y="5762626"/>
+            <a:chExt cx="577850" cy="331788"/>
+          </a:xfrm>
+        </p:grpSpPr>
+        <p:sp>
+          <p:nvSpPr>
+            <p:cNvPr id="109" name="Freeform 2167">
+              <a:extLst>
+                <a:ext uri="{FF2B5EF4-FFF2-40B4-BE49-F238E27FC236}">
+                  <a16:creationId xmlns:a16="http://schemas.microsoft.com/office/drawing/2014/main" id="{C6F9735E-FBFA-EB39-5E59-113004EE6AAD}"/>
+                </a:ext>
+              </a:extLst>
+            </p:cNvPr>
+            <p:cNvSpPr>
+              <a:spLocks/>
+            </p:cNvSpPr>
+            <p:nvPr/>
+          </p:nvSpPr>
+          <p:spPr bwMode="auto">
+            <a:xfrm>
+              <a:off x="7940675" y="5762626"/>
+              <a:ext cx="182563" cy="331788"/>
+            </a:xfrm>
+            <a:custGeom>
+              <a:avLst/>
+              <a:gdLst>
+                <a:gd name="T0" fmla="*/ 62 w 64"/>
+                <a:gd name="T1" fmla="*/ 60 h 116"/>
+                <a:gd name="T2" fmla="*/ 62 w 64"/>
+                <a:gd name="T3" fmla="*/ 53 h 116"/>
+                <a:gd name="T4" fmla="*/ 52 w 64"/>
+                <a:gd name="T5" fmla="*/ 44 h 116"/>
+                <a:gd name="T6" fmla="*/ 9 w 64"/>
+                <a:gd name="T7" fmla="*/ 2 h 116"/>
+                <a:gd name="T8" fmla="*/ 2 w 64"/>
+                <a:gd name="T9" fmla="*/ 2 h 116"/>
+                <a:gd name="T10" fmla="*/ 2 w 64"/>
+                <a:gd name="T11" fmla="*/ 9 h 116"/>
+                <a:gd name="T12" fmla="*/ 48 w 64"/>
+                <a:gd name="T13" fmla="*/ 53 h 116"/>
+                <a:gd name="T14" fmla="*/ 48 w 64"/>
+                <a:gd name="T15" fmla="*/ 60 h 116"/>
+                <a:gd name="T16" fmla="*/ 2 w 64"/>
+                <a:gd name="T17" fmla="*/ 106 h 116"/>
+                <a:gd name="T18" fmla="*/ 2 w 64"/>
+                <a:gd name="T19" fmla="*/ 114 h 116"/>
+                <a:gd name="T20" fmla="*/ 8 w 64"/>
+                <a:gd name="T21" fmla="*/ 114 h 116"/>
+                <a:gd name="T22" fmla="*/ 51 w 64"/>
+                <a:gd name="T23" fmla="*/ 71 h 116"/>
+                <a:gd name="T24" fmla="*/ 52 w 64"/>
+                <a:gd name="T25" fmla="*/ 71 h 116"/>
+                <a:gd name="T26" fmla="*/ 62 w 64"/>
+                <a:gd name="T27" fmla="*/ 60 h 116"/>
+              </a:gdLst>
+              <a:ahLst/>
+              <a:cxnLst>
+                <a:cxn ang="0">
+                  <a:pos x="T0" y="T1"/>
+                </a:cxn>
+                <a:cxn ang="0">
+                  <a:pos x="T2" y="T3"/>
+                </a:cxn>
+                <a:cxn ang="0">
+                  <a:pos x="T4" y="T5"/>
+                </a:cxn>
+                <a:cxn ang="0">
+                  <a:pos x="T6" y="T7"/>
+                </a:cxn>
+                <a:cxn ang="0">
+                  <a:pos x="T8" y="T9"/>
+                </a:cxn>
+                <a:cxn ang="0">
+                  <a:pos x="T10" y="T11"/>
+                </a:cxn>
+                <a:cxn ang="0">
+                  <a:pos x="T12" y="T13"/>
+                </a:cxn>
+                <a:cxn ang="0">
+                  <a:pos x="T14" y="T15"/>
+                </a:cxn>
+                <a:cxn ang="0">
+                  <a:pos x="T16" y="T17"/>
+                </a:cxn>
+                <a:cxn ang="0">
+                  <a:pos x="T18" y="T19"/>
+                </a:cxn>
+                <a:cxn ang="0">
+                  <a:pos x="T20" y="T21"/>
+                </a:cxn>
+                <a:cxn ang="0">
+                  <a:pos x="T22" y="T23"/>
+                </a:cxn>
+                <a:cxn ang="0">
+                  <a:pos x="T24" y="T25"/>
+                </a:cxn>
+                <a:cxn ang="0">
+                  <a:pos x="T26" y="T27"/>
+                </a:cxn>
+              </a:cxnLst>
+              <a:rect l="0" t="0" r="r" b="b"/>
+              <a:pathLst>
+                <a:path w="64" h="116">
+                  <a:moveTo>
+                    <a:pt x="62" y="60"/>
+                  </a:moveTo>
+                  <a:cubicBezTo>
+                    <a:pt x="64" y="58"/>
+                    <a:pt x="64" y="55"/>
+                    <a:pt x="62" y="53"/>
+                  </a:cubicBezTo>
+                  <a:cubicBezTo>
+                    <a:pt x="52" y="44"/>
+                    <a:pt x="52" y="44"/>
+                    <a:pt x="52" y="44"/>
+                  </a:cubicBezTo>
+                  <a:cubicBezTo>
+                    <a:pt x="9" y="2"/>
+                    <a:pt x="9" y="2"/>
+                    <a:pt x="9" y="2"/>
+                  </a:cubicBezTo>
+                  <a:cubicBezTo>
+                    <a:pt x="7" y="0"/>
+                    <a:pt x="4" y="0"/>
+                    <a:pt x="2" y="2"/>
+                  </a:cubicBezTo>
+                  <a:cubicBezTo>
+                    <a:pt x="0" y="4"/>
+                    <a:pt x="0" y="7"/>
+                    <a:pt x="2" y="9"/>
+                  </a:cubicBezTo>
+                  <a:cubicBezTo>
+                    <a:pt x="48" y="53"/>
+                    <a:pt x="48" y="53"/>
+                    <a:pt x="48" y="53"/>
+                  </a:cubicBezTo>
+                  <a:cubicBezTo>
+                    <a:pt x="50" y="55"/>
+                    <a:pt x="50" y="58"/>
+                    <a:pt x="48" y="60"/>
+                  </a:cubicBezTo>
+                  <a:cubicBezTo>
+                    <a:pt x="2" y="106"/>
+                    <a:pt x="2" y="106"/>
+                    <a:pt x="2" y="106"/>
+                  </a:cubicBezTo>
+                  <a:cubicBezTo>
+                    <a:pt x="0" y="108"/>
+                    <a:pt x="0" y="112"/>
+                    <a:pt x="2" y="114"/>
+                  </a:cubicBezTo>
+                  <a:cubicBezTo>
+                    <a:pt x="4" y="116"/>
+                    <a:pt x="7" y="115"/>
+                    <a:pt x="8" y="114"/>
+                  </a:cubicBezTo>
+                  <a:cubicBezTo>
+                    <a:pt x="51" y="71"/>
+                    <a:pt x="51" y="71"/>
+                    <a:pt x="51" y="71"/>
+                  </a:cubicBezTo>
+                  <a:cubicBezTo>
+                    <a:pt x="51" y="71"/>
+                    <a:pt x="51" y="71"/>
+                    <a:pt x="52" y="71"/>
+                  </a:cubicBezTo>
+                  <a:lnTo>
+                    <a:pt x="62" y="60"/>
+                  </a:lnTo>
+                  <a:close/>
+                </a:path>
+              </a:pathLst>
+            </a:custGeom>
+            <a:solidFill>
+              <a:srgbClr val="3999C6"/>
+            </a:solidFill>
+            <a:ln>
+              <a:noFill/>
+            </a:ln>
+            <a:extLst>
+              <a:ext uri="{91240B29-F687-4F45-9708-019B960494DF}">
+                <a14:hiddenLine xmlns:a14="http://schemas.microsoft.com/office/drawing/2010/main" w="9525">
+                  <a:solidFill>
+                    <a:srgbClr val="000000"/>
+                  </a:solidFill>
+                  <a:round/>
+                  <a:headEnd/>
+                  <a:tailEnd/>
+                </a14:hiddenLine>
+              </a:ext>
+            </a:extLst>
+          </p:spPr>
+          <p:txBody>
+            <a:bodyPr vert="horz" wrap="square" lIns="91440" tIns="45720" rIns="91440" bIns="45720" numCol="1" anchor="t" anchorCtr="0" compatLnSpc="1">
+              <a:prstTxWarp prst="textNoShape">
+                <a:avLst/>
+              </a:prstTxWarp>
+            </a:bodyPr>
+            <a:lstStyle/>
+            <a:p>
+              <a:endParaRPr lang="ja-JP" altLang="en-US" sz="2400">
+                <a:latin typeface="Yu Gothic UI" panose="020B0500000000000000" pitchFamily="50" charset="-128"/>
+                <a:ea typeface="Yu Gothic UI" panose="020B0500000000000000" pitchFamily="50" charset="-128"/>
+              </a:endParaRPr>
+            </a:p>
+          </p:txBody>
+        </p:sp>
+        <p:sp>
+          <p:nvSpPr>
+            <p:cNvPr id="110" name="Freeform 2168">
+              <a:extLst>
+                <a:ext uri="{FF2B5EF4-FFF2-40B4-BE49-F238E27FC236}">
+                  <a16:creationId xmlns:a16="http://schemas.microsoft.com/office/drawing/2014/main" id="{FAE6246A-AC14-199D-73B0-63FE4A104647}"/>
+                </a:ext>
+              </a:extLst>
+            </p:cNvPr>
+            <p:cNvSpPr>
+              <a:spLocks/>
+            </p:cNvSpPr>
+            <p:nvPr/>
+          </p:nvSpPr>
+          <p:spPr bwMode="auto">
+            <a:xfrm>
+              <a:off x="7545388" y="5762626"/>
+              <a:ext cx="185738" cy="331788"/>
+            </a:xfrm>
+            <a:custGeom>
+              <a:avLst/>
+              <a:gdLst>
+                <a:gd name="T0" fmla="*/ 2 w 65"/>
+                <a:gd name="T1" fmla="*/ 60 h 116"/>
+                <a:gd name="T2" fmla="*/ 2 w 65"/>
+                <a:gd name="T3" fmla="*/ 53 h 116"/>
+                <a:gd name="T4" fmla="*/ 12 w 65"/>
+                <a:gd name="T5" fmla="*/ 44 h 116"/>
+                <a:gd name="T6" fmla="*/ 55 w 65"/>
+                <a:gd name="T7" fmla="*/ 2 h 116"/>
+                <a:gd name="T8" fmla="*/ 62 w 65"/>
+                <a:gd name="T9" fmla="*/ 2 h 116"/>
+                <a:gd name="T10" fmla="*/ 62 w 65"/>
+                <a:gd name="T11" fmla="*/ 9 h 116"/>
+                <a:gd name="T12" fmla="*/ 18 w 65"/>
+                <a:gd name="T13" fmla="*/ 53 h 116"/>
+                <a:gd name="T14" fmla="*/ 18 w 65"/>
+                <a:gd name="T15" fmla="*/ 60 h 116"/>
+                <a:gd name="T16" fmla="*/ 63 w 65"/>
+                <a:gd name="T17" fmla="*/ 106 h 116"/>
+                <a:gd name="T18" fmla="*/ 63 w 65"/>
+                <a:gd name="T19" fmla="*/ 114 h 116"/>
+                <a:gd name="T20" fmla="*/ 56 w 65"/>
+                <a:gd name="T21" fmla="*/ 114 h 116"/>
+                <a:gd name="T22" fmla="*/ 12 w 65"/>
+                <a:gd name="T23" fmla="*/ 72 h 116"/>
+                <a:gd name="T24" fmla="*/ 12 w 65"/>
+                <a:gd name="T25" fmla="*/ 71 h 116"/>
+                <a:gd name="T26" fmla="*/ 2 w 65"/>
+                <a:gd name="T27" fmla="*/ 60 h 116"/>
+              </a:gdLst>
+              <a:ahLst/>
+              <a:cxnLst>
+                <a:cxn ang="0">
+                  <a:pos x="T0" y="T1"/>
+                </a:cxn>
+                <a:cxn ang="0">
+                  <a:pos x="T2" y="T3"/>
+                </a:cxn>
+                <a:cxn ang="0">
+                  <a:pos x="T4" y="T5"/>
+                </a:cxn>
+                <a:cxn ang="0">
+                  <a:pos x="T6" y="T7"/>
+                </a:cxn>
+                <a:cxn ang="0">
+                  <a:pos x="T8" y="T9"/>
+                </a:cxn>
+                <a:cxn ang="0">
+                  <a:pos x="T10" y="T11"/>
+                </a:cxn>
+                <a:cxn ang="0">
+                  <a:pos x="T12" y="T13"/>
+                </a:cxn>
+                <a:cxn ang="0">
+                  <a:pos x="T14" y="T15"/>
+                </a:cxn>
+                <a:cxn ang="0">
+                  <a:pos x="T16" y="T17"/>
+                </a:cxn>
+                <a:cxn ang="0">
+                  <a:pos x="T18" y="T19"/>
+                </a:cxn>
+                <a:cxn ang="0">
+                  <a:pos x="T20" y="T21"/>
+                </a:cxn>
+                <a:cxn ang="0">
+                  <a:pos x="T22" y="T23"/>
+                </a:cxn>
+                <a:cxn ang="0">
+                  <a:pos x="T24" y="T25"/>
+                </a:cxn>
+                <a:cxn ang="0">
+                  <a:pos x="T26" y="T27"/>
+                </a:cxn>
+              </a:cxnLst>
+              <a:rect l="0" t="0" r="r" b="b"/>
+              <a:pathLst>
+                <a:path w="65" h="116">
+                  <a:moveTo>
+                    <a:pt x="2" y="60"/>
+                  </a:moveTo>
+                  <a:cubicBezTo>
+                    <a:pt x="0" y="58"/>
+                    <a:pt x="1" y="55"/>
+                    <a:pt x="2" y="53"/>
+                  </a:cubicBezTo>
+                  <a:cubicBezTo>
+                    <a:pt x="12" y="44"/>
+                    <a:pt x="12" y="44"/>
+                    <a:pt x="12" y="44"/>
+                  </a:cubicBezTo>
+                  <a:cubicBezTo>
+                    <a:pt x="55" y="2"/>
+                    <a:pt x="55" y="2"/>
+                    <a:pt x="55" y="2"/>
+                  </a:cubicBezTo>
+                  <a:cubicBezTo>
+                    <a:pt x="57" y="0"/>
+                    <a:pt x="60" y="0"/>
+                    <a:pt x="62" y="2"/>
+                  </a:cubicBezTo>
+                  <a:cubicBezTo>
+                    <a:pt x="64" y="4"/>
+                    <a:pt x="64" y="7"/>
+                    <a:pt x="62" y="9"/>
+                  </a:cubicBezTo>
+                  <a:cubicBezTo>
+                    <a:pt x="18" y="53"/>
+                    <a:pt x="18" y="53"/>
+                    <a:pt x="18" y="53"/>
+                  </a:cubicBezTo>
+                  <a:cubicBezTo>
+                    <a:pt x="16" y="55"/>
+                    <a:pt x="16" y="58"/>
+                    <a:pt x="18" y="60"/>
+                  </a:cubicBezTo>
+                  <a:cubicBezTo>
+                    <a:pt x="63" y="106"/>
+                    <a:pt x="63" y="106"/>
+                    <a:pt x="63" y="106"/>
+                  </a:cubicBezTo>
+                  <a:cubicBezTo>
+                    <a:pt x="65" y="108"/>
+                    <a:pt x="65" y="112"/>
+                    <a:pt x="63" y="114"/>
+                  </a:cubicBezTo>
+                  <a:cubicBezTo>
+                    <a:pt x="61" y="116"/>
+                    <a:pt x="58" y="115"/>
+                    <a:pt x="56" y="114"/>
+                  </a:cubicBezTo>
+                  <a:cubicBezTo>
+                    <a:pt x="12" y="72"/>
+                    <a:pt x="12" y="72"/>
+                    <a:pt x="12" y="72"/>
+                  </a:cubicBezTo>
+                  <a:cubicBezTo>
+                    <a:pt x="12" y="72"/>
+                    <a:pt x="12" y="72"/>
+                    <a:pt x="12" y="71"/>
+                  </a:cubicBezTo>
+                  <a:lnTo>
+                    <a:pt x="2" y="60"/>
+                  </a:lnTo>
+                  <a:close/>
+                </a:path>
+              </a:pathLst>
+            </a:custGeom>
+            <a:solidFill>
+              <a:srgbClr val="3999C6"/>
+            </a:solidFill>
+            <a:ln>
+              <a:noFill/>
+            </a:ln>
+            <a:extLst>
+              <a:ext uri="{91240B29-F687-4F45-9708-019B960494DF}">
+                <a14:hiddenLine xmlns:a14="http://schemas.microsoft.com/office/drawing/2010/main" w="9525">
+                  <a:solidFill>
+                    <a:srgbClr val="000000"/>
+                  </a:solidFill>
+                  <a:round/>
+                  <a:headEnd/>
+                  <a:tailEnd/>
+                </a14:hiddenLine>
+              </a:ext>
+            </a:extLst>
+          </p:spPr>
+          <p:txBody>
+            <a:bodyPr vert="horz" wrap="square" lIns="91440" tIns="45720" rIns="91440" bIns="45720" numCol="1" anchor="t" anchorCtr="0" compatLnSpc="1">
+              <a:prstTxWarp prst="textNoShape">
+                <a:avLst/>
+              </a:prstTxWarp>
+            </a:bodyPr>
+            <a:lstStyle/>
+            <a:p>
+              <a:endParaRPr lang="ja-JP" altLang="en-US" sz="2400">
+                <a:latin typeface="Yu Gothic UI" panose="020B0500000000000000" pitchFamily="50" charset="-128"/>
+                <a:ea typeface="Yu Gothic UI" panose="020B0500000000000000" pitchFamily="50" charset="-128"/>
+              </a:endParaRPr>
+            </a:p>
+          </p:txBody>
+        </p:sp>
+        <p:sp>
+          <p:nvSpPr>
+            <p:cNvPr id="111" name="Freeform 2169">
+              <a:extLst>
+                <a:ext uri="{FF2B5EF4-FFF2-40B4-BE49-F238E27FC236}">
+                  <a16:creationId xmlns:a16="http://schemas.microsoft.com/office/drawing/2014/main" id="{891CC9F2-F373-164F-4459-170BBF0E70EA}"/>
+                </a:ext>
+              </a:extLst>
+            </p:cNvPr>
+            <p:cNvSpPr>
+              <a:spLocks/>
+            </p:cNvSpPr>
+            <p:nvPr/>
+          </p:nvSpPr>
+          <p:spPr bwMode="auto">
+            <a:xfrm>
+              <a:off x="7680325" y="5889626"/>
+              <a:ext cx="76200" cy="74613"/>
+            </a:xfrm>
+            <a:custGeom>
+              <a:avLst/>
+              <a:gdLst>
+                <a:gd name="T0" fmla="*/ 27 w 27"/>
+                <a:gd name="T1" fmla="*/ 13 h 26"/>
+                <a:gd name="T2" fmla="*/ 14 w 27"/>
+                <a:gd name="T3" fmla="*/ 26 h 26"/>
+                <a:gd name="T4" fmla="*/ 0 w 27"/>
+                <a:gd name="T5" fmla="*/ 13 h 26"/>
+                <a:gd name="T6" fmla="*/ 14 w 27"/>
+                <a:gd name="T7" fmla="*/ 0 h 26"/>
+                <a:gd name="T8" fmla="*/ 27 w 27"/>
+                <a:gd name="T9" fmla="*/ 13 h 26"/>
+              </a:gdLst>
+              <a:ahLst/>
+              <a:cxnLst>
+                <a:cxn ang="0">
+                  <a:pos x="T0" y="T1"/>
+                </a:cxn>
+                <a:cxn ang="0">
+                  <a:pos x="T2" y="T3"/>
+                </a:cxn>
+                <a:cxn ang="0">
+                  <a:pos x="T4" y="T5"/>
+                </a:cxn>
+                <a:cxn ang="0">
+                  <a:pos x="T6" y="T7"/>
+                </a:cxn>
+                <a:cxn ang="0">
+                  <a:pos x="T8" y="T9"/>
+                </a:cxn>
+              </a:cxnLst>
+              <a:rect l="0" t="0" r="r" b="b"/>
+              <a:pathLst>
+                <a:path w="27" h="26">
+                  <a:moveTo>
+                    <a:pt x="27" y="13"/>
+                  </a:moveTo>
+                  <a:cubicBezTo>
+                    <a:pt x="27" y="20"/>
+                    <a:pt x="21" y="26"/>
+                    <a:pt x="14" y="26"/>
+                  </a:cubicBezTo>
+                  <a:cubicBezTo>
+                    <a:pt x="7" y="26"/>
+                    <a:pt x="0" y="20"/>
+                    <a:pt x="0" y="13"/>
+                  </a:cubicBezTo>
+                  <a:cubicBezTo>
+                    <a:pt x="0" y="6"/>
+                    <a:pt x="5" y="0"/>
+                    <a:pt x="14" y="0"/>
+                  </a:cubicBezTo>
+                  <a:cubicBezTo>
+                    <a:pt x="22" y="0"/>
+                    <a:pt x="27" y="6"/>
+                    <a:pt x="27" y="13"/>
+                  </a:cubicBezTo>
+                  <a:close/>
+                </a:path>
+              </a:pathLst>
+            </a:custGeom>
+            <a:solidFill>
+              <a:srgbClr val="7FBA00"/>
+            </a:solidFill>
+            <a:ln>
+              <a:noFill/>
+            </a:ln>
+            <a:extLst>
+              <a:ext uri="{91240B29-F687-4F45-9708-019B960494DF}">
+                <a14:hiddenLine xmlns:a14="http://schemas.microsoft.com/office/drawing/2010/main" w="9525">
+                  <a:solidFill>
+                    <a:srgbClr val="000000"/>
+                  </a:solidFill>
+                  <a:round/>
+                  <a:headEnd/>
+                  <a:tailEnd/>
+                </a14:hiddenLine>
+              </a:ext>
+            </a:extLst>
+          </p:spPr>
+          <p:txBody>
+            <a:bodyPr vert="horz" wrap="square" lIns="91440" tIns="45720" rIns="91440" bIns="45720" numCol="1" anchor="t" anchorCtr="0" compatLnSpc="1">
+              <a:prstTxWarp prst="textNoShape">
+                <a:avLst/>
+              </a:prstTxWarp>
+            </a:bodyPr>
+            <a:lstStyle/>
+            <a:p>
+              <a:endParaRPr lang="ja-JP" altLang="en-US" sz="2400">
+                <a:latin typeface="Yu Gothic UI" panose="020B0500000000000000" pitchFamily="50" charset="-128"/>
+                <a:ea typeface="Yu Gothic UI" panose="020B0500000000000000" pitchFamily="50" charset="-128"/>
+              </a:endParaRPr>
+            </a:p>
+          </p:txBody>
+        </p:sp>
+        <p:sp>
+          <p:nvSpPr>
+            <p:cNvPr id="112" name="Freeform 2170">
+              <a:extLst>
+                <a:ext uri="{FF2B5EF4-FFF2-40B4-BE49-F238E27FC236}">
+                  <a16:creationId xmlns:a16="http://schemas.microsoft.com/office/drawing/2014/main" id="{6106C438-FA64-C9F9-968A-F4738728D8D5}"/>
+                </a:ext>
+              </a:extLst>
+            </p:cNvPr>
+            <p:cNvSpPr>
+              <a:spLocks/>
+            </p:cNvSpPr>
+            <p:nvPr/>
+          </p:nvSpPr>
+          <p:spPr bwMode="auto">
+            <a:xfrm>
+              <a:off x="7794625" y="5889626"/>
+              <a:ext cx="76200" cy="74613"/>
+            </a:xfrm>
+            <a:custGeom>
+              <a:avLst/>
+              <a:gdLst>
+                <a:gd name="T0" fmla="*/ 27 w 27"/>
+                <a:gd name="T1" fmla="*/ 13 h 26"/>
+                <a:gd name="T2" fmla="*/ 14 w 27"/>
+                <a:gd name="T3" fmla="*/ 26 h 26"/>
+                <a:gd name="T4" fmla="*/ 0 w 27"/>
+                <a:gd name="T5" fmla="*/ 13 h 26"/>
+                <a:gd name="T6" fmla="*/ 14 w 27"/>
+                <a:gd name="T7" fmla="*/ 0 h 26"/>
+                <a:gd name="T8" fmla="*/ 27 w 27"/>
+                <a:gd name="T9" fmla="*/ 13 h 26"/>
+              </a:gdLst>
+              <a:ahLst/>
+              <a:cxnLst>
+                <a:cxn ang="0">
+                  <a:pos x="T0" y="T1"/>
+                </a:cxn>
+                <a:cxn ang="0">
+                  <a:pos x="T2" y="T3"/>
+                </a:cxn>
+                <a:cxn ang="0">
+                  <a:pos x="T4" y="T5"/>
+                </a:cxn>
+                <a:cxn ang="0">
+                  <a:pos x="T6" y="T7"/>
+                </a:cxn>
+                <a:cxn ang="0">
+                  <a:pos x="T8" y="T9"/>
+                </a:cxn>
+              </a:cxnLst>
+              <a:rect l="0" t="0" r="r" b="b"/>
+              <a:pathLst>
+                <a:path w="27" h="26">
+                  <a:moveTo>
+                    <a:pt x="27" y="13"/>
+                  </a:moveTo>
+                  <a:cubicBezTo>
+                    <a:pt x="27" y="20"/>
+                    <a:pt x="21" y="26"/>
+                    <a:pt x="14" y="26"/>
+                  </a:cubicBezTo>
+                  <a:cubicBezTo>
+                    <a:pt x="7" y="26"/>
+                    <a:pt x="0" y="20"/>
+                    <a:pt x="0" y="13"/>
+                  </a:cubicBezTo>
+                  <a:cubicBezTo>
+                    <a:pt x="0" y="6"/>
+                    <a:pt x="7" y="0"/>
+                    <a:pt x="14" y="0"/>
+                  </a:cubicBezTo>
+                  <a:cubicBezTo>
+                    <a:pt x="22" y="0"/>
+                    <a:pt x="27" y="6"/>
+                    <a:pt x="27" y="13"/>
+                  </a:cubicBezTo>
+                  <a:close/>
+                </a:path>
+              </a:pathLst>
+            </a:custGeom>
+            <a:solidFill>
+              <a:srgbClr val="7FBA00"/>
+            </a:solidFill>
+            <a:ln>
+              <a:noFill/>
+            </a:ln>
+            <a:extLst>
+              <a:ext uri="{91240B29-F687-4F45-9708-019B960494DF}">
+                <a14:hiddenLine xmlns:a14="http://schemas.microsoft.com/office/drawing/2010/main" w="9525">
+                  <a:solidFill>
+                    <a:srgbClr val="000000"/>
+                  </a:solidFill>
+                  <a:round/>
+                  <a:headEnd/>
+                  <a:tailEnd/>
+                </a14:hiddenLine>
+              </a:ext>
+            </a:extLst>
+          </p:spPr>
+          <p:txBody>
+            <a:bodyPr vert="horz" wrap="square" lIns="91440" tIns="45720" rIns="91440" bIns="45720" numCol="1" anchor="t" anchorCtr="0" compatLnSpc="1">
+              <a:prstTxWarp prst="textNoShape">
+                <a:avLst/>
+              </a:prstTxWarp>
+            </a:bodyPr>
+            <a:lstStyle/>
+            <a:p>
+              <a:endParaRPr lang="ja-JP" altLang="en-US" sz="2400">
+                <a:latin typeface="Yu Gothic UI" panose="020B0500000000000000" pitchFamily="50" charset="-128"/>
+                <a:ea typeface="Yu Gothic UI" panose="020B0500000000000000" pitchFamily="50" charset="-128"/>
+              </a:endParaRPr>
+            </a:p>
+          </p:txBody>
+        </p:sp>
+        <p:sp>
+          <p:nvSpPr>
+            <p:cNvPr id="113" name="Oval 2171">
+              <a:extLst>
+                <a:ext uri="{FF2B5EF4-FFF2-40B4-BE49-F238E27FC236}">
+                  <a16:creationId xmlns:a16="http://schemas.microsoft.com/office/drawing/2014/main" id="{971BDCE7-21C1-1A1F-06F4-7E2ACEF96A57}"/>
+                </a:ext>
+              </a:extLst>
+            </p:cNvPr>
+            <p:cNvSpPr>
+              <a:spLocks noChangeArrowheads="1"/>
+            </p:cNvSpPr>
+            <p:nvPr/>
+          </p:nvSpPr>
+          <p:spPr bwMode="auto">
+            <a:xfrm>
+              <a:off x="7913688" y="5889626"/>
+              <a:ext cx="74613" cy="74613"/>
+            </a:xfrm>
+            <a:prstGeom prst="ellipse">
+              <a:avLst/>
+            </a:prstGeom>
+            <a:solidFill>
+              <a:srgbClr val="7FBA00"/>
+            </a:solidFill>
+            <a:ln>
+              <a:noFill/>
+            </a:ln>
+            <a:extLst>
+              <a:ext uri="{91240B29-F687-4F45-9708-019B960494DF}">
+                <a14:hiddenLine xmlns:a14="http://schemas.microsoft.com/office/drawing/2010/main" w="9525">
+                  <a:solidFill>
+                    <a:srgbClr val="000000"/>
+                  </a:solidFill>
+                  <a:round/>
+                  <a:headEnd/>
+                  <a:tailEnd/>
+                </a14:hiddenLine>
+              </a:ext>
+            </a:extLst>
+          </p:spPr>
+          <p:txBody>
+            <a:bodyPr vert="horz" wrap="square" lIns="91440" tIns="45720" rIns="91440" bIns="45720" numCol="1" anchor="t" anchorCtr="0" compatLnSpc="1">
+              <a:prstTxWarp prst="textNoShape">
+                <a:avLst/>
+              </a:prstTxWarp>
+            </a:bodyPr>
+            <a:lstStyle/>
+            <a:p>
+              <a:endParaRPr lang="ja-JP" altLang="en-US" sz="2400">
+                <a:latin typeface="Yu Gothic UI" panose="020B0500000000000000" pitchFamily="50" charset="-128"/>
+                <a:ea typeface="Yu Gothic UI" panose="020B0500000000000000" pitchFamily="50" charset="-128"/>
+              </a:endParaRPr>
+            </a:p>
+          </p:txBody>
+        </p:sp>
+      </p:grpSp>
+      <p:sp>
+        <p:nvSpPr>
+          <p:cNvPr id="114" name="テキスト ボックス 113">
+            <a:extLst>
+              <a:ext uri="{FF2B5EF4-FFF2-40B4-BE49-F238E27FC236}">
+                <a16:creationId xmlns:a16="http://schemas.microsoft.com/office/drawing/2014/main" id="{2B9130CC-59AE-8896-41A0-125F5A99A22A}"/>
+              </a:ext>
+            </a:extLst>
+          </p:cNvPr>
+          <p:cNvSpPr txBox="1"/>
+          <p:nvPr/>
+        </p:nvSpPr>
+        <p:spPr>
+          <a:xfrm>
+            <a:off x="5527887" y="1265359"/>
+            <a:ext cx="1233451" cy="246221"/>
+          </a:xfrm>
+          <a:prstGeom prst="rect">
+            <a:avLst/>
+          </a:prstGeom>
+          <a:noFill/>
+        </p:spPr>
+        <p:txBody>
+          <a:bodyPr wrap="square" lIns="0" tIns="0" rIns="0" bIns="0" rtlCol="0">
+            <a:spAutoFit/>
+          </a:bodyPr>
+          <a:lstStyle/>
+          <a:p>
+            <a:r>
+              <a:rPr kumimoji="1" lang="en-US" altLang="ja-JP" sz="800" dirty="0" err="1">
+                <a:latin typeface="Yu Gothic UI" panose="020B0500000000000000" pitchFamily="50" charset="-128"/>
+                <a:ea typeface="Yu Gothic UI" panose="020B0500000000000000" pitchFamily="50" charset="-128"/>
+              </a:rPr>
+              <a:t>vnet</a:t>
+            </a:r>
+            <a:r>
+              <a:rPr kumimoji="1" lang="en-US" altLang="ja-JP" sz="800">
+                <a:latin typeface="Yu Gothic UI" panose="020B0500000000000000" pitchFamily="50" charset="-128"/>
+                <a:ea typeface="Yu Gothic UI" panose="020B0500000000000000" pitchFamily="50" charset="-128"/>
+              </a:rPr>
+              <a:t>-hub</a:t>
+            </a:r>
+            <a:endParaRPr kumimoji="1" lang="en-US" altLang="ja-JP" sz="800" dirty="0">
+              <a:latin typeface="Yu Gothic UI" panose="020B0500000000000000" pitchFamily="50" charset="-128"/>
+              <a:ea typeface="Yu Gothic UI" panose="020B0500000000000000" pitchFamily="50" charset="-128"/>
+            </a:endParaRPr>
+          </a:p>
+          <a:p>
+            <a:r>
+              <a:rPr kumimoji="1" lang="en-US" altLang="ja-JP" sz="800" dirty="0">
+                <a:latin typeface="Yu Gothic UI" panose="020B0500000000000000" pitchFamily="50" charset="-128"/>
+                <a:ea typeface="Yu Gothic UI" panose="020B0500000000000000" pitchFamily="50" charset="-128"/>
+              </a:rPr>
+              <a:t>(</a:t>
+            </a:r>
+            <a:r>
+              <a:rPr kumimoji="1" lang="ja-JP" altLang="en-US" sz="800" dirty="0">
+                <a:latin typeface="Yu Gothic UI" panose="020B0500000000000000" pitchFamily="50" charset="-128"/>
+                <a:ea typeface="Yu Gothic UI" panose="020B0500000000000000" pitchFamily="50" charset="-128"/>
+              </a:rPr>
+              <a:t>仮想ネットワーク</a:t>
+            </a:r>
+            <a:r>
+              <a:rPr kumimoji="1" lang="en-US" altLang="ja-JP" sz="800" dirty="0">
+                <a:latin typeface="Yu Gothic UI" panose="020B0500000000000000" pitchFamily="50" charset="-128"/>
+                <a:ea typeface="Yu Gothic UI" panose="020B0500000000000000" pitchFamily="50" charset="-128"/>
+              </a:rPr>
+              <a:t>)</a:t>
+            </a:r>
+            <a:endParaRPr kumimoji="1" lang="en-US" sz="800" dirty="0">
+              <a:latin typeface="Yu Gothic UI" panose="020B0500000000000000" pitchFamily="50" charset="-128"/>
+              <a:ea typeface="Yu Gothic UI" panose="020B0500000000000000" pitchFamily="50" charset="-128"/>
+            </a:endParaRPr>
+          </a:p>
+        </p:txBody>
+      </p:sp>
+      <p:sp>
+        <p:nvSpPr>
+          <p:cNvPr id="118" name="正方形/長方形 117">
+            <a:extLst>
+              <a:ext uri="{FF2B5EF4-FFF2-40B4-BE49-F238E27FC236}">
+                <a16:creationId xmlns:a16="http://schemas.microsoft.com/office/drawing/2014/main" id="{DBC35D6C-3245-EC5A-59C3-8CD61CAB588E}"/>
+              </a:ext>
+            </a:extLst>
+          </p:cNvPr>
+          <p:cNvSpPr/>
+          <p:nvPr/>
+        </p:nvSpPr>
+        <p:spPr>
+          <a:xfrm>
+            <a:off x="5427301" y="1808176"/>
+            <a:ext cx="880617" cy="758281"/>
+          </a:xfrm>
+          <a:prstGeom prst="rect">
+            <a:avLst/>
+          </a:prstGeom>
+          <a:solidFill>
+            <a:schemeClr val="accent6">
+              <a:lumMod val="20000"/>
+              <a:lumOff val="80000"/>
+            </a:schemeClr>
+          </a:solidFill>
+          <a:ln>
+            <a:noFill/>
+          </a:ln>
+        </p:spPr>
+        <p:style>
+          <a:lnRef idx="2">
+            <a:schemeClr val="accent1">
+              <a:shade val="50000"/>
+            </a:schemeClr>
+          </a:lnRef>
+          <a:fillRef idx="1">
+            <a:schemeClr val="accent1"/>
+          </a:fillRef>
+          <a:effectRef idx="0">
+            <a:schemeClr val="accent1"/>
+          </a:effectRef>
+          <a:fontRef idx="minor">
+            <a:schemeClr val="lt1"/>
+          </a:fontRef>
+        </p:style>
+        <p:txBody>
+          <a:bodyPr rtlCol="0" anchor="ctr"/>
+          <a:lstStyle/>
+          <a:p>
+            <a:pPr algn="ctr"/>
+            <a:endParaRPr kumimoji="1" lang="en-US" sz="2400" dirty="0">
+              <a:latin typeface="Yu Gothic UI" panose="020B0500000000000000" pitchFamily="50" charset="-128"/>
+              <a:ea typeface="Yu Gothic UI" panose="020B0500000000000000" pitchFamily="50" charset="-128"/>
+            </a:endParaRPr>
+          </a:p>
+        </p:txBody>
+      </p:sp>
+      <p:pic>
+        <p:nvPicPr>
+          <p:cNvPr id="119" name="グラフィックス 118">
+            <a:extLst>
+              <a:ext uri="{FF2B5EF4-FFF2-40B4-BE49-F238E27FC236}">
+                <a16:creationId xmlns:a16="http://schemas.microsoft.com/office/drawing/2014/main" id="{447D5508-CAB5-0C1F-68B3-60FA42CD6187}"/>
+              </a:ext>
+            </a:extLst>
+          </p:cNvPr>
+          <p:cNvPicPr>
+            <a:picLocks noChangeAspect="1"/>
+          </p:cNvPicPr>
+          <p:nvPr/>
+        </p:nvPicPr>
+        <p:blipFill>
+          <a:blip r:embed="rId8">
+            <a:extLst>
+              <a:ext uri="{28A0092B-C50C-407E-A947-70E740481C1C}">
+                <a14:useLocalDpi xmlns:a14="http://schemas.microsoft.com/office/drawing/2010/main" val="0"/>
+              </a:ext>
+              <a:ext uri="{96DAC541-7B7A-43D3-8B79-37D633B846F1}">
+                <asvg:svgBlip xmlns:asvg="http://schemas.microsoft.com/office/drawing/2016/SVG/main" r:embed="rId9"/>
+              </a:ext>
+            </a:extLst>
+          </a:blip>
+          <a:stretch>
+            <a:fillRect/>
+          </a:stretch>
+        </p:blipFill>
+        <p:spPr>
+          <a:xfrm>
+            <a:off x="5308314" y="1636727"/>
+            <a:ext cx="171450" cy="171450"/>
+          </a:xfrm>
+          <a:prstGeom prst="rect">
+            <a:avLst/>
+          </a:prstGeom>
+        </p:spPr>
+      </p:pic>
+      <p:sp>
+        <p:nvSpPr>
+          <p:cNvPr id="120" name="テキスト ボックス 119">
+            <a:extLst>
+              <a:ext uri="{FF2B5EF4-FFF2-40B4-BE49-F238E27FC236}">
+                <a16:creationId xmlns:a16="http://schemas.microsoft.com/office/drawing/2014/main" id="{C98D0575-6A11-F20D-53B4-334B3593F1D4}"/>
+              </a:ext>
+            </a:extLst>
+          </p:cNvPr>
+          <p:cNvSpPr txBox="1"/>
+          <p:nvPr/>
+        </p:nvSpPr>
+        <p:spPr>
+          <a:xfrm>
+            <a:off x="5484444" y="1569679"/>
+            <a:ext cx="766868" cy="246221"/>
+          </a:xfrm>
+          <a:prstGeom prst="rect">
+            <a:avLst/>
+          </a:prstGeom>
+          <a:noFill/>
+        </p:spPr>
+        <p:txBody>
+          <a:bodyPr wrap="square" lIns="0" tIns="0" rIns="0" bIns="0" rtlCol="0">
+            <a:spAutoFit/>
+          </a:bodyPr>
+          <a:lstStyle/>
+          <a:p>
+            <a:r>
+              <a:rPr kumimoji="1" lang="en-US" altLang="ja-JP" sz="800" dirty="0">
+                <a:latin typeface="Yu Gothic UI" panose="020B0500000000000000" pitchFamily="50" charset="-128"/>
+                <a:ea typeface="Yu Gothic UI" panose="020B0500000000000000" pitchFamily="50" charset="-128"/>
+              </a:rPr>
+              <a:t>GatewaySubnet</a:t>
+            </a:r>
+          </a:p>
+          <a:p>
+            <a:r>
+              <a:rPr kumimoji="1" lang="en-US" altLang="ja-JP" sz="800" dirty="0">
+                <a:latin typeface="Yu Gothic UI" panose="020B0500000000000000" pitchFamily="50" charset="-128"/>
+                <a:ea typeface="Yu Gothic UI" panose="020B0500000000000000" pitchFamily="50" charset="-128"/>
+              </a:rPr>
+              <a:t>(</a:t>
+            </a:r>
+            <a:r>
+              <a:rPr kumimoji="1" lang="ja-JP" altLang="en-US" sz="800" dirty="0">
+                <a:latin typeface="Yu Gothic UI" panose="020B0500000000000000" pitchFamily="50" charset="-128"/>
+                <a:ea typeface="Yu Gothic UI" panose="020B0500000000000000" pitchFamily="50" charset="-128"/>
+              </a:rPr>
+              <a:t>サブネット</a:t>
+            </a:r>
+            <a:r>
+              <a:rPr kumimoji="1" lang="en-US" altLang="ja-JP" sz="800" dirty="0">
+                <a:latin typeface="Yu Gothic UI" panose="020B0500000000000000" pitchFamily="50" charset="-128"/>
+                <a:ea typeface="Yu Gothic UI" panose="020B0500000000000000" pitchFamily="50" charset="-128"/>
+              </a:rPr>
+              <a:t>)</a:t>
+            </a:r>
+            <a:endParaRPr kumimoji="1" lang="en-US" sz="800" dirty="0">
+              <a:latin typeface="Yu Gothic UI" panose="020B0500000000000000" pitchFamily="50" charset="-128"/>
+              <a:ea typeface="Yu Gothic UI" panose="020B0500000000000000" pitchFamily="50" charset="-128"/>
+            </a:endParaRPr>
+          </a:p>
+        </p:txBody>
+      </p:sp>
+      <p:grpSp>
+        <p:nvGrpSpPr>
+          <p:cNvPr id="22" name="グループ化 21">
+            <a:extLst>
+              <a:ext uri="{FF2B5EF4-FFF2-40B4-BE49-F238E27FC236}">
+                <a16:creationId xmlns:a16="http://schemas.microsoft.com/office/drawing/2014/main" id="{DA4BB6C9-7474-3FF8-8764-173EA1269D10}"/>
+              </a:ext>
+            </a:extLst>
+          </p:cNvPr>
+          <p:cNvGrpSpPr/>
+          <p:nvPr/>
+        </p:nvGrpSpPr>
+        <p:grpSpPr>
+          <a:xfrm>
+            <a:off x="5775119" y="1873382"/>
+            <a:ext cx="231766" cy="259797"/>
+            <a:chOff x="1236663" y="233363"/>
+            <a:chExt cx="538162" cy="603250"/>
+          </a:xfrm>
+        </p:grpSpPr>
+        <p:sp>
+          <p:nvSpPr>
+            <p:cNvPr id="23" name="Freeform 39">
+              <a:extLst>
+                <a:ext uri="{FF2B5EF4-FFF2-40B4-BE49-F238E27FC236}">
+                  <a16:creationId xmlns:a16="http://schemas.microsoft.com/office/drawing/2014/main" id="{86F042B6-FE05-82F4-A224-29E28A8233C6}"/>
+                </a:ext>
+              </a:extLst>
+            </p:cNvPr>
+            <p:cNvSpPr>
+              <a:spLocks/>
+            </p:cNvSpPr>
+            <p:nvPr/>
+          </p:nvSpPr>
+          <p:spPr bwMode="auto">
+            <a:xfrm>
+              <a:off x="1300163" y="233363"/>
+              <a:ext cx="411162" cy="234950"/>
+            </a:xfrm>
+            <a:custGeom>
+              <a:avLst/>
+              <a:gdLst>
+                <a:gd name="T0" fmla="*/ 137 w 137"/>
+                <a:gd name="T1" fmla="*/ 74 h 78"/>
+                <a:gd name="T2" fmla="*/ 137 w 137"/>
+                <a:gd name="T3" fmla="*/ 66 h 78"/>
+                <a:gd name="T4" fmla="*/ 119 w 137"/>
+                <a:gd name="T5" fmla="*/ 20 h 78"/>
+                <a:gd name="T6" fmla="*/ 68 w 137"/>
+                <a:gd name="T7" fmla="*/ 0 h 78"/>
+                <a:gd name="T8" fmla="*/ 18 w 137"/>
+                <a:gd name="T9" fmla="*/ 20 h 78"/>
+                <a:gd name="T10" fmla="*/ 0 w 137"/>
+                <a:gd name="T11" fmla="*/ 66 h 78"/>
+                <a:gd name="T12" fmla="*/ 0 w 137"/>
+                <a:gd name="T13" fmla="*/ 74 h 78"/>
+                <a:gd name="T14" fmla="*/ 32 w 137"/>
+                <a:gd name="T15" fmla="*/ 78 h 78"/>
+                <a:gd name="T16" fmla="*/ 32 w 137"/>
+                <a:gd name="T17" fmla="*/ 70 h 78"/>
+                <a:gd name="T18" fmla="*/ 41 w 137"/>
+                <a:gd name="T19" fmla="*/ 40 h 78"/>
+                <a:gd name="T20" fmla="*/ 68 w 137"/>
+                <a:gd name="T21" fmla="*/ 29 h 78"/>
+                <a:gd name="T22" fmla="*/ 96 w 137"/>
+                <a:gd name="T23" fmla="*/ 40 h 78"/>
+                <a:gd name="T24" fmla="*/ 105 w 137"/>
+                <a:gd name="T25" fmla="*/ 65 h 78"/>
+                <a:gd name="T26" fmla="*/ 105 w 137"/>
+                <a:gd name="T27" fmla="*/ 78 h 78"/>
+                <a:gd name="T28" fmla="*/ 137 w 137"/>
+                <a:gd name="T29" fmla="*/ 74 h 78"/>
+              </a:gdLst>
+              <a:ahLst/>
+              <a:cxnLst>
+                <a:cxn ang="0">
+                  <a:pos x="T0" y="T1"/>
+                </a:cxn>
+                <a:cxn ang="0">
+                  <a:pos x="T2" y="T3"/>
+                </a:cxn>
+                <a:cxn ang="0">
+                  <a:pos x="T4" y="T5"/>
+                </a:cxn>
+                <a:cxn ang="0">
+                  <a:pos x="T6" y="T7"/>
+                </a:cxn>
+                <a:cxn ang="0">
+                  <a:pos x="T8" y="T9"/>
+                </a:cxn>
+                <a:cxn ang="0">
+                  <a:pos x="T10" y="T11"/>
+                </a:cxn>
+                <a:cxn ang="0">
+                  <a:pos x="T12" y="T13"/>
+                </a:cxn>
+                <a:cxn ang="0">
+                  <a:pos x="T14" y="T15"/>
+                </a:cxn>
+                <a:cxn ang="0">
+                  <a:pos x="T16" y="T17"/>
+                </a:cxn>
+                <a:cxn ang="0">
+                  <a:pos x="T18" y="T19"/>
+                </a:cxn>
+                <a:cxn ang="0">
+                  <a:pos x="T20" y="T21"/>
+                </a:cxn>
+                <a:cxn ang="0">
+                  <a:pos x="T22" y="T23"/>
+                </a:cxn>
+                <a:cxn ang="0">
+                  <a:pos x="T24" y="T25"/>
+                </a:cxn>
+                <a:cxn ang="0">
+                  <a:pos x="T26" y="T27"/>
+                </a:cxn>
+                <a:cxn ang="0">
+                  <a:pos x="T28" y="T29"/>
+                </a:cxn>
+              </a:cxnLst>
+              <a:rect l="0" t="0" r="r" b="b"/>
+              <a:pathLst>
+                <a:path w="137" h="78">
+                  <a:moveTo>
+                    <a:pt x="137" y="74"/>
+                  </a:moveTo>
+                  <a:cubicBezTo>
+                    <a:pt x="137" y="66"/>
+                    <a:pt x="137" y="66"/>
+                    <a:pt x="137" y="66"/>
+                  </a:cubicBezTo>
+                  <a:cubicBezTo>
+                    <a:pt x="137" y="48"/>
+                    <a:pt x="130" y="32"/>
+                    <a:pt x="119" y="20"/>
+                  </a:cubicBezTo>
+                  <a:cubicBezTo>
+                    <a:pt x="109" y="8"/>
+                    <a:pt x="86" y="0"/>
+                    <a:pt x="68" y="0"/>
+                  </a:cubicBezTo>
+                  <a:cubicBezTo>
+                    <a:pt x="51" y="0"/>
+                    <a:pt x="28" y="8"/>
+                    <a:pt x="18" y="20"/>
+                  </a:cubicBezTo>
+                  <a:cubicBezTo>
+                    <a:pt x="7" y="32"/>
+                    <a:pt x="0" y="48"/>
+                    <a:pt x="0" y="66"/>
+                  </a:cubicBezTo>
+                  <a:cubicBezTo>
+                    <a:pt x="0" y="74"/>
+                    <a:pt x="0" y="74"/>
+                    <a:pt x="0" y="74"/>
+                  </a:cubicBezTo>
+                  <a:cubicBezTo>
+                    <a:pt x="32" y="78"/>
+                    <a:pt x="32" y="78"/>
+                    <a:pt x="32" y="78"/>
+                  </a:cubicBezTo>
+                  <a:cubicBezTo>
+                    <a:pt x="32" y="70"/>
+                    <a:pt x="32" y="70"/>
+                    <a:pt x="32" y="70"/>
+                  </a:cubicBezTo>
+                  <a:cubicBezTo>
+                    <a:pt x="32" y="60"/>
+                    <a:pt x="35" y="46"/>
+                    <a:pt x="41" y="40"/>
+                  </a:cubicBezTo>
+                  <a:cubicBezTo>
+                    <a:pt x="47" y="33"/>
+                    <a:pt x="60" y="30"/>
+                    <a:pt x="68" y="29"/>
+                  </a:cubicBezTo>
+                  <a:cubicBezTo>
+                    <a:pt x="77" y="29"/>
+                    <a:pt x="90" y="33"/>
+                    <a:pt x="96" y="40"/>
+                  </a:cubicBezTo>
+                  <a:cubicBezTo>
+                    <a:pt x="102" y="46"/>
+                    <a:pt x="105" y="55"/>
+                    <a:pt x="105" y="65"/>
+                  </a:cubicBezTo>
+                  <a:cubicBezTo>
+                    <a:pt x="105" y="78"/>
+                    <a:pt x="105" y="78"/>
+                    <a:pt x="105" y="78"/>
+                  </a:cubicBezTo>
+                  <a:cubicBezTo>
+                    <a:pt x="137" y="74"/>
+                    <a:pt x="137" y="74"/>
+                    <a:pt x="137" y="74"/>
+                  </a:cubicBezTo>
+                </a:path>
+              </a:pathLst>
+            </a:custGeom>
+            <a:solidFill>
+              <a:srgbClr val="A0A1A2"/>
+            </a:solidFill>
+            <a:ln>
+              <a:noFill/>
+            </a:ln>
+            <a:extLst>
+              <a:ext uri="{91240B29-F687-4F45-9708-019B960494DF}">
+                <a14:hiddenLine xmlns:a14="http://schemas.microsoft.com/office/drawing/2010/main" w="9525">
+                  <a:solidFill>
+                    <a:srgbClr val="000000"/>
+                  </a:solidFill>
+                  <a:round/>
+                  <a:headEnd/>
+                  <a:tailEnd/>
+                </a14:hiddenLine>
+              </a:ext>
+            </a:extLst>
+          </p:spPr>
+          <p:txBody>
+            <a:bodyPr vert="horz" wrap="square" lIns="91440" tIns="45720" rIns="91440" bIns="45720" numCol="1" anchor="t" anchorCtr="0" compatLnSpc="1">
+              <a:prstTxWarp prst="textNoShape">
+                <a:avLst/>
+              </a:prstTxWarp>
+            </a:bodyPr>
+            <a:lstStyle/>
+            <a:p>
+              <a:endParaRPr lang="ja-JP" altLang="en-US" sz="2400">
+                <a:latin typeface="Yu Gothic UI" panose="020B0500000000000000" pitchFamily="50" charset="-128"/>
+                <a:ea typeface="Yu Gothic UI" panose="020B0500000000000000" pitchFamily="50" charset="-128"/>
+              </a:endParaRPr>
+            </a:p>
+          </p:txBody>
+        </p:sp>
+        <p:sp>
+          <p:nvSpPr>
+            <p:cNvPr id="24" name="Freeform 40">
+              <a:extLst>
+                <a:ext uri="{FF2B5EF4-FFF2-40B4-BE49-F238E27FC236}">
+                  <a16:creationId xmlns:a16="http://schemas.microsoft.com/office/drawing/2014/main" id="{24D4C0CA-E0C4-9A98-8C80-6386E4883AE8}"/>
+                </a:ext>
+              </a:extLst>
+            </p:cNvPr>
+            <p:cNvSpPr>
+              <a:spLocks/>
+            </p:cNvSpPr>
+            <p:nvPr/>
+          </p:nvSpPr>
+          <p:spPr bwMode="auto">
+            <a:xfrm>
+              <a:off x="1236663" y="455613"/>
+              <a:ext cx="538162" cy="381000"/>
+            </a:xfrm>
+            <a:custGeom>
+              <a:avLst/>
+              <a:gdLst>
+                <a:gd name="T0" fmla="*/ 21 w 179"/>
+                <a:gd name="T1" fmla="*/ 0 h 126"/>
+                <a:gd name="T2" fmla="*/ 0 w 179"/>
+                <a:gd name="T3" fmla="*/ 22 h 126"/>
+                <a:gd name="T4" fmla="*/ 0 w 179"/>
+                <a:gd name="T5" fmla="*/ 105 h 126"/>
+                <a:gd name="T6" fmla="*/ 18 w 179"/>
+                <a:gd name="T7" fmla="*/ 126 h 126"/>
+                <a:gd name="T8" fmla="*/ 161 w 179"/>
+                <a:gd name="T9" fmla="*/ 126 h 126"/>
+                <a:gd name="T10" fmla="*/ 179 w 179"/>
+                <a:gd name="T11" fmla="*/ 105 h 126"/>
+                <a:gd name="T12" fmla="*/ 179 w 179"/>
+                <a:gd name="T13" fmla="*/ 22 h 126"/>
+                <a:gd name="T14" fmla="*/ 158 w 179"/>
+                <a:gd name="T15" fmla="*/ 0 h 126"/>
+                <a:gd name="T16" fmla="*/ 21 w 179"/>
+                <a:gd name="T17" fmla="*/ 0 h 126"/>
+              </a:gdLst>
+              <a:ahLst/>
+              <a:cxnLst>
+                <a:cxn ang="0">
+                  <a:pos x="T0" y="T1"/>
+                </a:cxn>
+                <a:cxn ang="0">
+                  <a:pos x="T2" y="T3"/>
+                </a:cxn>
+                <a:cxn ang="0">
+                  <a:pos x="T4" y="T5"/>
+                </a:cxn>
+                <a:cxn ang="0">
+                  <a:pos x="T6" y="T7"/>
+                </a:cxn>
+                <a:cxn ang="0">
+                  <a:pos x="T8" y="T9"/>
+                </a:cxn>
+                <a:cxn ang="0">
+                  <a:pos x="T10" y="T11"/>
+                </a:cxn>
+                <a:cxn ang="0">
+                  <a:pos x="T12" y="T13"/>
+                </a:cxn>
+                <a:cxn ang="0">
+                  <a:pos x="T14" y="T15"/>
+                </a:cxn>
+                <a:cxn ang="0">
+                  <a:pos x="T16" y="T17"/>
+                </a:cxn>
+              </a:cxnLst>
+              <a:rect l="0" t="0" r="r" b="b"/>
+              <a:pathLst>
+                <a:path w="179" h="126">
+                  <a:moveTo>
+                    <a:pt x="21" y="0"/>
+                  </a:moveTo>
+                  <a:cubicBezTo>
+                    <a:pt x="5" y="0"/>
+                    <a:pt x="0" y="10"/>
+                    <a:pt x="0" y="22"/>
+                  </a:cubicBezTo>
+                  <a:cubicBezTo>
+                    <a:pt x="0" y="105"/>
+                    <a:pt x="0" y="105"/>
+                    <a:pt x="0" y="105"/>
+                  </a:cubicBezTo>
+                  <a:cubicBezTo>
+                    <a:pt x="0" y="116"/>
+                    <a:pt x="6" y="126"/>
+                    <a:pt x="18" y="126"/>
+                  </a:cubicBezTo>
+                  <a:cubicBezTo>
+                    <a:pt x="161" y="126"/>
+                    <a:pt x="161" y="126"/>
+                    <a:pt x="161" y="126"/>
+                  </a:cubicBezTo>
+                  <a:cubicBezTo>
+                    <a:pt x="174" y="126"/>
+                    <a:pt x="179" y="116"/>
+                    <a:pt x="179" y="105"/>
+                  </a:cubicBezTo>
+                  <a:cubicBezTo>
+                    <a:pt x="179" y="22"/>
+                    <a:pt x="179" y="22"/>
+                    <a:pt x="179" y="22"/>
+                  </a:cubicBezTo>
+                  <a:cubicBezTo>
+                    <a:pt x="179" y="11"/>
+                    <a:pt x="175" y="0"/>
+                    <a:pt x="158" y="0"/>
+                  </a:cubicBezTo>
+                  <a:cubicBezTo>
+                    <a:pt x="21" y="0"/>
+                    <a:pt x="21" y="0"/>
+                    <a:pt x="21" y="0"/>
+                  </a:cubicBezTo>
+                </a:path>
+              </a:pathLst>
+            </a:custGeom>
+            <a:solidFill>
+              <a:srgbClr val="59B4D9"/>
+            </a:solidFill>
+            <a:ln>
+              <a:noFill/>
+            </a:ln>
+            <a:extLst>
+              <a:ext uri="{91240B29-F687-4F45-9708-019B960494DF}">
+                <a14:hiddenLine xmlns:a14="http://schemas.microsoft.com/office/drawing/2010/main" w="9525">
+                  <a:solidFill>
+                    <a:srgbClr val="000000"/>
+                  </a:solidFill>
+                  <a:round/>
+                  <a:headEnd/>
+                  <a:tailEnd/>
+                </a14:hiddenLine>
+              </a:ext>
+            </a:extLst>
+          </p:spPr>
+          <p:txBody>
+            <a:bodyPr vert="horz" wrap="square" lIns="91440" tIns="45720" rIns="91440" bIns="45720" numCol="1" anchor="t" anchorCtr="0" compatLnSpc="1">
+              <a:prstTxWarp prst="textNoShape">
+                <a:avLst/>
+              </a:prstTxWarp>
+            </a:bodyPr>
+            <a:lstStyle/>
+            <a:p>
+              <a:endParaRPr lang="ja-JP" altLang="en-US" sz="2400">
+                <a:latin typeface="Yu Gothic UI" panose="020B0500000000000000" pitchFamily="50" charset="-128"/>
+                <a:ea typeface="Yu Gothic UI" panose="020B0500000000000000" pitchFamily="50" charset="-128"/>
+              </a:endParaRPr>
+            </a:p>
+          </p:txBody>
+        </p:sp>
+        <p:sp>
+          <p:nvSpPr>
+            <p:cNvPr id="25" name="Freeform 41">
+              <a:extLst>
+                <a:ext uri="{FF2B5EF4-FFF2-40B4-BE49-F238E27FC236}">
+                  <a16:creationId xmlns:a16="http://schemas.microsoft.com/office/drawing/2014/main" id="{1702D765-FC3E-2905-0056-4F21E4628B3C}"/>
+                </a:ext>
+              </a:extLst>
+            </p:cNvPr>
+            <p:cNvSpPr>
+              <a:spLocks/>
+            </p:cNvSpPr>
+            <p:nvPr/>
+          </p:nvSpPr>
+          <p:spPr bwMode="auto">
+            <a:xfrm>
+              <a:off x="1236663" y="455613"/>
+              <a:ext cx="379412" cy="381000"/>
+            </a:xfrm>
+            <a:custGeom>
+              <a:avLst/>
+              <a:gdLst>
+                <a:gd name="T0" fmla="*/ 126 w 126"/>
+                <a:gd name="T1" fmla="*/ 0 h 126"/>
+                <a:gd name="T2" fmla="*/ 53 w 126"/>
+                <a:gd name="T3" fmla="*/ 0 h 126"/>
+                <a:gd name="T4" fmla="*/ 21 w 126"/>
+                <a:gd name="T5" fmla="*/ 0 h 126"/>
+                <a:gd name="T6" fmla="*/ 21 w 126"/>
+                <a:gd name="T7" fmla="*/ 0 h 126"/>
+                <a:gd name="T8" fmla="*/ 0 w 126"/>
+                <a:gd name="T9" fmla="*/ 22 h 126"/>
+                <a:gd name="T10" fmla="*/ 0 w 126"/>
+                <a:gd name="T11" fmla="*/ 105 h 126"/>
+                <a:gd name="T12" fmla="*/ 18 w 126"/>
+                <a:gd name="T13" fmla="*/ 126 h 126"/>
+                <a:gd name="T14" fmla="*/ 45 w 126"/>
+                <a:gd name="T15" fmla="*/ 126 h 126"/>
+                <a:gd name="T16" fmla="*/ 126 w 126"/>
+                <a:gd name="T17" fmla="*/ 0 h 126"/>
+              </a:gdLst>
+              <a:ahLst/>
+              <a:cxnLst>
+                <a:cxn ang="0">
+                  <a:pos x="T0" y="T1"/>
+                </a:cxn>
+                <a:cxn ang="0">
+                  <a:pos x="T2" y="T3"/>
+                </a:cxn>
+                <a:cxn ang="0">
+                  <a:pos x="T4" y="T5"/>
+                </a:cxn>
+                <a:cxn ang="0">
+                  <a:pos x="T6" y="T7"/>
+                </a:cxn>
+                <a:cxn ang="0">
+                  <a:pos x="T8" y="T9"/>
+                </a:cxn>
+                <a:cxn ang="0">
+                  <a:pos x="T10" y="T11"/>
+                </a:cxn>
+                <a:cxn ang="0">
+                  <a:pos x="T12" y="T13"/>
+                </a:cxn>
+                <a:cxn ang="0">
+                  <a:pos x="T14" y="T15"/>
+                </a:cxn>
+                <a:cxn ang="0">
+                  <a:pos x="T16" y="T17"/>
+                </a:cxn>
+              </a:cxnLst>
+              <a:rect l="0" t="0" r="r" b="b"/>
+              <a:pathLst>
+                <a:path w="126" h="126">
+                  <a:moveTo>
+                    <a:pt x="126" y="0"/>
+                  </a:moveTo>
+                  <a:cubicBezTo>
+                    <a:pt x="53" y="0"/>
+                    <a:pt x="53" y="0"/>
+                    <a:pt x="53" y="0"/>
+                  </a:cubicBezTo>
+                  <a:cubicBezTo>
+                    <a:pt x="21" y="0"/>
+                    <a:pt x="21" y="0"/>
+                    <a:pt x="21" y="0"/>
+                  </a:cubicBezTo>
+                  <a:cubicBezTo>
+                    <a:pt x="21" y="0"/>
+                    <a:pt x="21" y="0"/>
+                    <a:pt x="21" y="0"/>
+                  </a:cubicBezTo>
+                  <a:cubicBezTo>
+                    <a:pt x="5" y="0"/>
+                    <a:pt x="0" y="10"/>
+                    <a:pt x="0" y="22"/>
+                  </a:cubicBezTo>
+                  <a:cubicBezTo>
+                    <a:pt x="0" y="105"/>
+                    <a:pt x="0" y="105"/>
+                    <a:pt x="0" y="105"/>
+                  </a:cubicBezTo>
+                  <a:cubicBezTo>
+                    <a:pt x="0" y="116"/>
+                    <a:pt x="6" y="126"/>
+                    <a:pt x="18" y="126"/>
+                  </a:cubicBezTo>
+                  <a:cubicBezTo>
+                    <a:pt x="45" y="126"/>
+                    <a:pt x="45" y="126"/>
+                    <a:pt x="45" y="126"/>
+                  </a:cubicBezTo>
+                  <a:cubicBezTo>
+                    <a:pt x="126" y="0"/>
+                    <a:pt x="126" y="0"/>
+                    <a:pt x="126" y="0"/>
+                  </a:cubicBezTo>
+                </a:path>
+              </a:pathLst>
+            </a:custGeom>
+            <a:solidFill>
+              <a:srgbClr val="72BFDF"/>
+            </a:solidFill>
+            <a:ln>
+              <a:noFill/>
+            </a:ln>
+            <a:extLst>
+              <a:ext uri="{91240B29-F687-4F45-9708-019B960494DF}">
+                <a14:hiddenLine xmlns:a14="http://schemas.microsoft.com/office/drawing/2010/main" w="9525">
+                  <a:solidFill>
+                    <a:srgbClr val="000000"/>
+                  </a:solidFill>
+                  <a:round/>
+                  <a:headEnd/>
+                  <a:tailEnd/>
+                </a14:hiddenLine>
+              </a:ext>
+            </a:extLst>
+          </p:spPr>
+          <p:txBody>
+            <a:bodyPr vert="horz" wrap="square" lIns="91440" tIns="45720" rIns="91440" bIns="45720" numCol="1" anchor="t" anchorCtr="0" compatLnSpc="1">
+              <a:prstTxWarp prst="textNoShape">
+                <a:avLst/>
+              </a:prstTxWarp>
+            </a:bodyPr>
+            <a:lstStyle/>
+            <a:p>
+              <a:endParaRPr lang="ja-JP" altLang="en-US" sz="2400">
+                <a:latin typeface="Yu Gothic UI" panose="020B0500000000000000" pitchFamily="50" charset="-128"/>
+                <a:ea typeface="Yu Gothic UI" panose="020B0500000000000000" pitchFamily="50" charset="-128"/>
+              </a:endParaRPr>
+            </a:p>
+          </p:txBody>
+        </p:sp>
+        <p:sp>
+          <p:nvSpPr>
+            <p:cNvPr id="26" name="Freeform 42">
+              <a:extLst>
+                <a:ext uri="{FF2B5EF4-FFF2-40B4-BE49-F238E27FC236}">
+                  <a16:creationId xmlns:a16="http://schemas.microsoft.com/office/drawing/2014/main" id="{3640274F-48B0-17B6-D239-EAA50849A56A}"/>
+                </a:ext>
+              </a:extLst>
+            </p:cNvPr>
+            <p:cNvSpPr>
+              <a:spLocks noEditPoints="1"/>
+            </p:cNvSpPr>
+            <p:nvPr/>
+          </p:nvSpPr>
+          <p:spPr bwMode="auto">
+            <a:xfrm>
+              <a:off x="1306513" y="492125"/>
+              <a:ext cx="395287" cy="311150"/>
+            </a:xfrm>
+            <a:custGeom>
+              <a:avLst/>
+              <a:gdLst>
+                <a:gd name="T0" fmla="*/ 79 w 249"/>
+                <a:gd name="T1" fmla="*/ 44 h 196"/>
+                <a:gd name="T2" fmla="*/ 125 w 249"/>
+                <a:gd name="T3" fmla="*/ 0 h 196"/>
+                <a:gd name="T4" fmla="*/ 168 w 249"/>
+                <a:gd name="T5" fmla="*/ 44 h 196"/>
+                <a:gd name="T6" fmla="*/ 136 w 249"/>
+                <a:gd name="T7" fmla="*/ 44 h 196"/>
+                <a:gd name="T8" fmla="*/ 136 w 249"/>
+                <a:gd name="T9" fmla="*/ 76 h 196"/>
+                <a:gd name="T10" fmla="*/ 109 w 249"/>
+                <a:gd name="T11" fmla="*/ 76 h 196"/>
+                <a:gd name="T12" fmla="*/ 109 w 249"/>
+                <a:gd name="T13" fmla="*/ 44 h 196"/>
+                <a:gd name="T14" fmla="*/ 79 w 249"/>
+                <a:gd name="T15" fmla="*/ 44 h 196"/>
+                <a:gd name="T16" fmla="*/ 0 w 249"/>
+                <a:gd name="T17" fmla="*/ 111 h 196"/>
+                <a:gd name="T18" fmla="*/ 0 w 249"/>
+                <a:gd name="T19" fmla="*/ 84 h 196"/>
+                <a:gd name="T20" fmla="*/ 45 w 249"/>
+                <a:gd name="T21" fmla="*/ 84 h 196"/>
+                <a:gd name="T22" fmla="*/ 45 w 249"/>
+                <a:gd name="T23" fmla="*/ 54 h 196"/>
+                <a:gd name="T24" fmla="*/ 87 w 249"/>
+                <a:gd name="T25" fmla="*/ 97 h 196"/>
+                <a:gd name="T26" fmla="*/ 45 w 249"/>
+                <a:gd name="T27" fmla="*/ 139 h 196"/>
+                <a:gd name="T28" fmla="*/ 45 w 249"/>
+                <a:gd name="T29" fmla="*/ 111 h 196"/>
+                <a:gd name="T30" fmla="*/ 0 w 249"/>
+                <a:gd name="T31" fmla="*/ 111 h 196"/>
+                <a:gd name="T32" fmla="*/ 0 w 249"/>
+                <a:gd name="T33" fmla="*/ 111 h 196"/>
+                <a:gd name="T34" fmla="*/ 125 w 249"/>
+                <a:gd name="T35" fmla="*/ 196 h 196"/>
+                <a:gd name="T36" fmla="*/ 79 w 249"/>
+                <a:gd name="T37" fmla="*/ 153 h 196"/>
+                <a:gd name="T38" fmla="*/ 109 w 249"/>
+                <a:gd name="T39" fmla="*/ 153 h 196"/>
+                <a:gd name="T40" fmla="*/ 109 w 249"/>
+                <a:gd name="T41" fmla="*/ 120 h 196"/>
+                <a:gd name="T42" fmla="*/ 136 w 249"/>
+                <a:gd name="T43" fmla="*/ 120 h 196"/>
+                <a:gd name="T44" fmla="*/ 136 w 249"/>
+                <a:gd name="T45" fmla="*/ 153 h 196"/>
+                <a:gd name="T46" fmla="*/ 168 w 249"/>
+                <a:gd name="T47" fmla="*/ 153 h 196"/>
+                <a:gd name="T48" fmla="*/ 125 w 249"/>
+                <a:gd name="T49" fmla="*/ 196 h 196"/>
+                <a:gd name="T50" fmla="*/ 249 w 249"/>
+                <a:gd name="T51" fmla="*/ 111 h 196"/>
+                <a:gd name="T52" fmla="*/ 204 w 249"/>
+                <a:gd name="T53" fmla="*/ 111 h 196"/>
+                <a:gd name="T54" fmla="*/ 204 w 249"/>
+                <a:gd name="T55" fmla="*/ 141 h 196"/>
+                <a:gd name="T56" fmla="*/ 161 w 249"/>
+                <a:gd name="T57" fmla="*/ 97 h 196"/>
+                <a:gd name="T58" fmla="*/ 204 w 249"/>
+                <a:gd name="T59" fmla="*/ 54 h 196"/>
+                <a:gd name="T60" fmla="*/ 204 w 249"/>
+                <a:gd name="T61" fmla="*/ 84 h 196"/>
+                <a:gd name="T62" fmla="*/ 249 w 249"/>
+                <a:gd name="T63" fmla="*/ 84 h 196"/>
+                <a:gd name="T64" fmla="*/ 249 w 249"/>
+                <a:gd name="T65" fmla="*/ 111 h 196"/>
+              </a:gdLst>
+              <a:ahLst/>
+              <a:cxnLst>
+                <a:cxn ang="0">
+                  <a:pos x="T0" y="T1"/>
+                </a:cxn>
+                <a:cxn ang="0">
+                  <a:pos x="T2" y="T3"/>
+                </a:cxn>
+                <a:cxn ang="0">
+                  <a:pos x="T4" y="T5"/>
+                </a:cxn>
+                <a:cxn ang="0">
+                  <a:pos x="T6" y="T7"/>
+                </a:cxn>
+                <a:cxn ang="0">
+                  <a:pos x="T8" y="T9"/>
+                </a:cxn>
+                <a:cxn ang="0">
+                  <a:pos x="T10" y="T11"/>
+                </a:cxn>
+                <a:cxn ang="0">
+                  <a:pos x="T12" y="T13"/>
+                </a:cxn>
+                <a:cxn ang="0">
+                  <a:pos x="T14" y="T15"/>
+                </a:cxn>
+                <a:cxn ang="0">
+                  <a:pos x="T16" y="T17"/>
+                </a:cxn>
+                <a:cxn ang="0">
+                  <a:pos x="T18" y="T19"/>
+                </a:cxn>
+                <a:cxn ang="0">
+                  <a:pos x="T20" y="T21"/>
+                </a:cxn>
+                <a:cxn ang="0">
+                  <a:pos x="T22" y="T23"/>
+                </a:cxn>
+                <a:cxn ang="0">
+                  <a:pos x="T24" y="T25"/>
+                </a:cxn>
+                <a:cxn ang="0">
+                  <a:pos x="T26" y="T27"/>
+                </a:cxn>
+                <a:cxn ang="0">
+                  <a:pos x="T28" y="T29"/>
+                </a:cxn>
+                <a:cxn ang="0">
+                  <a:pos x="T30" y="T31"/>
+                </a:cxn>
+                <a:cxn ang="0">
+                  <a:pos x="T32" y="T33"/>
+                </a:cxn>
+                <a:cxn ang="0">
+                  <a:pos x="T34" y="T35"/>
+                </a:cxn>
+                <a:cxn ang="0">
+                  <a:pos x="T36" y="T37"/>
+                </a:cxn>
+                <a:cxn ang="0">
+                  <a:pos x="T38" y="T39"/>
+                </a:cxn>
+                <a:cxn ang="0">
+                  <a:pos x="T40" y="T41"/>
+                </a:cxn>
+                <a:cxn ang="0">
+                  <a:pos x="T42" y="T43"/>
+                </a:cxn>
+                <a:cxn ang="0">
+                  <a:pos x="T44" y="T45"/>
+                </a:cxn>
+                <a:cxn ang="0">
+                  <a:pos x="T46" y="T47"/>
+                </a:cxn>
+                <a:cxn ang="0">
+                  <a:pos x="T48" y="T49"/>
+                </a:cxn>
+                <a:cxn ang="0">
+                  <a:pos x="T50" y="T51"/>
+                </a:cxn>
+                <a:cxn ang="0">
+                  <a:pos x="T52" y="T53"/>
+                </a:cxn>
+                <a:cxn ang="0">
+                  <a:pos x="T54" y="T55"/>
+                </a:cxn>
+                <a:cxn ang="0">
+                  <a:pos x="T56" y="T57"/>
+                </a:cxn>
+                <a:cxn ang="0">
+                  <a:pos x="T58" y="T59"/>
+                </a:cxn>
+                <a:cxn ang="0">
+                  <a:pos x="T60" y="T61"/>
+                </a:cxn>
+                <a:cxn ang="0">
+                  <a:pos x="T62" y="T63"/>
+                </a:cxn>
+                <a:cxn ang="0">
+                  <a:pos x="T64" y="T65"/>
+                </a:cxn>
+              </a:cxnLst>
+              <a:rect l="0" t="0" r="r" b="b"/>
+              <a:pathLst>
+                <a:path w="249" h="196">
+                  <a:moveTo>
+                    <a:pt x="79" y="44"/>
+                  </a:moveTo>
+                  <a:lnTo>
+                    <a:pt x="125" y="0"/>
+                  </a:lnTo>
+                  <a:lnTo>
+                    <a:pt x="168" y="44"/>
+                  </a:lnTo>
+                  <a:lnTo>
+                    <a:pt x="136" y="44"/>
+                  </a:lnTo>
+                  <a:lnTo>
+                    <a:pt x="136" y="76"/>
+                  </a:lnTo>
+                  <a:lnTo>
+                    <a:pt x="109" y="76"/>
+                  </a:lnTo>
+                  <a:lnTo>
+                    <a:pt x="109" y="44"/>
+                  </a:lnTo>
+                  <a:lnTo>
+                    <a:pt x="79" y="44"/>
+                  </a:lnTo>
+                  <a:close/>
+                  <a:moveTo>
+                    <a:pt x="0" y="111"/>
+                  </a:moveTo>
+                  <a:lnTo>
+                    <a:pt x="0" y="84"/>
+                  </a:lnTo>
+                  <a:lnTo>
+                    <a:pt x="45" y="84"/>
+                  </a:lnTo>
+                  <a:lnTo>
+                    <a:pt x="45" y="54"/>
+                  </a:lnTo>
+                  <a:lnTo>
+                    <a:pt x="87" y="97"/>
+                  </a:lnTo>
+                  <a:lnTo>
+                    <a:pt x="45" y="139"/>
+                  </a:lnTo>
+                  <a:lnTo>
+                    <a:pt x="45" y="111"/>
+                  </a:lnTo>
+                  <a:lnTo>
+                    <a:pt x="0" y="111"/>
+                  </a:lnTo>
+                  <a:lnTo>
+                    <a:pt x="0" y="111"/>
+                  </a:lnTo>
+                  <a:close/>
+                  <a:moveTo>
+                    <a:pt x="125" y="196"/>
+                  </a:moveTo>
+                  <a:lnTo>
+                    <a:pt x="79" y="153"/>
+                  </a:lnTo>
+                  <a:lnTo>
+                    <a:pt x="109" y="153"/>
+                  </a:lnTo>
+                  <a:lnTo>
+                    <a:pt x="109" y="120"/>
+                  </a:lnTo>
+                  <a:lnTo>
+                    <a:pt x="136" y="120"/>
+                  </a:lnTo>
+                  <a:lnTo>
+                    <a:pt x="136" y="153"/>
+                  </a:lnTo>
+                  <a:lnTo>
+                    <a:pt x="168" y="153"/>
+                  </a:lnTo>
+                  <a:lnTo>
+                    <a:pt x="125" y="196"/>
+                  </a:lnTo>
+                  <a:close/>
+                  <a:moveTo>
+                    <a:pt x="249" y="111"/>
+                  </a:moveTo>
+                  <a:lnTo>
+                    <a:pt x="204" y="111"/>
+                  </a:lnTo>
+                  <a:lnTo>
+                    <a:pt x="204" y="141"/>
+                  </a:lnTo>
+                  <a:lnTo>
+                    <a:pt x="161" y="97"/>
+                  </a:lnTo>
+                  <a:lnTo>
+                    <a:pt x="204" y="54"/>
+                  </a:lnTo>
+                  <a:lnTo>
+                    <a:pt x="204" y="84"/>
+                  </a:lnTo>
+                  <a:lnTo>
+                    <a:pt x="249" y="84"/>
+                  </a:lnTo>
+                  <a:lnTo>
+                    <a:pt x="249" y="111"/>
+                  </a:lnTo>
+                  <a:close/>
+                </a:path>
+              </a:pathLst>
+            </a:custGeom>
+            <a:solidFill>
+              <a:srgbClr val="FFFFFF"/>
+            </a:solidFill>
+            <a:ln>
+              <a:noFill/>
+            </a:ln>
+            <a:extLst>
+              <a:ext uri="{91240B29-F687-4F45-9708-019B960494DF}">
+                <a14:hiddenLine xmlns:a14="http://schemas.microsoft.com/office/drawing/2010/main" w="9525">
+                  <a:solidFill>
+                    <a:srgbClr val="000000"/>
+                  </a:solidFill>
+                  <a:round/>
+                  <a:headEnd/>
+                  <a:tailEnd/>
+                </a14:hiddenLine>
+              </a:ext>
+            </a:extLst>
+          </p:spPr>
+          <p:txBody>
+            <a:bodyPr vert="horz" wrap="square" lIns="91440" tIns="45720" rIns="91440" bIns="45720" numCol="1" anchor="t" anchorCtr="0" compatLnSpc="1">
+              <a:prstTxWarp prst="textNoShape">
+                <a:avLst/>
+              </a:prstTxWarp>
+            </a:bodyPr>
+            <a:lstStyle/>
+            <a:p>
+              <a:endParaRPr lang="ja-JP" altLang="en-US" sz="2400">
+                <a:latin typeface="Yu Gothic UI" panose="020B0500000000000000" pitchFamily="50" charset="-128"/>
+                <a:ea typeface="Yu Gothic UI" panose="020B0500000000000000" pitchFamily="50" charset="-128"/>
+              </a:endParaRPr>
+            </a:p>
+          </p:txBody>
+        </p:sp>
+      </p:grpSp>
+      <p:sp>
+        <p:nvSpPr>
+          <p:cNvPr id="122" name="正方形/長方形 121">
+            <a:extLst>
+              <a:ext uri="{FF2B5EF4-FFF2-40B4-BE49-F238E27FC236}">
+                <a16:creationId xmlns:a16="http://schemas.microsoft.com/office/drawing/2014/main" id="{0989390A-6588-626B-E588-3919960C11CB}"/>
+              </a:ext>
+            </a:extLst>
+          </p:cNvPr>
+          <p:cNvSpPr/>
+          <p:nvPr/>
+        </p:nvSpPr>
+        <p:spPr>
+          <a:xfrm>
+            <a:off x="6522501" y="1808177"/>
+            <a:ext cx="928608" cy="757414"/>
+          </a:xfrm>
+          <a:prstGeom prst="rect">
+            <a:avLst/>
+          </a:prstGeom>
+          <a:solidFill>
+            <a:schemeClr val="accent6">
+              <a:lumMod val="20000"/>
+              <a:lumOff val="80000"/>
+            </a:schemeClr>
+          </a:solidFill>
+          <a:ln>
+            <a:noFill/>
+          </a:ln>
+        </p:spPr>
+        <p:style>
+          <a:lnRef idx="2">
+            <a:schemeClr val="accent1">
+              <a:shade val="50000"/>
+            </a:schemeClr>
+          </a:lnRef>
+          <a:fillRef idx="1">
+            <a:schemeClr val="accent1"/>
+          </a:fillRef>
+          <a:effectRef idx="0">
+            <a:schemeClr val="accent1"/>
+          </a:effectRef>
+          <a:fontRef idx="minor">
+            <a:schemeClr val="lt1"/>
+          </a:fontRef>
+        </p:style>
+        <p:txBody>
+          <a:bodyPr rtlCol="0" anchor="ctr"/>
+          <a:lstStyle/>
+          <a:p>
+            <a:pPr algn="ctr"/>
+            <a:endParaRPr kumimoji="1" lang="en-US" sz="2400" dirty="0">
+              <a:latin typeface="Yu Gothic UI" panose="020B0500000000000000" pitchFamily="50" charset="-128"/>
+              <a:ea typeface="Yu Gothic UI" panose="020B0500000000000000" pitchFamily="50" charset="-128"/>
+            </a:endParaRPr>
+          </a:p>
+        </p:txBody>
+      </p:sp>
+      <p:pic>
+        <p:nvPicPr>
+          <p:cNvPr id="123" name="グラフィックス 122">
+            <a:extLst>
+              <a:ext uri="{FF2B5EF4-FFF2-40B4-BE49-F238E27FC236}">
+                <a16:creationId xmlns:a16="http://schemas.microsoft.com/office/drawing/2014/main" id="{0D3C9D5E-C257-BE7F-194E-6FAB3A7772B2}"/>
+              </a:ext>
+            </a:extLst>
+          </p:cNvPr>
+          <p:cNvPicPr>
+            <a:picLocks noChangeAspect="1"/>
+          </p:cNvPicPr>
+          <p:nvPr/>
+        </p:nvPicPr>
+        <p:blipFill>
+          <a:blip r:embed="rId8">
+            <a:extLst>
+              <a:ext uri="{28A0092B-C50C-407E-A947-70E740481C1C}">
+                <a14:useLocalDpi xmlns:a14="http://schemas.microsoft.com/office/drawing/2010/main" val="0"/>
+              </a:ext>
+              <a:ext uri="{96DAC541-7B7A-43D3-8B79-37D633B846F1}">
+                <asvg:svgBlip xmlns:asvg="http://schemas.microsoft.com/office/drawing/2016/SVG/main" r:embed="rId9"/>
+              </a:ext>
+            </a:extLst>
+          </a:blip>
+          <a:stretch>
+            <a:fillRect/>
+          </a:stretch>
+        </p:blipFill>
+        <p:spPr>
+          <a:xfrm>
+            <a:off x="6376238" y="1636727"/>
+            <a:ext cx="171450" cy="171450"/>
+          </a:xfrm>
+          <a:prstGeom prst="rect">
+            <a:avLst/>
+          </a:prstGeom>
+        </p:spPr>
+      </p:pic>
+      <p:sp>
+        <p:nvSpPr>
+          <p:cNvPr id="124" name="テキスト ボックス 123">
+            <a:extLst>
+              <a:ext uri="{FF2B5EF4-FFF2-40B4-BE49-F238E27FC236}">
+                <a16:creationId xmlns:a16="http://schemas.microsoft.com/office/drawing/2014/main" id="{87D54D6D-4383-0942-2538-4D37EF3E21FE}"/>
+              </a:ext>
+            </a:extLst>
+          </p:cNvPr>
+          <p:cNvSpPr txBox="1"/>
+          <p:nvPr/>
+        </p:nvSpPr>
+        <p:spPr>
+          <a:xfrm>
+            <a:off x="6552368" y="1569679"/>
+            <a:ext cx="1067614" cy="246221"/>
+          </a:xfrm>
+          <a:prstGeom prst="rect">
+            <a:avLst/>
+          </a:prstGeom>
+          <a:noFill/>
+        </p:spPr>
+        <p:txBody>
+          <a:bodyPr wrap="square" lIns="0" tIns="0" rIns="0" bIns="0" rtlCol="0">
+            <a:spAutoFit/>
+          </a:bodyPr>
+          <a:lstStyle/>
+          <a:p>
+            <a:r>
+              <a:rPr kumimoji="1" lang="en-US" altLang="ja-JP" sz="800" dirty="0">
+                <a:latin typeface="Yu Gothic UI" panose="020B0500000000000000" pitchFamily="50" charset="-128"/>
+                <a:ea typeface="Yu Gothic UI" panose="020B0500000000000000" pitchFamily="50" charset="-128"/>
+              </a:rPr>
+              <a:t>AzureFirewallSubnet</a:t>
+            </a:r>
+          </a:p>
+          <a:p>
+            <a:r>
+              <a:rPr kumimoji="1" lang="en-US" altLang="ja-JP" sz="800" dirty="0">
+                <a:latin typeface="Yu Gothic UI" panose="020B0500000000000000" pitchFamily="50" charset="-128"/>
+                <a:ea typeface="Yu Gothic UI" panose="020B0500000000000000" pitchFamily="50" charset="-128"/>
+              </a:rPr>
+              <a:t>(</a:t>
+            </a:r>
+            <a:r>
+              <a:rPr kumimoji="1" lang="ja-JP" altLang="en-US" sz="800" dirty="0">
+                <a:latin typeface="Yu Gothic UI" panose="020B0500000000000000" pitchFamily="50" charset="-128"/>
+                <a:ea typeface="Yu Gothic UI" panose="020B0500000000000000" pitchFamily="50" charset="-128"/>
+              </a:rPr>
+              <a:t>サブネット</a:t>
+            </a:r>
+            <a:r>
+              <a:rPr kumimoji="1" lang="en-US" altLang="ja-JP" sz="800" dirty="0">
+                <a:latin typeface="Yu Gothic UI" panose="020B0500000000000000" pitchFamily="50" charset="-128"/>
+                <a:ea typeface="Yu Gothic UI" panose="020B0500000000000000" pitchFamily="50" charset="-128"/>
+              </a:rPr>
+              <a:t>)</a:t>
+            </a:r>
+            <a:endParaRPr kumimoji="1" lang="en-US" sz="800" dirty="0">
+              <a:latin typeface="Yu Gothic UI" panose="020B0500000000000000" pitchFamily="50" charset="-128"/>
+              <a:ea typeface="Yu Gothic UI" panose="020B0500000000000000" pitchFamily="50" charset="-128"/>
+            </a:endParaRPr>
+          </a:p>
+        </p:txBody>
+      </p:sp>
+      <p:pic>
+        <p:nvPicPr>
+          <p:cNvPr id="38" name="グラフィックス 37">
+            <a:extLst>
+              <a:ext uri="{FF2B5EF4-FFF2-40B4-BE49-F238E27FC236}">
+                <a16:creationId xmlns:a16="http://schemas.microsoft.com/office/drawing/2014/main" id="{5F484435-7D98-9719-AA23-A946EB24AD91}"/>
+              </a:ext>
+            </a:extLst>
+          </p:cNvPr>
+          <p:cNvPicPr>
+            <a:picLocks noChangeAspect="1"/>
+          </p:cNvPicPr>
+          <p:nvPr/>
+        </p:nvPicPr>
+        <p:blipFill>
+          <a:blip r:embed="rId10">
+            <a:extLst>
+              <a:ext uri="{28A0092B-C50C-407E-A947-70E740481C1C}">
+                <a14:useLocalDpi xmlns:a14="http://schemas.microsoft.com/office/drawing/2010/main" val="0"/>
+              </a:ext>
+              <a:ext uri="{96DAC541-7B7A-43D3-8B79-37D633B846F1}">
+                <asvg:svgBlip xmlns:asvg="http://schemas.microsoft.com/office/drawing/2016/SVG/main" r:embed="rId11"/>
+              </a:ext>
+            </a:extLst>
+          </a:blip>
+          <a:stretch>
+            <a:fillRect/>
+          </a:stretch>
+        </p:blipFill>
+        <p:spPr>
+          <a:xfrm>
+            <a:off x="6894372" y="1880458"/>
+            <a:ext cx="261390" cy="261390"/>
+          </a:xfrm>
+          <a:prstGeom prst="rect">
+            <a:avLst/>
+          </a:prstGeom>
+        </p:spPr>
+      </p:pic>
+      <p:cxnSp>
+        <p:nvCxnSpPr>
+          <p:cNvPr id="126" name="直線コネクタ 125">
+            <a:extLst>
+              <a:ext uri="{FF2B5EF4-FFF2-40B4-BE49-F238E27FC236}">
+                <a16:creationId xmlns:a16="http://schemas.microsoft.com/office/drawing/2014/main" id="{CD8916BD-CAF0-5F2D-82AA-1ABD2FB57511}"/>
+              </a:ext>
+            </a:extLst>
+          </p:cNvPr>
+          <p:cNvCxnSpPr>
+            <a:cxnSpLocks/>
+          </p:cNvCxnSpPr>
+          <p:nvPr/>
+        </p:nvCxnSpPr>
+        <p:spPr>
+          <a:xfrm>
+            <a:off x="6159395" y="2603871"/>
+            <a:ext cx="0" cy="1485892"/>
+          </a:xfrm>
+          <a:prstGeom prst="line">
+            <a:avLst/>
+          </a:prstGeom>
+          <a:ln w="12700">
+            <a:solidFill>
+              <a:schemeClr val="accent5"/>
+            </a:solidFill>
+            <a:headEnd type="arrow" w="med" len="med"/>
+            <a:tailEnd type="arrow" w="med" len="med"/>
+          </a:ln>
+        </p:spPr>
+        <p:style>
+          <a:lnRef idx="1">
+            <a:schemeClr val="accent1"/>
+          </a:lnRef>
+          <a:fillRef idx="0">
+            <a:schemeClr val="accent1"/>
+          </a:fillRef>
+          <a:effectRef idx="0">
+            <a:schemeClr val="accent1"/>
+          </a:effectRef>
+          <a:fontRef idx="minor">
+            <a:schemeClr val="tx1"/>
+          </a:fontRef>
+        </p:style>
+      </p:cxnSp>
+      <p:sp>
+        <p:nvSpPr>
+          <p:cNvPr id="98" name="テキスト ボックス 97">
+            <a:extLst>
+              <a:ext uri="{FF2B5EF4-FFF2-40B4-BE49-F238E27FC236}">
+                <a16:creationId xmlns:a16="http://schemas.microsoft.com/office/drawing/2014/main" id="{19661778-A7BD-9617-1B35-9B74ED103F3E}"/>
+              </a:ext>
+            </a:extLst>
+          </p:cNvPr>
+          <p:cNvSpPr txBox="1"/>
+          <p:nvPr/>
+        </p:nvSpPr>
+        <p:spPr>
+          <a:xfrm>
+            <a:off x="4985744" y="3801627"/>
+            <a:ext cx="1233451" cy="246221"/>
+          </a:xfrm>
+          <a:prstGeom prst="rect">
+            <a:avLst/>
+          </a:prstGeom>
+          <a:noFill/>
+        </p:spPr>
+        <p:txBody>
+          <a:bodyPr wrap="square" lIns="0" tIns="0" rIns="0" bIns="0" rtlCol="0">
+            <a:spAutoFit/>
+          </a:bodyPr>
+          <a:lstStyle/>
+          <a:p>
+            <a:r>
+              <a:rPr kumimoji="1" lang="en-US" altLang="ja-JP" sz="800" dirty="0">
+                <a:latin typeface="Yu Gothic UI" panose="020B0500000000000000" pitchFamily="50" charset="-128"/>
+                <a:ea typeface="Yu Gothic UI" panose="020B0500000000000000" pitchFamily="50" charset="-128"/>
+              </a:rPr>
+              <a:t>vnet-web</a:t>
+            </a:r>
+          </a:p>
+          <a:p>
+            <a:r>
+              <a:rPr kumimoji="1" lang="en-US" altLang="ja-JP" sz="800" dirty="0">
+                <a:latin typeface="Yu Gothic UI" panose="020B0500000000000000" pitchFamily="50" charset="-128"/>
+                <a:ea typeface="Yu Gothic UI" panose="020B0500000000000000" pitchFamily="50" charset="-128"/>
+              </a:rPr>
+              <a:t>(</a:t>
+            </a:r>
+            <a:r>
+              <a:rPr kumimoji="1" lang="ja-JP" altLang="en-US" sz="800" dirty="0">
+                <a:latin typeface="Yu Gothic UI" panose="020B0500000000000000" pitchFamily="50" charset="-128"/>
+                <a:ea typeface="Yu Gothic UI" panose="020B0500000000000000" pitchFamily="50" charset="-128"/>
+              </a:rPr>
+              <a:t>仮想ネットワーク</a:t>
+            </a:r>
+            <a:r>
+              <a:rPr kumimoji="1" lang="en-US" altLang="ja-JP" sz="800" dirty="0">
+                <a:latin typeface="Yu Gothic UI" panose="020B0500000000000000" pitchFamily="50" charset="-128"/>
+                <a:ea typeface="Yu Gothic UI" panose="020B0500000000000000" pitchFamily="50" charset="-128"/>
+              </a:rPr>
+              <a:t>)</a:t>
+            </a:r>
+            <a:endParaRPr kumimoji="1" lang="en-US" sz="800" dirty="0">
+              <a:latin typeface="Yu Gothic UI" panose="020B0500000000000000" pitchFamily="50" charset="-128"/>
+              <a:ea typeface="Yu Gothic UI" panose="020B0500000000000000" pitchFamily="50" charset="-128"/>
+            </a:endParaRPr>
+          </a:p>
+        </p:txBody>
+      </p:sp>
+      <p:sp>
+        <p:nvSpPr>
+          <p:cNvPr id="131" name="正方形/長方形 130">
+            <a:extLst>
+              <a:ext uri="{FF2B5EF4-FFF2-40B4-BE49-F238E27FC236}">
+                <a16:creationId xmlns:a16="http://schemas.microsoft.com/office/drawing/2014/main" id="{F4772C72-E13E-DF6B-E395-38BEA83F4064}"/>
+              </a:ext>
+            </a:extLst>
+          </p:cNvPr>
+          <p:cNvSpPr/>
+          <p:nvPr/>
+        </p:nvSpPr>
+        <p:spPr>
+          <a:xfrm>
+            <a:off x="4874831" y="4365728"/>
+            <a:ext cx="890944" cy="863087"/>
+          </a:xfrm>
+          <a:prstGeom prst="rect">
+            <a:avLst/>
+          </a:prstGeom>
+          <a:solidFill>
+            <a:schemeClr val="accent6">
+              <a:lumMod val="20000"/>
+              <a:lumOff val="80000"/>
+            </a:schemeClr>
+          </a:solidFill>
+          <a:ln>
+            <a:noFill/>
+          </a:ln>
+        </p:spPr>
+        <p:style>
+          <a:lnRef idx="2">
+            <a:schemeClr val="accent1">
+              <a:shade val="50000"/>
+            </a:schemeClr>
+          </a:lnRef>
+          <a:fillRef idx="1">
+            <a:schemeClr val="accent1"/>
+          </a:fillRef>
+          <a:effectRef idx="0">
+            <a:schemeClr val="accent1"/>
+          </a:effectRef>
+          <a:fontRef idx="minor">
+            <a:schemeClr val="lt1"/>
+          </a:fontRef>
+        </p:style>
+        <p:txBody>
+          <a:bodyPr rtlCol="0" anchor="ctr"/>
+          <a:lstStyle/>
+          <a:p>
+            <a:pPr algn="ctr"/>
+            <a:endParaRPr kumimoji="1" lang="en-US" sz="2400" dirty="0">
+              <a:latin typeface="Yu Gothic UI" panose="020B0500000000000000" pitchFamily="50" charset="-128"/>
+              <a:ea typeface="Yu Gothic UI" panose="020B0500000000000000" pitchFamily="50" charset="-128"/>
+            </a:endParaRPr>
+          </a:p>
+        </p:txBody>
+      </p:sp>
+      <p:pic>
+        <p:nvPicPr>
+          <p:cNvPr id="132" name="グラフィックス 131">
+            <a:extLst>
+              <a:ext uri="{FF2B5EF4-FFF2-40B4-BE49-F238E27FC236}">
+                <a16:creationId xmlns:a16="http://schemas.microsoft.com/office/drawing/2014/main" id="{255D5836-1F5A-9860-4756-F5AEC8E749BE}"/>
+              </a:ext>
+            </a:extLst>
+          </p:cNvPr>
+          <p:cNvPicPr>
+            <a:picLocks noChangeAspect="1"/>
+          </p:cNvPicPr>
+          <p:nvPr/>
+        </p:nvPicPr>
+        <p:blipFill>
+          <a:blip r:embed="rId8">
+            <a:extLst>
+              <a:ext uri="{28A0092B-C50C-407E-A947-70E740481C1C}">
+                <a14:useLocalDpi xmlns:a14="http://schemas.microsoft.com/office/drawing/2010/main" val="0"/>
+              </a:ext>
+              <a:ext uri="{96DAC541-7B7A-43D3-8B79-37D633B846F1}">
+                <asvg:svgBlip xmlns:asvg="http://schemas.microsoft.com/office/drawing/2016/SVG/main" r:embed="rId9"/>
+              </a:ext>
+            </a:extLst>
+          </a:blip>
+          <a:stretch>
+            <a:fillRect/>
+          </a:stretch>
+        </p:blipFill>
+        <p:spPr>
+          <a:xfrm>
+            <a:off x="4876679" y="4194279"/>
+            <a:ext cx="171450" cy="171450"/>
+          </a:xfrm>
+          <a:prstGeom prst="rect">
+            <a:avLst/>
+          </a:prstGeom>
+        </p:spPr>
+      </p:pic>
+      <p:sp>
+        <p:nvSpPr>
+          <p:cNvPr id="133" name="テキスト ボックス 132">
+            <a:extLst>
+              <a:ext uri="{FF2B5EF4-FFF2-40B4-BE49-F238E27FC236}">
+                <a16:creationId xmlns:a16="http://schemas.microsoft.com/office/drawing/2014/main" id="{FA6C66ED-6C4D-AF18-0975-BD8F19735EE6}"/>
+              </a:ext>
+            </a:extLst>
+          </p:cNvPr>
+          <p:cNvSpPr txBox="1"/>
+          <p:nvPr/>
+        </p:nvSpPr>
+        <p:spPr>
+          <a:xfrm>
+            <a:off x="5052809" y="4127231"/>
+            <a:ext cx="628822" cy="246221"/>
+          </a:xfrm>
+          <a:prstGeom prst="rect">
+            <a:avLst/>
+          </a:prstGeom>
+          <a:noFill/>
+        </p:spPr>
+        <p:txBody>
+          <a:bodyPr wrap="square" lIns="0" tIns="0" rIns="0" bIns="0" rtlCol="0">
+            <a:spAutoFit/>
+          </a:bodyPr>
+          <a:lstStyle/>
+          <a:p>
+            <a:r>
+              <a:rPr kumimoji="1" lang="en-US" altLang="ja-JP" sz="800" dirty="0">
+                <a:latin typeface="Yu Gothic UI" panose="020B0500000000000000" pitchFamily="50" charset="-128"/>
+                <a:ea typeface="Yu Gothic UI" panose="020B0500000000000000" pitchFamily="50" charset="-128"/>
+              </a:rPr>
+              <a:t>snet-</a:t>
+            </a:r>
+            <a:r>
+              <a:rPr kumimoji="1" lang="en-US" altLang="ja-JP" sz="800" dirty="0" err="1">
+                <a:latin typeface="Yu Gothic UI" panose="020B0500000000000000" pitchFamily="50" charset="-128"/>
+                <a:ea typeface="Yu Gothic UI" panose="020B0500000000000000" pitchFamily="50" charset="-128"/>
+              </a:rPr>
+              <a:t>agw</a:t>
+            </a:r>
+            <a:endParaRPr kumimoji="1" lang="en-US" altLang="ja-JP" sz="800" dirty="0">
+              <a:latin typeface="Yu Gothic UI" panose="020B0500000000000000" pitchFamily="50" charset="-128"/>
+              <a:ea typeface="Yu Gothic UI" panose="020B0500000000000000" pitchFamily="50" charset="-128"/>
+            </a:endParaRPr>
+          </a:p>
+          <a:p>
+            <a:r>
+              <a:rPr kumimoji="1" lang="en-US" altLang="ja-JP" sz="800" dirty="0">
+                <a:latin typeface="Yu Gothic UI" panose="020B0500000000000000" pitchFamily="50" charset="-128"/>
+                <a:ea typeface="Yu Gothic UI" panose="020B0500000000000000" pitchFamily="50" charset="-128"/>
+              </a:rPr>
+              <a:t>(</a:t>
+            </a:r>
+            <a:r>
+              <a:rPr kumimoji="1" lang="ja-JP" altLang="en-US" sz="800" dirty="0">
+                <a:latin typeface="Yu Gothic UI" panose="020B0500000000000000" pitchFamily="50" charset="-128"/>
+                <a:ea typeface="Yu Gothic UI" panose="020B0500000000000000" pitchFamily="50" charset="-128"/>
+              </a:rPr>
+              <a:t>サブネット</a:t>
+            </a:r>
+            <a:r>
+              <a:rPr kumimoji="1" lang="en-US" altLang="ja-JP" sz="800" dirty="0">
+                <a:latin typeface="Yu Gothic UI" panose="020B0500000000000000" pitchFamily="50" charset="-128"/>
+                <a:ea typeface="Yu Gothic UI" panose="020B0500000000000000" pitchFamily="50" charset="-128"/>
+              </a:rPr>
+              <a:t>)</a:t>
+            </a:r>
+            <a:endParaRPr kumimoji="1" lang="en-US" sz="800" dirty="0">
+              <a:latin typeface="Yu Gothic UI" panose="020B0500000000000000" pitchFamily="50" charset="-128"/>
+              <a:ea typeface="Yu Gothic UI" panose="020B0500000000000000" pitchFamily="50" charset="-128"/>
+            </a:endParaRPr>
+          </a:p>
+        </p:txBody>
+      </p:sp>
+      <p:pic>
+        <p:nvPicPr>
+          <p:cNvPr id="135" name="グラフィックス 134">
+            <a:extLst>
+              <a:ext uri="{FF2B5EF4-FFF2-40B4-BE49-F238E27FC236}">
+                <a16:creationId xmlns:a16="http://schemas.microsoft.com/office/drawing/2014/main" id="{7F0C733B-C4E8-A0BC-8912-442230E20D87}"/>
+              </a:ext>
+            </a:extLst>
+          </p:cNvPr>
+          <p:cNvPicPr>
+            <a:picLocks noChangeAspect="1"/>
+          </p:cNvPicPr>
+          <p:nvPr/>
+        </p:nvPicPr>
+        <p:blipFill>
+          <a:blip r:embed="rId12">
+            <a:extLst>
+              <a:ext uri="{28A0092B-C50C-407E-A947-70E740481C1C}">
+                <a14:useLocalDpi xmlns:a14="http://schemas.microsoft.com/office/drawing/2010/main" val="0"/>
+              </a:ext>
+              <a:ext uri="{96DAC541-7B7A-43D3-8B79-37D633B846F1}">
+                <asvg:svgBlip xmlns:asvg="http://schemas.microsoft.com/office/drawing/2016/SVG/main" r:embed="rId13"/>
+              </a:ext>
+            </a:extLst>
+          </a:blip>
+          <a:stretch>
+            <a:fillRect/>
+          </a:stretch>
+        </p:blipFill>
+        <p:spPr>
+          <a:xfrm>
+            <a:off x="5182242" y="4488569"/>
+            <a:ext cx="285904" cy="285904"/>
+          </a:xfrm>
+          <a:prstGeom prst="rect">
+            <a:avLst/>
+          </a:prstGeom>
+        </p:spPr>
+      </p:pic>
+      <p:pic>
+        <p:nvPicPr>
+          <p:cNvPr id="137" name="グラフィックス 136" descr="雲 枠線">
+            <a:extLst>
+              <a:ext uri="{FF2B5EF4-FFF2-40B4-BE49-F238E27FC236}">
+                <a16:creationId xmlns:a16="http://schemas.microsoft.com/office/drawing/2014/main" id="{5FB84614-6FD4-6244-6B31-9BD1D90DCA05}"/>
+              </a:ext>
+            </a:extLst>
+          </p:cNvPr>
+          <p:cNvPicPr>
+            <a:picLocks noChangeAspect="1"/>
+          </p:cNvPicPr>
+          <p:nvPr/>
+        </p:nvPicPr>
+        <p:blipFill>
+          <a:blip r:embed="rId14">
+            <a:extLst>
+              <a:ext uri="{28A0092B-C50C-407E-A947-70E740481C1C}">
+                <a14:useLocalDpi xmlns:a14="http://schemas.microsoft.com/office/drawing/2010/main" val="0"/>
+              </a:ext>
+              <a:ext uri="{96DAC541-7B7A-43D3-8B79-37D633B846F1}">
+                <asvg:svgBlip xmlns:asvg="http://schemas.microsoft.com/office/drawing/2016/SVG/main" r:embed="rId15"/>
+              </a:ext>
+            </a:extLst>
+          </a:blip>
+          <a:stretch>
+            <a:fillRect/>
+          </a:stretch>
+        </p:blipFill>
+        <p:spPr>
+          <a:xfrm>
+            <a:off x="1591010" y="4174321"/>
+            <a:ext cx="914400" cy="914400"/>
+          </a:xfrm>
+          <a:prstGeom prst="rect">
+            <a:avLst/>
+          </a:prstGeom>
+        </p:spPr>
+      </p:pic>
+      <p:cxnSp>
+        <p:nvCxnSpPr>
+          <p:cNvPr id="141" name="直線コネクタ 140">
+            <a:extLst>
+              <a:ext uri="{FF2B5EF4-FFF2-40B4-BE49-F238E27FC236}">
+                <a16:creationId xmlns:a16="http://schemas.microsoft.com/office/drawing/2014/main" id="{E8713BAA-1609-9D11-BEB5-3D658927C76B}"/>
+              </a:ext>
+            </a:extLst>
+          </p:cNvPr>
+          <p:cNvCxnSpPr>
+            <a:cxnSpLocks/>
+            <a:stCxn id="137" idx="3"/>
+            <a:endCxn id="135" idx="1"/>
+          </p:cNvCxnSpPr>
+          <p:nvPr/>
+        </p:nvCxnSpPr>
+        <p:spPr>
+          <a:xfrm>
+            <a:off x="2505410" y="4631521"/>
+            <a:ext cx="2676832" cy="0"/>
+          </a:xfrm>
+          <a:prstGeom prst="line">
+            <a:avLst/>
+          </a:prstGeom>
+          <a:ln w="12700">
+            <a:solidFill>
+              <a:schemeClr val="accent5"/>
+            </a:solidFill>
+            <a:headEnd type="none" w="med" len="med"/>
+            <a:tailEnd type="arrow" w="med" len="med"/>
+          </a:ln>
+        </p:spPr>
+        <p:style>
+          <a:lnRef idx="1">
+            <a:schemeClr val="accent1"/>
+          </a:lnRef>
+          <a:fillRef idx="0">
+            <a:schemeClr val="accent1"/>
+          </a:fillRef>
+          <a:effectRef idx="0">
+            <a:schemeClr val="accent1"/>
+          </a:effectRef>
+          <a:fontRef idx="minor">
+            <a:schemeClr val="tx1"/>
+          </a:fontRef>
+        </p:style>
+      </p:cxnSp>
+      <p:sp>
+        <p:nvSpPr>
+          <p:cNvPr id="145" name="テキスト ボックス 144">
+            <a:extLst>
+              <a:ext uri="{FF2B5EF4-FFF2-40B4-BE49-F238E27FC236}">
+                <a16:creationId xmlns:a16="http://schemas.microsoft.com/office/drawing/2014/main" id="{B6830E04-1477-C773-5D96-9578BC3DB667}"/>
+              </a:ext>
+            </a:extLst>
+          </p:cNvPr>
+          <p:cNvSpPr txBox="1"/>
+          <p:nvPr/>
+        </p:nvSpPr>
+        <p:spPr>
+          <a:xfrm>
+            <a:off x="5400336" y="2188055"/>
+            <a:ext cx="932215" cy="369332"/>
+          </a:xfrm>
+          <a:prstGeom prst="rect">
+            <a:avLst/>
+          </a:prstGeom>
+          <a:noFill/>
+        </p:spPr>
+        <p:txBody>
+          <a:bodyPr wrap="square" lIns="0" tIns="0" rIns="0" bIns="0" rtlCol="0">
+            <a:spAutoFit/>
+          </a:bodyPr>
+          <a:lstStyle/>
+          <a:p>
+            <a:pPr algn="ctr"/>
+            <a:r>
+              <a:rPr kumimoji="1" lang="en-US" altLang="ja-JP" sz="800" dirty="0" err="1">
+                <a:latin typeface="Yu Gothic UI" panose="020B0500000000000000" pitchFamily="50" charset="-128"/>
+                <a:ea typeface="Yu Gothic UI" panose="020B0500000000000000" pitchFamily="50" charset="-128"/>
+              </a:rPr>
+              <a:t>vpng-onprem</a:t>
+            </a:r>
+            <a:endParaRPr kumimoji="1" lang="en-US" altLang="ja-JP" sz="800" dirty="0">
+              <a:latin typeface="Yu Gothic UI" panose="020B0500000000000000" pitchFamily="50" charset="-128"/>
+              <a:ea typeface="Yu Gothic UI" panose="020B0500000000000000" pitchFamily="50" charset="-128"/>
+            </a:endParaRPr>
+          </a:p>
+          <a:p>
+            <a:pPr algn="ctr"/>
+            <a:r>
+              <a:rPr kumimoji="1" lang="en-US" altLang="ja-JP" sz="800" dirty="0">
+                <a:latin typeface="Yu Gothic UI" panose="020B0500000000000000" pitchFamily="50" charset="-128"/>
+                <a:ea typeface="Yu Gothic UI" panose="020B0500000000000000" pitchFamily="50" charset="-128"/>
+              </a:rPr>
+              <a:t>(</a:t>
+            </a:r>
+            <a:r>
+              <a:rPr kumimoji="1" lang="ja-JP" altLang="en-US" sz="800" dirty="0">
+                <a:latin typeface="Yu Gothic UI" panose="020B0500000000000000" pitchFamily="50" charset="-128"/>
+                <a:ea typeface="Yu Gothic UI" panose="020B0500000000000000" pitchFamily="50" charset="-128"/>
+              </a:rPr>
+              <a:t>仮想ネットワーク</a:t>
+            </a:r>
+            <a:br>
+              <a:rPr kumimoji="1" lang="en-US" altLang="ja-JP" sz="800" dirty="0">
+                <a:latin typeface="Yu Gothic UI" panose="020B0500000000000000" pitchFamily="50" charset="-128"/>
+                <a:ea typeface="Yu Gothic UI" panose="020B0500000000000000" pitchFamily="50" charset="-128"/>
+              </a:rPr>
+            </a:br>
+            <a:r>
+              <a:rPr kumimoji="1" lang="ja-JP" altLang="en-US" sz="800" dirty="0">
+                <a:latin typeface="Yu Gothic UI" panose="020B0500000000000000" pitchFamily="50" charset="-128"/>
+                <a:ea typeface="Yu Gothic UI" panose="020B0500000000000000" pitchFamily="50" charset="-128"/>
+              </a:rPr>
+              <a:t>ゲートウェイ</a:t>
+            </a:r>
+            <a:r>
+              <a:rPr kumimoji="1" lang="en-US" altLang="ja-JP" sz="800" dirty="0">
+                <a:latin typeface="Yu Gothic UI" panose="020B0500000000000000" pitchFamily="50" charset="-128"/>
+                <a:ea typeface="Yu Gothic UI" panose="020B0500000000000000" pitchFamily="50" charset="-128"/>
+              </a:rPr>
+              <a:t>)</a:t>
+            </a:r>
+            <a:endParaRPr kumimoji="1" lang="en-US" sz="800" dirty="0">
+              <a:latin typeface="Yu Gothic UI" panose="020B0500000000000000" pitchFamily="50" charset="-128"/>
+              <a:ea typeface="Yu Gothic UI" panose="020B0500000000000000" pitchFamily="50" charset="-128"/>
+            </a:endParaRPr>
+          </a:p>
+        </p:txBody>
+      </p:sp>
+      <p:sp>
+        <p:nvSpPr>
+          <p:cNvPr id="148" name="テキスト ボックス 147">
+            <a:extLst>
+              <a:ext uri="{FF2B5EF4-FFF2-40B4-BE49-F238E27FC236}">
+                <a16:creationId xmlns:a16="http://schemas.microsoft.com/office/drawing/2014/main" id="{55B77859-CFE5-CC01-A7CC-0AC0B1E423F7}"/>
+              </a:ext>
+            </a:extLst>
+          </p:cNvPr>
+          <p:cNvSpPr txBox="1"/>
+          <p:nvPr/>
+        </p:nvSpPr>
+        <p:spPr>
+          <a:xfrm>
+            <a:off x="6514586" y="2235966"/>
+            <a:ext cx="932215" cy="246221"/>
+          </a:xfrm>
+          <a:prstGeom prst="rect">
+            <a:avLst/>
+          </a:prstGeom>
+          <a:noFill/>
+        </p:spPr>
+        <p:txBody>
+          <a:bodyPr wrap="square" lIns="0" tIns="0" rIns="0" bIns="0" rtlCol="0">
+            <a:spAutoFit/>
+          </a:bodyPr>
+          <a:lstStyle/>
+          <a:p>
+            <a:pPr algn="ctr"/>
+            <a:r>
+              <a:rPr kumimoji="1" lang="en-US" altLang="ja-JP" sz="800" dirty="0" err="1">
+                <a:latin typeface="Yu Gothic UI" panose="020B0500000000000000" pitchFamily="50" charset="-128"/>
+                <a:ea typeface="Yu Gothic UI" panose="020B0500000000000000" pitchFamily="50" charset="-128"/>
+              </a:rPr>
+              <a:t>afw</a:t>
+            </a:r>
+            <a:r>
+              <a:rPr kumimoji="1" lang="en-US" altLang="ja-JP" sz="800" dirty="0">
+                <a:latin typeface="Yu Gothic UI" panose="020B0500000000000000" pitchFamily="50" charset="-128"/>
+                <a:ea typeface="Yu Gothic UI" panose="020B0500000000000000" pitchFamily="50" charset="-128"/>
+              </a:rPr>
+              <a:t>-shared</a:t>
+            </a:r>
+          </a:p>
+          <a:p>
+            <a:pPr algn="ctr"/>
+            <a:r>
+              <a:rPr kumimoji="1" lang="en-US" altLang="ja-JP" sz="800" dirty="0">
+                <a:latin typeface="Yu Gothic UI" panose="020B0500000000000000" pitchFamily="50" charset="-128"/>
+                <a:ea typeface="Yu Gothic UI" panose="020B0500000000000000" pitchFamily="50" charset="-128"/>
+              </a:rPr>
+              <a:t>(</a:t>
+            </a:r>
+            <a:r>
+              <a:rPr kumimoji="1" lang="ja-JP" altLang="en-US" sz="800" dirty="0">
+                <a:latin typeface="Yu Gothic UI" panose="020B0500000000000000" pitchFamily="50" charset="-128"/>
+                <a:ea typeface="Yu Gothic UI" panose="020B0500000000000000" pitchFamily="50" charset="-128"/>
+              </a:rPr>
+              <a:t>ファイアウォール</a:t>
+            </a:r>
+            <a:r>
+              <a:rPr kumimoji="1" lang="en-US" altLang="ja-JP" sz="800" dirty="0">
+                <a:latin typeface="Yu Gothic UI" panose="020B0500000000000000" pitchFamily="50" charset="-128"/>
+                <a:ea typeface="Yu Gothic UI" panose="020B0500000000000000" pitchFamily="50" charset="-128"/>
+              </a:rPr>
+              <a:t>)</a:t>
+            </a:r>
+            <a:endParaRPr kumimoji="1" lang="en-US" sz="800" dirty="0">
+              <a:latin typeface="Yu Gothic UI" panose="020B0500000000000000" pitchFamily="50" charset="-128"/>
+              <a:ea typeface="Yu Gothic UI" panose="020B0500000000000000" pitchFamily="50" charset="-128"/>
+            </a:endParaRPr>
+          </a:p>
+        </p:txBody>
+      </p:sp>
+      <p:pic>
+        <p:nvPicPr>
+          <p:cNvPr id="152" name="グラフィックス 151">
+            <a:extLst>
+              <a:ext uri="{FF2B5EF4-FFF2-40B4-BE49-F238E27FC236}">
+                <a16:creationId xmlns:a16="http://schemas.microsoft.com/office/drawing/2014/main" id="{8E64F160-8D3C-9B4C-4B53-824C06FB3DB1}"/>
+              </a:ext>
+            </a:extLst>
+          </p:cNvPr>
+          <p:cNvPicPr>
+            <a:picLocks noChangeAspect="1"/>
+          </p:cNvPicPr>
+          <p:nvPr/>
+        </p:nvPicPr>
+        <p:blipFill>
+          <a:blip r:embed="rId16">
+            <a:extLst>
+              <a:ext uri="{28A0092B-C50C-407E-A947-70E740481C1C}">
+                <a14:useLocalDpi xmlns:a14="http://schemas.microsoft.com/office/drawing/2010/main" val="0"/>
+              </a:ext>
+              <a:ext uri="{96DAC541-7B7A-43D3-8B79-37D633B846F1}">
+                <asvg:svgBlip xmlns:asvg="http://schemas.microsoft.com/office/drawing/2016/SVG/main" r:embed="rId17"/>
+              </a:ext>
+            </a:extLst>
+          </a:blip>
+          <a:stretch>
+            <a:fillRect/>
+          </a:stretch>
+        </p:blipFill>
+        <p:spPr>
+          <a:xfrm>
+            <a:off x="6290381" y="4492494"/>
+            <a:ext cx="270044" cy="270044"/>
+          </a:xfrm>
+          <a:prstGeom prst="rect">
+            <a:avLst/>
+          </a:prstGeom>
+        </p:spPr>
+      </p:pic>
+      <p:sp>
+        <p:nvSpPr>
+          <p:cNvPr id="155" name="正方形/長方形 154">
+            <a:extLst>
+              <a:ext uri="{FF2B5EF4-FFF2-40B4-BE49-F238E27FC236}">
+                <a16:creationId xmlns:a16="http://schemas.microsoft.com/office/drawing/2014/main" id="{4F6A1567-1E5F-5279-0E33-B28E42804BE4}"/>
+              </a:ext>
+            </a:extLst>
+          </p:cNvPr>
+          <p:cNvSpPr/>
+          <p:nvPr/>
+        </p:nvSpPr>
+        <p:spPr>
+          <a:xfrm>
+            <a:off x="7665691" y="1808177"/>
+            <a:ext cx="928608" cy="757414"/>
+          </a:xfrm>
+          <a:prstGeom prst="rect">
+            <a:avLst/>
+          </a:prstGeom>
+          <a:solidFill>
+            <a:schemeClr val="accent6">
+              <a:lumMod val="20000"/>
+              <a:lumOff val="80000"/>
+            </a:schemeClr>
+          </a:solidFill>
+          <a:ln>
+            <a:noFill/>
+          </a:ln>
+        </p:spPr>
+        <p:style>
+          <a:lnRef idx="2">
+            <a:schemeClr val="accent1">
+              <a:shade val="50000"/>
+            </a:schemeClr>
+          </a:lnRef>
+          <a:fillRef idx="1">
+            <a:schemeClr val="accent1"/>
+          </a:fillRef>
+          <a:effectRef idx="0">
+            <a:schemeClr val="accent1"/>
+          </a:effectRef>
+          <a:fontRef idx="minor">
+            <a:schemeClr val="lt1"/>
+          </a:fontRef>
+        </p:style>
+        <p:txBody>
+          <a:bodyPr rtlCol="0" anchor="ctr"/>
+          <a:lstStyle/>
+          <a:p>
+            <a:pPr algn="ctr"/>
+            <a:endParaRPr kumimoji="1" lang="en-US" sz="2400" dirty="0">
+              <a:latin typeface="Yu Gothic UI" panose="020B0500000000000000" pitchFamily="50" charset="-128"/>
+              <a:ea typeface="Yu Gothic UI" panose="020B0500000000000000" pitchFamily="50" charset="-128"/>
+            </a:endParaRPr>
+          </a:p>
+        </p:txBody>
+      </p:sp>
+      <p:pic>
+        <p:nvPicPr>
+          <p:cNvPr id="156" name="グラフィックス 155">
+            <a:extLst>
+              <a:ext uri="{FF2B5EF4-FFF2-40B4-BE49-F238E27FC236}">
+                <a16:creationId xmlns:a16="http://schemas.microsoft.com/office/drawing/2014/main" id="{B1E39ECE-2292-C723-5BCE-9B106C89A76E}"/>
+              </a:ext>
+            </a:extLst>
+          </p:cNvPr>
+          <p:cNvPicPr>
+            <a:picLocks noChangeAspect="1"/>
+          </p:cNvPicPr>
+          <p:nvPr/>
+        </p:nvPicPr>
+        <p:blipFill>
+          <a:blip r:embed="rId8">
+            <a:extLst>
+              <a:ext uri="{28A0092B-C50C-407E-A947-70E740481C1C}">
+                <a14:useLocalDpi xmlns:a14="http://schemas.microsoft.com/office/drawing/2010/main" val="0"/>
+              </a:ext>
+              <a:ext uri="{96DAC541-7B7A-43D3-8B79-37D633B846F1}">
+                <asvg:svgBlip xmlns:asvg="http://schemas.microsoft.com/office/drawing/2016/SVG/main" r:embed="rId9"/>
+              </a:ext>
+            </a:extLst>
+          </a:blip>
+          <a:stretch>
+            <a:fillRect/>
+          </a:stretch>
+        </p:blipFill>
+        <p:spPr>
+          <a:xfrm>
+            <a:off x="7597718" y="1636727"/>
+            <a:ext cx="171450" cy="171450"/>
+          </a:xfrm>
+          <a:prstGeom prst="rect">
+            <a:avLst/>
+          </a:prstGeom>
+        </p:spPr>
+      </p:pic>
+      <p:sp>
+        <p:nvSpPr>
+          <p:cNvPr id="157" name="テキスト ボックス 156">
+            <a:extLst>
+              <a:ext uri="{FF2B5EF4-FFF2-40B4-BE49-F238E27FC236}">
+                <a16:creationId xmlns:a16="http://schemas.microsoft.com/office/drawing/2014/main" id="{1B602B76-31B3-9B7C-1BFB-6691AC3FC6ED}"/>
+              </a:ext>
+            </a:extLst>
+          </p:cNvPr>
+          <p:cNvSpPr txBox="1"/>
+          <p:nvPr/>
+        </p:nvSpPr>
+        <p:spPr>
+          <a:xfrm>
+            <a:off x="7773848" y="1569679"/>
+            <a:ext cx="691109" cy="246221"/>
+          </a:xfrm>
+          <a:prstGeom prst="rect">
+            <a:avLst/>
+          </a:prstGeom>
+          <a:noFill/>
+        </p:spPr>
+        <p:txBody>
+          <a:bodyPr wrap="square" lIns="0" tIns="0" rIns="0" bIns="0" rtlCol="0">
+            <a:spAutoFit/>
+          </a:bodyPr>
+          <a:lstStyle/>
+          <a:p>
+            <a:r>
+              <a:rPr lang="en-US" altLang="ja-JP" sz="800" dirty="0">
+                <a:latin typeface="Yu Gothic UI" panose="020B0500000000000000" pitchFamily="50" charset="-128"/>
+                <a:ea typeface="Yu Gothic UI" panose="020B0500000000000000" pitchFamily="50" charset="-128"/>
+              </a:rPr>
+              <a:t>snet-shared</a:t>
+            </a:r>
+            <a:endParaRPr kumimoji="1" lang="en-US" altLang="ja-JP" sz="800" dirty="0">
+              <a:latin typeface="Yu Gothic UI" panose="020B0500000000000000" pitchFamily="50" charset="-128"/>
+              <a:ea typeface="Yu Gothic UI" panose="020B0500000000000000" pitchFamily="50" charset="-128"/>
+            </a:endParaRPr>
+          </a:p>
+          <a:p>
+            <a:r>
+              <a:rPr kumimoji="1" lang="en-US" altLang="ja-JP" sz="800" dirty="0">
+                <a:latin typeface="Yu Gothic UI" panose="020B0500000000000000" pitchFamily="50" charset="-128"/>
+                <a:ea typeface="Yu Gothic UI" panose="020B0500000000000000" pitchFamily="50" charset="-128"/>
+              </a:rPr>
+              <a:t>(</a:t>
+            </a:r>
+            <a:r>
+              <a:rPr kumimoji="1" lang="ja-JP" altLang="en-US" sz="800" dirty="0">
+                <a:latin typeface="Yu Gothic UI" panose="020B0500000000000000" pitchFamily="50" charset="-128"/>
+                <a:ea typeface="Yu Gothic UI" panose="020B0500000000000000" pitchFamily="50" charset="-128"/>
+              </a:rPr>
+              <a:t>サブネット</a:t>
+            </a:r>
+            <a:r>
+              <a:rPr kumimoji="1" lang="en-US" altLang="ja-JP" sz="800" dirty="0">
+                <a:latin typeface="Yu Gothic UI" panose="020B0500000000000000" pitchFamily="50" charset="-128"/>
+                <a:ea typeface="Yu Gothic UI" panose="020B0500000000000000" pitchFamily="50" charset="-128"/>
+              </a:rPr>
+              <a:t>)</a:t>
+            </a:r>
+            <a:endParaRPr kumimoji="1" lang="en-US" sz="800" dirty="0">
+              <a:latin typeface="Yu Gothic UI" panose="020B0500000000000000" pitchFamily="50" charset="-128"/>
+              <a:ea typeface="Yu Gothic UI" panose="020B0500000000000000" pitchFamily="50" charset="-128"/>
+            </a:endParaRPr>
+          </a:p>
+        </p:txBody>
+      </p:sp>
+      <p:pic>
+        <p:nvPicPr>
+          <p:cNvPr id="160" name="グラフィックス 159">
+            <a:extLst>
+              <a:ext uri="{FF2B5EF4-FFF2-40B4-BE49-F238E27FC236}">
+                <a16:creationId xmlns:a16="http://schemas.microsoft.com/office/drawing/2014/main" id="{FF6BAB5B-151D-FEBB-CAC6-734FD610A1E7}"/>
+              </a:ext>
+            </a:extLst>
+          </p:cNvPr>
+          <p:cNvPicPr>
+            <a:picLocks noChangeAspect="1"/>
+          </p:cNvPicPr>
+          <p:nvPr/>
+        </p:nvPicPr>
+        <p:blipFill>
+          <a:blip r:embed="rId16">
+            <a:extLst>
+              <a:ext uri="{28A0092B-C50C-407E-A947-70E740481C1C}">
+                <a14:useLocalDpi xmlns:a14="http://schemas.microsoft.com/office/drawing/2010/main" val="0"/>
+              </a:ext>
+              <a:ext uri="{96DAC541-7B7A-43D3-8B79-37D633B846F1}">
+                <asvg:svgBlip xmlns:asvg="http://schemas.microsoft.com/office/drawing/2016/SVG/main" r:embed="rId17"/>
+              </a:ext>
+            </a:extLst>
+          </a:blip>
+          <a:stretch>
+            <a:fillRect/>
+          </a:stretch>
+        </p:blipFill>
+        <p:spPr>
+          <a:xfrm>
+            <a:off x="7993397" y="1931660"/>
+            <a:ext cx="270044" cy="270044"/>
+          </a:xfrm>
+          <a:prstGeom prst="rect">
+            <a:avLst/>
+          </a:prstGeom>
+        </p:spPr>
+      </p:pic>
+      <p:sp>
+        <p:nvSpPr>
+          <p:cNvPr id="161" name="テキスト ボックス 160">
+            <a:extLst>
+              <a:ext uri="{FF2B5EF4-FFF2-40B4-BE49-F238E27FC236}">
+                <a16:creationId xmlns:a16="http://schemas.microsoft.com/office/drawing/2014/main" id="{58E4BEB6-D49B-7FAF-2EAB-BD2AE792C845}"/>
+              </a:ext>
+            </a:extLst>
+          </p:cNvPr>
+          <p:cNvSpPr txBox="1"/>
+          <p:nvPr/>
+        </p:nvSpPr>
+        <p:spPr>
+          <a:xfrm>
+            <a:off x="7825343" y="2250448"/>
+            <a:ext cx="638713" cy="246221"/>
+          </a:xfrm>
+          <a:prstGeom prst="rect">
+            <a:avLst/>
+          </a:prstGeom>
+          <a:noFill/>
+        </p:spPr>
+        <p:txBody>
+          <a:bodyPr wrap="square" lIns="0" tIns="0" rIns="0" bIns="0" rtlCol="0">
+            <a:spAutoFit/>
+          </a:bodyPr>
+          <a:lstStyle/>
+          <a:p>
+            <a:pPr algn="ctr"/>
+            <a:r>
+              <a:rPr kumimoji="1" lang="en-US" altLang="ja-JP" sz="800" dirty="0" err="1">
+                <a:latin typeface="Yu Gothic UI" panose="020B0500000000000000" pitchFamily="50" charset="-128"/>
+                <a:ea typeface="Yu Gothic UI" panose="020B0500000000000000" pitchFamily="50" charset="-128"/>
+              </a:rPr>
+              <a:t>vmjumpbox</a:t>
+            </a:r>
+            <a:endParaRPr kumimoji="1" lang="en-US" altLang="ja-JP" sz="800" dirty="0">
+              <a:latin typeface="Yu Gothic UI" panose="020B0500000000000000" pitchFamily="50" charset="-128"/>
+              <a:ea typeface="Yu Gothic UI" panose="020B0500000000000000" pitchFamily="50" charset="-128"/>
+            </a:endParaRPr>
+          </a:p>
+          <a:p>
+            <a:pPr algn="ctr"/>
+            <a:r>
+              <a:rPr kumimoji="1" lang="en-US" altLang="ja-JP" sz="800" dirty="0">
+                <a:latin typeface="Yu Gothic UI" panose="020B0500000000000000" pitchFamily="50" charset="-128"/>
+                <a:ea typeface="Yu Gothic UI" panose="020B0500000000000000" pitchFamily="50" charset="-128"/>
+              </a:rPr>
+              <a:t>(</a:t>
+            </a:r>
+            <a:r>
+              <a:rPr kumimoji="1" lang="ja-JP" altLang="en-US" sz="800" dirty="0">
+                <a:latin typeface="Yu Gothic UI" panose="020B0500000000000000" pitchFamily="50" charset="-128"/>
+                <a:ea typeface="Yu Gothic UI" panose="020B0500000000000000" pitchFamily="50" charset="-128"/>
+              </a:rPr>
+              <a:t>仮想マシン</a:t>
+            </a:r>
+            <a:r>
+              <a:rPr kumimoji="1" lang="en-US" altLang="ja-JP" sz="800" dirty="0">
+                <a:latin typeface="Yu Gothic UI" panose="020B0500000000000000" pitchFamily="50" charset="-128"/>
+                <a:ea typeface="Yu Gothic UI" panose="020B0500000000000000" pitchFamily="50" charset="-128"/>
+              </a:rPr>
+              <a:t>)</a:t>
+            </a:r>
+            <a:endParaRPr kumimoji="1" lang="en-US" sz="800" dirty="0">
+              <a:latin typeface="Yu Gothic UI" panose="020B0500000000000000" pitchFamily="50" charset="-128"/>
+              <a:ea typeface="Yu Gothic UI" panose="020B0500000000000000" pitchFamily="50" charset="-128"/>
+            </a:endParaRPr>
+          </a:p>
+        </p:txBody>
+      </p:sp>
+      <p:sp>
+        <p:nvSpPr>
+          <p:cNvPr id="162" name="テキスト ボックス 161">
+            <a:extLst>
+              <a:ext uri="{FF2B5EF4-FFF2-40B4-BE49-F238E27FC236}">
+                <a16:creationId xmlns:a16="http://schemas.microsoft.com/office/drawing/2014/main" id="{804C9355-DD8C-00DE-D1C0-0698B0333E4C}"/>
+              </a:ext>
+            </a:extLst>
+          </p:cNvPr>
+          <p:cNvSpPr txBox="1"/>
+          <p:nvPr/>
+        </p:nvSpPr>
+        <p:spPr>
+          <a:xfrm>
+            <a:off x="6106046" y="4877535"/>
+            <a:ext cx="638713" cy="246221"/>
+          </a:xfrm>
+          <a:prstGeom prst="rect">
+            <a:avLst/>
+          </a:prstGeom>
+          <a:noFill/>
+        </p:spPr>
+        <p:txBody>
+          <a:bodyPr wrap="square" lIns="0" tIns="0" rIns="0" bIns="0" rtlCol="0">
+            <a:spAutoFit/>
+          </a:bodyPr>
+          <a:lstStyle/>
+          <a:p>
+            <a:pPr algn="ctr"/>
+            <a:r>
+              <a:rPr kumimoji="1" lang="en-US" altLang="ja-JP" sz="800" dirty="0">
+                <a:latin typeface="Yu Gothic UI" panose="020B0500000000000000" pitchFamily="50" charset="-128"/>
+                <a:ea typeface="Yu Gothic UI" panose="020B0500000000000000" pitchFamily="50" charset="-128"/>
+              </a:rPr>
+              <a:t>vmweb01/02</a:t>
+            </a:r>
+          </a:p>
+          <a:p>
+            <a:pPr algn="ctr"/>
+            <a:r>
+              <a:rPr kumimoji="1" lang="en-US" altLang="ja-JP" sz="800" dirty="0">
+                <a:latin typeface="Yu Gothic UI" panose="020B0500000000000000" pitchFamily="50" charset="-128"/>
+                <a:ea typeface="Yu Gothic UI" panose="020B0500000000000000" pitchFamily="50" charset="-128"/>
+              </a:rPr>
+              <a:t>(</a:t>
+            </a:r>
+            <a:r>
+              <a:rPr kumimoji="1" lang="ja-JP" altLang="en-US" sz="800" dirty="0">
+                <a:latin typeface="Yu Gothic UI" panose="020B0500000000000000" pitchFamily="50" charset="-128"/>
+                <a:ea typeface="Yu Gothic UI" panose="020B0500000000000000" pitchFamily="50" charset="-128"/>
+              </a:rPr>
+              <a:t>仮想マシン</a:t>
+            </a:r>
+            <a:r>
+              <a:rPr kumimoji="1" lang="en-US" altLang="ja-JP" sz="800" dirty="0">
+                <a:latin typeface="Yu Gothic UI" panose="020B0500000000000000" pitchFamily="50" charset="-128"/>
+                <a:ea typeface="Yu Gothic UI" panose="020B0500000000000000" pitchFamily="50" charset="-128"/>
+              </a:rPr>
+              <a:t>)</a:t>
+            </a:r>
+            <a:endParaRPr kumimoji="1" lang="en-US" sz="800" dirty="0">
+              <a:latin typeface="Yu Gothic UI" panose="020B0500000000000000" pitchFamily="50" charset="-128"/>
+              <a:ea typeface="Yu Gothic UI" panose="020B0500000000000000" pitchFamily="50" charset="-128"/>
+            </a:endParaRPr>
+          </a:p>
+        </p:txBody>
+      </p:sp>
+      <p:pic>
+        <p:nvPicPr>
+          <p:cNvPr id="164" name="グラフィックス 163">
+            <a:extLst>
+              <a:ext uri="{FF2B5EF4-FFF2-40B4-BE49-F238E27FC236}">
+                <a16:creationId xmlns:a16="http://schemas.microsoft.com/office/drawing/2014/main" id="{AB517458-263C-78EE-57DD-D3EB1E82289A}"/>
+              </a:ext>
+            </a:extLst>
+          </p:cNvPr>
+          <p:cNvPicPr>
+            <a:picLocks noChangeAspect="1"/>
+          </p:cNvPicPr>
+          <p:nvPr/>
+        </p:nvPicPr>
+        <p:blipFill>
+          <a:blip r:embed="rId16">
+            <a:extLst>
+              <a:ext uri="{28A0092B-C50C-407E-A947-70E740481C1C}">
+                <a14:useLocalDpi xmlns:a14="http://schemas.microsoft.com/office/drawing/2010/main" val="0"/>
+              </a:ext>
+              <a:ext uri="{96DAC541-7B7A-43D3-8B79-37D633B846F1}">
+                <asvg:svgBlip xmlns:asvg="http://schemas.microsoft.com/office/drawing/2016/SVG/main" r:embed="rId17"/>
+              </a:ext>
+            </a:extLst>
+          </a:blip>
+          <a:stretch>
+            <a:fillRect/>
+          </a:stretch>
+        </p:blipFill>
+        <p:spPr>
+          <a:xfrm>
+            <a:off x="6430313" y="4619466"/>
+            <a:ext cx="270044" cy="270044"/>
+          </a:xfrm>
+          <a:prstGeom prst="rect">
+            <a:avLst/>
+          </a:prstGeom>
+        </p:spPr>
+      </p:pic>
+      <p:cxnSp>
+        <p:nvCxnSpPr>
+          <p:cNvPr id="165" name="直線コネクタ 164">
+            <a:extLst>
+              <a:ext uri="{FF2B5EF4-FFF2-40B4-BE49-F238E27FC236}">
+                <a16:creationId xmlns:a16="http://schemas.microsoft.com/office/drawing/2014/main" id="{BC730276-B35F-182B-EA51-DA3B5CADBCAF}"/>
+              </a:ext>
+            </a:extLst>
+          </p:cNvPr>
+          <p:cNvCxnSpPr>
+            <a:cxnSpLocks/>
+            <a:stCxn id="135" idx="3"/>
+          </p:cNvCxnSpPr>
+          <p:nvPr/>
+        </p:nvCxnSpPr>
+        <p:spPr>
+          <a:xfrm flipV="1">
+            <a:off x="5468146" y="4630994"/>
+            <a:ext cx="818881" cy="527"/>
+          </a:xfrm>
+          <a:prstGeom prst="line">
+            <a:avLst/>
+          </a:prstGeom>
+          <a:ln w="12700">
+            <a:solidFill>
+              <a:schemeClr val="accent5"/>
+            </a:solidFill>
+            <a:headEnd type="none" w="med" len="med"/>
+            <a:tailEnd type="arrow" w="med" len="med"/>
+          </a:ln>
+        </p:spPr>
+        <p:style>
+          <a:lnRef idx="1">
+            <a:schemeClr val="accent1"/>
+          </a:lnRef>
+          <a:fillRef idx="0">
+            <a:schemeClr val="accent1"/>
+          </a:fillRef>
+          <a:effectRef idx="0">
+            <a:schemeClr val="accent1"/>
+          </a:effectRef>
+          <a:fontRef idx="minor">
+            <a:schemeClr val="tx1"/>
+          </a:fontRef>
+        </p:style>
+      </p:cxnSp>
+      <p:sp>
+        <p:nvSpPr>
+          <p:cNvPr id="169" name="テキスト ボックス 168">
+            <a:extLst>
+              <a:ext uri="{FF2B5EF4-FFF2-40B4-BE49-F238E27FC236}">
+                <a16:creationId xmlns:a16="http://schemas.microsoft.com/office/drawing/2014/main" id="{C55CB496-2A82-9265-F6BE-20B4605E9CC3}"/>
+              </a:ext>
+            </a:extLst>
+          </p:cNvPr>
+          <p:cNvSpPr txBox="1"/>
+          <p:nvPr/>
+        </p:nvSpPr>
+        <p:spPr>
+          <a:xfrm>
+            <a:off x="5000290" y="4835330"/>
+            <a:ext cx="638713" cy="369332"/>
+          </a:xfrm>
+          <a:prstGeom prst="rect">
+            <a:avLst/>
+          </a:prstGeom>
+          <a:noFill/>
+        </p:spPr>
+        <p:txBody>
+          <a:bodyPr wrap="square" lIns="0" tIns="0" rIns="0" bIns="0" rtlCol="0">
+            <a:spAutoFit/>
+          </a:bodyPr>
+          <a:lstStyle/>
+          <a:p>
+            <a:pPr algn="ctr"/>
+            <a:r>
+              <a:rPr kumimoji="1" lang="en-US" altLang="ja-JP" sz="800" dirty="0" err="1">
+                <a:latin typeface="Yu Gothic UI" panose="020B0500000000000000" pitchFamily="50" charset="-128"/>
+                <a:ea typeface="Yu Gothic UI" panose="020B0500000000000000" pitchFamily="50" charset="-128"/>
+              </a:rPr>
+              <a:t>agw</a:t>
+            </a:r>
+            <a:r>
+              <a:rPr kumimoji="1" lang="en-US" altLang="ja-JP" sz="800" dirty="0">
+                <a:latin typeface="Yu Gothic UI" panose="020B0500000000000000" pitchFamily="50" charset="-128"/>
+                <a:ea typeface="Yu Gothic UI" panose="020B0500000000000000" pitchFamily="50" charset="-128"/>
+              </a:rPr>
+              <a:t>-web</a:t>
+            </a:r>
+          </a:p>
+          <a:p>
+            <a:pPr algn="ctr"/>
+            <a:r>
+              <a:rPr kumimoji="1" lang="en-US" altLang="ja-JP" sz="800" dirty="0">
+                <a:latin typeface="Yu Gothic UI" panose="020B0500000000000000" pitchFamily="50" charset="-128"/>
+                <a:ea typeface="Yu Gothic UI" panose="020B0500000000000000" pitchFamily="50" charset="-128"/>
+              </a:rPr>
+              <a:t>(</a:t>
+            </a:r>
+            <a:r>
+              <a:rPr lang="en-US" altLang="ja-JP" sz="800" dirty="0">
+                <a:latin typeface="Yu Gothic UI" panose="020B0500000000000000" pitchFamily="50" charset="-128"/>
+                <a:ea typeface="Yu Gothic UI" panose="020B0500000000000000" pitchFamily="50" charset="-128"/>
+              </a:rPr>
+              <a:t>Application</a:t>
+            </a:r>
+            <a:br>
+              <a:rPr lang="en-US" altLang="ja-JP" sz="800" dirty="0">
+                <a:latin typeface="Yu Gothic UI" panose="020B0500000000000000" pitchFamily="50" charset="-128"/>
+                <a:ea typeface="Yu Gothic UI" panose="020B0500000000000000" pitchFamily="50" charset="-128"/>
+              </a:rPr>
+            </a:br>
+            <a:r>
+              <a:rPr lang="en-US" altLang="ja-JP" sz="800" dirty="0">
+                <a:latin typeface="Yu Gothic UI" panose="020B0500000000000000" pitchFamily="50" charset="-128"/>
+                <a:ea typeface="Yu Gothic UI" panose="020B0500000000000000" pitchFamily="50" charset="-128"/>
+              </a:rPr>
+              <a:t>Gateway</a:t>
+            </a:r>
+            <a:r>
+              <a:rPr kumimoji="1" lang="en-US" altLang="ja-JP" sz="800" dirty="0">
+                <a:latin typeface="Yu Gothic UI" panose="020B0500000000000000" pitchFamily="50" charset="-128"/>
+                <a:ea typeface="Yu Gothic UI" panose="020B0500000000000000" pitchFamily="50" charset="-128"/>
+              </a:rPr>
+              <a:t>)</a:t>
+            </a:r>
+            <a:endParaRPr kumimoji="1" lang="en-US" sz="800" dirty="0">
+              <a:latin typeface="Yu Gothic UI" panose="020B0500000000000000" pitchFamily="50" charset="-128"/>
+              <a:ea typeface="Yu Gothic UI" panose="020B0500000000000000" pitchFamily="50" charset="-128"/>
+            </a:endParaRPr>
+          </a:p>
+        </p:txBody>
+      </p:sp>
+      <p:pic>
+        <p:nvPicPr>
+          <p:cNvPr id="170" name="グラフィックス 169">
+            <a:extLst>
+              <a:ext uri="{FF2B5EF4-FFF2-40B4-BE49-F238E27FC236}">
+                <a16:creationId xmlns:a16="http://schemas.microsoft.com/office/drawing/2014/main" id="{2553969B-F502-572C-9F03-325216D02BAE}"/>
+              </a:ext>
+            </a:extLst>
+          </p:cNvPr>
+          <p:cNvPicPr>
+            <a:picLocks noChangeAspect="1"/>
+          </p:cNvPicPr>
+          <p:nvPr/>
+        </p:nvPicPr>
+        <p:blipFill>
+          <a:blip r:embed="rId16">
+            <a:extLst>
+              <a:ext uri="{28A0092B-C50C-407E-A947-70E740481C1C}">
+                <a14:useLocalDpi xmlns:a14="http://schemas.microsoft.com/office/drawing/2010/main" val="0"/>
+              </a:ext>
+              <a:ext uri="{96DAC541-7B7A-43D3-8B79-37D633B846F1}">
+                <asvg:svgBlip xmlns:asvg="http://schemas.microsoft.com/office/drawing/2016/SVG/main" r:embed="rId17"/>
+              </a:ext>
+            </a:extLst>
+          </a:blip>
+          <a:stretch>
+            <a:fillRect/>
+          </a:stretch>
+        </p:blipFill>
+        <p:spPr>
+          <a:xfrm>
+            <a:off x="7458779" y="4549162"/>
+            <a:ext cx="270044" cy="270044"/>
+          </a:xfrm>
+          <a:prstGeom prst="rect">
+            <a:avLst/>
+          </a:prstGeom>
+        </p:spPr>
+      </p:pic>
+      <p:sp>
+        <p:nvSpPr>
+          <p:cNvPr id="171" name="テキスト ボックス 170">
+            <a:extLst>
+              <a:ext uri="{FF2B5EF4-FFF2-40B4-BE49-F238E27FC236}">
+                <a16:creationId xmlns:a16="http://schemas.microsoft.com/office/drawing/2014/main" id="{D3BC1C30-7A6F-2463-1632-49FF05215CF2}"/>
+              </a:ext>
+            </a:extLst>
+          </p:cNvPr>
+          <p:cNvSpPr txBox="1"/>
+          <p:nvPr/>
+        </p:nvSpPr>
+        <p:spPr>
+          <a:xfrm>
+            <a:off x="7284802" y="4889510"/>
+            <a:ext cx="638713" cy="246221"/>
+          </a:xfrm>
+          <a:prstGeom prst="rect">
+            <a:avLst/>
+          </a:prstGeom>
+          <a:noFill/>
+        </p:spPr>
+        <p:txBody>
+          <a:bodyPr wrap="square" lIns="0" tIns="0" rIns="0" bIns="0" rtlCol="0">
+            <a:spAutoFit/>
+          </a:bodyPr>
+          <a:lstStyle/>
+          <a:p>
+            <a:pPr algn="ctr"/>
+            <a:r>
+              <a:rPr kumimoji="1" lang="en-US" altLang="ja-JP" sz="800" dirty="0" err="1">
+                <a:latin typeface="Yu Gothic UI" panose="020B0500000000000000" pitchFamily="50" charset="-128"/>
+                <a:ea typeface="Yu Gothic UI" panose="020B0500000000000000" pitchFamily="50" charset="-128"/>
+              </a:rPr>
+              <a:t>vmcms</a:t>
+            </a:r>
+            <a:endParaRPr kumimoji="1" lang="en-US" altLang="ja-JP" sz="800" dirty="0">
+              <a:latin typeface="Yu Gothic UI" panose="020B0500000000000000" pitchFamily="50" charset="-128"/>
+              <a:ea typeface="Yu Gothic UI" panose="020B0500000000000000" pitchFamily="50" charset="-128"/>
+            </a:endParaRPr>
+          </a:p>
+          <a:p>
+            <a:pPr algn="ctr"/>
+            <a:r>
+              <a:rPr kumimoji="1" lang="en-US" altLang="ja-JP" sz="800" dirty="0">
+                <a:latin typeface="Yu Gothic UI" panose="020B0500000000000000" pitchFamily="50" charset="-128"/>
+                <a:ea typeface="Yu Gothic UI" panose="020B0500000000000000" pitchFamily="50" charset="-128"/>
+              </a:rPr>
+              <a:t>(</a:t>
+            </a:r>
+            <a:r>
+              <a:rPr kumimoji="1" lang="ja-JP" altLang="en-US" sz="800" dirty="0">
+                <a:latin typeface="Yu Gothic UI" panose="020B0500000000000000" pitchFamily="50" charset="-128"/>
+                <a:ea typeface="Yu Gothic UI" panose="020B0500000000000000" pitchFamily="50" charset="-128"/>
+              </a:rPr>
+              <a:t>仮想マシン</a:t>
+            </a:r>
+            <a:r>
+              <a:rPr kumimoji="1" lang="en-US" altLang="ja-JP" sz="800" dirty="0">
+                <a:latin typeface="Yu Gothic UI" panose="020B0500000000000000" pitchFamily="50" charset="-128"/>
+                <a:ea typeface="Yu Gothic UI" panose="020B0500000000000000" pitchFamily="50" charset="-128"/>
+              </a:rPr>
+              <a:t>)</a:t>
+            </a:r>
+            <a:endParaRPr kumimoji="1" lang="en-US" sz="800" dirty="0">
+              <a:latin typeface="Yu Gothic UI" panose="020B0500000000000000" pitchFamily="50" charset="-128"/>
+              <a:ea typeface="Yu Gothic UI" panose="020B0500000000000000" pitchFamily="50" charset="-128"/>
+            </a:endParaRPr>
+          </a:p>
+        </p:txBody>
+      </p:sp>
+      <p:cxnSp>
+        <p:nvCxnSpPr>
+          <p:cNvPr id="172" name="直線コネクタ 171">
+            <a:extLst>
+              <a:ext uri="{FF2B5EF4-FFF2-40B4-BE49-F238E27FC236}">
+                <a16:creationId xmlns:a16="http://schemas.microsoft.com/office/drawing/2014/main" id="{DC26B344-4571-5273-C2D6-4D73E82978EE}"/>
+              </a:ext>
+            </a:extLst>
+          </p:cNvPr>
+          <p:cNvCxnSpPr>
+            <a:cxnSpLocks/>
+          </p:cNvCxnSpPr>
+          <p:nvPr/>
+        </p:nvCxnSpPr>
+        <p:spPr>
+          <a:xfrm flipH="1">
+            <a:off x="6894452" y="4624793"/>
+            <a:ext cx="209264" cy="1"/>
+          </a:xfrm>
+          <a:prstGeom prst="line">
+            <a:avLst/>
+          </a:prstGeom>
+          <a:ln w="12700">
+            <a:solidFill>
+              <a:schemeClr val="accent5"/>
+            </a:solidFill>
+            <a:headEnd type="none" w="med" len="med"/>
+            <a:tailEnd type="arrow" w="med" len="med"/>
+          </a:ln>
+        </p:spPr>
+        <p:style>
+          <a:lnRef idx="1">
+            <a:schemeClr val="accent1"/>
+          </a:lnRef>
+          <a:fillRef idx="0">
+            <a:schemeClr val="accent1"/>
+          </a:fillRef>
+          <a:effectRef idx="0">
+            <a:schemeClr val="accent1"/>
+          </a:effectRef>
+          <a:fontRef idx="minor">
+            <a:schemeClr val="tx1"/>
+          </a:fontRef>
+        </p:style>
+      </p:cxnSp>
+      <p:sp>
+        <p:nvSpPr>
+          <p:cNvPr id="175" name="テキスト ボックス 174">
+            <a:extLst>
+              <a:ext uri="{FF2B5EF4-FFF2-40B4-BE49-F238E27FC236}">
+                <a16:creationId xmlns:a16="http://schemas.microsoft.com/office/drawing/2014/main" id="{33B33639-14D0-E532-6E6D-E0D5A26041DB}"/>
+              </a:ext>
+            </a:extLst>
+          </p:cNvPr>
+          <p:cNvSpPr txBox="1"/>
+          <p:nvPr/>
+        </p:nvSpPr>
+        <p:spPr>
+          <a:xfrm>
+            <a:off x="6126202" y="2997254"/>
+            <a:ext cx="686406" cy="253916"/>
+          </a:xfrm>
+          <a:prstGeom prst="rect">
+            <a:avLst/>
+          </a:prstGeom>
+          <a:noFill/>
+        </p:spPr>
+        <p:txBody>
+          <a:bodyPr wrap="none" rtlCol="0">
+            <a:spAutoFit/>
+          </a:bodyPr>
+          <a:lstStyle/>
+          <a:p>
+            <a:r>
+              <a:rPr kumimoji="1" lang="ja-JP" altLang="en-US" sz="1050" dirty="0">
+                <a:latin typeface="Yu Gothic UI" panose="020B0500000000000000" pitchFamily="50" charset="-128"/>
+                <a:ea typeface="Yu Gothic UI" panose="020B0500000000000000" pitchFamily="50" charset="-128"/>
+              </a:rPr>
+              <a:t>ピアリング</a:t>
+            </a:r>
+          </a:p>
+        </p:txBody>
+      </p:sp>
+      <p:sp>
+        <p:nvSpPr>
+          <p:cNvPr id="199" name="テキスト ボックス 198">
+            <a:extLst>
+              <a:ext uri="{FF2B5EF4-FFF2-40B4-BE49-F238E27FC236}">
+                <a16:creationId xmlns:a16="http://schemas.microsoft.com/office/drawing/2014/main" id="{ACABC89E-8993-7A76-18A9-EE4BF22E23ED}"/>
+              </a:ext>
+            </a:extLst>
+          </p:cNvPr>
+          <p:cNvSpPr txBox="1"/>
+          <p:nvPr/>
+        </p:nvSpPr>
+        <p:spPr>
+          <a:xfrm>
+            <a:off x="1600010" y="4881815"/>
+            <a:ext cx="896399" cy="261610"/>
+          </a:xfrm>
+          <a:prstGeom prst="rect">
+            <a:avLst/>
+          </a:prstGeom>
+          <a:noFill/>
+        </p:spPr>
+        <p:txBody>
+          <a:bodyPr wrap="none" rtlCol="0">
+            <a:spAutoFit/>
+          </a:bodyPr>
+          <a:lstStyle/>
+          <a:p>
+            <a:r>
+              <a:rPr kumimoji="1" lang="ja-JP" altLang="en-US" sz="1100" dirty="0">
+                <a:latin typeface="Yu Gothic UI" panose="020B0500000000000000" pitchFamily="50" charset="-128"/>
+                <a:ea typeface="Yu Gothic UI" panose="020B0500000000000000" pitchFamily="50" charset="-128"/>
+              </a:rPr>
+              <a:t>インターネット</a:t>
+            </a:r>
+          </a:p>
+        </p:txBody>
+      </p:sp>
+      <p:pic>
+        <p:nvPicPr>
+          <p:cNvPr id="205" name="グラフィックス 204" descr="雲 枠線">
+            <a:extLst>
+              <a:ext uri="{FF2B5EF4-FFF2-40B4-BE49-F238E27FC236}">
+                <a16:creationId xmlns:a16="http://schemas.microsoft.com/office/drawing/2014/main" id="{9E7E4DBD-2D15-C460-3070-04C1D47846D5}"/>
+              </a:ext>
+            </a:extLst>
+          </p:cNvPr>
+          <p:cNvPicPr>
+            <a:picLocks noChangeAspect="1"/>
+          </p:cNvPicPr>
+          <p:nvPr/>
+        </p:nvPicPr>
+        <p:blipFill>
+          <a:blip r:embed="rId14">
+            <a:extLst>
+              <a:ext uri="{28A0092B-C50C-407E-A947-70E740481C1C}">
+                <a14:useLocalDpi xmlns:a14="http://schemas.microsoft.com/office/drawing/2010/main" val="0"/>
+              </a:ext>
+              <a:ext uri="{96DAC541-7B7A-43D3-8B79-37D633B846F1}">
+                <asvg:svgBlip xmlns:asvg="http://schemas.microsoft.com/office/drawing/2016/SVG/main" r:embed="rId15"/>
+              </a:ext>
+            </a:extLst>
+          </a:blip>
+          <a:stretch>
+            <a:fillRect/>
+          </a:stretch>
+        </p:blipFill>
+        <p:spPr>
+          <a:xfrm>
+            <a:off x="6679721" y="85276"/>
+            <a:ext cx="690692" cy="690692"/>
+          </a:xfrm>
+          <a:prstGeom prst="rect">
+            <a:avLst/>
+          </a:prstGeom>
+        </p:spPr>
+      </p:pic>
+      <p:sp>
+        <p:nvSpPr>
+          <p:cNvPr id="206" name="テキスト ボックス 205">
+            <a:extLst>
+              <a:ext uri="{FF2B5EF4-FFF2-40B4-BE49-F238E27FC236}">
+                <a16:creationId xmlns:a16="http://schemas.microsoft.com/office/drawing/2014/main" id="{5CBAB980-35EB-DA49-10F7-9A2C935C500A}"/>
+              </a:ext>
+            </a:extLst>
+          </p:cNvPr>
+          <p:cNvSpPr txBox="1"/>
+          <p:nvPr/>
+        </p:nvSpPr>
+        <p:spPr>
+          <a:xfrm>
+            <a:off x="7295379" y="309095"/>
+            <a:ext cx="914137" cy="261610"/>
+          </a:xfrm>
+          <a:prstGeom prst="rect">
+            <a:avLst/>
+          </a:prstGeom>
+          <a:noFill/>
+        </p:spPr>
+        <p:txBody>
+          <a:bodyPr wrap="square" rtlCol="0">
+            <a:spAutoFit/>
+          </a:bodyPr>
+          <a:lstStyle/>
+          <a:p>
+            <a:r>
+              <a:rPr kumimoji="1" lang="ja-JP" altLang="en-US" sz="1100" dirty="0">
+                <a:latin typeface="Yu Gothic UI" panose="020B0500000000000000" pitchFamily="50" charset="-128"/>
+                <a:ea typeface="Yu Gothic UI" panose="020B0500000000000000" pitchFamily="50" charset="-128"/>
+              </a:rPr>
+              <a:t>インターネット</a:t>
+            </a:r>
+          </a:p>
+        </p:txBody>
+      </p:sp>
+      <p:cxnSp>
+        <p:nvCxnSpPr>
+          <p:cNvPr id="207" name="直線コネクタ 206">
+            <a:extLst>
+              <a:ext uri="{FF2B5EF4-FFF2-40B4-BE49-F238E27FC236}">
+                <a16:creationId xmlns:a16="http://schemas.microsoft.com/office/drawing/2014/main" id="{1DB8B315-FA77-7D71-68CF-CE5A2F019C67}"/>
+              </a:ext>
+            </a:extLst>
+          </p:cNvPr>
+          <p:cNvCxnSpPr>
+            <a:cxnSpLocks/>
+            <a:stCxn id="38" idx="0"/>
+            <a:endCxn id="205" idx="2"/>
+          </p:cNvCxnSpPr>
+          <p:nvPr/>
+        </p:nvCxnSpPr>
+        <p:spPr>
+          <a:xfrm flipV="1">
+            <a:off x="7025067" y="775968"/>
+            <a:ext cx="0" cy="1104490"/>
+          </a:xfrm>
+          <a:prstGeom prst="line">
+            <a:avLst/>
+          </a:prstGeom>
+          <a:ln w="12700">
+            <a:solidFill>
+              <a:schemeClr val="accent5"/>
+            </a:solidFill>
+            <a:headEnd type="none" w="med" len="med"/>
+            <a:tailEnd type="arrow" w="med" len="med"/>
+          </a:ln>
+        </p:spPr>
+        <p:style>
+          <a:lnRef idx="1">
+            <a:schemeClr val="accent1"/>
+          </a:lnRef>
+          <a:fillRef idx="0">
+            <a:schemeClr val="accent1"/>
+          </a:fillRef>
+          <a:effectRef idx="0">
+            <a:schemeClr val="accent1"/>
+          </a:effectRef>
+          <a:fontRef idx="minor">
+            <a:schemeClr val="tx1"/>
+          </a:fontRef>
+        </p:style>
+      </p:cxnSp>
+      <p:sp>
+        <p:nvSpPr>
+          <p:cNvPr id="211" name="テキスト ボックス 210">
+            <a:extLst>
+              <a:ext uri="{FF2B5EF4-FFF2-40B4-BE49-F238E27FC236}">
+                <a16:creationId xmlns:a16="http://schemas.microsoft.com/office/drawing/2014/main" id="{8ECA2608-B4C9-CBAC-EA79-D3FD9A2BF871}"/>
+              </a:ext>
+            </a:extLst>
+          </p:cNvPr>
+          <p:cNvSpPr txBox="1"/>
+          <p:nvPr/>
+        </p:nvSpPr>
+        <p:spPr>
+          <a:xfrm>
+            <a:off x="9047195" y="828539"/>
+            <a:ext cx="1218603" cy="276999"/>
+          </a:xfrm>
+          <a:prstGeom prst="rect">
+            <a:avLst/>
+          </a:prstGeom>
+          <a:noFill/>
+        </p:spPr>
+        <p:txBody>
+          <a:bodyPr wrap="none" rtlCol="0">
+            <a:spAutoFit/>
+          </a:bodyPr>
+          <a:lstStyle/>
+          <a:p>
+            <a:r>
+              <a:rPr kumimoji="1" lang="ja-JP" altLang="en-US" sz="1200" b="1" u="sng" dirty="0">
+                <a:latin typeface="Yu Gothic UI" panose="020B0500000000000000" pitchFamily="50" charset="-128"/>
+                <a:ea typeface="Yu Gothic UI" panose="020B0500000000000000" pitchFamily="50" charset="-128"/>
+              </a:rPr>
+              <a:t>東日本リージョン</a:t>
+            </a:r>
+            <a:endParaRPr kumimoji="1" lang="en-US" sz="1200" b="1" u="sng" dirty="0">
+              <a:latin typeface="Yu Gothic UI" panose="020B0500000000000000" pitchFamily="50" charset="-128"/>
+              <a:ea typeface="Yu Gothic UI" panose="020B0500000000000000" pitchFamily="50" charset="-128"/>
+            </a:endParaRPr>
+          </a:p>
+        </p:txBody>
+      </p:sp>
+      <p:sp>
+        <p:nvSpPr>
+          <p:cNvPr id="212" name="テキスト ボックス 211">
+            <a:extLst>
+              <a:ext uri="{FF2B5EF4-FFF2-40B4-BE49-F238E27FC236}">
+                <a16:creationId xmlns:a16="http://schemas.microsoft.com/office/drawing/2014/main" id="{B8CB57AA-495A-2844-FE06-31E25D673EE3}"/>
+              </a:ext>
+            </a:extLst>
+          </p:cNvPr>
+          <p:cNvSpPr txBox="1"/>
+          <p:nvPr/>
+        </p:nvSpPr>
+        <p:spPr>
+          <a:xfrm>
+            <a:off x="2853589" y="2402271"/>
+            <a:ext cx="839214" cy="123111"/>
+          </a:xfrm>
+          <a:prstGeom prst="rect">
+            <a:avLst/>
+          </a:prstGeom>
+          <a:noFill/>
+        </p:spPr>
+        <p:txBody>
+          <a:bodyPr wrap="square" lIns="0" tIns="0" rIns="0" bIns="0">
+            <a:spAutoFit/>
+          </a:bodyPr>
+          <a:lstStyle/>
+          <a:p>
+            <a:pPr algn="ctr"/>
+            <a:r>
+              <a:rPr lang="ja-JP" altLang="en-US" sz="800" dirty="0">
+                <a:latin typeface="Yu Gothic UI" panose="020B0500000000000000" pitchFamily="50" charset="-128"/>
+                <a:ea typeface="Yu Gothic UI" panose="020B0500000000000000" pitchFamily="50" charset="-128"/>
+              </a:rPr>
+              <a:t>サービスプロバイダー</a:t>
+            </a:r>
+            <a:endParaRPr lang="en-US" altLang="ja-JP" sz="800" dirty="0">
+              <a:latin typeface="Yu Gothic UI" panose="020B0500000000000000" pitchFamily="50" charset="-128"/>
+              <a:ea typeface="Yu Gothic UI" panose="020B0500000000000000" pitchFamily="50" charset="-128"/>
+            </a:endParaRPr>
+          </a:p>
+        </p:txBody>
+      </p:sp>
+      <p:cxnSp>
+        <p:nvCxnSpPr>
+          <p:cNvPr id="214" name="直線コネクタ 213">
+            <a:extLst>
+              <a:ext uri="{FF2B5EF4-FFF2-40B4-BE49-F238E27FC236}">
+                <a16:creationId xmlns:a16="http://schemas.microsoft.com/office/drawing/2014/main" id="{74B7979A-A465-7625-ED18-7D08AB233C7F}"/>
+              </a:ext>
+            </a:extLst>
+          </p:cNvPr>
+          <p:cNvCxnSpPr>
+            <a:cxnSpLocks/>
+          </p:cNvCxnSpPr>
+          <p:nvPr/>
+        </p:nvCxnSpPr>
+        <p:spPr>
+          <a:xfrm>
+            <a:off x="3843826" y="85276"/>
+            <a:ext cx="0" cy="5704519"/>
+          </a:xfrm>
+          <a:prstGeom prst="line">
+            <a:avLst/>
+          </a:prstGeom>
+          <a:ln>
+            <a:prstDash val="dash"/>
+          </a:ln>
+        </p:spPr>
+        <p:style>
+          <a:lnRef idx="1">
+            <a:schemeClr val="accent1"/>
+          </a:lnRef>
+          <a:fillRef idx="0">
+            <a:schemeClr val="accent1"/>
+          </a:fillRef>
+          <a:effectRef idx="0">
+            <a:schemeClr val="accent1"/>
+          </a:effectRef>
+          <a:fontRef idx="minor">
+            <a:schemeClr val="tx1"/>
+          </a:fontRef>
+        </p:style>
+      </p:cxnSp>
+      <p:pic>
+        <p:nvPicPr>
+          <p:cNvPr id="217" name="グラフィックス 216">
+            <a:extLst>
+              <a:ext uri="{FF2B5EF4-FFF2-40B4-BE49-F238E27FC236}">
+                <a16:creationId xmlns:a16="http://schemas.microsoft.com/office/drawing/2014/main" id="{203BD44D-CF22-4C39-FA6C-5320F0935E43}"/>
+              </a:ext>
+            </a:extLst>
+          </p:cNvPr>
+          <p:cNvPicPr>
+            <a:picLocks noChangeAspect="1"/>
+          </p:cNvPicPr>
+          <p:nvPr/>
+        </p:nvPicPr>
+        <p:blipFill>
+          <a:blip r:embed="rId18">
+            <a:extLst>
+              <a:ext uri="{28A0092B-C50C-407E-A947-70E740481C1C}">
+                <a14:useLocalDpi xmlns:a14="http://schemas.microsoft.com/office/drawing/2010/main" val="0"/>
+              </a:ext>
+              <a:ext uri="{96DAC541-7B7A-43D3-8B79-37D633B846F1}">
+                <asvg:svgBlip xmlns:asvg="http://schemas.microsoft.com/office/drawing/2016/SVG/main" r:embed="rId19"/>
+              </a:ext>
+            </a:extLst>
+          </a:blip>
+          <a:stretch>
+            <a:fillRect/>
+          </a:stretch>
+        </p:blipFill>
+        <p:spPr>
+          <a:xfrm>
+            <a:off x="6751008" y="4271553"/>
+            <a:ext cx="171450" cy="171450"/>
+          </a:xfrm>
+          <a:prstGeom prst="rect">
+            <a:avLst/>
+          </a:prstGeom>
+        </p:spPr>
+      </p:pic>
+      <p:pic>
+        <p:nvPicPr>
+          <p:cNvPr id="218" name="グラフィックス 217">
+            <a:extLst>
+              <a:ext uri="{FF2B5EF4-FFF2-40B4-BE49-F238E27FC236}">
+                <a16:creationId xmlns:a16="http://schemas.microsoft.com/office/drawing/2014/main" id="{1162BE46-141D-EDAC-C568-C2BC888C8F5F}"/>
+              </a:ext>
+            </a:extLst>
+          </p:cNvPr>
+          <p:cNvPicPr>
+            <a:picLocks noChangeAspect="1"/>
+          </p:cNvPicPr>
+          <p:nvPr/>
+        </p:nvPicPr>
+        <p:blipFill>
+          <a:blip r:embed="rId18">
+            <a:extLst>
+              <a:ext uri="{28A0092B-C50C-407E-A947-70E740481C1C}">
+                <a14:useLocalDpi xmlns:a14="http://schemas.microsoft.com/office/drawing/2010/main" val="0"/>
+              </a:ext>
+              <a:ext uri="{96DAC541-7B7A-43D3-8B79-37D633B846F1}">
+                <asvg:svgBlip xmlns:asvg="http://schemas.microsoft.com/office/drawing/2016/SVG/main" r:embed="rId19"/>
+              </a:ext>
+            </a:extLst>
+          </a:blip>
+          <a:stretch>
+            <a:fillRect/>
+          </a:stretch>
+        </p:blipFill>
+        <p:spPr>
+          <a:xfrm>
+            <a:off x="7907205" y="4271553"/>
+            <a:ext cx="171450" cy="171450"/>
+          </a:xfrm>
+          <a:prstGeom prst="rect">
+            <a:avLst/>
+          </a:prstGeom>
+        </p:spPr>
+      </p:pic>
+      <p:sp>
+        <p:nvSpPr>
+          <p:cNvPr id="5" name="正方形/長方形 4">
+            <a:extLst>
+              <a:ext uri="{FF2B5EF4-FFF2-40B4-BE49-F238E27FC236}">
+                <a16:creationId xmlns:a16="http://schemas.microsoft.com/office/drawing/2014/main" id="{C7F6F5FA-4F96-92AD-E2BB-85D6C0E1C3D1}"/>
+              </a:ext>
+            </a:extLst>
+          </p:cNvPr>
+          <p:cNvSpPr/>
+          <p:nvPr/>
+        </p:nvSpPr>
+        <p:spPr>
+          <a:xfrm>
+            <a:off x="8339981" y="3759711"/>
+            <a:ext cx="1647639" cy="1587249"/>
+          </a:xfrm>
+          <a:prstGeom prst="rect">
+            <a:avLst/>
+          </a:prstGeom>
+          <a:noFill/>
+          <a:ln>
+            <a:solidFill>
+              <a:schemeClr val="accent1"/>
+            </a:solidFill>
+          </a:ln>
+        </p:spPr>
+        <p:style>
+          <a:lnRef idx="2">
+            <a:schemeClr val="accent1">
+              <a:shade val="50000"/>
+            </a:schemeClr>
+          </a:lnRef>
+          <a:fillRef idx="1">
+            <a:schemeClr val="accent1"/>
+          </a:fillRef>
+          <a:effectRef idx="0">
+            <a:schemeClr val="accent1"/>
+          </a:effectRef>
+          <a:fontRef idx="minor">
+            <a:schemeClr val="lt1"/>
+          </a:fontRef>
+        </p:style>
+        <p:txBody>
+          <a:bodyPr rtlCol="0" anchor="ctr"/>
+          <a:lstStyle/>
+          <a:p>
+            <a:pPr algn="ctr"/>
+            <a:endParaRPr kumimoji="1" lang="ja-JP" altLang="en-US">
+              <a:latin typeface="Yu Gothic UI" panose="020B0500000000000000" pitchFamily="50" charset="-128"/>
+              <a:ea typeface="Yu Gothic UI" panose="020B0500000000000000" pitchFamily="50" charset="-128"/>
+            </a:endParaRPr>
+          </a:p>
+        </p:txBody>
+      </p:sp>
+      <p:pic>
+        <p:nvPicPr>
+          <p:cNvPr id="15" name="グラフィックス 14">
+            <a:extLst>
+              <a:ext uri="{FF2B5EF4-FFF2-40B4-BE49-F238E27FC236}">
+                <a16:creationId xmlns:a16="http://schemas.microsoft.com/office/drawing/2014/main" id="{03AA75B6-07EC-2FC4-EA45-54E3CD95FC99}"/>
+              </a:ext>
+            </a:extLst>
+          </p:cNvPr>
+          <p:cNvPicPr>
+            <a:picLocks noChangeAspect="1"/>
+          </p:cNvPicPr>
+          <p:nvPr/>
+        </p:nvPicPr>
+        <p:blipFill>
+          <a:blip r:embed="rId4">
+            <a:extLst>
+              <a:ext uri="{28A0092B-C50C-407E-A947-70E740481C1C}">
+                <a14:useLocalDpi xmlns:a14="http://schemas.microsoft.com/office/drawing/2010/main" val="0"/>
+              </a:ext>
+              <a:ext uri="{96DAC541-7B7A-43D3-8B79-37D633B846F1}">
+                <asvg:svgBlip xmlns:asvg="http://schemas.microsoft.com/office/drawing/2016/SVG/main" r:embed="rId5"/>
+              </a:ext>
+            </a:extLst>
+          </a:blip>
+          <a:stretch>
+            <a:fillRect/>
+          </a:stretch>
+        </p:blipFill>
+        <p:spPr>
+          <a:xfrm>
+            <a:off x="8224202" y="3513697"/>
+            <a:ext cx="281656" cy="281656"/>
+          </a:xfrm>
+          <a:prstGeom prst="rect">
+            <a:avLst/>
+          </a:prstGeom>
+        </p:spPr>
+      </p:pic>
+      <p:sp>
+        <p:nvSpPr>
+          <p:cNvPr id="16" name="テキスト ボックス 15">
+            <a:extLst>
+              <a:ext uri="{FF2B5EF4-FFF2-40B4-BE49-F238E27FC236}">
+                <a16:creationId xmlns:a16="http://schemas.microsoft.com/office/drawing/2014/main" id="{CCB510D3-0202-14FB-C91D-ABC35854F2C7}"/>
+              </a:ext>
+            </a:extLst>
+          </p:cNvPr>
+          <p:cNvSpPr txBox="1"/>
+          <p:nvPr/>
+        </p:nvSpPr>
+        <p:spPr>
+          <a:xfrm>
+            <a:off x="8546266" y="3499320"/>
+            <a:ext cx="1233451" cy="246221"/>
+          </a:xfrm>
+          <a:prstGeom prst="rect">
+            <a:avLst/>
+          </a:prstGeom>
+          <a:noFill/>
+        </p:spPr>
+        <p:txBody>
+          <a:bodyPr wrap="square" lIns="0" tIns="0" rIns="0" bIns="0" rtlCol="0">
+            <a:spAutoFit/>
+          </a:bodyPr>
+          <a:lstStyle/>
+          <a:p>
+            <a:r>
+              <a:rPr kumimoji="1" lang="en-US" altLang="ja-JP" sz="800" dirty="0">
+                <a:latin typeface="Yu Gothic UI" panose="020B0500000000000000" pitchFamily="50" charset="-128"/>
+                <a:ea typeface="Yu Gothic UI" panose="020B0500000000000000" pitchFamily="50" charset="-128"/>
+              </a:rPr>
+              <a:t>rg-prj-001</a:t>
+            </a:r>
+          </a:p>
+          <a:p>
+            <a:r>
+              <a:rPr kumimoji="1" lang="en-US" altLang="ja-JP" sz="800" dirty="0">
+                <a:latin typeface="Yu Gothic UI" panose="020B0500000000000000" pitchFamily="50" charset="-128"/>
+                <a:ea typeface="Yu Gothic UI" panose="020B0500000000000000" pitchFamily="50" charset="-128"/>
+              </a:rPr>
+              <a:t>(</a:t>
+            </a:r>
+            <a:r>
+              <a:rPr kumimoji="1" lang="ja-JP" altLang="en-US" sz="800" dirty="0">
+                <a:latin typeface="Yu Gothic UI" panose="020B0500000000000000" pitchFamily="50" charset="-128"/>
+                <a:ea typeface="Yu Gothic UI" panose="020B0500000000000000" pitchFamily="50" charset="-128"/>
+              </a:rPr>
+              <a:t>リソース グループ</a:t>
+            </a:r>
+            <a:r>
+              <a:rPr kumimoji="1" lang="en-US" altLang="ja-JP" sz="800" dirty="0">
+                <a:latin typeface="Yu Gothic UI" panose="020B0500000000000000" pitchFamily="50" charset="-128"/>
+                <a:ea typeface="Yu Gothic UI" panose="020B0500000000000000" pitchFamily="50" charset="-128"/>
+              </a:rPr>
+              <a:t>)</a:t>
+            </a:r>
+            <a:endParaRPr kumimoji="1" lang="en-US" sz="800" dirty="0">
+              <a:latin typeface="Yu Gothic UI" panose="020B0500000000000000" pitchFamily="50" charset="-128"/>
+              <a:ea typeface="Yu Gothic UI" panose="020B0500000000000000" pitchFamily="50" charset="-128"/>
+            </a:endParaRPr>
+          </a:p>
+        </p:txBody>
+      </p:sp>
+      <p:sp>
+        <p:nvSpPr>
+          <p:cNvPr id="17" name="正方形/長方形 16">
+            <a:extLst>
+              <a:ext uri="{FF2B5EF4-FFF2-40B4-BE49-F238E27FC236}">
+                <a16:creationId xmlns:a16="http://schemas.microsoft.com/office/drawing/2014/main" id="{CE2568C0-2811-514C-33A2-10D555775DA7}"/>
+              </a:ext>
+            </a:extLst>
+          </p:cNvPr>
+          <p:cNvSpPr/>
+          <p:nvPr/>
+        </p:nvSpPr>
+        <p:spPr>
+          <a:xfrm>
+            <a:off x="8692650" y="4365729"/>
+            <a:ext cx="929618" cy="863086"/>
+          </a:xfrm>
+          <a:prstGeom prst="rect">
+            <a:avLst/>
+          </a:prstGeom>
+          <a:solidFill>
+            <a:schemeClr val="accent6">
+              <a:lumMod val="20000"/>
+              <a:lumOff val="80000"/>
+            </a:schemeClr>
+          </a:solidFill>
+          <a:ln>
+            <a:noFill/>
+          </a:ln>
+        </p:spPr>
+        <p:style>
+          <a:lnRef idx="2">
+            <a:schemeClr val="accent1">
+              <a:shade val="50000"/>
+            </a:schemeClr>
+          </a:lnRef>
+          <a:fillRef idx="1">
+            <a:schemeClr val="accent1"/>
+          </a:fillRef>
+          <a:effectRef idx="0">
+            <a:schemeClr val="accent1"/>
+          </a:effectRef>
+          <a:fontRef idx="minor">
+            <a:schemeClr val="lt1"/>
+          </a:fontRef>
+        </p:style>
+        <p:txBody>
+          <a:bodyPr rtlCol="0" anchor="ctr"/>
+          <a:lstStyle/>
+          <a:p>
+            <a:pPr algn="ctr"/>
+            <a:endParaRPr kumimoji="1" lang="en-US" sz="2400" dirty="0">
+              <a:latin typeface="Yu Gothic UI" panose="020B0500000000000000" pitchFamily="50" charset="-128"/>
+              <a:ea typeface="Yu Gothic UI" panose="020B0500000000000000" pitchFamily="50" charset="-128"/>
+            </a:endParaRPr>
+          </a:p>
+        </p:txBody>
+      </p:sp>
+      <p:sp>
+        <p:nvSpPr>
+          <p:cNvPr id="18" name="正方形/長方形 17">
+            <a:extLst>
+              <a:ext uri="{FF2B5EF4-FFF2-40B4-BE49-F238E27FC236}">
+                <a16:creationId xmlns:a16="http://schemas.microsoft.com/office/drawing/2014/main" id="{E415386B-2F2F-0FEB-6623-C0432692EB3B}"/>
+              </a:ext>
+            </a:extLst>
+          </p:cNvPr>
+          <p:cNvSpPr/>
+          <p:nvPr/>
+        </p:nvSpPr>
+        <p:spPr>
+          <a:xfrm>
+            <a:off x="8553538" y="4089763"/>
+            <a:ext cx="1226179" cy="1188842"/>
+          </a:xfrm>
+          <a:prstGeom prst="rect">
+            <a:avLst/>
+          </a:prstGeom>
+          <a:noFill/>
+          <a:ln>
+            <a:solidFill>
+              <a:schemeClr val="accent6"/>
+            </a:solidFill>
+          </a:ln>
+        </p:spPr>
+        <p:style>
+          <a:lnRef idx="2">
+            <a:schemeClr val="accent1">
+              <a:shade val="50000"/>
+            </a:schemeClr>
+          </a:lnRef>
+          <a:fillRef idx="1">
+            <a:schemeClr val="accent1"/>
+          </a:fillRef>
+          <a:effectRef idx="0">
+            <a:schemeClr val="accent1"/>
+          </a:effectRef>
+          <a:fontRef idx="minor">
+            <a:schemeClr val="lt1"/>
+          </a:fontRef>
+        </p:style>
+        <p:txBody>
+          <a:bodyPr rtlCol="0" anchor="ctr"/>
+          <a:lstStyle/>
+          <a:p>
+            <a:pPr algn="ctr"/>
+            <a:endParaRPr kumimoji="1" lang="ja-JP" altLang="en-US">
+              <a:latin typeface="Yu Gothic UI" panose="020B0500000000000000" pitchFamily="50" charset="-128"/>
+              <a:ea typeface="Yu Gothic UI" panose="020B0500000000000000" pitchFamily="50" charset="-128"/>
+            </a:endParaRPr>
+          </a:p>
+        </p:txBody>
+      </p:sp>
+      <p:grpSp>
+        <p:nvGrpSpPr>
+          <p:cNvPr id="19" name="グループ化 18">
+            <a:extLst>
+              <a:ext uri="{FF2B5EF4-FFF2-40B4-BE49-F238E27FC236}">
+                <a16:creationId xmlns:a16="http://schemas.microsoft.com/office/drawing/2014/main" id="{0E610EE9-0B43-C316-2E18-524C59EF1AE1}"/>
+              </a:ext>
+            </a:extLst>
+          </p:cNvPr>
+          <p:cNvGrpSpPr/>
+          <p:nvPr/>
+        </p:nvGrpSpPr>
+        <p:grpSpPr>
+          <a:xfrm>
+            <a:off x="8501948" y="3885797"/>
+            <a:ext cx="281657" cy="161721"/>
+            <a:chOff x="7545388" y="5762626"/>
+            <a:chExt cx="577850" cy="331788"/>
+          </a:xfrm>
+        </p:grpSpPr>
+        <p:sp>
+          <p:nvSpPr>
+            <p:cNvPr id="20" name="Freeform 2167">
+              <a:extLst>
+                <a:ext uri="{FF2B5EF4-FFF2-40B4-BE49-F238E27FC236}">
+                  <a16:creationId xmlns:a16="http://schemas.microsoft.com/office/drawing/2014/main" id="{009E2D7F-02DD-0065-0199-32F5E53E0311}"/>
+                </a:ext>
+              </a:extLst>
+            </p:cNvPr>
+            <p:cNvSpPr>
+              <a:spLocks/>
+            </p:cNvSpPr>
+            <p:nvPr/>
+          </p:nvSpPr>
+          <p:spPr bwMode="auto">
+            <a:xfrm>
+              <a:off x="7940675" y="5762626"/>
+              <a:ext cx="182563" cy="331788"/>
+            </a:xfrm>
+            <a:custGeom>
+              <a:avLst/>
+              <a:gdLst>
+                <a:gd name="T0" fmla="*/ 62 w 64"/>
+                <a:gd name="T1" fmla="*/ 60 h 116"/>
+                <a:gd name="T2" fmla="*/ 62 w 64"/>
+                <a:gd name="T3" fmla="*/ 53 h 116"/>
+                <a:gd name="T4" fmla="*/ 52 w 64"/>
+                <a:gd name="T5" fmla="*/ 44 h 116"/>
+                <a:gd name="T6" fmla="*/ 9 w 64"/>
+                <a:gd name="T7" fmla="*/ 2 h 116"/>
+                <a:gd name="T8" fmla="*/ 2 w 64"/>
+                <a:gd name="T9" fmla="*/ 2 h 116"/>
+                <a:gd name="T10" fmla="*/ 2 w 64"/>
+                <a:gd name="T11" fmla="*/ 9 h 116"/>
+                <a:gd name="T12" fmla="*/ 48 w 64"/>
+                <a:gd name="T13" fmla="*/ 53 h 116"/>
+                <a:gd name="T14" fmla="*/ 48 w 64"/>
+                <a:gd name="T15" fmla="*/ 60 h 116"/>
+                <a:gd name="T16" fmla="*/ 2 w 64"/>
+                <a:gd name="T17" fmla="*/ 106 h 116"/>
+                <a:gd name="T18" fmla="*/ 2 w 64"/>
+                <a:gd name="T19" fmla="*/ 114 h 116"/>
+                <a:gd name="T20" fmla="*/ 8 w 64"/>
+                <a:gd name="T21" fmla="*/ 114 h 116"/>
+                <a:gd name="T22" fmla="*/ 51 w 64"/>
+                <a:gd name="T23" fmla="*/ 71 h 116"/>
+                <a:gd name="T24" fmla="*/ 52 w 64"/>
+                <a:gd name="T25" fmla="*/ 71 h 116"/>
+                <a:gd name="T26" fmla="*/ 62 w 64"/>
+                <a:gd name="T27" fmla="*/ 60 h 116"/>
+              </a:gdLst>
+              <a:ahLst/>
+              <a:cxnLst>
+                <a:cxn ang="0">
+                  <a:pos x="T0" y="T1"/>
+                </a:cxn>
+                <a:cxn ang="0">
+                  <a:pos x="T2" y="T3"/>
+                </a:cxn>
+                <a:cxn ang="0">
+                  <a:pos x="T4" y="T5"/>
+                </a:cxn>
+                <a:cxn ang="0">
+                  <a:pos x="T6" y="T7"/>
+                </a:cxn>
+                <a:cxn ang="0">
+                  <a:pos x="T8" y="T9"/>
+                </a:cxn>
+                <a:cxn ang="0">
+                  <a:pos x="T10" y="T11"/>
+                </a:cxn>
+                <a:cxn ang="0">
+                  <a:pos x="T12" y="T13"/>
+                </a:cxn>
+                <a:cxn ang="0">
+                  <a:pos x="T14" y="T15"/>
+                </a:cxn>
+                <a:cxn ang="0">
+                  <a:pos x="T16" y="T17"/>
+                </a:cxn>
+                <a:cxn ang="0">
+                  <a:pos x="T18" y="T19"/>
+                </a:cxn>
+                <a:cxn ang="0">
+                  <a:pos x="T20" y="T21"/>
+                </a:cxn>
+                <a:cxn ang="0">
+                  <a:pos x="T22" y="T23"/>
+                </a:cxn>
+                <a:cxn ang="0">
+                  <a:pos x="T24" y="T25"/>
+                </a:cxn>
+                <a:cxn ang="0">
+                  <a:pos x="T26" y="T27"/>
+                </a:cxn>
+              </a:cxnLst>
+              <a:rect l="0" t="0" r="r" b="b"/>
+              <a:pathLst>
+                <a:path w="64" h="116">
+                  <a:moveTo>
+                    <a:pt x="62" y="60"/>
+                  </a:moveTo>
+                  <a:cubicBezTo>
+                    <a:pt x="64" y="58"/>
+                    <a:pt x="64" y="55"/>
+                    <a:pt x="62" y="53"/>
+                  </a:cubicBezTo>
+                  <a:cubicBezTo>
+                    <a:pt x="52" y="44"/>
+                    <a:pt x="52" y="44"/>
+                    <a:pt x="52" y="44"/>
+                  </a:cubicBezTo>
+                  <a:cubicBezTo>
+                    <a:pt x="9" y="2"/>
+                    <a:pt x="9" y="2"/>
+                    <a:pt x="9" y="2"/>
+                  </a:cubicBezTo>
+                  <a:cubicBezTo>
+                    <a:pt x="7" y="0"/>
+                    <a:pt x="4" y="0"/>
+                    <a:pt x="2" y="2"/>
+                  </a:cubicBezTo>
+                  <a:cubicBezTo>
+                    <a:pt x="0" y="4"/>
+                    <a:pt x="0" y="7"/>
+                    <a:pt x="2" y="9"/>
+                  </a:cubicBezTo>
+                  <a:cubicBezTo>
+                    <a:pt x="48" y="53"/>
+                    <a:pt x="48" y="53"/>
+                    <a:pt x="48" y="53"/>
+                  </a:cubicBezTo>
+                  <a:cubicBezTo>
+                    <a:pt x="50" y="55"/>
+                    <a:pt x="50" y="58"/>
+                    <a:pt x="48" y="60"/>
+                  </a:cubicBezTo>
+                  <a:cubicBezTo>
+                    <a:pt x="2" y="106"/>
+                    <a:pt x="2" y="106"/>
+                    <a:pt x="2" y="106"/>
+                  </a:cubicBezTo>
+                  <a:cubicBezTo>
+                    <a:pt x="0" y="108"/>
+                    <a:pt x="0" y="112"/>
+                    <a:pt x="2" y="114"/>
+                  </a:cubicBezTo>
+                  <a:cubicBezTo>
+                    <a:pt x="4" y="116"/>
+                    <a:pt x="7" y="115"/>
+                    <a:pt x="8" y="114"/>
+                  </a:cubicBezTo>
+                  <a:cubicBezTo>
+                    <a:pt x="51" y="71"/>
+                    <a:pt x="51" y="71"/>
+                    <a:pt x="51" y="71"/>
+                  </a:cubicBezTo>
+                  <a:cubicBezTo>
+                    <a:pt x="51" y="71"/>
+                    <a:pt x="51" y="71"/>
+                    <a:pt x="52" y="71"/>
+                  </a:cubicBezTo>
+                  <a:lnTo>
+                    <a:pt x="62" y="60"/>
+                  </a:lnTo>
+                  <a:close/>
+                </a:path>
+              </a:pathLst>
+            </a:custGeom>
+            <a:solidFill>
+              <a:srgbClr val="3999C6"/>
+            </a:solidFill>
+            <a:ln>
+              <a:noFill/>
+            </a:ln>
+            <a:extLst>
+              <a:ext uri="{91240B29-F687-4F45-9708-019B960494DF}">
+                <a14:hiddenLine xmlns:a14="http://schemas.microsoft.com/office/drawing/2010/main" w="9525">
+                  <a:solidFill>
+                    <a:srgbClr val="000000"/>
+                  </a:solidFill>
+                  <a:round/>
+                  <a:headEnd/>
+                  <a:tailEnd/>
+                </a14:hiddenLine>
+              </a:ext>
+            </a:extLst>
+          </p:spPr>
+          <p:txBody>
+            <a:bodyPr vert="horz" wrap="square" lIns="91440" tIns="45720" rIns="91440" bIns="45720" numCol="1" anchor="t" anchorCtr="0" compatLnSpc="1">
+              <a:prstTxWarp prst="textNoShape">
+                <a:avLst/>
+              </a:prstTxWarp>
+            </a:bodyPr>
+            <a:lstStyle/>
+            <a:p>
+              <a:endParaRPr lang="ja-JP" altLang="en-US" sz="2400">
+                <a:latin typeface="Yu Gothic UI" panose="020B0500000000000000" pitchFamily="50" charset="-128"/>
+                <a:ea typeface="Yu Gothic UI" panose="020B0500000000000000" pitchFamily="50" charset="-128"/>
+              </a:endParaRPr>
+            </a:p>
+          </p:txBody>
+        </p:sp>
+        <p:sp>
+          <p:nvSpPr>
+            <p:cNvPr id="21" name="Freeform 2168">
+              <a:extLst>
+                <a:ext uri="{FF2B5EF4-FFF2-40B4-BE49-F238E27FC236}">
+                  <a16:creationId xmlns:a16="http://schemas.microsoft.com/office/drawing/2014/main" id="{81CF6FA5-18E1-AA77-51D6-16117134CCB0}"/>
+                </a:ext>
+              </a:extLst>
+            </p:cNvPr>
+            <p:cNvSpPr>
+              <a:spLocks/>
+            </p:cNvSpPr>
+            <p:nvPr/>
+          </p:nvSpPr>
+          <p:spPr bwMode="auto">
+            <a:xfrm>
+              <a:off x="7545388" y="5762626"/>
+              <a:ext cx="185738" cy="331788"/>
+            </a:xfrm>
+            <a:custGeom>
+              <a:avLst/>
+              <a:gdLst>
+                <a:gd name="T0" fmla="*/ 2 w 65"/>
+                <a:gd name="T1" fmla="*/ 60 h 116"/>
+                <a:gd name="T2" fmla="*/ 2 w 65"/>
+                <a:gd name="T3" fmla="*/ 53 h 116"/>
+                <a:gd name="T4" fmla="*/ 12 w 65"/>
+                <a:gd name="T5" fmla="*/ 44 h 116"/>
+                <a:gd name="T6" fmla="*/ 55 w 65"/>
+                <a:gd name="T7" fmla="*/ 2 h 116"/>
+                <a:gd name="T8" fmla="*/ 62 w 65"/>
+                <a:gd name="T9" fmla="*/ 2 h 116"/>
+                <a:gd name="T10" fmla="*/ 62 w 65"/>
+                <a:gd name="T11" fmla="*/ 9 h 116"/>
+                <a:gd name="T12" fmla="*/ 18 w 65"/>
+                <a:gd name="T13" fmla="*/ 53 h 116"/>
+                <a:gd name="T14" fmla="*/ 18 w 65"/>
+                <a:gd name="T15" fmla="*/ 60 h 116"/>
+                <a:gd name="T16" fmla="*/ 63 w 65"/>
+                <a:gd name="T17" fmla="*/ 106 h 116"/>
+                <a:gd name="T18" fmla="*/ 63 w 65"/>
+                <a:gd name="T19" fmla="*/ 114 h 116"/>
+                <a:gd name="T20" fmla="*/ 56 w 65"/>
+                <a:gd name="T21" fmla="*/ 114 h 116"/>
+                <a:gd name="T22" fmla="*/ 12 w 65"/>
+                <a:gd name="T23" fmla="*/ 72 h 116"/>
+                <a:gd name="T24" fmla="*/ 12 w 65"/>
+                <a:gd name="T25" fmla="*/ 71 h 116"/>
+                <a:gd name="T26" fmla="*/ 2 w 65"/>
+                <a:gd name="T27" fmla="*/ 60 h 116"/>
+              </a:gdLst>
+              <a:ahLst/>
+              <a:cxnLst>
+                <a:cxn ang="0">
+                  <a:pos x="T0" y="T1"/>
+                </a:cxn>
+                <a:cxn ang="0">
+                  <a:pos x="T2" y="T3"/>
+                </a:cxn>
+                <a:cxn ang="0">
+                  <a:pos x="T4" y="T5"/>
+                </a:cxn>
+                <a:cxn ang="0">
+                  <a:pos x="T6" y="T7"/>
+                </a:cxn>
+                <a:cxn ang="0">
+                  <a:pos x="T8" y="T9"/>
+                </a:cxn>
+                <a:cxn ang="0">
+                  <a:pos x="T10" y="T11"/>
+                </a:cxn>
+                <a:cxn ang="0">
+                  <a:pos x="T12" y="T13"/>
+                </a:cxn>
+                <a:cxn ang="0">
+                  <a:pos x="T14" y="T15"/>
+                </a:cxn>
+                <a:cxn ang="0">
+                  <a:pos x="T16" y="T17"/>
+                </a:cxn>
+                <a:cxn ang="0">
+                  <a:pos x="T18" y="T19"/>
+                </a:cxn>
+                <a:cxn ang="0">
+                  <a:pos x="T20" y="T21"/>
+                </a:cxn>
+                <a:cxn ang="0">
+                  <a:pos x="T22" y="T23"/>
+                </a:cxn>
+                <a:cxn ang="0">
+                  <a:pos x="T24" y="T25"/>
+                </a:cxn>
+                <a:cxn ang="0">
+                  <a:pos x="T26" y="T27"/>
+                </a:cxn>
+              </a:cxnLst>
+              <a:rect l="0" t="0" r="r" b="b"/>
+              <a:pathLst>
+                <a:path w="65" h="116">
+                  <a:moveTo>
+                    <a:pt x="2" y="60"/>
+                  </a:moveTo>
+                  <a:cubicBezTo>
+                    <a:pt x="0" y="58"/>
+                    <a:pt x="1" y="55"/>
+                    <a:pt x="2" y="53"/>
+                  </a:cubicBezTo>
+                  <a:cubicBezTo>
+                    <a:pt x="12" y="44"/>
+                    <a:pt x="12" y="44"/>
+                    <a:pt x="12" y="44"/>
+                  </a:cubicBezTo>
+                  <a:cubicBezTo>
+                    <a:pt x="55" y="2"/>
+                    <a:pt x="55" y="2"/>
+                    <a:pt x="55" y="2"/>
+                  </a:cubicBezTo>
+                  <a:cubicBezTo>
+                    <a:pt x="57" y="0"/>
+                    <a:pt x="60" y="0"/>
+                    <a:pt x="62" y="2"/>
+                  </a:cubicBezTo>
+                  <a:cubicBezTo>
+                    <a:pt x="64" y="4"/>
+                    <a:pt x="64" y="7"/>
+                    <a:pt x="62" y="9"/>
+                  </a:cubicBezTo>
+                  <a:cubicBezTo>
+                    <a:pt x="18" y="53"/>
+                    <a:pt x="18" y="53"/>
+                    <a:pt x="18" y="53"/>
+                  </a:cubicBezTo>
+                  <a:cubicBezTo>
+                    <a:pt x="16" y="55"/>
+                    <a:pt x="16" y="58"/>
+                    <a:pt x="18" y="60"/>
+                  </a:cubicBezTo>
+                  <a:cubicBezTo>
+                    <a:pt x="63" y="106"/>
+                    <a:pt x="63" y="106"/>
+                    <a:pt x="63" y="106"/>
+                  </a:cubicBezTo>
+                  <a:cubicBezTo>
+                    <a:pt x="65" y="108"/>
+                    <a:pt x="65" y="112"/>
+                    <a:pt x="63" y="114"/>
+                  </a:cubicBezTo>
+                  <a:cubicBezTo>
+                    <a:pt x="61" y="116"/>
+                    <a:pt x="58" y="115"/>
+                    <a:pt x="56" y="114"/>
+                  </a:cubicBezTo>
+                  <a:cubicBezTo>
+                    <a:pt x="12" y="72"/>
+                    <a:pt x="12" y="72"/>
+                    <a:pt x="12" y="72"/>
+                  </a:cubicBezTo>
+                  <a:cubicBezTo>
+                    <a:pt x="12" y="72"/>
+                    <a:pt x="12" y="72"/>
+                    <a:pt x="12" y="71"/>
+                  </a:cubicBezTo>
+                  <a:lnTo>
+                    <a:pt x="2" y="60"/>
+                  </a:lnTo>
+                  <a:close/>
+                </a:path>
+              </a:pathLst>
+            </a:custGeom>
+            <a:solidFill>
+              <a:srgbClr val="3999C6"/>
+            </a:solidFill>
+            <a:ln>
+              <a:noFill/>
+            </a:ln>
+            <a:extLst>
+              <a:ext uri="{91240B29-F687-4F45-9708-019B960494DF}">
+                <a14:hiddenLine xmlns:a14="http://schemas.microsoft.com/office/drawing/2010/main" w="9525">
+                  <a:solidFill>
+                    <a:srgbClr val="000000"/>
+                  </a:solidFill>
+                  <a:round/>
+                  <a:headEnd/>
+                  <a:tailEnd/>
+                </a14:hiddenLine>
+              </a:ext>
+            </a:extLst>
+          </p:spPr>
+          <p:txBody>
+            <a:bodyPr vert="horz" wrap="square" lIns="91440" tIns="45720" rIns="91440" bIns="45720" numCol="1" anchor="t" anchorCtr="0" compatLnSpc="1">
+              <a:prstTxWarp prst="textNoShape">
+                <a:avLst/>
+              </a:prstTxWarp>
+            </a:bodyPr>
+            <a:lstStyle/>
+            <a:p>
+              <a:endParaRPr lang="ja-JP" altLang="en-US" sz="2400">
+                <a:latin typeface="Yu Gothic UI" panose="020B0500000000000000" pitchFamily="50" charset="-128"/>
+                <a:ea typeface="Yu Gothic UI" panose="020B0500000000000000" pitchFamily="50" charset="-128"/>
+              </a:endParaRPr>
+            </a:p>
+          </p:txBody>
+        </p:sp>
+        <p:sp>
+          <p:nvSpPr>
+            <p:cNvPr id="27" name="Freeform 2169">
+              <a:extLst>
+                <a:ext uri="{FF2B5EF4-FFF2-40B4-BE49-F238E27FC236}">
+                  <a16:creationId xmlns:a16="http://schemas.microsoft.com/office/drawing/2014/main" id="{32CC73BE-4D19-B49C-63AF-AF15112EEDEC}"/>
+                </a:ext>
+              </a:extLst>
+            </p:cNvPr>
+            <p:cNvSpPr>
+              <a:spLocks/>
+            </p:cNvSpPr>
+            <p:nvPr/>
+          </p:nvSpPr>
+          <p:spPr bwMode="auto">
+            <a:xfrm>
+              <a:off x="7680325" y="5889626"/>
+              <a:ext cx="76200" cy="74613"/>
+            </a:xfrm>
+            <a:custGeom>
+              <a:avLst/>
+              <a:gdLst>
+                <a:gd name="T0" fmla="*/ 27 w 27"/>
+                <a:gd name="T1" fmla="*/ 13 h 26"/>
+                <a:gd name="T2" fmla="*/ 14 w 27"/>
+                <a:gd name="T3" fmla="*/ 26 h 26"/>
+                <a:gd name="T4" fmla="*/ 0 w 27"/>
+                <a:gd name="T5" fmla="*/ 13 h 26"/>
+                <a:gd name="T6" fmla="*/ 14 w 27"/>
+                <a:gd name="T7" fmla="*/ 0 h 26"/>
+                <a:gd name="T8" fmla="*/ 27 w 27"/>
+                <a:gd name="T9" fmla="*/ 13 h 26"/>
+              </a:gdLst>
+              <a:ahLst/>
+              <a:cxnLst>
+                <a:cxn ang="0">
+                  <a:pos x="T0" y="T1"/>
+                </a:cxn>
+                <a:cxn ang="0">
+                  <a:pos x="T2" y="T3"/>
+                </a:cxn>
+                <a:cxn ang="0">
+                  <a:pos x="T4" y="T5"/>
+                </a:cxn>
+                <a:cxn ang="0">
+                  <a:pos x="T6" y="T7"/>
+                </a:cxn>
+                <a:cxn ang="0">
+                  <a:pos x="T8" y="T9"/>
+                </a:cxn>
+              </a:cxnLst>
+              <a:rect l="0" t="0" r="r" b="b"/>
+              <a:pathLst>
+                <a:path w="27" h="26">
+                  <a:moveTo>
+                    <a:pt x="27" y="13"/>
+                  </a:moveTo>
+                  <a:cubicBezTo>
+                    <a:pt x="27" y="20"/>
+                    <a:pt x="21" y="26"/>
+                    <a:pt x="14" y="26"/>
+                  </a:cubicBezTo>
+                  <a:cubicBezTo>
+                    <a:pt x="7" y="26"/>
+                    <a:pt x="0" y="20"/>
+                    <a:pt x="0" y="13"/>
+                  </a:cubicBezTo>
+                  <a:cubicBezTo>
+                    <a:pt x="0" y="6"/>
+                    <a:pt x="5" y="0"/>
+                    <a:pt x="14" y="0"/>
+                  </a:cubicBezTo>
+                  <a:cubicBezTo>
+                    <a:pt x="22" y="0"/>
+                    <a:pt x="27" y="6"/>
+                    <a:pt x="27" y="13"/>
+                  </a:cubicBezTo>
+                  <a:close/>
+                </a:path>
+              </a:pathLst>
+            </a:custGeom>
+            <a:solidFill>
+              <a:srgbClr val="7FBA00"/>
+            </a:solidFill>
+            <a:ln>
+              <a:noFill/>
+            </a:ln>
+            <a:extLst>
+              <a:ext uri="{91240B29-F687-4F45-9708-019B960494DF}">
+                <a14:hiddenLine xmlns:a14="http://schemas.microsoft.com/office/drawing/2010/main" w="9525">
+                  <a:solidFill>
+                    <a:srgbClr val="000000"/>
+                  </a:solidFill>
+                  <a:round/>
+                  <a:headEnd/>
+                  <a:tailEnd/>
+                </a14:hiddenLine>
+              </a:ext>
+            </a:extLst>
+          </p:spPr>
+          <p:txBody>
+            <a:bodyPr vert="horz" wrap="square" lIns="91440" tIns="45720" rIns="91440" bIns="45720" numCol="1" anchor="t" anchorCtr="0" compatLnSpc="1">
+              <a:prstTxWarp prst="textNoShape">
+                <a:avLst/>
+              </a:prstTxWarp>
+            </a:bodyPr>
+            <a:lstStyle/>
+            <a:p>
+              <a:endParaRPr lang="ja-JP" altLang="en-US" sz="2400">
+                <a:latin typeface="Yu Gothic UI" panose="020B0500000000000000" pitchFamily="50" charset="-128"/>
+                <a:ea typeface="Yu Gothic UI" panose="020B0500000000000000" pitchFamily="50" charset="-128"/>
+              </a:endParaRPr>
+            </a:p>
+          </p:txBody>
+        </p:sp>
+        <p:sp>
+          <p:nvSpPr>
+            <p:cNvPr id="32" name="Freeform 2170">
+              <a:extLst>
+                <a:ext uri="{FF2B5EF4-FFF2-40B4-BE49-F238E27FC236}">
+                  <a16:creationId xmlns:a16="http://schemas.microsoft.com/office/drawing/2014/main" id="{56F7A776-649C-E939-ED72-D49EE111EB4E}"/>
+                </a:ext>
+              </a:extLst>
+            </p:cNvPr>
+            <p:cNvSpPr>
+              <a:spLocks/>
+            </p:cNvSpPr>
+            <p:nvPr/>
+          </p:nvSpPr>
+          <p:spPr bwMode="auto">
+            <a:xfrm>
+              <a:off x="7794625" y="5889626"/>
+              <a:ext cx="76200" cy="74613"/>
+            </a:xfrm>
+            <a:custGeom>
+              <a:avLst/>
+              <a:gdLst>
+                <a:gd name="T0" fmla="*/ 27 w 27"/>
+                <a:gd name="T1" fmla="*/ 13 h 26"/>
+                <a:gd name="T2" fmla="*/ 14 w 27"/>
+                <a:gd name="T3" fmla="*/ 26 h 26"/>
+                <a:gd name="T4" fmla="*/ 0 w 27"/>
+                <a:gd name="T5" fmla="*/ 13 h 26"/>
+                <a:gd name="T6" fmla="*/ 14 w 27"/>
+                <a:gd name="T7" fmla="*/ 0 h 26"/>
+                <a:gd name="T8" fmla="*/ 27 w 27"/>
+                <a:gd name="T9" fmla="*/ 13 h 26"/>
+              </a:gdLst>
+              <a:ahLst/>
+              <a:cxnLst>
+                <a:cxn ang="0">
+                  <a:pos x="T0" y="T1"/>
+                </a:cxn>
+                <a:cxn ang="0">
+                  <a:pos x="T2" y="T3"/>
+                </a:cxn>
+                <a:cxn ang="0">
+                  <a:pos x="T4" y="T5"/>
+                </a:cxn>
+                <a:cxn ang="0">
+                  <a:pos x="T6" y="T7"/>
+                </a:cxn>
+                <a:cxn ang="0">
+                  <a:pos x="T8" y="T9"/>
+                </a:cxn>
+              </a:cxnLst>
+              <a:rect l="0" t="0" r="r" b="b"/>
+              <a:pathLst>
+                <a:path w="27" h="26">
+                  <a:moveTo>
+                    <a:pt x="27" y="13"/>
+                  </a:moveTo>
+                  <a:cubicBezTo>
+                    <a:pt x="27" y="20"/>
+                    <a:pt x="21" y="26"/>
+                    <a:pt x="14" y="26"/>
+                  </a:cubicBezTo>
+                  <a:cubicBezTo>
+                    <a:pt x="7" y="26"/>
+                    <a:pt x="0" y="20"/>
+                    <a:pt x="0" y="13"/>
+                  </a:cubicBezTo>
+                  <a:cubicBezTo>
+                    <a:pt x="0" y="6"/>
+                    <a:pt x="7" y="0"/>
+                    <a:pt x="14" y="0"/>
+                  </a:cubicBezTo>
+                  <a:cubicBezTo>
+                    <a:pt x="22" y="0"/>
+                    <a:pt x="27" y="6"/>
+                    <a:pt x="27" y="13"/>
+                  </a:cubicBezTo>
+                  <a:close/>
+                </a:path>
+              </a:pathLst>
+            </a:custGeom>
+            <a:solidFill>
+              <a:srgbClr val="7FBA00"/>
+            </a:solidFill>
+            <a:ln>
+              <a:noFill/>
+            </a:ln>
+            <a:extLst>
+              <a:ext uri="{91240B29-F687-4F45-9708-019B960494DF}">
+                <a14:hiddenLine xmlns:a14="http://schemas.microsoft.com/office/drawing/2010/main" w="9525">
+                  <a:solidFill>
+                    <a:srgbClr val="000000"/>
+                  </a:solidFill>
+                  <a:round/>
+                  <a:headEnd/>
+                  <a:tailEnd/>
+                </a14:hiddenLine>
+              </a:ext>
+            </a:extLst>
+          </p:spPr>
+          <p:txBody>
+            <a:bodyPr vert="horz" wrap="square" lIns="91440" tIns="45720" rIns="91440" bIns="45720" numCol="1" anchor="t" anchorCtr="0" compatLnSpc="1">
+              <a:prstTxWarp prst="textNoShape">
+                <a:avLst/>
+              </a:prstTxWarp>
+            </a:bodyPr>
+            <a:lstStyle/>
+            <a:p>
+              <a:endParaRPr lang="ja-JP" altLang="en-US" sz="2400">
+                <a:latin typeface="Yu Gothic UI" panose="020B0500000000000000" pitchFamily="50" charset="-128"/>
+                <a:ea typeface="Yu Gothic UI" panose="020B0500000000000000" pitchFamily="50" charset="-128"/>
+              </a:endParaRPr>
+            </a:p>
+          </p:txBody>
+        </p:sp>
+        <p:sp>
+          <p:nvSpPr>
+            <p:cNvPr id="33" name="Oval 2171">
+              <a:extLst>
+                <a:ext uri="{FF2B5EF4-FFF2-40B4-BE49-F238E27FC236}">
+                  <a16:creationId xmlns:a16="http://schemas.microsoft.com/office/drawing/2014/main" id="{2092184A-95FE-494E-1A81-B86BEB1686A5}"/>
+                </a:ext>
+              </a:extLst>
+            </p:cNvPr>
+            <p:cNvSpPr>
+              <a:spLocks noChangeArrowheads="1"/>
+            </p:cNvSpPr>
+            <p:nvPr/>
+          </p:nvSpPr>
+          <p:spPr bwMode="auto">
+            <a:xfrm>
+              <a:off x="7913688" y="5889626"/>
+              <a:ext cx="74613" cy="74613"/>
+            </a:xfrm>
+            <a:prstGeom prst="ellipse">
+              <a:avLst/>
+            </a:prstGeom>
+            <a:solidFill>
+              <a:srgbClr val="7FBA00"/>
+            </a:solidFill>
+            <a:ln>
+              <a:noFill/>
+            </a:ln>
+            <a:extLst>
+              <a:ext uri="{91240B29-F687-4F45-9708-019B960494DF}">
+                <a14:hiddenLine xmlns:a14="http://schemas.microsoft.com/office/drawing/2010/main" w="9525">
+                  <a:solidFill>
+                    <a:srgbClr val="000000"/>
+                  </a:solidFill>
+                  <a:round/>
+                  <a:headEnd/>
+                  <a:tailEnd/>
+                </a14:hiddenLine>
+              </a:ext>
+            </a:extLst>
+          </p:spPr>
+          <p:txBody>
+            <a:bodyPr vert="horz" wrap="square" lIns="91440" tIns="45720" rIns="91440" bIns="45720" numCol="1" anchor="t" anchorCtr="0" compatLnSpc="1">
+              <a:prstTxWarp prst="textNoShape">
+                <a:avLst/>
+              </a:prstTxWarp>
+            </a:bodyPr>
+            <a:lstStyle/>
+            <a:p>
+              <a:endParaRPr lang="ja-JP" altLang="en-US" sz="2400">
+                <a:latin typeface="Yu Gothic UI" panose="020B0500000000000000" pitchFamily="50" charset="-128"/>
+                <a:ea typeface="Yu Gothic UI" panose="020B0500000000000000" pitchFamily="50" charset="-128"/>
+              </a:endParaRPr>
+            </a:p>
+          </p:txBody>
+        </p:sp>
+      </p:grpSp>
+      <p:pic>
+        <p:nvPicPr>
+          <p:cNvPr id="34" name="グラフィックス 33">
+            <a:extLst>
+              <a:ext uri="{FF2B5EF4-FFF2-40B4-BE49-F238E27FC236}">
+                <a16:creationId xmlns:a16="http://schemas.microsoft.com/office/drawing/2014/main" id="{BB76BBB5-3AAE-5270-C82C-65C5A4DECFF7}"/>
+              </a:ext>
+            </a:extLst>
+          </p:cNvPr>
+          <p:cNvPicPr>
+            <a:picLocks noChangeAspect="1"/>
+          </p:cNvPicPr>
+          <p:nvPr/>
+        </p:nvPicPr>
+        <p:blipFill>
+          <a:blip r:embed="rId8">
+            <a:extLst>
+              <a:ext uri="{28A0092B-C50C-407E-A947-70E740481C1C}">
+                <a14:useLocalDpi xmlns:a14="http://schemas.microsoft.com/office/drawing/2010/main" val="0"/>
+              </a:ext>
+              <a:ext uri="{96DAC541-7B7A-43D3-8B79-37D633B846F1}">
+                <asvg:svgBlip xmlns:asvg="http://schemas.microsoft.com/office/drawing/2016/SVG/main" r:embed="rId9"/>
+              </a:ext>
+            </a:extLst>
+          </a:blip>
+          <a:stretch>
+            <a:fillRect/>
+          </a:stretch>
+        </p:blipFill>
+        <p:spPr>
+          <a:xfrm>
+            <a:off x="8681466" y="4194279"/>
+            <a:ext cx="171450" cy="171450"/>
+          </a:xfrm>
+          <a:prstGeom prst="rect">
+            <a:avLst/>
+          </a:prstGeom>
+        </p:spPr>
+      </p:pic>
+      <p:sp>
+        <p:nvSpPr>
+          <p:cNvPr id="35" name="テキスト ボックス 34">
+            <a:extLst>
+              <a:ext uri="{FF2B5EF4-FFF2-40B4-BE49-F238E27FC236}">
+                <a16:creationId xmlns:a16="http://schemas.microsoft.com/office/drawing/2014/main" id="{77E782FB-7D65-5507-92CC-001152877D81}"/>
+              </a:ext>
+            </a:extLst>
+          </p:cNvPr>
+          <p:cNvSpPr txBox="1"/>
+          <p:nvPr/>
+        </p:nvSpPr>
+        <p:spPr>
+          <a:xfrm>
+            <a:off x="8857596" y="4127231"/>
+            <a:ext cx="628822" cy="246221"/>
+          </a:xfrm>
+          <a:prstGeom prst="rect">
+            <a:avLst/>
+          </a:prstGeom>
+          <a:noFill/>
+        </p:spPr>
+        <p:txBody>
+          <a:bodyPr wrap="square" lIns="0" tIns="0" rIns="0" bIns="0" rtlCol="0">
+            <a:spAutoFit/>
+          </a:bodyPr>
+          <a:lstStyle/>
+          <a:p>
+            <a:r>
+              <a:rPr kumimoji="1" lang="en-US" altLang="ja-JP" sz="800" dirty="0">
+                <a:latin typeface="Yu Gothic UI" panose="020B0500000000000000" pitchFamily="50" charset="-128"/>
+                <a:ea typeface="Yu Gothic UI" panose="020B0500000000000000" pitchFamily="50" charset="-128"/>
+              </a:rPr>
+              <a:t>snet-default</a:t>
+            </a:r>
+          </a:p>
+          <a:p>
+            <a:r>
+              <a:rPr kumimoji="1" lang="en-US" altLang="ja-JP" sz="800" dirty="0">
+                <a:latin typeface="Yu Gothic UI" panose="020B0500000000000000" pitchFamily="50" charset="-128"/>
+                <a:ea typeface="Yu Gothic UI" panose="020B0500000000000000" pitchFamily="50" charset="-128"/>
+              </a:rPr>
+              <a:t>(</a:t>
+            </a:r>
+            <a:r>
+              <a:rPr kumimoji="1" lang="ja-JP" altLang="en-US" sz="800" dirty="0">
+                <a:latin typeface="Yu Gothic UI" panose="020B0500000000000000" pitchFamily="50" charset="-128"/>
+                <a:ea typeface="Yu Gothic UI" panose="020B0500000000000000" pitchFamily="50" charset="-128"/>
+              </a:rPr>
+              <a:t>サブネット</a:t>
+            </a:r>
+            <a:r>
+              <a:rPr kumimoji="1" lang="en-US" altLang="ja-JP" sz="800" dirty="0">
+                <a:latin typeface="Yu Gothic UI" panose="020B0500000000000000" pitchFamily="50" charset="-128"/>
+                <a:ea typeface="Yu Gothic UI" panose="020B0500000000000000" pitchFamily="50" charset="-128"/>
+              </a:rPr>
+              <a:t>)</a:t>
+            </a:r>
+            <a:endParaRPr kumimoji="1" lang="en-US" sz="800" dirty="0">
+              <a:latin typeface="Yu Gothic UI" panose="020B0500000000000000" pitchFamily="50" charset="-128"/>
+              <a:ea typeface="Yu Gothic UI" panose="020B0500000000000000" pitchFamily="50" charset="-128"/>
+            </a:endParaRPr>
+          </a:p>
+        </p:txBody>
+      </p:sp>
+      <p:sp>
+        <p:nvSpPr>
+          <p:cNvPr id="40" name="テキスト ボックス 39">
+            <a:extLst>
+              <a:ext uri="{FF2B5EF4-FFF2-40B4-BE49-F238E27FC236}">
+                <a16:creationId xmlns:a16="http://schemas.microsoft.com/office/drawing/2014/main" id="{29A6787F-A963-264D-F6F4-59EAEB09E135}"/>
+              </a:ext>
+            </a:extLst>
+          </p:cNvPr>
+          <p:cNvSpPr txBox="1"/>
+          <p:nvPr/>
+        </p:nvSpPr>
+        <p:spPr>
+          <a:xfrm>
+            <a:off x="8824434" y="3801627"/>
+            <a:ext cx="1233451" cy="246221"/>
+          </a:xfrm>
+          <a:prstGeom prst="rect">
+            <a:avLst/>
+          </a:prstGeom>
+          <a:noFill/>
+        </p:spPr>
+        <p:txBody>
+          <a:bodyPr wrap="square" lIns="0" tIns="0" rIns="0" bIns="0" rtlCol="0">
+            <a:spAutoFit/>
+          </a:bodyPr>
+          <a:lstStyle/>
+          <a:p>
+            <a:r>
+              <a:rPr kumimoji="1" lang="en-US" altLang="ja-JP" sz="800" dirty="0">
+                <a:latin typeface="Yu Gothic UI" panose="020B0500000000000000" pitchFamily="50" charset="-128"/>
+                <a:ea typeface="Yu Gothic UI" panose="020B0500000000000000" pitchFamily="50" charset="-128"/>
+              </a:rPr>
+              <a:t>vnet-prj-001</a:t>
+            </a:r>
+          </a:p>
+          <a:p>
+            <a:r>
+              <a:rPr kumimoji="1" lang="en-US" altLang="ja-JP" sz="800" dirty="0">
+                <a:latin typeface="Yu Gothic UI" panose="020B0500000000000000" pitchFamily="50" charset="-128"/>
+                <a:ea typeface="Yu Gothic UI" panose="020B0500000000000000" pitchFamily="50" charset="-128"/>
+              </a:rPr>
+              <a:t>(</a:t>
+            </a:r>
+            <a:r>
+              <a:rPr kumimoji="1" lang="ja-JP" altLang="en-US" sz="800" dirty="0">
+                <a:latin typeface="Yu Gothic UI" panose="020B0500000000000000" pitchFamily="50" charset="-128"/>
+                <a:ea typeface="Yu Gothic UI" panose="020B0500000000000000" pitchFamily="50" charset="-128"/>
+              </a:rPr>
+              <a:t>仮想ネットワーク</a:t>
+            </a:r>
+            <a:r>
+              <a:rPr kumimoji="1" lang="en-US" altLang="ja-JP" sz="800" dirty="0">
+                <a:latin typeface="Yu Gothic UI" panose="020B0500000000000000" pitchFamily="50" charset="-128"/>
+                <a:ea typeface="Yu Gothic UI" panose="020B0500000000000000" pitchFamily="50" charset="-128"/>
+              </a:rPr>
+              <a:t>)</a:t>
+            </a:r>
+            <a:endParaRPr kumimoji="1" lang="en-US" sz="800" dirty="0">
+              <a:latin typeface="Yu Gothic UI" panose="020B0500000000000000" pitchFamily="50" charset="-128"/>
+              <a:ea typeface="Yu Gothic UI" panose="020B0500000000000000" pitchFamily="50" charset="-128"/>
+            </a:endParaRPr>
+          </a:p>
+        </p:txBody>
+      </p:sp>
+      <p:pic>
+        <p:nvPicPr>
+          <p:cNvPr id="45" name="グラフィックス 44">
+            <a:extLst>
+              <a:ext uri="{FF2B5EF4-FFF2-40B4-BE49-F238E27FC236}">
+                <a16:creationId xmlns:a16="http://schemas.microsoft.com/office/drawing/2014/main" id="{8E1FCB01-595B-D9A8-1435-4EC186EBD9DC}"/>
+              </a:ext>
+            </a:extLst>
+          </p:cNvPr>
+          <p:cNvPicPr>
+            <a:picLocks noChangeAspect="1"/>
+          </p:cNvPicPr>
+          <p:nvPr/>
+        </p:nvPicPr>
+        <p:blipFill>
+          <a:blip r:embed="rId16">
+            <a:extLst>
+              <a:ext uri="{28A0092B-C50C-407E-A947-70E740481C1C}">
+                <a14:useLocalDpi xmlns:a14="http://schemas.microsoft.com/office/drawing/2010/main" val="0"/>
+              </a:ext>
+              <a:ext uri="{96DAC541-7B7A-43D3-8B79-37D633B846F1}">
+                <asvg:svgBlip xmlns:asvg="http://schemas.microsoft.com/office/drawing/2016/SVG/main" r:embed="rId17"/>
+              </a:ext>
+            </a:extLst>
+          </a:blip>
+          <a:stretch>
+            <a:fillRect/>
+          </a:stretch>
+        </p:blipFill>
+        <p:spPr>
+          <a:xfrm>
+            <a:off x="9007991" y="4492494"/>
+            <a:ext cx="270044" cy="270044"/>
+          </a:xfrm>
+          <a:prstGeom prst="rect">
+            <a:avLst/>
+          </a:prstGeom>
+        </p:spPr>
+      </p:pic>
+      <p:sp>
+        <p:nvSpPr>
+          <p:cNvPr id="46" name="テキスト ボックス 45">
+            <a:extLst>
+              <a:ext uri="{FF2B5EF4-FFF2-40B4-BE49-F238E27FC236}">
+                <a16:creationId xmlns:a16="http://schemas.microsoft.com/office/drawing/2014/main" id="{C1054956-C6C6-19C6-F6D7-AFAA794BD671}"/>
+              </a:ext>
+            </a:extLst>
+          </p:cNvPr>
+          <p:cNvSpPr txBox="1"/>
+          <p:nvPr/>
+        </p:nvSpPr>
+        <p:spPr>
+          <a:xfrm>
+            <a:off x="8802446" y="4903097"/>
+            <a:ext cx="638713" cy="123111"/>
+          </a:xfrm>
+          <a:prstGeom prst="rect">
+            <a:avLst/>
+          </a:prstGeom>
+          <a:noFill/>
+        </p:spPr>
+        <p:txBody>
+          <a:bodyPr wrap="square" lIns="0" tIns="0" rIns="0" bIns="0" rtlCol="0">
+            <a:spAutoFit/>
+          </a:bodyPr>
+          <a:lstStyle/>
+          <a:p>
+            <a:pPr algn="ctr"/>
+            <a:r>
+              <a:rPr kumimoji="1" lang="ja-JP" altLang="en-US" sz="800" dirty="0">
+                <a:latin typeface="Yu Gothic UI" panose="020B0500000000000000" pitchFamily="50" charset="-128"/>
+                <a:ea typeface="Yu Gothic UI" panose="020B0500000000000000" pitchFamily="50" charset="-128"/>
+              </a:rPr>
+              <a:t>仮想マシン</a:t>
+            </a:r>
+            <a:r>
+              <a:rPr lang="ja-JP" altLang="en-US" sz="800" dirty="0">
+                <a:latin typeface="Yu Gothic UI" panose="020B0500000000000000" pitchFamily="50" charset="-128"/>
+                <a:ea typeface="Yu Gothic UI" panose="020B0500000000000000" pitchFamily="50" charset="-128"/>
+              </a:rPr>
+              <a:t>群</a:t>
+            </a:r>
+            <a:endParaRPr kumimoji="1" lang="en-US" sz="800" dirty="0">
+              <a:latin typeface="Yu Gothic UI" panose="020B0500000000000000" pitchFamily="50" charset="-128"/>
+              <a:ea typeface="Yu Gothic UI" panose="020B0500000000000000" pitchFamily="50" charset="-128"/>
+            </a:endParaRPr>
+          </a:p>
+        </p:txBody>
+      </p:sp>
+      <p:pic>
+        <p:nvPicPr>
+          <p:cNvPr id="47" name="グラフィックス 46">
+            <a:extLst>
+              <a:ext uri="{FF2B5EF4-FFF2-40B4-BE49-F238E27FC236}">
+                <a16:creationId xmlns:a16="http://schemas.microsoft.com/office/drawing/2014/main" id="{C69E1245-6231-7962-5188-CBD8EE222214}"/>
+              </a:ext>
+            </a:extLst>
+          </p:cNvPr>
+          <p:cNvPicPr>
+            <a:picLocks noChangeAspect="1"/>
+          </p:cNvPicPr>
+          <p:nvPr/>
+        </p:nvPicPr>
+        <p:blipFill>
+          <a:blip r:embed="rId16">
+            <a:extLst>
+              <a:ext uri="{28A0092B-C50C-407E-A947-70E740481C1C}">
+                <a14:useLocalDpi xmlns:a14="http://schemas.microsoft.com/office/drawing/2010/main" val="0"/>
+              </a:ext>
+              <a:ext uri="{96DAC541-7B7A-43D3-8B79-37D633B846F1}">
+                <asvg:svgBlip xmlns:asvg="http://schemas.microsoft.com/office/drawing/2016/SVG/main" r:embed="rId17"/>
+              </a:ext>
+            </a:extLst>
+          </a:blip>
+          <a:stretch>
+            <a:fillRect/>
+          </a:stretch>
+        </p:blipFill>
+        <p:spPr>
+          <a:xfrm>
+            <a:off x="9147923" y="4619466"/>
+            <a:ext cx="270044" cy="270044"/>
+          </a:xfrm>
+          <a:prstGeom prst="rect">
+            <a:avLst/>
+          </a:prstGeom>
+        </p:spPr>
+      </p:pic>
+      <p:pic>
+        <p:nvPicPr>
+          <p:cNvPr id="56" name="グラフィックス 55">
+            <a:extLst>
+              <a:ext uri="{FF2B5EF4-FFF2-40B4-BE49-F238E27FC236}">
+                <a16:creationId xmlns:a16="http://schemas.microsoft.com/office/drawing/2014/main" id="{217FFCC3-BBE4-C76C-0AF8-9D3383DD02B2}"/>
+              </a:ext>
+            </a:extLst>
+          </p:cNvPr>
+          <p:cNvPicPr>
+            <a:picLocks noChangeAspect="1"/>
+          </p:cNvPicPr>
+          <p:nvPr/>
+        </p:nvPicPr>
+        <p:blipFill>
+          <a:blip r:embed="rId18">
+            <a:extLst>
+              <a:ext uri="{28A0092B-C50C-407E-A947-70E740481C1C}">
+                <a14:useLocalDpi xmlns:a14="http://schemas.microsoft.com/office/drawing/2010/main" val="0"/>
+              </a:ext>
+              <a:ext uri="{96DAC541-7B7A-43D3-8B79-37D633B846F1}">
+                <asvg:svgBlip xmlns:asvg="http://schemas.microsoft.com/office/drawing/2016/SVG/main" r:embed="rId19"/>
+              </a:ext>
+            </a:extLst>
+          </a:blip>
+          <a:stretch>
+            <a:fillRect/>
+          </a:stretch>
+        </p:blipFill>
+        <p:spPr>
+          <a:xfrm>
+            <a:off x="9468618" y="4271553"/>
+            <a:ext cx="171450" cy="171450"/>
+          </a:xfrm>
+          <a:prstGeom prst="rect">
+            <a:avLst/>
+          </a:prstGeom>
+        </p:spPr>
+      </p:pic>
+      <p:cxnSp>
+        <p:nvCxnSpPr>
+          <p:cNvPr id="62" name="直線コネクタ 61">
+            <a:extLst>
+              <a:ext uri="{FF2B5EF4-FFF2-40B4-BE49-F238E27FC236}">
+                <a16:creationId xmlns:a16="http://schemas.microsoft.com/office/drawing/2014/main" id="{7FAB18DA-3AAA-EBBD-66A9-390B1C3203C9}"/>
+              </a:ext>
+            </a:extLst>
+          </p:cNvPr>
+          <p:cNvCxnSpPr>
+            <a:cxnSpLocks/>
+          </p:cNvCxnSpPr>
+          <p:nvPr/>
+        </p:nvCxnSpPr>
+        <p:spPr>
+          <a:xfrm>
+            <a:off x="6126202" y="2603871"/>
+            <a:ext cx="2420064" cy="1549651"/>
+          </a:xfrm>
+          <a:prstGeom prst="line">
+            <a:avLst/>
+          </a:prstGeom>
+          <a:ln w="12700">
+            <a:solidFill>
+              <a:schemeClr val="accent5"/>
+            </a:solidFill>
+            <a:headEnd type="arrow" w="med" len="med"/>
+            <a:tailEnd type="arrow" w="med" len="med"/>
+          </a:ln>
+        </p:spPr>
+        <p:style>
+          <a:lnRef idx="1">
+            <a:schemeClr val="accent1"/>
+          </a:lnRef>
+          <a:fillRef idx="0">
+            <a:schemeClr val="accent1"/>
+          </a:fillRef>
+          <a:effectRef idx="0">
+            <a:schemeClr val="accent1"/>
+          </a:effectRef>
+          <a:fontRef idx="minor">
+            <a:schemeClr val="tx1"/>
+          </a:fontRef>
+        </p:style>
+      </p:cxnSp>
+    </p:spTree>
+    <p:extLst>
+      <p:ext uri="{BB962C8B-B14F-4D97-AF65-F5344CB8AC3E}">
+        <p14:creationId xmlns:p14="http://schemas.microsoft.com/office/powerpoint/2010/main" val="3081966491"/>
+      </p:ext>
+    </p:extLst>
+  </p:cSld>
+  <p:clrMapOvr>
+    <a:masterClrMapping/>
+  </p:clrMapOvr>
+</p:sld>
+</file>
+
 <file path=ppt/theme/theme1.xml><?xml version="1.0" encoding="utf-8"?>
 <a:theme xmlns:a="http://schemas.openxmlformats.org/drawingml/2006/main" name="Office テーマ">
   <a:themeElements>

--- a/FTALive/Monitoring/images/figure.pptx
+++ b/FTALive/Monitoring/images/figure.pptx
@@ -12,6 +12,7 @@
     <p:sldId id="268" r:id="rId6"/>
     <p:sldId id="269" r:id="rId7"/>
     <p:sldId id="258" r:id="rId8"/>
+    <p:sldId id="270" r:id="rId9"/>
   </p:sldIdLst>
   <p:sldSz cx="12192000" cy="6858000"/>
   <p:notesSz cx="6858000" cy="9144000"/>
@@ -24502,7 +24503,7 @@
         <p:spPr>
           <a:xfrm>
             <a:off x="613646" y="1534528"/>
-            <a:ext cx="800219" cy="276999"/>
+            <a:ext cx="872355" cy="276999"/>
           </a:xfrm>
           <a:prstGeom prst="rect">
             <a:avLst/>
@@ -24520,7 +24521,7 @@
                 <a:latin typeface="Yu Gothic UI" panose="020B0500000000000000" pitchFamily="50" charset="-128"/>
                 <a:ea typeface="Yu Gothic UI" panose="020B0500000000000000" pitchFamily="50" charset="-128"/>
               </a:rPr>
-              <a:t>東京拠点</a:t>
+              <a:t>オンプレミス</a:t>
             </a:r>
             <a:endParaRPr kumimoji="1" lang="en-US" sz="1200" b="1" u="sng" dirty="0">
               <a:latin typeface="Yu Gothic UI" panose="020B0500000000000000" pitchFamily="50" charset="-128"/>
@@ -24752,8 +24753,8 @@
         </p:nvSpPr>
         <p:spPr>
           <a:xfrm>
-            <a:off x="4501290" y="1237601"/>
-            <a:ext cx="4288749" cy="1495085"/>
+            <a:off x="4501291" y="1237601"/>
+            <a:ext cx="5120978" cy="1495085"/>
           </a:xfrm>
           <a:prstGeom prst="rect">
             <a:avLst/>
@@ -24918,8 +24919,8 @@
         </p:nvSpPr>
         <p:spPr>
           <a:xfrm>
-            <a:off x="4272817" y="916527"/>
-            <a:ext cx="4609925" cy="1922553"/>
+            <a:off x="4272818" y="916527"/>
+            <a:ext cx="5449406" cy="1922553"/>
           </a:xfrm>
           <a:prstGeom prst="rect">
             <a:avLst/>
@@ -25258,7 +25259,7 @@
         <p:spPr>
           <a:xfrm>
             <a:off x="4252970" y="3391729"/>
-            <a:ext cx="5886111" cy="2091716"/>
+            <a:ext cx="5906283" cy="2091716"/>
           </a:xfrm>
           <a:prstGeom prst="rect">
             <a:avLst/>
@@ -27323,16 +27324,12 @@
               <a:t>vnet</a:t>
             </a:r>
             <a:r>
-              <a:rPr kumimoji="1" lang="en-US" altLang="ja-JP" sz="800">
+              <a:rPr kumimoji="1" lang="en-US" altLang="ja-JP" sz="800" dirty="0">
                 <a:latin typeface="Yu Gothic UI" panose="020B0500000000000000" pitchFamily="50" charset="-128"/>
                 <a:ea typeface="Yu Gothic UI" panose="020B0500000000000000" pitchFamily="50" charset="-128"/>
               </a:rPr>
               <a:t>-hub</a:t>
             </a:r>
-            <a:endParaRPr kumimoji="1" lang="en-US" altLang="ja-JP" sz="800" dirty="0">
-              <a:latin typeface="Yu Gothic UI" panose="020B0500000000000000" pitchFamily="50" charset="-128"/>
-              <a:ea typeface="Yu Gothic UI" panose="020B0500000000000000" pitchFamily="50" charset="-128"/>
-            </a:endParaRPr>
           </a:p>
           <a:p>
             <a:r>
@@ -30080,48 +30077,6 @@
       </p:cxnSp>
       <p:sp>
         <p:nvSpPr>
-          <p:cNvPr id="211" name="テキスト ボックス 210">
-            <a:extLst>
-              <a:ext uri="{FF2B5EF4-FFF2-40B4-BE49-F238E27FC236}">
-                <a16:creationId xmlns:a16="http://schemas.microsoft.com/office/drawing/2014/main" id="{8ECA2608-B4C9-CBAC-EA79-D3FD9A2BF871}"/>
-              </a:ext>
-            </a:extLst>
-          </p:cNvPr>
-          <p:cNvSpPr txBox="1"/>
-          <p:nvPr/>
-        </p:nvSpPr>
-        <p:spPr>
-          <a:xfrm>
-            <a:off x="9047195" y="828539"/>
-            <a:ext cx="1218603" cy="276999"/>
-          </a:xfrm>
-          <a:prstGeom prst="rect">
-            <a:avLst/>
-          </a:prstGeom>
-          <a:noFill/>
-        </p:spPr>
-        <p:txBody>
-          <a:bodyPr wrap="none" rtlCol="0">
-            <a:spAutoFit/>
-          </a:bodyPr>
-          <a:lstStyle/>
-          <a:p>
-            <a:r>
-              <a:rPr kumimoji="1" lang="ja-JP" altLang="en-US" sz="1200" b="1" u="sng" dirty="0">
-                <a:latin typeface="Yu Gothic UI" panose="020B0500000000000000" pitchFamily="50" charset="-128"/>
-                <a:ea typeface="Yu Gothic UI" panose="020B0500000000000000" pitchFamily="50" charset="-128"/>
-              </a:rPr>
-              <a:t>東日本リージョン</a:t>
-            </a:r>
-            <a:endParaRPr kumimoji="1" lang="en-US" sz="1200" b="1" u="sng" dirty="0">
-              <a:latin typeface="Yu Gothic UI" panose="020B0500000000000000" pitchFamily="50" charset="-128"/>
-              <a:ea typeface="Yu Gothic UI" panose="020B0500000000000000" pitchFamily="50" charset="-128"/>
-            </a:endParaRPr>
-          </a:p>
-        </p:txBody>
-      </p:sp>
-      <p:sp>
-        <p:nvSpPr>
           <p:cNvPr id="212" name="テキスト ボックス 211">
             <a:extLst>
               <a:ext uri="{FF2B5EF4-FFF2-40B4-BE49-F238E27FC236}">
@@ -31648,10 +31603,1532 @@
           </a:fontRef>
         </p:style>
       </p:cxnSp>
+      <p:pic>
+        <p:nvPicPr>
+          <p:cNvPr id="72" name="グラフィックス 71">
+            <a:extLst>
+              <a:ext uri="{FF2B5EF4-FFF2-40B4-BE49-F238E27FC236}">
+                <a16:creationId xmlns:a16="http://schemas.microsoft.com/office/drawing/2014/main" id="{3946B473-40C5-C986-5E2B-11EB0362487E}"/>
+              </a:ext>
+            </a:extLst>
+          </p:cNvPr>
+          <p:cNvPicPr>
+            <a:picLocks noChangeAspect="1"/>
+          </p:cNvPicPr>
+          <p:nvPr/>
+        </p:nvPicPr>
+        <p:blipFill>
+          <a:blip r:embed="rId20">
+            <a:extLst>
+              <a:ext uri="{28A0092B-C50C-407E-A947-70E740481C1C}">
+                <a14:useLocalDpi xmlns:a14="http://schemas.microsoft.com/office/drawing/2010/main" val="0"/>
+              </a:ext>
+              <a:ext uri="{96DAC541-7B7A-43D3-8B79-37D633B846F1}">
+                <asvg:svgBlip xmlns:asvg="http://schemas.microsoft.com/office/drawing/2016/SVG/main" r:embed="rId21"/>
+              </a:ext>
+            </a:extLst>
+          </a:blip>
+          <a:stretch>
+            <a:fillRect/>
+          </a:stretch>
+        </p:blipFill>
+        <p:spPr>
+          <a:xfrm>
+            <a:off x="8949367" y="1507413"/>
+            <a:ext cx="293302" cy="293302"/>
+          </a:xfrm>
+          <a:prstGeom prst="rect">
+            <a:avLst/>
+          </a:prstGeom>
+        </p:spPr>
+      </p:pic>
+      <p:sp>
+        <p:nvSpPr>
+          <p:cNvPr id="80" name="テキスト ボックス 79">
+            <a:extLst>
+              <a:ext uri="{FF2B5EF4-FFF2-40B4-BE49-F238E27FC236}">
+                <a16:creationId xmlns:a16="http://schemas.microsoft.com/office/drawing/2014/main" id="{6DA6DEEF-913C-D75C-4E9A-B0FA1E1BFA61}"/>
+              </a:ext>
+            </a:extLst>
+          </p:cNvPr>
+          <p:cNvSpPr txBox="1"/>
+          <p:nvPr/>
+        </p:nvSpPr>
+        <p:spPr>
+          <a:xfrm>
+            <a:off x="8688248" y="1809771"/>
+            <a:ext cx="825719" cy="215444"/>
+          </a:xfrm>
+          <a:prstGeom prst="rect">
+            <a:avLst/>
+          </a:prstGeom>
+          <a:noFill/>
+        </p:spPr>
+        <p:txBody>
+          <a:bodyPr wrap="square">
+            <a:spAutoFit/>
+          </a:bodyPr>
+          <a:lstStyle/>
+          <a:p>
+            <a:r>
+              <a:rPr kumimoji="1" lang="en-US" altLang="ja-JP" sz="800" b="0" i="0" u="none" strike="noStrike" kern="1200" cap="none" spc="0" normalizeH="0" baseline="0" noProof="0" dirty="0">
+                <a:ln>
+                  <a:noFill/>
+                </a:ln>
+                <a:solidFill>
+                  <a:prstClr val="black"/>
+                </a:solidFill>
+                <a:effectLst/>
+                <a:uLnTx/>
+                <a:uFillTx/>
+                <a:latin typeface="Yu Gothic UI" panose="020B0500000000000000" pitchFamily="50" charset="-128"/>
+                <a:ea typeface="Yu Gothic UI" panose="020B0500000000000000" pitchFamily="50" charset="-128"/>
+                <a:cs typeface="+mn-cs"/>
+              </a:rPr>
+              <a:t>Log Analytics</a:t>
+            </a:r>
+            <a:endParaRPr lang="ja-JP" altLang="en-US" dirty="0"/>
+          </a:p>
+        </p:txBody>
+      </p:sp>
     </p:spTree>
     <p:extLst>
       <p:ext uri="{BB962C8B-B14F-4D97-AF65-F5344CB8AC3E}">
         <p14:creationId xmlns:p14="http://schemas.microsoft.com/office/powerpoint/2010/main" val="3081966491"/>
+      </p:ext>
+    </p:extLst>
+  </p:cSld>
+  <p:clrMapOvr>
+    <a:masterClrMapping/>
+  </p:clrMapOvr>
+</p:sld>
+</file>
+
+<file path=ppt/slides/slide8.xml><?xml version="1.0" encoding="utf-8"?>
+<p:sld xmlns:a="http://schemas.openxmlformats.org/drawingml/2006/main" xmlns:r="http://schemas.openxmlformats.org/officeDocument/2006/relationships" xmlns:p="http://schemas.openxmlformats.org/presentationml/2006/main">
+  <p:cSld>
+    <p:spTree>
+      <p:nvGrpSpPr>
+        <p:cNvPr id="1" name=""/>
+        <p:cNvGrpSpPr/>
+        <p:nvPr/>
+      </p:nvGrpSpPr>
+      <p:grpSpPr>
+        <a:xfrm>
+          <a:off x="0" y="0"/>
+          <a:ext cx="0" cy="0"/>
+          <a:chOff x="0" y="0"/>
+          <a:chExt cx="0" cy="0"/>
+        </a:xfrm>
+      </p:grpSpPr>
+      <p:sp>
+        <p:nvSpPr>
+          <p:cNvPr id="21" name="正方形/長方形 20">
+            <a:extLst>
+              <a:ext uri="{FF2B5EF4-FFF2-40B4-BE49-F238E27FC236}">
+                <a16:creationId xmlns:a16="http://schemas.microsoft.com/office/drawing/2014/main" id="{B2F19DE0-8360-292B-5E6A-CF2816D22BC4}"/>
+              </a:ext>
+            </a:extLst>
+          </p:cNvPr>
+          <p:cNvSpPr/>
+          <p:nvPr/>
+        </p:nvSpPr>
+        <p:spPr>
+          <a:xfrm>
+            <a:off x="6164484" y="3088573"/>
+            <a:ext cx="1238095" cy="1523768"/>
+          </a:xfrm>
+          <a:prstGeom prst="rect">
+            <a:avLst/>
+          </a:prstGeom>
+          <a:solidFill>
+            <a:schemeClr val="accent1">
+              <a:lumMod val="20000"/>
+              <a:lumOff val="80000"/>
+            </a:schemeClr>
+          </a:solidFill>
+          <a:ln>
+            <a:noFill/>
+          </a:ln>
+        </p:spPr>
+        <p:style>
+          <a:lnRef idx="2">
+            <a:schemeClr val="accent1">
+              <a:shade val="50000"/>
+            </a:schemeClr>
+          </a:lnRef>
+          <a:fillRef idx="1">
+            <a:schemeClr val="accent1"/>
+          </a:fillRef>
+          <a:effectRef idx="0">
+            <a:schemeClr val="accent1"/>
+          </a:effectRef>
+          <a:fontRef idx="minor">
+            <a:schemeClr val="lt1"/>
+          </a:fontRef>
+        </p:style>
+        <p:txBody>
+          <a:bodyPr rtlCol="0" anchor="ctr"/>
+          <a:lstStyle/>
+          <a:p>
+            <a:pPr algn="ctr"/>
+            <a:endParaRPr kumimoji="1" lang="ja-JP" altLang="en-US"/>
+          </a:p>
+        </p:txBody>
+      </p:sp>
+      <p:sp>
+        <p:nvSpPr>
+          <p:cNvPr id="18" name="正方形/長方形 17">
+            <a:extLst>
+              <a:ext uri="{FF2B5EF4-FFF2-40B4-BE49-F238E27FC236}">
+                <a16:creationId xmlns:a16="http://schemas.microsoft.com/office/drawing/2014/main" id="{B487E61D-7764-F018-5E38-A082543C0B94}"/>
+              </a:ext>
+            </a:extLst>
+          </p:cNvPr>
+          <p:cNvSpPr/>
+          <p:nvPr/>
+        </p:nvSpPr>
+        <p:spPr>
+          <a:xfrm>
+            <a:off x="3871005" y="3088573"/>
+            <a:ext cx="2037229" cy="1523768"/>
+          </a:xfrm>
+          <a:prstGeom prst="rect">
+            <a:avLst/>
+          </a:prstGeom>
+          <a:solidFill>
+            <a:schemeClr val="accent1">
+              <a:lumMod val="20000"/>
+              <a:lumOff val="80000"/>
+            </a:schemeClr>
+          </a:solidFill>
+          <a:ln>
+            <a:noFill/>
+          </a:ln>
+        </p:spPr>
+        <p:style>
+          <a:lnRef idx="2">
+            <a:schemeClr val="accent1">
+              <a:shade val="50000"/>
+            </a:schemeClr>
+          </a:lnRef>
+          <a:fillRef idx="1">
+            <a:schemeClr val="accent1"/>
+          </a:fillRef>
+          <a:effectRef idx="0">
+            <a:schemeClr val="accent1"/>
+          </a:effectRef>
+          <a:fontRef idx="minor">
+            <a:schemeClr val="lt1"/>
+          </a:fontRef>
+        </p:style>
+        <p:txBody>
+          <a:bodyPr rtlCol="0" anchor="ctr"/>
+          <a:lstStyle/>
+          <a:p>
+            <a:pPr algn="ctr"/>
+            <a:endParaRPr kumimoji="1" lang="ja-JP" altLang="en-US" dirty="0"/>
+          </a:p>
+        </p:txBody>
+      </p:sp>
+      <p:sp>
+        <p:nvSpPr>
+          <p:cNvPr id="17" name="正方形/長方形 16">
+            <a:extLst>
+              <a:ext uri="{FF2B5EF4-FFF2-40B4-BE49-F238E27FC236}">
+                <a16:creationId xmlns:a16="http://schemas.microsoft.com/office/drawing/2014/main" id="{90D5A8DD-8FBA-4955-B51D-75F4B4B7F393}"/>
+              </a:ext>
+            </a:extLst>
+          </p:cNvPr>
+          <p:cNvSpPr/>
+          <p:nvPr/>
+        </p:nvSpPr>
+        <p:spPr>
+          <a:xfrm>
+            <a:off x="2790265" y="3088573"/>
+            <a:ext cx="811413" cy="1523768"/>
+          </a:xfrm>
+          <a:prstGeom prst="rect">
+            <a:avLst/>
+          </a:prstGeom>
+          <a:solidFill>
+            <a:schemeClr val="accent1">
+              <a:lumMod val="20000"/>
+              <a:lumOff val="80000"/>
+            </a:schemeClr>
+          </a:solidFill>
+          <a:ln>
+            <a:noFill/>
+          </a:ln>
+        </p:spPr>
+        <p:style>
+          <a:lnRef idx="2">
+            <a:schemeClr val="accent1">
+              <a:shade val="50000"/>
+            </a:schemeClr>
+          </a:lnRef>
+          <a:fillRef idx="1">
+            <a:schemeClr val="accent1"/>
+          </a:fillRef>
+          <a:effectRef idx="0">
+            <a:schemeClr val="accent1"/>
+          </a:effectRef>
+          <a:fontRef idx="minor">
+            <a:schemeClr val="lt1"/>
+          </a:fontRef>
+        </p:style>
+        <p:txBody>
+          <a:bodyPr rtlCol="0" anchor="ctr"/>
+          <a:lstStyle/>
+          <a:p>
+            <a:pPr algn="ctr"/>
+            <a:endParaRPr kumimoji="1" lang="ja-JP" altLang="en-US"/>
+          </a:p>
+        </p:txBody>
+      </p:sp>
+      <p:pic>
+        <p:nvPicPr>
+          <p:cNvPr id="9" name="グラフィックス 8">
+            <a:extLst>
+              <a:ext uri="{FF2B5EF4-FFF2-40B4-BE49-F238E27FC236}">
+                <a16:creationId xmlns:a16="http://schemas.microsoft.com/office/drawing/2014/main" id="{D744134E-D5AB-0A03-CD3C-468B5FC89D67}"/>
+              </a:ext>
+            </a:extLst>
+          </p:cNvPr>
+          <p:cNvPicPr>
+            <a:picLocks noChangeAspect="1"/>
+          </p:cNvPicPr>
+          <p:nvPr/>
+        </p:nvPicPr>
+        <p:blipFill>
+          <a:blip r:embed="rId2">
+            <a:extLst>
+              <a:ext uri="{28A0092B-C50C-407E-A947-70E740481C1C}">
+                <a14:useLocalDpi xmlns:a14="http://schemas.microsoft.com/office/drawing/2010/main" val="0"/>
+              </a:ext>
+              <a:ext uri="{96DAC541-7B7A-43D3-8B79-37D633B846F1}">
+                <asvg:svgBlip xmlns:asvg="http://schemas.microsoft.com/office/drawing/2016/SVG/main" r:embed="rId3"/>
+              </a:ext>
+            </a:extLst>
+          </a:blip>
+          <a:stretch>
+            <a:fillRect/>
+          </a:stretch>
+        </p:blipFill>
+        <p:spPr>
+          <a:xfrm>
+            <a:off x="6678603" y="3175121"/>
+            <a:ext cx="387330" cy="387330"/>
+          </a:xfrm>
+          <a:prstGeom prst="rect">
+            <a:avLst/>
+          </a:prstGeom>
+        </p:spPr>
+      </p:pic>
+      <p:pic>
+        <p:nvPicPr>
+          <p:cNvPr id="11" name="グラフィックス 10">
+            <a:extLst>
+              <a:ext uri="{FF2B5EF4-FFF2-40B4-BE49-F238E27FC236}">
+                <a16:creationId xmlns:a16="http://schemas.microsoft.com/office/drawing/2014/main" id="{00A2F077-20A8-BBE1-36AB-52A8BA735EF1}"/>
+              </a:ext>
+            </a:extLst>
+          </p:cNvPr>
+          <p:cNvPicPr>
+            <a:picLocks noChangeAspect="1"/>
+          </p:cNvPicPr>
+          <p:nvPr/>
+        </p:nvPicPr>
+        <p:blipFill>
+          <a:blip r:embed="rId4">
+            <a:extLst>
+              <a:ext uri="{28A0092B-C50C-407E-A947-70E740481C1C}">
+                <a14:useLocalDpi xmlns:a14="http://schemas.microsoft.com/office/drawing/2010/main" val="0"/>
+              </a:ext>
+              <a:ext uri="{96DAC541-7B7A-43D3-8B79-37D633B846F1}">
+                <asvg:svgBlip xmlns:asvg="http://schemas.microsoft.com/office/drawing/2016/SVG/main" r:embed="rId5"/>
+              </a:ext>
+            </a:extLst>
+          </a:blip>
+          <a:stretch>
+            <a:fillRect/>
+          </a:stretch>
+        </p:blipFill>
+        <p:spPr>
+          <a:xfrm>
+            <a:off x="6613927" y="3817390"/>
+            <a:ext cx="387331" cy="387331"/>
+          </a:xfrm>
+          <a:prstGeom prst="rect">
+            <a:avLst/>
+          </a:prstGeom>
+        </p:spPr>
+      </p:pic>
+      <p:pic>
+        <p:nvPicPr>
+          <p:cNvPr id="7" name="グラフィックス 6">
+            <a:extLst>
+              <a:ext uri="{FF2B5EF4-FFF2-40B4-BE49-F238E27FC236}">
+                <a16:creationId xmlns:a16="http://schemas.microsoft.com/office/drawing/2014/main" id="{673D2476-9DDE-FB94-6E03-1EFD7CD61D4D}"/>
+              </a:ext>
+            </a:extLst>
+          </p:cNvPr>
+          <p:cNvPicPr>
+            <a:picLocks noChangeAspect="1"/>
+          </p:cNvPicPr>
+          <p:nvPr/>
+        </p:nvPicPr>
+        <p:blipFill>
+          <a:blip r:embed="rId6">
+            <a:extLst>
+              <a:ext uri="{28A0092B-C50C-407E-A947-70E740481C1C}">
+                <a14:useLocalDpi xmlns:a14="http://schemas.microsoft.com/office/drawing/2010/main" val="0"/>
+              </a:ext>
+              <a:ext uri="{96DAC541-7B7A-43D3-8B79-37D633B846F1}">
+                <asvg:svgBlip xmlns:asvg="http://schemas.microsoft.com/office/drawing/2016/SVG/main" r:embed="rId7"/>
+              </a:ext>
+            </a:extLst>
+          </a:blip>
+          <a:stretch>
+            <a:fillRect/>
+          </a:stretch>
+        </p:blipFill>
+        <p:spPr>
+          <a:xfrm>
+            <a:off x="2673131" y="3001146"/>
+            <a:ext cx="254964" cy="254964"/>
+          </a:xfrm>
+          <a:prstGeom prst="rect">
+            <a:avLst/>
+          </a:prstGeom>
+        </p:spPr>
+      </p:pic>
+      <p:sp>
+        <p:nvSpPr>
+          <p:cNvPr id="13" name="正方形/長方形 12">
+            <a:extLst>
+              <a:ext uri="{FF2B5EF4-FFF2-40B4-BE49-F238E27FC236}">
+                <a16:creationId xmlns:a16="http://schemas.microsoft.com/office/drawing/2014/main" id="{AB199029-2F28-373D-88FD-EDE5BC0CAB2B}"/>
+              </a:ext>
+            </a:extLst>
+          </p:cNvPr>
+          <p:cNvSpPr/>
+          <p:nvPr/>
+        </p:nvSpPr>
+        <p:spPr>
+          <a:xfrm>
+            <a:off x="2603128" y="2826963"/>
+            <a:ext cx="4994460" cy="1859337"/>
+          </a:xfrm>
+          <a:prstGeom prst="rect">
+            <a:avLst/>
+          </a:prstGeom>
+          <a:noFill/>
+        </p:spPr>
+        <p:style>
+          <a:lnRef idx="2">
+            <a:schemeClr val="accent1">
+              <a:shade val="50000"/>
+            </a:schemeClr>
+          </a:lnRef>
+          <a:fillRef idx="1">
+            <a:schemeClr val="accent1"/>
+          </a:fillRef>
+          <a:effectRef idx="0">
+            <a:schemeClr val="accent1"/>
+          </a:effectRef>
+          <a:fontRef idx="minor">
+            <a:schemeClr val="lt1"/>
+          </a:fontRef>
+        </p:style>
+        <p:txBody>
+          <a:bodyPr rtlCol="0" anchor="ctr"/>
+          <a:lstStyle/>
+          <a:p>
+            <a:pPr algn="ctr"/>
+            <a:endParaRPr kumimoji="1" lang="ja-JP" altLang="en-US"/>
+          </a:p>
+        </p:txBody>
+      </p:sp>
+      <p:pic>
+        <p:nvPicPr>
+          <p:cNvPr id="3" name="グラフィックス 2">
+            <a:extLst>
+              <a:ext uri="{FF2B5EF4-FFF2-40B4-BE49-F238E27FC236}">
+                <a16:creationId xmlns:a16="http://schemas.microsoft.com/office/drawing/2014/main" id="{018C68EC-AAD5-9987-F9A1-CEFFBC3411AD}"/>
+              </a:ext>
+            </a:extLst>
+          </p:cNvPr>
+          <p:cNvPicPr>
+            <a:picLocks noChangeAspect="1"/>
+          </p:cNvPicPr>
+          <p:nvPr/>
+        </p:nvPicPr>
+        <p:blipFill>
+          <a:blip r:embed="rId8">
+            <a:extLst>
+              <a:ext uri="{28A0092B-C50C-407E-A947-70E740481C1C}">
+                <a14:useLocalDpi xmlns:a14="http://schemas.microsoft.com/office/drawing/2010/main" val="0"/>
+              </a:ext>
+              <a:ext uri="{96DAC541-7B7A-43D3-8B79-37D633B846F1}">
+                <asvg:svgBlip xmlns:asvg="http://schemas.microsoft.com/office/drawing/2016/SVG/main" r:embed="rId9"/>
+              </a:ext>
+            </a:extLst>
+          </a:blip>
+          <a:stretch>
+            <a:fillRect/>
+          </a:stretch>
+        </p:blipFill>
+        <p:spPr>
+          <a:xfrm>
+            <a:off x="2415428" y="2565586"/>
+            <a:ext cx="374837" cy="374837"/>
+          </a:xfrm>
+          <a:prstGeom prst="rect">
+            <a:avLst/>
+          </a:prstGeom>
+        </p:spPr>
+      </p:pic>
+      <p:sp>
+        <p:nvSpPr>
+          <p:cNvPr id="14" name="テキスト ボックス 13">
+            <a:extLst>
+              <a:ext uri="{FF2B5EF4-FFF2-40B4-BE49-F238E27FC236}">
+                <a16:creationId xmlns:a16="http://schemas.microsoft.com/office/drawing/2014/main" id="{C7A26B54-0687-2711-A414-5ED269807337}"/>
+              </a:ext>
+            </a:extLst>
+          </p:cNvPr>
+          <p:cNvSpPr txBox="1"/>
+          <p:nvPr/>
+        </p:nvSpPr>
+        <p:spPr>
+          <a:xfrm>
+            <a:off x="2791841" y="4275754"/>
+            <a:ext cx="809837" cy="276999"/>
+          </a:xfrm>
+          <a:prstGeom prst="rect">
+            <a:avLst/>
+          </a:prstGeom>
+          <a:noFill/>
+        </p:spPr>
+        <p:txBody>
+          <a:bodyPr wrap="none" rtlCol="0">
+            <a:spAutoFit/>
+          </a:bodyPr>
+          <a:lstStyle/>
+          <a:p>
+            <a:r>
+              <a:rPr kumimoji="1" lang="en-US" altLang="ja-JP" sz="1200" dirty="0"/>
+              <a:t>Windows</a:t>
+            </a:r>
+            <a:endParaRPr kumimoji="1" lang="ja-JP" altLang="en-US" sz="1200" dirty="0"/>
+          </a:p>
+        </p:txBody>
+      </p:sp>
+      <p:sp>
+        <p:nvSpPr>
+          <p:cNvPr id="15" name="テキスト ボックス 14">
+            <a:extLst>
+              <a:ext uri="{FF2B5EF4-FFF2-40B4-BE49-F238E27FC236}">
+                <a16:creationId xmlns:a16="http://schemas.microsoft.com/office/drawing/2014/main" id="{3D894A5F-CDD1-E016-7584-27BD2A8F98B4}"/>
+              </a:ext>
+            </a:extLst>
+          </p:cNvPr>
+          <p:cNvSpPr txBox="1"/>
+          <p:nvPr/>
+        </p:nvSpPr>
+        <p:spPr>
+          <a:xfrm>
+            <a:off x="2928095" y="3624534"/>
+            <a:ext cx="537327" cy="276999"/>
+          </a:xfrm>
+          <a:prstGeom prst="rect">
+            <a:avLst/>
+          </a:prstGeom>
+          <a:noFill/>
+        </p:spPr>
+        <p:txBody>
+          <a:bodyPr wrap="none" rtlCol="0">
+            <a:spAutoFit/>
+          </a:bodyPr>
+          <a:lstStyle/>
+          <a:p>
+            <a:r>
+              <a:rPr kumimoji="1" lang="en-US" altLang="ja-JP" sz="1200" dirty="0"/>
+              <a:t>Linux</a:t>
+            </a:r>
+            <a:endParaRPr kumimoji="1" lang="ja-JP" altLang="en-US" sz="1200" dirty="0"/>
+          </a:p>
+        </p:txBody>
+      </p:sp>
+      <p:sp>
+        <p:nvSpPr>
+          <p:cNvPr id="16" name="正方形/長方形 15">
+            <a:extLst>
+              <a:ext uri="{FF2B5EF4-FFF2-40B4-BE49-F238E27FC236}">
+                <a16:creationId xmlns:a16="http://schemas.microsoft.com/office/drawing/2014/main" id="{A170B217-FE0B-6CE7-5C5F-1A2DD64C393A}"/>
+              </a:ext>
+            </a:extLst>
+          </p:cNvPr>
+          <p:cNvSpPr/>
+          <p:nvPr/>
+        </p:nvSpPr>
+        <p:spPr>
+          <a:xfrm>
+            <a:off x="4107530" y="3366121"/>
+            <a:ext cx="1704382" cy="312957"/>
+          </a:xfrm>
+          <a:prstGeom prst="rect">
+            <a:avLst/>
+          </a:prstGeom>
+          <a:noFill/>
+          <a:ln>
+            <a:prstDash val="sysDot"/>
+          </a:ln>
+        </p:spPr>
+        <p:style>
+          <a:lnRef idx="2">
+            <a:schemeClr val="accent1">
+              <a:shade val="50000"/>
+            </a:schemeClr>
+          </a:lnRef>
+          <a:fillRef idx="1">
+            <a:schemeClr val="accent1"/>
+          </a:fillRef>
+          <a:effectRef idx="0">
+            <a:schemeClr val="accent1"/>
+          </a:effectRef>
+          <a:fontRef idx="minor">
+            <a:schemeClr val="lt1"/>
+          </a:fontRef>
+        </p:style>
+        <p:txBody>
+          <a:bodyPr rtlCol="0" anchor="ctr"/>
+          <a:lstStyle/>
+          <a:p>
+            <a:pPr marR="0" lvl="0" algn="ctr" defTabSz="914400" rtl="0" eaLnBrk="1" fontAlgn="auto" latinLnBrk="0" hangingPunct="1">
+              <a:lnSpc>
+                <a:spcPct val="100000"/>
+              </a:lnSpc>
+              <a:spcBef>
+                <a:spcPts val="0"/>
+              </a:spcBef>
+              <a:spcAft>
+                <a:spcPts val="0"/>
+              </a:spcAft>
+              <a:buClrTx/>
+              <a:buSzTx/>
+              <a:tabLst/>
+              <a:defRPr/>
+            </a:pPr>
+            <a:r>
+              <a:rPr kumimoji="1" lang="ja-JP" altLang="en-US" sz="1200" b="0" i="0" u="none" strike="noStrike" kern="1200" cap="none" spc="0" normalizeH="0" baseline="0" noProof="0" dirty="0">
+                <a:ln>
+                  <a:noFill/>
+                </a:ln>
+                <a:solidFill>
+                  <a:prstClr val="black"/>
+                </a:solidFill>
+                <a:effectLst/>
+                <a:uLnTx/>
+                <a:uFillTx/>
+                <a:latin typeface="Yu Gothic UI"/>
+                <a:ea typeface="Yu Gothic UI"/>
+                <a:cs typeface="+mn-cs"/>
+              </a:rPr>
+              <a:t>パフォーマンス カウンター</a:t>
+            </a:r>
+            <a:endParaRPr kumimoji="1" lang="en-US" altLang="ja-JP" sz="1200" b="0" i="0" u="none" strike="noStrike" kern="1200" cap="none" spc="0" normalizeH="0" baseline="0" noProof="0" dirty="0">
+              <a:ln>
+                <a:noFill/>
+              </a:ln>
+              <a:solidFill>
+                <a:prstClr val="black"/>
+              </a:solidFill>
+              <a:effectLst/>
+              <a:uLnTx/>
+              <a:uFillTx/>
+              <a:latin typeface="Yu Gothic UI"/>
+              <a:ea typeface="Yu Gothic UI"/>
+              <a:cs typeface="+mn-cs"/>
+            </a:endParaRPr>
+          </a:p>
+        </p:txBody>
+      </p:sp>
+      <p:pic>
+        <p:nvPicPr>
+          <p:cNvPr id="5" name="グラフィックス 4">
+            <a:extLst>
+              <a:ext uri="{FF2B5EF4-FFF2-40B4-BE49-F238E27FC236}">
+                <a16:creationId xmlns:a16="http://schemas.microsoft.com/office/drawing/2014/main" id="{1647821D-996C-050A-153B-8A7D90A2F056}"/>
+              </a:ext>
+            </a:extLst>
+          </p:cNvPr>
+          <p:cNvPicPr>
+            <a:picLocks noChangeAspect="1"/>
+          </p:cNvPicPr>
+          <p:nvPr/>
+        </p:nvPicPr>
+        <p:blipFill>
+          <a:blip r:embed="rId10">
+            <a:extLst>
+              <a:ext uri="{28A0092B-C50C-407E-A947-70E740481C1C}">
+                <a14:useLocalDpi xmlns:a14="http://schemas.microsoft.com/office/drawing/2010/main" val="0"/>
+              </a:ext>
+              <a:ext uri="{96DAC541-7B7A-43D3-8B79-37D633B846F1}">
+                <asvg:svgBlip xmlns:asvg="http://schemas.microsoft.com/office/drawing/2016/SVG/main" r:embed="rId11"/>
+              </a:ext>
+            </a:extLst>
+          </a:blip>
+          <a:stretch>
+            <a:fillRect/>
+          </a:stretch>
+        </p:blipFill>
+        <p:spPr>
+          <a:xfrm>
+            <a:off x="3848563" y="2926118"/>
+            <a:ext cx="343460" cy="343460"/>
+          </a:xfrm>
+          <a:prstGeom prst="rect">
+            <a:avLst/>
+          </a:prstGeom>
+        </p:spPr>
+      </p:pic>
+      <p:sp>
+        <p:nvSpPr>
+          <p:cNvPr id="19" name="テキスト ボックス 18">
+            <a:extLst>
+              <a:ext uri="{FF2B5EF4-FFF2-40B4-BE49-F238E27FC236}">
+                <a16:creationId xmlns:a16="http://schemas.microsoft.com/office/drawing/2014/main" id="{A1E7D388-AF4B-D539-EB9A-B3010B02C345}"/>
+              </a:ext>
+            </a:extLst>
+          </p:cNvPr>
+          <p:cNvSpPr txBox="1"/>
+          <p:nvPr/>
+        </p:nvSpPr>
+        <p:spPr>
+          <a:xfrm>
+            <a:off x="2883732" y="2842651"/>
+            <a:ext cx="583814" cy="261610"/>
+          </a:xfrm>
+          <a:prstGeom prst="rect">
+            <a:avLst/>
+          </a:prstGeom>
+          <a:noFill/>
+        </p:spPr>
+        <p:txBody>
+          <a:bodyPr wrap="none" rtlCol="0">
+            <a:spAutoFit/>
+          </a:bodyPr>
+          <a:lstStyle/>
+          <a:p>
+            <a:r>
+              <a:rPr kumimoji="1" lang="ja-JP" altLang="en-US" sz="1050" dirty="0"/>
+              <a:t>リソース</a:t>
+            </a:r>
+          </a:p>
+        </p:txBody>
+      </p:sp>
+      <p:sp>
+        <p:nvSpPr>
+          <p:cNvPr id="20" name="テキスト ボックス 19">
+            <a:extLst>
+              <a:ext uri="{FF2B5EF4-FFF2-40B4-BE49-F238E27FC236}">
+                <a16:creationId xmlns:a16="http://schemas.microsoft.com/office/drawing/2014/main" id="{3029F545-F63F-7FAC-DF06-93EC24A70CA4}"/>
+              </a:ext>
+            </a:extLst>
+          </p:cNvPr>
+          <p:cNvSpPr txBox="1"/>
+          <p:nvPr/>
+        </p:nvSpPr>
+        <p:spPr>
+          <a:xfrm>
+            <a:off x="4504583" y="2842651"/>
+            <a:ext cx="763351" cy="253916"/>
+          </a:xfrm>
+          <a:prstGeom prst="rect">
+            <a:avLst/>
+          </a:prstGeom>
+          <a:noFill/>
+        </p:spPr>
+        <p:txBody>
+          <a:bodyPr wrap="none" rtlCol="0">
+            <a:spAutoFit/>
+          </a:bodyPr>
+          <a:lstStyle/>
+          <a:p>
+            <a:r>
+              <a:rPr kumimoji="1" lang="ja-JP" altLang="en-US" sz="1050" dirty="0"/>
+              <a:t>データソース</a:t>
+            </a:r>
+          </a:p>
+        </p:txBody>
+      </p:sp>
+      <p:sp>
+        <p:nvSpPr>
+          <p:cNvPr id="22" name="テキスト ボックス 21">
+            <a:extLst>
+              <a:ext uri="{FF2B5EF4-FFF2-40B4-BE49-F238E27FC236}">
+                <a16:creationId xmlns:a16="http://schemas.microsoft.com/office/drawing/2014/main" id="{62221D29-EA2A-310A-7349-7659ACB2C71C}"/>
+              </a:ext>
+            </a:extLst>
+          </p:cNvPr>
+          <p:cNvSpPr txBox="1"/>
+          <p:nvPr/>
+        </p:nvSpPr>
+        <p:spPr>
+          <a:xfrm>
+            <a:off x="6476411" y="2859236"/>
+            <a:ext cx="662361" cy="253916"/>
+          </a:xfrm>
+          <a:prstGeom prst="rect">
+            <a:avLst/>
+          </a:prstGeom>
+          <a:noFill/>
+        </p:spPr>
+        <p:txBody>
+          <a:bodyPr wrap="none" rtlCol="0">
+            <a:spAutoFit/>
+          </a:bodyPr>
+          <a:lstStyle/>
+          <a:p>
+            <a:r>
+              <a:rPr kumimoji="1" lang="ja-JP" altLang="en-US" sz="1050" dirty="0"/>
+              <a:t>ターゲット</a:t>
+            </a:r>
+          </a:p>
+        </p:txBody>
+      </p:sp>
+      <p:sp>
+        <p:nvSpPr>
+          <p:cNvPr id="23" name="テキスト ボックス 22">
+            <a:extLst>
+              <a:ext uri="{FF2B5EF4-FFF2-40B4-BE49-F238E27FC236}">
+                <a16:creationId xmlns:a16="http://schemas.microsoft.com/office/drawing/2014/main" id="{1A01F785-8D21-84F7-CDC6-10D93B4F9631}"/>
+              </a:ext>
+            </a:extLst>
+          </p:cNvPr>
+          <p:cNvSpPr txBox="1"/>
+          <p:nvPr/>
+        </p:nvSpPr>
+        <p:spPr>
+          <a:xfrm>
+            <a:off x="6294552" y="3609828"/>
+            <a:ext cx="1055217" cy="138499"/>
+          </a:xfrm>
+          <a:prstGeom prst="rect">
+            <a:avLst/>
+          </a:prstGeom>
+          <a:noFill/>
+        </p:spPr>
+        <p:txBody>
+          <a:bodyPr wrap="square" lIns="0" tIns="0" rIns="0" bIns="0" rtlCol="0">
+            <a:spAutoFit/>
+          </a:bodyPr>
+          <a:lstStyle/>
+          <a:p>
+            <a:r>
+              <a:rPr kumimoji="1" lang="en-US" altLang="ja-JP" sz="900" dirty="0"/>
+              <a:t>Azure Monitor Logs</a:t>
+            </a:r>
+            <a:endParaRPr kumimoji="1" lang="ja-JP" altLang="en-US" sz="900" dirty="0"/>
+          </a:p>
+        </p:txBody>
+      </p:sp>
+      <p:sp>
+        <p:nvSpPr>
+          <p:cNvPr id="24" name="テキスト ボックス 23">
+            <a:extLst>
+              <a:ext uri="{FF2B5EF4-FFF2-40B4-BE49-F238E27FC236}">
+                <a16:creationId xmlns:a16="http://schemas.microsoft.com/office/drawing/2014/main" id="{A956FAEA-3C15-2ADE-C517-E8279634B67F}"/>
+              </a:ext>
+            </a:extLst>
+          </p:cNvPr>
+          <p:cNvSpPr txBox="1"/>
+          <p:nvPr/>
+        </p:nvSpPr>
+        <p:spPr>
+          <a:xfrm>
+            <a:off x="6217294" y="4239743"/>
+            <a:ext cx="1185285" cy="138499"/>
+          </a:xfrm>
+          <a:prstGeom prst="rect">
+            <a:avLst/>
+          </a:prstGeom>
+          <a:noFill/>
+        </p:spPr>
+        <p:txBody>
+          <a:bodyPr wrap="square" lIns="0" tIns="0" rIns="0" bIns="0" rtlCol="0">
+            <a:spAutoFit/>
+          </a:bodyPr>
+          <a:lstStyle/>
+          <a:p>
+            <a:pPr algn="ctr"/>
+            <a:r>
+              <a:rPr kumimoji="1" lang="en-US" altLang="ja-JP" sz="900" dirty="0"/>
+              <a:t>Azure Monitor Metrics</a:t>
+            </a:r>
+            <a:endParaRPr kumimoji="1" lang="ja-JP" altLang="en-US" sz="900" dirty="0"/>
+          </a:p>
+        </p:txBody>
+      </p:sp>
+      <p:sp>
+        <p:nvSpPr>
+          <p:cNvPr id="25" name="正方形/長方形 24">
+            <a:extLst>
+              <a:ext uri="{FF2B5EF4-FFF2-40B4-BE49-F238E27FC236}">
+                <a16:creationId xmlns:a16="http://schemas.microsoft.com/office/drawing/2014/main" id="{6302AE1F-88D6-1468-9F2C-188640A94B0E}"/>
+              </a:ext>
+            </a:extLst>
+          </p:cNvPr>
+          <p:cNvSpPr/>
+          <p:nvPr/>
+        </p:nvSpPr>
+        <p:spPr>
+          <a:xfrm>
+            <a:off x="4107530" y="3800147"/>
+            <a:ext cx="1704382" cy="312957"/>
+          </a:xfrm>
+          <a:prstGeom prst="rect">
+            <a:avLst/>
+          </a:prstGeom>
+          <a:noFill/>
+          <a:ln>
+            <a:prstDash val="sysDot"/>
+          </a:ln>
+        </p:spPr>
+        <p:style>
+          <a:lnRef idx="2">
+            <a:schemeClr val="accent1">
+              <a:shade val="50000"/>
+            </a:schemeClr>
+          </a:lnRef>
+          <a:fillRef idx="1">
+            <a:schemeClr val="accent1"/>
+          </a:fillRef>
+          <a:effectRef idx="0">
+            <a:schemeClr val="accent1"/>
+          </a:effectRef>
+          <a:fontRef idx="minor">
+            <a:schemeClr val="lt1"/>
+          </a:fontRef>
+        </p:style>
+        <p:txBody>
+          <a:bodyPr rtlCol="0" anchor="ctr"/>
+          <a:lstStyle/>
+          <a:p>
+            <a:pPr marL="0" marR="0" lvl="0" indent="0" algn="ctr" defTabSz="914400" rtl="0" eaLnBrk="1" fontAlgn="auto" latinLnBrk="0" hangingPunct="1">
+              <a:lnSpc>
+                <a:spcPct val="100000"/>
+              </a:lnSpc>
+              <a:spcBef>
+                <a:spcPts val="0"/>
+              </a:spcBef>
+              <a:spcAft>
+                <a:spcPts val="0"/>
+              </a:spcAft>
+              <a:buClrTx/>
+              <a:buSzTx/>
+              <a:buFontTx/>
+              <a:buNone/>
+              <a:tabLst/>
+              <a:defRPr/>
+            </a:pPr>
+            <a:r>
+              <a:rPr kumimoji="1" lang="en-US" altLang="ja-JP" sz="1200" b="0" i="0" u="none" strike="noStrike" kern="1200" cap="none" spc="0" normalizeH="0" baseline="0" noProof="0" dirty="0">
+                <a:ln>
+                  <a:noFill/>
+                </a:ln>
+                <a:solidFill>
+                  <a:prstClr val="black"/>
+                </a:solidFill>
+                <a:effectLst/>
+                <a:uLnTx/>
+                <a:uFillTx/>
+                <a:latin typeface="Yu Gothic UI"/>
+                <a:ea typeface="Yu Gothic UI"/>
+                <a:cs typeface="+mn-cs"/>
+              </a:rPr>
+              <a:t>Linux Syslog</a:t>
+            </a:r>
+          </a:p>
+        </p:txBody>
+      </p:sp>
+      <p:sp>
+        <p:nvSpPr>
+          <p:cNvPr id="27" name="正方形/長方形 26">
+            <a:extLst>
+              <a:ext uri="{FF2B5EF4-FFF2-40B4-BE49-F238E27FC236}">
+                <a16:creationId xmlns:a16="http://schemas.microsoft.com/office/drawing/2014/main" id="{158B7CB5-7109-CA5B-3DCB-B274A5166F27}"/>
+              </a:ext>
+            </a:extLst>
+          </p:cNvPr>
+          <p:cNvSpPr/>
+          <p:nvPr/>
+        </p:nvSpPr>
+        <p:spPr>
+          <a:xfrm>
+            <a:off x="4107530" y="4239743"/>
+            <a:ext cx="1704382" cy="312957"/>
+          </a:xfrm>
+          <a:prstGeom prst="rect">
+            <a:avLst/>
+          </a:prstGeom>
+          <a:noFill/>
+          <a:ln>
+            <a:prstDash val="sysDot"/>
+          </a:ln>
+        </p:spPr>
+        <p:style>
+          <a:lnRef idx="2">
+            <a:schemeClr val="accent1">
+              <a:shade val="50000"/>
+            </a:schemeClr>
+          </a:lnRef>
+          <a:fillRef idx="1">
+            <a:schemeClr val="accent1"/>
+          </a:fillRef>
+          <a:effectRef idx="0">
+            <a:schemeClr val="accent1"/>
+          </a:effectRef>
+          <a:fontRef idx="minor">
+            <a:schemeClr val="lt1"/>
+          </a:fontRef>
+        </p:style>
+        <p:txBody>
+          <a:bodyPr rtlCol="0" anchor="ctr"/>
+          <a:lstStyle/>
+          <a:p>
+            <a:pPr marL="0" marR="0" lvl="0" indent="0" algn="ctr" defTabSz="914400" rtl="0" eaLnBrk="1" fontAlgn="auto" latinLnBrk="0" hangingPunct="1">
+              <a:lnSpc>
+                <a:spcPct val="100000"/>
+              </a:lnSpc>
+              <a:spcBef>
+                <a:spcPts val="0"/>
+              </a:spcBef>
+              <a:spcAft>
+                <a:spcPts val="0"/>
+              </a:spcAft>
+              <a:buClrTx/>
+              <a:buSzTx/>
+              <a:buFontTx/>
+              <a:buNone/>
+              <a:tabLst/>
+              <a:defRPr/>
+            </a:pPr>
+            <a:r>
+              <a:rPr kumimoji="1" lang="en-US" altLang="ja-JP" sz="1200" b="0" i="0" u="none" strike="noStrike" kern="1200" cap="none" spc="0" normalizeH="0" baseline="0" noProof="0" dirty="0">
+                <a:ln>
+                  <a:noFill/>
+                </a:ln>
+                <a:solidFill>
+                  <a:prstClr val="black"/>
+                </a:solidFill>
+                <a:effectLst/>
+                <a:uLnTx/>
+                <a:uFillTx/>
+                <a:latin typeface="Yu Gothic UI"/>
+                <a:ea typeface="Yu Gothic UI"/>
+                <a:cs typeface="+mn-cs"/>
+              </a:rPr>
+              <a:t>Windows </a:t>
+            </a:r>
+            <a:r>
+              <a:rPr kumimoji="1" lang="ja-JP" altLang="en-US" sz="1200" b="0" i="0" u="none" strike="noStrike" kern="1200" cap="none" spc="0" normalizeH="0" baseline="0" noProof="0" dirty="0">
+                <a:ln>
+                  <a:noFill/>
+                </a:ln>
+                <a:solidFill>
+                  <a:prstClr val="black"/>
+                </a:solidFill>
+                <a:effectLst/>
+                <a:uLnTx/>
+                <a:uFillTx/>
+                <a:latin typeface="Yu Gothic UI"/>
+                <a:ea typeface="Yu Gothic UI"/>
+                <a:cs typeface="+mn-cs"/>
+              </a:rPr>
+              <a:t>イベント ログ</a:t>
+            </a:r>
+            <a:endParaRPr kumimoji="1" lang="en-US" altLang="ja-JP" sz="1200" b="0" i="0" u="none" strike="noStrike" kern="1200" cap="none" spc="0" normalizeH="0" baseline="0" noProof="0" dirty="0">
+              <a:ln>
+                <a:noFill/>
+              </a:ln>
+              <a:solidFill>
+                <a:prstClr val="black"/>
+              </a:solidFill>
+              <a:effectLst/>
+              <a:uLnTx/>
+              <a:uFillTx/>
+              <a:latin typeface="Yu Gothic UI"/>
+              <a:ea typeface="Yu Gothic UI"/>
+              <a:cs typeface="+mn-cs"/>
+            </a:endParaRPr>
+          </a:p>
+        </p:txBody>
+      </p:sp>
+      <p:pic>
+        <p:nvPicPr>
+          <p:cNvPr id="29" name="グラフィックス 28">
+            <a:extLst>
+              <a:ext uri="{FF2B5EF4-FFF2-40B4-BE49-F238E27FC236}">
+                <a16:creationId xmlns:a16="http://schemas.microsoft.com/office/drawing/2014/main" id="{FF4DAAA3-D4BD-4217-2198-5389C7875129}"/>
+              </a:ext>
+            </a:extLst>
+          </p:cNvPr>
+          <p:cNvPicPr>
+            <a:picLocks noChangeAspect="1"/>
+          </p:cNvPicPr>
+          <p:nvPr/>
+        </p:nvPicPr>
+        <p:blipFill>
+          <a:blip r:embed="rId12">
+            <a:extLst>
+              <a:ext uri="{28A0092B-C50C-407E-A947-70E740481C1C}">
+                <a14:useLocalDpi xmlns:a14="http://schemas.microsoft.com/office/drawing/2010/main" val="0"/>
+              </a:ext>
+              <a:ext uri="{96DAC541-7B7A-43D3-8B79-37D633B846F1}">
+                <asvg:svgBlip xmlns:asvg="http://schemas.microsoft.com/office/drawing/2016/SVG/main" r:embed="rId13"/>
+              </a:ext>
+            </a:extLst>
+          </a:blip>
+          <a:stretch>
+            <a:fillRect/>
+          </a:stretch>
+        </p:blipFill>
+        <p:spPr>
+          <a:xfrm>
+            <a:off x="3004275" y="3205983"/>
+            <a:ext cx="374837" cy="374837"/>
+          </a:xfrm>
+          <a:prstGeom prst="rect">
+            <a:avLst/>
+          </a:prstGeom>
+        </p:spPr>
+      </p:pic>
+      <p:pic>
+        <p:nvPicPr>
+          <p:cNvPr id="31" name="グラフィックス 30">
+            <a:extLst>
+              <a:ext uri="{FF2B5EF4-FFF2-40B4-BE49-F238E27FC236}">
+                <a16:creationId xmlns:a16="http://schemas.microsoft.com/office/drawing/2014/main" id="{BE1E1E6E-2D43-DDB2-77F1-2B96659EA549}"/>
+              </a:ext>
+            </a:extLst>
+          </p:cNvPr>
+          <p:cNvPicPr>
+            <a:picLocks noChangeAspect="1"/>
+          </p:cNvPicPr>
+          <p:nvPr/>
+        </p:nvPicPr>
+        <p:blipFill>
+          <a:blip r:embed="rId14">
+            <a:extLst>
+              <a:ext uri="{28A0092B-C50C-407E-A947-70E740481C1C}">
+                <a14:useLocalDpi xmlns:a14="http://schemas.microsoft.com/office/drawing/2010/main" val="0"/>
+              </a:ext>
+              <a:ext uri="{96DAC541-7B7A-43D3-8B79-37D633B846F1}">
+                <asvg:svgBlip xmlns:asvg="http://schemas.microsoft.com/office/drawing/2016/SVG/main" r:embed="rId15"/>
+              </a:ext>
+            </a:extLst>
+          </a:blip>
+          <a:stretch>
+            <a:fillRect/>
+          </a:stretch>
+        </p:blipFill>
+        <p:spPr>
+          <a:xfrm>
+            <a:off x="3017676" y="3912953"/>
+            <a:ext cx="361436" cy="361436"/>
+          </a:xfrm>
+          <a:prstGeom prst="rect">
+            <a:avLst/>
+          </a:prstGeom>
+        </p:spPr>
+      </p:pic>
+      <p:cxnSp>
+        <p:nvCxnSpPr>
+          <p:cNvPr id="57" name="直線矢印コネクタ 56">
+            <a:extLst>
+              <a:ext uri="{FF2B5EF4-FFF2-40B4-BE49-F238E27FC236}">
+                <a16:creationId xmlns:a16="http://schemas.microsoft.com/office/drawing/2014/main" id="{F99A353E-3D12-48D6-4C18-71D22608C0FF}"/>
+              </a:ext>
+            </a:extLst>
+          </p:cNvPr>
+          <p:cNvCxnSpPr>
+            <a:cxnSpLocks/>
+            <a:stCxn id="29" idx="3"/>
+            <a:endCxn id="16" idx="1"/>
+          </p:cNvCxnSpPr>
+          <p:nvPr/>
+        </p:nvCxnSpPr>
+        <p:spPr>
+          <a:xfrm>
+            <a:off x="3379112" y="3393402"/>
+            <a:ext cx="728418" cy="129198"/>
+          </a:xfrm>
+          <a:prstGeom prst="straightConnector1">
+            <a:avLst/>
+          </a:prstGeom>
+          <a:ln>
+            <a:tailEnd type="triangle" w="sm" len="sm"/>
+          </a:ln>
+        </p:spPr>
+        <p:style>
+          <a:lnRef idx="1">
+            <a:schemeClr val="accent1"/>
+          </a:lnRef>
+          <a:fillRef idx="0">
+            <a:schemeClr val="accent1"/>
+          </a:fillRef>
+          <a:effectRef idx="0">
+            <a:schemeClr val="accent1"/>
+          </a:effectRef>
+          <a:fontRef idx="minor">
+            <a:schemeClr val="tx1"/>
+          </a:fontRef>
+        </p:style>
+      </p:cxnSp>
+      <p:cxnSp>
+        <p:nvCxnSpPr>
+          <p:cNvPr id="58" name="直線矢印コネクタ 57">
+            <a:extLst>
+              <a:ext uri="{FF2B5EF4-FFF2-40B4-BE49-F238E27FC236}">
+                <a16:creationId xmlns:a16="http://schemas.microsoft.com/office/drawing/2014/main" id="{A327C8BF-484E-FB92-0CCD-D3FCE27F9F11}"/>
+              </a:ext>
+            </a:extLst>
+          </p:cNvPr>
+          <p:cNvCxnSpPr>
+            <a:cxnSpLocks/>
+            <a:stCxn id="29" idx="3"/>
+            <a:endCxn id="25" idx="1"/>
+          </p:cNvCxnSpPr>
+          <p:nvPr/>
+        </p:nvCxnSpPr>
+        <p:spPr>
+          <a:xfrm>
+            <a:off x="3379112" y="3393402"/>
+            <a:ext cx="728418" cy="563224"/>
+          </a:xfrm>
+          <a:prstGeom prst="straightConnector1">
+            <a:avLst/>
+          </a:prstGeom>
+          <a:ln>
+            <a:tailEnd type="triangle" w="sm" len="sm"/>
+          </a:ln>
+        </p:spPr>
+        <p:style>
+          <a:lnRef idx="1">
+            <a:schemeClr val="accent1"/>
+          </a:lnRef>
+          <a:fillRef idx="0">
+            <a:schemeClr val="accent1"/>
+          </a:fillRef>
+          <a:effectRef idx="0">
+            <a:schemeClr val="accent1"/>
+          </a:effectRef>
+          <a:fontRef idx="minor">
+            <a:schemeClr val="tx1"/>
+          </a:fontRef>
+        </p:style>
+      </p:cxnSp>
+      <p:cxnSp>
+        <p:nvCxnSpPr>
+          <p:cNvPr id="61" name="直線矢印コネクタ 60">
+            <a:extLst>
+              <a:ext uri="{FF2B5EF4-FFF2-40B4-BE49-F238E27FC236}">
+                <a16:creationId xmlns:a16="http://schemas.microsoft.com/office/drawing/2014/main" id="{04FD07E3-432B-5F58-4373-E2A8A57CB2B4}"/>
+              </a:ext>
+            </a:extLst>
+          </p:cNvPr>
+          <p:cNvCxnSpPr>
+            <a:cxnSpLocks/>
+            <a:stCxn id="31" idx="3"/>
+            <a:endCxn id="27" idx="1"/>
+          </p:cNvCxnSpPr>
+          <p:nvPr/>
+        </p:nvCxnSpPr>
+        <p:spPr>
+          <a:xfrm>
+            <a:off x="3379112" y="4093671"/>
+            <a:ext cx="728418" cy="302551"/>
+          </a:xfrm>
+          <a:prstGeom prst="straightConnector1">
+            <a:avLst/>
+          </a:prstGeom>
+          <a:ln>
+            <a:tailEnd type="triangle" w="sm" len="sm"/>
+          </a:ln>
+        </p:spPr>
+        <p:style>
+          <a:lnRef idx="1">
+            <a:schemeClr val="accent1"/>
+          </a:lnRef>
+          <a:fillRef idx="0">
+            <a:schemeClr val="accent1"/>
+          </a:fillRef>
+          <a:effectRef idx="0">
+            <a:schemeClr val="accent1"/>
+          </a:effectRef>
+          <a:fontRef idx="minor">
+            <a:schemeClr val="tx1"/>
+          </a:fontRef>
+        </p:style>
+      </p:cxnSp>
+      <p:cxnSp>
+        <p:nvCxnSpPr>
+          <p:cNvPr id="64" name="直線矢印コネクタ 63">
+            <a:extLst>
+              <a:ext uri="{FF2B5EF4-FFF2-40B4-BE49-F238E27FC236}">
+                <a16:creationId xmlns:a16="http://schemas.microsoft.com/office/drawing/2014/main" id="{E6CBF4F8-A287-DED9-E6D8-A572C76798C9}"/>
+              </a:ext>
+            </a:extLst>
+          </p:cNvPr>
+          <p:cNvCxnSpPr>
+            <a:cxnSpLocks/>
+            <a:stCxn id="31" idx="3"/>
+            <a:endCxn id="16" idx="1"/>
+          </p:cNvCxnSpPr>
+          <p:nvPr/>
+        </p:nvCxnSpPr>
+        <p:spPr>
+          <a:xfrm flipV="1">
+            <a:off x="3379112" y="3522600"/>
+            <a:ext cx="728418" cy="571071"/>
+          </a:xfrm>
+          <a:prstGeom prst="straightConnector1">
+            <a:avLst/>
+          </a:prstGeom>
+          <a:ln>
+            <a:tailEnd type="triangle" w="sm" len="sm"/>
+          </a:ln>
+        </p:spPr>
+        <p:style>
+          <a:lnRef idx="1">
+            <a:schemeClr val="accent1"/>
+          </a:lnRef>
+          <a:fillRef idx="0">
+            <a:schemeClr val="accent1"/>
+          </a:fillRef>
+          <a:effectRef idx="0">
+            <a:schemeClr val="accent1"/>
+          </a:effectRef>
+          <a:fontRef idx="minor">
+            <a:schemeClr val="tx1"/>
+          </a:fontRef>
+        </p:style>
+      </p:cxnSp>
+      <p:cxnSp>
+        <p:nvCxnSpPr>
+          <p:cNvPr id="71" name="直線矢印コネクタ 70">
+            <a:extLst>
+              <a:ext uri="{FF2B5EF4-FFF2-40B4-BE49-F238E27FC236}">
+                <a16:creationId xmlns:a16="http://schemas.microsoft.com/office/drawing/2014/main" id="{27FDBFB8-3AAB-6E6F-5FBF-0738D7EA3C86}"/>
+              </a:ext>
+            </a:extLst>
+          </p:cNvPr>
+          <p:cNvCxnSpPr>
+            <a:cxnSpLocks/>
+            <a:stCxn id="27" idx="3"/>
+            <a:endCxn id="23" idx="1"/>
+          </p:cNvCxnSpPr>
+          <p:nvPr/>
+        </p:nvCxnSpPr>
+        <p:spPr>
+          <a:xfrm flipV="1">
+            <a:off x="5811912" y="3679078"/>
+            <a:ext cx="482640" cy="717144"/>
+          </a:xfrm>
+          <a:prstGeom prst="straightConnector1">
+            <a:avLst/>
+          </a:prstGeom>
+          <a:ln>
+            <a:tailEnd type="triangle" w="sm" len="sm"/>
+          </a:ln>
+        </p:spPr>
+        <p:style>
+          <a:lnRef idx="1">
+            <a:schemeClr val="accent1"/>
+          </a:lnRef>
+          <a:fillRef idx="0">
+            <a:schemeClr val="accent1"/>
+          </a:fillRef>
+          <a:effectRef idx="0">
+            <a:schemeClr val="accent1"/>
+          </a:effectRef>
+          <a:fontRef idx="minor">
+            <a:schemeClr val="tx1"/>
+          </a:fontRef>
+        </p:style>
+      </p:cxnSp>
+      <p:cxnSp>
+        <p:nvCxnSpPr>
+          <p:cNvPr id="75" name="直線矢印コネクタ 74">
+            <a:extLst>
+              <a:ext uri="{FF2B5EF4-FFF2-40B4-BE49-F238E27FC236}">
+                <a16:creationId xmlns:a16="http://schemas.microsoft.com/office/drawing/2014/main" id="{D066F7AC-0639-0F51-BB25-DD27D7307D55}"/>
+              </a:ext>
+            </a:extLst>
+          </p:cNvPr>
+          <p:cNvCxnSpPr>
+            <a:cxnSpLocks/>
+            <a:stCxn id="25" idx="3"/>
+            <a:endCxn id="23" idx="1"/>
+          </p:cNvCxnSpPr>
+          <p:nvPr/>
+        </p:nvCxnSpPr>
+        <p:spPr>
+          <a:xfrm flipV="1">
+            <a:off x="5811912" y="3679078"/>
+            <a:ext cx="482640" cy="277548"/>
+          </a:xfrm>
+          <a:prstGeom prst="straightConnector1">
+            <a:avLst/>
+          </a:prstGeom>
+          <a:ln>
+            <a:tailEnd type="triangle" w="sm" len="sm"/>
+          </a:ln>
+        </p:spPr>
+        <p:style>
+          <a:lnRef idx="1">
+            <a:schemeClr val="accent1"/>
+          </a:lnRef>
+          <a:fillRef idx="0">
+            <a:schemeClr val="accent1"/>
+          </a:fillRef>
+          <a:effectRef idx="0">
+            <a:schemeClr val="accent1"/>
+          </a:effectRef>
+          <a:fontRef idx="minor">
+            <a:schemeClr val="tx1"/>
+          </a:fontRef>
+        </p:style>
+      </p:cxnSp>
+      <p:cxnSp>
+        <p:nvCxnSpPr>
+          <p:cNvPr id="86" name="直線矢印コネクタ 85">
+            <a:extLst>
+              <a:ext uri="{FF2B5EF4-FFF2-40B4-BE49-F238E27FC236}">
+                <a16:creationId xmlns:a16="http://schemas.microsoft.com/office/drawing/2014/main" id="{6D1D18A1-6482-EB50-068D-4564C9CB1E05}"/>
+              </a:ext>
+            </a:extLst>
+          </p:cNvPr>
+          <p:cNvCxnSpPr>
+            <a:cxnSpLocks/>
+            <a:stCxn id="16" idx="3"/>
+            <a:endCxn id="23" idx="1"/>
+          </p:cNvCxnSpPr>
+          <p:nvPr/>
+        </p:nvCxnSpPr>
+        <p:spPr>
+          <a:xfrm>
+            <a:off x="5811912" y="3522600"/>
+            <a:ext cx="482640" cy="156478"/>
+          </a:xfrm>
+          <a:prstGeom prst="straightConnector1">
+            <a:avLst/>
+          </a:prstGeom>
+          <a:ln>
+            <a:tailEnd type="triangle" w="sm" len="sm"/>
+          </a:ln>
+        </p:spPr>
+        <p:style>
+          <a:lnRef idx="1">
+            <a:schemeClr val="accent1"/>
+          </a:lnRef>
+          <a:fillRef idx="0">
+            <a:schemeClr val="accent1"/>
+          </a:fillRef>
+          <a:effectRef idx="0">
+            <a:schemeClr val="accent1"/>
+          </a:effectRef>
+          <a:fontRef idx="minor">
+            <a:schemeClr val="tx1"/>
+          </a:fontRef>
+        </p:style>
+      </p:cxnSp>
+      <p:cxnSp>
+        <p:nvCxnSpPr>
+          <p:cNvPr id="90" name="直線矢印コネクタ 89">
+            <a:extLst>
+              <a:ext uri="{FF2B5EF4-FFF2-40B4-BE49-F238E27FC236}">
+                <a16:creationId xmlns:a16="http://schemas.microsoft.com/office/drawing/2014/main" id="{44299A94-8436-3D80-AF54-94AB50F512C1}"/>
+              </a:ext>
+            </a:extLst>
+          </p:cNvPr>
+          <p:cNvCxnSpPr>
+            <a:cxnSpLocks/>
+            <a:stCxn id="16" idx="3"/>
+            <a:endCxn id="24" idx="1"/>
+          </p:cNvCxnSpPr>
+          <p:nvPr/>
+        </p:nvCxnSpPr>
+        <p:spPr>
+          <a:xfrm>
+            <a:off x="5811912" y="3522600"/>
+            <a:ext cx="405382" cy="786393"/>
+          </a:xfrm>
+          <a:prstGeom prst="straightConnector1">
+            <a:avLst/>
+          </a:prstGeom>
+          <a:ln>
+            <a:tailEnd type="triangle" w="sm" len="sm"/>
+          </a:ln>
+        </p:spPr>
+        <p:style>
+          <a:lnRef idx="1">
+            <a:schemeClr val="accent1"/>
+          </a:lnRef>
+          <a:fillRef idx="0">
+            <a:schemeClr val="accent1"/>
+          </a:fillRef>
+          <a:effectRef idx="0">
+            <a:schemeClr val="accent1"/>
+          </a:effectRef>
+          <a:fontRef idx="minor">
+            <a:schemeClr val="tx1"/>
+          </a:fontRef>
+        </p:style>
+      </p:cxnSp>
+      <p:sp>
+        <p:nvSpPr>
+          <p:cNvPr id="95" name="テキスト ボックス 94">
+            <a:extLst>
+              <a:ext uri="{FF2B5EF4-FFF2-40B4-BE49-F238E27FC236}">
+                <a16:creationId xmlns:a16="http://schemas.microsoft.com/office/drawing/2014/main" id="{7F7E4ACD-6763-F4CD-AE68-4F2E97AC53D6}"/>
+              </a:ext>
+            </a:extLst>
+          </p:cNvPr>
+          <p:cNvSpPr txBox="1"/>
+          <p:nvPr/>
+        </p:nvSpPr>
+        <p:spPr>
+          <a:xfrm>
+            <a:off x="2769537" y="2576818"/>
+            <a:ext cx="1055097" cy="253916"/>
+          </a:xfrm>
+          <a:prstGeom prst="rect">
+            <a:avLst/>
+          </a:prstGeom>
+          <a:noFill/>
+        </p:spPr>
+        <p:txBody>
+          <a:bodyPr wrap="none" rtlCol="0">
+            <a:spAutoFit/>
+          </a:bodyPr>
+          <a:lstStyle/>
+          <a:p>
+            <a:r>
+              <a:rPr lang="ja-JP" altLang="en-US" sz="1050" dirty="0"/>
+              <a:t>データ収集ルール</a:t>
+            </a:r>
+            <a:endParaRPr kumimoji="1" lang="ja-JP" altLang="en-US" sz="1050" dirty="0"/>
+          </a:p>
+        </p:txBody>
+      </p:sp>
+    </p:spTree>
+    <p:extLst>
+      <p:ext uri="{BB962C8B-B14F-4D97-AF65-F5344CB8AC3E}">
+        <p14:creationId xmlns:p14="http://schemas.microsoft.com/office/powerpoint/2010/main" val="1131132089"/>
       </p:ext>
     </p:extLst>
   </p:cSld>

--- a/FTALive/Monitoring/images/figure.pptx
+++ b/FTALive/Monitoring/images/figure.pptx
@@ -13,6 +13,8 @@
     <p:sldId id="269" r:id="rId7"/>
     <p:sldId id="258" r:id="rId8"/>
     <p:sldId id="270" r:id="rId9"/>
+    <p:sldId id="271" r:id="rId10"/>
+    <p:sldId id="272" r:id="rId11"/>
   </p:sldIdLst>
   <p:sldSz cx="12192000" cy="6858000"/>
   <p:notesSz cx="6858000" cy="9144000"/>
@@ -125,6 +127,3103 @@
     <p1510:client id="{8FBF92AF-5690-4D8B-BC35-5A1DFD36B686}" v="157" dt="2022-04-10T11:38:42.149"/>
   </p1510:revLst>
 </p1510:revInfo>
+</file>
+
+<file path=ppt/diagrams/colors1.xml><?xml version="1.0" encoding="utf-8"?>
+<dgm:colorsDef xmlns:dgm="http://schemas.openxmlformats.org/drawingml/2006/diagram" xmlns:a="http://schemas.openxmlformats.org/drawingml/2006/main" uniqueId="urn:microsoft.com/office/officeart/2005/8/colors/accent1_2">
+  <dgm:title val=""/>
+  <dgm:desc val=""/>
+  <dgm:catLst>
+    <dgm:cat type="accent1" pri="11200"/>
+  </dgm:catLst>
+  <dgm:styleLbl name="node0">
+    <dgm:fillClrLst meth="repeat">
+      <a:schemeClr val="accent1"/>
+    </dgm:fillClrLst>
+    <dgm:linClrLst meth="repeat">
+      <a:schemeClr val="lt1"/>
+    </dgm:linClrLst>
+    <dgm:effectClrLst/>
+    <dgm:txLinClrLst/>
+    <dgm:txFillClrLst/>
+    <dgm:txEffectClrLst/>
+  </dgm:styleLbl>
+  <dgm:styleLbl name="alignNode1">
+    <dgm:fillClrLst meth="repeat">
+      <a:schemeClr val="accent1"/>
+    </dgm:fillClrLst>
+    <dgm:linClrLst meth="repeat">
+      <a:schemeClr val="accent1"/>
+    </dgm:linClrLst>
+    <dgm:effectClrLst/>
+    <dgm:txLinClrLst/>
+    <dgm:txFillClrLst/>
+    <dgm:txEffectClrLst/>
+  </dgm:styleLbl>
+  <dgm:styleLbl name="node1">
+    <dgm:fillClrLst meth="repeat">
+      <a:schemeClr val="accent1"/>
+    </dgm:fillClrLst>
+    <dgm:linClrLst meth="repeat">
+      <a:schemeClr val="lt1"/>
+    </dgm:linClrLst>
+    <dgm:effectClrLst/>
+    <dgm:txLinClrLst/>
+    <dgm:txFillClrLst/>
+    <dgm:txEffectClrLst/>
+  </dgm:styleLbl>
+  <dgm:styleLbl name="lnNode1">
+    <dgm:fillClrLst meth="repeat">
+      <a:schemeClr val="accent1"/>
+    </dgm:fillClrLst>
+    <dgm:linClrLst meth="repeat">
+      <a:schemeClr val="lt1"/>
+    </dgm:linClrLst>
+    <dgm:effectClrLst/>
+    <dgm:txLinClrLst/>
+    <dgm:txFillClrLst/>
+    <dgm:txEffectClrLst/>
+  </dgm:styleLbl>
+  <dgm:styleLbl name="vennNode1">
+    <dgm:fillClrLst meth="repeat">
+      <a:schemeClr val="accent1">
+        <a:alpha val="50000"/>
+      </a:schemeClr>
+    </dgm:fillClrLst>
+    <dgm:linClrLst meth="repeat">
+      <a:schemeClr val="lt1"/>
+    </dgm:linClrLst>
+    <dgm:effectClrLst/>
+    <dgm:txLinClrLst/>
+    <dgm:txFillClrLst/>
+    <dgm:txEffectClrLst/>
+  </dgm:styleLbl>
+  <dgm:styleLbl name="node2">
+    <dgm:fillClrLst meth="repeat">
+      <a:schemeClr val="accent1"/>
+    </dgm:fillClrLst>
+    <dgm:linClrLst meth="repeat">
+      <a:schemeClr val="lt1"/>
+    </dgm:linClrLst>
+    <dgm:effectClrLst/>
+    <dgm:txLinClrLst/>
+    <dgm:txFillClrLst/>
+    <dgm:txEffectClrLst/>
+  </dgm:styleLbl>
+  <dgm:styleLbl name="node3">
+    <dgm:fillClrLst meth="repeat">
+      <a:schemeClr val="accent1"/>
+    </dgm:fillClrLst>
+    <dgm:linClrLst meth="repeat">
+      <a:schemeClr val="lt1"/>
+    </dgm:linClrLst>
+    <dgm:effectClrLst/>
+    <dgm:txLinClrLst/>
+    <dgm:txFillClrLst/>
+    <dgm:txEffectClrLst/>
+  </dgm:styleLbl>
+  <dgm:styleLbl name="node4">
+    <dgm:fillClrLst meth="repeat">
+      <a:schemeClr val="accent1"/>
+    </dgm:fillClrLst>
+    <dgm:linClrLst meth="repeat">
+      <a:schemeClr val="lt1"/>
+    </dgm:linClrLst>
+    <dgm:effectClrLst/>
+    <dgm:txLinClrLst/>
+    <dgm:txFillClrLst/>
+    <dgm:txEffectClrLst/>
+  </dgm:styleLbl>
+  <dgm:styleLbl name="fgImgPlace1">
+    <dgm:fillClrLst meth="repeat">
+      <a:schemeClr val="accent1">
+        <a:tint val="50000"/>
+      </a:schemeClr>
+    </dgm:fillClrLst>
+    <dgm:linClrLst meth="repeat">
+      <a:schemeClr val="lt1"/>
+    </dgm:linClrLst>
+    <dgm:effectClrLst/>
+    <dgm:txLinClrLst/>
+    <dgm:txFillClrLst meth="repeat">
+      <a:schemeClr val="lt1"/>
+    </dgm:txFillClrLst>
+    <dgm:txEffectClrLst/>
+  </dgm:styleLbl>
+  <dgm:styleLbl name="alignImgPlace1">
+    <dgm:fillClrLst meth="repeat">
+      <a:schemeClr val="accent1">
+        <a:tint val="50000"/>
+      </a:schemeClr>
+    </dgm:fillClrLst>
+    <dgm:linClrLst meth="repeat">
+      <a:schemeClr val="lt1"/>
+    </dgm:linClrLst>
+    <dgm:effectClrLst/>
+    <dgm:txLinClrLst/>
+    <dgm:txFillClrLst meth="repeat">
+      <a:schemeClr val="lt1"/>
+    </dgm:txFillClrLst>
+    <dgm:txEffectClrLst/>
+  </dgm:styleLbl>
+  <dgm:styleLbl name="bgImgPlace1">
+    <dgm:fillClrLst meth="repeat">
+      <a:schemeClr val="accent1">
+        <a:tint val="50000"/>
+      </a:schemeClr>
+    </dgm:fillClrLst>
+    <dgm:linClrLst meth="repeat">
+      <a:schemeClr val="lt1"/>
+    </dgm:linClrLst>
+    <dgm:effectClrLst/>
+    <dgm:txLinClrLst/>
+    <dgm:txFillClrLst meth="repeat">
+      <a:schemeClr val="lt1"/>
+    </dgm:txFillClrLst>
+    <dgm:txEffectClrLst/>
+  </dgm:styleLbl>
+  <dgm:styleLbl name="sibTrans2D1">
+    <dgm:fillClrLst meth="repeat">
+      <a:schemeClr val="accent1">
+        <a:tint val="60000"/>
+      </a:schemeClr>
+    </dgm:fillClrLst>
+    <dgm:linClrLst meth="repeat">
+      <a:schemeClr val="accent1">
+        <a:tint val="60000"/>
+      </a:schemeClr>
+    </dgm:linClrLst>
+    <dgm:effectClrLst/>
+    <dgm:txLinClrLst/>
+    <dgm:txFillClrLst/>
+    <dgm:txEffectClrLst/>
+  </dgm:styleLbl>
+  <dgm:styleLbl name="fgSibTrans2D1">
+    <dgm:fillClrLst meth="repeat">
+      <a:schemeClr val="accent1">
+        <a:tint val="60000"/>
+      </a:schemeClr>
+    </dgm:fillClrLst>
+    <dgm:linClrLst meth="repeat">
+      <a:schemeClr val="accent1">
+        <a:tint val="60000"/>
+      </a:schemeClr>
+    </dgm:linClrLst>
+    <dgm:effectClrLst/>
+    <dgm:txLinClrLst/>
+    <dgm:txFillClrLst/>
+    <dgm:txEffectClrLst/>
+  </dgm:styleLbl>
+  <dgm:styleLbl name="bgSibTrans2D1">
+    <dgm:fillClrLst meth="repeat">
+      <a:schemeClr val="accent1">
+        <a:tint val="60000"/>
+      </a:schemeClr>
+    </dgm:fillClrLst>
+    <dgm:linClrLst meth="repeat">
+      <a:schemeClr val="accent1">
+        <a:tint val="60000"/>
+      </a:schemeClr>
+    </dgm:linClrLst>
+    <dgm:effectClrLst/>
+    <dgm:txLinClrLst/>
+    <dgm:txFillClrLst/>
+    <dgm:txEffectClrLst/>
+  </dgm:styleLbl>
+  <dgm:styleLbl name="sibTrans1D1">
+    <dgm:fillClrLst meth="repeat">
+      <a:schemeClr val="accent1"/>
+    </dgm:fillClrLst>
+    <dgm:linClrLst meth="repeat">
+      <a:schemeClr val="accent1"/>
+    </dgm:linClrLst>
+    <dgm:effectClrLst/>
+    <dgm:txLinClrLst/>
+    <dgm:txFillClrLst meth="repeat">
+      <a:schemeClr val="tx1"/>
+    </dgm:txFillClrLst>
+    <dgm:txEffectClrLst/>
+  </dgm:styleLbl>
+  <dgm:styleLbl name="callout">
+    <dgm:fillClrLst meth="repeat">
+      <a:schemeClr val="accent1"/>
+    </dgm:fillClrLst>
+    <dgm:linClrLst meth="repeat">
+      <a:schemeClr val="accent1">
+        <a:tint val="50000"/>
+      </a:schemeClr>
+    </dgm:linClrLst>
+    <dgm:effectClrLst/>
+    <dgm:txLinClrLst/>
+    <dgm:txFillClrLst meth="repeat">
+      <a:schemeClr val="tx1"/>
+    </dgm:txFillClrLst>
+    <dgm:txEffectClrLst/>
+  </dgm:styleLbl>
+  <dgm:styleLbl name="asst0">
+    <dgm:fillClrLst meth="repeat">
+      <a:schemeClr val="accent1"/>
+    </dgm:fillClrLst>
+    <dgm:linClrLst meth="repeat">
+      <a:schemeClr val="lt1"/>
+    </dgm:linClrLst>
+    <dgm:effectClrLst/>
+    <dgm:txLinClrLst/>
+    <dgm:txFillClrLst/>
+    <dgm:txEffectClrLst/>
+  </dgm:styleLbl>
+  <dgm:styleLbl name="asst1">
+    <dgm:fillClrLst meth="repeat">
+      <a:schemeClr val="accent1"/>
+    </dgm:fillClrLst>
+    <dgm:linClrLst meth="repeat">
+      <a:schemeClr val="lt1"/>
+    </dgm:linClrLst>
+    <dgm:effectClrLst/>
+    <dgm:txLinClrLst/>
+    <dgm:txFillClrLst/>
+    <dgm:txEffectClrLst/>
+  </dgm:styleLbl>
+  <dgm:styleLbl name="asst2">
+    <dgm:fillClrLst meth="repeat">
+      <a:schemeClr val="accent1"/>
+    </dgm:fillClrLst>
+    <dgm:linClrLst meth="repeat">
+      <a:schemeClr val="lt1"/>
+    </dgm:linClrLst>
+    <dgm:effectClrLst/>
+    <dgm:txLinClrLst/>
+    <dgm:txFillClrLst/>
+    <dgm:txEffectClrLst/>
+  </dgm:styleLbl>
+  <dgm:styleLbl name="asst3">
+    <dgm:fillClrLst meth="repeat">
+      <a:schemeClr val="accent1"/>
+    </dgm:fillClrLst>
+    <dgm:linClrLst meth="repeat">
+      <a:schemeClr val="lt1"/>
+    </dgm:linClrLst>
+    <dgm:effectClrLst/>
+    <dgm:txLinClrLst/>
+    <dgm:txFillClrLst/>
+    <dgm:txEffectClrLst/>
+  </dgm:styleLbl>
+  <dgm:styleLbl name="asst4">
+    <dgm:fillClrLst meth="repeat">
+      <a:schemeClr val="accent1"/>
+    </dgm:fillClrLst>
+    <dgm:linClrLst meth="repeat">
+      <a:schemeClr val="lt1"/>
+    </dgm:linClrLst>
+    <dgm:effectClrLst/>
+    <dgm:txLinClrLst/>
+    <dgm:txFillClrLst/>
+    <dgm:txEffectClrLst/>
+  </dgm:styleLbl>
+  <dgm:styleLbl name="parChTrans2D1">
+    <dgm:fillClrLst meth="repeat">
+      <a:schemeClr val="accent1">
+        <a:tint val="60000"/>
+      </a:schemeClr>
+    </dgm:fillClrLst>
+    <dgm:linClrLst meth="repeat">
+      <a:schemeClr val="accent1">
+        <a:tint val="60000"/>
+      </a:schemeClr>
+    </dgm:linClrLst>
+    <dgm:effectClrLst/>
+    <dgm:txLinClrLst/>
+    <dgm:txFillClrLst meth="repeat">
+      <a:schemeClr val="lt1"/>
+    </dgm:txFillClrLst>
+    <dgm:txEffectClrLst/>
+  </dgm:styleLbl>
+  <dgm:styleLbl name="parChTrans2D2">
+    <dgm:fillClrLst meth="repeat">
+      <a:schemeClr val="accent1"/>
+    </dgm:fillClrLst>
+    <dgm:linClrLst meth="repeat">
+      <a:schemeClr val="accent1"/>
+    </dgm:linClrLst>
+    <dgm:effectClrLst/>
+    <dgm:txLinClrLst/>
+    <dgm:txFillClrLst meth="repeat">
+      <a:schemeClr val="lt1"/>
+    </dgm:txFillClrLst>
+    <dgm:txEffectClrLst/>
+  </dgm:styleLbl>
+  <dgm:styleLbl name="parChTrans2D3">
+    <dgm:fillClrLst meth="repeat">
+      <a:schemeClr val="accent1"/>
+    </dgm:fillClrLst>
+    <dgm:linClrLst meth="repeat">
+      <a:schemeClr val="accent1"/>
+    </dgm:linClrLst>
+    <dgm:effectClrLst/>
+    <dgm:txLinClrLst/>
+    <dgm:txFillClrLst meth="repeat">
+      <a:schemeClr val="lt1"/>
+    </dgm:txFillClrLst>
+    <dgm:txEffectClrLst/>
+  </dgm:styleLbl>
+  <dgm:styleLbl name="parChTrans2D4">
+    <dgm:fillClrLst meth="repeat">
+      <a:schemeClr val="accent1"/>
+    </dgm:fillClrLst>
+    <dgm:linClrLst meth="repeat">
+      <a:schemeClr val="accent1"/>
+    </dgm:linClrLst>
+    <dgm:effectClrLst/>
+    <dgm:txLinClrLst/>
+    <dgm:txFillClrLst meth="repeat">
+      <a:schemeClr val="lt1"/>
+    </dgm:txFillClrLst>
+    <dgm:txEffectClrLst/>
+  </dgm:styleLbl>
+  <dgm:styleLbl name="parChTrans1D1">
+    <dgm:fillClrLst meth="repeat">
+      <a:schemeClr val="accent1"/>
+    </dgm:fillClrLst>
+    <dgm:linClrLst meth="repeat">
+      <a:schemeClr val="accent1">
+        <a:shade val="60000"/>
+      </a:schemeClr>
+    </dgm:linClrLst>
+    <dgm:effectClrLst/>
+    <dgm:txLinClrLst/>
+    <dgm:txFillClrLst meth="repeat">
+      <a:schemeClr val="tx1"/>
+    </dgm:txFillClrLst>
+    <dgm:txEffectClrLst/>
+  </dgm:styleLbl>
+  <dgm:styleLbl name="parChTrans1D2">
+    <dgm:fillClrLst meth="repeat">
+      <a:schemeClr val="accent1"/>
+    </dgm:fillClrLst>
+    <dgm:linClrLst meth="repeat">
+      <a:schemeClr val="accent1">
+        <a:shade val="60000"/>
+      </a:schemeClr>
+    </dgm:linClrLst>
+    <dgm:effectClrLst/>
+    <dgm:txLinClrLst/>
+    <dgm:txFillClrLst meth="repeat">
+      <a:schemeClr val="tx1"/>
+    </dgm:txFillClrLst>
+    <dgm:txEffectClrLst/>
+  </dgm:styleLbl>
+  <dgm:styleLbl name="parChTrans1D3">
+    <dgm:fillClrLst meth="repeat">
+      <a:schemeClr val="accent1"/>
+    </dgm:fillClrLst>
+    <dgm:linClrLst meth="repeat">
+      <a:schemeClr val="accent1">
+        <a:shade val="80000"/>
+      </a:schemeClr>
+    </dgm:linClrLst>
+    <dgm:effectClrLst/>
+    <dgm:txLinClrLst/>
+    <dgm:txFillClrLst meth="repeat">
+      <a:schemeClr val="tx1"/>
+    </dgm:txFillClrLst>
+    <dgm:txEffectClrLst/>
+  </dgm:styleLbl>
+  <dgm:styleLbl name="parChTrans1D4">
+    <dgm:fillClrLst meth="repeat">
+      <a:schemeClr val="accent1"/>
+    </dgm:fillClrLst>
+    <dgm:linClrLst meth="repeat">
+      <a:schemeClr val="accent1">
+        <a:shade val="80000"/>
+      </a:schemeClr>
+    </dgm:linClrLst>
+    <dgm:effectClrLst/>
+    <dgm:txLinClrLst/>
+    <dgm:txFillClrLst meth="repeat">
+      <a:schemeClr val="tx1"/>
+    </dgm:txFillClrLst>
+    <dgm:txEffectClrLst/>
+  </dgm:styleLbl>
+  <dgm:styleLbl name="fgAcc1">
+    <dgm:fillClrLst meth="repeat">
+      <a:schemeClr val="lt1">
+        <a:alpha val="90000"/>
+      </a:schemeClr>
+    </dgm:fillClrLst>
+    <dgm:linClrLst meth="repeat">
+      <a:schemeClr val="accent1"/>
+    </dgm:linClrLst>
+    <dgm:effectClrLst/>
+    <dgm:txLinClrLst/>
+    <dgm:txFillClrLst meth="repeat">
+      <a:schemeClr val="dk1"/>
+    </dgm:txFillClrLst>
+    <dgm:txEffectClrLst/>
+  </dgm:styleLbl>
+  <dgm:styleLbl name="conFgAcc1">
+    <dgm:fillClrLst meth="repeat">
+      <a:schemeClr val="lt1">
+        <a:alpha val="90000"/>
+      </a:schemeClr>
+    </dgm:fillClrLst>
+    <dgm:linClrLst meth="repeat">
+      <a:schemeClr val="accent1"/>
+    </dgm:linClrLst>
+    <dgm:effectClrLst/>
+    <dgm:txLinClrLst/>
+    <dgm:txFillClrLst meth="repeat">
+      <a:schemeClr val="dk1"/>
+    </dgm:txFillClrLst>
+    <dgm:txEffectClrLst/>
+  </dgm:styleLbl>
+  <dgm:styleLbl name="alignAcc1">
+    <dgm:fillClrLst meth="repeat">
+      <a:schemeClr val="lt1">
+        <a:alpha val="90000"/>
+      </a:schemeClr>
+    </dgm:fillClrLst>
+    <dgm:linClrLst meth="repeat">
+      <a:schemeClr val="accent1"/>
+    </dgm:linClrLst>
+    <dgm:effectClrLst/>
+    <dgm:txLinClrLst/>
+    <dgm:txFillClrLst meth="repeat">
+      <a:schemeClr val="dk1"/>
+    </dgm:txFillClrLst>
+    <dgm:txEffectClrLst/>
+  </dgm:styleLbl>
+  <dgm:styleLbl name="trAlignAcc1">
+    <dgm:fillClrLst meth="repeat">
+      <a:schemeClr val="lt1">
+        <a:alpha val="40000"/>
+      </a:schemeClr>
+    </dgm:fillClrLst>
+    <dgm:linClrLst meth="repeat">
+      <a:schemeClr val="accent1"/>
+    </dgm:linClrLst>
+    <dgm:effectClrLst/>
+    <dgm:txLinClrLst/>
+    <dgm:txFillClrLst meth="repeat">
+      <a:schemeClr val="dk1"/>
+    </dgm:txFillClrLst>
+    <dgm:txEffectClrLst/>
+  </dgm:styleLbl>
+  <dgm:styleLbl name="bgAcc1">
+    <dgm:fillClrLst meth="repeat">
+      <a:schemeClr val="lt1">
+        <a:alpha val="90000"/>
+      </a:schemeClr>
+    </dgm:fillClrLst>
+    <dgm:linClrLst meth="repeat">
+      <a:schemeClr val="accent1"/>
+    </dgm:linClrLst>
+    <dgm:effectClrLst/>
+    <dgm:txLinClrLst/>
+    <dgm:txFillClrLst meth="repeat">
+      <a:schemeClr val="dk1"/>
+    </dgm:txFillClrLst>
+    <dgm:txEffectClrLst/>
+  </dgm:styleLbl>
+  <dgm:styleLbl name="solidFgAcc1">
+    <dgm:fillClrLst meth="repeat">
+      <a:schemeClr val="lt1"/>
+    </dgm:fillClrLst>
+    <dgm:linClrLst meth="repeat">
+      <a:schemeClr val="accent1"/>
+    </dgm:linClrLst>
+    <dgm:effectClrLst/>
+    <dgm:txLinClrLst/>
+    <dgm:txFillClrLst meth="repeat">
+      <a:schemeClr val="dk1"/>
+    </dgm:txFillClrLst>
+    <dgm:txEffectClrLst/>
+  </dgm:styleLbl>
+  <dgm:styleLbl name="solidAlignAcc1">
+    <dgm:fillClrLst meth="repeat">
+      <a:schemeClr val="lt1"/>
+    </dgm:fillClrLst>
+    <dgm:linClrLst meth="repeat">
+      <a:schemeClr val="accent1"/>
+    </dgm:linClrLst>
+    <dgm:effectClrLst/>
+    <dgm:txLinClrLst/>
+    <dgm:txFillClrLst meth="repeat">
+      <a:schemeClr val="dk1"/>
+    </dgm:txFillClrLst>
+    <dgm:txEffectClrLst/>
+  </dgm:styleLbl>
+  <dgm:styleLbl name="solidBgAcc1">
+    <dgm:fillClrLst meth="repeat">
+      <a:schemeClr val="lt1"/>
+    </dgm:fillClrLst>
+    <dgm:linClrLst meth="repeat">
+      <a:schemeClr val="accent1"/>
+    </dgm:linClrLst>
+    <dgm:effectClrLst/>
+    <dgm:txLinClrLst/>
+    <dgm:txFillClrLst meth="repeat">
+      <a:schemeClr val="dk1"/>
+    </dgm:txFillClrLst>
+    <dgm:txEffectClrLst/>
+  </dgm:styleLbl>
+  <dgm:styleLbl name="fgAccFollowNode1">
+    <dgm:fillClrLst meth="repeat">
+      <a:schemeClr val="accent1">
+        <a:alpha val="90000"/>
+        <a:tint val="40000"/>
+      </a:schemeClr>
+    </dgm:fillClrLst>
+    <dgm:linClrLst meth="repeat">
+      <a:schemeClr val="accent1">
+        <a:alpha val="90000"/>
+        <a:tint val="40000"/>
+      </a:schemeClr>
+    </dgm:linClrLst>
+    <dgm:effectClrLst/>
+    <dgm:txLinClrLst/>
+    <dgm:txFillClrLst meth="repeat">
+      <a:schemeClr val="dk1"/>
+    </dgm:txFillClrLst>
+    <dgm:txEffectClrLst/>
+  </dgm:styleLbl>
+  <dgm:styleLbl name="alignAccFollowNode1">
+    <dgm:fillClrLst meth="repeat">
+      <a:schemeClr val="accent1">
+        <a:alpha val="90000"/>
+        <a:tint val="40000"/>
+      </a:schemeClr>
+    </dgm:fillClrLst>
+    <dgm:linClrLst meth="repeat">
+      <a:schemeClr val="accent1">
+        <a:alpha val="90000"/>
+        <a:tint val="40000"/>
+      </a:schemeClr>
+    </dgm:linClrLst>
+    <dgm:effectClrLst/>
+    <dgm:txLinClrLst/>
+    <dgm:txFillClrLst meth="repeat">
+      <a:schemeClr val="dk1"/>
+    </dgm:txFillClrLst>
+    <dgm:txEffectClrLst/>
+  </dgm:styleLbl>
+  <dgm:styleLbl name="bgAccFollowNode1">
+    <dgm:fillClrLst meth="repeat">
+      <a:schemeClr val="accent1">
+        <a:alpha val="90000"/>
+        <a:tint val="40000"/>
+      </a:schemeClr>
+    </dgm:fillClrLst>
+    <dgm:linClrLst meth="repeat">
+      <a:schemeClr val="accent1">
+        <a:alpha val="90000"/>
+        <a:tint val="40000"/>
+      </a:schemeClr>
+    </dgm:linClrLst>
+    <dgm:effectClrLst/>
+    <dgm:txLinClrLst/>
+    <dgm:txFillClrLst meth="repeat">
+      <a:schemeClr val="dk1"/>
+    </dgm:txFillClrLst>
+    <dgm:txEffectClrLst/>
+  </dgm:styleLbl>
+  <dgm:styleLbl name="fgAcc0">
+    <dgm:fillClrLst meth="repeat">
+      <a:schemeClr val="lt1">
+        <a:alpha val="90000"/>
+      </a:schemeClr>
+    </dgm:fillClrLst>
+    <dgm:linClrLst meth="repeat">
+      <a:schemeClr val="accent1"/>
+    </dgm:linClrLst>
+    <dgm:effectClrLst/>
+    <dgm:txLinClrLst/>
+    <dgm:txFillClrLst meth="repeat">
+      <a:schemeClr val="dk1"/>
+    </dgm:txFillClrLst>
+    <dgm:txEffectClrLst/>
+  </dgm:styleLbl>
+  <dgm:styleLbl name="fgAcc2">
+    <dgm:fillClrLst meth="repeat">
+      <a:schemeClr val="lt1">
+        <a:alpha val="90000"/>
+      </a:schemeClr>
+    </dgm:fillClrLst>
+    <dgm:linClrLst meth="repeat">
+      <a:schemeClr val="accent1"/>
+    </dgm:linClrLst>
+    <dgm:effectClrLst/>
+    <dgm:txLinClrLst/>
+    <dgm:txFillClrLst meth="repeat">
+      <a:schemeClr val="dk1"/>
+    </dgm:txFillClrLst>
+    <dgm:txEffectClrLst/>
+  </dgm:styleLbl>
+  <dgm:styleLbl name="fgAcc3">
+    <dgm:fillClrLst meth="repeat">
+      <a:schemeClr val="lt1">
+        <a:alpha val="90000"/>
+      </a:schemeClr>
+    </dgm:fillClrLst>
+    <dgm:linClrLst meth="repeat">
+      <a:schemeClr val="accent1"/>
+    </dgm:linClrLst>
+    <dgm:effectClrLst/>
+    <dgm:txLinClrLst/>
+    <dgm:txFillClrLst meth="repeat">
+      <a:schemeClr val="dk1"/>
+    </dgm:txFillClrLst>
+    <dgm:txEffectClrLst/>
+  </dgm:styleLbl>
+  <dgm:styleLbl name="fgAcc4">
+    <dgm:fillClrLst meth="repeat">
+      <a:schemeClr val="lt1">
+        <a:alpha val="90000"/>
+      </a:schemeClr>
+    </dgm:fillClrLst>
+    <dgm:linClrLst meth="repeat">
+      <a:schemeClr val="accent1"/>
+    </dgm:linClrLst>
+    <dgm:effectClrLst/>
+    <dgm:txLinClrLst/>
+    <dgm:txFillClrLst meth="repeat">
+      <a:schemeClr val="dk1"/>
+    </dgm:txFillClrLst>
+    <dgm:txEffectClrLst/>
+  </dgm:styleLbl>
+  <dgm:styleLbl name="bgShp">
+    <dgm:fillClrLst meth="repeat">
+      <a:schemeClr val="accent1">
+        <a:tint val="40000"/>
+      </a:schemeClr>
+    </dgm:fillClrLst>
+    <dgm:linClrLst meth="repeat">
+      <a:schemeClr val="accent1"/>
+    </dgm:linClrLst>
+    <dgm:effectClrLst/>
+    <dgm:txLinClrLst/>
+    <dgm:txFillClrLst meth="repeat">
+      <a:schemeClr val="dk1"/>
+    </dgm:txFillClrLst>
+    <dgm:txEffectClrLst/>
+  </dgm:styleLbl>
+  <dgm:styleLbl name="dkBgShp">
+    <dgm:fillClrLst meth="repeat">
+      <a:schemeClr val="accent1">
+        <a:shade val="80000"/>
+      </a:schemeClr>
+    </dgm:fillClrLst>
+    <dgm:linClrLst meth="repeat">
+      <a:schemeClr val="accent1"/>
+    </dgm:linClrLst>
+    <dgm:effectClrLst/>
+    <dgm:txLinClrLst/>
+    <dgm:txFillClrLst meth="repeat">
+      <a:schemeClr val="lt1"/>
+    </dgm:txFillClrLst>
+    <dgm:txEffectClrLst/>
+  </dgm:styleLbl>
+  <dgm:styleLbl name="trBgShp">
+    <dgm:fillClrLst meth="repeat">
+      <a:schemeClr val="accent1">
+        <a:tint val="50000"/>
+        <a:alpha val="40000"/>
+      </a:schemeClr>
+    </dgm:fillClrLst>
+    <dgm:linClrLst meth="repeat">
+      <a:schemeClr val="accent1"/>
+    </dgm:linClrLst>
+    <dgm:effectClrLst/>
+    <dgm:txLinClrLst/>
+    <dgm:txFillClrLst meth="repeat">
+      <a:schemeClr val="lt1"/>
+    </dgm:txFillClrLst>
+    <dgm:txEffectClrLst/>
+  </dgm:styleLbl>
+  <dgm:styleLbl name="fgShp">
+    <dgm:fillClrLst meth="repeat">
+      <a:schemeClr val="accent1">
+        <a:tint val="60000"/>
+      </a:schemeClr>
+    </dgm:fillClrLst>
+    <dgm:linClrLst meth="repeat">
+      <a:schemeClr val="lt1"/>
+    </dgm:linClrLst>
+    <dgm:effectClrLst/>
+    <dgm:txLinClrLst/>
+    <dgm:txFillClrLst meth="repeat">
+      <a:schemeClr val="dk1"/>
+    </dgm:txFillClrLst>
+    <dgm:txEffectClrLst/>
+  </dgm:styleLbl>
+  <dgm:styleLbl name="revTx">
+    <dgm:fillClrLst meth="repeat">
+      <a:schemeClr val="lt1">
+        <a:alpha val="0"/>
+      </a:schemeClr>
+    </dgm:fillClrLst>
+    <dgm:linClrLst meth="repeat">
+      <a:schemeClr val="dk1">
+        <a:alpha val="0"/>
+      </a:schemeClr>
+    </dgm:linClrLst>
+    <dgm:effectClrLst/>
+    <dgm:txLinClrLst/>
+    <dgm:txFillClrLst meth="repeat">
+      <a:schemeClr val="tx1"/>
+    </dgm:txFillClrLst>
+    <dgm:txEffectClrLst/>
+  </dgm:styleLbl>
+</dgm:colorsDef>
+</file>
+
+<file path=ppt/diagrams/data1.xml><?xml version="1.0" encoding="utf-8"?>
+<dgm:dataModel xmlns:dgm="http://schemas.openxmlformats.org/drawingml/2006/diagram" xmlns:a="http://schemas.openxmlformats.org/drawingml/2006/main">
+  <dgm:ptLst>
+    <dgm:pt modelId="{84613A3B-1C36-4E7C-B614-DB0409FE7228}" type="doc">
+      <dgm:prSet loTypeId="urn:microsoft.com/office/officeart/2005/8/layout/chevron1" loCatId="process" qsTypeId="urn:microsoft.com/office/officeart/2005/8/quickstyle/simple1" qsCatId="simple" csTypeId="urn:microsoft.com/office/officeart/2005/8/colors/accent1_2" csCatId="accent1" phldr="1"/>
+      <dgm:spPr/>
+    </dgm:pt>
+    <dgm:pt modelId="{312C8D30-4E68-4823-8587-7994EAB44628}">
+      <dgm:prSet phldrT="[テキスト]" custT="1"/>
+      <dgm:spPr>
+        <a:xfrm>
+          <a:off x="2075736" y="0"/>
+          <a:ext cx="2303497" cy="506413"/>
+        </a:xfrm>
+        <a:prstGeom prst="chevron">
+          <a:avLst/>
+        </a:prstGeom>
+        <a:solidFill>
+          <a:srgbClr val="0078D4">
+            <a:hueOff val="0"/>
+            <a:satOff val="0"/>
+            <a:lumOff val="0"/>
+            <a:alphaOff val="0"/>
+          </a:srgbClr>
+        </a:solidFill>
+        <a:ln w="10795" cap="flat" cmpd="sng" algn="ctr">
+          <a:solidFill>
+            <a:srgbClr val="FFFFFF">
+              <a:hueOff val="0"/>
+              <a:satOff val="0"/>
+              <a:lumOff val="0"/>
+              <a:alphaOff val="0"/>
+            </a:srgbClr>
+          </a:solidFill>
+          <a:prstDash val="solid"/>
+        </a:ln>
+        <a:effectLst/>
+      </dgm:spPr>
+      <dgm:t>
+        <a:bodyPr/>
+        <a:lstStyle/>
+        <a:p>
+          <a:pPr>
+            <a:buNone/>
+          </a:pPr>
+          <a:r>
+            <a:rPr kumimoji="1" lang="ja-JP" altLang="en-US" sz="1400" b="0">
+              <a:solidFill>
+                <a:srgbClr val="FFFFFF"/>
+              </a:solidFill>
+              <a:latin typeface="Yu Gothic UI" panose="020B0500000000000000" pitchFamily="50" charset="-128"/>
+              <a:ea typeface="Yu Gothic UI" panose="020B0500000000000000" pitchFamily="50" charset="-128"/>
+              <a:cs typeface="+mn-cs"/>
+            </a:rPr>
+            <a:t>監視対象の決定</a:t>
+          </a:r>
+          <a:endParaRPr kumimoji="1" lang="en-US" altLang="ja-JP" sz="1400" b="0">
+            <a:solidFill>
+              <a:srgbClr val="FFFFFF"/>
+            </a:solidFill>
+            <a:latin typeface="Yu Gothic UI" panose="020B0500000000000000" pitchFamily="50" charset="-128"/>
+            <a:ea typeface="Yu Gothic UI" panose="020B0500000000000000" pitchFamily="50" charset="-128"/>
+            <a:cs typeface="+mn-cs"/>
+          </a:endParaRPr>
+        </a:p>
+      </dgm:t>
+    </dgm:pt>
+    <dgm:pt modelId="{D4D8F2E2-7F39-44C6-96A6-D60933FE3360}" type="parTrans" cxnId="{A82065C7-88BC-45BC-9FE8-F1791EE6BCEE}">
+      <dgm:prSet/>
+      <dgm:spPr/>
+      <dgm:t>
+        <a:bodyPr/>
+        <a:lstStyle/>
+        <a:p>
+          <a:endParaRPr kumimoji="1" lang="ja-JP" altLang="en-US" sz="1400" b="0">
+            <a:latin typeface="Yu Gothic UI" panose="020B0500000000000000" pitchFamily="50" charset="-128"/>
+            <a:ea typeface="Yu Gothic UI" panose="020B0500000000000000" pitchFamily="50" charset="-128"/>
+          </a:endParaRPr>
+        </a:p>
+      </dgm:t>
+    </dgm:pt>
+    <dgm:pt modelId="{60B13C00-CC16-4AC9-A722-95930DEA238D}" type="sibTrans" cxnId="{A82065C7-88BC-45BC-9FE8-F1791EE6BCEE}">
+      <dgm:prSet/>
+      <dgm:spPr/>
+      <dgm:t>
+        <a:bodyPr/>
+        <a:lstStyle/>
+        <a:p>
+          <a:endParaRPr kumimoji="1" lang="ja-JP" altLang="en-US" sz="1400" b="0">
+            <a:latin typeface="Yu Gothic UI" panose="020B0500000000000000" pitchFamily="50" charset="-128"/>
+            <a:ea typeface="Yu Gothic UI" panose="020B0500000000000000" pitchFamily="50" charset="-128"/>
+          </a:endParaRPr>
+        </a:p>
+      </dgm:t>
+    </dgm:pt>
+    <dgm:pt modelId="{F33A49EB-5F00-40D7-825B-A8AEE8428BDF}">
+      <dgm:prSet phldrT="[テキスト]" custT="1"/>
+      <dgm:spPr>
+        <a:xfrm>
+          <a:off x="4148884" y="0"/>
+          <a:ext cx="2303497" cy="506413"/>
+        </a:xfrm>
+        <a:prstGeom prst="chevron">
+          <a:avLst/>
+        </a:prstGeom>
+        <a:solidFill>
+          <a:srgbClr val="0078D4">
+            <a:hueOff val="0"/>
+            <a:satOff val="0"/>
+            <a:lumOff val="0"/>
+            <a:alphaOff val="0"/>
+          </a:srgbClr>
+        </a:solidFill>
+        <a:ln w="10795" cap="flat" cmpd="sng" algn="ctr">
+          <a:solidFill>
+            <a:srgbClr val="FFFFFF">
+              <a:hueOff val="0"/>
+              <a:satOff val="0"/>
+              <a:lumOff val="0"/>
+              <a:alphaOff val="0"/>
+            </a:srgbClr>
+          </a:solidFill>
+          <a:prstDash val="solid"/>
+        </a:ln>
+        <a:effectLst/>
+      </dgm:spPr>
+      <dgm:t>
+        <a:bodyPr/>
+        <a:lstStyle/>
+        <a:p>
+          <a:pPr>
+            <a:buNone/>
+          </a:pPr>
+          <a:r>
+            <a:rPr kumimoji="1" lang="ja-JP" altLang="en-US" sz="1400" b="0">
+              <a:solidFill>
+                <a:srgbClr val="FFFFFF"/>
+              </a:solidFill>
+              <a:latin typeface="Yu Gothic UI" panose="020B0500000000000000" pitchFamily="50" charset="-128"/>
+              <a:ea typeface="Yu Gothic UI" panose="020B0500000000000000" pitchFamily="50" charset="-128"/>
+              <a:cs typeface="+mn-cs"/>
+            </a:rPr>
+            <a:t>設計</a:t>
+          </a:r>
+          <a:endParaRPr kumimoji="1" lang="en-US" altLang="ja-JP" sz="1400" b="0">
+            <a:solidFill>
+              <a:srgbClr val="FFFFFF"/>
+            </a:solidFill>
+            <a:latin typeface="Yu Gothic UI" panose="020B0500000000000000" pitchFamily="50" charset="-128"/>
+            <a:ea typeface="Yu Gothic UI" panose="020B0500000000000000" pitchFamily="50" charset="-128"/>
+            <a:cs typeface="+mn-cs"/>
+          </a:endParaRPr>
+        </a:p>
+      </dgm:t>
+    </dgm:pt>
+    <dgm:pt modelId="{F4E99D94-3AF0-49E1-A81A-78EF0E382AD8}" type="parTrans" cxnId="{4C835BA3-C1EC-4D9C-AF66-73AAC651D117}">
+      <dgm:prSet/>
+      <dgm:spPr/>
+      <dgm:t>
+        <a:bodyPr/>
+        <a:lstStyle/>
+        <a:p>
+          <a:endParaRPr kumimoji="1" lang="ja-JP" altLang="en-US" sz="1400" b="0">
+            <a:latin typeface="Yu Gothic UI" panose="020B0500000000000000" pitchFamily="50" charset="-128"/>
+            <a:ea typeface="Yu Gothic UI" panose="020B0500000000000000" pitchFamily="50" charset="-128"/>
+          </a:endParaRPr>
+        </a:p>
+      </dgm:t>
+    </dgm:pt>
+    <dgm:pt modelId="{5D156F10-BE28-4652-BEA3-F3BF75963E94}" type="sibTrans" cxnId="{4C835BA3-C1EC-4D9C-AF66-73AAC651D117}">
+      <dgm:prSet/>
+      <dgm:spPr/>
+      <dgm:t>
+        <a:bodyPr/>
+        <a:lstStyle/>
+        <a:p>
+          <a:endParaRPr kumimoji="1" lang="ja-JP" altLang="en-US" sz="1400" b="0">
+            <a:latin typeface="Yu Gothic UI" panose="020B0500000000000000" pitchFamily="50" charset="-128"/>
+            <a:ea typeface="Yu Gothic UI" panose="020B0500000000000000" pitchFamily="50" charset="-128"/>
+          </a:endParaRPr>
+        </a:p>
+      </dgm:t>
+    </dgm:pt>
+    <dgm:pt modelId="{6049C43B-8490-44D7-8C3A-6E3AB3BFCFE2}">
+      <dgm:prSet phldrT="[テキスト]" custT="1"/>
+      <dgm:spPr>
+        <a:xfrm>
+          <a:off x="8295180" y="0"/>
+          <a:ext cx="2303497" cy="506413"/>
+        </a:xfrm>
+        <a:prstGeom prst="chevron">
+          <a:avLst/>
+        </a:prstGeom>
+        <a:solidFill>
+          <a:srgbClr val="0078D4">
+            <a:hueOff val="0"/>
+            <a:satOff val="0"/>
+            <a:lumOff val="0"/>
+            <a:alphaOff val="0"/>
+          </a:srgbClr>
+        </a:solidFill>
+        <a:ln w="10795" cap="flat" cmpd="sng" algn="ctr">
+          <a:solidFill>
+            <a:srgbClr val="FFFFFF">
+              <a:hueOff val="0"/>
+              <a:satOff val="0"/>
+              <a:lumOff val="0"/>
+              <a:alphaOff val="0"/>
+            </a:srgbClr>
+          </a:solidFill>
+          <a:prstDash val="solid"/>
+        </a:ln>
+        <a:effectLst/>
+      </dgm:spPr>
+      <dgm:t>
+        <a:bodyPr/>
+        <a:lstStyle/>
+        <a:p>
+          <a:pPr>
+            <a:buNone/>
+          </a:pPr>
+          <a:r>
+            <a:rPr kumimoji="1" lang="ja-JP" altLang="en-US" sz="1400" b="0">
+              <a:solidFill>
+                <a:srgbClr val="FFFFFF"/>
+              </a:solidFill>
+              <a:latin typeface="Yu Gothic UI" panose="020B0500000000000000" pitchFamily="50" charset="-128"/>
+              <a:ea typeface="Yu Gothic UI" panose="020B0500000000000000" pitchFamily="50" charset="-128"/>
+              <a:cs typeface="+mn-cs"/>
+            </a:rPr>
+            <a:t>運用</a:t>
+          </a:r>
+          <a:endParaRPr kumimoji="1" lang="en-US" altLang="ja-JP" sz="1400" b="0">
+            <a:solidFill>
+              <a:srgbClr val="FFFFFF"/>
+            </a:solidFill>
+            <a:latin typeface="Yu Gothic UI" panose="020B0500000000000000" pitchFamily="50" charset="-128"/>
+            <a:ea typeface="Yu Gothic UI" panose="020B0500000000000000" pitchFamily="50" charset="-128"/>
+            <a:cs typeface="+mn-cs"/>
+          </a:endParaRPr>
+        </a:p>
+      </dgm:t>
+    </dgm:pt>
+    <dgm:pt modelId="{16B8D4D5-D153-42E5-85F3-45B909C5FC54}" type="parTrans" cxnId="{3473C5A4-7497-473F-BECD-89CE3A86ABA9}">
+      <dgm:prSet/>
+      <dgm:spPr/>
+      <dgm:t>
+        <a:bodyPr/>
+        <a:lstStyle/>
+        <a:p>
+          <a:endParaRPr kumimoji="1" lang="ja-JP" altLang="en-US" sz="1400" b="0">
+            <a:latin typeface="Yu Gothic UI" panose="020B0500000000000000" pitchFamily="50" charset="-128"/>
+            <a:ea typeface="Yu Gothic UI" panose="020B0500000000000000" pitchFamily="50" charset="-128"/>
+          </a:endParaRPr>
+        </a:p>
+      </dgm:t>
+    </dgm:pt>
+    <dgm:pt modelId="{A92EDFF6-FFF2-44D9-AA64-1F4622465328}" type="sibTrans" cxnId="{3473C5A4-7497-473F-BECD-89CE3A86ABA9}">
+      <dgm:prSet/>
+      <dgm:spPr/>
+      <dgm:t>
+        <a:bodyPr/>
+        <a:lstStyle/>
+        <a:p>
+          <a:endParaRPr kumimoji="1" lang="ja-JP" altLang="en-US" sz="1400" b="0">
+            <a:latin typeface="Yu Gothic UI" panose="020B0500000000000000" pitchFamily="50" charset="-128"/>
+            <a:ea typeface="Yu Gothic UI" panose="020B0500000000000000" pitchFamily="50" charset="-128"/>
+          </a:endParaRPr>
+        </a:p>
+      </dgm:t>
+    </dgm:pt>
+    <dgm:pt modelId="{A66CB6C2-05E7-4780-9CF5-702777E317E4}">
+      <dgm:prSet phldrT="[テキスト]" custT="1"/>
+      <dgm:spPr>
+        <a:xfrm>
+          <a:off x="6222032" y="0"/>
+          <a:ext cx="2303497" cy="506413"/>
+        </a:xfrm>
+        <a:prstGeom prst="chevron">
+          <a:avLst/>
+        </a:prstGeom>
+        <a:solidFill>
+          <a:srgbClr val="0078D4">
+            <a:hueOff val="0"/>
+            <a:satOff val="0"/>
+            <a:lumOff val="0"/>
+            <a:alphaOff val="0"/>
+          </a:srgbClr>
+        </a:solidFill>
+        <a:ln w="10795" cap="flat" cmpd="sng" algn="ctr">
+          <a:solidFill>
+            <a:srgbClr val="FFFFFF">
+              <a:hueOff val="0"/>
+              <a:satOff val="0"/>
+              <a:lumOff val="0"/>
+              <a:alphaOff val="0"/>
+            </a:srgbClr>
+          </a:solidFill>
+          <a:prstDash val="solid"/>
+        </a:ln>
+        <a:effectLst/>
+      </dgm:spPr>
+      <dgm:t>
+        <a:bodyPr/>
+        <a:lstStyle/>
+        <a:p>
+          <a:pPr>
+            <a:buNone/>
+          </a:pPr>
+          <a:r>
+            <a:rPr kumimoji="1" lang="ja-JP" altLang="en-US" sz="1400" b="0">
+              <a:solidFill>
+                <a:srgbClr val="FFFFFF"/>
+              </a:solidFill>
+              <a:latin typeface="Yu Gothic UI" panose="020B0500000000000000" pitchFamily="50" charset="-128"/>
+              <a:ea typeface="Yu Gothic UI" panose="020B0500000000000000" pitchFamily="50" charset="-128"/>
+              <a:cs typeface="+mn-cs"/>
+            </a:rPr>
+            <a:t>構築</a:t>
+          </a:r>
+          <a:endParaRPr kumimoji="1" lang="en-US" altLang="ja-JP" sz="1400" b="0">
+            <a:solidFill>
+              <a:srgbClr val="FFFFFF"/>
+            </a:solidFill>
+            <a:latin typeface="Yu Gothic UI" panose="020B0500000000000000" pitchFamily="50" charset="-128"/>
+            <a:ea typeface="Yu Gothic UI" panose="020B0500000000000000" pitchFamily="50" charset="-128"/>
+            <a:cs typeface="+mn-cs"/>
+          </a:endParaRPr>
+        </a:p>
+      </dgm:t>
+    </dgm:pt>
+    <dgm:pt modelId="{8EAF2A6B-CF55-440B-9419-868D0F91258F}" type="parTrans" cxnId="{1C9E329A-FC6F-4DF4-BD81-CE8D03F0638B}">
+      <dgm:prSet/>
+      <dgm:spPr/>
+      <dgm:t>
+        <a:bodyPr/>
+        <a:lstStyle/>
+        <a:p>
+          <a:endParaRPr kumimoji="1" lang="ja-JP" altLang="en-US" sz="1400" b="0">
+            <a:latin typeface="Yu Gothic UI" panose="020B0500000000000000" pitchFamily="50" charset="-128"/>
+            <a:ea typeface="Yu Gothic UI" panose="020B0500000000000000" pitchFamily="50" charset="-128"/>
+          </a:endParaRPr>
+        </a:p>
+      </dgm:t>
+    </dgm:pt>
+    <dgm:pt modelId="{DD47781E-6CCE-45F4-91F8-F07FF528DF9E}" type="sibTrans" cxnId="{1C9E329A-FC6F-4DF4-BD81-CE8D03F0638B}">
+      <dgm:prSet/>
+      <dgm:spPr/>
+      <dgm:t>
+        <a:bodyPr/>
+        <a:lstStyle/>
+        <a:p>
+          <a:endParaRPr kumimoji="1" lang="ja-JP" altLang="en-US" sz="1400" b="0">
+            <a:latin typeface="Yu Gothic UI" panose="020B0500000000000000" pitchFamily="50" charset="-128"/>
+            <a:ea typeface="Yu Gothic UI" panose="020B0500000000000000" pitchFamily="50" charset="-128"/>
+          </a:endParaRPr>
+        </a:p>
+      </dgm:t>
+    </dgm:pt>
+    <dgm:pt modelId="{864E9C06-4954-4AF3-8F35-355CDC4DE12D}">
+      <dgm:prSet phldrT="[テキスト]" custT="1"/>
+      <dgm:spPr>
+        <a:xfrm>
+          <a:off x="0" y="0"/>
+          <a:ext cx="2303497" cy="506413"/>
+        </a:xfrm>
+        <a:prstGeom prst="chevron">
+          <a:avLst/>
+        </a:prstGeom>
+        <a:solidFill>
+          <a:srgbClr val="0078D4">
+            <a:hueOff val="0"/>
+            <a:satOff val="0"/>
+            <a:lumOff val="0"/>
+            <a:alphaOff val="0"/>
+          </a:srgbClr>
+        </a:solidFill>
+        <a:ln w="10795" cap="flat" cmpd="sng" algn="ctr">
+          <a:solidFill>
+            <a:srgbClr val="FFFFFF">
+              <a:hueOff val="0"/>
+              <a:satOff val="0"/>
+              <a:lumOff val="0"/>
+              <a:alphaOff val="0"/>
+            </a:srgbClr>
+          </a:solidFill>
+          <a:prstDash val="solid"/>
+        </a:ln>
+        <a:effectLst/>
+      </dgm:spPr>
+      <dgm:t>
+        <a:bodyPr/>
+        <a:lstStyle/>
+        <a:p>
+          <a:pPr>
+            <a:buNone/>
+          </a:pPr>
+          <a:r>
+            <a:rPr kumimoji="1" lang="ja-JP" altLang="en-US" sz="1400" b="0">
+              <a:solidFill>
+                <a:srgbClr val="FFFFFF"/>
+              </a:solidFill>
+              <a:latin typeface="Yu Gothic UI" panose="020B0500000000000000" pitchFamily="50" charset="-128"/>
+              <a:ea typeface="Yu Gothic UI" panose="020B0500000000000000" pitchFamily="50" charset="-128"/>
+              <a:cs typeface="+mn-cs"/>
+            </a:rPr>
+            <a:t>監視戦略の立案</a:t>
+          </a:r>
+          <a:endParaRPr kumimoji="1" lang="en-US" altLang="ja-JP" sz="1400" b="0">
+            <a:solidFill>
+              <a:srgbClr val="FFFFFF"/>
+            </a:solidFill>
+            <a:latin typeface="Yu Gothic UI" panose="020B0500000000000000" pitchFamily="50" charset="-128"/>
+            <a:ea typeface="Yu Gothic UI" panose="020B0500000000000000" pitchFamily="50" charset="-128"/>
+            <a:cs typeface="+mn-cs"/>
+          </a:endParaRPr>
+        </a:p>
+      </dgm:t>
+    </dgm:pt>
+    <dgm:pt modelId="{31747522-F0B2-4E08-BEFC-6E71C415BD5A}" type="parTrans" cxnId="{3805252F-D759-4668-B9C3-3184FE02048A}">
+      <dgm:prSet/>
+      <dgm:spPr/>
+      <dgm:t>
+        <a:bodyPr/>
+        <a:lstStyle/>
+        <a:p>
+          <a:endParaRPr kumimoji="1" lang="ja-JP" altLang="en-US" sz="1400" b="0">
+            <a:latin typeface="Yu Gothic UI" panose="020B0500000000000000" pitchFamily="50" charset="-128"/>
+            <a:ea typeface="Yu Gothic UI" panose="020B0500000000000000" pitchFamily="50" charset="-128"/>
+          </a:endParaRPr>
+        </a:p>
+      </dgm:t>
+    </dgm:pt>
+    <dgm:pt modelId="{3B09C2DA-5A6C-47DD-85C7-5C2CCAB5A569}" type="sibTrans" cxnId="{3805252F-D759-4668-B9C3-3184FE02048A}">
+      <dgm:prSet/>
+      <dgm:spPr/>
+      <dgm:t>
+        <a:bodyPr/>
+        <a:lstStyle/>
+        <a:p>
+          <a:endParaRPr kumimoji="1" lang="ja-JP" altLang="en-US" sz="1400" b="0">
+            <a:latin typeface="Yu Gothic UI" panose="020B0500000000000000" pitchFamily="50" charset="-128"/>
+            <a:ea typeface="Yu Gothic UI" panose="020B0500000000000000" pitchFamily="50" charset="-128"/>
+          </a:endParaRPr>
+        </a:p>
+      </dgm:t>
+    </dgm:pt>
+    <dgm:pt modelId="{1E257B6B-331A-4EE9-8EAC-4A18157305A9}" type="pres">
+      <dgm:prSet presAssocID="{84613A3B-1C36-4E7C-B614-DB0409FE7228}" presName="Name0" presStyleCnt="0">
+        <dgm:presLayoutVars>
+          <dgm:dir/>
+          <dgm:animLvl val="lvl"/>
+          <dgm:resizeHandles val="exact"/>
+        </dgm:presLayoutVars>
+      </dgm:prSet>
+      <dgm:spPr/>
+    </dgm:pt>
+    <dgm:pt modelId="{2C811F92-806F-4A4E-B639-C3E1ED9D77EC}" type="pres">
+      <dgm:prSet presAssocID="{864E9C06-4954-4AF3-8F35-355CDC4DE12D}" presName="parTxOnly" presStyleLbl="node1" presStyleIdx="0" presStyleCnt="5" custLinFactX="-44780" custLinFactNeighborX="-100000" custLinFactNeighborY="-3086">
+        <dgm:presLayoutVars>
+          <dgm:chMax val="0"/>
+          <dgm:chPref val="0"/>
+          <dgm:bulletEnabled val="1"/>
+        </dgm:presLayoutVars>
+      </dgm:prSet>
+      <dgm:spPr/>
+    </dgm:pt>
+    <dgm:pt modelId="{C2D79CDC-E999-4A2C-9B8D-4110A1DB6603}" type="pres">
+      <dgm:prSet presAssocID="{3B09C2DA-5A6C-47DD-85C7-5C2CCAB5A569}" presName="parTxOnlySpace" presStyleCnt="0"/>
+      <dgm:spPr/>
+    </dgm:pt>
+    <dgm:pt modelId="{F3393579-B132-4A70-825F-4BBD1ADFFF10}" type="pres">
+      <dgm:prSet presAssocID="{312C8D30-4E68-4823-8587-7994EAB44628}" presName="parTxOnly" presStyleLbl="node1" presStyleIdx="1" presStyleCnt="5">
+        <dgm:presLayoutVars>
+          <dgm:chMax val="0"/>
+          <dgm:chPref val="0"/>
+          <dgm:bulletEnabled val="1"/>
+        </dgm:presLayoutVars>
+      </dgm:prSet>
+      <dgm:spPr/>
+    </dgm:pt>
+    <dgm:pt modelId="{489F2034-81D8-4B7C-9C21-D19768D373AC}" type="pres">
+      <dgm:prSet presAssocID="{60B13C00-CC16-4AC9-A722-95930DEA238D}" presName="parTxOnlySpace" presStyleCnt="0"/>
+      <dgm:spPr/>
+    </dgm:pt>
+    <dgm:pt modelId="{5445A82D-CBF5-4E6F-AE64-89B9E5755521}" type="pres">
+      <dgm:prSet presAssocID="{F33A49EB-5F00-40D7-825B-A8AEE8428BDF}" presName="parTxOnly" presStyleLbl="node1" presStyleIdx="2" presStyleCnt="5">
+        <dgm:presLayoutVars>
+          <dgm:chMax val="0"/>
+          <dgm:chPref val="0"/>
+          <dgm:bulletEnabled val="1"/>
+        </dgm:presLayoutVars>
+      </dgm:prSet>
+      <dgm:spPr/>
+    </dgm:pt>
+    <dgm:pt modelId="{40AAFC85-692F-4C6F-8FD3-BC1DB597A159}" type="pres">
+      <dgm:prSet presAssocID="{5D156F10-BE28-4652-BEA3-F3BF75963E94}" presName="parTxOnlySpace" presStyleCnt="0"/>
+      <dgm:spPr/>
+    </dgm:pt>
+    <dgm:pt modelId="{1137B11E-AFF8-4A40-86D4-17F545BBD18A}" type="pres">
+      <dgm:prSet presAssocID="{A66CB6C2-05E7-4780-9CF5-702777E317E4}" presName="parTxOnly" presStyleLbl="node1" presStyleIdx="3" presStyleCnt="5">
+        <dgm:presLayoutVars>
+          <dgm:chMax val="0"/>
+          <dgm:chPref val="0"/>
+          <dgm:bulletEnabled val="1"/>
+        </dgm:presLayoutVars>
+      </dgm:prSet>
+      <dgm:spPr/>
+    </dgm:pt>
+    <dgm:pt modelId="{C552D838-00C7-4727-B050-44B3372AC979}" type="pres">
+      <dgm:prSet presAssocID="{DD47781E-6CCE-45F4-91F8-F07FF528DF9E}" presName="parTxOnlySpace" presStyleCnt="0"/>
+      <dgm:spPr/>
+    </dgm:pt>
+    <dgm:pt modelId="{0293EB9D-FC99-4C4F-9EB9-AF88039443C7}" type="pres">
+      <dgm:prSet presAssocID="{6049C43B-8490-44D7-8C3A-6E3AB3BFCFE2}" presName="parTxOnly" presStyleLbl="node1" presStyleIdx="4" presStyleCnt="5">
+        <dgm:presLayoutVars>
+          <dgm:chMax val="0"/>
+          <dgm:chPref val="0"/>
+          <dgm:bulletEnabled val="1"/>
+        </dgm:presLayoutVars>
+      </dgm:prSet>
+      <dgm:spPr/>
+    </dgm:pt>
+  </dgm:ptLst>
+  <dgm:cxnLst>
+    <dgm:cxn modelId="{3805252F-D759-4668-B9C3-3184FE02048A}" srcId="{84613A3B-1C36-4E7C-B614-DB0409FE7228}" destId="{864E9C06-4954-4AF3-8F35-355CDC4DE12D}" srcOrd="0" destOrd="0" parTransId="{31747522-F0B2-4E08-BEFC-6E71C415BD5A}" sibTransId="{3B09C2DA-5A6C-47DD-85C7-5C2CCAB5A569}"/>
+    <dgm:cxn modelId="{93295F4D-3B51-4736-903B-02A9511DB4E6}" type="presOf" srcId="{84613A3B-1C36-4E7C-B614-DB0409FE7228}" destId="{1E257B6B-331A-4EE9-8EAC-4A18157305A9}" srcOrd="0" destOrd="0" presId="urn:microsoft.com/office/officeart/2005/8/layout/chevron1"/>
+    <dgm:cxn modelId="{62C6628A-1493-473C-8252-A214E1A6E860}" type="presOf" srcId="{A66CB6C2-05E7-4780-9CF5-702777E317E4}" destId="{1137B11E-AFF8-4A40-86D4-17F545BBD18A}" srcOrd="0" destOrd="0" presId="urn:microsoft.com/office/officeart/2005/8/layout/chevron1"/>
+    <dgm:cxn modelId="{B587A28A-05A4-48B7-B430-AE5DF63DEB27}" type="presOf" srcId="{312C8D30-4E68-4823-8587-7994EAB44628}" destId="{F3393579-B132-4A70-825F-4BBD1ADFFF10}" srcOrd="0" destOrd="0" presId="urn:microsoft.com/office/officeart/2005/8/layout/chevron1"/>
+    <dgm:cxn modelId="{1C9E329A-FC6F-4DF4-BD81-CE8D03F0638B}" srcId="{84613A3B-1C36-4E7C-B614-DB0409FE7228}" destId="{A66CB6C2-05E7-4780-9CF5-702777E317E4}" srcOrd="3" destOrd="0" parTransId="{8EAF2A6B-CF55-440B-9419-868D0F91258F}" sibTransId="{DD47781E-6CCE-45F4-91F8-F07FF528DF9E}"/>
+    <dgm:cxn modelId="{EA0DE89E-367B-441E-AAC6-E7B55F73AD68}" type="presOf" srcId="{F33A49EB-5F00-40D7-825B-A8AEE8428BDF}" destId="{5445A82D-CBF5-4E6F-AE64-89B9E5755521}" srcOrd="0" destOrd="0" presId="urn:microsoft.com/office/officeart/2005/8/layout/chevron1"/>
+    <dgm:cxn modelId="{4C835BA3-C1EC-4D9C-AF66-73AAC651D117}" srcId="{84613A3B-1C36-4E7C-B614-DB0409FE7228}" destId="{F33A49EB-5F00-40D7-825B-A8AEE8428BDF}" srcOrd="2" destOrd="0" parTransId="{F4E99D94-3AF0-49E1-A81A-78EF0E382AD8}" sibTransId="{5D156F10-BE28-4652-BEA3-F3BF75963E94}"/>
+    <dgm:cxn modelId="{3473C5A4-7497-473F-BECD-89CE3A86ABA9}" srcId="{84613A3B-1C36-4E7C-B614-DB0409FE7228}" destId="{6049C43B-8490-44D7-8C3A-6E3AB3BFCFE2}" srcOrd="4" destOrd="0" parTransId="{16B8D4D5-D153-42E5-85F3-45B909C5FC54}" sibTransId="{A92EDFF6-FFF2-44D9-AA64-1F4622465328}"/>
+    <dgm:cxn modelId="{3A0BA6B4-7F42-46EE-B12C-7C8899AD12BF}" type="presOf" srcId="{6049C43B-8490-44D7-8C3A-6E3AB3BFCFE2}" destId="{0293EB9D-FC99-4C4F-9EB9-AF88039443C7}" srcOrd="0" destOrd="0" presId="urn:microsoft.com/office/officeart/2005/8/layout/chevron1"/>
+    <dgm:cxn modelId="{A82065C7-88BC-45BC-9FE8-F1791EE6BCEE}" srcId="{84613A3B-1C36-4E7C-B614-DB0409FE7228}" destId="{312C8D30-4E68-4823-8587-7994EAB44628}" srcOrd="1" destOrd="0" parTransId="{D4D8F2E2-7F39-44C6-96A6-D60933FE3360}" sibTransId="{60B13C00-CC16-4AC9-A722-95930DEA238D}"/>
+    <dgm:cxn modelId="{E261C8FB-A64D-4D0B-8C10-593EC87035B3}" type="presOf" srcId="{864E9C06-4954-4AF3-8F35-355CDC4DE12D}" destId="{2C811F92-806F-4A4E-B639-C3E1ED9D77EC}" srcOrd="0" destOrd="0" presId="urn:microsoft.com/office/officeart/2005/8/layout/chevron1"/>
+    <dgm:cxn modelId="{639C0340-3E3C-42CD-B1DE-A6D7F1772F59}" type="presParOf" srcId="{1E257B6B-331A-4EE9-8EAC-4A18157305A9}" destId="{2C811F92-806F-4A4E-B639-C3E1ED9D77EC}" srcOrd="0" destOrd="0" presId="urn:microsoft.com/office/officeart/2005/8/layout/chevron1"/>
+    <dgm:cxn modelId="{7B790276-BE49-4AA3-8043-18C1D260053E}" type="presParOf" srcId="{1E257B6B-331A-4EE9-8EAC-4A18157305A9}" destId="{C2D79CDC-E999-4A2C-9B8D-4110A1DB6603}" srcOrd="1" destOrd="0" presId="urn:microsoft.com/office/officeart/2005/8/layout/chevron1"/>
+    <dgm:cxn modelId="{E271245F-CA9D-4704-82D0-527F9568305A}" type="presParOf" srcId="{1E257B6B-331A-4EE9-8EAC-4A18157305A9}" destId="{F3393579-B132-4A70-825F-4BBD1ADFFF10}" srcOrd="2" destOrd="0" presId="urn:microsoft.com/office/officeart/2005/8/layout/chevron1"/>
+    <dgm:cxn modelId="{7DB656E7-F647-4B2F-A042-F219A44238D0}" type="presParOf" srcId="{1E257B6B-331A-4EE9-8EAC-4A18157305A9}" destId="{489F2034-81D8-4B7C-9C21-D19768D373AC}" srcOrd="3" destOrd="0" presId="urn:microsoft.com/office/officeart/2005/8/layout/chevron1"/>
+    <dgm:cxn modelId="{8432796B-EDB0-4268-A460-59204535914B}" type="presParOf" srcId="{1E257B6B-331A-4EE9-8EAC-4A18157305A9}" destId="{5445A82D-CBF5-4E6F-AE64-89B9E5755521}" srcOrd="4" destOrd="0" presId="urn:microsoft.com/office/officeart/2005/8/layout/chevron1"/>
+    <dgm:cxn modelId="{6F89BBCD-2B14-4D5F-9E38-ADD6C1E546D0}" type="presParOf" srcId="{1E257B6B-331A-4EE9-8EAC-4A18157305A9}" destId="{40AAFC85-692F-4C6F-8FD3-BC1DB597A159}" srcOrd="5" destOrd="0" presId="urn:microsoft.com/office/officeart/2005/8/layout/chevron1"/>
+    <dgm:cxn modelId="{50DAF7E8-B2D3-44DA-9D24-B7F7881AE623}" type="presParOf" srcId="{1E257B6B-331A-4EE9-8EAC-4A18157305A9}" destId="{1137B11E-AFF8-4A40-86D4-17F545BBD18A}" srcOrd="6" destOrd="0" presId="urn:microsoft.com/office/officeart/2005/8/layout/chevron1"/>
+    <dgm:cxn modelId="{8FED4CD1-B71C-40A6-BA16-43912F5DB76D}" type="presParOf" srcId="{1E257B6B-331A-4EE9-8EAC-4A18157305A9}" destId="{C552D838-00C7-4727-B050-44B3372AC979}" srcOrd="7" destOrd="0" presId="urn:microsoft.com/office/officeart/2005/8/layout/chevron1"/>
+    <dgm:cxn modelId="{E139B324-DABA-4FE0-A78A-C7FCBFE35F8E}" type="presParOf" srcId="{1E257B6B-331A-4EE9-8EAC-4A18157305A9}" destId="{0293EB9D-FC99-4C4F-9EB9-AF88039443C7}" srcOrd="8" destOrd="0" presId="urn:microsoft.com/office/officeart/2005/8/layout/chevron1"/>
+  </dgm:cxnLst>
+  <dgm:bg/>
+  <dgm:whole/>
+  <dgm:extLst>
+    <a:ext uri="http://schemas.microsoft.com/office/drawing/2008/diagram">
+      <dsp:dataModelExt xmlns:dsp="http://schemas.microsoft.com/office/drawing/2008/diagram" relId="rId6" minVer="http://schemas.openxmlformats.org/drawingml/2006/diagram"/>
+    </a:ext>
+  </dgm:extLst>
+</dgm:dataModel>
+</file>
+
+<file path=ppt/diagrams/drawing1.xml><?xml version="1.0" encoding="utf-8"?>
+<dsp:drawing xmlns:dgm="http://schemas.openxmlformats.org/drawingml/2006/diagram" xmlns:dsp="http://schemas.microsoft.com/office/drawing/2008/diagram" xmlns:a="http://schemas.openxmlformats.org/drawingml/2006/main">
+  <dsp:spTree>
+    <dsp:nvGrpSpPr>
+      <dsp:cNvPr id="0" name=""/>
+      <dsp:cNvGrpSpPr/>
+    </dsp:nvGrpSpPr>
+    <dsp:grpSpPr/>
+    <dsp:sp modelId="{2C811F92-806F-4A4E-B639-C3E1ED9D77EC}">
+      <dsp:nvSpPr>
+        <dsp:cNvPr id="0" name=""/>
+        <dsp:cNvSpPr/>
+      </dsp:nvSpPr>
+      <dsp:spPr>
+        <a:xfrm>
+          <a:off x="0" y="0"/>
+          <a:ext cx="2303497" cy="506413"/>
+        </a:xfrm>
+        <a:prstGeom prst="chevron">
+          <a:avLst/>
+        </a:prstGeom>
+        <a:solidFill>
+          <a:srgbClr val="0078D4">
+            <a:hueOff val="0"/>
+            <a:satOff val="0"/>
+            <a:lumOff val="0"/>
+            <a:alphaOff val="0"/>
+          </a:srgbClr>
+        </a:solidFill>
+        <a:ln w="10795" cap="flat" cmpd="sng" algn="ctr">
+          <a:solidFill>
+            <a:srgbClr val="FFFFFF">
+              <a:hueOff val="0"/>
+              <a:satOff val="0"/>
+              <a:lumOff val="0"/>
+              <a:alphaOff val="0"/>
+            </a:srgbClr>
+          </a:solidFill>
+          <a:prstDash val="solid"/>
+          <a:miter lim="800000"/>
+        </a:ln>
+        <a:effectLst/>
+      </dsp:spPr>
+      <dsp:style>
+        <a:lnRef idx="2">
+          <a:scrgbClr r="0" g="0" b="0"/>
+        </a:lnRef>
+        <a:fillRef idx="1">
+          <a:scrgbClr r="0" g="0" b="0"/>
+        </a:fillRef>
+        <a:effectRef idx="0">
+          <a:scrgbClr r="0" g="0" b="0"/>
+        </a:effectRef>
+        <a:fontRef idx="minor">
+          <a:schemeClr val="lt1"/>
+        </a:fontRef>
+      </dsp:style>
+      <dsp:txBody>
+        <a:bodyPr spcFirstLastPara="0" vert="horz" wrap="square" lIns="56007" tIns="18669" rIns="18669" bIns="18669" numCol="1" spcCol="1270" anchor="ctr" anchorCtr="0">
+          <a:noAutofit/>
+        </a:bodyPr>
+        <a:lstStyle/>
+        <a:p>
+          <a:pPr marL="0" lvl="0" indent="0" algn="ctr" defTabSz="622300">
+            <a:lnSpc>
+              <a:spcPct val="90000"/>
+            </a:lnSpc>
+            <a:spcBef>
+              <a:spcPct val="0"/>
+            </a:spcBef>
+            <a:spcAft>
+              <a:spcPct val="35000"/>
+            </a:spcAft>
+            <a:buNone/>
+          </a:pPr>
+          <a:r>
+            <a:rPr kumimoji="1" lang="ja-JP" altLang="en-US" sz="1400" b="0" kern="1200">
+              <a:solidFill>
+                <a:srgbClr val="FFFFFF"/>
+              </a:solidFill>
+              <a:latin typeface="Yu Gothic UI" panose="020B0500000000000000" pitchFamily="50" charset="-128"/>
+              <a:ea typeface="Yu Gothic UI" panose="020B0500000000000000" pitchFamily="50" charset="-128"/>
+              <a:cs typeface="+mn-cs"/>
+            </a:rPr>
+            <a:t>監視戦略の立案</a:t>
+          </a:r>
+          <a:endParaRPr kumimoji="1" lang="en-US" altLang="ja-JP" sz="1400" b="0" kern="1200">
+            <a:solidFill>
+              <a:srgbClr val="FFFFFF"/>
+            </a:solidFill>
+            <a:latin typeface="Yu Gothic UI" panose="020B0500000000000000" pitchFamily="50" charset="-128"/>
+            <a:ea typeface="Yu Gothic UI" panose="020B0500000000000000" pitchFamily="50" charset="-128"/>
+            <a:cs typeface="+mn-cs"/>
+          </a:endParaRPr>
+        </a:p>
+      </dsp:txBody>
+      <dsp:txXfrm>
+        <a:off x="253207" y="0"/>
+        <a:ext cx="1797084" cy="506413"/>
+      </dsp:txXfrm>
+    </dsp:sp>
+    <dsp:sp modelId="{F3393579-B132-4A70-825F-4BBD1ADFFF10}">
+      <dsp:nvSpPr>
+        <dsp:cNvPr id="0" name=""/>
+        <dsp:cNvSpPr/>
+      </dsp:nvSpPr>
+      <dsp:spPr>
+        <a:xfrm>
+          <a:off x="2075736" y="0"/>
+          <a:ext cx="2303497" cy="506413"/>
+        </a:xfrm>
+        <a:prstGeom prst="chevron">
+          <a:avLst/>
+        </a:prstGeom>
+        <a:solidFill>
+          <a:srgbClr val="0078D4">
+            <a:hueOff val="0"/>
+            <a:satOff val="0"/>
+            <a:lumOff val="0"/>
+            <a:alphaOff val="0"/>
+          </a:srgbClr>
+        </a:solidFill>
+        <a:ln w="10795" cap="flat" cmpd="sng" algn="ctr">
+          <a:solidFill>
+            <a:srgbClr val="FFFFFF">
+              <a:hueOff val="0"/>
+              <a:satOff val="0"/>
+              <a:lumOff val="0"/>
+              <a:alphaOff val="0"/>
+            </a:srgbClr>
+          </a:solidFill>
+          <a:prstDash val="solid"/>
+          <a:miter lim="800000"/>
+        </a:ln>
+        <a:effectLst/>
+      </dsp:spPr>
+      <dsp:style>
+        <a:lnRef idx="2">
+          <a:scrgbClr r="0" g="0" b="0"/>
+        </a:lnRef>
+        <a:fillRef idx="1">
+          <a:scrgbClr r="0" g="0" b="0"/>
+        </a:fillRef>
+        <a:effectRef idx="0">
+          <a:scrgbClr r="0" g="0" b="0"/>
+        </a:effectRef>
+        <a:fontRef idx="minor">
+          <a:schemeClr val="lt1"/>
+        </a:fontRef>
+      </dsp:style>
+      <dsp:txBody>
+        <a:bodyPr spcFirstLastPara="0" vert="horz" wrap="square" lIns="56007" tIns="18669" rIns="18669" bIns="18669" numCol="1" spcCol="1270" anchor="ctr" anchorCtr="0">
+          <a:noAutofit/>
+        </a:bodyPr>
+        <a:lstStyle/>
+        <a:p>
+          <a:pPr marL="0" lvl="0" indent="0" algn="ctr" defTabSz="622300">
+            <a:lnSpc>
+              <a:spcPct val="90000"/>
+            </a:lnSpc>
+            <a:spcBef>
+              <a:spcPct val="0"/>
+            </a:spcBef>
+            <a:spcAft>
+              <a:spcPct val="35000"/>
+            </a:spcAft>
+            <a:buNone/>
+          </a:pPr>
+          <a:r>
+            <a:rPr kumimoji="1" lang="ja-JP" altLang="en-US" sz="1400" b="0" kern="1200">
+              <a:solidFill>
+                <a:srgbClr val="FFFFFF"/>
+              </a:solidFill>
+              <a:latin typeface="Yu Gothic UI" panose="020B0500000000000000" pitchFamily="50" charset="-128"/>
+              <a:ea typeface="Yu Gothic UI" panose="020B0500000000000000" pitchFamily="50" charset="-128"/>
+              <a:cs typeface="+mn-cs"/>
+            </a:rPr>
+            <a:t>監視対象の決定</a:t>
+          </a:r>
+          <a:endParaRPr kumimoji="1" lang="en-US" altLang="ja-JP" sz="1400" b="0" kern="1200">
+            <a:solidFill>
+              <a:srgbClr val="FFFFFF"/>
+            </a:solidFill>
+            <a:latin typeface="Yu Gothic UI" panose="020B0500000000000000" pitchFamily="50" charset="-128"/>
+            <a:ea typeface="Yu Gothic UI" panose="020B0500000000000000" pitchFamily="50" charset="-128"/>
+            <a:cs typeface="+mn-cs"/>
+          </a:endParaRPr>
+        </a:p>
+      </dsp:txBody>
+      <dsp:txXfrm>
+        <a:off x="2328943" y="0"/>
+        <a:ext cx="1797084" cy="506413"/>
+      </dsp:txXfrm>
+    </dsp:sp>
+    <dsp:sp modelId="{5445A82D-CBF5-4E6F-AE64-89B9E5755521}">
+      <dsp:nvSpPr>
+        <dsp:cNvPr id="0" name=""/>
+        <dsp:cNvSpPr/>
+      </dsp:nvSpPr>
+      <dsp:spPr>
+        <a:xfrm>
+          <a:off x="4148884" y="0"/>
+          <a:ext cx="2303497" cy="506413"/>
+        </a:xfrm>
+        <a:prstGeom prst="chevron">
+          <a:avLst/>
+        </a:prstGeom>
+        <a:solidFill>
+          <a:srgbClr val="0078D4">
+            <a:hueOff val="0"/>
+            <a:satOff val="0"/>
+            <a:lumOff val="0"/>
+            <a:alphaOff val="0"/>
+          </a:srgbClr>
+        </a:solidFill>
+        <a:ln w="10795" cap="flat" cmpd="sng" algn="ctr">
+          <a:solidFill>
+            <a:srgbClr val="FFFFFF">
+              <a:hueOff val="0"/>
+              <a:satOff val="0"/>
+              <a:lumOff val="0"/>
+              <a:alphaOff val="0"/>
+            </a:srgbClr>
+          </a:solidFill>
+          <a:prstDash val="solid"/>
+          <a:miter lim="800000"/>
+        </a:ln>
+        <a:effectLst/>
+      </dsp:spPr>
+      <dsp:style>
+        <a:lnRef idx="2">
+          <a:scrgbClr r="0" g="0" b="0"/>
+        </a:lnRef>
+        <a:fillRef idx="1">
+          <a:scrgbClr r="0" g="0" b="0"/>
+        </a:fillRef>
+        <a:effectRef idx="0">
+          <a:scrgbClr r="0" g="0" b="0"/>
+        </a:effectRef>
+        <a:fontRef idx="minor">
+          <a:schemeClr val="lt1"/>
+        </a:fontRef>
+      </dsp:style>
+      <dsp:txBody>
+        <a:bodyPr spcFirstLastPara="0" vert="horz" wrap="square" lIns="56007" tIns="18669" rIns="18669" bIns="18669" numCol="1" spcCol="1270" anchor="ctr" anchorCtr="0">
+          <a:noAutofit/>
+        </a:bodyPr>
+        <a:lstStyle/>
+        <a:p>
+          <a:pPr marL="0" lvl="0" indent="0" algn="ctr" defTabSz="622300">
+            <a:lnSpc>
+              <a:spcPct val="90000"/>
+            </a:lnSpc>
+            <a:spcBef>
+              <a:spcPct val="0"/>
+            </a:spcBef>
+            <a:spcAft>
+              <a:spcPct val="35000"/>
+            </a:spcAft>
+            <a:buNone/>
+          </a:pPr>
+          <a:r>
+            <a:rPr kumimoji="1" lang="ja-JP" altLang="en-US" sz="1400" b="0" kern="1200">
+              <a:solidFill>
+                <a:srgbClr val="FFFFFF"/>
+              </a:solidFill>
+              <a:latin typeface="Yu Gothic UI" panose="020B0500000000000000" pitchFamily="50" charset="-128"/>
+              <a:ea typeface="Yu Gothic UI" panose="020B0500000000000000" pitchFamily="50" charset="-128"/>
+              <a:cs typeface="+mn-cs"/>
+            </a:rPr>
+            <a:t>設計</a:t>
+          </a:r>
+          <a:endParaRPr kumimoji="1" lang="en-US" altLang="ja-JP" sz="1400" b="0" kern="1200">
+            <a:solidFill>
+              <a:srgbClr val="FFFFFF"/>
+            </a:solidFill>
+            <a:latin typeface="Yu Gothic UI" panose="020B0500000000000000" pitchFamily="50" charset="-128"/>
+            <a:ea typeface="Yu Gothic UI" panose="020B0500000000000000" pitchFamily="50" charset="-128"/>
+            <a:cs typeface="+mn-cs"/>
+          </a:endParaRPr>
+        </a:p>
+      </dsp:txBody>
+      <dsp:txXfrm>
+        <a:off x="4402091" y="0"/>
+        <a:ext cx="1797084" cy="506413"/>
+      </dsp:txXfrm>
+    </dsp:sp>
+    <dsp:sp modelId="{1137B11E-AFF8-4A40-86D4-17F545BBD18A}">
+      <dsp:nvSpPr>
+        <dsp:cNvPr id="0" name=""/>
+        <dsp:cNvSpPr/>
+      </dsp:nvSpPr>
+      <dsp:spPr>
+        <a:xfrm>
+          <a:off x="6222032" y="0"/>
+          <a:ext cx="2303497" cy="506413"/>
+        </a:xfrm>
+        <a:prstGeom prst="chevron">
+          <a:avLst/>
+        </a:prstGeom>
+        <a:solidFill>
+          <a:srgbClr val="0078D4">
+            <a:hueOff val="0"/>
+            <a:satOff val="0"/>
+            <a:lumOff val="0"/>
+            <a:alphaOff val="0"/>
+          </a:srgbClr>
+        </a:solidFill>
+        <a:ln w="10795" cap="flat" cmpd="sng" algn="ctr">
+          <a:solidFill>
+            <a:srgbClr val="FFFFFF">
+              <a:hueOff val="0"/>
+              <a:satOff val="0"/>
+              <a:lumOff val="0"/>
+              <a:alphaOff val="0"/>
+            </a:srgbClr>
+          </a:solidFill>
+          <a:prstDash val="solid"/>
+          <a:miter lim="800000"/>
+        </a:ln>
+        <a:effectLst/>
+      </dsp:spPr>
+      <dsp:style>
+        <a:lnRef idx="2">
+          <a:scrgbClr r="0" g="0" b="0"/>
+        </a:lnRef>
+        <a:fillRef idx="1">
+          <a:scrgbClr r="0" g="0" b="0"/>
+        </a:fillRef>
+        <a:effectRef idx="0">
+          <a:scrgbClr r="0" g="0" b="0"/>
+        </a:effectRef>
+        <a:fontRef idx="minor">
+          <a:schemeClr val="lt1"/>
+        </a:fontRef>
+      </dsp:style>
+      <dsp:txBody>
+        <a:bodyPr spcFirstLastPara="0" vert="horz" wrap="square" lIns="56007" tIns="18669" rIns="18669" bIns="18669" numCol="1" spcCol="1270" anchor="ctr" anchorCtr="0">
+          <a:noAutofit/>
+        </a:bodyPr>
+        <a:lstStyle/>
+        <a:p>
+          <a:pPr marL="0" lvl="0" indent="0" algn="ctr" defTabSz="622300">
+            <a:lnSpc>
+              <a:spcPct val="90000"/>
+            </a:lnSpc>
+            <a:spcBef>
+              <a:spcPct val="0"/>
+            </a:spcBef>
+            <a:spcAft>
+              <a:spcPct val="35000"/>
+            </a:spcAft>
+            <a:buNone/>
+          </a:pPr>
+          <a:r>
+            <a:rPr kumimoji="1" lang="ja-JP" altLang="en-US" sz="1400" b="0" kern="1200">
+              <a:solidFill>
+                <a:srgbClr val="FFFFFF"/>
+              </a:solidFill>
+              <a:latin typeface="Yu Gothic UI" panose="020B0500000000000000" pitchFamily="50" charset="-128"/>
+              <a:ea typeface="Yu Gothic UI" panose="020B0500000000000000" pitchFamily="50" charset="-128"/>
+              <a:cs typeface="+mn-cs"/>
+            </a:rPr>
+            <a:t>構築</a:t>
+          </a:r>
+          <a:endParaRPr kumimoji="1" lang="en-US" altLang="ja-JP" sz="1400" b="0" kern="1200">
+            <a:solidFill>
+              <a:srgbClr val="FFFFFF"/>
+            </a:solidFill>
+            <a:latin typeface="Yu Gothic UI" panose="020B0500000000000000" pitchFamily="50" charset="-128"/>
+            <a:ea typeface="Yu Gothic UI" panose="020B0500000000000000" pitchFamily="50" charset="-128"/>
+            <a:cs typeface="+mn-cs"/>
+          </a:endParaRPr>
+        </a:p>
+      </dsp:txBody>
+      <dsp:txXfrm>
+        <a:off x="6475239" y="0"/>
+        <a:ext cx="1797084" cy="506413"/>
+      </dsp:txXfrm>
+    </dsp:sp>
+    <dsp:sp modelId="{0293EB9D-FC99-4C4F-9EB9-AF88039443C7}">
+      <dsp:nvSpPr>
+        <dsp:cNvPr id="0" name=""/>
+        <dsp:cNvSpPr/>
+      </dsp:nvSpPr>
+      <dsp:spPr>
+        <a:xfrm>
+          <a:off x="8295180" y="0"/>
+          <a:ext cx="2303497" cy="506413"/>
+        </a:xfrm>
+        <a:prstGeom prst="chevron">
+          <a:avLst/>
+        </a:prstGeom>
+        <a:solidFill>
+          <a:srgbClr val="0078D4">
+            <a:hueOff val="0"/>
+            <a:satOff val="0"/>
+            <a:lumOff val="0"/>
+            <a:alphaOff val="0"/>
+          </a:srgbClr>
+        </a:solidFill>
+        <a:ln w="10795" cap="flat" cmpd="sng" algn="ctr">
+          <a:solidFill>
+            <a:srgbClr val="FFFFFF">
+              <a:hueOff val="0"/>
+              <a:satOff val="0"/>
+              <a:lumOff val="0"/>
+              <a:alphaOff val="0"/>
+            </a:srgbClr>
+          </a:solidFill>
+          <a:prstDash val="solid"/>
+          <a:miter lim="800000"/>
+        </a:ln>
+        <a:effectLst/>
+      </dsp:spPr>
+      <dsp:style>
+        <a:lnRef idx="2">
+          <a:scrgbClr r="0" g="0" b="0"/>
+        </a:lnRef>
+        <a:fillRef idx="1">
+          <a:scrgbClr r="0" g="0" b="0"/>
+        </a:fillRef>
+        <a:effectRef idx="0">
+          <a:scrgbClr r="0" g="0" b="0"/>
+        </a:effectRef>
+        <a:fontRef idx="minor">
+          <a:schemeClr val="lt1"/>
+        </a:fontRef>
+      </dsp:style>
+      <dsp:txBody>
+        <a:bodyPr spcFirstLastPara="0" vert="horz" wrap="square" lIns="56007" tIns="18669" rIns="18669" bIns="18669" numCol="1" spcCol="1270" anchor="ctr" anchorCtr="0">
+          <a:noAutofit/>
+        </a:bodyPr>
+        <a:lstStyle/>
+        <a:p>
+          <a:pPr marL="0" lvl="0" indent="0" algn="ctr" defTabSz="622300">
+            <a:lnSpc>
+              <a:spcPct val="90000"/>
+            </a:lnSpc>
+            <a:spcBef>
+              <a:spcPct val="0"/>
+            </a:spcBef>
+            <a:spcAft>
+              <a:spcPct val="35000"/>
+            </a:spcAft>
+            <a:buNone/>
+          </a:pPr>
+          <a:r>
+            <a:rPr kumimoji="1" lang="ja-JP" altLang="en-US" sz="1400" b="0" kern="1200">
+              <a:solidFill>
+                <a:srgbClr val="FFFFFF"/>
+              </a:solidFill>
+              <a:latin typeface="Yu Gothic UI" panose="020B0500000000000000" pitchFamily="50" charset="-128"/>
+              <a:ea typeface="Yu Gothic UI" panose="020B0500000000000000" pitchFamily="50" charset="-128"/>
+              <a:cs typeface="+mn-cs"/>
+            </a:rPr>
+            <a:t>運用</a:t>
+          </a:r>
+          <a:endParaRPr kumimoji="1" lang="en-US" altLang="ja-JP" sz="1400" b="0" kern="1200">
+            <a:solidFill>
+              <a:srgbClr val="FFFFFF"/>
+            </a:solidFill>
+            <a:latin typeface="Yu Gothic UI" panose="020B0500000000000000" pitchFamily="50" charset="-128"/>
+            <a:ea typeface="Yu Gothic UI" panose="020B0500000000000000" pitchFamily="50" charset="-128"/>
+            <a:cs typeface="+mn-cs"/>
+          </a:endParaRPr>
+        </a:p>
+      </dsp:txBody>
+      <dsp:txXfrm>
+        <a:off x="8548387" y="0"/>
+        <a:ext cx="1797084" cy="506413"/>
+      </dsp:txXfrm>
+    </dsp:sp>
+  </dsp:spTree>
+</dsp:drawing>
+</file>
+
+<file path=ppt/diagrams/layout1.xml><?xml version="1.0" encoding="utf-8"?>
+<dgm:layoutDef xmlns:dgm="http://schemas.openxmlformats.org/drawingml/2006/diagram" xmlns:a="http://schemas.openxmlformats.org/drawingml/2006/main" uniqueId="urn:microsoft.com/office/officeart/2005/8/layout/chevron1">
+  <dgm:title val=""/>
+  <dgm:desc val=""/>
+  <dgm:catLst>
+    <dgm:cat type="process" pri="9000"/>
+  </dgm:catLst>
+  <dgm:sampData useDef="1">
+    <dgm:dataModel>
+      <dgm:ptLst/>
+      <dgm:bg/>
+      <dgm:whole/>
+    </dgm:dataModel>
+  </dgm:sampData>
+  <dgm:styleData>
+    <dgm:dataModel>
+      <dgm:ptLst>
+        <dgm:pt modelId="0" type="doc"/>
+        <dgm:pt modelId="1"/>
+        <dgm:pt modelId="2"/>
+      </dgm:ptLst>
+      <dgm:cxnLst>
+        <dgm:cxn modelId="3" srcId="0" destId="1" srcOrd="0" destOrd="0"/>
+        <dgm:cxn modelId="4" srcId="0" destId="2" srcOrd="1" destOrd="0"/>
+      </dgm:cxnLst>
+      <dgm:bg/>
+      <dgm:whole/>
+    </dgm:dataModel>
+  </dgm:styleData>
+  <dgm:clrData>
+    <dgm:dataModel>
+      <dgm:ptLst>
+        <dgm:pt modelId="0" type="doc"/>
+        <dgm:pt modelId="1"/>
+        <dgm:pt modelId="2"/>
+        <dgm:pt modelId="3"/>
+        <dgm:pt modelId="4"/>
+      </dgm:ptLst>
+      <dgm:cxnLst>
+        <dgm:cxn modelId="5" srcId="0" destId="1" srcOrd="0" destOrd="0"/>
+        <dgm:cxn modelId="6" srcId="0" destId="2" srcOrd="1" destOrd="0"/>
+        <dgm:cxn modelId="7" srcId="0" destId="3" srcOrd="2" destOrd="0"/>
+        <dgm:cxn modelId="8" srcId="0" destId="4" srcOrd="3" destOrd="0"/>
+      </dgm:cxnLst>
+      <dgm:bg/>
+      <dgm:whole/>
+    </dgm:dataModel>
+  </dgm:clrData>
+  <dgm:layoutNode name="Name0">
+    <dgm:varLst>
+      <dgm:dir/>
+      <dgm:animLvl val="lvl"/>
+      <dgm:resizeHandles val="exact"/>
+    </dgm:varLst>
+    <dgm:choose name="Name1">
+      <dgm:if name="Name2" func="var" arg="dir" op="equ" val="norm">
+        <dgm:alg type="lin"/>
+      </dgm:if>
+      <dgm:else name="Name3">
+        <dgm:alg type="lin">
+          <dgm:param type="linDir" val="fromR"/>
+        </dgm:alg>
+      </dgm:else>
+    </dgm:choose>
+    <dgm:shape xmlns:r="http://schemas.openxmlformats.org/officeDocument/2006/relationships" r:blip="">
+      <dgm:adjLst/>
+    </dgm:shape>
+    <dgm:presOf/>
+    <dgm:choose name="Name4">
+      <dgm:if name="Name5" axis="des" func="maxDepth" op="gte" val="2">
+        <dgm:constrLst>
+          <dgm:constr type="h" for="ch" forName="composite" refType="h"/>
+          <dgm:constr type="w" for="ch" forName="composite" refType="w"/>
+          <dgm:constr type="w" for="des" forName="parTx"/>
+          <dgm:constr type="h" for="des" forName="parTx" op="equ"/>
+          <dgm:constr type="w" for="des" forName="desTx"/>
+          <dgm:constr type="h" for="des" forName="desTx" op="equ"/>
+          <dgm:constr type="primFontSz" for="des" forName="parTx" val="65"/>
+          <dgm:constr type="secFontSz" for="des" forName="desTx" refType="primFontSz" refFor="des" refForName="parTx" op="equ"/>
+          <dgm:constr type="h" for="des" forName="parTx" refType="primFontSz" refFor="des" refForName="parTx" fact="1.5"/>
+          <dgm:constr type="h" for="des" forName="desTx" refType="primFontSz" refFor="des" refForName="parTx" fact="0.5"/>
+          <dgm:constr type="w" for="ch" forName="space" op="equ" val="-6"/>
+        </dgm:constrLst>
+        <dgm:ruleLst>
+          <dgm:rule type="w" for="ch" forName="composite" val="0" fact="NaN" max="NaN"/>
+          <dgm:rule type="primFontSz" for="des" forName="parTx" val="5" fact="NaN" max="NaN"/>
+        </dgm:ruleLst>
+        <dgm:forEach name="Name6" axis="ch" ptType="node">
+          <dgm:layoutNode name="composite">
+            <dgm:alg type="composite"/>
+            <dgm:shape xmlns:r="http://schemas.openxmlformats.org/officeDocument/2006/relationships" r:blip="">
+              <dgm:adjLst/>
+            </dgm:shape>
+            <dgm:presOf/>
+            <dgm:choose name="Name7">
+              <dgm:if name="Name8" func="var" arg="dir" op="equ" val="norm">
+                <dgm:constrLst>
+                  <dgm:constr type="l" for="ch" forName="parTx"/>
+                  <dgm:constr type="w" for="ch" forName="parTx" refType="w"/>
+                  <dgm:constr type="t" for="ch" forName="parTx"/>
+                  <dgm:constr type="l" for="ch" forName="desTx"/>
+                  <dgm:constr type="w" for="ch" forName="desTx" refType="w" refFor="ch" refForName="parTx" fact="0.8"/>
+                  <dgm:constr type="t" for="ch" forName="desTx" refType="h" refFor="ch" refForName="parTx" fact="1.125"/>
+                </dgm:constrLst>
+              </dgm:if>
+              <dgm:else name="Name9">
+                <dgm:constrLst>
+                  <dgm:constr type="l" for="ch" forName="parTx"/>
+                  <dgm:constr type="w" for="ch" forName="parTx" refType="w"/>
+                  <dgm:constr type="t" for="ch" forName="parTx"/>
+                  <dgm:constr type="l" for="ch" forName="desTx" refType="w" fact="0.2"/>
+                  <dgm:constr type="w" for="ch" forName="desTx" refType="w" refFor="ch" refForName="parTx" fact="0.8"/>
+                  <dgm:constr type="t" for="ch" forName="desTx" refType="h" refFor="ch" refForName="parTx" fact="1.125"/>
+                </dgm:constrLst>
+              </dgm:else>
+            </dgm:choose>
+            <dgm:ruleLst>
+              <dgm:rule type="h" val="INF" fact="NaN" max="NaN"/>
+            </dgm:ruleLst>
+            <dgm:layoutNode name="parTx">
+              <dgm:varLst>
+                <dgm:chMax val="0"/>
+                <dgm:chPref val="0"/>
+                <dgm:bulletEnabled val="1"/>
+              </dgm:varLst>
+              <dgm:alg type="tx"/>
+              <dgm:choose name="Name10">
+                <dgm:if name="Name11" func="var" arg="dir" op="equ" val="norm">
+                  <dgm:shape xmlns:r="http://schemas.openxmlformats.org/officeDocument/2006/relationships" type="chevron" r:blip="">
+                    <dgm:adjLst/>
+                  </dgm:shape>
+                </dgm:if>
+                <dgm:else name="Name12">
+                  <dgm:shape xmlns:r="http://schemas.openxmlformats.org/officeDocument/2006/relationships" rot="180" type="chevron" r:blip="">
+                    <dgm:adjLst/>
+                  </dgm:shape>
+                </dgm:else>
+              </dgm:choose>
+              <dgm:presOf axis="self" ptType="node"/>
+              <dgm:choose name="Name13">
+                <dgm:if name="Name14" func="var" arg="dir" op="equ" val="norm">
+                  <dgm:constrLst>
+                    <dgm:constr type="h" refType="w" op="lte" fact="0.4"/>
+                    <dgm:constr type="h"/>
+                    <dgm:constr type="tMarg" refType="primFontSz" fact="0.105"/>
+                    <dgm:constr type="bMarg" refType="primFontSz" fact="0.105"/>
+                    <dgm:constr type="lMarg" refType="primFontSz" fact="0.315"/>
+                    <dgm:constr type="rMarg" refType="primFontSz" fact="0.105"/>
+                  </dgm:constrLst>
+                </dgm:if>
+                <dgm:else name="Name15">
+                  <dgm:constrLst>
+                    <dgm:constr type="h" refType="w" op="lte" fact="0.4"/>
+                    <dgm:constr type="h"/>
+                    <dgm:constr type="tMarg" refType="primFontSz" fact="0.105"/>
+                    <dgm:constr type="bMarg" refType="primFontSz" fact="0.105"/>
+                    <dgm:constr type="lMarg" refType="primFontSz" fact="0.105"/>
+                    <dgm:constr type="rMarg" refType="primFontSz" fact="0.315"/>
+                  </dgm:constrLst>
+                </dgm:else>
+              </dgm:choose>
+              <dgm:ruleLst>
+                <dgm:rule type="h" val="INF" fact="NaN" max="NaN"/>
+              </dgm:ruleLst>
+            </dgm:layoutNode>
+            <dgm:layoutNode name="desTx" styleLbl="revTx">
+              <dgm:varLst>
+                <dgm:bulletEnabled val="1"/>
+              </dgm:varLst>
+              <dgm:alg type="tx">
+                <dgm:param type="stBulletLvl" val="1"/>
+              </dgm:alg>
+              <dgm:choose name="Name16">
+                <dgm:if name="Name17" axis="ch" ptType="node" func="cnt" op="gte" val="1">
+                  <dgm:shape xmlns:r="http://schemas.openxmlformats.org/officeDocument/2006/relationships" type="rect" r:blip="">
+                    <dgm:adjLst/>
+                  </dgm:shape>
+                </dgm:if>
+                <dgm:else name="Name18">
+                  <dgm:shape xmlns:r="http://schemas.openxmlformats.org/officeDocument/2006/relationships" type="rect" r:blip="" hideGeom="1">
+                    <dgm:adjLst/>
+                  </dgm:shape>
+                </dgm:else>
+              </dgm:choose>
+              <dgm:presOf axis="des" ptType="node"/>
+              <dgm:constrLst>
+                <dgm:constr type="secFontSz" val="65"/>
+                <dgm:constr type="primFontSz" refType="secFontSz"/>
+                <dgm:constr type="h"/>
+                <dgm:constr type="tMarg"/>
+                <dgm:constr type="bMarg"/>
+                <dgm:constr type="rMarg"/>
+                <dgm:constr type="lMarg"/>
+              </dgm:constrLst>
+              <dgm:ruleLst>
+                <dgm:rule type="h" val="INF" fact="NaN" max="NaN"/>
+              </dgm:ruleLst>
+            </dgm:layoutNode>
+          </dgm:layoutNode>
+          <dgm:forEach name="Name19" axis="followSib" ptType="sibTrans" cnt="1">
+            <dgm:layoutNode name="space">
+              <dgm:alg type="sp"/>
+              <dgm:shape xmlns:r="http://schemas.openxmlformats.org/officeDocument/2006/relationships" r:blip="">
+                <dgm:adjLst/>
+              </dgm:shape>
+              <dgm:presOf/>
+              <dgm:constrLst/>
+              <dgm:ruleLst/>
+            </dgm:layoutNode>
+          </dgm:forEach>
+        </dgm:forEach>
+      </dgm:if>
+      <dgm:else name="Name20">
+        <dgm:constrLst>
+          <dgm:constr type="w" for="ch" forName="parTxOnly" refType="w"/>
+          <dgm:constr type="h" for="des" forName="parTxOnly" op="equ"/>
+          <dgm:constr type="primFontSz" for="des" forName="parTxOnly" op="equ" val="65"/>
+          <dgm:constr type="w" for="ch" forName="parTxOnlySpace" refType="w" refFor="ch" refForName="parTxOnly" fact="-0.1"/>
+        </dgm:constrLst>
+        <dgm:ruleLst/>
+        <dgm:forEach name="Name21" axis="ch" ptType="node">
+          <dgm:layoutNode name="parTxOnly">
+            <dgm:varLst>
+              <dgm:chMax val="0"/>
+              <dgm:chPref val="0"/>
+              <dgm:bulletEnabled val="1"/>
+            </dgm:varLst>
+            <dgm:alg type="tx"/>
+            <dgm:choose name="Name22">
+              <dgm:if name="Name23" func="var" arg="dir" op="equ" val="norm">
+                <dgm:shape xmlns:r="http://schemas.openxmlformats.org/officeDocument/2006/relationships" type="chevron" r:blip="">
+                  <dgm:adjLst/>
+                </dgm:shape>
+              </dgm:if>
+              <dgm:else name="Name24">
+                <dgm:shape xmlns:r="http://schemas.openxmlformats.org/officeDocument/2006/relationships" rot="180" type="chevron" r:blip="">
+                  <dgm:adjLst/>
+                </dgm:shape>
+              </dgm:else>
+            </dgm:choose>
+            <dgm:presOf axis="self" ptType="node"/>
+            <dgm:choose name="Name25">
+              <dgm:if name="Name26" func="var" arg="dir" op="equ" val="norm">
+                <dgm:constrLst>
+                  <dgm:constr type="h" refType="w" op="equ" fact="0.4"/>
+                  <dgm:constr type="tMarg" refType="primFontSz" fact="0.105"/>
+                  <dgm:constr type="bMarg" refType="primFontSz" fact="0.105"/>
+                  <dgm:constr type="lMarg" refType="primFontSz" fact="0.315"/>
+                  <dgm:constr type="rMarg" refType="primFontSz" fact="0.105"/>
+                </dgm:constrLst>
+              </dgm:if>
+              <dgm:else name="Name27">
+                <dgm:constrLst>
+                  <dgm:constr type="h" refType="w" op="equ" fact="0.4"/>
+                  <dgm:constr type="tMarg" refType="primFontSz" fact="0.105"/>
+                  <dgm:constr type="bMarg" refType="primFontSz" fact="0.105"/>
+                  <dgm:constr type="lMarg" refType="primFontSz" fact="0.105"/>
+                  <dgm:constr type="rMarg" refType="primFontSz" fact="0.315"/>
+                </dgm:constrLst>
+              </dgm:else>
+            </dgm:choose>
+            <dgm:ruleLst>
+              <dgm:rule type="primFontSz" val="5" fact="NaN" max="NaN"/>
+            </dgm:ruleLst>
+          </dgm:layoutNode>
+          <dgm:forEach name="Name28" axis="followSib" ptType="sibTrans" cnt="1">
+            <dgm:layoutNode name="parTxOnlySpace">
+              <dgm:alg type="sp"/>
+              <dgm:shape xmlns:r="http://schemas.openxmlformats.org/officeDocument/2006/relationships" r:blip="">
+                <dgm:adjLst/>
+              </dgm:shape>
+              <dgm:presOf/>
+              <dgm:constrLst/>
+              <dgm:ruleLst/>
+            </dgm:layoutNode>
+          </dgm:forEach>
+        </dgm:forEach>
+      </dgm:else>
+    </dgm:choose>
+  </dgm:layoutNode>
+</dgm:layoutDef>
+</file>
+
+<file path=ppt/diagrams/quickStyle1.xml><?xml version="1.0" encoding="utf-8"?>
+<dgm:styleDef xmlns:dgm="http://schemas.openxmlformats.org/drawingml/2006/diagram" xmlns:a="http://schemas.openxmlformats.org/drawingml/2006/main" uniqueId="urn:microsoft.com/office/officeart/2005/8/quickstyle/simple1">
+  <dgm:title val=""/>
+  <dgm:desc val=""/>
+  <dgm:catLst>
+    <dgm:cat type="simple" pri="10100"/>
+  </dgm:catLst>
+  <dgm:scene3d>
+    <a:camera prst="orthographicFront"/>
+    <a:lightRig rig="threePt" dir="t"/>
+  </dgm:scene3d>
+  <dgm:styleLbl name="node0">
+    <dgm:scene3d>
+      <a:camera prst="orthographicFront"/>
+      <a:lightRig rig="threePt" dir="t"/>
+    </dgm:scene3d>
+    <dgm:sp3d/>
+    <dgm:txPr/>
+    <dgm:style>
+      <a:lnRef idx="2">
+        <a:scrgbClr r="0" g="0" b="0"/>
+      </a:lnRef>
+      <a:fillRef idx="1">
+        <a:scrgbClr r="0" g="0" b="0"/>
+      </a:fillRef>
+      <a:effectRef idx="0">
+        <a:scrgbClr r="0" g="0" b="0"/>
+      </a:effectRef>
+      <a:fontRef idx="minor">
+        <a:schemeClr val="lt1"/>
+      </a:fontRef>
+    </dgm:style>
+  </dgm:styleLbl>
+  <dgm:styleLbl name="lnNode1">
+    <dgm:scene3d>
+      <a:camera prst="orthographicFront"/>
+      <a:lightRig rig="threePt" dir="t"/>
+    </dgm:scene3d>
+    <dgm:sp3d/>
+    <dgm:txPr/>
+    <dgm:style>
+      <a:lnRef idx="2">
+        <a:scrgbClr r="0" g="0" b="0"/>
+      </a:lnRef>
+      <a:fillRef idx="1">
+        <a:scrgbClr r="0" g="0" b="0"/>
+      </a:fillRef>
+      <a:effectRef idx="0">
+        <a:scrgbClr r="0" g="0" b="0"/>
+      </a:effectRef>
+      <a:fontRef idx="minor">
+        <a:schemeClr val="lt1"/>
+      </a:fontRef>
+    </dgm:style>
+  </dgm:styleLbl>
+  <dgm:styleLbl name="vennNode1">
+    <dgm:scene3d>
+      <a:camera prst="orthographicFront"/>
+      <a:lightRig rig="threePt" dir="t"/>
+    </dgm:scene3d>
+    <dgm:sp3d/>
+    <dgm:txPr/>
+    <dgm:style>
+      <a:lnRef idx="2">
+        <a:scrgbClr r="0" g="0" b="0"/>
+      </a:lnRef>
+      <a:fillRef idx="1">
+        <a:scrgbClr r="0" g="0" b="0"/>
+      </a:fillRef>
+      <a:effectRef idx="0">
+        <a:scrgbClr r="0" g="0" b="0"/>
+      </a:effectRef>
+      <a:fontRef idx="minor">
+        <a:schemeClr val="tx1"/>
+      </a:fontRef>
+    </dgm:style>
+  </dgm:styleLbl>
+  <dgm:styleLbl name="alignNode1">
+    <dgm:scene3d>
+      <a:camera prst="orthographicFront"/>
+      <a:lightRig rig="threePt" dir="t"/>
+    </dgm:scene3d>
+    <dgm:sp3d/>
+    <dgm:txPr/>
+    <dgm:style>
+      <a:lnRef idx="2">
+        <a:scrgbClr r="0" g="0" b="0"/>
+      </a:lnRef>
+      <a:fillRef idx="1">
+        <a:scrgbClr r="0" g="0" b="0"/>
+      </a:fillRef>
+      <a:effectRef idx="0">
+        <a:scrgbClr r="0" g="0" b="0"/>
+      </a:effectRef>
+      <a:fontRef idx="minor">
+        <a:schemeClr val="lt1"/>
+      </a:fontRef>
+    </dgm:style>
+  </dgm:styleLbl>
+  <dgm:styleLbl name="node1">
+    <dgm:scene3d>
+      <a:camera prst="orthographicFront"/>
+      <a:lightRig rig="threePt" dir="t"/>
+    </dgm:scene3d>
+    <dgm:sp3d/>
+    <dgm:txPr/>
+    <dgm:style>
+      <a:lnRef idx="2">
+        <a:scrgbClr r="0" g="0" b="0"/>
+      </a:lnRef>
+      <a:fillRef idx="1">
+        <a:scrgbClr r="0" g="0" b="0"/>
+      </a:fillRef>
+      <a:effectRef idx="0">
+        <a:scrgbClr r="0" g="0" b="0"/>
+      </a:effectRef>
+      <a:fontRef idx="minor">
+        <a:schemeClr val="lt1"/>
+      </a:fontRef>
+    </dgm:style>
+  </dgm:styleLbl>
+  <dgm:styleLbl name="node2">
+    <dgm:scene3d>
+      <a:camera prst="orthographicFront"/>
+      <a:lightRig rig="threePt" dir="t"/>
+    </dgm:scene3d>
+    <dgm:sp3d/>
+    <dgm:txPr/>
+    <dgm:style>
+      <a:lnRef idx="2">
+        <a:scrgbClr r="0" g="0" b="0"/>
+      </a:lnRef>
+      <a:fillRef idx="1">
+        <a:scrgbClr r="0" g="0" b="0"/>
+      </a:fillRef>
+      <a:effectRef idx="0">
+        <a:scrgbClr r="0" g="0" b="0"/>
+      </a:effectRef>
+      <a:fontRef idx="minor">
+        <a:schemeClr val="lt1"/>
+      </a:fontRef>
+    </dgm:style>
+  </dgm:styleLbl>
+  <dgm:styleLbl name="node3">
+    <dgm:scene3d>
+      <a:camera prst="orthographicFront"/>
+      <a:lightRig rig="threePt" dir="t"/>
+    </dgm:scene3d>
+    <dgm:sp3d/>
+    <dgm:txPr/>
+    <dgm:style>
+      <a:lnRef idx="2">
+        <a:scrgbClr r="0" g="0" b="0"/>
+      </a:lnRef>
+      <a:fillRef idx="1">
+        <a:scrgbClr r="0" g="0" b="0"/>
+      </a:fillRef>
+      <a:effectRef idx="0">
+        <a:scrgbClr r="0" g="0" b="0"/>
+      </a:effectRef>
+      <a:fontRef idx="minor">
+        <a:schemeClr val="lt1"/>
+      </a:fontRef>
+    </dgm:style>
+  </dgm:styleLbl>
+  <dgm:styleLbl name="node4">
+    <dgm:scene3d>
+      <a:camera prst="orthographicFront"/>
+      <a:lightRig rig="threePt" dir="t"/>
+    </dgm:scene3d>
+    <dgm:sp3d/>
+    <dgm:txPr/>
+    <dgm:style>
+      <a:lnRef idx="2">
+        <a:scrgbClr r="0" g="0" b="0"/>
+      </a:lnRef>
+      <a:fillRef idx="1">
+        <a:scrgbClr r="0" g="0" b="0"/>
+      </a:fillRef>
+      <a:effectRef idx="0">
+        <a:scrgbClr r="0" g="0" b="0"/>
+      </a:effectRef>
+      <a:fontRef idx="minor">
+        <a:schemeClr val="lt1"/>
+      </a:fontRef>
+    </dgm:style>
+  </dgm:styleLbl>
+  <dgm:styleLbl name="fgImgPlace1">
+    <dgm:scene3d>
+      <a:camera prst="orthographicFront"/>
+      <a:lightRig rig="threePt" dir="t"/>
+    </dgm:scene3d>
+    <dgm:sp3d/>
+    <dgm:txPr/>
+    <dgm:style>
+      <a:lnRef idx="2">
+        <a:scrgbClr r="0" g="0" b="0"/>
+      </a:lnRef>
+      <a:fillRef idx="1">
+        <a:scrgbClr r="0" g="0" b="0"/>
+      </a:fillRef>
+      <a:effectRef idx="0">
+        <a:scrgbClr r="0" g="0" b="0"/>
+      </a:effectRef>
+      <a:fontRef idx="minor"/>
+    </dgm:style>
+  </dgm:styleLbl>
+  <dgm:styleLbl name="alignImgPlace1">
+    <dgm:scene3d>
+      <a:camera prst="orthographicFront"/>
+      <a:lightRig rig="threePt" dir="t"/>
+    </dgm:scene3d>
+    <dgm:sp3d/>
+    <dgm:txPr/>
+    <dgm:style>
+      <a:lnRef idx="2">
+        <a:scrgbClr r="0" g="0" b="0"/>
+      </a:lnRef>
+      <a:fillRef idx="1">
+        <a:scrgbClr r="0" g="0" b="0"/>
+      </a:fillRef>
+      <a:effectRef idx="0">
+        <a:scrgbClr r="0" g="0" b="0"/>
+      </a:effectRef>
+      <a:fontRef idx="minor"/>
+    </dgm:style>
+  </dgm:styleLbl>
+  <dgm:styleLbl name="bgImgPlace1">
+    <dgm:scene3d>
+      <a:camera prst="orthographicFront"/>
+      <a:lightRig rig="threePt" dir="t"/>
+    </dgm:scene3d>
+    <dgm:sp3d/>
+    <dgm:txPr/>
+    <dgm:style>
+      <a:lnRef idx="2">
+        <a:scrgbClr r="0" g="0" b="0"/>
+      </a:lnRef>
+      <a:fillRef idx="1">
+        <a:scrgbClr r="0" g="0" b="0"/>
+      </a:fillRef>
+      <a:effectRef idx="0">
+        <a:scrgbClr r="0" g="0" b="0"/>
+      </a:effectRef>
+      <a:fontRef idx="minor"/>
+    </dgm:style>
+  </dgm:styleLbl>
+  <dgm:styleLbl name="sibTrans2D1">
+    <dgm:scene3d>
+      <a:camera prst="orthographicFront"/>
+      <a:lightRig rig="threePt" dir="t"/>
+    </dgm:scene3d>
+    <dgm:sp3d/>
+    <dgm:txPr/>
+    <dgm:style>
+      <a:lnRef idx="0">
+        <a:scrgbClr r="0" g="0" b="0"/>
+      </a:lnRef>
+      <a:fillRef idx="1">
+        <a:scrgbClr r="0" g="0" b="0"/>
+      </a:fillRef>
+      <a:effectRef idx="0">
+        <a:scrgbClr r="0" g="0" b="0"/>
+      </a:effectRef>
+      <a:fontRef idx="minor">
+        <a:schemeClr val="lt1"/>
+      </a:fontRef>
+    </dgm:style>
+  </dgm:styleLbl>
+  <dgm:styleLbl name="fgSibTrans2D1">
+    <dgm:scene3d>
+      <a:camera prst="orthographicFront"/>
+      <a:lightRig rig="threePt" dir="t"/>
+    </dgm:scene3d>
+    <dgm:sp3d/>
+    <dgm:txPr/>
+    <dgm:style>
+      <a:lnRef idx="0">
+        <a:scrgbClr r="0" g="0" b="0"/>
+      </a:lnRef>
+      <a:fillRef idx="1">
+        <a:scrgbClr r="0" g="0" b="0"/>
+      </a:fillRef>
+      <a:effectRef idx="0">
+        <a:scrgbClr r="0" g="0" b="0"/>
+      </a:effectRef>
+      <a:fontRef idx="minor">
+        <a:schemeClr val="lt1"/>
+      </a:fontRef>
+    </dgm:style>
+  </dgm:styleLbl>
+  <dgm:styleLbl name="bgSibTrans2D1">
+    <dgm:scene3d>
+      <a:camera prst="orthographicFront"/>
+      <a:lightRig rig="threePt" dir="t"/>
+    </dgm:scene3d>
+    <dgm:sp3d/>
+    <dgm:txPr/>
+    <dgm:style>
+      <a:lnRef idx="0">
+        <a:scrgbClr r="0" g="0" b="0"/>
+      </a:lnRef>
+      <a:fillRef idx="1">
+        <a:scrgbClr r="0" g="0" b="0"/>
+      </a:fillRef>
+      <a:effectRef idx="0">
+        <a:scrgbClr r="0" g="0" b="0"/>
+      </a:effectRef>
+      <a:fontRef idx="minor">
+        <a:schemeClr val="lt1"/>
+      </a:fontRef>
+    </dgm:style>
+  </dgm:styleLbl>
+  <dgm:styleLbl name="sibTrans1D1">
+    <dgm:scene3d>
+      <a:camera prst="orthographicFront"/>
+      <a:lightRig rig="threePt" dir="t"/>
+    </dgm:scene3d>
+    <dgm:sp3d/>
+    <dgm:txPr/>
+    <dgm:style>
+      <a:lnRef idx="1">
+        <a:scrgbClr r="0" g="0" b="0"/>
+      </a:lnRef>
+      <a:fillRef idx="0">
+        <a:scrgbClr r="0" g="0" b="0"/>
+      </a:fillRef>
+      <a:effectRef idx="0">
+        <a:scrgbClr r="0" g="0" b="0"/>
+      </a:effectRef>
+      <a:fontRef idx="minor"/>
+    </dgm:style>
+  </dgm:styleLbl>
+  <dgm:styleLbl name="callout">
+    <dgm:scene3d>
+      <a:camera prst="orthographicFront"/>
+      <a:lightRig rig="threePt" dir="t"/>
+    </dgm:scene3d>
+    <dgm:sp3d/>
+    <dgm:txPr/>
+    <dgm:style>
+      <a:lnRef idx="2">
+        <a:scrgbClr r="0" g="0" b="0"/>
+      </a:lnRef>
+      <a:fillRef idx="1">
+        <a:scrgbClr r="0" g="0" b="0"/>
+      </a:fillRef>
+      <a:effectRef idx="0">
+        <a:scrgbClr r="0" g="0" b="0"/>
+      </a:effectRef>
+      <a:fontRef idx="minor"/>
+    </dgm:style>
+  </dgm:styleLbl>
+  <dgm:styleLbl name="asst0">
+    <dgm:scene3d>
+      <a:camera prst="orthographicFront"/>
+      <a:lightRig rig="threePt" dir="t"/>
+    </dgm:scene3d>
+    <dgm:sp3d/>
+    <dgm:txPr/>
+    <dgm:style>
+      <a:lnRef idx="2">
+        <a:scrgbClr r="0" g="0" b="0"/>
+      </a:lnRef>
+      <a:fillRef idx="1">
+        <a:scrgbClr r="0" g="0" b="0"/>
+      </a:fillRef>
+      <a:effectRef idx="0">
+        <a:scrgbClr r="0" g="0" b="0"/>
+      </a:effectRef>
+      <a:fontRef idx="minor">
+        <a:schemeClr val="lt1"/>
+      </a:fontRef>
+    </dgm:style>
+  </dgm:styleLbl>
+  <dgm:styleLbl name="asst1">
+    <dgm:scene3d>
+      <a:camera prst="orthographicFront"/>
+      <a:lightRig rig="threePt" dir="t"/>
+    </dgm:scene3d>
+    <dgm:sp3d/>
+    <dgm:txPr/>
+    <dgm:style>
+      <a:lnRef idx="2">
+        <a:scrgbClr r="0" g="0" b="0"/>
+      </a:lnRef>
+      <a:fillRef idx="1">
+        <a:scrgbClr r="0" g="0" b="0"/>
+      </a:fillRef>
+      <a:effectRef idx="0">
+        <a:scrgbClr r="0" g="0" b="0"/>
+      </a:effectRef>
+      <a:fontRef idx="minor">
+        <a:schemeClr val="lt1"/>
+      </a:fontRef>
+    </dgm:style>
+  </dgm:styleLbl>
+  <dgm:styleLbl name="asst2">
+    <dgm:scene3d>
+      <a:camera prst="orthographicFront"/>
+      <a:lightRig rig="threePt" dir="t"/>
+    </dgm:scene3d>
+    <dgm:sp3d/>
+    <dgm:txPr/>
+    <dgm:style>
+      <a:lnRef idx="2">
+        <a:scrgbClr r="0" g="0" b="0"/>
+      </a:lnRef>
+      <a:fillRef idx="1">
+        <a:scrgbClr r="0" g="0" b="0"/>
+      </a:fillRef>
+      <a:effectRef idx="0">
+        <a:scrgbClr r="0" g="0" b="0"/>
+      </a:effectRef>
+      <a:fontRef idx="minor">
+        <a:schemeClr val="lt1"/>
+      </a:fontRef>
+    </dgm:style>
+  </dgm:styleLbl>
+  <dgm:styleLbl name="asst3">
+    <dgm:scene3d>
+      <a:camera prst="orthographicFront"/>
+      <a:lightRig rig="threePt" dir="t"/>
+    </dgm:scene3d>
+    <dgm:sp3d/>
+    <dgm:txPr/>
+    <dgm:style>
+      <a:lnRef idx="2">
+        <a:scrgbClr r="0" g="0" b="0"/>
+      </a:lnRef>
+      <a:fillRef idx="1">
+        <a:scrgbClr r="0" g="0" b="0"/>
+      </a:fillRef>
+      <a:effectRef idx="0">
+        <a:scrgbClr r="0" g="0" b="0"/>
+      </a:effectRef>
+      <a:fontRef idx="minor">
+        <a:schemeClr val="lt1"/>
+      </a:fontRef>
+    </dgm:style>
+  </dgm:styleLbl>
+  <dgm:styleLbl name="asst4">
+    <dgm:scene3d>
+      <a:camera prst="orthographicFront"/>
+      <a:lightRig rig="threePt" dir="t"/>
+    </dgm:scene3d>
+    <dgm:sp3d/>
+    <dgm:txPr/>
+    <dgm:style>
+      <a:lnRef idx="2">
+        <a:scrgbClr r="0" g="0" b="0"/>
+      </a:lnRef>
+      <a:fillRef idx="1">
+        <a:scrgbClr r="0" g="0" b="0"/>
+      </a:fillRef>
+      <a:effectRef idx="0">
+        <a:scrgbClr r="0" g="0" b="0"/>
+      </a:effectRef>
+      <a:fontRef idx="minor">
+        <a:schemeClr val="lt1"/>
+      </a:fontRef>
+    </dgm:style>
+  </dgm:styleLbl>
+  <dgm:styleLbl name="parChTrans2D1">
+    <dgm:scene3d>
+      <a:camera prst="orthographicFront"/>
+      <a:lightRig rig="threePt" dir="t"/>
+    </dgm:scene3d>
+    <dgm:sp3d/>
+    <dgm:txPr/>
+    <dgm:style>
+      <a:lnRef idx="2">
+        <a:scrgbClr r="0" g="0" b="0"/>
+      </a:lnRef>
+      <a:fillRef idx="1">
+        <a:scrgbClr r="0" g="0" b="0"/>
+      </a:fillRef>
+      <a:effectRef idx="0">
+        <a:scrgbClr r="0" g="0" b="0"/>
+      </a:effectRef>
+      <a:fontRef idx="minor">
+        <a:schemeClr val="lt1"/>
+      </a:fontRef>
+    </dgm:style>
+  </dgm:styleLbl>
+  <dgm:styleLbl name="parChTrans2D2">
+    <dgm:scene3d>
+      <a:camera prst="orthographicFront"/>
+      <a:lightRig rig="threePt" dir="t"/>
+    </dgm:scene3d>
+    <dgm:sp3d/>
+    <dgm:txPr/>
+    <dgm:style>
+      <a:lnRef idx="2">
+        <a:scrgbClr r="0" g="0" b="0"/>
+      </a:lnRef>
+      <a:fillRef idx="1">
+        <a:scrgbClr r="0" g="0" b="0"/>
+      </a:fillRef>
+      <a:effectRef idx="0">
+        <a:scrgbClr r="0" g="0" b="0"/>
+      </a:effectRef>
+      <a:fontRef idx="minor">
+        <a:schemeClr val="lt1"/>
+      </a:fontRef>
+    </dgm:style>
+  </dgm:styleLbl>
+  <dgm:styleLbl name="parChTrans2D3">
+    <dgm:scene3d>
+      <a:camera prst="orthographicFront"/>
+      <a:lightRig rig="threePt" dir="t"/>
+    </dgm:scene3d>
+    <dgm:sp3d/>
+    <dgm:txPr/>
+    <dgm:style>
+      <a:lnRef idx="2">
+        <a:scrgbClr r="0" g="0" b="0"/>
+      </a:lnRef>
+      <a:fillRef idx="1">
+        <a:scrgbClr r="0" g="0" b="0"/>
+      </a:fillRef>
+      <a:effectRef idx="0">
+        <a:scrgbClr r="0" g="0" b="0"/>
+      </a:effectRef>
+      <a:fontRef idx="minor">
+        <a:schemeClr val="lt1"/>
+      </a:fontRef>
+    </dgm:style>
+  </dgm:styleLbl>
+  <dgm:styleLbl name="parChTrans2D4">
+    <dgm:scene3d>
+      <a:camera prst="orthographicFront"/>
+      <a:lightRig rig="threePt" dir="t"/>
+    </dgm:scene3d>
+    <dgm:sp3d/>
+    <dgm:txPr/>
+    <dgm:style>
+      <a:lnRef idx="2">
+        <a:scrgbClr r="0" g="0" b="0"/>
+      </a:lnRef>
+      <a:fillRef idx="1">
+        <a:scrgbClr r="0" g="0" b="0"/>
+      </a:fillRef>
+      <a:effectRef idx="0">
+        <a:scrgbClr r="0" g="0" b="0"/>
+      </a:effectRef>
+      <a:fontRef idx="minor">
+        <a:schemeClr val="lt1"/>
+      </a:fontRef>
+    </dgm:style>
+  </dgm:styleLbl>
+  <dgm:styleLbl name="parChTrans1D1">
+    <dgm:scene3d>
+      <a:camera prst="orthographicFront"/>
+      <a:lightRig rig="threePt" dir="t"/>
+    </dgm:scene3d>
+    <dgm:sp3d/>
+    <dgm:txPr/>
+    <dgm:style>
+      <a:lnRef idx="2">
+        <a:scrgbClr r="0" g="0" b="0"/>
+      </a:lnRef>
+      <a:fillRef idx="0">
+        <a:scrgbClr r="0" g="0" b="0"/>
+      </a:fillRef>
+      <a:effectRef idx="0">
+        <a:scrgbClr r="0" g="0" b="0"/>
+      </a:effectRef>
+      <a:fontRef idx="minor"/>
+    </dgm:style>
+  </dgm:styleLbl>
+  <dgm:styleLbl name="parChTrans1D2">
+    <dgm:scene3d>
+      <a:camera prst="orthographicFront"/>
+      <a:lightRig rig="threePt" dir="t"/>
+    </dgm:scene3d>
+    <dgm:sp3d/>
+    <dgm:txPr/>
+    <dgm:style>
+      <a:lnRef idx="2">
+        <a:scrgbClr r="0" g="0" b="0"/>
+      </a:lnRef>
+      <a:fillRef idx="0">
+        <a:scrgbClr r="0" g="0" b="0"/>
+      </a:fillRef>
+      <a:effectRef idx="0">
+        <a:scrgbClr r="0" g="0" b="0"/>
+      </a:effectRef>
+      <a:fontRef idx="minor"/>
+    </dgm:style>
+  </dgm:styleLbl>
+  <dgm:styleLbl name="parChTrans1D3">
+    <dgm:scene3d>
+      <a:camera prst="orthographicFront"/>
+      <a:lightRig rig="threePt" dir="t"/>
+    </dgm:scene3d>
+    <dgm:sp3d/>
+    <dgm:txPr/>
+    <dgm:style>
+      <a:lnRef idx="2">
+        <a:scrgbClr r="0" g="0" b="0"/>
+      </a:lnRef>
+      <a:fillRef idx="0">
+        <a:scrgbClr r="0" g="0" b="0"/>
+      </a:fillRef>
+      <a:effectRef idx="0">
+        <a:scrgbClr r="0" g="0" b="0"/>
+      </a:effectRef>
+      <a:fontRef idx="minor"/>
+    </dgm:style>
+  </dgm:styleLbl>
+  <dgm:styleLbl name="parChTrans1D4">
+    <dgm:scene3d>
+      <a:camera prst="orthographicFront"/>
+      <a:lightRig rig="threePt" dir="t"/>
+    </dgm:scene3d>
+    <dgm:sp3d/>
+    <dgm:txPr/>
+    <dgm:style>
+      <a:lnRef idx="2">
+        <a:scrgbClr r="0" g="0" b="0"/>
+      </a:lnRef>
+      <a:fillRef idx="0">
+        <a:scrgbClr r="0" g="0" b="0"/>
+      </a:fillRef>
+      <a:effectRef idx="0">
+        <a:scrgbClr r="0" g="0" b="0"/>
+      </a:effectRef>
+      <a:fontRef idx="minor"/>
+    </dgm:style>
+  </dgm:styleLbl>
+  <dgm:styleLbl name="fgAcc1">
+    <dgm:scene3d>
+      <a:camera prst="orthographicFront"/>
+      <a:lightRig rig="threePt" dir="t"/>
+    </dgm:scene3d>
+    <dgm:sp3d/>
+    <dgm:txPr/>
+    <dgm:style>
+      <a:lnRef idx="2">
+        <a:scrgbClr r="0" g="0" b="0"/>
+      </a:lnRef>
+      <a:fillRef idx="1">
+        <a:scrgbClr r="0" g="0" b="0"/>
+      </a:fillRef>
+      <a:effectRef idx="0">
+        <a:scrgbClr r="0" g="0" b="0"/>
+      </a:effectRef>
+      <a:fontRef idx="minor"/>
+    </dgm:style>
+  </dgm:styleLbl>
+  <dgm:styleLbl name="conFgAcc1">
+    <dgm:scene3d>
+      <a:camera prst="orthographicFront"/>
+      <a:lightRig rig="threePt" dir="t"/>
+    </dgm:scene3d>
+    <dgm:sp3d/>
+    <dgm:txPr/>
+    <dgm:style>
+      <a:lnRef idx="2">
+        <a:scrgbClr r="0" g="0" b="0"/>
+      </a:lnRef>
+      <a:fillRef idx="1">
+        <a:scrgbClr r="0" g="0" b="0"/>
+      </a:fillRef>
+      <a:effectRef idx="0">
+        <a:scrgbClr r="0" g="0" b="0"/>
+      </a:effectRef>
+      <a:fontRef idx="minor"/>
+    </dgm:style>
+  </dgm:styleLbl>
+  <dgm:styleLbl name="alignAcc1">
+    <dgm:scene3d>
+      <a:camera prst="orthographicFront"/>
+      <a:lightRig rig="threePt" dir="t"/>
+    </dgm:scene3d>
+    <dgm:sp3d/>
+    <dgm:txPr/>
+    <dgm:style>
+      <a:lnRef idx="2">
+        <a:scrgbClr r="0" g="0" b="0"/>
+      </a:lnRef>
+      <a:fillRef idx="1">
+        <a:scrgbClr r="0" g="0" b="0"/>
+      </a:fillRef>
+      <a:effectRef idx="0">
+        <a:scrgbClr r="0" g="0" b="0"/>
+      </a:effectRef>
+      <a:fontRef idx="minor"/>
+    </dgm:style>
+  </dgm:styleLbl>
+  <dgm:styleLbl name="trAlignAcc1">
+    <dgm:scene3d>
+      <a:camera prst="orthographicFront"/>
+      <a:lightRig rig="threePt" dir="t"/>
+    </dgm:scene3d>
+    <dgm:sp3d/>
+    <dgm:txPr/>
+    <dgm:style>
+      <a:lnRef idx="1">
+        <a:scrgbClr r="0" g="0" b="0"/>
+      </a:lnRef>
+      <a:fillRef idx="1">
+        <a:scrgbClr r="0" g="0" b="0"/>
+      </a:fillRef>
+      <a:effectRef idx="0">
+        <a:scrgbClr r="0" g="0" b="0"/>
+      </a:effectRef>
+      <a:fontRef idx="minor"/>
+    </dgm:style>
+  </dgm:styleLbl>
+  <dgm:styleLbl name="bgAcc1">
+    <dgm:scene3d>
+      <a:camera prst="orthographicFront"/>
+      <a:lightRig rig="threePt" dir="t"/>
+    </dgm:scene3d>
+    <dgm:sp3d/>
+    <dgm:txPr/>
+    <dgm:style>
+      <a:lnRef idx="2">
+        <a:scrgbClr r="0" g="0" b="0"/>
+      </a:lnRef>
+      <a:fillRef idx="1">
+        <a:scrgbClr r="0" g="0" b="0"/>
+      </a:fillRef>
+      <a:effectRef idx="0">
+        <a:scrgbClr r="0" g="0" b="0"/>
+      </a:effectRef>
+      <a:fontRef idx="minor"/>
+    </dgm:style>
+  </dgm:styleLbl>
+  <dgm:styleLbl name="solidFgAcc1">
+    <dgm:scene3d>
+      <a:camera prst="orthographicFront"/>
+      <a:lightRig rig="threePt" dir="t"/>
+    </dgm:scene3d>
+    <dgm:sp3d/>
+    <dgm:txPr/>
+    <dgm:style>
+      <a:lnRef idx="2">
+        <a:scrgbClr r="0" g="0" b="0"/>
+      </a:lnRef>
+      <a:fillRef idx="1">
+        <a:scrgbClr r="0" g="0" b="0"/>
+      </a:fillRef>
+      <a:effectRef idx="0">
+        <a:scrgbClr r="0" g="0" b="0"/>
+      </a:effectRef>
+      <a:fontRef idx="minor"/>
+    </dgm:style>
+  </dgm:styleLbl>
+  <dgm:styleLbl name="solidAlignAcc1">
+    <dgm:scene3d>
+      <a:camera prst="orthographicFront"/>
+      <a:lightRig rig="threePt" dir="t"/>
+    </dgm:scene3d>
+    <dgm:sp3d/>
+    <dgm:txPr/>
+    <dgm:style>
+      <a:lnRef idx="2">
+        <a:scrgbClr r="0" g="0" b="0"/>
+      </a:lnRef>
+      <a:fillRef idx="1">
+        <a:scrgbClr r="0" g="0" b="0"/>
+      </a:fillRef>
+      <a:effectRef idx="0">
+        <a:scrgbClr r="0" g="0" b="0"/>
+      </a:effectRef>
+      <a:fontRef idx="minor"/>
+    </dgm:style>
+  </dgm:styleLbl>
+  <dgm:styleLbl name="solidBgAcc1">
+    <dgm:scene3d>
+      <a:camera prst="orthographicFront"/>
+      <a:lightRig rig="threePt" dir="t"/>
+    </dgm:scene3d>
+    <dgm:sp3d/>
+    <dgm:txPr/>
+    <dgm:style>
+      <a:lnRef idx="2">
+        <a:scrgbClr r="0" g="0" b="0"/>
+      </a:lnRef>
+      <a:fillRef idx="1">
+        <a:scrgbClr r="0" g="0" b="0"/>
+      </a:fillRef>
+      <a:effectRef idx="0">
+        <a:scrgbClr r="0" g="0" b="0"/>
+      </a:effectRef>
+      <a:fontRef idx="minor"/>
+    </dgm:style>
+  </dgm:styleLbl>
+  <dgm:styleLbl name="fgAccFollowNode1">
+    <dgm:scene3d>
+      <a:camera prst="orthographicFront"/>
+      <a:lightRig rig="threePt" dir="t"/>
+    </dgm:scene3d>
+    <dgm:sp3d/>
+    <dgm:txPr/>
+    <dgm:style>
+      <a:lnRef idx="2">
+        <a:scrgbClr r="0" g="0" b="0"/>
+      </a:lnRef>
+      <a:fillRef idx="1">
+        <a:scrgbClr r="0" g="0" b="0"/>
+      </a:fillRef>
+      <a:effectRef idx="0">
+        <a:scrgbClr r="0" g="0" b="0"/>
+      </a:effectRef>
+      <a:fontRef idx="minor"/>
+    </dgm:style>
+  </dgm:styleLbl>
+  <dgm:styleLbl name="alignAccFollowNode1">
+    <dgm:scene3d>
+      <a:camera prst="orthographicFront"/>
+      <a:lightRig rig="threePt" dir="t"/>
+    </dgm:scene3d>
+    <dgm:sp3d/>
+    <dgm:txPr/>
+    <dgm:style>
+      <a:lnRef idx="2">
+        <a:scrgbClr r="0" g="0" b="0"/>
+      </a:lnRef>
+      <a:fillRef idx="1">
+        <a:scrgbClr r="0" g="0" b="0"/>
+      </a:fillRef>
+      <a:effectRef idx="0">
+        <a:scrgbClr r="0" g="0" b="0"/>
+      </a:effectRef>
+      <a:fontRef idx="minor"/>
+    </dgm:style>
+  </dgm:styleLbl>
+  <dgm:styleLbl name="bgAccFollowNode1">
+    <dgm:scene3d>
+      <a:camera prst="orthographicFront"/>
+      <a:lightRig rig="threePt" dir="t"/>
+    </dgm:scene3d>
+    <dgm:sp3d/>
+    <dgm:txPr/>
+    <dgm:style>
+      <a:lnRef idx="2">
+        <a:scrgbClr r="0" g="0" b="0"/>
+      </a:lnRef>
+      <a:fillRef idx="1">
+        <a:scrgbClr r="0" g="0" b="0"/>
+      </a:fillRef>
+      <a:effectRef idx="0">
+        <a:scrgbClr r="0" g="0" b="0"/>
+      </a:effectRef>
+      <a:fontRef idx="minor"/>
+    </dgm:style>
+  </dgm:styleLbl>
+  <dgm:styleLbl name="fgAcc0">
+    <dgm:scene3d>
+      <a:camera prst="orthographicFront"/>
+      <a:lightRig rig="threePt" dir="t"/>
+    </dgm:scene3d>
+    <dgm:sp3d/>
+    <dgm:txPr/>
+    <dgm:style>
+      <a:lnRef idx="2">
+        <a:scrgbClr r="0" g="0" b="0"/>
+      </a:lnRef>
+      <a:fillRef idx="1">
+        <a:scrgbClr r="0" g="0" b="0"/>
+      </a:fillRef>
+      <a:effectRef idx="0">
+        <a:scrgbClr r="0" g="0" b="0"/>
+      </a:effectRef>
+      <a:fontRef idx="minor"/>
+    </dgm:style>
+  </dgm:styleLbl>
+  <dgm:styleLbl name="fgAcc2">
+    <dgm:scene3d>
+      <a:camera prst="orthographicFront"/>
+      <a:lightRig rig="threePt" dir="t"/>
+    </dgm:scene3d>
+    <dgm:sp3d/>
+    <dgm:txPr/>
+    <dgm:style>
+      <a:lnRef idx="2">
+        <a:scrgbClr r="0" g="0" b="0"/>
+      </a:lnRef>
+      <a:fillRef idx="1">
+        <a:scrgbClr r="0" g="0" b="0"/>
+      </a:fillRef>
+      <a:effectRef idx="0">
+        <a:scrgbClr r="0" g="0" b="0"/>
+      </a:effectRef>
+      <a:fontRef idx="minor"/>
+    </dgm:style>
+  </dgm:styleLbl>
+  <dgm:styleLbl name="fgAcc3">
+    <dgm:scene3d>
+      <a:camera prst="orthographicFront"/>
+      <a:lightRig rig="threePt" dir="t"/>
+    </dgm:scene3d>
+    <dgm:sp3d/>
+    <dgm:txPr/>
+    <dgm:style>
+      <a:lnRef idx="2">
+        <a:scrgbClr r="0" g="0" b="0"/>
+      </a:lnRef>
+      <a:fillRef idx="1">
+        <a:scrgbClr r="0" g="0" b="0"/>
+      </a:fillRef>
+      <a:effectRef idx="0">
+        <a:scrgbClr r="0" g="0" b="0"/>
+      </a:effectRef>
+      <a:fontRef idx="minor"/>
+    </dgm:style>
+  </dgm:styleLbl>
+  <dgm:styleLbl name="fgAcc4">
+    <dgm:scene3d>
+      <a:camera prst="orthographicFront"/>
+      <a:lightRig rig="threePt" dir="t"/>
+    </dgm:scene3d>
+    <dgm:sp3d/>
+    <dgm:txPr/>
+    <dgm:style>
+      <a:lnRef idx="2">
+        <a:scrgbClr r="0" g="0" b="0"/>
+      </a:lnRef>
+      <a:fillRef idx="1">
+        <a:scrgbClr r="0" g="0" b="0"/>
+      </a:fillRef>
+      <a:effectRef idx="0">
+        <a:scrgbClr r="0" g="0" b="0"/>
+      </a:effectRef>
+      <a:fontRef idx="minor"/>
+    </dgm:style>
+  </dgm:styleLbl>
+  <dgm:styleLbl name="bgShp">
+    <dgm:scene3d>
+      <a:camera prst="orthographicFront"/>
+      <a:lightRig rig="threePt" dir="t"/>
+    </dgm:scene3d>
+    <dgm:sp3d/>
+    <dgm:txPr/>
+    <dgm:style>
+      <a:lnRef idx="0">
+        <a:scrgbClr r="0" g="0" b="0"/>
+      </a:lnRef>
+      <a:fillRef idx="1">
+        <a:scrgbClr r="0" g="0" b="0"/>
+      </a:fillRef>
+      <a:effectRef idx="0">
+        <a:scrgbClr r="0" g="0" b="0"/>
+      </a:effectRef>
+      <a:fontRef idx="minor"/>
+    </dgm:style>
+  </dgm:styleLbl>
+  <dgm:styleLbl name="dkBgShp">
+    <dgm:scene3d>
+      <a:camera prst="orthographicFront"/>
+      <a:lightRig rig="threePt" dir="t"/>
+    </dgm:scene3d>
+    <dgm:sp3d/>
+    <dgm:txPr/>
+    <dgm:style>
+      <a:lnRef idx="0">
+        <a:scrgbClr r="0" g="0" b="0"/>
+      </a:lnRef>
+      <a:fillRef idx="1">
+        <a:scrgbClr r="0" g="0" b="0"/>
+      </a:fillRef>
+      <a:effectRef idx="0">
+        <a:scrgbClr r="0" g="0" b="0"/>
+      </a:effectRef>
+      <a:fontRef idx="minor"/>
+    </dgm:style>
+  </dgm:styleLbl>
+  <dgm:styleLbl name="trBgShp">
+    <dgm:scene3d>
+      <a:camera prst="orthographicFront"/>
+      <a:lightRig rig="threePt" dir="t"/>
+    </dgm:scene3d>
+    <dgm:sp3d/>
+    <dgm:txPr/>
+    <dgm:style>
+      <a:lnRef idx="0">
+        <a:scrgbClr r="0" g="0" b="0"/>
+      </a:lnRef>
+      <a:fillRef idx="1">
+        <a:scrgbClr r="0" g="0" b="0"/>
+      </a:fillRef>
+      <a:effectRef idx="0">
+        <a:scrgbClr r="0" g="0" b="0"/>
+      </a:effectRef>
+      <a:fontRef idx="minor"/>
+    </dgm:style>
+  </dgm:styleLbl>
+  <dgm:styleLbl name="fgShp">
+    <dgm:scene3d>
+      <a:camera prst="orthographicFront"/>
+      <a:lightRig rig="threePt" dir="t"/>
+    </dgm:scene3d>
+    <dgm:sp3d/>
+    <dgm:txPr/>
+    <dgm:style>
+      <a:lnRef idx="2">
+        <a:scrgbClr r="0" g="0" b="0"/>
+      </a:lnRef>
+      <a:fillRef idx="1">
+        <a:scrgbClr r="0" g="0" b="0"/>
+      </a:fillRef>
+      <a:effectRef idx="0">
+        <a:scrgbClr r="0" g="0" b="0"/>
+      </a:effectRef>
+      <a:fontRef idx="minor"/>
+    </dgm:style>
+  </dgm:styleLbl>
+  <dgm:styleLbl name="revTx">
+    <dgm:scene3d>
+      <a:camera prst="orthographicFront"/>
+      <a:lightRig rig="threePt" dir="t"/>
+    </dgm:scene3d>
+    <dgm:sp3d/>
+    <dgm:txPr/>
+    <dgm:style>
+      <a:lnRef idx="0">
+        <a:scrgbClr r="0" g="0" b="0"/>
+      </a:lnRef>
+      <a:fillRef idx="0">
+        <a:scrgbClr r="0" g="0" b="0"/>
+      </a:fillRef>
+      <a:effectRef idx="0">
+        <a:scrgbClr r="0" g="0" b="0"/>
+      </a:effectRef>
+      <a:fontRef idx="minor"/>
+    </dgm:style>
+  </dgm:styleLbl>
+</dgm:styleDef>
 </file>
 
 <file path=ppt/slideLayouts/slideLayout1.xml><?xml version="1.0" encoding="utf-8"?>
@@ -4033,6 +7132,4745 @@
     <p:extLst>
       <p:ext uri="{BB962C8B-B14F-4D97-AF65-F5344CB8AC3E}">
         <p14:creationId xmlns:p14="http://schemas.microsoft.com/office/powerpoint/2010/main" val="1916107566"/>
+      </p:ext>
+    </p:extLst>
+  </p:cSld>
+  <p:clrMapOvr>
+    <a:masterClrMapping/>
+  </p:clrMapOvr>
+</p:sld>
+</file>
+
+<file path=ppt/slides/slide10.xml><?xml version="1.0" encoding="utf-8"?>
+<p:sld xmlns:a="http://schemas.openxmlformats.org/drawingml/2006/main" xmlns:r="http://schemas.openxmlformats.org/officeDocument/2006/relationships" xmlns:p="http://schemas.openxmlformats.org/presentationml/2006/main">
+  <p:cSld>
+    <p:spTree>
+      <p:nvGrpSpPr>
+        <p:cNvPr id="1" name=""/>
+        <p:cNvGrpSpPr/>
+        <p:nvPr/>
+      </p:nvGrpSpPr>
+      <p:grpSpPr>
+        <a:xfrm>
+          <a:off x="0" y="0"/>
+          <a:ext cx="0" cy="0"/>
+          <a:chOff x="0" y="0"/>
+          <a:chExt cx="0" cy="0"/>
+        </a:xfrm>
+      </p:grpSpPr>
+      <p:grpSp>
+        <p:nvGrpSpPr>
+          <p:cNvPr id="33" name="グループ化 32">
+            <a:extLst>
+              <a:ext uri="{FF2B5EF4-FFF2-40B4-BE49-F238E27FC236}">
+                <a16:creationId xmlns:a16="http://schemas.microsoft.com/office/drawing/2014/main" id="{9506BD21-254F-13F0-14DD-39DD6E19BA83}"/>
+              </a:ext>
+            </a:extLst>
+          </p:cNvPr>
+          <p:cNvGrpSpPr/>
+          <p:nvPr/>
+        </p:nvGrpSpPr>
+        <p:grpSpPr>
+          <a:xfrm>
+            <a:off x="3053189" y="4331525"/>
+            <a:ext cx="4109612" cy="1090435"/>
+            <a:chOff x="1099099" y="4698006"/>
+            <a:chExt cx="7220589" cy="2039545"/>
+          </a:xfrm>
+        </p:grpSpPr>
+        <p:sp>
+          <p:nvSpPr>
+            <p:cNvPr id="34" name="四角形: 角を丸くする 33">
+              <a:extLst>
+                <a:ext uri="{FF2B5EF4-FFF2-40B4-BE49-F238E27FC236}">
+                  <a16:creationId xmlns:a16="http://schemas.microsoft.com/office/drawing/2014/main" id="{2FD590F4-96AE-F16A-AF7F-639D981402BC}"/>
+                </a:ext>
+              </a:extLst>
+            </p:cNvPr>
+            <p:cNvSpPr/>
+            <p:nvPr/>
+          </p:nvSpPr>
+          <p:spPr>
+            <a:xfrm>
+              <a:off x="2889086" y="4698006"/>
+              <a:ext cx="5430602" cy="2000951"/>
+            </a:xfrm>
+            <a:prstGeom prst="roundRect">
+              <a:avLst/>
+            </a:prstGeom>
+            <a:noFill/>
+            <a:ln w="28575" cap="flat" cmpd="sng" algn="ctr">
+              <a:solidFill>
+                <a:srgbClr val="0078D4">
+                  <a:shade val="50000"/>
+                </a:srgbClr>
+              </a:solidFill>
+              <a:prstDash val="solid"/>
+            </a:ln>
+            <a:effectLst/>
+          </p:spPr>
+          <p:txBody>
+            <a:bodyPr rtlCol="0" anchor="ctr"/>
+            <a:lstStyle/>
+            <a:p>
+              <a:pPr marL="0" marR="0" lvl="0" indent="0" algn="ctr" defTabSz="914400" eaLnBrk="1" fontAlgn="auto" latinLnBrk="0" hangingPunct="1">
+                <a:lnSpc>
+                  <a:spcPct val="100000"/>
+                </a:lnSpc>
+                <a:spcBef>
+                  <a:spcPts val="0"/>
+                </a:spcBef>
+                <a:spcAft>
+                  <a:spcPts val="0"/>
+                </a:spcAft>
+                <a:buClrTx/>
+                <a:buSzTx/>
+                <a:buFontTx/>
+                <a:buNone/>
+                <a:tabLst/>
+                <a:defRPr/>
+              </a:pPr>
+              <a:endParaRPr kumimoji="0" lang="en-US" altLang="ja-JP" sz="900" b="0" i="0" u="none" strike="noStrike" kern="0" cap="none" spc="0" normalizeH="0" baseline="0" noProof="0">
+                <a:ln>
+                  <a:noFill/>
+                </a:ln>
+                <a:solidFill>
+                  <a:srgbClr val="FFFFFF"/>
+                </a:solidFill>
+                <a:effectLst/>
+                <a:uLnTx/>
+                <a:uFillTx/>
+                <a:latin typeface="Segoe UI"/>
+                <a:ea typeface="+mn-ea"/>
+                <a:cs typeface="+mn-cs"/>
+              </a:endParaRPr>
+            </a:p>
+          </p:txBody>
+        </p:sp>
+        <p:grpSp>
+          <p:nvGrpSpPr>
+            <p:cNvPr id="35" name="グループ化 34">
+              <a:extLst>
+                <a:ext uri="{FF2B5EF4-FFF2-40B4-BE49-F238E27FC236}">
+                  <a16:creationId xmlns:a16="http://schemas.microsoft.com/office/drawing/2014/main" id="{F624C4A0-C039-4ECA-B076-FE9AD01B0142}"/>
+                </a:ext>
+              </a:extLst>
+            </p:cNvPr>
+            <p:cNvGrpSpPr/>
+            <p:nvPr/>
+          </p:nvGrpSpPr>
+          <p:grpSpPr>
+            <a:xfrm>
+              <a:off x="4986247" y="5031738"/>
+              <a:ext cx="1081946" cy="965116"/>
+              <a:chOff x="4094163" y="233363"/>
+              <a:chExt cx="676275" cy="603250"/>
+            </a:xfrm>
+          </p:grpSpPr>
+          <p:sp>
+            <p:nvSpPr>
+              <p:cNvPr id="62" name="Freeform 64">
+                <a:extLst>
+                  <a:ext uri="{FF2B5EF4-FFF2-40B4-BE49-F238E27FC236}">
+                    <a16:creationId xmlns:a16="http://schemas.microsoft.com/office/drawing/2014/main" id="{C2F02B55-63B7-0740-CB9F-7C25642B99C6}"/>
+                  </a:ext>
+                </a:extLst>
+              </p:cNvPr>
+              <p:cNvSpPr>
+                <a:spLocks/>
+              </p:cNvSpPr>
+              <p:nvPr/>
+            </p:nvSpPr>
+            <p:spPr bwMode="auto">
+              <a:xfrm>
+                <a:off x="4094163" y="233363"/>
+                <a:ext cx="676275" cy="603250"/>
+              </a:xfrm>
+              <a:custGeom>
+                <a:avLst/>
+                <a:gdLst>
+                  <a:gd name="T0" fmla="*/ 173 w 225"/>
+                  <a:gd name="T1" fmla="*/ 180 h 200"/>
+                  <a:gd name="T2" fmla="*/ 113 w 225"/>
+                  <a:gd name="T3" fmla="*/ 200 h 200"/>
+                  <a:gd name="T4" fmla="*/ 33 w 225"/>
+                  <a:gd name="T5" fmla="*/ 161 h 200"/>
+                  <a:gd name="T6" fmla="*/ 52 w 225"/>
+                  <a:gd name="T7" fmla="*/ 21 h 200"/>
+                  <a:gd name="T8" fmla="*/ 112 w 225"/>
+                  <a:gd name="T9" fmla="*/ 0 h 200"/>
+                  <a:gd name="T10" fmla="*/ 192 w 225"/>
+                  <a:gd name="T11" fmla="*/ 40 h 200"/>
+                  <a:gd name="T12" fmla="*/ 173 w 225"/>
+                  <a:gd name="T13" fmla="*/ 180 h 200"/>
+                </a:gdLst>
+                <a:ahLst/>
+                <a:cxnLst>
+                  <a:cxn ang="0">
+                    <a:pos x="T0" y="T1"/>
+                  </a:cxn>
+                  <a:cxn ang="0">
+                    <a:pos x="T2" y="T3"/>
+                  </a:cxn>
+                  <a:cxn ang="0">
+                    <a:pos x="T4" y="T5"/>
+                  </a:cxn>
+                  <a:cxn ang="0">
+                    <a:pos x="T6" y="T7"/>
+                  </a:cxn>
+                  <a:cxn ang="0">
+                    <a:pos x="T8" y="T9"/>
+                  </a:cxn>
+                  <a:cxn ang="0">
+                    <a:pos x="T10" y="T11"/>
+                  </a:cxn>
+                  <a:cxn ang="0">
+                    <a:pos x="T12" y="T13"/>
+                  </a:cxn>
+                </a:cxnLst>
+                <a:rect l="0" t="0" r="r" b="b"/>
+                <a:pathLst>
+                  <a:path w="225" h="200">
+                    <a:moveTo>
+                      <a:pt x="173" y="180"/>
+                    </a:moveTo>
+                    <a:cubicBezTo>
+                      <a:pt x="155" y="194"/>
+                      <a:pt x="134" y="200"/>
+                      <a:pt x="113" y="200"/>
+                    </a:cubicBezTo>
+                    <a:cubicBezTo>
+                      <a:pt x="83" y="200"/>
+                      <a:pt x="53" y="187"/>
+                      <a:pt x="33" y="161"/>
+                    </a:cubicBezTo>
+                    <a:cubicBezTo>
+                      <a:pt x="0" y="117"/>
+                      <a:pt x="8" y="55"/>
+                      <a:pt x="52" y="21"/>
+                    </a:cubicBezTo>
+                    <a:cubicBezTo>
+                      <a:pt x="70" y="7"/>
+                      <a:pt x="91" y="0"/>
+                      <a:pt x="112" y="0"/>
+                    </a:cubicBezTo>
+                    <a:cubicBezTo>
+                      <a:pt x="142" y="0"/>
+                      <a:pt x="172" y="14"/>
+                      <a:pt x="192" y="40"/>
+                    </a:cubicBezTo>
+                    <a:cubicBezTo>
+                      <a:pt x="225" y="83"/>
+                      <a:pt x="217" y="146"/>
+                      <a:pt x="173" y="180"/>
+                    </a:cubicBezTo>
+                  </a:path>
+                </a:pathLst>
+              </a:custGeom>
+              <a:solidFill>
+                <a:srgbClr val="59B4D9"/>
+              </a:solidFill>
+              <a:ln>
+                <a:noFill/>
+              </a:ln>
+              <a:extLst>
+                <a:ext uri="{91240B29-F687-4F45-9708-019B960494DF}">
+                  <a14:hiddenLine xmlns:a14="http://schemas.microsoft.com/office/drawing/2010/main" w="9525">
+                    <a:solidFill>
+                      <a:srgbClr val="000000"/>
+                    </a:solidFill>
+                    <a:round/>
+                    <a:headEnd/>
+                    <a:tailEnd/>
+                  </a14:hiddenLine>
+                </a:ext>
+              </a:extLst>
+            </p:spPr>
+            <p:txBody>
+              <a:bodyPr vert="horz" wrap="square" lIns="91440" tIns="45720" rIns="91440" bIns="45720" numCol="1" anchor="t" anchorCtr="0" compatLnSpc="1">
+                <a:prstTxWarp prst="textNoShape">
+                  <a:avLst/>
+                </a:prstTxWarp>
+              </a:bodyPr>
+              <a:lstStyle/>
+              <a:p>
+                <a:pPr marL="0" marR="0" lvl="0" indent="0" defTabSz="914400" eaLnBrk="1" fontAlgn="auto" latinLnBrk="0" hangingPunct="1">
+                  <a:lnSpc>
+                    <a:spcPct val="100000"/>
+                  </a:lnSpc>
+                  <a:spcBef>
+                    <a:spcPts val="0"/>
+                  </a:spcBef>
+                  <a:spcAft>
+                    <a:spcPts val="0"/>
+                  </a:spcAft>
+                  <a:buClrTx/>
+                  <a:buSzTx/>
+                  <a:buFontTx/>
+                  <a:buNone/>
+                  <a:tabLst/>
+                  <a:defRPr/>
+                </a:pPr>
+                <a:endParaRPr kumimoji="0" lang="en-US" altLang="ja-JP" sz="900" b="0" i="0" u="none" strike="noStrike" kern="0" cap="none" spc="0" normalizeH="0" baseline="0" noProof="0">
+                  <a:ln>
+                    <a:noFill/>
+                  </a:ln>
+                  <a:solidFill>
+                    <a:srgbClr val="1A1A1A"/>
+                  </a:solidFill>
+                  <a:effectLst/>
+                  <a:uLnTx/>
+                  <a:uFillTx/>
+                </a:endParaRPr>
+              </a:p>
+            </p:txBody>
+          </p:sp>
+          <p:sp>
+            <p:nvSpPr>
+              <p:cNvPr id="63" name="Freeform 65">
+                <a:extLst>
+                  <a:ext uri="{FF2B5EF4-FFF2-40B4-BE49-F238E27FC236}">
+                    <a16:creationId xmlns:a16="http://schemas.microsoft.com/office/drawing/2014/main" id="{F31EBCCC-1E9C-E36B-E2B8-B458423A0DF4}"/>
+                  </a:ext>
+                </a:extLst>
+              </p:cNvPr>
+              <p:cNvSpPr>
+                <a:spLocks/>
+              </p:cNvSpPr>
+              <p:nvPr/>
+            </p:nvSpPr>
+            <p:spPr bwMode="auto">
+              <a:xfrm>
+                <a:off x="4171950" y="247650"/>
+                <a:ext cx="549275" cy="528638"/>
+              </a:xfrm>
+              <a:custGeom>
+                <a:avLst/>
+                <a:gdLst>
+                  <a:gd name="T0" fmla="*/ 129 w 183"/>
+                  <a:gd name="T1" fmla="*/ 113 h 175"/>
+                  <a:gd name="T2" fmla="*/ 159 w 183"/>
+                  <a:gd name="T3" fmla="*/ 117 h 175"/>
+                  <a:gd name="T4" fmla="*/ 160 w 183"/>
+                  <a:gd name="T5" fmla="*/ 116 h 175"/>
+                  <a:gd name="T6" fmla="*/ 180 w 183"/>
+                  <a:gd name="T7" fmla="*/ 129 h 175"/>
+                  <a:gd name="T8" fmla="*/ 183 w 183"/>
+                  <a:gd name="T9" fmla="*/ 121 h 175"/>
+                  <a:gd name="T10" fmla="*/ 166 w 183"/>
+                  <a:gd name="T11" fmla="*/ 108 h 175"/>
+                  <a:gd name="T12" fmla="*/ 163 w 183"/>
+                  <a:gd name="T13" fmla="*/ 87 h 175"/>
+                  <a:gd name="T14" fmla="*/ 135 w 183"/>
+                  <a:gd name="T15" fmla="*/ 81 h 175"/>
+                  <a:gd name="T16" fmla="*/ 102 w 183"/>
+                  <a:gd name="T17" fmla="*/ 50 h 175"/>
+                  <a:gd name="T18" fmla="*/ 165 w 183"/>
+                  <a:gd name="T19" fmla="*/ 33 h 175"/>
+                  <a:gd name="T20" fmla="*/ 150 w 183"/>
+                  <a:gd name="T21" fmla="*/ 18 h 175"/>
+                  <a:gd name="T22" fmla="*/ 84 w 183"/>
+                  <a:gd name="T23" fmla="*/ 31 h 175"/>
+                  <a:gd name="T24" fmla="*/ 84 w 183"/>
+                  <a:gd name="T25" fmla="*/ 31 h 175"/>
+                  <a:gd name="T26" fmla="*/ 84 w 183"/>
+                  <a:gd name="T27" fmla="*/ 31 h 175"/>
+                  <a:gd name="T28" fmla="*/ 56 w 183"/>
+                  <a:gd name="T29" fmla="*/ 0 h 175"/>
+                  <a:gd name="T30" fmla="*/ 42 w 183"/>
+                  <a:gd name="T31" fmla="*/ 5 h 175"/>
+                  <a:gd name="T32" fmla="*/ 69 w 183"/>
+                  <a:gd name="T33" fmla="*/ 40 h 175"/>
+                  <a:gd name="T34" fmla="*/ 69 w 183"/>
+                  <a:gd name="T35" fmla="*/ 40 h 175"/>
+                  <a:gd name="T36" fmla="*/ 42 w 183"/>
+                  <a:gd name="T37" fmla="*/ 64 h 175"/>
+                  <a:gd name="T38" fmla="*/ 38 w 183"/>
+                  <a:gd name="T39" fmla="*/ 67 h 175"/>
+                  <a:gd name="T40" fmla="*/ 22 w 183"/>
+                  <a:gd name="T41" fmla="*/ 69 h 175"/>
+                  <a:gd name="T42" fmla="*/ 15 w 183"/>
+                  <a:gd name="T43" fmla="*/ 25 h 175"/>
+                  <a:gd name="T44" fmla="*/ 4 w 183"/>
+                  <a:gd name="T45" fmla="*/ 38 h 175"/>
+                  <a:gd name="T46" fmla="*/ 8 w 183"/>
+                  <a:gd name="T47" fmla="*/ 79 h 175"/>
+                  <a:gd name="T48" fmla="*/ 8 w 183"/>
+                  <a:gd name="T49" fmla="*/ 115 h 175"/>
+                  <a:gd name="T50" fmla="*/ 10 w 183"/>
+                  <a:gd name="T51" fmla="*/ 118 h 175"/>
+                  <a:gd name="T52" fmla="*/ 4 w 183"/>
+                  <a:gd name="T53" fmla="*/ 153 h 175"/>
+                  <a:gd name="T54" fmla="*/ 6 w 183"/>
+                  <a:gd name="T55" fmla="*/ 157 h 175"/>
+                  <a:gd name="T56" fmla="*/ 23 w 183"/>
+                  <a:gd name="T57" fmla="*/ 173 h 175"/>
+                  <a:gd name="T58" fmla="*/ 30 w 183"/>
+                  <a:gd name="T59" fmla="*/ 127 h 175"/>
+                  <a:gd name="T60" fmla="*/ 44 w 183"/>
+                  <a:gd name="T61" fmla="*/ 125 h 175"/>
+                  <a:gd name="T62" fmla="*/ 52 w 183"/>
+                  <a:gd name="T63" fmla="*/ 132 h 175"/>
+                  <a:gd name="T64" fmla="*/ 81 w 183"/>
+                  <a:gd name="T65" fmla="*/ 150 h 175"/>
+                  <a:gd name="T66" fmla="*/ 85 w 183"/>
+                  <a:gd name="T67" fmla="*/ 164 h 175"/>
+                  <a:gd name="T68" fmla="*/ 113 w 183"/>
+                  <a:gd name="T69" fmla="*/ 168 h 175"/>
+                  <a:gd name="T70" fmla="*/ 117 w 183"/>
+                  <a:gd name="T71" fmla="*/ 163 h 175"/>
+                  <a:gd name="T72" fmla="*/ 156 w 183"/>
+                  <a:gd name="T73" fmla="*/ 167 h 175"/>
+                  <a:gd name="T74" fmla="*/ 169 w 183"/>
+                  <a:gd name="T75" fmla="*/ 151 h 175"/>
+                  <a:gd name="T76" fmla="*/ 120 w 183"/>
+                  <a:gd name="T77" fmla="*/ 148 h 175"/>
+                  <a:gd name="T78" fmla="*/ 116 w 183"/>
+                  <a:gd name="T79" fmla="*/ 140 h 175"/>
+                  <a:gd name="T80" fmla="*/ 90 w 183"/>
+                  <a:gd name="T81" fmla="*/ 136 h 175"/>
+                  <a:gd name="T82" fmla="*/ 63 w 183"/>
+                  <a:gd name="T83" fmla="*/ 118 h 175"/>
+                  <a:gd name="T84" fmla="*/ 58 w 183"/>
+                  <a:gd name="T85" fmla="*/ 113 h 175"/>
+                  <a:gd name="T86" fmla="*/ 59 w 183"/>
+                  <a:gd name="T87" fmla="*/ 83 h 175"/>
+                  <a:gd name="T88" fmla="*/ 62 w 183"/>
+                  <a:gd name="T89" fmla="*/ 80 h 175"/>
+                  <a:gd name="T90" fmla="*/ 88 w 183"/>
+                  <a:gd name="T91" fmla="*/ 58 h 175"/>
+                  <a:gd name="T92" fmla="*/ 87 w 183"/>
+                  <a:gd name="T93" fmla="*/ 58 h 175"/>
+                  <a:gd name="T94" fmla="*/ 88 w 183"/>
+                  <a:gd name="T95" fmla="*/ 58 h 175"/>
+                  <a:gd name="T96" fmla="*/ 88 w 183"/>
+                  <a:gd name="T97" fmla="*/ 58 h 175"/>
+                  <a:gd name="T98" fmla="*/ 127 w 183"/>
+                  <a:gd name="T99" fmla="*/ 91 h 175"/>
+                  <a:gd name="T100" fmla="*/ 129 w 183"/>
+                  <a:gd name="T101" fmla="*/ 113 h 175"/>
+                </a:gdLst>
+                <a:ahLst/>
+                <a:cxnLst>
+                  <a:cxn ang="0">
+                    <a:pos x="T0" y="T1"/>
+                  </a:cxn>
+                  <a:cxn ang="0">
+                    <a:pos x="T2" y="T3"/>
+                  </a:cxn>
+                  <a:cxn ang="0">
+                    <a:pos x="T4" y="T5"/>
+                  </a:cxn>
+                  <a:cxn ang="0">
+                    <a:pos x="T6" y="T7"/>
+                  </a:cxn>
+                  <a:cxn ang="0">
+                    <a:pos x="T8" y="T9"/>
+                  </a:cxn>
+                  <a:cxn ang="0">
+                    <a:pos x="T10" y="T11"/>
+                  </a:cxn>
+                  <a:cxn ang="0">
+                    <a:pos x="T12" y="T13"/>
+                  </a:cxn>
+                  <a:cxn ang="0">
+                    <a:pos x="T14" y="T15"/>
+                  </a:cxn>
+                  <a:cxn ang="0">
+                    <a:pos x="T16" y="T17"/>
+                  </a:cxn>
+                  <a:cxn ang="0">
+                    <a:pos x="T18" y="T19"/>
+                  </a:cxn>
+                  <a:cxn ang="0">
+                    <a:pos x="T20" y="T21"/>
+                  </a:cxn>
+                  <a:cxn ang="0">
+                    <a:pos x="T22" y="T23"/>
+                  </a:cxn>
+                  <a:cxn ang="0">
+                    <a:pos x="T24" y="T25"/>
+                  </a:cxn>
+                  <a:cxn ang="0">
+                    <a:pos x="T26" y="T27"/>
+                  </a:cxn>
+                  <a:cxn ang="0">
+                    <a:pos x="T28" y="T29"/>
+                  </a:cxn>
+                  <a:cxn ang="0">
+                    <a:pos x="T30" y="T31"/>
+                  </a:cxn>
+                  <a:cxn ang="0">
+                    <a:pos x="T32" y="T33"/>
+                  </a:cxn>
+                  <a:cxn ang="0">
+                    <a:pos x="T34" y="T35"/>
+                  </a:cxn>
+                  <a:cxn ang="0">
+                    <a:pos x="T36" y="T37"/>
+                  </a:cxn>
+                  <a:cxn ang="0">
+                    <a:pos x="T38" y="T39"/>
+                  </a:cxn>
+                  <a:cxn ang="0">
+                    <a:pos x="T40" y="T41"/>
+                  </a:cxn>
+                  <a:cxn ang="0">
+                    <a:pos x="T42" y="T43"/>
+                  </a:cxn>
+                  <a:cxn ang="0">
+                    <a:pos x="T44" y="T45"/>
+                  </a:cxn>
+                  <a:cxn ang="0">
+                    <a:pos x="T46" y="T47"/>
+                  </a:cxn>
+                  <a:cxn ang="0">
+                    <a:pos x="T48" y="T49"/>
+                  </a:cxn>
+                  <a:cxn ang="0">
+                    <a:pos x="T50" y="T51"/>
+                  </a:cxn>
+                  <a:cxn ang="0">
+                    <a:pos x="T52" y="T53"/>
+                  </a:cxn>
+                  <a:cxn ang="0">
+                    <a:pos x="T54" y="T55"/>
+                  </a:cxn>
+                  <a:cxn ang="0">
+                    <a:pos x="T56" y="T57"/>
+                  </a:cxn>
+                  <a:cxn ang="0">
+                    <a:pos x="T58" y="T59"/>
+                  </a:cxn>
+                  <a:cxn ang="0">
+                    <a:pos x="T60" y="T61"/>
+                  </a:cxn>
+                  <a:cxn ang="0">
+                    <a:pos x="T62" y="T63"/>
+                  </a:cxn>
+                  <a:cxn ang="0">
+                    <a:pos x="T64" y="T65"/>
+                  </a:cxn>
+                  <a:cxn ang="0">
+                    <a:pos x="T66" y="T67"/>
+                  </a:cxn>
+                  <a:cxn ang="0">
+                    <a:pos x="T68" y="T69"/>
+                  </a:cxn>
+                  <a:cxn ang="0">
+                    <a:pos x="T70" y="T71"/>
+                  </a:cxn>
+                  <a:cxn ang="0">
+                    <a:pos x="T72" y="T73"/>
+                  </a:cxn>
+                  <a:cxn ang="0">
+                    <a:pos x="T74" y="T75"/>
+                  </a:cxn>
+                  <a:cxn ang="0">
+                    <a:pos x="T76" y="T77"/>
+                  </a:cxn>
+                  <a:cxn ang="0">
+                    <a:pos x="T78" y="T79"/>
+                  </a:cxn>
+                  <a:cxn ang="0">
+                    <a:pos x="T80" y="T81"/>
+                  </a:cxn>
+                  <a:cxn ang="0">
+                    <a:pos x="T82" y="T83"/>
+                  </a:cxn>
+                  <a:cxn ang="0">
+                    <a:pos x="T84" y="T85"/>
+                  </a:cxn>
+                  <a:cxn ang="0">
+                    <a:pos x="T86" y="T87"/>
+                  </a:cxn>
+                  <a:cxn ang="0">
+                    <a:pos x="T88" y="T89"/>
+                  </a:cxn>
+                  <a:cxn ang="0">
+                    <a:pos x="T90" y="T91"/>
+                  </a:cxn>
+                  <a:cxn ang="0">
+                    <a:pos x="T92" y="T93"/>
+                  </a:cxn>
+                  <a:cxn ang="0">
+                    <a:pos x="T94" y="T95"/>
+                  </a:cxn>
+                  <a:cxn ang="0">
+                    <a:pos x="T96" y="T97"/>
+                  </a:cxn>
+                  <a:cxn ang="0">
+                    <a:pos x="T98" y="T99"/>
+                  </a:cxn>
+                  <a:cxn ang="0">
+                    <a:pos x="T100" y="T101"/>
+                  </a:cxn>
+                </a:cxnLst>
+                <a:rect l="0" t="0" r="r" b="b"/>
+                <a:pathLst>
+                  <a:path w="183" h="175">
+                    <a:moveTo>
+                      <a:pt x="129" y="113"/>
+                    </a:moveTo>
+                    <a:cubicBezTo>
+                      <a:pt x="136" y="122"/>
+                      <a:pt x="150" y="124"/>
+                      <a:pt x="159" y="117"/>
+                    </a:cubicBezTo>
+                    <a:cubicBezTo>
+                      <a:pt x="160" y="117"/>
+                      <a:pt x="160" y="116"/>
+                      <a:pt x="160" y="116"/>
+                    </a:cubicBezTo>
+                    <a:cubicBezTo>
+                      <a:pt x="170" y="122"/>
+                      <a:pt x="177" y="127"/>
+                      <a:pt x="180" y="129"/>
+                    </a:cubicBezTo>
+                    <a:cubicBezTo>
+                      <a:pt x="182" y="127"/>
+                      <a:pt x="182" y="124"/>
+                      <a:pt x="183" y="121"/>
+                    </a:cubicBezTo>
+                    <a:cubicBezTo>
+                      <a:pt x="179" y="118"/>
+                      <a:pt x="174" y="114"/>
+                      <a:pt x="166" y="108"/>
+                    </a:cubicBezTo>
+                    <a:cubicBezTo>
+                      <a:pt x="169" y="101"/>
+                      <a:pt x="168" y="93"/>
+                      <a:pt x="163" y="87"/>
+                    </a:cubicBezTo>
+                    <a:cubicBezTo>
+                      <a:pt x="156" y="78"/>
+                      <a:pt x="145" y="76"/>
+                      <a:pt x="135" y="81"/>
+                    </a:cubicBezTo>
+                    <a:cubicBezTo>
+                      <a:pt x="125" y="72"/>
+                      <a:pt x="114" y="62"/>
+                      <a:pt x="102" y="50"/>
+                    </a:cubicBezTo>
+                    <a:cubicBezTo>
+                      <a:pt x="139" y="30"/>
+                      <a:pt x="165" y="33"/>
+                      <a:pt x="165" y="33"/>
+                    </a:cubicBezTo>
+                    <a:cubicBezTo>
+                      <a:pt x="161" y="28"/>
+                      <a:pt x="156" y="23"/>
+                      <a:pt x="150" y="18"/>
+                    </a:cubicBezTo>
+                    <a:cubicBezTo>
+                      <a:pt x="135" y="16"/>
+                      <a:pt x="111" y="16"/>
+                      <a:pt x="84" y="31"/>
+                    </a:cubicBezTo>
+                    <a:cubicBezTo>
+                      <a:pt x="84" y="31"/>
+                      <a:pt x="84" y="31"/>
+                      <a:pt x="84" y="31"/>
+                    </a:cubicBezTo>
+                    <a:cubicBezTo>
+                      <a:pt x="84" y="31"/>
+                      <a:pt x="84" y="31"/>
+                      <a:pt x="84" y="31"/>
+                    </a:cubicBezTo>
+                    <a:cubicBezTo>
+                      <a:pt x="74" y="21"/>
+                      <a:pt x="65" y="11"/>
+                      <a:pt x="56" y="0"/>
+                    </a:cubicBezTo>
+                    <a:cubicBezTo>
+                      <a:pt x="51" y="1"/>
+                      <a:pt x="47" y="3"/>
+                      <a:pt x="42" y="5"/>
+                    </a:cubicBezTo>
+                    <a:cubicBezTo>
+                      <a:pt x="49" y="17"/>
+                      <a:pt x="59" y="28"/>
+                      <a:pt x="69" y="40"/>
+                    </a:cubicBezTo>
+                    <a:cubicBezTo>
+                      <a:pt x="69" y="40"/>
+                      <a:pt x="69" y="40"/>
+                      <a:pt x="69" y="40"/>
+                    </a:cubicBezTo>
+                    <a:cubicBezTo>
+                      <a:pt x="61" y="46"/>
+                      <a:pt x="51" y="54"/>
+                      <a:pt x="42" y="64"/>
+                    </a:cubicBezTo>
+                    <a:cubicBezTo>
+                      <a:pt x="40" y="65"/>
+                      <a:pt x="39" y="66"/>
+                      <a:pt x="38" y="67"/>
+                    </a:cubicBezTo>
+                    <a:cubicBezTo>
+                      <a:pt x="33" y="66"/>
+                      <a:pt x="27" y="67"/>
+                      <a:pt x="22" y="69"/>
+                    </a:cubicBezTo>
+                    <a:cubicBezTo>
+                      <a:pt x="13" y="49"/>
+                      <a:pt x="13" y="33"/>
+                      <a:pt x="15" y="25"/>
+                    </a:cubicBezTo>
+                    <a:cubicBezTo>
+                      <a:pt x="11" y="29"/>
+                      <a:pt x="7" y="34"/>
+                      <a:pt x="4" y="38"/>
+                    </a:cubicBezTo>
+                    <a:cubicBezTo>
+                      <a:pt x="2" y="48"/>
+                      <a:pt x="1" y="62"/>
+                      <a:pt x="8" y="79"/>
+                    </a:cubicBezTo>
+                    <a:cubicBezTo>
+                      <a:pt x="0" y="89"/>
+                      <a:pt x="0" y="104"/>
+                      <a:pt x="8" y="115"/>
+                    </a:cubicBezTo>
+                    <a:cubicBezTo>
+                      <a:pt x="9" y="116"/>
+                      <a:pt x="10" y="117"/>
+                      <a:pt x="10" y="118"/>
+                    </a:cubicBezTo>
+                    <a:cubicBezTo>
+                      <a:pt x="7" y="130"/>
+                      <a:pt x="5" y="143"/>
+                      <a:pt x="4" y="153"/>
+                    </a:cubicBezTo>
+                    <a:cubicBezTo>
+                      <a:pt x="5" y="154"/>
+                      <a:pt x="5" y="155"/>
+                      <a:pt x="6" y="157"/>
+                    </a:cubicBezTo>
+                    <a:cubicBezTo>
+                      <a:pt x="11" y="163"/>
+                      <a:pt x="17" y="168"/>
+                      <a:pt x="23" y="173"/>
+                    </a:cubicBezTo>
+                    <a:cubicBezTo>
+                      <a:pt x="22" y="162"/>
+                      <a:pt x="23" y="145"/>
+                      <a:pt x="30" y="127"/>
+                    </a:cubicBezTo>
+                    <a:cubicBezTo>
+                      <a:pt x="35" y="127"/>
+                      <a:pt x="39" y="127"/>
+                      <a:pt x="44" y="125"/>
+                    </a:cubicBezTo>
+                    <a:cubicBezTo>
+                      <a:pt x="46" y="127"/>
+                      <a:pt x="49" y="129"/>
+                      <a:pt x="52" y="132"/>
+                    </a:cubicBezTo>
+                    <a:cubicBezTo>
+                      <a:pt x="62" y="139"/>
+                      <a:pt x="71" y="145"/>
+                      <a:pt x="81" y="150"/>
+                    </a:cubicBezTo>
+                    <a:cubicBezTo>
+                      <a:pt x="81" y="155"/>
+                      <a:pt x="82" y="160"/>
+                      <a:pt x="85" y="164"/>
+                    </a:cubicBezTo>
+                    <a:cubicBezTo>
+                      <a:pt x="92" y="173"/>
+                      <a:pt x="104" y="175"/>
+                      <a:pt x="113" y="168"/>
+                    </a:cubicBezTo>
+                    <a:cubicBezTo>
+                      <a:pt x="115" y="167"/>
+                      <a:pt x="116" y="165"/>
+                      <a:pt x="117" y="163"/>
+                    </a:cubicBezTo>
+                    <a:cubicBezTo>
+                      <a:pt x="133" y="167"/>
+                      <a:pt x="146" y="167"/>
+                      <a:pt x="156" y="167"/>
+                    </a:cubicBezTo>
+                    <a:cubicBezTo>
+                      <a:pt x="158" y="167"/>
+                      <a:pt x="165" y="157"/>
+                      <a:pt x="169" y="151"/>
+                    </a:cubicBezTo>
+                    <a:cubicBezTo>
+                      <a:pt x="163" y="153"/>
+                      <a:pt x="145" y="155"/>
+                      <a:pt x="120" y="148"/>
+                    </a:cubicBezTo>
+                    <a:cubicBezTo>
+                      <a:pt x="119" y="145"/>
+                      <a:pt x="118" y="143"/>
+                      <a:pt x="116" y="140"/>
+                    </a:cubicBezTo>
+                    <a:cubicBezTo>
+                      <a:pt x="110" y="132"/>
+                      <a:pt x="99" y="130"/>
+                      <a:pt x="90" y="136"/>
+                    </a:cubicBezTo>
+                    <a:cubicBezTo>
+                      <a:pt x="81" y="131"/>
+                      <a:pt x="72" y="125"/>
+                      <a:pt x="63" y="118"/>
+                    </a:cubicBezTo>
+                    <a:cubicBezTo>
+                      <a:pt x="61" y="116"/>
+                      <a:pt x="59" y="115"/>
+                      <a:pt x="58" y="113"/>
+                    </a:cubicBezTo>
+                    <a:cubicBezTo>
+                      <a:pt x="63" y="104"/>
+                      <a:pt x="64" y="93"/>
+                      <a:pt x="59" y="83"/>
+                    </a:cubicBezTo>
+                    <a:cubicBezTo>
+                      <a:pt x="60" y="82"/>
+                      <a:pt x="61" y="81"/>
+                      <a:pt x="62" y="80"/>
+                    </a:cubicBezTo>
+                    <a:cubicBezTo>
+                      <a:pt x="72" y="71"/>
+                      <a:pt x="80" y="64"/>
+                      <a:pt x="88" y="58"/>
+                    </a:cubicBezTo>
+                    <a:cubicBezTo>
+                      <a:pt x="87" y="58"/>
+                      <a:pt x="87" y="58"/>
+                      <a:pt x="87" y="58"/>
+                    </a:cubicBezTo>
+                    <a:cubicBezTo>
+                      <a:pt x="88" y="58"/>
+                      <a:pt x="88" y="58"/>
+                      <a:pt x="88" y="58"/>
+                    </a:cubicBezTo>
+                    <a:cubicBezTo>
+                      <a:pt x="88" y="58"/>
+                      <a:pt x="88" y="58"/>
+                      <a:pt x="88" y="58"/>
+                    </a:cubicBezTo>
+                    <a:cubicBezTo>
+                      <a:pt x="101" y="70"/>
+                      <a:pt x="114" y="81"/>
+                      <a:pt x="127" y="91"/>
+                    </a:cubicBezTo>
+                    <a:cubicBezTo>
+                      <a:pt x="123" y="98"/>
+                      <a:pt x="124" y="106"/>
+                      <a:pt x="129" y="113"/>
+                    </a:cubicBezTo>
+                    <a:close/>
+                  </a:path>
+                </a:pathLst>
+              </a:custGeom>
+              <a:solidFill>
+                <a:srgbClr val="FFFFFF"/>
+              </a:solidFill>
+              <a:ln>
+                <a:noFill/>
+              </a:ln>
+              <a:extLst>
+                <a:ext uri="{91240B29-F687-4F45-9708-019B960494DF}">
+                  <a14:hiddenLine xmlns:a14="http://schemas.microsoft.com/office/drawing/2010/main" w="9525">
+                    <a:solidFill>
+                      <a:srgbClr val="000000"/>
+                    </a:solidFill>
+                    <a:round/>
+                    <a:headEnd/>
+                    <a:tailEnd/>
+                  </a14:hiddenLine>
+                </a:ext>
+              </a:extLst>
+            </p:spPr>
+            <p:txBody>
+              <a:bodyPr vert="horz" wrap="square" lIns="91440" tIns="45720" rIns="91440" bIns="45720" numCol="1" anchor="t" anchorCtr="0" compatLnSpc="1">
+                <a:prstTxWarp prst="textNoShape">
+                  <a:avLst/>
+                </a:prstTxWarp>
+              </a:bodyPr>
+              <a:lstStyle/>
+              <a:p>
+                <a:pPr marL="0" marR="0" lvl="0" indent="0" defTabSz="914400" eaLnBrk="1" fontAlgn="auto" latinLnBrk="0" hangingPunct="1">
+                  <a:lnSpc>
+                    <a:spcPct val="100000"/>
+                  </a:lnSpc>
+                  <a:spcBef>
+                    <a:spcPts val="0"/>
+                  </a:spcBef>
+                  <a:spcAft>
+                    <a:spcPts val="0"/>
+                  </a:spcAft>
+                  <a:buClrTx/>
+                  <a:buSzTx/>
+                  <a:buFontTx/>
+                  <a:buNone/>
+                  <a:tabLst/>
+                  <a:defRPr/>
+                </a:pPr>
+                <a:endParaRPr kumimoji="0" lang="en-US" altLang="ja-JP" sz="900" b="0" i="0" u="none" strike="noStrike" kern="0" cap="none" spc="0" normalizeH="0" baseline="0" noProof="0">
+                  <a:ln>
+                    <a:noFill/>
+                  </a:ln>
+                  <a:solidFill>
+                    <a:srgbClr val="1A1A1A"/>
+                  </a:solidFill>
+                  <a:effectLst/>
+                  <a:uLnTx/>
+                  <a:uFillTx/>
+                </a:endParaRPr>
+              </a:p>
+            </p:txBody>
+          </p:sp>
+        </p:grpSp>
+        <p:grpSp>
+          <p:nvGrpSpPr>
+            <p:cNvPr id="36" name="グループ化 35">
+              <a:extLst>
+                <a:ext uri="{FF2B5EF4-FFF2-40B4-BE49-F238E27FC236}">
+                  <a16:creationId xmlns:a16="http://schemas.microsoft.com/office/drawing/2014/main" id="{318900B8-654D-3A7B-381F-74904CB14B55}"/>
+                </a:ext>
+              </a:extLst>
+            </p:cNvPr>
+            <p:cNvGrpSpPr/>
+            <p:nvPr/>
+          </p:nvGrpSpPr>
+          <p:grpSpPr>
+            <a:xfrm>
+              <a:off x="7051046" y="4987446"/>
+              <a:ext cx="739140" cy="980043"/>
+              <a:chOff x="1066800" y="5643563"/>
+              <a:chExt cx="428626" cy="568325"/>
+            </a:xfrm>
+          </p:grpSpPr>
+          <p:sp>
+            <p:nvSpPr>
+              <p:cNvPr id="53" name="Freeform 2084">
+                <a:extLst>
+                  <a:ext uri="{FF2B5EF4-FFF2-40B4-BE49-F238E27FC236}">
+                    <a16:creationId xmlns:a16="http://schemas.microsoft.com/office/drawing/2014/main" id="{2488E085-79FF-3AA3-125A-AFE62FBB8E3F}"/>
+                  </a:ext>
+                </a:extLst>
+              </p:cNvPr>
+              <p:cNvSpPr>
+                <a:spLocks/>
+              </p:cNvSpPr>
+              <p:nvPr/>
+            </p:nvSpPr>
+            <p:spPr bwMode="auto">
+              <a:xfrm>
+                <a:off x="1066800" y="5719763"/>
+                <a:ext cx="214313" cy="492125"/>
+              </a:xfrm>
+              <a:custGeom>
+                <a:avLst/>
+                <a:gdLst>
+                  <a:gd name="T0" fmla="*/ 0 w 75"/>
+                  <a:gd name="T1" fmla="*/ 0 h 172"/>
+                  <a:gd name="T2" fmla="*/ 0 w 75"/>
+                  <a:gd name="T3" fmla="*/ 145 h 172"/>
+                  <a:gd name="T4" fmla="*/ 75 w 75"/>
+                  <a:gd name="T5" fmla="*/ 172 h 172"/>
+                  <a:gd name="T6" fmla="*/ 75 w 75"/>
+                  <a:gd name="T7" fmla="*/ 0 h 172"/>
+                  <a:gd name="T8" fmla="*/ 0 w 75"/>
+                  <a:gd name="T9" fmla="*/ 0 h 172"/>
+                </a:gdLst>
+                <a:ahLst/>
+                <a:cxnLst>
+                  <a:cxn ang="0">
+                    <a:pos x="T0" y="T1"/>
+                  </a:cxn>
+                  <a:cxn ang="0">
+                    <a:pos x="T2" y="T3"/>
+                  </a:cxn>
+                  <a:cxn ang="0">
+                    <a:pos x="T4" y="T5"/>
+                  </a:cxn>
+                  <a:cxn ang="0">
+                    <a:pos x="T6" y="T7"/>
+                  </a:cxn>
+                  <a:cxn ang="0">
+                    <a:pos x="T8" y="T9"/>
+                  </a:cxn>
+                </a:cxnLst>
+                <a:rect l="0" t="0" r="r" b="b"/>
+                <a:pathLst>
+                  <a:path w="75" h="172">
+                    <a:moveTo>
+                      <a:pt x="0" y="0"/>
+                    </a:moveTo>
+                    <a:cubicBezTo>
+                      <a:pt x="0" y="145"/>
+                      <a:pt x="0" y="145"/>
+                      <a:pt x="0" y="145"/>
+                    </a:cubicBezTo>
+                    <a:cubicBezTo>
+                      <a:pt x="0" y="160"/>
+                      <a:pt x="33" y="172"/>
+                      <a:pt x="75" y="172"/>
+                    </a:cubicBezTo>
+                    <a:cubicBezTo>
+                      <a:pt x="75" y="0"/>
+                      <a:pt x="75" y="0"/>
+                      <a:pt x="75" y="0"/>
+                    </a:cubicBezTo>
+                    <a:cubicBezTo>
+                      <a:pt x="0" y="0"/>
+                      <a:pt x="0" y="0"/>
+                      <a:pt x="0" y="0"/>
+                    </a:cubicBezTo>
+                  </a:path>
+                </a:pathLst>
+              </a:custGeom>
+              <a:solidFill>
+                <a:srgbClr val="0072C6"/>
+              </a:solidFill>
+              <a:ln>
+                <a:noFill/>
+              </a:ln>
+              <a:extLst>
+                <a:ext uri="{91240B29-F687-4F45-9708-019B960494DF}">
+                  <a14:hiddenLine xmlns:a14="http://schemas.microsoft.com/office/drawing/2010/main" w="9525">
+                    <a:solidFill>
+                      <a:srgbClr val="000000"/>
+                    </a:solidFill>
+                    <a:round/>
+                    <a:headEnd/>
+                    <a:tailEnd/>
+                  </a14:hiddenLine>
+                </a:ext>
+              </a:extLst>
+            </p:spPr>
+            <p:txBody>
+              <a:bodyPr vert="horz" wrap="square" lIns="91440" tIns="45720" rIns="91440" bIns="45720" numCol="1" anchor="t" anchorCtr="0" compatLnSpc="1">
+                <a:prstTxWarp prst="textNoShape">
+                  <a:avLst/>
+                </a:prstTxWarp>
+              </a:bodyPr>
+              <a:lstStyle/>
+              <a:p>
+                <a:pPr marL="0" marR="0" lvl="0" indent="0" defTabSz="914400" eaLnBrk="1" fontAlgn="auto" latinLnBrk="0" hangingPunct="1">
+                  <a:lnSpc>
+                    <a:spcPct val="100000"/>
+                  </a:lnSpc>
+                  <a:spcBef>
+                    <a:spcPts val="0"/>
+                  </a:spcBef>
+                  <a:spcAft>
+                    <a:spcPts val="0"/>
+                  </a:spcAft>
+                  <a:buClrTx/>
+                  <a:buSzTx/>
+                  <a:buFontTx/>
+                  <a:buNone/>
+                  <a:tabLst/>
+                  <a:defRPr/>
+                </a:pPr>
+                <a:endParaRPr kumimoji="0" lang="en-US" altLang="ja-JP" sz="900" b="0" i="0" u="none" strike="noStrike" kern="0" cap="none" spc="0" normalizeH="0" baseline="0" noProof="0">
+                  <a:ln>
+                    <a:noFill/>
+                  </a:ln>
+                  <a:solidFill>
+                    <a:srgbClr val="1A1A1A"/>
+                  </a:solidFill>
+                  <a:effectLst/>
+                  <a:uLnTx/>
+                  <a:uFillTx/>
+                </a:endParaRPr>
+              </a:p>
+            </p:txBody>
+          </p:sp>
+          <p:sp>
+            <p:nvSpPr>
+              <p:cNvPr id="54" name="Freeform 2085">
+                <a:extLst>
+                  <a:ext uri="{FF2B5EF4-FFF2-40B4-BE49-F238E27FC236}">
+                    <a16:creationId xmlns:a16="http://schemas.microsoft.com/office/drawing/2014/main" id="{2ACE56C4-5227-1C70-85D0-E47385033844}"/>
+                  </a:ext>
+                </a:extLst>
+              </p:cNvPr>
+              <p:cNvSpPr>
+                <a:spLocks/>
+              </p:cNvSpPr>
+              <p:nvPr/>
+            </p:nvSpPr>
+            <p:spPr bwMode="auto">
+              <a:xfrm>
+                <a:off x="1277938" y="5719763"/>
+                <a:ext cx="217488" cy="492125"/>
+              </a:xfrm>
+              <a:custGeom>
+                <a:avLst/>
+                <a:gdLst>
+                  <a:gd name="T0" fmla="*/ 0 w 76"/>
+                  <a:gd name="T1" fmla="*/ 172 h 172"/>
+                  <a:gd name="T2" fmla="*/ 1 w 76"/>
+                  <a:gd name="T3" fmla="*/ 172 h 172"/>
+                  <a:gd name="T4" fmla="*/ 76 w 76"/>
+                  <a:gd name="T5" fmla="*/ 145 h 172"/>
+                  <a:gd name="T6" fmla="*/ 76 w 76"/>
+                  <a:gd name="T7" fmla="*/ 0 h 172"/>
+                  <a:gd name="T8" fmla="*/ 0 w 76"/>
+                  <a:gd name="T9" fmla="*/ 0 h 172"/>
+                  <a:gd name="T10" fmla="*/ 0 w 76"/>
+                  <a:gd name="T11" fmla="*/ 172 h 172"/>
+                </a:gdLst>
+                <a:ahLst/>
+                <a:cxnLst>
+                  <a:cxn ang="0">
+                    <a:pos x="T0" y="T1"/>
+                  </a:cxn>
+                  <a:cxn ang="0">
+                    <a:pos x="T2" y="T3"/>
+                  </a:cxn>
+                  <a:cxn ang="0">
+                    <a:pos x="T4" y="T5"/>
+                  </a:cxn>
+                  <a:cxn ang="0">
+                    <a:pos x="T6" y="T7"/>
+                  </a:cxn>
+                  <a:cxn ang="0">
+                    <a:pos x="T8" y="T9"/>
+                  </a:cxn>
+                  <a:cxn ang="0">
+                    <a:pos x="T10" y="T11"/>
+                  </a:cxn>
+                </a:cxnLst>
+                <a:rect l="0" t="0" r="r" b="b"/>
+                <a:pathLst>
+                  <a:path w="76" h="172">
+                    <a:moveTo>
+                      <a:pt x="0" y="172"/>
+                    </a:moveTo>
+                    <a:cubicBezTo>
+                      <a:pt x="1" y="172"/>
+                      <a:pt x="1" y="172"/>
+                      <a:pt x="1" y="172"/>
+                    </a:cubicBezTo>
+                    <a:cubicBezTo>
+                      <a:pt x="42" y="172"/>
+                      <a:pt x="76" y="160"/>
+                      <a:pt x="76" y="145"/>
+                    </a:cubicBezTo>
+                    <a:cubicBezTo>
+                      <a:pt x="76" y="0"/>
+                      <a:pt x="76" y="0"/>
+                      <a:pt x="76" y="0"/>
+                    </a:cubicBezTo>
+                    <a:cubicBezTo>
+                      <a:pt x="0" y="0"/>
+                      <a:pt x="0" y="0"/>
+                      <a:pt x="0" y="0"/>
+                    </a:cubicBezTo>
+                    <a:cubicBezTo>
+                      <a:pt x="0" y="172"/>
+                      <a:pt x="0" y="172"/>
+                      <a:pt x="0" y="172"/>
+                    </a:cubicBezTo>
+                  </a:path>
+                </a:pathLst>
+              </a:custGeom>
+              <a:solidFill>
+                <a:srgbClr val="0072C6"/>
+              </a:solidFill>
+              <a:ln>
+                <a:noFill/>
+              </a:ln>
+              <a:extLst>
+                <a:ext uri="{91240B29-F687-4F45-9708-019B960494DF}">
+                  <a14:hiddenLine xmlns:a14="http://schemas.microsoft.com/office/drawing/2010/main" w="9525">
+                    <a:solidFill>
+                      <a:srgbClr val="000000"/>
+                    </a:solidFill>
+                    <a:round/>
+                    <a:headEnd/>
+                    <a:tailEnd/>
+                  </a14:hiddenLine>
+                </a:ext>
+              </a:extLst>
+            </p:spPr>
+            <p:txBody>
+              <a:bodyPr vert="horz" wrap="square" lIns="91440" tIns="45720" rIns="91440" bIns="45720" numCol="1" anchor="t" anchorCtr="0" compatLnSpc="1">
+                <a:prstTxWarp prst="textNoShape">
+                  <a:avLst/>
+                </a:prstTxWarp>
+              </a:bodyPr>
+              <a:lstStyle/>
+              <a:p>
+                <a:pPr marL="0" marR="0" lvl="0" indent="0" defTabSz="914400" eaLnBrk="1" fontAlgn="auto" latinLnBrk="0" hangingPunct="1">
+                  <a:lnSpc>
+                    <a:spcPct val="100000"/>
+                  </a:lnSpc>
+                  <a:spcBef>
+                    <a:spcPts val="0"/>
+                  </a:spcBef>
+                  <a:spcAft>
+                    <a:spcPts val="0"/>
+                  </a:spcAft>
+                  <a:buClrTx/>
+                  <a:buSzTx/>
+                  <a:buFontTx/>
+                  <a:buNone/>
+                  <a:tabLst/>
+                  <a:defRPr/>
+                </a:pPr>
+                <a:endParaRPr kumimoji="0" lang="en-US" altLang="ja-JP" sz="900" b="0" i="0" u="none" strike="noStrike" kern="0" cap="none" spc="0" normalizeH="0" baseline="0" noProof="0">
+                  <a:ln>
+                    <a:noFill/>
+                  </a:ln>
+                  <a:solidFill>
+                    <a:srgbClr val="1A1A1A"/>
+                  </a:solidFill>
+                  <a:effectLst/>
+                  <a:uLnTx/>
+                  <a:uFillTx/>
+                </a:endParaRPr>
+              </a:p>
+            </p:txBody>
+          </p:sp>
+          <p:sp>
+            <p:nvSpPr>
+              <p:cNvPr id="55" name="Freeform 2086">
+                <a:extLst>
+                  <a:ext uri="{FF2B5EF4-FFF2-40B4-BE49-F238E27FC236}">
+                    <a16:creationId xmlns:a16="http://schemas.microsoft.com/office/drawing/2014/main" id="{A94CD845-99DA-43A2-56C0-0324C2375A6E}"/>
+                  </a:ext>
+                </a:extLst>
+              </p:cNvPr>
+              <p:cNvSpPr>
+                <a:spLocks/>
+              </p:cNvSpPr>
+              <p:nvPr/>
+            </p:nvSpPr>
+            <p:spPr bwMode="auto">
+              <a:xfrm>
+                <a:off x="1277938" y="5719763"/>
+                <a:ext cx="217488" cy="492125"/>
+              </a:xfrm>
+              <a:custGeom>
+                <a:avLst/>
+                <a:gdLst>
+                  <a:gd name="T0" fmla="*/ 76 w 76"/>
+                  <a:gd name="T1" fmla="*/ 0 h 172"/>
+                  <a:gd name="T2" fmla="*/ 0 w 76"/>
+                  <a:gd name="T3" fmla="*/ 0 h 172"/>
+                  <a:gd name="T4" fmla="*/ 0 w 76"/>
+                  <a:gd name="T5" fmla="*/ 172 h 172"/>
+                  <a:gd name="T6" fmla="*/ 1 w 76"/>
+                  <a:gd name="T7" fmla="*/ 172 h 172"/>
+                  <a:gd name="T8" fmla="*/ 76 w 76"/>
+                  <a:gd name="T9" fmla="*/ 145 h 172"/>
+                  <a:gd name="T10" fmla="*/ 76 w 76"/>
+                  <a:gd name="T11" fmla="*/ 0 h 172"/>
+                </a:gdLst>
+                <a:ahLst/>
+                <a:cxnLst>
+                  <a:cxn ang="0">
+                    <a:pos x="T0" y="T1"/>
+                  </a:cxn>
+                  <a:cxn ang="0">
+                    <a:pos x="T2" y="T3"/>
+                  </a:cxn>
+                  <a:cxn ang="0">
+                    <a:pos x="T4" y="T5"/>
+                  </a:cxn>
+                  <a:cxn ang="0">
+                    <a:pos x="T6" y="T7"/>
+                  </a:cxn>
+                  <a:cxn ang="0">
+                    <a:pos x="T8" y="T9"/>
+                  </a:cxn>
+                  <a:cxn ang="0">
+                    <a:pos x="T10" y="T11"/>
+                  </a:cxn>
+                </a:cxnLst>
+                <a:rect l="0" t="0" r="r" b="b"/>
+                <a:pathLst>
+                  <a:path w="76" h="172">
+                    <a:moveTo>
+                      <a:pt x="76" y="0"/>
+                    </a:moveTo>
+                    <a:cubicBezTo>
+                      <a:pt x="0" y="0"/>
+                      <a:pt x="0" y="0"/>
+                      <a:pt x="0" y="0"/>
+                    </a:cubicBezTo>
+                    <a:cubicBezTo>
+                      <a:pt x="0" y="172"/>
+                      <a:pt x="0" y="172"/>
+                      <a:pt x="0" y="172"/>
+                    </a:cubicBezTo>
+                    <a:cubicBezTo>
+                      <a:pt x="1" y="172"/>
+                      <a:pt x="1" y="172"/>
+                      <a:pt x="1" y="172"/>
+                    </a:cubicBezTo>
+                    <a:cubicBezTo>
+                      <a:pt x="42" y="172"/>
+                      <a:pt x="76" y="160"/>
+                      <a:pt x="76" y="145"/>
+                    </a:cubicBezTo>
+                    <a:cubicBezTo>
+                      <a:pt x="76" y="0"/>
+                      <a:pt x="76" y="0"/>
+                      <a:pt x="76" y="0"/>
+                    </a:cubicBezTo>
+                  </a:path>
+                </a:pathLst>
+              </a:custGeom>
+              <a:solidFill>
+                <a:srgbClr val="2687CE"/>
+              </a:solidFill>
+              <a:ln>
+                <a:noFill/>
+              </a:ln>
+              <a:extLst>
+                <a:ext uri="{91240B29-F687-4F45-9708-019B960494DF}">
+                  <a14:hiddenLine xmlns:a14="http://schemas.microsoft.com/office/drawing/2010/main" w="9525">
+                    <a:solidFill>
+                      <a:srgbClr val="000000"/>
+                    </a:solidFill>
+                    <a:round/>
+                    <a:headEnd/>
+                    <a:tailEnd/>
+                  </a14:hiddenLine>
+                </a:ext>
+              </a:extLst>
+            </p:spPr>
+            <p:txBody>
+              <a:bodyPr vert="horz" wrap="square" lIns="91440" tIns="45720" rIns="91440" bIns="45720" numCol="1" anchor="t" anchorCtr="0" compatLnSpc="1">
+                <a:prstTxWarp prst="textNoShape">
+                  <a:avLst/>
+                </a:prstTxWarp>
+              </a:bodyPr>
+              <a:lstStyle/>
+              <a:p>
+                <a:pPr marL="0" marR="0" lvl="0" indent="0" defTabSz="914400" eaLnBrk="1" fontAlgn="auto" latinLnBrk="0" hangingPunct="1">
+                  <a:lnSpc>
+                    <a:spcPct val="100000"/>
+                  </a:lnSpc>
+                  <a:spcBef>
+                    <a:spcPts val="0"/>
+                  </a:spcBef>
+                  <a:spcAft>
+                    <a:spcPts val="0"/>
+                  </a:spcAft>
+                  <a:buClrTx/>
+                  <a:buSzTx/>
+                  <a:buFontTx/>
+                  <a:buNone/>
+                  <a:tabLst/>
+                  <a:defRPr/>
+                </a:pPr>
+                <a:endParaRPr kumimoji="0" lang="en-US" altLang="ja-JP" sz="900" b="0" i="0" u="none" strike="noStrike" kern="0" cap="none" spc="0" normalizeH="0" baseline="0" noProof="0">
+                  <a:ln>
+                    <a:noFill/>
+                  </a:ln>
+                  <a:solidFill>
+                    <a:srgbClr val="1A1A1A"/>
+                  </a:solidFill>
+                  <a:effectLst/>
+                  <a:uLnTx/>
+                  <a:uFillTx/>
+                </a:endParaRPr>
+              </a:p>
+            </p:txBody>
+          </p:sp>
+          <p:sp>
+            <p:nvSpPr>
+              <p:cNvPr id="56" name="Oval 2087">
+                <a:extLst>
+                  <a:ext uri="{FF2B5EF4-FFF2-40B4-BE49-F238E27FC236}">
+                    <a16:creationId xmlns:a16="http://schemas.microsoft.com/office/drawing/2014/main" id="{ADE6BDDC-5000-9B29-3FB2-B6F1D372A882}"/>
+                  </a:ext>
+                </a:extLst>
+              </p:cNvPr>
+              <p:cNvSpPr>
+                <a:spLocks noChangeArrowheads="1"/>
+              </p:cNvSpPr>
+              <p:nvPr/>
+            </p:nvSpPr>
+            <p:spPr bwMode="auto">
+              <a:xfrm>
+                <a:off x="1066800" y="5643563"/>
+                <a:ext cx="428625" cy="153988"/>
+              </a:xfrm>
+              <a:prstGeom prst="ellipse">
+                <a:avLst/>
+              </a:prstGeom>
+              <a:solidFill>
+                <a:srgbClr val="FFFFFF"/>
+              </a:solidFill>
+              <a:ln>
+                <a:noFill/>
+              </a:ln>
+              <a:extLst>
+                <a:ext uri="{91240B29-F687-4F45-9708-019B960494DF}">
+                  <a14:hiddenLine xmlns:a14="http://schemas.microsoft.com/office/drawing/2010/main" w="9525">
+                    <a:solidFill>
+                      <a:srgbClr val="000000"/>
+                    </a:solidFill>
+                    <a:round/>
+                    <a:headEnd/>
+                    <a:tailEnd/>
+                  </a14:hiddenLine>
+                </a:ext>
+              </a:extLst>
+            </p:spPr>
+            <p:txBody>
+              <a:bodyPr vert="horz" wrap="square" lIns="91440" tIns="45720" rIns="91440" bIns="45720" numCol="1" anchor="t" anchorCtr="0" compatLnSpc="1">
+                <a:prstTxWarp prst="textNoShape">
+                  <a:avLst/>
+                </a:prstTxWarp>
+              </a:bodyPr>
+              <a:lstStyle/>
+              <a:p>
+                <a:pPr marL="0" marR="0" lvl="0" indent="0" defTabSz="914400" eaLnBrk="1" fontAlgn="auto" latinLnBrk="0" hangingPunct="1">
+                  <a:lnSpc>
+                    <a:spcPct val="100000"/>
+                  </a:lnSpc>
+                  <a:spcBef>
+                    <a:spcPts val="0"/>
+                  </a:spcBef>
+                  <a:spcAft>
+                    <a:spcPts val="0"/>
+                  </a:spcAft>
+                  <a:buClrTx/>
+                  <a:buSzTx/>
+                  <a:buFontTx/>
+                  <a:buNone/>
+                  <a:tabLst/>
+                  <a:defRPr/>
+                </a:pPr>
+                <a:endParaRPr kumimoji="0" lang="en-US" altLang="ja-JP" sz="900" b="0" i="0" u="none" strike="noStrike" kern="0" cap="none" spc="0" normalizeH="0" baseline="0" noProof="0">
+                  <a:ln>
+                    <a:noFill/>
+                  </a:ln>
+                  <a:solidFill>
+                    <a:srgbClr val="1A1A1A"/>
+                  </a:solidFill>
+                  <a:effectLst/>
+                  <a:uLnTx/>
+                  <a:uFillTx/>
+                </a:endParaRPr>
+              </a:p>
+            </p:txBody>
+          </p:sp>
+          <p:sp>
+            <p:nvSpPr>
+              <p:cNvPr id="57" name="Oval 2088">
+                <a:extLst>
+                  <a:ext uri="{FF2B5EF4-FFF2-40B4-BE49-F238E27FC236}">
+                    <a16:creationId xmlns:a16="http://schemas.microsoft.com/office/drawing/2014/main" id="{0F9E4142-8C0B-FD90-946D-B4DDA70B09B6}"/>
+                  </a:ext>
+                </a:extLst>
+              </p:cNvPr>
+              <p:cNvSpPr>
+                <a:spLocks noChangeArrowheads="1"/>
+              </p:cNvSpPr>
+              <p:nvPr/>
+            </p:nvSpPr>
+            <p:spPr bwMode="auto">
+              <a:xfrm>
+                <a:off x="1109663" y="5665788"/>
+                <a:ext cx="339725" cy="103188"/>
+              </a:xfrm>
+              <a:prstGeom prst="ellipse">
+                <a:avLst/>
+              </a:prstGeom>
+              <a:solidFill>
+                <a:srgbClr val="7FBA00"/>
+              </a:solidFill>
+              <a:ln>
+                <a:noFill/>
+              </a:ln>
+              <a:extLst>
+                <a:ext uri="{91240B29-F687-4F45-9708-019B960494DF}">
+                  <a14:hiddenLine xmlns:a14="http://schemas.microsoft.com/office/drawing/2010/main" w="9525">
+                    <a:solidFill>
+                      <a:srgbClr val="000000"/>
+                    </a:solidFill>
+                    <a:round/>
+                    <a:headEnd/>
+                    <a:tailEnd/>
+                  </a14:hiddenLine>
+                </a:ext>
+              </a:extLst>
+            </p:spPr>
+            <p:txBody>
+              <a:bodyPr vert="horz" wrap="square" lIns="91440" tIns="45720" rIns="91440" bIns="45720" numCol="1" anchor="t" anchorCtr="0" compatLnSpc="1">
+                <a:prstTxWarp prst="textNoShape">
+                  <a:avLst/>
+                </a:prstTxWarp>
+              </a:bodyPr>
+              <a:lstStyle/>
+              <a:p>
+                <a:pPr marL="0" marR="0" lvl="0" indent="0" defTabSz="914400" eaLnBrk="1" fontAlgn="auto" latinLnBrk="0" hangingPunct="1">
+                  <a:lnSpc>
+                    <a:spcPct val="100000"/>
+                  </a:lnSpc>
+                  <a:spcBef>
+                    <a:spcPts val="0"/>
+                  </a:spcBef>
+                  <a:spcAft>
+                    <a:spcPts val="0"/>
+                  </a:spcAft>
+                  <a:buClrTx/>
+                  <a:buSzTx/>
+                  <a:buFontTx/>
+                  <a:buNone/>
+                  <a:tabLst/>
+                  <a:defRPr/>
+                </a:pPr>
+                <a:endParaRPr kumimoji="0" lang="en-US" altLang="ja-JP" sz="900" b="0" i="0" u="none" strike="noStrike" kern="0" cap="none" spc="0" normalizeH="0" baseline="0" noProof="0">
+                  <a:ln>
+                    <a:noFill/>
+                  </a:ln>
+                  <a:solidFill>
+                    <a:srgbClr val="1A1A1A"/>
+                  </a:solidFill>
+                  <a:effectLst/>
+                  <a:uLnTx/>
+                  <a:uFillTx/>
+                </a:endParaRPr>
+              </a:p>
+            </p:txBody>
+          </p:sp>
+          <p:sp>
+            <p:nvSpPr>
+              <p:cNvPr id="58" name="Freeform 2089">
+                <a:extLst>
+                  <a:ext uri="{FF2B5EF4-FFF2-40B4-BE49-F238E27FC236}">
+                    <a16:creationId xmlns:a16="http://schemas.microsoft.com/office/drawing/2014/main" id="{43F93BF6-CEE3-1066-D3E0-5D1EE7F80CED}"/>
+                  </a:ext>
+                </a:extLst>
+              </p:cNvPr>
+              <p:cNvSpPr>
+                <a:spLocks/>
+              </p:cNvSpPr>
+              <p:nvPr/>
+            </p:nvSpPr>
+            <p:spPr bwMode="auto">
+              <a:xfrm>
+                <a:off x="1109663" y="5665788"/>
+                <a:ext cx="339725" cy="82550"/>
+              </a:xfrm>
+              <a:custGeom>
+                <a:avLst/>
+                <a:gdLst>
+                  <a:gd name="T0" fmla="*/ 107 w 119"/>
+                  <a:gd name="T1" fmla="*/ 29 h 29"/>
+                  <a:gd name="T2" fmla="*/ 119 w 119"/>
+                  <a:gd name="T3" fmla="*/ 18 h 29"/>
+                  <a:gd name="T4" fmla="*/ 60 w 119"/>
+                  <a:gd name="T5" fmla="*/ 0 h 29"/>
+                  <a:gd name="T6" fmla="*/ 0 w 119"/>
+                  <a:gd name="T7" fmla="*/ 18 h 29"/>
+                  <a:gd name="T8" fmla="*/ 13 w 119"/>
+                  <a:gd name="T9" fmla="*/ 29 h 29"/>
+                  <a:gd name="T10" fmla="*/ 60 w 119"/>
+                  <a:gd name="T11" fmla="*/ 22 h 29"/>
+                  <a:gd name="T12" fmla="*/ 107 w 119"/>
+                  <a:gd name="T13" fmla="*/ 29 h 29"/>
+                </a:gdLst>
+                <a:ahLst/>
+                <a:cxnLst>
+                  <a:cxn ang="0">
+                    <a:pos x="T0" y="T1"/>
+                  </a:cxn>
+                  <a:cxn ang="0">
+                    <a:pos x="T2" y="T3"/>
+                  </a:cxn>
+                  <a:cxn ang="0">
+                    <a:pos x="T4" y="T5"/>
+                  </a:cxn>
+                  <a:cxn ang="0">
+                    <a:pos x="T6" y="T7"/>
+                  </a:cxn>
+                  <a:cxn ang="0">
+                    <a:pos x="T8" y="T9"/>
+                  </a:cxn>
+                  <a:cxn ang="0">
+                    <a:pos x="T10" y="T11"/>
+                  </a:cxn>
+                  <a:cxn ang="0">
+                    <a:pos x="T12" y="T13"/>
+                  </a:cxn>
+                </a:cxnLst>
+                <a:rect l="0" t="0" r="r" b="b"/>
+                <a:pathLst>
+                  <a:path w="119" h="29">
+                    <a:moveTo>
+                      <a:pt x="107" y="29"/>
+                    </a:moveTo>
+                    <a:cubicBezTo>
+                      <a:pt x="115" y="26"/>
+                      <a:pt x="119" y="22"/>
+                      <a:pt x="119" y="18"/>
+                    </a:cubicBezTo>
+                    <a:cubicBezTo>
+                      <a:pt x="119" y="8"/>
+                      <a:pt x="93" y="0"/>
+                      <a:pt x="60" y="0"/>
+                    </a:cubicBezTo>
+                    <a:cubicBezTo>
+                      <a:pt x="27" y="0"/>
+                      <a:pt x="0" y="8"/>
+                      <a:pt x="0" y="18"/>
+                    </a:cubicBezTo>
+                    <a:cubicBezTo>
+                      <a:pt x="0" y="22"/>
+                      <a:pt x="5" y="26"/>
+                      <a:pt x="13" y="29"/>
+                    </a:cubicBezTo>
+                    <a:cubicBezTo>
+                      <a:pt x="23" y="24"/>
+                      <a:pt x="41" y="22"/>
+                      <a:pt x="60" y="22"/>
+                    </a:cubicBezTo>
+                    <a:cubicBezTo>
+                      <a:pt x="79" y="22"/>
+                      <a:pt x="96" y="24"/>
+                      <a:pt x="107" y="29"/>
+                    </a:cubicBezTo>
+                  </a:path>
+                </a:pathLst>
+              </a:custGeom>
+              <a:solidFill>
+                <a:srgbClr val="B8D432"/>
+              </a:solidFill>
+              <a:ln>
+                <a:noFill/>
+              </a:ln>
+              <a:extLst>
+                <a:ext uri="{91240B29-F687-4F45-9708-019B960494DF}">
+                  <a14:hiddenLine xmlns:a14="http://schemas.microsoft.com/office/drawing/2010/main" w="9525">
+                    <a:solidFill>
+                      <a:srgbClr val="000000"/>
+                    </a:solidFill>
+                    <a:round/>
+                    <a:headEnd/>
+                    <a:tailEnd/>
+                  </a14:hiddenLine>
+                </a:ext>
+              </a:extLst>
+            </p:spPr>
+            <p:txBody>
+              <a:bodyPr vert="horz" wrap="square" lIns="91440" tIns="45720" rIns="91440" bIns="45720" numCol="1" anchor="t" anchorCtr="0" compatLnSpc="1">
+                <a:prstTxWarp prst="textNoShape">
+                  <a:avLst/>
+                </a:prstTxWarp>
+              </a:bodyPr>
+              <a:lstStyle/>
+              <a:p>
+                <a:pPr marL="0" marR="0" lvl="0" indent="0" defTabSz="914400" eaLnBrk="1" fontAlgn="auto" latinLnBrk="0" hangingPunct="1">
+                  <a:lnSpc>
+                    <a:spcPct val="100000"/>
+                  </a:lnSpc>
+                  <a:spcBef>
+                    <a:spcPts val="0"/>
+                  </a:spcBef>
+                  <a:spcAft>
+                    <a:spcPts val="0"/>
+                  </a:spcAft>
+                  <a:buClrTx/>
+                  <a:buSzTx/>
+                  <a:buFontTx/>
+                  <a:buNone/>
+                  <a:tabLst/>
+                  <a:defRPr/>
+                </a:pPr>
+                <a:endParaRPr kumimoji="0" lang="en-US" altLang="ja-JP" sz="900" b="0" i="0" u="none" strike="noStrike" kern="0" cap="none" spc="0" normalizeH="0" baseline="0" noProof="0">
+                  <a:ln>
+                    <a:noFill/>
+                  </a:ln>
+                  <a:solidFill>
+                    <a:srgbClr val="1A1A1A"/>
+                  </a:solidFill>
+                  <a:effectLst/>
+                  <a:uLnTx/>
+                  <a:uFillTx/>
+                </a:endParaRPr>
+              </a:p>
+            </p:txBody>
+          </p:sp>
+          <p:sp>
+            <p:nvSpPr>
+              <p:cNvPr id="59" name="Freeform 2090">
+                <a:extLst>
+                  <a:ext uri="{FF2B5EF4-FFF2-40B4-BE49-F238E27FC236}">
+                    <a16:creationId xmlns:a16="http://schemas.microsoft.com/office/drawing/2014/main" id="{416617A0-06FC-8F81-47FD-B472617AFE9D}"/>
+                  </a:ext>
+                </a:extLst>
+              </p:cNvPr>
+              <p:cNvSpPr>
+                <a:spLocks/>
+              </p:cNvSpPr>
+              <p:nvPr/>
+            </p:nvSpPr>
+            <p:spPr bwMode="auto">
+              <a:xfrm>
+                <a:off x="1123950" y="5908676"/>
+                <a:ext cx="88900" cy="141288"/>
+              </a:xfrm>
+              <a:custGeom>
+                <a:avLst/>
+                <a:gdLst>
+                  <a:gd name="T0" fmla="*/ 31 w 31"/>
+                  <a:gd name="T1" fmla="*/ 35 h 49"/>
+                  <a:gd name="T2" fmla="*/ 26 w 31"/>
+                  <a:gd name="T3" fmla="*/ 45 h 49"/>
+                  <a:gd name="T4" fmla="*/ 13 w 31"/>
+                  <a:gd name="T5" fmla="*/ 49 h 49"/>
+                  <a:gd name="T6" fmla="*/ 0 w 31"/>
+                  <a:gd name="T7" fmla="*/ 46 h 49"/>
+                  <a:gd name="T8" fmla="*/ 0 w 31"/>
+                  <a:gd name="T9" fmla="*/ 36 h 49"/>
+                  <a:gd name="T10" fmla="*/ 13 w 31"/>
+                  <a:gd name="T11" fmla="*/ 40 h 49"/>
+                  <a:gd name="T12" fmla="*/ 18 w 31"/>
+                  <a:gd name="T13" fmla="*/ 39 h 49"/>
+                  <a:gd name="T14" fmla="*/ 20 w 31"/>
+                  <a:gd name="T15" fmla="*/ 36 h 49"/>
+                  <a:gd name="T16" fmla="*/ 18 w 31"/>
+                  <a:gd name="T17" fmla="*/ 32 h 49"/>
+                  <a:gd name="T18" fmla="*/ 11 w 31"/>
+                  <a:gd name="T19" fmla="*/ 28 h 49"/>
+                  <a:gd name="T20" fmla="*/ 0 w 31"/>
+                  <a:gd name="T21" fmla="*/ 14 h 49"/>
+                  <a:gd name="T22" fmla="*/ 5 w 31"/>
+                  <a:gd name="T23" fmla="*/ 4 h 49"/>
+                  <a:gd name="T24" fmla="*/ 17 w 31"/>
+                  <a:gd name="T25" fmla="*/ 0 h 49"/>
+                  <a:gd name="T26" fmla="*/ 29 w 31"/>
+                  <a:gd name="T27" fmla="*/ 2 h 49"/>
+                  <a:gd name="T28" fmla="*/ 29 w 31"/>
+                  <a:gd name="T29" fmla="*/ 11 h 49"/>
+                  <a:gd name="T30" fmla="*/ 18 w 31"/>
+                  <a:gd name="T31" fmla="*/ 8 h 49"/>
+                  <a:gd name="T32" fmla="*/ 13 w 31"/>
+                  <a:gd name="T33" fmla="*/ 9 h 49"/>
+                  <a:gd name="T34" fmla="*/ 11 w 31"/>
+                  <a:gd name="T35" fmla="*/ 13 h 49"/>
+                  <a:gd name="T36" fmla="*/ 13 w 31"/>
+                  <a:gd name="T37" fmla="*/ 17 h 49"/>
+                  <a:gd name="T38" fmla="*/ 19 w 31"/>
+                  <a:gd name="T39" fmla="*/ 20 h 49"/>
+                  <a:gd name="T40" fmla="*/ 28 w 31"/>
+                  <a:gd name="T41" fmla="*/ 27 h 49"/>
+                  <a:gd name="T42" fmla="*/ 31 w 31"/>
+                  <a:gd name="T43" fmla="*/ 35 h 49"/>
+                </a:gdLst>
+                <a:ahLst/>
+                <a:cxnLst>
+                  <a:cxn ang="0">
+                    <a:pos x="T0" y="T1"/>
+                  </a:cxn>
+                  <a:cxn ang="0">
+                    <a:pos x="T2" y="T3"/>
+                  </a:cxn>
+                  <a:cxn ang="0">
+                    <a:pos x="T4" y="T5"/>
+                  </a:cxn>
+                  <a:cxn ang="0">
+                    <a:pos x="T6" y="T7"/>
+                  </a:cxn>
+                  <a:cxn ang="0">
+                    <a:pos x="T8" y="T9"/>
+                  </a:cxn>
+                  <a:cxn ang="0">
+                    <a:pos x="T10" y="T11"/>
+                  </a:cxn>
+                  <a:cxn ang="0">
+                    <a:pos x="T12" y="T13"/>
+                  </a:cxn>
+                  <a:cxn ang="0">
+                    <a:pos x="T14" y="T15"/>
+                  </a:cxn>
+                  <a:cxn ang="0">
+                    <a:pos x="T16" y="T17"/>
+                  </a:cxn>
+                  <a:cxn ang="0">
+                    <a:pos x="T18" y="T19"/>
+                  </a:cxn>
+                  <a:cxn ang="0">
+                    <a:pos x="T20" y="T21"/>
+                  </a:cxn>
+                  <a:cxn ang="0">
+                    <a:pos x="T22" y="T23"/>
+                  </a:cxn>
+                  <a:cxn ang="0">
+                    <a:pos x="T24" y="T25"/>
+                  </a:cxn>
+                  <a:cxn ang="0">
+                    <a:pos x="T26" y="T27"/>
+                  </a:cxn>
+                  <a:cxn ang="0">
+                    <a:pos x="T28" y="T29"/>
+                  </a:cxn>
+                  <a:cxn ang="0">
+                    <a:pos x="T30" y="T31"/>
+                  </a:cxn>
+                  <a:cxn ang="0">
+                    <a:pos x="T32" y="T33"/>
+                  </a:cxn>
+                  <a:cxn ang="0">
+                    <a:pos x="T34" y="T35"/>
+                  </a:cxn>
+                  <a:cxn ang="0">
+                    <a:pos x="T36" y="T37"/>
+                  </a:cxn>
+                  <a:cxn ang="0">
+                    <a:pos x="T38" y="T39"/>
+                  </a:cxn>
+                  <a:cxn ang="0">
+                    <a:pos x="T40" y="T41"/>
+                  </a:cxn>
+                  <a:cxn ang="0">
+                    <a:pos x="T42" y="T43"/>
+                  </a:cxn>
+                </a:cxnLst>
+                <a:rect l="0" t="0" r="r" b="b"/>
+                <a:pathLst>
+                  <a:path w="31" h="49">
+                    <a:moveTo>
+                      <a:pt x="31" y="35"/>
+                    </a:moveTo>
+                    <a:cubicBezTo>
+                      <a:pt x="31" y="39"/>
+                      <a:pt x="29" y="43"/>
+                      <a:pt x="26" y="45"/>
+                    </a:cubicBezTo>
+                    <a:cubicBezTo>
+                      <a:pt x="23" y="47"/>
+                      <a:pt x="18" y="49"/>
+                      <a:pt x="13" y="49"/>
+                    </a:cubicBezTo>
+                    <a:cubicBezTo>
+                      <a:pt x="8" y="49"/>
+                      <a:pt x="4" y="48"/>
+                      <a:pt x="0" y="46"/>
+                    </a:cubicBezTo>
+                    <a:cubicBezTo>
+                      <a:pt x="0" y="36"/>
+                      <a:pt x="0" y="36"/>
+                      <a:pt x="0" y="36"/>
+                    </a:cubicBezTo>
+                    <a:cubicBezTo>
+                      <a:pt x="4" y="39"/>
+                      <a:pt x="8" y="40"/>
+                      <a:pt x="13" y="40"/>
+                    </a:cubicBezTo>
+                    <a:cubicBezTo>
+                      <a:pt x="15" y="40"/>
+                      <a:pt x="17" y="40"/>
+                      <a:pt x="18" y="39"/>
+                    </a:cubicBezTo>
+                    <a:cubicBezTo>
+                      <a:pt x="19" y="38"/>
+                      <a:pt x="20" y="37"/>
+                      <a:pt x="20" y="36"/>
+                    </a:cubicBezTo>
+                    <a:cubicBezTo>
+                      <a:pt x="20" y="34"/>
+                      <a:pt x="19" y="33"/>
+                      <a:pt x="18" y="32"/>
+                    </a:cubicBezTo>
+                    <a:cubicBezTo>
+                      <a:pt x="17" y="31"/>
+                      <a:pt x="14" y="29"/>
+                      <a:pt x="11" y="28"/>
+                    </a:cubicBezTo>
+                    <a:cubicBezTo>
+                      <a:pt x="4" y="24"/>
+                      <a:pt x="0" y="20"/>
+                      <a:pt x="0" y="14"/>
+                    </a:cubicBezTo>
+                    <a:cubicBezTo>
+                      <a:pt x="0" y="10"/>
+                      <a:pt x="2" y="6"/>
+                      <a:pt x="5" y="4"/>
+                    </a:cubicBezTo>
+                    <a:cubicBezTo>
+                      <a:pt x="8" y="1"/>
+                      <a:pt x="12" y="0"/>
+                      <a:pt x="17" y="0"/>
+                    </a:cubicBezTo>
+                    <a:cubicBezTo>
+                      <a:pt x="22" y="0"/>
+                      <a:pt x="26" y="0"/>
+                      <a:pt x="29" y="2"/>
+                    </a:cubicBezTo>
+                    <a:cubicBezTo>
+                      <a:pt x="29" y="11"/>
+                      <a:pt x="29" y="11"/>
+                      <a:pt x="29" y="11"/>
+                    </a:cubicBezTo>
+                    <a:cubicBezTo>
+                      <a:pt x="26" y="9"/>
+                      <a:pt x="22" y="8"/>
+                      <a:pt x="18" y="8"/>
+                    </a:cubicBezTo>
+                    <a:cubicBezTo>
+                      <a:pt x="16" y="8"/>
+                      <a:pt x="14" y="9"/>
+                      <a:pt x="13" y="9"/>
+                    </a:cubicBezTo>
+                    <a:cubicBezTo>
+                      <a:pt x="12" y="10"/>
+                      <a:pt x="11" y="12"/>
+                      <a:pt x="11" y="13"/>
+                    </a:cubicBezTo>
+                    <a:cubicBezTo>
+                      <a:pt x="11" y="14"/>
+                      <a:pt x="12" y="16"/>
+                      <a:pt x="13" y="17"/>
+                    </a:cubicBezTo>
+                    <a:cubicBezTo>
+                      <a:pt x="14" y="18"/>
+                      <a:pt x="16" y="19"/>
+                      <a:pt x="19" y="20"/>
+                    </a:cubicBezTo>
+                    <a:cubicBezTo>
+                      <a:pt x="23" y="22"/>
+                      <a:pt x="26" y="24"/>
+                      <a:pt x="28" y="27"/>
+                    </a:cubicBezTo>
+                    <a:cubicBezTo>
+                      <a:pt x="30" y="29"/>
+                      <a:pt x="31" y="31"/>
+                      <a:pt x="31" y="35"/>
+                    </a:cubicBezTo>
+                    <a:close/>
+                  </a:path>
+                </a:pathLst>
+              </a:custGeom>
+              <a:solidFill>
+                <a:srgbClr val="FFFFFF"/>
+              </a:solidFill>
+              <a:ln>
+                <a:noFill/>
+              </a:ln>
+              <a:extLst>
+                <a:ext uri="{91240B29-F687-4F45-9708-019B960494DF}">
+                  <a14:hiddenLine xmlns:a14="http://schemas.microsoft.com/office/drawing/2010/main" w="9525">
+                    <a:solidFill>
+                      <a:srgbClr val="000000"/>
+                    </a:solidFill>
+                    <a:round/>
+                    <a:headEnd/>
+                    <a:tailEnd/>
+                  </a14:hiddenLine>
+                </a:ext>
+              </a:extLst>
+            </p:spPr>
+            <p:txBody>
+              <a:bodyPr vert="horz" wrap="square" lIns="91440" tIns="45720" rIns="91440" bIns="45720" numCol="1" anchor="t" anchorCtr="0" compatLnSpc="1">
+                <a:prstTxWarp prst="textNoShape">
+                  <a:avLst/>
+                </a:prstTxWarp>
+              </a:bodyPr>
+              <a:lstStyle/>
+              <a:p>
+                <a:pPr marL="0" marR="0" lvl="0" indent="0" defTabSz="914400" eaLnBrk="1" fontAlgn="auto" latinLnBrk="0" hangingPunct="1">
+                  <a:lnSpc>
+                    <a:spcPct val="100000"/>
+                  </a:lnSpc>
+                  <a:spcBef>
+                    <a:spcPts val="0"/>
+                  </a:spcBef>
+                  <a:spcAft>
+                    <a:spcPts val="0"/>
+                  </a:spcAft>
+                  <a:buClrTx/>
+                  <a:buSzTx/>
+                  <a:buFontTx/>
+                  <a:buNone/>
+                  <a:tabLst/>
+                  <a:defRPr/>
+                </a:pPr>
+                <a:endParaRPr kumimoji="0" lang="en-US" altLang="ja-JP" sz="900" b="0" i="0" u="none" strike="noStrike" kern="0" cap="none" spc="0" normalizeH="0" baseline="0" noProof="0">
+                  <a:ln>
+                    <a:noFill/>
+                  </a:ln>
+                  <a:solidFill>
+                    <a:srgbClr val="1A1A1A"/>
+                  </a:solidFill>
+                  <a:effectLst/>
+                  <a:uLnTx/>
+                  <a:uFillTx/>
+                </a:endParaRPr>
+              </a:p>
+            </p:txBody>
+          </p:sp>
+          <p:sp>
+            <p:nvSpPr>
+              <p:cNvPr id="60" name="Freeform 2091">
+                <a:extLst>
+                  <a:ext uri="{FF2B5EF4-FFF2-40B4-BE49-F238E27FC236}">
+                    <a16:creationId xmlns:a16="http://schemas.microsoft.com/office/drawing/2014/main" id="{71D0514E-31A6-FD2A-345E-FCF32748B623}"/>
+                  </a:ext>
+                </a:extLst>
+              </p:cNvPr>
+              <p:cNvSpPr>
+                <a:spLocks noEditPoints="1"/>
+              </p:cNvSpPr>
+              <p:nvPr/>
+            </p:nvSpPr>
+            <p:spPr bwMode="auto">
+              <a:xfrm>
+                <a:off x="1223963" y="5908676"/>
+                <a:ext cx="134938" cy="171450"/>
+              </a:xfrm>
+              <a:custGeom>
+                <a:avLst/>
+                <a:gdLst>
+                  <a:gd name="T0" fmla="*/ 47 w 47"/>
+                  <a:gd name="T1" fmla="*/ 24 h 60"/>
+                  <a:gd name="T2" fmla="*/ 43 w 47"/>
+                  <a:gd name="T3" fmla="*/ 38 h 60"/>
+                  <a:gd name="T4" fmla="*/ 32 w 47"/>
+                  <a:gd name="T5" fmla="*/ 47 h 60"/>
+                  <a:gd name="T6" fmla="*/ 46 w 47"/>
+                  <a:gd name="T7" fmla="*/ 60 h 60"/>
+                  <a:gd name="T8" fmla="*/ 32 w 47"/>
+                  <a:gd name="T9" fmla="*/ 60 h 60"/>
+                  <a:gd name="T10" fmla="*/ 22 w 47"/>
+                  <a:gd name="T11" fmla="*/ 49 h 60"/>
+                  <a:gd name="T12" fmla="*/ 11 w 47"/>
+                  <a:gd name="T13" fmla="*/ 45 h 60"/>
+                  <a:gd name="T14" fmla="*/ 3 w 47"/>
+                  <a:gd name="T15" fmla="*/ 37 h 60"/>
+                  <a:gd name="T16" fmla="*/ 0 w 47"/>
+                  <a:gd name="T17" fmla="*/ 25 h 60"/>
+                  <a:gd name="T18" fmla="*/ 3 w 47"/>
+                  <a:gd name="T19" fmla="*/ 12 h 60"/>
+                  <a:gd name="T20" fmla="*/ 12 w 47"/>
+                  <a:gd name="T21" fmla="*/ 3 h 60"/>
+                  <a:gd name="T22" fmla="*/ 24 w 47"/>
+                  <a:gd name="T23" fmla="*/ 0 h 60"/>
+                  <a:gd name="T24" fmla="*/ 36 w 47"/>
+                  <a:gd name="T25" fmla="*/ 3 h 60"/>
+                  <a:gd name="T26" fmla="*/ 44 w 47"/>
+                  <a:gd name="T27" fmla="*/ 11 h 60"/>
+                  <a:gd name="T28" fmla="*/ 47 w 47"/>
+                  <a:gd name="T29" fmla="*/ 24 h 60"/>
+                  <a:gd name="T30" fmla="*/ 36 w 47"/>
+                  <a:gd name="T31" fmla="*/ 25 h 60"/>
+                  <a:gd name="T32" fmla="*/ 32 w 47"/>
+                  <a:gd name="T33" fmla="*/ 13 h 60"/>
+                  <a:gd name="T34" fmla="*/ 24 w 47"/>
+                  <a:gd name="T35" fmla="*/ 9 h 60"/>
+                  <a:gd name="T36" fmla="*/ 15 w 47"/>
+                  <a:gd name="T37" fmla="*/ 13 h 60"/>
+                  <a:gd name="T38" fmla="*/ 12 w 47"/>
+                  <a:gd name="T39" fmla="*/ 24 h 60"/>
+                  <a:gd name="T40" fmla="*/ 15 w 47"/>
+                  <a:gd name="T41" fmla="*/ 35 h 60"/>
+                  <a:gd name="T42" fmla="*/ 24 w 47"/>
+                  <a:gd name="T43" fmla="*/ 40 h 60"/>
+                  <a:gd name="T44" fmla="*/ 32 w 47"/>
+                  <a:gd name="T45" fmla="*/ 36 h 60"/>
+                  <a:gd name="T46" fmla="*/ 36 w 47"/>
+                  <a:gd name="T47" fmla="*/ 25 h 60"/>
+                </a:gdLst>
+                <a:ahLst/>
+                <a:cxnLst>
+                  <a:cxn ang="0">
+                    <a:pos x="T0" y="T1"/>
+                  </a:cxn>
+                  <a:cxn ang="0">
+                    <a:pos x="T2" y="T3"/>
+                  </a:cxn>
+                  <a:cxn ang="0">
+                    <a:pos x="T4" y="T5"/>
+                  </a:cxn>
+                  <a:cxn ang="0">
+                    <a:pos x="T6" y="T7"/>
+                  </a:cxn>
+                  <a:cxn ang="0">
+                    <a:pos x="T8" y="T9"/>
+                  </a:cxn>
+                  <a:cxn ang="0">
+                    <a:pos x="T10" y="T11"/>
+                  </a:cxn>
+                  <a:cxn ang="0">
+                    <a:pos x="T12" y="T13"/>
+                  </a:cxn>
+                  <a:cxn ang="0">
+                    <a:pos x="T14" y="T15"/>
+                  </a:cxn>
+                  <a:cxn ang="0">
+                    <a:pos x="T16" y="T17"/>
+                  </a:cxn>
+                  <a:cxn ang="0">
+                    <a:pos x="T18" y="T19"/>
+                  </a:cxn>
+                  <a:cxn ang="0">
+                    <a:pos x="T20" y="T21"/>
+                  </a:cxn>
+                  <a:cxn ang="0">
+                    <a:pos x="T22" y="T23"/>
+                  </a:cxn>
+                  <a:cxn ang="0">
+                    <a:pos x="T24" y="T25"/>
+                  </a:cxn>
+                  <a:cxn ang="0">
+                    <a:pos x="T26" y="T27"/>
+                  </a:cxn>
+                  <a:cxn ang="0">
+                    <a:pos x="T28" y="T29"/>
+                  </a:cxn>
+                  <a:cxn ang="0">
+                    <a:pos x="T30" y="T31"/>
+                  </a:cxn>
+                  <a:cxn ang="0">
+                    <a:pos x="T32" y="T33"/>
+                  </a:cxn>
+                  <a:cxn ang="0">
+                    <a:pos x="T34" y="T35"/>
+                  </a:cxn>
+                  <a:cxn ang="0">
+                    <a:pos x="T36" y="T37"/>
+                  </a:cxn>
+                  <a:cxn ang="0">
+                    <a:pos x="T38" y="T39"/>
+                  </a:cxn>
+                  <a:cxn ang="0">
+                    <a:pos x="T40" y="T41"/>
+                  </a:cxn>
+                  <a:cxn ang="0">
+                    <a:pos x="T42" y="T43"/>
+                  </a:cxn>
+                  <a:cxn ang="0">
+                    <a:pos x="T44" y="T45"/>
+                  </a:cxn>
+                  <a:cxn ang="0">
+                    <a:pos x="T46" y="T47"/>
+                  </a:cxn>
+                </a:cxnLst>
+                <a:rect l="0" t="0" r="r" b="b"/>
+                <a:pathLst>
+                  <a:path w="47" h="60">
+                    <a:moveTo>
+                      <a:pt x="47" y="24"/>
+                    </a:moveTo>
+                    <a:cubicBezTo>
+                      <a:pt x="47" y="29"/>
+                      <a:pt x="46" y="34"/>
+                      <a:pt x="43" y="38"/>
+                    </a:cubicBezTo>
+                    <a:cubicBezTo>
+                      <a:pt x="40" y="42"/>
+                      <a:pt x="37" y="45"/>
+                      <a:pt x="32" y="47"/>
+                    </a:cubicBezTo>
+                    <a:cubicBezTo>
+                      <a:pt x="46" y="60"/>
+                      <a:pt x="46" y="60"/>
+                      <a:pt x="46" y="60"/>
+                    </a:cubicBezTo>
+                    <a:cubicBezTo>
+                      <a:pt x="32" y="60"/>
+                      <a:pt x="32" y="60"/>
+                      <a:pt x="32" y="60"/>
+                    </a:cubicBezTo>
+                    <a:cubicBezTo>
+                      <a:pt x="22" y="49"/>
+                      <a:pt x="22" y="49"/>
+                      <a:pt x="22" y="49"/>
+                    </a:cubicBezTo>
+                    <a:cubicBezTo>
+                      <a:pt x="18" y="49"/>
+                      <a:pt x="14" y="47"/>
+                      <a:pt x="11" y="45"/>
+                    </a:cubicBezTo>
+                    <a:cubicBezTo>
+                      <a:pt x="8" y="43"/>
+                      <a:pt x="5" y="40"/>
+                      <a:pt x="3" y="37"/>
+                    </a:cubicBezTo>
+                    <a:cubicBezTo>
+                      <a:pt x="1" y="33"/>
+                      <a:pt x="0" y="29"/>
+                      <a:pt x="0" y="25"/>
+                    </a:cubicBezTo>
+                    <a:cubicBezTo>
+                      <a:pt x="0" y="20"/>
+                      <a:pt x="1" y="16"/>
+                      <a:pt x="3" y="12"/>
+                    </a:cubicBezTo>
+                    <a:cubicBezTo>
+                      <a:pt x="5" y="8"/>
+                      <a:pt x="8" y="5"/>
+                      <a:pt x="12" y="3"/>
+                    </a:cubicBezTo>
+                    <a:cubicBezTo>
+                      <a:pt x="15" y="1"/>
+                      <a:pt x="20" y="0"/>
+                      <a:pt x="24" y="0"/>
+                    </a:cubicBezTo>
+                    <a:cubicBezTo>
+                      <a:pt x="29" y="0"/>
+                      <a:pt x="32" y="1"/>
+                      <a:pt x="36" y="3"/>
+                    </a:cubicBezTo>
+                    <a:cubicBezTo>
+                      <a:pt x="39" y="5"/>
+                      <a:pt x="42" y="8"/>
+                      <a:pt x="44" y="11"/>
+                    </a:cubicBezTo>
+                    <a:cubicBezTo>
+                      <a:pt x="46" y="15"/>
+                      <a:pt x="47" y="19"/>
+                      <a:pt x="47" y="24"/>
+                    </a:cubicBezTo>
+                    <a:close/>
+                    <a:moveTo>
+                      <a:pt x="36" y="25"/>
+                    </a:moveTo>
+                    <a:cubicBezTo>
+                      <a:pt x="36" y="20"/>
+                      <a:pt x="35" y="16"/>
+                      <a:pt x="32" y="13"/>
+                    </a:cubicBezTo>
+                    <a:cubicBezTo>
+                      <a:pt x="30" y="10"/>
+                      <a:pt x="28" y="9"/>
+                      <a:pt x="24" y="9"/>
+                    </a:cubicBezTo>
+                    <a:cubicBezTo>
+                      <a:pt x="20" y="9"/>
+                      <a:pt x="17" y="10"/>
+                      <a:pt x="15" y="13"/>
+                    </a:cubicBezTo>
+                    <a:cubicBezTo>
+                      <a:pt x="13" y="16"/>
+                      <a:pt x="12" y="20"/>
+                      <a:pt x="12" y="24"/>
+                    </a:cubicBezTo>
+                    <a:cubicBezTo>
+                      <a:pt x="12" y="29"/>
+                      <a:pt x="13" y="33"/>
+                      <a:pt x="15" y="35"/>
+                    </a:cubicBezTo>
+                    <a:cubicBezTo>
+                      <a:pt x="17" y="38"/>
+                      <a:pt x="20" y="40"/>
+                      <a:pt x="24" y="40"/>
+                    </a:cubicBezTo>
+                    <a:cubicBezTo>
+                      <a:pt x="27" y="40"/>
+                      <a:pt x="30" y="38"/>
+                      <a:pt x="32" y="36"/>
+                    </a:cubicBezTo>
+                    <a:cubicBezTo>
+                      <a:pt x="35" y="33"/>
+                      <a:pt x="36" y="29"/>
+                      <a:pt x="36" y="25"/>
+                    </a:cubicBezTo>
+                    <a:close/>
+                  </a:path>
+                </a:pathLst>
+              </a:custGeom>
+              <a:solidFill>
+                <a:srgbClr val="FFFFFF"/>
+              </a:solidFill>
+              <a:ln>
+                <a:noFill/>
+              </a:ln>
+              <a:extLst>
+                <a:ext uri="{91240B29-F687-4F45-9708-019B960494DF}">
+                  <a14:hiddenLine xmlns:a14="http://schemas.microsoft.com/office/drawing/2010/main" w="9525">
+                    <a:solidFill>
+                      <a:srgbClr val="000000"/>
+                    </a:solidFill>
+                    <a:round/>
+                    <a:headEnd/>
+                    <a:tailEnd/>
+                  </a14:hiddenLine>
+                </a:ext>
+              </a:extLst>
+            </p:spPr>
+            <p:txBody>
+              <a:bodyPr vert="horz" wrap="square" lIns="91440" tIns="45720" rIns="91440" bIns="45720" numCol="1" anchor="t" anchorCtr="0" compatLnSpc="1">
+                <a:prstTxWarp prst="textNoShape">
+                  <a:avLst/>
+                </a:prstTxWarp>
+              </a:bodyPr>
+              <a:lstStyle/>
+              <a:p>
+                <a:pPr marL="0" marR="0" lvl="0" indent="0" defTabSz="914400" eaLnBrk="1" fontAlgn="auto" latinLnBrk="0" hangingPunct="1">
+                  <a:lnSpc>
+                    <a:spcPct val="100000"/>
+                  </a:lnSpc>
+                  <a:spcBef>
+                    <a:spcPts val="0"/>
+                  </a:spcBef>
+                  <a:spcAft>
+                    <a:spcPts val="0"/>
+                  </a:spcAft>
+                  <a:buClrTx/>
+                  <a:buSzTx/>
+                  <a:buFontTx/>
+                  <a:buNone/>
+                  <a:tabLst/>
+                  <a:defRPr/>
+                </a:pPr>
+                <a:endParaRPr kumimoji="0" lang="en-US" altLang="ja-JP" sz="900" b="0" i="0" u="none" strike="noStrike" kern="0" cap="none" spc="0" normalizeH="0" baseline="0" noProof="0">
+                  <a:ln>
+                    <a:noFill/>
+                  </a:ln>
+                  <a:solidFill>
+                    <a:srgbClr val="1A1A1A"/>
+                  </a:solidFill>
+                  <a:effectLst/>
+                  <a:uLnTx/>
+                  <a:uFillTx/>
+                </a:endParaRPr>
+              </a:p>
+            </p:txBody>
+          </p:sp>
+          <p:sp>
+            <p:nvSpPr>
+              <p:cNvPr id="61" name="Freeform 2092">
+                <a:extLst>
+                  <a:ext uri="{FF2B5EF4-FFF2-40B4-BE49-F238E27FC236}">
+                    <a16:creationId xmlns:a16="http://schemas.microsoft.com/office/drawing/2014/main" id="{67CD7D46-FAB1-2F24-1276-45564BF22A10}"/>
+                  </a:ext>
+                </a:extLst>
+              </p:cNvPr>
+              <p:cNvSpPr>
+                <a:spLocks/>
+              </p:cNvSpPr>
+              <p:nvPr/>
+            </p:nvSpPr>
+            <p:spPr bwMode="auto">
+              <a:xfrm>
+                <a:off x="1381125" y="5911851"/>
+                <a:ext cx="79375" cy="134938"/>
+              </a:xfrm>
+              <a:custGeom>
+                <a:avLst/>
+                <a:gdLst>
+                  <a:gd name="T0" fmla="*/ 50 w 50"/>
+                  <a:gd name="T1" fmla="*/ 85 h 85"/>
+                  <a:gd name="T2" fmla="*/ 0 w 50"/>
+                  <a:gd name="T3" fmla="*/ 85 h 85"/>
+                  <a:gd name="T4" fmla="*/ 0 w 50"/>
+                  <a:gd name="T5" fmla="*/ 0 h 85"/>
+                  <a:gd name="T6" fmla="*/ 18 w 50"/>
+                  <a:gd name="T7" fmla="*/ 0 h 85"/>
+                  <a:gd name="T8" fmla="*/ 18 w 50"/>
+                  <a:gd name="T9" fmla="*/ 69 h 85"/>
+                  <a:gd name="T10" fmla="*/ 50 w 50"/>
+                  <a:gd name="T11" fmla="*/ 69 h 85"/>
+                  <a:gd name="T12" fmla="*/ 50 w 50"/>
+                  <a:gd name="T13" fmla="*/ 85 h 85"/>
+                </a:gdLst>
+                <a:ahLst/>
+                <a:cxnLst>
+                  <a:cxn ang="0">
+                    <a:pos x="T0" y="T1"/>
+                  </a:cxn>
+                  <a:cxn ang="0">
+                    <a:pos x="T2" y="T3"/>
+                  </a:cxn>
+                  <a:cxn ang="0">
+                    <a:pos x="T4" y="T5"/>
+                  </a:cxn>
+                  <a:cxn ang="0">
+                    <a:pos x="T6" y="T7"/>
+                  </a:cxn>
+                  <a:cxn ang="0">
+                    <a:pos x="T8" y="T9"/>
+                  </a:cxn>
+                  <a:cxn ang="0">
+                    <a:pos x="T10" y="T11"/>
+                  </a:cxn>
+                  <a:cxn ang="0">
+                    <a:pos x="T12" y="T13"/>
+                  </a:cxn>
+                </a:cxnLst>
+                <a:rect l="0" t="0" r="r" b="b"/>
+                <a:pathLst>
+                  <a:path w="50" h="85">
+                    <a:moveTo>
+                      <a:pt x="50" y="85"/>
+                    </a:moveTo>
+                    <a:lnTo>
+                      <a:pt x="0" y="85"/>
+                    </a:lnTo>
+                    <a:lnTo>
+                      <a:pt x="0" y="0"/>
+                    </a:lnTo>
+                    <a:lnTo>
+                      <a:pt x="18" y="0"/>
+                    </a:lnTo>
+                    <a:lnTo>
+                      <a:pt x="18" y="69"/>
+                    </a:lnTo>
+                    <a:lnTo>
+                      <a:pt x="50" y="69"/>
+                    </a:lnTo>
+                    <a:lnTo>
+                      <a:pt x="50" y="85"/>
+                    </a:lnTo>
+                    <a:close/>
+                  </a:path>
+                </a:pathLst>
+              </a:custGeom>
+              <a:solidFill>
+                <a:srgbClr val="FFFFFF"/>
+              </a:solidFill>
+              <a:ln>
+                <a:noFill/>
+              </a:ln>
+              <a:extLst>
+                <a:ext uri="{91240B29-F687-4F45-9708-019B960494DF}">
+                  <a14:hiddenLine xmlns:a14="http://schemas.microsoft.com/office/drawing/2010/main" w="9525">
+                    <a:solidFill>
+                      <a:srgbClr val="000000"/>
+                    </a:solidFill>
+                    <a:round/>
+                    <a:headEnd/>
+                    <a:tailEnd/>
+                  </a14:hiddenLine>
+                </a:ext>
+              </a:extLst>
+            </p:spPr>
+            <p:txBody>
+              <a:bodyPr vert="horz" wrap="square" lIns="91440" tIns="45720" rIns="91440" bIns="45720" numCol="1" anchor="t" anchorCtr="0" compatLnSpc="1">
+                <a:prstTxWarp prst="textNoShape">
+                  <a:avLst/>
+                </a:prstTxWarp>
+              </a:bodyPr>
+              <a:lstStyle/>
+              <a:p>
+                <a:pPr marL="0" marR="0" lvl="0" indent="0" defTabSz="914400" eaLnBrk="1" fontAlgn="auto" latinLnBrk="0" hangingPunct="1">
+                  <a:lnSpc>
+                    <a:spcPct val="100000"/>
+                  </a:lnSpc>
+                  <a:spcBef>
+                    <a:spcPts val="0"/>
+                  </a:spcBef>
+                  <a:spcAft>
+                    <a:spcPts val="0"/>
+                  </a:spcAft>
+                  <a:buClrTx/>
+                  <a:buSzTx/>
+                  <a:buFontTx/>
+                  <a:buNone/>
+                  <a:tabLst/>
+                  <a:defRPr/>
+                </a:pPr>
+                <a:endParaRPr kumimoji="0" lang="en-US" altLang="ja-JP" sz="900" b="0" i="0" u="none" strike="noStrike" kern="0" cap="none" spc="0" normalizeH="0" baseline="0" noProof="0">
+                  <a:ln>
+                    <a:noFill/>
+                  </a:ln>
+                  <a:solidFill>
+                    <a:srgbClr val="1A1A1A"/>
+                  </a:solidFill>
+                  <a:effectLst/>
+                  <a:uLnTx/>
+                  <a:uFillTx/>
+                </a:endParaRPr>
+              </a:p>
+            </p:txBody>
+          </p:sp>
+        </p:grpSp>
+        <p:grpSp>
+          <p:nvGrpSpPr>
+            <p:cNvPr id="37" name="グループ化 36">
+              <a:extLst>
+                <a:ext uri="{FF2B5EF4-FFF2-40B4-BE49-F238E27FC236}">
+                  <a16:creationId xmlns:a16="http://schemas.microsoft.com/office/drawing/2014/main" id="{055CD2DE-4217-CE1D-1C92-B0EFF8DD6A79}"/>
+                </a:ext>
+              </a:extLst>
+            </p:cNvPr>
+            <p:cNvGrpSpPr/>
+            <p:nvPr/>
+          </p:nvGrpSpPr>
+          <p:grpSpPr>
+            <a:xfrm>
+              <a:off x="3277796" y="5062445"/>
+              <a:ext cx="981155" cy="978436"/>
+              <a:chOff x="1935163" y="1492251"/>
+              <a:chExt cx="573088" cy="571500"/>
+            </a:xfrm>
+          </p:grpSpPr>
+          <p:sp>
+            <p:nvSpPr>
+              <p:cNvPr id="46" name="Freeform 1174">
+                <a:extLst>
+                  <a:ext uri="{FF2B5EF4-FFF2-40B4-BE49-F238E27FC236}">
+                    <a16:creationId xmlns:a16="http://schemas.microsoft.com/office/drawing/2014/main" id="{81914A08-DA61-795A-DCA0-48552C234ECC}"/>
+                  </a:ext>
+                </a:extLst>
+              </p:cNvPr>
+              <p:cNvSpPr>
+                <a:spLocks/>
+              </p:cNvSpPr>
+              <p:nvPr/>
+            </p:nvSpPr>
+            <p:spPr bwMode="auto">
+              <a:xfrm>
+                <a:off x="1935163" y="1492251"/>
+                <a:ext cx="573088" cy="571500"/>
+              </a:xfrm>
+              <a:custGeom>
+                <a:avLst/>
+                <a:gdLst>
+                  <a:gd name="T0" fmla="*/ 100 w 200"/>
+                  <a:gd name="T1" fmla="*/ 200 h 200"/>
+                  <a:gd name="T2" fmla="*/ 87 w 200"/>
+                  <a:gd name="T3" fmla="*/ 194 h 200"/>
+                  <a:gd name="T4" fmla="*/ 6 w 200"/>
+                  <a:gd name="T5" fmla="*/ 113 h 200"/>
+                  <a:gd name="T6" fmla="*/ 0 w 200"/>
+                  <a:gd name="T7" fmla="*/ 100 h 200"/>
+                  <a:gd name="T8" fmla="*/ 6 w 200"/>
+                  <a:gd name="T9" fmla="*/ 87 h 200"/>
+                  <a:gd name="T10" fmla="*/ 87 w 200"/>
+                  <a:gd name="T11" fmla="*/ 5 h 200"/>
+                  <a:gd name="T12" fmla="*/ 100 w 200"/>
+                  <a:gd name="T13" fmla="*/ 0 h 200"/>
+                  <a:gd name="T14" fmla="*/ 113 w 200"/>
+                  <a:gd name="T15" fmla="*/ 5 h 200"/>
+                  <a:gd name="T16" fmla="*/ 195 w 200"/>
+                  <a:gd name="T17" fmla="*/ 87 h 200"/>
+                  <a:gd name="T18" fmla="*/ 200 w 200"/>
+                  <a:gd name="T19" fmla="*/ 100 h 200"/>
+                  <a:gd name="T20" fmla="*/ 195 w 200"/>
+                  <a:gd name="T21" fmla="*/ 113 h 200"/>
+                  <a:gd name="T22" fmla="*/ 113 w 200"/>
+                  <a:gd name="T23" fmla="*/ 194 h 200"/>
+                  <a:gd name="T24" fmla="*/ 100 w 200"/>
+                  <a:gd name="T25" fmla="*/ 200 h 200"/>
+                </a:gdLst>
+                <a:ahLst/>
+                <a:cxnLst>
+                  <a:cxn ang="0">
+                    <a:pos x="T0" y="T1"/>
+                  </a:cxn>
+                  <a:cxn ang="0">
+                    <a:pos x="T2" y="T3"/>
+                  </a:cxn>
+                  <a:cxn ang="0">
+                    <a:pos x="T4" y="T5"/>
+                  </a:cxn>
+                  <a:cxn ang="0">
+                    <a:pos x="T6" y="T7"/>
+                  </a:cxn>
+                  <a:cxn ang="0">
+                    <a:pos x="T8" y="T9"/>
+                  </a:cxn>
+                  <a:cxn ang="0">
+                    <a:pos x="T10" y="T11"/>
+                  </a:cxn>
+                  <a:cxn ang="0">
+                    <a:pos x="T12" y="T13"/>
+                  </a:cxn>
+                  <a:cxn ang="0">
+                    <a:pos x="T14" y="T15"/>
+                  </a:cxn>
+                  <a:cxn ang="0">
+                    <a:pos x="T16" y="T17"/>
+                  </a:cxn>
+                  <a:cxn ang="0">
+                    <a:pos x="T18" y="T19"/>
+                  </a:cxn>
+                  <a:cxn ang="0">
+                    <a:pos x="T20" y="T21"/>
+                  </a:cxn>
+                  <a:cxn ang="0">
+                    <a:pos x="T22" y="T23"/>
+                  </a:cxn>
+                  <a:cxn ang="0">
+                    <a:pos x="T24" y="T25"/>
+                  </a:cxn>
+                </a:cxnLst>
+                <a:rect l="0" t="0" r="r" b="b"/>
+                <a:pathLst>
+                  <a:path w="200" h="200">
+                    <a:moveTo>
+                      <a:pt x="100" y="200"/>
+                    </a:moveTo>
+                    <a:cubicBezTo>
+                      <a:pt x="95" y="200"/>
+                      <a:pt x="91" y="198"/>
+                      <a:pt x="87" y="194"/>
+                    </a:cubicBezTo>
+                    <a:cubicBezTo>
+                      <a:pt x="6" y="113"/>
+                      <a:pt x="6" y="113"/>
+                      <a:pt x="6" y="113"/>
+                    </a:cubicBezTo>
+                    <a:cubicBezTo>
+                      <a:pt x="2" y="109"/>
+                      <a:pt x="0" y="105"/>
+                      <a:pt x="0" y="100"/>
+                    </a:cubicBezTo>
+                    <a:cubicBezTo>
+                      <a:pt x="0" y="95"/>
+                      <a:pt x="2" y="90"/>
+                      <a:pt x="6" y="87"/>
+                    </a:cubicBezTo>
+                    <a:cubicBezTo>
+                      <a:pt x="87" y="5"/>
+                      <a:pt x="87" y="5"/>
+                      <a:pt x="87" y="5"/>
+                    </a:cubicBezTo>
+                    <a:cubicBezTo>
+                      <a:pt x="91" y="2"/>
+                      <a:pt x="95" y="0"/>
+                      <a:pt x="100" y="0"/>
+                    </a:cubicBezTo>
+                    <a:cubicBezTo>
+                      <a:pt x="105" y="0"/>
+                      <a:pt x="110" y="2"/>
+                      <a:pt x="113" y="5"/>
+                    </a:cubicBezTo>
+                    <a:cubicBezTo>
+                      <a:pt x="195" y="87"/>
+                      <a:pt x="195" y="87"/>
+                      <a:pt x="195" y="87"/>
+                    </a:cubicBezTo>
+                    <a:cubicBezTo>
+                      <a:pt x="198" y="90"/>
+                      <a:pt x="200" y="95"/>
+                      <a:pt x="200" y="100"/>
+                    </a:cubicBezTo>
+                    <a:cubicBezTo>
+                      <a:pt x="200" y="105"/>
+                      <a:pt x="198" y="109"/>
+                      <a:pt x="195" y="113"/>
+                    </a:cubicBezTo>
+                    <a:cubicBezTo>
+                      <a:pt x="113" y="194"/>
+                      <a:pt x="113" y="194"/>
+                      <a:pt x="113" y="194"/>
+                    </a:cubicBezTo>
+                    <a:cubicBezTo>
+                      <a:pt x="110" y="198"/>
+                      <a:pt x="105" y="200"/>
+                      <a:pt x="100" y="200"/>
+                    </a:cubicBezTo>
+                  </a:path>
+                </a:pathLst>
+              </a:custGeom>
+              <a:solidFill>
+                <a:srgbClr val="7FBA00"/>
+              </a:solidFill>
+              <a:ln>
+                <a:noFill/>
+              </a:ln>
+              <a:extLst>
+                <a:ext uri="{91240B29-F687-4F45-9708-019B960494DF}">
+                  <a14:hiddenLine xmlns:a14="http://schemas.microsoft.com/office/drawing/2010/main" w="9525">
+                    <a:solidFill>
+                      <a:srgbClr val="000000"/>
+                    </a:solidFill>
+                    <a:round/>
+                    <a:headEnd/>
+                    <a:tailEnd/>
+                  </a14:hiddenLine>
+                </a:ext>
+              </a:extLst>
+            </p:spPr>
+            <p:txBody>
+              <a:bodyPr vert="horz" wrap="square" lIns="91440" tIns="45720" rIns="91440" bIns="45720" numCol="1" anchor="t" anchorCtr="0" compatLnSpc="1">
+                <a:prstTxWarp prst="textNoShape">
+                  <a:avLst/>
+                </a:prstTxWarp>
+              </a:bodyPr>
+              <a:lstStyle/>
+              <a:p>
+                <a:pPr marL="0" marR="0" lvl="0" indent="0" defTabSz="914400" eaLnBrk="1" fontAlgn="auto" latinLnBrk="0" hangingPunct="1">
+                  <a:lnSpc>
+                    <a:spcPct val="100000"/>
+                  </a:lnSpc>
+                  <a:spcBef>
+                    <a:spcPts val="0"/>
+                  </a:spcBef>
+                  <a:spcAft>
+                    <a:spcPts val="0"/>
+                  </a:spcAft>
+                  <a:buClrTx/>
+                  <a:buSzTx/>
+                  <a:buFontTx/>
+                  <a:buNone/>
+                  <a:tabLst/>
+                  <a:defRPr/>
+                </a:pPr>
+                <a:endParaRPr kumimoji="0" lang="en-US" altLang="ja-JP" sz="900" b="0" i="0" u="none" strike="noStrike" kern="0" cap="none" spc="0" normalizeH="0" baseline="0" noProof="0">
+                  <a:ln>
+                    <a:noFill/>
+                  </a:ln>
+                  <a:solidFill>
+                    <a:srgbClr val="1A1A1A"/>
+                  </a:solidFill>
+                  <a:effectLst/>
+                  <a:uLnTx/>
+                  <a:uFillTx/>
+                </a:endParaRPr>
+              </a:p>
+            </p:txBody>
+          </p:sp>
+          <p:sp>
+            <p:nvSpPr>
+              <p:cNvPr id="47" name="Freeform 1175">
+                <a:extLst>
+                  <a:ext uri="{FF2B5EF4-FFF2-40B4-BE49-F238E27FC236}">
+                    <a16:creationId xmlns:a16="http://schemas.microsoft.com/office/drawing/2014/main" id="{45C028B3-D5C8-2A84-6CF6-7889521C6263}"/>
+                  </a:ext>
+                </a:extLst>
+              </p:cNvPr>
+              <p:cNvSpPr>
+                <a:spLocks/>
+              </p:cNvSpPr>
+              <p:nvPr/>
+            </p:nvSpPr>
+            <p:spPr bwMode="auto">
+              <a:xfrm>
+                <a:off x="1987551" y="1541463"/>
+                <a:ext cx="471488" cy="463550"/>
+              </a:xfrm>
+              <a:custGeom>
+                <a:avLst/>
+                <a:gdLst>
+                  <a:gd name="T0" fmla="*/ 165 w 165"/>
+                  <a:gd name="T1" fmla="*/ 81 h 162"/>
+                  <a:gd name="T2" fmla="*/ 138 w 165"/>
+                  <a:gd name="T3" fmla="*/ 55 h 162"/>
+                  <a:gd name="T4" fmla="*/ 138 w 165"/>
+                  <a:gd name="T5" fmla="*/ 74 h 162"/>
+                  <a:gd name="T6" fmla="*/ 110 w 165"/>
+                  <a:gd name="T7" fmla="*/ 74 h 162"/>
+                  <a:gd name="T8" fmla="*/ 90 w 165"/>
+                  <a:gd name="T9" fmla="*/ 54 h 162"/>
+                  <a:gd name="T10" fmla="*/ 90 w 165"/>
+                  <a:gd name="T11" fmla="*/ 27 h 162"/>
+                  <a:gd name="T12" fmla="*/ 109 w 165"/>
+                  <a:gd name="T13" fmla="*/ 27 h 162"/>
+                  <a:gd name="T14" fmla="*/ 82 w 165"/>
+                  <a:gd name="T15" fmla="*/ 0 h 162"/>
+                  <a:gd name="T16" fmla="*/ 56 w 165"/>
+                  <a:gd name="T17" fmla="*/ 27 h 162"/>
+                  <a:gd name="T18" fmla="*/ 74 w 165"/>
+                  <a:gd name="T19" fmla="*/ 27 h 162"/>
+                  <a:gd name="T20" fmla="*/ 74 w 165"/>
+                  <a:gd name="T21" fmla="*/ 54 h 162"/>
+                  <a:gd name="T22" fmla="*/ 54 w 165"/>
+                  <a:gd name="T23" fmla="*/ 74 h 162"/>
+                  <a:gd name="T24" fmla="*/ 26 w 165"/>
+                  <a:gd name="T25" fmla="*/ 74 h 162"/>
+                  <a:gd name="T26" fmla="*/ 26 w 165"/>
+                  <a:gd name="T27" fmla="*/ 55 h 162"/>
+                  <a:gd name="T28" fmla="*/ 0 w 165"/>
+                  <a:gd name="T29" fmla="*/ 82 h 162"/>
+                  <a:gd name="T30" fmla="*/ 26 w 165"/>
+                  <a:gd name="T31" fmla="*/ 108 h 162"/>
+                  <a:gd name="T32" fmla="*/ 26 w 165"/>
+                  <a:gd name="T33" fmla="*/ 89 h 162"/>
+                  <a:gd name="T34" fmla="*/ 54 w 165"/>
+                  <a:gd name="T35" fmla="*/ 89 h 162"/>
+                  <a:gd name="T36" fmla="*/ 74 w 165"/>
+                  <a:gd name="T37" fmla="*/ 109 h 162"/>
+                  <a:gd name="T38" fmla="*/ 74 w 165"/>
+                  <a:gd name="T39" fmla="*/ 128 h 162"/>
+                  <a:gd name="T40" fmla="*/ 64 w 165"/>
+                  <a:gd name="T41" fmla="*/ 144 h 162"/>
+                  <a:gd name="T42" fmla="*/ 82 w 165"/>
+                  <a:gd name="T43" fmla="*/ 162 h 162"/>
+                  <a:gd name="T44" fmla="*/ 100 w 165"/>
+                  <a:gd name="T45" fmla="*/ 144 h 162"/>
+                  <a:gd name="T46" fmla="*/ 90 w 165"/>
+                  <a:gd name="T47" fmla="*/ 128 h 162"/>
+                  <a:gd name="T48" fmla="*/ 90 w 165"/>
+                  <a:gd name="T49" fmla="*/ 109 h 162"/>
+                  <a:gd name="T50" fmla="*/ 110 w 165"/>
+                  <a:gd name="T51" fmla="*/ 89 h 162"/>
+                  <a:gd name="T52" fmla="*/ 138 w 165"/>
+                  <a:gd name="T53" fmla="*/ 89 h 162"/>
+                  <a:gd name="T54" fmla="*/ 138 w 165"/>
+                  <a:gd name="T55" fmla="*/ 108 h 162"/>
+                  <a:gd name="T56" fmla="*/ 165 w 165"/>
+                  <a:gd name="T57" fmla="*/ 81 h 162"/>
+                </a:gdLst>
+                <a:ahLst/>
+                <a:cxnLst>
+                  <a:cxn ang="0">
+                    <a:pos x="T0" y="T1"/>
+                  </a:cxn>
+                  <a:cxn ang="0">
+                    <a:pos x="T2" y="T3"/>
+                  </a:cxn>
+                  <a:cxn ang="0">
+                    <a:pos x="T4" y="T5"/>
+                  </a:cxn>
+                  <a:cxn ang="0">
+                    <a:pos x="T6" y="T7"/>
+                  </a:cxn>
+                  <a:cxn ang="0">
+                    <a:pos x="T8" y="T9"/>
+                  </a:cxn>
+                  <a:cxn ang="0">
+                    <a:pos x="T10" y="T11"/>
+                  </a:cxn>
+                  <a:cxn ang="0">
+                    <a:pos x="T12" y="T13"/>
+                  </a:cxn>
+                  <a:cxn ang="0">
+                    <a:pos x="T14" y="T15"/>
+                  </a:cxn>
+                  <a:cxn ang="0">
+                    <a:pos x="T16" y="T17"/>
+                  </a:cxn>
+                  <a:cxn ang="0">
+                    <a:pos x="T18" y="T19"/>
+                  </a:cxn>
+                  <a:cxn ang="0">
+                    <a:pos x="T20" y="T21"/>
+                  </a:cxn>
+                  <a:cxn ang="0">
+                    <a:pos x="T22" y="T23"/>
+                  </a:cxn>
+                  <a:cxn ang="0">
+                    <a:pos x="T24" y="T25"/>
+                  </a:cxn>
+                  <a:cxn ang="0">
+                    <a:pos x="T26" y="T27"/>
+                  </a:cxn>
+                  <a:cxn ang="0">
+                    <a:pos x="T28" y="T29"/>
+                  </a:cxn>
+                  <a:cxn ang="0">
+                    <a:pos x="T30" y="T31"/>
+                  </a:cxn>
+                  <a:cxn ang="0">
+                    <a:pos x="T32" y="T33"/>
+                  </a:cxn>
+                  <a:cxn ang="0">
+                    <a:pos x="T34" y="T35"/>
+                  </a:cxn>
+                  <a:cxn ang="0">
+                    <a:pos x="T36" y="T37"/>
+                  </a:cxn>
+                  <a:cxn ang="0">
+                    <a:pos x="T38" y="T39"/>
+                  </a:cxn>
+                  <a:cxn ang="0">
+                    <a:pos x="T40" y="T41"/>
+                  </a:cxn>
+                  <a:cxn ang="0">
+                    <a:pos x="T42" y="T43"/>
+                  </a:cxn>
+                  <a:cxn ang="0">
+                    <a:pos x="T44" y="T45"/>
+                  </a:cxn>
+                  <a:cxn ang="0">
+                    <a:pos x="T46" y="T47"/>
+                  </a:cxn>
+                  <a:cxn ang="0">
+                    <a:pos x="T48" y="T49"/>
+                  </a:cxn>
+                  <a:cxn ang="0">
+                    <a:pos x="T50" y="T51"/>
+                  </a:cxn>
+                  <a:cxn ang="0">
+                    <a:pos x="T52" y="T53"/>
+                  </a:cxn>
+                  <a:cxn ang="0">
+                    <a:pos x="T54" y="T55"/>
+                  </a:cxn>
+                  <a:cxn ang="0">
+                    <a:pos x="T56" y="T57"/>
+                  </a:cxn>
+                </a:cxnLst>
+                <a:rect l="0" t="0" r="r" b="b"/>
+                <a:pathLst>
+                  <a:path w="165" h="162">
+                    <a:moveTo>
+                      <a:pt x="165" y="81"/>
+                    </a:moveTo>
+                    <a:cubicBezTo>
+                      <a:pt x="138" y="55"/>
+                      <a:pt x="138" y="55"/>
+                      <a:pt x="138" y="55"/>
+                    </a:cubicBezTo>
+                    <a:cubicBezTo>
+                      <a:pt x="138" y="74"/>
+                      <a:pt x="138" y="74"/>
+                      <a:pt x="138" y="74"/>
+                    </a:cubicBezTo>
+                    <a:cubicBezTo>
+                      <a:pt x="110" y="74"/>
+                      <a:pt x="110" y="74"/>
+                      <a:pt x="110" y="74"/>
+                    </a:cubicBezTo>
+                    <a:cubicBezTo>
+                      <a:pt x="107" y="64"/>
+                      <a:pt x="100" y="56"/>
+                      <a:pt x="90" y="54"/>
+                    </a:cubicBezTo>
+                    <a:cubicBezTo>
+                      <a:pt x="90" y="27"/>
+                      <a:pt x="90" y="27"/>
+                      <a:pt x="90" y="27"/>
+                    </a:cubicBezTo>
+                    <a:cubicBezTo>
+                      <a:pt x="109" y="27"/>
+                      <a:pt x="109" y="27"/>
+                      <a:pt x="109" y="27"/>
+                    </a:cubicBezTo>
+                    <a:cubicBezTo>
+                      <a:pt x="82" y="0"/>
+                      <a:pt x="82" y="0"/>
+                      <a:pt x="82" y="0"/>
+                    </a:cubicBezTo>
+                    <a:cubicBezTo>
+                      <a:pt x="56" y="27"/>
+                      <a:pt x="56" y="27"/>
+                      <a:pt x="56" y="27"/>
+                    </a:cubicBezTo>
+                    <a:cubicBezTo>
+                      <a:pt x="74" y="27"/>
+                      <a:pt x="74" y="27"/>
+                      <a:pt x="74" y="27"/>
+                    </a:cubicBezTo>
+                    <a:cubicBezTo>
+                      <a:pt x="74" y="54"/>
+                      <a:pt x="74" y="54"/>
+                      <a:pt x="74" y="54"/>
+                    </a:cubicBezTo>
+                    <a:cubicBezTo>
+                      <a:pt x="65" y="56"/>
+                      <a:pt x="57" y="64"/>
+                      <a:pt x="54" y="74"/>
+                    </a:cubicBezTo>
+                    <a:cubicBezTo>
+                      <a:pt x="26" y="74"/>
+                      <a:pt x="26" y="74"/>
+                      <a:pt x="26" y="74"/>
+                    </a:cubicBezTo>
+                    <a:cubicBezTo>
+                      <a:pt x="26" y="55"/>
+                      <a:pt x="26" y="55"/>
+                      <a:pt x="26" y="55"/>
+                    </a:cubicBezTo>
+                    <a:cubicBezTo>
+                      <a:pt x="0" y="82"/>
+                      <a:pt x="0" y="82"/>
+                      <a:pt x="0" y="82"/>
+                    </a:cubicBezTo>
+                    <a:cubicBezTo>
+                      <a:pt x="26" y="108"/>
+                      <a:pt x="26" y="108"/>
+                      <a:pt x="26" y="108"/>
+                    </a:cubicBezTo>
+                    <a:cubicBezTo>
+                      <a:pt x="26" y="89"/>
+                      <a:pt x="26" y="89"/>
+                      <a:pt x="26" y="89"/>
+                    </a:cubicBezTo>
+                    <a:cubicBezTo>
+                      <a:pt x="54" y="89"/>
+                      <a:pt x="54" y="89"/>
+                      <a:pt x="54" y="89"/>
+                    </a:cubicBezTo>
+                    <a:cubicBezTo>
+                      <a:pt x="57" y="99"/>
+                      <a:pt x="65" y="107"/>
+                      <a:pt x="74" y="109"/>
+                    </a:cubicBezTo>
+                    <a:cubicBezTo>
+                      <a:pt x="74" y="128"/>
+                      <a:pt x="74" y="128"/>
+                      <a:pt x="74" y="128"/>
+                    </a:cubicBezTo>
+                    <a:cubicBezTo>
+                      <a:pt x="70" y="131"/>
+                      <a:pt x="64" y="137"/>
+                      <a:pt x="64" y="144"/>
+                    </a:cubicBezTo>
+                    <a:cubicBezTo>
+                      <a:pt x="64" y="154"/>
+                      <a:pt x="72" y="162"/>
+                      <a:pt x="82" y="162"/>
+                    </a:cubicBezTo>
+                    <a:cubicBezTo>
+                      <a:pt x="92" y="162"/>
+                      <a:pt x="100" y="154"/>
+                      <a:pt x="100" y="144"/>
+                    </a:cubicBezTo>
+                    <a:cubicBezTo>
+                      <a:pt x="100" y="137"/>
+                      <a:pt x="94" y="131"/>
+                      <a:pt x="90" y="128"/>
+                    </a:cubicBezTo>
+                    <a:cubicBezTo>
+                      <a:pt x="90" y="109"/>
+                      <a:pt x="90" y="109"/>
+                      <a:pt x="90" y="109"/>
+                    </a:cubicBezTo>
+                    <a:cubicBezTo>
+                      <a:pt x="100" y="107"/>
+                      <a:pt x="107" y="99"/>
+                      <a:pt x="110" y="89"/>
+                    </a:cubicBezTo>
+                    <a:cubicBezTo>
+                      <a:pt x="138" y="89"/>
+                      <a:pt x="138" y="89"/>
+                      <a:pt x="138" y="89"/>
+                    </a:cubicBezTo>
+                    <a:cubicBezTo>
+                      <a:pt x="138" y="108"/>
+                      <a:pt x="138" y="108"/>
+                      <a:pt x="138" y="108"/>
+                    </a:cubicBezTo>
+                    <a:cubicBezTo>
+                      <a:pt x="165" y="81"/>
+                      <a:pt x="165" y="81"/>
+                      <a:pt x="165" y="81"/>
+                    </a:cubicBezTo>
+                  </a:path>
+                </a:pathLst>
+              </a:custGeom>
+              <a:solidFill>
+                <a:srgbClr val="FFFFFF"/>
+              </a:solidFill>
+              <a:ln>
+                <a:noFill/>
+              </a:ln>
+              <a:extLst>
+                <a:ext uri="{91240B29-F687-4F45-9708-019B960494DF}">
+                  <a14:hiddenLine xmlns:a14="http://schemas.microsoft.com/office/drawing/2010/main" w="9525">
+                    <a:solidFill>
+                      <a:srgbClr val="000000"/>
+                    </a:solidFill>
+                    <a:round/>
+                    <a:headEnd/>
+                    <a:tailEnd/>
+                  </a14:hiddenLine>
+                </a:ext>
+              </a:extLst>
+            </p:spPr>
+            <p:txBody>
+              <a:bodyPr vert="horz" wrap="square" lIns="91440" tIns="45720" rIns="91440" bIns="45720" numCol="1" anchor="t" anchorCtr="0" compatLnSpc="1">
+                <a:prstTxWarp prst="textNoShape">
+                  <a:avLst/>
+                </a:prstTxWarp>
+              </a:bodyPr>
+              <a:lstStyle/>
+              <a:p>
+                <a:pPr marL="0" marR="0" lvl="0" indent="0" defTabSz="914400" eaLnBrk="1" fontAlgn="auto" latinLnBrk="0" hangingPunct="1">
+                  <a:lnSpc>
+                    <a:spcPct val="100000"/>
+                  </a:lnSpc>
+                  <a:spcBef>
+                    <a:spcPts val="0"/>
+                  </a:spcBef>
+                  <a:spcAft>
+                    <a:spcPts val="0"/>
+                  </a:spcAft>
+                  <a:buClrTx/>
+                  <a:buSzTx/>
+                  <a:buFontTx/>
+                  <a:buNone/>
+                  <a:tabLst/>
+                  <a:defRPr/>
+                </a:pPr>
+                <a:endParaRPr kumimoji="0" lang="en-US" altLang="ja-JP" sz="900" b="0" i="0" u="none" strike="noStrike" kern="0" cap="none" spc="0" normalizeH="0" baseline="0" noProof="0">
+                  <a:ln>
+                    <a:noFill/>
+                  </a:ln>
+                  <a:solidFill>
+                    <a:srgbClr val="1A1A1A"/>
+                  </a:solidFill>
+                  <a:effectLst/>
+                  <a:uLnTx/>
+                  <a:uFillTx/>
+                </a:endParaRPr>
+              </a:p>
+            </p:txBody>
+          </p:sp>
+          <p:sp>
+            <p:nvSpPr>
+              <p:cNvPr id="48" name="Oval 1176">
+                <a:extLst>
+                  <a:ext uri="{FF2B5EF4-FFF2-40B4-BE49-F238E27FC236}">
+                    <a16:creationId xmlns:a16="http://schemas.microsoft.com/office/drawing/2014/main" id="{268BB0B7-2F6D-0087-A14E-06CEFF91C338}"/>
+                  </a:ext>
+                </a:extLst>
+              </p:cNvPr>
+              <p:cNvSpPr>
+                <a:spLocks noChangeArrowheads="1"/>
+              </p:cNvSpPr>
+              <p:nvPr/>
+            </p:nvSpPr>
+            <p:spPr bwMode="auto">
+              <a:xfrm>
+                <a:off x="2162176" y="1712913"/>
+                <a:ext cx="119063" cy="119063"/>
+              </a:xfrm>
+              <a:prstGeom prst="ellipse">
+                <a:avLst/>
+              </a:prstGeom>
+              <a:solidFill>
+                <a:srgbClr val="59B4D9"/>
+              </a:solidFill>
+              <a:ln>
+                <a:noFill/>
+              </a:ln>
+              <a:extLst>
+                <a:ext uri="{91240B29-F687-4F45-9708-019B960494DF}">
+                  <a14:hiddenLine xmlns:a14="http://schemas.microsoft.com/office/drawing/2010/main" w="9525">
+                    <a:solidFill>
+                      <a:srgbClr val="000000"/>
+                    </a:solidFill>
+                    <a:round/>
+                    <a:headEnd/>
+                    <a:tailEnd/>
+                  </a14:hiddenLine>
+                </a:ext>
+              </a:extLst>
+            </p:spPr>
+            <p:txBody>
+              <a:bodyPr vert="horz" wrap="square" lIns="91440" tIns="45720" rIns="91440" bIns="45720" numCol="1" anchor="t" anchorCtr="0" compatLnSpc="1">
+                <a:prstTxWarp prst="textNoShape">
+                  <a:avLst/>
+                </a:prstTxWarp>
+              </a:bodyPr>
+              <a:lstStyle/>
+              <a:p>
+                <a:pPr marL="0" marR="0" lvl="0" indent="0" defTabSz="914400" eaLnBrk="1" fontAlgn="auto" latinLnBrk="0" hangingPunct="1">
+                  <a:lnSpc>
+                    <a:spcPct val="100000"/>
+                  </a:lnSpc>
+                  <a:spcBef>
+                    <a:spcPts val="0"/>
+                  </a:spcBef>
+                  <a:spcAft>
+                    <a:spcPts val="0"/>
+                  </a:spcAft>
+                  <a:buClrTx/>
+                  <a:buSzTx/>
+                  <a:buFontTx/>
+                  <a:buNone/>
+                  <a:tabLst/>
+                  <a:defRPr/>
+                </a:pPr>
+                <a:endParaRPr kumimoji="0" lang="en-US" altLang="ja-JP" sz="900" b="0" i="0" u="none" strike="noStrike" kern="0" cap="none" spc="0" normalizeH="0" baseline="0" noProof="0">
+                  <a:ln>
+                    <a:noFill/>
+                  </a:ln>
+                  <a:solidFill>
+                    <a:srgbClr val="1A1A1A"/>
+                  </a:solidFill>
+                  <a:effectLst/>
+                  <a:uLnTx/>
+                  <a:uFillTx/>
+                </a:endParaRPr>
+              </a:p>
+            </p:txBody>
+          </p:sp>
+          <p:sp>
+            <p:nvSpPr>
+              <p:cNvPr id="49" name="Freeform 1177">
+                <a:extLst>
+                  <a:ext uri="{FF2B5EF4-FFF2-40B4-BE49-F238E27FC236}">
+                    <a16:creationId xmlns:a16="http://schemas.microsoft.com/office/drawing/2014/main" id="{C03008B8-5FF6-B0F5-F4C1-B3B7A7C780D1}"/>
+                  </a:ext>
+                </a:extLst>
+              </p:cNvPr>
+              <p:cNvSpPr>
+                <a:spLocks noEditPoints="1"/>
+              </p:cNvSpPr>
+              <p:nvPr/>
+            </p:nvSpPr>
+            <p:spPr bwMode="auto">
+              <a:xfrm>
+                <a:off x="1935163" y="1492251"/>
+                <a:ext cx="398463" cy="455613"/>
+              </a:xfrm>
+              <a:custGeom>
+                <a:avLst/>
+                <a:gdLst>
+                  <a:gd name="T0" fmla="*/ 35 w 139"/>
+                  <a:gd name="T1" fmla="*/ 142 h 159"/>
+                  <a:gd name="T2" fmla="*/ 52 w 139"/>
+                  <a:gd name="T3" fmla="*/ 159 h 159"/>
+                  <a:gd name="T4" fmla="*/ 35 w 139"/>
+                  <a:gd name="T5" fmla="*/ 142 h 159"/>
+                  <a:gd name="T6" fmla="*/ 2 w 139"/>
+                  <a:gd name="T7" fmla="*/ 108 h 159"/>
+                  <a:gd name="T8" fmla="*/ 2 w 139"/>
+                  <a:gd name="T9" fmla="*/ 108 h 159"/>
+                  <a:gd name="T10" fmla="*/ 2 w 139"/>
+                  <a:gd name="T11" fmla="*/ 108 h 159"/>
+                  <a:gd name="T12" fmla="*/ 0 w 139"/>
+                  <a:gd name="T13" fmla="*/ 101 h 159"/>
+                  <a:gd name="T14" fmla="*/ 2 w 139"/>
+                  <a:gd name="T15" fmla="*/ 108 h 159"/>
+                  <a:gd name="T16" fmla="*/ 0 w 139"/>
+                  <a:gd name="T17" fmla="*/ 101 h 159"/>
+                  <a:gd name="T18" fmla="*/ 0 w 139"/>
+                  <a:gd name="T19" fmla="*/ 100 h 159"/>
+                  <a:gd name="T20" fmla="*/ 0 w 139"/>
+                  <a:gd name="T21" fmla="*/ 100 h 159"/>
+                  <a:gd name="T22" fmla="*/ 0 w 139"/>
+                  <a:gd name="T23" fmla="*/ 100 h 159"/>
+                  <a:gd name="T24" fmla="*/ 100 w 139"/>
+                  <a:gd name="T25" fmla="*/ 0 h 159"/>
+                  <a:gd name="T26" fmla="*/ 100 w 139"/>
+                  <a:gd name="T27" fmla="*/ 0 h 159"/>
+                  <a:gd name="T28" fmla="*/ 100 w 139"/>
+                  <a:gd name="T29" fmla="*/ 0 h 159"/>
+                  <a:gd name="T30" fmla="*/ 113 w 139"/>
+                  <a:gd name="T31" fmla="*/ 5 h 159"/>
+                  <a:gd name="T32" fmla="*/ 139 w 139"/>
+                  <a:gd name="T33" fmla="*/ 31 h 159"/>
+                  <a:gd name="T34" fmla="*/ 139 w 139"/>
+                  <a:gd name="T35" fmla="*/ 31 h 159"/>
+                  <a:gd name="T36" fmla="*/ 113 w 139"/>
+                  <a:gd name="T37" fmla="*/ 5 h 159"/>
+                  <a:gd name="T38" fmla="*/ 100 w 139"/>
+                  <a:gd name="T39" fmla="*/ 0 h 159"/>
+                </a:gdLst>
+                <a:ahLst/>
+                <a:cxnLst>
+                  <a:cxn ang="0">
+                    <a:pos x="T0" y="T1"/>
+                  </a:cxn>
+                  <a:cxn ang="0">
+                    <a:pos x="T2" y="T3"/>
+                  </a:cxn>
+                  <a:cxn ang="0">
+                    <a:pos x="T4" y="T5"/>
+                  </a:cxn>
+                  <a:cxn ang="0">
+                    <a:pos x="T6" y="T7"/>
+                  </a:cxn>
+                  <a:cxn ang="0">
+                    <a:pos x="T8" y="T9"/>
+                  </a:cxn>
+                  <a:cxn ang="0">
+                    <a:pos x="T10" y="T11"/>
+                  </a:cxn>
+                  <a:cxn ang="0">
+                    <a:pos x="T12" y="T13"/>
+                  </a:cxn>
+                  <a:cxn ang="0">
+                    <a:pos x="T14" y="T15"/>
+                  </a:cxn>
+                  <a:cxn ang="0">
+                    <a:pos x="T16" y="T17"/>
+                  </a:cxn>
+                  <a:cxn ang="0">
+                    <a:pos x="T18" y="T19"/>
+                  </a:cxn>
+                  <a:cxn ang="0">
+                    <a:pos x="T20" y="T21"/>
+                  </a:cxn>
+                  <a:cxn ang="0">
+                    <a:pos x="T22" y="T23"/>
+                  </a:cxn>
+                  <a:cxn ang="0">
+                    <a:pos x="T24" y="T25"/>
+                  </a:cxn>
+                  <a:cxn ang="0">
+                    <a:pos x="T26" y="T27"/>
+                  </a:cxn>
+                  <a:cxn ang="0">
+                    <a:pos x="T28" y="T29"/>
+                  </a:cxn>
+                  <a:cxn ang="0">
+                    <a:pos x="T30" y="T31"/>
+                  </a:cxn>
+                  <a:cxn ang="0">
+                    <a:pos x="T32" y="T33"/>
+                  </a:cxn>
+                  <a:cxn ang="0">
+                    <a:pos x="T34" y="T35"/>
+                  </a:cxn>
+                  <a:cxn ang="0">
+                    <a:pos x="T36" y="T37"/>
+                  </a:cxn>
+                  <a:cxn ang="0">
+                    <a:pos x="T38" y="T39"/>
+                  </a:cxn>
+                </a:cxnLst>
+                <a:rect l="0" t="0" r="r" b="b"/>
+                <a:pathLst>
+                  <a:path w="139" h="159">
+                    <a:moveTo>
+                      <a:pt x="35" y="142"/>
+                    </a:moveTo>
+                    <a:cubicBezTo>
+                      <a:pt x="52" y="159"/>
+                      <a:pt x="52" y="159"/>
+                      <a:pt x="52" y="159"/>
+                    </a:cubicBezTo>
+                    <a:cubicBezTo>
+                      <a:pt x="35" y="142"/>
+                      <a:pt x="35" y="142"/>
+                      <a:pt x="35" y="142"/>
+                    </a:cubicBezTo>
+                    <a:moveTo>
+                      <a:pt x="2" y="108"/>
+                    </a:moveTo>
+                    <a:cubicBezTo>
+                      <a:pt x="2" y="108"/>
+                      <a:pt x="2" y="108"/>
+                      <a:pt x="2" y="108"/>
+                    </a:cubicBezTo>
+                    <a:cubicBezTo>
+                      <a:pt x="2" y="108"/>
+                      <a:pt x="2" y="108"/>
+                      <a:pt x="2" y="108"/>
+                    </a:cubicBezTo>
+                    <a:moveTo>
+                      <a:pt x="0" y="101"/>
+                    </a:moveTo>
+                    <a:cubicBezTo>
+                      <a:pt x="0" y="103"/>
+                      <a:pt x="1" y="106"/>
+                      <a:pt x="2" y="108"/>
+                    </a:cubicBezTo>
+                    <a:cubicBezTo>
+                      <a:pt x="1" y="106"/>
+                      <a:pt x="0" y="103"/>
+                      <a:pt x="0" y="101"/>
+                    </a:cubicBezTo>
+                    <a:moveTo>
+                      <a:pt x="0" y="100"/>
+                    </a:moveTo>
+                    <a:cubicBezTo>
+                      <a:pt x="0" y="100"/>
+                      <a:pt x="0" y="100"/>
+                      <a:pt x="0" y="100"/>
+                    </a:cubicBezTo>
+                    <a:cubicBezTo>
+                      <a:pt x="0" y="100"/>
+                      <a:pt x="0" y="100"/>
+                      <a:pt x="0" y="100"/>
+                    </a:cubicBezTo>
+                    <a:moveTo>
+                      <a:pt x="100" y="0"/>
+                    </a:moveTo>
+                    <a:cubicBezTo>
+                      <a:pt x="100" y="0"/>
+                      <a:pt x="100" y="0"/>
+                      <a:pt x="100" y="0"/>
+                    </a:cubicBezTo>
+                    <a:cubicBezTo>
+                      <a:pt x="100" y="0"/>
+                      <a:pt x="100" y="0"/>
+                      <a:pt x="100" y="0"/>
+                    </a:cubicBezTo>
+                    <a:cubicBezTo>
+                      <a:pt x="105" y="0"/>
+                      <a:pt x="110" y="2"/>
+                      <a:pt x="113" y="5"/>
+                    </a:cubicBezTo>
+                    <a:cubicBezTo>
+                      <a:pt x="139" y="31"/>
+                      <a:pt x="139" y="31"/>
+                      <a:pt x="139" y="31"/>
+                    </a:cubicBezTo>
+                    <a:cubicBezTo>
+                      <a:pt x="139" y="31"/>
+                      <a:pt x="139" y="31"/>
+                      <a:pt x="139" y="31"/>
+                    </a:cubicBezTo>
+                    <a:cubicBezTo>
+                      <a:pt x="113" y="5"/>
+                      <a:pt x="113" y="5"/>
+                      <a:pt x="113" y="5"/>
+                    </a:cubicBezTo>
+                    <a:cubicBezTo>
+                      <a:pt x="110" y="2"/>
+                      <a:pt x="105" y="0"/>
+                      <a:pt x="100" y="0"/>
+                    </a:cubicBezTo>
+                  </a:path>
+                </a:pathLst>
+              </a:custGeom>
+              <a:solidFill>
+                <a:srgbClr val="FFFFFF"/>
+              </a:solidFill>
+              <a:ln>
+                <a:noFill/>
+              </a:ln>
+              <a:extLst>
+                <a:ext uri="{91240B29-F687-4F45-9708-019B960494DF}">
+                  <a14:hiddenLine xmlns:a14="http://schemas.microsoft.com/office/drawing/2010/main" w="9525">
+                    <a:solidFill>
+                      <a:srgbClr val="000000"/>
+                    </a:solidFill>
+                    <a:round/>
+                    <a:headEnd/>
+                    <a:tailEnd/>
+                  </a14:hiddenLine>
+                </a:ext>
+              </a:extLst>
+            </p:spPr>
+            <p:txBody>
+              <a:bodyPr vert="horz" wrap="square" lIns="91440" tIns="45720" rIns="91440" bIns="45720" numCol="1" anchor="t" anchorCtr="0" compatLnSpc="1">
+                <a:prstTxWarp prst="textNoShape">
+                  <a:avLst/>
+                </a:prstTxWarp>
+              </a:bodyPr>
+              <a:lstStyle/>
+              <a:p>
+                <a:pPr marL="0" marR="0" lvl="0" indent="0" defTabSz="914400" eaLnBrk="1" fontAlgn="auto" latinLnBrk="0" hangingPunct="1">
+                  <a:lnSpc>
+                    <a:spcPct val="100000"/>
+                  </a:lnSpc>
+                  <a:spcBef>
+                    <a:spcPts val="0"/>
+                  </a:spcBef>
+                  <a:spcAft>
+                    <a:spcPts val="0"/>
+                  </a:spcAft>
+                  <a:buClrTx/>
+                  <a:buSzTx/>
+                  <a:buFontTx/>
+                  <a:buNone/>
+                  <a:tabLst/>
+                  <a:defRPr/>
+                </a:pPr>
+                <a:endParaRPr kumimoji="0" lang="en-US" altLang="ja-JP" sz="900" b="0" i="0" u="none" strike="noStrike" kern="0" cap="none" spc="0" normalizeH="0" baseline="0" noProof="0">
+                  <a:ln>
+                    <a:noFill/>
+                  </a:ln>
+                  <a:solidFill>
+                    <a:srgbClr val="1A1A1A"/>
+                  </a:solidFill>
+                  <a:effectLst/>
+                  <a:uLnTx/>
+                  <a:uFillTx/>
+                </a:endParaRPr>
+              </a:p>
+            </p:txBody>
+          </p:sp>
+          <p:sp>
+            <p:nvSpPr>
+              <p:cNvPr id="50" name="Freeform 1178">
+                <a:extLst>
+                  <a:ext uri="{FF2B5EF4-FFF2-40B4-BE49-F238E27FC236}">
+                    <a16:creationId xmlns:a16="http://schemas.microsoft.com/office/drawing/2014/main" id="{4C2DCE16-3F1C-C0E0-9782-18A5108E78D9}"/>
+                  </a:ext>
+                </a:extLst>
+              </p:cNvPr>
+              <p:cNvSpPr>
+                <a:spLocks/>
+              </p:cNvSpPr>
+              <p:nvPr/>
+            </p:nvSpPr>
+            <p:spPr bwMode="auto">
+              <a:xfrm>
+                <a:off x="1935163" y="1492251"/>
+                <a:ext cx="398463" cy="455613"/>
+              </a:xfrm>
+              <a:custGeom>
+                <a:avLst/>
+                <a:gdLst>
+                  <a:gd name="T0" fmla="*/ 100 w 139"/>
+                  <a:gd name="T1" fmla="*/ 0 h 159"/>
+                  <a:gd name="T2" fmla="*/ 100 w 139"/>
+                  <a:gd name="T3" fmla="*/ 0 h 159"/>
+                  <a:gd name="T4" fmla="*/ 87 w 139"/>
+                  <a:gd name="T5" fmla="*/ 5 h 159"/>
+                  <a:gd name="T6" fmla="*/ 6 w 139"/>
+                  <a:gd name="T7" fmla="*/ 87 h 159"/>
+                  <a:gd name="T8" fmla="*/ 0 w 139"/>
+                  <a:gd name="T9" fmla="*/ 99 h 159"/>
+                  <a:gd name="T10" fmla="*/ 0 w 139"/>
+                  <a:gd name="T11" fmla="*/ 100 h 159"/>
+                  <a:gd name="T12" fmla="*/ 0 w 139"/>
+                  <a:gd name="T13" fmla="*/ 100 h 159"/>
+                  <a:gd name="T14" fmla="*/ 0 w 139"/>
+                  <a:gd name="T15" fmla="*/ 100 h 159"/>
+                  <a:gd name="T16" fmla="*/ 0 w 139"/>
+                  <a:gd name="T17" fmla="*/ 101 h 159"/>
+                  <a:gd name="T18" fmla="*/ 2 w 139"/>
+                  <a:gd name="T19" fmla="*/ 108 h 159"/>
+                  <a:gd name="T20" fmla="*/ 2 w 139"/>
+                  <a:gd name="T21" fmla="*/ 108 h 159"/>
+                  <a:gd name="T22" fmla="*/ 2 w 139"/>
+                  <a:gd name="T23" fmla="*/ 108 h 159"/>
+                  <a:gd name="T24" fmla="*/ 6 w 139"/>
+                  <a:gd name="T25" fmla="*/ 113 h 159"/>
+                  <a:gd name="T26" fmla="*/ 35 w 139"/>
+                  <a:gd name="T27" fmla="*/ 142 h 159"/>
+                  <a:gd name="T28" fmla="*/ 52 w 139"/>
+                  <a:gd name="T29" fmla="*/ 159 h 159"/>
+                  <a:gd name="T30" fmla="*/ 79 w 139"/>
+                  <a:gd name="T31" fmla="*/ 118 h 159"/>
+                  <a:gd name="T32" fmla="*/ 72 w 139"/>
+                  <a:gd name="T33" fmla="*/ 106 h 159"/>
+                  <a:gd name="T34" fmla="*/ 44 w 139"/>
+                  <a:gd name="T35" fmla="*/ 106 h 159"/>
+                  <a:gd name="T36" fmla="*/ 44 w 139"/>
+                  <a:gd name="T37" fmla="*/ 125 h 159"/>
+                  <a:gd name="T38" fmla="*/ 18 w 139"/>
+                  <a:gd name="T39" fmla="*/ 99 h 159"/>
+                  <a:gd name="T40" fmla="*/ 44 w 139"/>
+                  <a:gd name="T41" fmla="*/ 72 h 159"/>
+                  <a:gd name="T42" fmla="*/ 44 w 139"/>
+                  <a:gd name="T43" fmla="*/ 91 h 159"/>
+                  <a:gd name="T44" fmla="*/ 72 w 139"/>
+                  <a:gd name="T45" fmla="*/ 91 h 159"/>
+                  <a:gd name="T46" fmla="*/ 92 w 139"/>
+                  <a:gd name="T47" fmla="*/ 71 h 159"/>
+                  <a:gd name="T48" fmla="*/ 92 w 139"/>
+                  <a:gd name="T49" fmla="*/ 44 h 159"/>
+                  <a:gd name="T50" fmla="*/ 74 w 139"/>
+                  <a:gd name="T51" fmla="*/ 44 h 159"/>
+                  <a:gd name="T52" fmla="*/ 100 w 139"/>
+                  <a:gd name="T53" fmla="*/ 17 h 159"/>
+                  <a:gd name="T54" fmla="*/ 127 w 139"/>
+                  <a:gd name="T55" fmla="*/ 44 h 159"/>
+                  <a:gd name="T56" fmla="*/ 108 w 139"/>
+                  <a:gd name="T57" fmla="*/ 44 h 159"/>
+                  <a:gd name="T58" fmla="*/ 108 w 139"/>
+                  <a:gd name="T59" fmla="*/ 71 h 159"/>
+                  <a:gd name="T60" fmla="*/ 111 w 139"/>
+                  <a:gd name="T61" fmla="*/ 72 h 159"/>
+                  <a:gd name="T62" fmla="*/ 139 w 139"/>
+                  <a:gd name="T63" fmla="*/ 31 h 159"/>
+                  <a:gd name="T64" fmla="*/ 113 w 139"/>
+                  <a:gd name="T65" fmla="*/ 5 h 159"/>
+                  <a:gd name="T66" fmla="*/ 100 w 139"/>
+                  <a:gd name="T67" fmla="*/ 0 h 159"/>
+                </a:gdLst>
+                <a:ahLst/>
+                <a:cxnLst>
+                  <a:cxn ang="0">
+                    <a:pos x="T0" y="T1"/>
+                  </a:cxn>
+                  <a:cxn ang="0">
+                    <a:pos x="T2" y="T3"/>
+                  </a:cxn>
+                  <a:cxn ang="0">
+                    <a:pos x="T4" y="T5"/>
+                  </a:cxn>
+                  <a:cxn ang="0">
+                    <a:pos x="T6" y="T7"/>
+                  </a:cxn>
+                  <a:cxn ang="0">
+                    <a:pos x="T8" y="T9"/>
+                  </a:cxn>
+                  <a:cxn ang="0">
+                    <a:pos x="T10" y="T11"/>
+                  </a:cxn>
+                  <a:cxn ang="0">
+                    <a:pos x="T12" y="T13"/>
+                  </a:cxn>
+                  <a:cxn ang="0">
+                    <a:pos x="T14" y="T15"/>
+                  </a:cxn>
+                  <a:cxn ang="0">
+                    <a:pos x="T16" y="T17"/>
+                  </a:cxn>
+                  <a:cxn ang="0">
+                    <a:pos x="T18" y="T19"/>
+                  </a:cxn>
+                  <a:cxn ang="0">
+                    <a:pos x="T20" y="T21"/>
+                  </a:cxn>
+                  <a:cxn ang="0">
+                    <a:pos x="T22" y="T23"/>
+                  </a:cxn>
+                  <a:cxn ang="0">
+                    <a:pos x="T24" y="T25"/>
+                  </a:cxn>
+                  <a:cxn ang="0">
+                    <a:pos x="T26" y="T27"/>
+                  </a:cxn>
+                  <a:cxn ang="0">
+                    <a:pos x="T28" y="T29"/>
+                  </a:cxn>
+                  <a:cxn ang="0">
+                    <a:pos x="T30" y="T31"/>
+                  </a:cxn>
+                  <a:cxn ang="0">
+                    <a:pos x="T32" y="T33"/>
+                  </a:cxn>
+                  <a:cxn ang="0">
+                    <a:pos x="T34" y="T35"/>
+                  </a:cxn>
+                  <a:cxn ang="0">
+                    <a:pos x="T36" y="T37"/>
+                  </a:cxn>
+                  <a:cxn ang="0">
+                    <a:pos x="T38" y="T39"/>
+                  </a:cxn>
+                  <a:cxn ang="0">
+                    <a:pos x="T40" y="T41"/>
+                  </a:cxn>
+                  <a:cxn ang="0">
+                    <a:pos x="T42" y="T43"/>
+                  </a:cxn>
+                  <a:cxn ang="0">
+                    <a:pos x="T44" y="T45"/>
+                  </a:cxn>
+                  <a:cxn ang="0">
+                    <a:pos x="T46" y="T47"/>
+                  </a:cxn>
+                  <a:cxn ang="0">
+                    <a:pos x="T48" y="T49"/>
+                  </a:cxn>
+                  <a:cxn ang="0">
+                    <a:pos x="T50" y="T51"/>
+                  </a:cxn>
+                  <a:cxn ang="0">
+                    <a:pos x="T52" y="T53"/>
+                  </a:cxn>
+                  <a:cxn ang="0">
+                    <a:pos x="T54" y="T55"/>
+                  </a:cxn>
+                  <a:cxn ang="0">
+                    <a:pos x="T56" y="T57"/>
+                  </a:cxn>
+                  <a:cxn ang="0">
+                    <a:pos x="T58" y="T59"/>
+                  </a:cxn>
+                  <a:cxn ang="0">
+                    <a:pos x="T60" y="T61"/>
+                  </a:cxn>
+                  <a:cxn ang="0">
+                    <a:pos x="T62" y="T63"/>
+                  </a:cxn>
+                  <a:cxn ang="0">
+                    <a:pos x="T64" y="T65"/>
+                  </a:cxn>
+                  <a:cxn ang="0">
+                    <a:pos x="T66" y="T67"/>
+                  </a:cxn>
+                </a:cxnLst>
+                <a:rect l="0" t="0" r="r" b="b"/>
+                <a:pathLst>
+                  <a:path w="139" h="159">
+                    <a:moveTo>
+                      <a:pt x="100" y="0"/>
+                    </a:moveTo>
+                    <a:cubicBezTo>
+                      <a:pt x="100" y="0"/>
+                      <a:pt x="100" y="0"/>
+                      <a:pt x="100" y="0"/>
+                    </a:cubicBezTo>
+                    <a:cubicBezTo>
+                      <a:pt x="95" y="0"/>
+                      <a:pt x="91" y="2"/>
+                      <a:pt x="87" y="5"/>
+                    </a:cubicBezTo>
+                    <a:cubicBezTo>
+                      <a:pt x="6" y="87"/>
+                      <a:pt x="6" y="87"/>
+                      <a:pt x="6" y="87"/>
+                    </a:cubicBezTo>
+                    <a:cubicBezTo>
+                      <a:pt x="2" y="90"/>
+                      <a:pt x="0" y="95"/>
+                      <a:pt x="0" y="99"/>
+                    </a:cubicBezTo>
+                    <a:cubicBezTo>
+                      <a:pt x="0" y="100"/>
+                      <a:pt x="0" y="100"/>
+                      <a:pt x="0" y="100"/>
+                    </a:cubicBezTo>
+                    <a:cubicBezTo>
+                      <a:pt x="0" y="100"/>
+                      <a:pt x="0" y="100"/>
+                      <a:pt x="0" y="100"/>
+                    </a:cubicBezTo>
+                    <a:cubicBezTo>
+                      <a:pt x="0" y="100"/>
+                      <a:pt x="0" y="100"/>
+                      <a:pt x="0" y="100"/>
+                    </a:cubicBezTo>
+                    <a:cubicBezTo>
+                      <a:pt x="0" y="100"/>
+                      <a:pt x="0" y="101"/>
+                      <a:pt x="0" y="101"/>
+                    </a:cubicBezTo>
+                    <a:cubicBezTo>
+                      <a:pt x="0" y="103"/>
+                      <a:pt x="1" y="106"/>
+                      <a:pt x="2" y="108"/>
+                    </a:cubicBezTo>
+                    <a:cubicBezTo>
+                      <a:pt x="2" y="108"/>
+                      <a:pt x="2" y="108"/>
+                      <a:pt x="2" y="108"/>
+                    </a:cubicBezTo>
+                    <a:cubicBezTo>
+                      <a:pt x="2" y="108"/>
+                      <a:pt x="2" y="108"/>
+                      <a:pt x="2" y="108"/>
+                    </a:cubicBezTo>
+                    <a:cubicBezTo>
+                      <a:pt x="3" y="110"/>
+                      <a:pt x="4" y="112"/>
+                      <a:pt x="6" y="113"/>
+                    </a:cubicBezTo>
+                    <a:cubicBezTo>
+                      <a:pt x="35" y="142"/>
+                      <a:pt x="35" y="142"/>
+                      <a:pt x="35" y="142"/>
+                    </a:cubicBezTo>
+                    <a:cubicBezTo>
+                      <a:pt x="52" y="159"/>
+                      <a:pt x="52" y="159"/>
+                      <a:pt x="52" y="159"/>
+                    </a:cubicBezTo>
+                    <a:cubicBezTo>
+                      <a:pt x="79" y="118"/>
+                      <a:pt x="79" y="118"/>
+                      <a:pt x="79" y="118"/>
+                    </a:cubicBezTo>
+                    <a:cubicBezTo>
+                      <a:pt x="76" y="115"/>
+                      <a:pt x="74" y="111"/>
+                      <a:pt x="72" y="106"/>
+                    </a:cubicBezTo>
+                    <a:cubicBezTo>
+                      <a:pt x="44" y="106"/>
+                      <a:pt x="44" y="106"/>
+                      <a:pt x="44" y="106"/>
+                    </a:cubicBezTo>
+                    <a:cubicBezTo>
+                      <a:pt x="44" y="125"/>
+                      <a:pt x="44" y="125"/>
+                      <a:pt x="44" y="125"/>
+                    </a:cubicBezTo>
+                    <a:cubicBezTo>
+                      <a:pt x="18" y="99"/>
+                      <a:pt x="18" y="99"/>
+                      <a:pt x="18" y="99"/>
+                    </a:cubicBezTo>
+                    <a:cubicBezTo>
+                      <a:pt x="44" y="72"/>
+                      <a:pt x="44" y="72"/>
+                      <a:pt x="44" y="72"/>
+                    </a:cubicBezTo>
+                    <a:cubicBezTo>
+                      <a:pt x="44" y="91"/>
+                      <a:pt x="44" y="91"/>
+                      <a:pt x="44" y="91"/>
+                    </a:cubicBezTo>
+                    <a:cubicBezTo>
+                      <a:pt x="72" y="91"/>
+                      <a:pt x="72" y="91"/>
+                      <a:pt x="72" y="91"/>
+                    </a:cubicBezTo>
+                    <a:cubicBezTo>
+                      <a:pt x="75" y="81"/>
+                      <a:pt x="83" y="73"/>
+                      <a:pt x="92" y="71"/>
+                    </a:cubicBezTo>
+                    <a:cubicBezTo>
+                      <a:pt x="92" y="44"/>
+                      <a:pt x="92" y="44"/>
+                      <a:pt x="92" y="44"/>
+                    </a:cubicBezTo>
+                    <a:cubicBezTo>
+                      <a:pt x="74" y="44"/>
+                      <a:pt x="74" y="44"/>
+                      <a:pt x="74" y="44"/>
+                    </a:cubicBezTo>
+                    <a:cubicBezTo>
+                      <a:pt x="100" y="17"/>
+                      <a:pt x="100" y="17"/>
+                      <a:pt x="100" y="17"/>
+                    </a:cubicBezTo>
+                    <a:cubicBezTo>
+                      <a:pt x="127" y="44"/>
+                      <a:pt x="127" y="44"/>
+                      <a:pt x="127" y="44"/>
+                    </a:cubicBezTo>
+                    <a:cubicBezTo>
+                      <a:pt x="108" y="44"/>
+                      <a:pt x="108" y="44"/>
+                      <a:pt x="108" y="44"/>
+                    </a:cubicBezTo>
+                    <a:cubicBezTo>
+                      <a:pt x="108" y="71"/>
+                      <a:pt x="108" y="71"/>
+                      <a:pt x="108" y="71"/>
+                    </a:cubicBezTo>
+                    <a:cubicBezTo>
+                      <a:pt x="109" y="71"/>
+                      <a:pt x="110" y="71"/>
+                      <a:pt x="111" y="72"/>
+                    </a:cubicBezTo>
+                    <a:cubicBezTo>
+                      <a:pt x="139" y="31"/>
+                      <a:pt x="139" y="31"/>
+                      <a:pt x="139" y="31"/>
+                    </a:cubicBezTo>
+                    <a:cubicBezTo>
+                      <a:pt x="113" y="5"/>
+                      <a:pt x="113" y="5"/>
+                      <a:pt x="113" y="5"/>
+                    </a:cubicBezTo>
+                    <a:cubicBezTo>
+                      <a:pt x="110" y="2"/>
+                      <a:pt x="105" y="0"/>
+                      <a:pt x="100" y="0"/>
+                    </a:cubicBezTo>
+                  </a:path>
+                </a:pathLst>
+              </a:custGeom>
+              <a:solidFill>
+                <a:srgbClr val="92C426"/>
+              </a:solidFill>
+              <a:ln>
+                <a:noFill/>
+              </a:ln>
+              <a:extLst>
+                <a:ext uri="{91240B29-F687-4F45-9708-019B960494DF}">
+                  <a14:hiddenLine xmlns:a14="http://schemas.microsoft.com/office/drawing/2010/main" w="9525">
+                    <a:solidFill>
+                      <a:srgbClr val="000000"/>
+                    </a:solidFill>
+                    <a:round/>
+                    <a:headEnd/>
+                    <a:tailEnd/>
+                  </a14:hiddenLine>
+                </a:ext>
+              </a:extLst>
+            </p:spPr>
+            <p:txBody>
+              <a:bodyPr vert="horz" wrap="square" lIns="91440" tIns="45720" rIns="91440" bIns="45720" numCol="1" anchor="t" anchorCtr="0" compatLnSpc="1">
+                <a:prstTxWarp prst="textNoShape">
+                  <a:avLst/>
+                </a:prstTxWarp>
+              </a:bodyPr>
+              <a:lstStyle/>
+              <a:p>
+                <a:pPr marL="0" marR="0" lvl="0" indent="0" defTabSz="914400" eaLnBrk="1" fontAlgn="auto" latinLnBrk="0" hangingPunct="1">
+                  <a:lnSpc>
+                    <a:spcPct val="100000"/>
+                  </a:lnSpc>
+                  <a:spcBef>
+                    <a:spcPts val="0"/>
+                  </a:spcBef>
+                  <a:spcAft>
+                    <a:spcPts val="0"/>
+                  </a:spcAft>
+                  <a:buClrTx/>
+                  <a:buSzTx/>
+                  <a:buFontTx/>
+                  <a:buNone/>
+                  <a:tabLst/>
+                  <a:defRPr/>
+                </a:pPr>
+                <a:endParaRPr kumimoji="0" lang="en-US" altLang="ja-JP" sz="900" b="0" i="0" u="none" strike="noStrike" kern="0" cap="none" spc="0" normalizeH="0" baseline="0" noProof="0">
+                  <a:ln>
+                    <a:noFill/>
+                  </a:ln>
+                  <a:solidFill>
+                    <a:srgbClr val="1A1A1A"/>
+                  </a:solidFill>
+                  <a:effectLst/>
+                  <a:uLnTx/>
+                  <a:uFillTx/>
+                </a:endParaRPr>
+              </a:p>
+            </p:txBody>
+          </p:sp>
+          <p:sp>
+            <p:nvSpPr>
+              <p:cNvPr id="51" name="Freeform 1179">
+                <a:extLst>
+                  <a:ext uri="{FF2B5EF4-FFF2-40B4-BE49-F238E27FC236}">
+                    <a16:creationId xmlns:a16="http://schemas.microsoft.com/office/drawing/2014/main" id="{ECFB6BE0-EAF1-909F-B8C4-A1FD35FF43CC}"/>
+                  </a:ext>
+                </a:extLst>
+              </p:cNvPr>
+              <p:cNvSpPr>
+                <a:spLocks/>
+              </p:cNvSpPr>
+              <p:nvPr/>
+            </p:nvSpPr>
+            <p:spPr bwMode="auto">
+              <a:xfrm>
+                <a:off x="1987551" y="1541463"/>
+                <a:ext cx="311150" cy="307975"/>
+              </a:xfrm>
+              <a:custGeom>
+                <a:avLst/>
+                <a:gdLst>
+                  <a:gd name="T0" fmla="*/ 82 w 109"/>
+                  <a:gd name="T1" fmla="*/ 0 h 108"/>
+                  <a:gd name="T2" fmla="*/ 56 w 109"/>
+                  <a:gd name="T3" fmla="*/ 27 h 108"/>
+                  <a:gd name="T4" fmla="*/ 74 w 109"/>
+                  <a:gd name="T5" fmla="*/ 27 h 108"/>
+                  <a:gd name="T6" fmla="*/ 74 w 109"/>
+                  <a:gd name="T7" fmla="*/ 54 h 108"/>
+                  <a:gd name="T8" fmla="*/ 54 w 109"/>
+                  <a:gd name="T9" fmla="*/ 74 h 108"/>
+                  <a:gd name="T10" fmla="*/ 26 w 109"/>
+                  <a:gd name="T11" fmla="*/ 74 h 108"/>
+                  <a:gd name="T12" fmla="*/ 26 w 109"/>
+                  <a:gd name="T13" fmla="*/ 55 h 108"/>
+                  <a:gd name="T14" fmla="*/ 0 w 109"/>
+                  <a:gd name="T15" fmla="*/ 82 h 108"/>
+                  <a:gd name="T16" fmla="*/ 26 w 109"/>
+                  <a:gd name="T17" fmla="*/ 108 h 108"/>
+                  <a:gd name="T18" fmla="*/ 26 w 109"/>
+                  <a:gd name="T19" fmla="*/ 89 h 108"/>
+                  <a:gd name="T20" fmla="*/ 54 w 109"/>
+                  <a:gd name="T21" fmla="*/ 89 h 108"/>
+                  <a:gd name="T22" fmla="*/ 61 w 109"/>
+                  <a:gd name="T23" fmla="*/ 101 h 108"/>
+                  <a:gd name="T24" fmla="*/ 66 w 109"/>
+                  <a:gd name="T25" fmla="*/ 95 h 108"/>
+                  <a:gd name="T26" fmla="*/ 61 w 109"/>
+                  <a:gd name="T27" fmla="*/ 81 h 108"/>
+                  <a:gd name="T28" fmla="*/ 82 w 109"/>
+                  <a:gd name="T29" fmla="*/ 60 h 108"/>
+                  <a:gd name="T30" fmla="*/ 88 w 109"/>
+                  <a:gd name="T31" fmla="*/ 61 h 108"/>
+                  <a:gd name="T32" fmla="*/ 93 w 109"/>
+                  <a:gd name="T33" fmla="*/ 55 h 108"/>
+                  <a:gd name="T34" fmla="*/ 90 w 109"/>
+                  <a:gd name="T35" fmla="*/ 54 h 108"/>
+                  <a:gd name="T36" fmla="*/ 90 w 109"/>
+                  <a:gd name="T37" fmla="*/ 27 h 108"/>
+                  <a:gd name="T38" fmla="*/ 109 w 109"/>
+                  <a:gd name="T39" fmla="*/ 27 h 108"/>
+                  <a:gd name="T40" fmla="*/ 82 w 109"/>
+                  <a:gd name="T41" fmla="*/ 0 h 108"/>
+                </a:gdLst>
+                <a:ahLst/>
+                <a:cxnLst>
+                  <a:cxn ang="0">
+                    <a:pos x="T0" y="T1"/>
+                  </a:cxn>
+                  <a:cxn ang="0">
+                    <a:pos x="T2" y="T3"/>
+                  </a:cxn>
+                  <a:cxn ang="0">
+                    <a:pos x="T4" y="T5"/>
+                  </a:cxn>
+                  <a:cxn ang="0">
+                    <a:pos x="T6" y="T7"/>
+                  </a:cxn>
+                  <a:cxn ang="0">
+                    <a:pos x="T8" y="T9"/>
+                  </a:cxn>
+                  <a:cxn ang="0">
+                    <a:pos x="T10" y="T11"/>
+                  </a:cxn>
+                  <a:cxn ang="0">
+                    <a:pos x="T12" y="T13"/>
+                  </a:cxn>
+                  <a:cxn ang="0">
+                    <a:pos x="T14" y="T15"/>
+                  </a:cxn>
+                  <a:cxn ang="0">
+                    <a:pos x="T16" y="T17"/>
+                  </a:cxn>
+                  <a:cxn ang="0">
+                    <a:pos x="T18" y="T19"/>
+                  </a:cxn>
+                  <a:cxn ang="0">
+                    <a:pos x="T20" y="T21"/>
+                  </a:cxn>
+                  <a:cxn ang="0">
+                    <a:pos x="T22" y="T23"/>
+                  </a:cxn>
+                  <a:cxn ang="0">
+                    <a:pos x="T24" y="T25"/>
+                  </a:cxn>
+                  <a:cxn ang="0">
+                    <a:pos x="T26" y="T27"/>
+                  </a:cxn>
+                  <a:cxn ang="0">
+                    <a:pos x="T28" y="T29"/>
+                  </a:cxn>
+                  <a:cxn ang="0">
+                    <a:pos x="T30" y="T31"/>
+                  </a:cxn>
+                  <a:cxn ang="0">
+                    <a:pos x="T32" y="T33"/>
+                  </a:cxn>
+                  <a:cxn ang="0">
+                    <a:pos x="T34" y="T35"/>
+                  </a:cxn>
+                  <a:cxn ang="0">
+                    <a:pos x="T36" y="T37"/>
+                  </a:cxn>
+                  <a:cxn ang="0">
+                    <a:pos x="T38" y="T39"/>
+                  </a:cxn>
+                  <a:cxn ang="0">
+                    <a:pos x="T40" y="T41"/>
+                  </a:cxn>
+                </a:cxnLst>
+                <a:rect l="0" t="0" r="r" b="b"/>
+                <a:pathLst>
+                  <a:path w="109" h="108">
+                    <a:moveTo>
+                      <a:pt x="82" y="0"/>
+                    </a:moveTo>
+                    <a:cubicBezTo>
+                      <a:pt x="56" y="27"/>
+                      <a:pt x="56" y="27"/>
+                      <a:pt x="56" y="27"/>
+                    </a:cubicBezTo>
+                    <a:cubicBezTo>
+                      <a:pt x="74" y="27"/>
+                      <a:pt x="74" y="27"/>
+                      <a:pt x="74" y="27"/>
+                    </a:cubicBezTo>
+                    <a:cubicBezTo>
+                      <a:pt x="74" y="54"/>
+                      <a:pt x="74" y="54"/>
+                      <a:pt x="74" y="54"/>
+                    </a:cubicBezTo>
+                    <a:cubicBezTo>
+                      <a:pt x="65" y="56"/>
+                      <a:pt x="57" y="64"/>
+                      <a:pt x="54" y="74"/>
+                    </a:cubicBezTo>
+                    <a:cubicBezTo>
+                      <a:pt x="26" y="74"/>
+                      <a:pt x="26" y="74"/>
+                      <a:pt x="26" y="74"/>
+                    </a:cubicBezTo>
+                    <a:cubicBezTo>
+                      <a:pt x="26" y="55"/>
+                      <a:pt x="26" y="55"/>
+                      <a:pt x="26" y="55"/>
+                    </a:cubicBezTo>
+                    <a:cubicBezTo>
+                      <a:pt x="0" y="82"/>
+                      <a:pt x="0" y="82"/>
+                      <a:pt x="0" y="82"/>
+                    </a:cubicBezTo>
+                    <a:cubicBezTo>
+                      <a:pt x="26" y="108"/>
+                      <a:pt x="26" y="108"/>
+                      <a:pt x="26" y="108"/>
+                    </a:cubicBezTo>
+                    <a:cubicBezTo>
+                      <a:pt x="26" y="89"/>
+                      <a:pt x="26" y="89"/>
+                      <a:pt x="26" y="89"/>
+                    </a:cubicBezTo>
+                    <a:cubicBezTo>
+                      <a:pt x="54" y="89"/>
+                      <a:pt x="54" y="89"/>
+                      <a:pt x="54" y="89"/>
+                    </a:cubicBezTo>
+                    <a:cubicBezTo>
+                      <a:pt x="56" y="94"/>
+                      <a:pt x="58" y="98"/>
+                      <a:pt x="61" y="101"/>
+                    </a:cubicBezTo>
+                    <a:cubicBezTo>
+                      <a:pt x="66" y="95"/>
+                      <a:pt x="66" y="95"/>
+                      <a:pt x="66" y="95"/>
+                    </a:cubicBezTo>
+                    <a:cubicBezTo>
+                      <a:pt x="63" y="91"/>
+                      <a:pt x="61" y="86"/>
+                      <a:pt x="61" y="81"/>
+                    </a:cubicBezTo>
+                    <a:cubicBezTo>
+                      <a:pt x="61" y="70"/>
+                      <a:pt x="71" y="60"/>
+                      <a:pt x="82" y="60"/>
+                    </a:cubicBezTo>
+                    <a:cubicBezTo>
+                      <a:pt x="84" y="60"/>
+                      <a:pt x="86" y="61"/>
+                      <a:pt x="88" y="61"/>
+                    </a:cubicBezTo>
+                    <a:cubicBezTo>
+                      <a:pt x="93" y="55"/>
+                      <a:pt x="93" y="55"/>
+                      <a:pt x="93" y="55"/>
+                    </a:cubicBezTo>
+                    <a:cubicBezTo>
+                      <a:pt x="92" y="54"/>
+                      <a:pt x="91" y="54"/>
+                      <a:pt x="90" y="54"/>
+                    </a:cubicBezTo>
+                    <a:cubicBezTo>
+                      <a:pt x="90" y="27"/>
+                      <a:pt x="90" y="27"/>
+                      <a:pt x="90" y="27"/>
+                    </a:cubicBezTo>
+                    <a:cubicBezTo>
+                      <a:pt x="109" y="27"/>
+                      <a:pt x="109" y="27"/>
+                      <a:pt x="109" y="27"/>
+                    </a:cubicBezTo>
+                    <a:cubicBezTo>
+                      <a:pt x="82" y="0"/>
+                      <a:pt x="82" y="0"/>
+                      <a:pt x="82" y="0"/>
+                    </a:cubicBezTo>
+                  </a:path>
+                </a:pathLst>
+              </a:custGeom>
+              <a:solidFill>
+                <a:srgbClr val="FFFFFF"/>
+              </a:solidFill>
+              <a:ln>
+                <a:noFill/>
+              </a:ln>
+              <a:extLst>
+                <a:ext uri="{91240B29-F687-4F45-9708-019B960494DF}">
+                  <a14:hiddenLine xmlns:a14="http://schemas.microsoft.com/office/drawing/2010/main" w="9525">
+                    <a:solidFill>
+                      <a:srgbClr val="000000"/>
+                    </a:solidFill>
+                    <a:round/>
+                    <a:headEnd/>
+                    <a:tailEnd/>
+                  </a14:hiddenLine>
+                </a:ext>
+              </a:extLst>
+            </p:spPr>
+            <p:txBody>
+              <a:bodyPr vert="horz" wrap="square" lIns="91440" tIns="45720" rIns="91440" bIns="45720" numCol="1" anchor="t" anchorCtr="0" compatLnSpc="1">
+                <a:prstTxWarp prst="textNoShape">
+                  <a:avLst/>
+                </a:prstTxWarp>
+              </a:bodyPr>
+              <a:lstStyle/>
+              <a:p>
+                <a:pPr marL="0" marR="0" lvl="0" indent="0" defTabSz="914400" eaLnBrk="1" fontAlgn="auto" latinLnBrk="0" hangingPunct="1">
+                  <a:lnSpc>
+                    <a:spcPct val="100000"/>
+                  </a:lnSpc>
+                  <a:spcBef>
+                    <a:spcPts val="0"/>
+                  </a:spcBef>
+                  <a:spcAft>
+                    <a:spcPts val="0"/>
+                  </a:spcAft>
+                  <a:buClrTx/>
+                  <a:buSzTx/>
+                  <a:buFontTx/>
+                  <a:buNone/>
+                  <a:tabLst/>
+                  <a:defRPr/>
+                </a:pPr>
+                <a:endParaRPr kumimoji="0" lang="en-US" altLang="ja-JP" sz="900" b="0" i="0" u="none" strike="noStrike" kern="0" cap="none" spc="0" normalizeH="0" baseline="0" noProof="0">
+                  <a:ln>
+                    <a:noFill/>
+                  </a:ln>
+                  <a:solidFill>
+                    <a:srgbClr val="1A1A1A"/>
+                  </a:solidFill>
+                  <a:effectLst/>
+                  <a:uLnTx/>
+                  <a:uFillTx/>
+                </a:endParaRPr>
+              </a:p>
+            </p:txBody>
+          </p:sp>
+          <p:sp>
+            <p:nvSpPr>
+              <p:cNvPr id="52" name="Freeform 1180">
+                <a:extLst>
+                  <a:ext uri="{FF2B5EF4-FFF2-40B4-BE49-F238E27FC236}">
+                    <a16:creationId xmlns:a16="http://schemas.microsoft.com/office/drawing/2014/main" id="{C3759680-561D-D62E-56D2-F039062394F6}"/>
+                  </a:ext>
+                </a:extLst>
+              </p:cNvPr>
+              <p:cNvSpPr>
+                <a:spLocks/>
+              </p:cNvSpPr>
+              <p:nvPr/>
+            </p:nvSpPr>
+            <p:spPr bwMode="auto">
+              <a:xfrm>
+                <a:off x="2162176" y="1712913"/>
+                <a:ext cx="76200" cy="100013"/>
+              </a:xfrm>
+              <a:custGeom>
+                <a:avLst/>
+                <a:gdLst>
+                  <a:gd name="T0" fmla="*/ 21 w 27"/>
+                  <a:gd name="T1" fmla="*/ 0 h 35"/>
+                  <a:gd name="T2" fmla="*/ 0 w 27"/>
+                  <a:gd name="T3" fmla="*/ 21 h 35"/>
+                  <a:gd name="T4" fmla="*/ 5 w 27"/>
+                  <a:gd name="T5" fmla="*/ 35 h 35"/>
+                  <a:gd name="T6" fmla="*/ 27 w 27"/>
+                  <a:gd name="T7" fmla="*/ 1 h 35"/>
+                  <a:gd name="T8" fmla="*/ 21 w 27"/>
+                  <a:gd name="T9" fmla="*/ 0 h 35"/>
+                </a:gdLst>
+                <a:ahLst/>
+                <a:cxnLst>
+                  <a:cxn ang="0">
+                    <a:pos x="T0" y="T1"/>
+                  </a:cxn>
+                  <a:cxn ang="0">
+                    <a:pos x="T2" y="T3"/>
+                  </a:cxn>
+                  <a:cxn ang="0">
+                    <a:pos x="T4" y="T5"/>
+                  </a:cxn>
+                  <a:cxn ang="0">
+                    <a:pos x="T6" y="T7"/>
+                  </a:cxn>
+                  <a:cxn ang="0">
+                    <a:pos x="T8" y="T9"/>
+                  </a:cxn>
+                </a:cxnLst>
+                <a:rect l="0" t="0" r="r" b="b"/>
+                <a:pathLst>
+                  <a:path w="27" h="35">
+                    <a:moveTo>
+                      <a:pt x="21" y="0"/>
+                    </a:moveTo>
+                    <a:cubicBezTo>
+                      <a:pt x="10" y="0"/>
+                      <a:pt x="0" y="10"/>
+                      <a:pt x="0" y="21"/>
+                    </a:cubicBezTo>
+                    <a:cubicBezTo>
+                      <a:pt x="0" y="26"/>
+                      <a:pt x="2" y="31"/>
+                      <a:pt x="5" y="35"/>
+                    </a:cubicBezTo>
+                    <a:cubicBezTo>
+                      <a:pt x="27" y="1"/>
+                      <a:pt x="27" y="1"/>
+                      <a:pt x="27" y="1"/>
+                    </a:cubicBezTo>
+                    <a:cubicBezTo>
+                      <a:pt x="25" y="1"/>
+                      <a:pt x="23" y="0"/>
+                      <a:pt x="21" y="0"/>
+                    </a:cubicBezTo>
+                  </a:path>
+                </a:pathLst>
+              </a:custGeom>
+              <a:solidFill>
+                <a:srgbClr val="72BFDF"/>
+              </a:solidFill>
+              <a:ln>
+                <a:noFill/>
+              </a:ln>
+              <a:extLst>
+                <a:ext uri="{91240B29-F687-4F45-9708-019B960494DF}">
+                  <a14:hiddenLine xmlns:a14="http://schemas.microsoft.com/office/drawing/2010/main" w="9525">
+                    <a:solidFill>
+                      <a:srgbClr val="000000"/>
+                    </a:solidFill>
+                    <a:round/>
+                    <a:headEnd/>
+                    <a:tailEnd/>
+                  </a14:hiddenLine>
+                </a:ext>
+              </a:extLst>
+            </p:spPr>
+            <p:txBody>
+              <a:bodyPr vert="horz" wrap="square" lIns="91440" tIns="45720" rIns="91440" bIns="45720" numCol="1" anchor="t" anchorCtr="0" compatLnSpc="1">
+                <a:prstTxWarp prst="textNoShape">
+                  <a:avLst/>
+                </a:prstTxWarp>
+              </a:bodyPr>
+              <a:lstStyle/>
+              <a:p>
+                <a:pPr marL="0" marR="0" lvl="0" indent="0" defTabSz="914400" eaLnBrk="1" fontAlgn="auto" latinLnBrk="0" hangingPunct="1">
+                  <a:lnSpc>
+                    <a:spcPct val="100000"/>
+                  </a:lnSpc>
+                  <a:spcBef>
+                    <a:spcPts val="0"/>
+                  </a:spcBef>
+                  <a:spcAft>
+                    <a:spcPts val="0"/>
+                  </a:spcAft>
+                  <a:buClrTx/>
+                  <a:buSzTx/>
+                  <a:buFontTx/>
+                  <a:buNone/>
+                  <a:tabLst/>
+                  <a:defRPr/>
+                </a:pPr>
+                <a:endParaRPr kumimoji="0" lang="en-US" altLang="ja-JP" sz="900" b="0" i="0" u="none" strike="noStrike" kern="0" cap="none" spc="0" normalizeH="0" baseline="0" noProof="0">
+                  <a:ln>
+                    <a:noFill/>
+                  </a:ln>
+                  <a:solidFill>
+                    <a:srgbClr val="1A1A1A"/>
+                  </a:solidFill>
+                  <a:effectLst/>
+                  <a:uLnTx/>
+                  <a:uFillTx/>
+                </a:endParaRPr>
+              </a:p>
+            </p:txBody>
+          </p:sp>
+        </p:grpSp>
+        <p:pic>
+          <p:nvPicPr>
+            <p:cNvPr id="38" name="グラフィックス 37" descr="ブラウザー ウィンドウ">
+              <a:extLst>
+                <a:ext uri="{FF2B5EF4-FFF2-40B4-BE49-F238E27FC236}">
+                  <a16:creationId xmlns:a16="http://schemas.microsoft.com/office/drawing/2014/main" id="{9E275ACA-F665-AAA8-F621-BD4FD24C0426}"/>
+                </a:ext>
+              </a:extLst>
+            </p:cNvPr>
+            <p:cNvPicPr>
+              <a:picLocks noChangeAspect="1"/>
+            </p:cNvPicPr>
+            <p:nvPr/>
+          </p:nvPicPr>
+          <p:blipFill>
+            <a:blip r:embed="rId2">
+              <a:extLst>
+                <a:ext uri="{28A0092B-C50C-407E-A947-70E740481C1C}">
+                  <a14:useLocalDpi xmlns:a14="http://schemas.microsoft.com/office/drawing/2010/main" val="0"/>
+                </a:ext>
+                <a:ext uri="{96DAC541-7B7A-43D3-8B79-37D633B846F1}">
+                  <asvg:svgBlip xmlns:asvg="http://schemas.microsoft.com/office/drawing/2016/SVG/main" r:embed="rId3"/>
+                </a:ext>
+              </a:extLst>
+            </a:blip>
+            <a:stretch>
+              <a:fillRect/>
+            </a:stretch>
+          </p:blipFill>
+          <p:spPr>
+            <a:xfrm>
+              <a:off x="1099099" y="4895234"/>
+              <a:ext cx="1309073" cy="1309073"/>
+            </a:xfrm>
+            <a:prstGeom prst="rect">
+              <a:avLst/>
+            </a:prstGeom>
+          </p:spPr>
+        </p:pic>
+        <p:cxnSp>
+          <p:nvCxnSpPr>
+            <p:cNvPr id="39" name="直線矢印コネクタ 38">
+              <a:extLst>
+                <a:ext uri="{FF2B5EF4-FFF2-40B4-BE49-F238E27FC236}">
+                  <a16:creationId xmlns:a16="http://schemas.microsoft.com/office/drawing/2014/main" id="{49BF2C76-829F-6E6B-4FB0-5EFFC539DFDD}"/>
+                </a:ext>
+              </a:extLst>
+            </p:cNvPr>
+            <p:cNvCxnSpPr>
+              <a:cxnSpLocks/>
+              <a:stCxn id="38" idx="3"/>
+              <a:endCxn id="50" idx="4"/>
+            </p:cNvCxnSpPr>
+            <p:nvPr/>
+          </p:nvCxnSpPr>
+          <p:spPr>
+            <a:xfrm flipV="1">
+              <a:off x="2408172" y="5548126"/>
+              <a:ext cx="869625" cy="1645"/>
+            </a:xfrm>
+            <a:prstGeom prst="straightConnector1">
+              <a:avLst/>
+            </a:prstGeom>
+            <a:noFill/>
+            <a:ln w="19050" cap="flat" cmpd="sng" algn="ctr">
+              <a:solidFill>
+                <a:srgbClr val="737373"/>
+              </a:solidFill>
+              <a:prstDash val="solid"/>
+              <a:tailEnd type="triangle"/>
+            </a:ln>
+            <a:effectLst/>
+          </p:spPr>
+        </p:cxnSp>
+        <p:cxnSp>
+          <p:nvCxnSpPr>
+            <p:cNvPr id="40" name="直線矢印コネクタ 39">
+              <a:extLst>
+                <a:ext uri="{FF2B5EF4-FFF2-40B4-BE49-F238E27FC236}">
+                  <a16:creationId xmlns:a16="http://schemas.microsoft.com/office/drawing/2014/main" id="{8DDC20D9-5BA7-D4FB-1A7D-9E466B1A3D7F}"/>
+                </a:ext>
+              </a:extLst>
+            </p:cNvPr>
+            <p:cNvCxnSpPr>
+              <a:cxnSpLocks/>
+              <a:stCxn id="46" idx="9"/>
+            </p:cNvCxnSpPr>
+            <p:nvPr/>
+          </p:nvCxnSpPr>
+          <p:spPr>
+            <a:xfrm>
+              <a:off x="4258951" y="5551663"/>
+              <a:ext cx="784697" cy="0"/>
+            </a:xfrm>
+            <a:prstGeom prst="straightConnector1">
+              <a:avLst/>
+            </a:prstGeom>
+            <a:noFill/>
+            <a:ln w="19050" cap="flat" cmpd="sng" algn="ctr">
+              <a:solidFill>
+                <a:srgbClr val="737373"/>
+              </a:solidFill>
+              <a:prstDash val="solid"/>
+              <a:tailEnd type="triangle"/>
+            </a:ln>
+            <a:effectLst/>
+          </p:spPr>
+        </p:cxnSp>
+        <p:cxnSp>
+          <p:nvCxnSpPr>
+            <p:cNvPr id="41" name="直線矢印コネクタ 40">
+              <a:extLst>
+                <a:ext uri="{FF2B5EF4-FFF2-40B4-BE49-F238E27FC236}">
+                  <a16:creationId xmlns:a16="http://schemas.microsoft.com/office/drawing/2014/main" id="{538A5820-F689-18F1-41A9-DDF5ED84F880}"/>
+                </a:ext>
+              </a:extLst>
+            </p:cNvPr>
+            <p:cNvCxnSpPr>
+              <a:cxnSpLocks/>
+            </p:cNvCxnSpPr>
+            <p:nvPr/>
+          </p:nvCxnSpPr>
+          <p:spPr>
+            <a:xfrm>
+              <a:off x="5997352" y="5514296"/>
+              <a:ext cx="1026936" cy="2368"/>
+            </a:xfrm>
+            <a:prstGeom prst="straightConnector1">
+              <a:avLst/>
+            </a:prstGeom>
+            <a:noFill/>
+            <a:ln w="19050" cap="flat" cmpd="sng" algn="ctr">
+              <a:solidFill>
+                <a:srgbClr val="737373"/>
+              </a:solidFill>
+              <a:prstDash val="solid"/>
+              <a:tailEnd type="triangle"/>
+            </a:ln>
+            <a:effectLst/>
+          </p:spPr>
+        </p:cxnSp>
+        <p:sp>
+          <p:nvSpPr>
+            <p:cNvPr id="42" name="テキスト ボックス 41">
+              <a:extLst>
+                <a:ext uri="{FF2B5EF4-FFF2-40B4-BE49-F238E27FC236}">
+                  <a16:creationId xmlns:a16="http://schemas.microsoft.com/office/drawing/2014/main" id="{B788046E-6EEB-307F-92B2-FA87C8C73BB1}"/>
+                </a:ext>
+              </a:extLst>
+            </p:cNvPr>
+            <p:cNvSpPr txBox="1"/>
+            <p:nvPr/>
+          </p:nvSpPr>
+          <p:spPr>
+            <a:xfrm>
+              <a:off x="1226176" y="6046752"/>
+              <a:ext cx="882130" cy="431747"/>
+            </a:xfrm>
+            <a:prstGeom prst="rect">
+              <a:avLst/>
+            </a:prstGeom>
+            <a:noFill/>
+          </p:spPr>
+          <p:txBody>
+            <a:bodyPr wrap="none" rtlCol="0">
+              <a:spAutoFit/>
+            </a:bodyPr>
+            <a:lstStyle/>
+            <a:p>
+              <a:pPr marL="0" marR="0" lvl="0" indent="0" defTabSz="914400" eaLnBrk="1" fontAlgn="auto" latinLnBrk="0" hangingPunct="1">
+                <a:lnSpc>
+                  <a:spcPct val="100000"/>
+                </a:lnSpc>
+                <a:spcBef>
+                  <a:spcPts val="0"/>
+                </a:spcBef>
+                <a:spcAft>
+                  <a:spcPts val="0"/>
+                </a:spcAft>
+                <a:buClrTx/>
+                <a:buSzTx/>
+                <a:buFontTx/>
+                <a:buNone/>
+                <a:tabLst/>
+                <a:defRPr/>
+              </a:pPr>
+              <a:r>
+                <a:rPr kumimoji="0" lang="ja-JP" altLang="en-US" sz="900" b="0" i="0" u="none" strike="noStrike" kern="0" cap="none" spc="0" normalizeH="0" baseline="0" noProof="0">
+                  <a:ln>
+                    <a:noFill/>
+                  </a:ln>
+                  <a:solidFill>
+                    <a:srgbClr val="1A1A1A"/>
+                  </a:solidFill>
+                  <a:effectLst/>
+                  <a:uLnTx/>
+                  <a:uFillTx/>
+                </a:rPr>
+                <a:t>ブラウザ</a:t>
+              </a:r>
+            </a:p>
+          </p:txBody>
+        </p:sp>
+        <p:sp>
+          <p:nvSpPr>
+            <p:cNvPr id="43" name="テキスト ボックス 42">
+              <a:extLst>
+                <a:ext uri="{FF2B5EF4-FFF2-40B4-BE49-F238E27FC236}">
+                  <a16:creationId xmlns:a16="http://schemas.microsoft.com/office/drawing/2014/main" id="{7A882914-3883-D8E6-D0DC-D6C9FAADBB7B}"/>
+                </a:ext>
+              </a:extLst>
+            </p:cNvPr>
+            <p:cNvSpPr txBox="1"/>
+            <p:nvPr/>
+          </p:nvSpPr>
+          <p:spPr>
+            <a:xfrm>
+              <a:off x="3177682" y="6046752"/>
+              <a:ext cx="890120" cy="690797"/>
+            </a:xfrm>
+            <a:prstGeom prst="rect">
+              <a:avLst/>
+            </a:prstGeom>
+            <a:noFill/>
+          </p:spPr>
+          <p:txBody>
+            <a:bodyPr wrap="none" rtlCol="0">
+              <a:spAutoFit/>
+            </a:bodyPr>
+            <a:lstStyle/>
+            <a:p>
+              <a:pPr marL="0" marR="0" lvl="0" indent="0" defTabSz="914400" eaLnBrk="1" fontAlgn="auto" latinLnBrk="0" hangingPunct="1">
+                <a:lnSpc>
+                  <a:spcPct val="100000"/>
+                </a:lnSpc>
+                <a:spcBef>
+                  <a:spcPts val="0"/>
+                </a:spcBef>
+                <a:spcAft>
+                  <a:spcPts val="0"/>
+                </a:spcAft>
+                <a:buClrTx/>
+                <a:buSzTx/>
+                <a:buFontTx/>
+                <a:buNone/>
+                <a:tabLst/>
+                <a:defRPr/>
+              </a:pPr>
+              <a:r>
+                <a:rPr kumimoji="0" lang="ja-JP" altLang="en-US" sz="900" b="0" i="0" u="none" strike="noStrike" kern="0" cap="none" spc="0" normalizeH="0" baseline="0" noProof="0">
+                  <a:ln>
+                    <a:noFill/>
+                  </a:ln>
+                  <a:solidFill>
+                    <a:srgbClr val="1A1A1A"/>
+                  </a:solidFill>
+                  <a:effectLst/>
+                  <a:uLnTx/>
+                  <a:uFillTx/>
+                </a:rPr>
+                <a:t>リバース</a:t>
+              </a:r>
+              <a:br>
+                <a:rPr kumimoji="0" lang="en-US" altLang="ja-JP" sz="900" b="0" i="0" u="none" strike="noStrike" kern="0" cap="none" spc="0" normalizeH="0" baseline="0" noProof="0">
+                  <a:ln>
+                    <a:noFill/>
+                  </a:ln>
+                  <a:solidFill>
+                    <a:srgbClr val="1A1A1A"/>
+                  </a:solidFill>
+                  <a:effectLst/>
+                  <a:uLnTx/>
+                  <a:uFillTx/>
+                </a:rPr>
+              </a:br>
+              <a:r>
+                <a:rPr kumimoji="0" lang="ja-JP" altLang="en-US" sz="900" b="0" i="0" u="none" strike="noStrike" kern="0" cap="none" spc="0" normalizeH="0" baseline="0" noProof="0">
+                  <a:ln>
+                    <a:noFill/>
+                  </a:ln>
+                  <a:solidFill>
+                    <a:srgbClr val="1A1A1A"/>
+                  </a:solidFill>
+                  <a:effectLst/>
+                  <a:uLnTx/>
+                  <a:uFillTx/>
+                </a:rPr>
+                <a:t>プロキシ</a:t>
+              </a:r>
+            </a:p>
+          </p:txBody>
+        </p:sp>
+        <p:sp>
+          <p:nvSpPr>
+            <p:cNvPr id="44" name="テキスト ボックス 43">
+              <a:extLst>
+                <a:ext uri="{FF2B5EF4-FFF2-40B4-BE49-F238E27FC236}">
+                  <a16:creationId xmlns:a16="http://schemas.microsoft.com/office/drawing/2014/main" id="{97754C86-9C6F-112E-AB62-59E0AAE0358F}"/>
+                </a:ext>
+              </a:extLst>
+            </p:cNvPr>
+            <p:cNvSpPr txBox="1"/>
+            <p:nvPr/>
+          </p:nvSpPr>
+          <p:spPr>
+            <a:xfrm>
+              <a:off x="4840004" y="6046754"/>
+              <a:ext cx="1420142" cy="690797"/>
+            </a:xfrm>
+            <a:prstGeom prst="rect">
+              <a:avLst/>
+            </a:prstGeom>
+            <a:noFill/>
+          </p:spPr>
+          <p:txBody>
+            <a:bodyPr wrap="none" rtlCol="0">
+              <a:spAutoFit/>
+            </a:bodyPr>
+            <a:lstStyle/>
+            <a:p>
+              <a:pPr marL="0" marR="0" lvl="0" indent="0" algn="ctr" defTabSz="914400" eaLnBrk="1" fontAlgn="auto" latinLnBrk="0" hangingPunct="1">
+                <a:lnSpc>
+                  <a:spcPct val="100000"/>
+                </a:lnSpc>
+                <a:spcBef>
+                  <a:spcPts val="0"/>
+                </a:spcBef>
+                <a:spcAft>
+                  <a:spcPts val="0"/>
+                </a:spcAft>
+                <a:buClrTx/>
+                <a:buSzTx/>
+                <a:buFontTx/>
+                <a:buNone/>
+                <a:tabLst/>
+                <a:defRPr/>
+              </a:pPr>
+              <a:r>
+                <a:rPr kumimoji="0" lang="ja-JP" altLang="en-US" sz="900" b="0" i="0" u="none" strike="noStrike" kern="0" cap="none" spc="0" normalizeH="0" baseline="0" noProof="0">
+                  <a:ln>
+                    <a:noFill/>
+                  </a:ln>
+                  <a:solidFill>
+                    <a:srgbClr val="1A1A1A"/>
+                  </a:solidFill>
+                  <a:effectLst/>
+                  <a:uLnTx/>
+                  <a:uFillTx/>
+                </a:rPr>
+                <a:t>アプリケーション</a:t>
+              </a:r>
+              <a:br>
+                <a:rPr kumimoji="0" lang="en-US" altLang="ja-JP" sz="900" b="0" i="0" u="none" strike="noStrike" kern="0" cap="none" spc="0" normalizeH="0" baseline="0" noProof="0">
+                  <a:ln>
+                    <a:noFill/>
+                  </a:ln>
+                  <a:solidFill>
+                    <a:srgbClr val="1A1A1A"/>
+                  </a:solidFill>
+                  <a:effectLst/>
+                  <a:uLnTx/>
+                  <a:uFillTx/>
+                </a:rPr>
+              </a:br>
+              <a:r>
+                <a:rPr kumimoji="0" lang="ja-JP" altLang="en-US" sz="900" b="0" i="0" u="none" strike="noStrike" kern="0" cap="none" spc="0" normalizeH="0" baseline="0" noProof="0">
+                  <a:ln>
+                    <a:noFill/>
+                  </a:ln>
+                  <a:solidFill>
+                    <a:srgbClr val="1A1A1A"/>
+                  </a:solidFill>
+                  <a:effectLst/>
+                  <a:uLnTx/>
+                  <a:uFillTx/>
+                </a:rPr>
+                <a:t>サーバー</a:t>
+              </a:r>
+            </a:p>
+          </p:txBody>
+        </p:sp>
+        <p:sp>
+          <p:nvSpPr>
+            <p:cNvPr id="45" name="テキスト ボックス 44">
+              <a:extLst>
+                <a:ext uri="{FF2B5EF4-FFF2-40B4-BE49-F238E27FC236}">
+                  <a16:creationId xmlns:a16="http://schemas.microsoft.com/office/drawing/2014/main" id="{10FBAA53-FC5A-3A15-380E-3D4916D764EB}"/>
+                </a:ext>
+              </a:extLst>
+            </p:cNvPr>
+            <p:cNvSpPr txBox="1"/>
+            <p:nvPr/>
+          </p:nvSpPr>
+          <p:spPr>
+            <a:xfrm>
+              <a:off x="6892199" y="6046752"/>
+              <a:ext cx="1153799" cy="431747"/>
+            </a:xfrm>
+            <a:prstGeom prst="rect">
+              <a:avLst/>
+            </a:prstGeom>
+            <a:noFill/>
+          </p:spPr>
+          <p:txBody>
+            <a:bodyPr wrap="none" rtlCol="0">
+              <a:spAutoFit/>
+            </a:bodyPr>
+            <a:lstStyle/>
+            <a:p>
+              <a:pPr marL="0" marR="0" lvl="0" indent="0" algn="ctr" defTabSz="914400" eaLnBrk="1" fontAlgn="auto" latinLnBrk="0" hangingPunct="1">
+                <a:lnSpc>
+                  <a:spcPct val="100000"/>
+                </a:lnSpc>
+                <a:spcBef>
+                  <a:spcPts val="0"/>
+                </a:spcBef>
+                <a:spcAft>
+                  <a:spcPts val="0"/>
+                </a:spcAft>
+                <a:buClrTx/>
+                <a:buSzTx/>
+                <a:buFontTx/>
+                <a:buNone/>
+                <a:tabLst/>
+                <a:defRPr/>
+              </a:pPr>
+              <a:r>
+                <a:rPr kumimoji="0" lang="ja-JP" altLang="en-US" sz="900" b="0" i="0" u="none" strike="noStrike" kern="0" cap="none" spc="0" normalizeH="0" baseline="0" noProof="0">
+                  <a:ln>
+                    <a:noFill/>
+                  </a:ln>
+                  <a:solidFill>
+                    <a:srgbClr val="1A1A1A"/>
+                  </a:solidFill>
+                  <a:effectLst/>
+                  <a:uLnTx/>
+                  <a:uFillTx/>
+                </a:rPr>
+                <a:t>データベース</a:t>
+              </a:r>
+            </a:p>
+          </p:txBody>
+        </p:sp>
+      </p:grpSp>
+    </p:spTree>
+    <p:extLst>
+      <p:ext uri="{BB962C8B-B14F-4D97-AF65-F5344CB8AC3E}">
+        <p14:creationId xmlns:p14="http://schemas.microsoft.com/office/powerpoint/2010/main" val="3995125306"/>
       </p:ext>
     </p:extLst>
   </p:cSld>
@@ -33138,6 +40976,703 @@
 </p:sld>
 </file>
 
+<file path=ppt/slides/slide9.xml><?xml version="1.0" encoding="utf-8"?>
+<p:sld xmlns:a="http://schemas.openxmlformats.org/drawingml/2006/main" xmlns:r="http://schemas.openxmlformats.org/officeDocument/2006/relationships" xmlns:p="http://schemas.openxmlformats.org/presentationml/2006/main">
+  <p:cSld>
+    <p:spTree>
+      <p:nvGrpSpPr>
+        <p:cNvPr id="1" name=""/>
+        <p:cNvGrpSpPr/>
+        <p:nvPr/>
+      </p:nvGrpSpPr>
+      <p:grpSpPr>
+        <a:xfrm>
+          <a:off x="0" y="0"/>
+          <a:ext cx="0" cy="0"/>
+          <a:chOff x="0" y="0"/>
+          <a:chExt cx="0" cy="0"/>
+        </a:xfrm>
+      </p:grpSpPr>
+      <p:graphicFrame>
+        <p:nvGraphicFramePr>
+          <p:cNvPr id="8" name="コンテンツ プレースホルダー 5">
+            <a:extLst>
+              <a:ext uri="{FF2B5EF4-FFF2-40B4-BE49-F238E27FC236}">
+                <a16:creationId xmlns:a16="http://schemas.microsoft.com/office/drawing/2014/main" id="{078AFE46-26E1-4C61-0923-CCBB2619DE49}"/>
+              </a:ext>
+            </a:extLst>
+          </p:cNvPr>
+          <p:cNvGraphicFramePr>
+            <a:graphicFrameLocks/>
+          </p:cNvGraphicFramePr>
+          <p:nvPr>
+            <p:extLst>
+              <p:ext uri="{D42A27DB-BD31-4B8C-83A1-F6EECF244321}">
+                <p14:modId xmlns:p14="http://schemas.microsoft.com/office/powerpoint/2010/main" val="1097871397"/>
+              </p:ext>
+            </p:extLst>
+          </p:nvPr>
+        </p:nvGraphicFramePr>
+        <p:xfrm>
+          <a:off x="798699" y="1203220"/>
+          <a:ext cx="10601266" cy="506413"/>
+        </p:xfrm>
+        <a:graphic>
+          <a:graphicData uri="http://schemas.openxmlformats.org/drawingml/2006/diagram">
+            <dgm:relIds xmlns:dgm="http://schemas.openxmlformats.org/drawingml/2006/diagram" xmlns:r="http://schemas.openxmlformats.org/officeDocument/2006/relationships" r:dm="rId2" r:lo="rId3" r:qs="rId4" r:cs="rId5"/>
+          </a:graphicData>
+        </a:graphic>
+      </p:graphicFrame>
+      <p:sp>
+        <p:nvSpPr>
+          <p:cNvPr id="9" name="テキスト ボックス 8">
+            <a:extLst>
+              <a:ext uri="{FF2B5EF4-FFF2-40B4-BE49-F238E27FC236}">
+                <a16:creationId xmlns:a16="http://schemas.microsoft.com/office/drawing/2014/main" id="{28785D9B-17A5-4A6C-9FF6-865C1AC53814}"/>
+              </a:ext>
+            </a:extLst>
+          </p:cNvPr>
+          <p:cNvSpPr txBox="1"/>
+          <p:nvPr/>
+        </p:nvSpPr>
+        <p:spPr>
+          <a:xfrm>
+            <a:off x="2998872" y="1972112"/>
+            <a:ext cx="2020316" cy="954107"/>
+          </a:xfrm>
+          <a:prstGeom prst="rect">
+            <a:avLst/>
+          </a:prstGeom>
+          <a:noFill/>
+        </p:spPr>
+        <p:txBody>
+          <a:bodyPr wrap="square" rtlCol="0">
+            <a:spAutoFit/>
+          </a:bodyPr>
+          <a:lstStyle/>
+          <a:p>
+            <a:pPr marL="285750" marR="0" lvl="0" indent="-285750" defTabSz="914400" eaLnBrk="1" fontAlgn="auto" latinLnBrk="0" hangingPunct="1">
+              <a:lnSpc>
+                <a:spcPct val="100000"/>
+              </a:lnSpc>
+              <a:spcBef>
+                <a:spcPts val="0"/>
+              </a:spcBef>
+              <a:spcAft>
+                <a:spcPts val="0"/>
+              </a:spcAft>
+              <a:buClrTx/>
+              <a:buSzTx/>
+              <a:buFont typeface="Arial" panose="020B0604020202020204" pitchFamily="34" charset="0"/>
+              <a:buChar char="•"/>
+              <a:tabLst/>
+              <a:defRPr/>
+            </a:pPr>
+            <a:r>
+              <a:rPr kumimoji="0" lang="ja-JP" altLang="en-US" sz="1400" b="0" i="0" u="none" strike="noStrike" kern="0" cap="none" spc="0" normalizeH="0" baseline="0" noProof="0">
+                <a:ln>
+                  <a:noFill/>
+                </a:ln>
+                <a:solidFill>
+                  <a:srgbClr val="1A1A1A"/>
+                </a:solidFill>
+                <a:effectLst/>
+                <a:uLnTx/>
+                <a:uFillTx/>
+              </a:rPr>
+              <a:t>アプリケーション</a:t>
+            </a:r>
+            <a:endParaRPr kumimoji="0" lang="en-US" altLang="ja-JP" sz="1400" b="0" i="0" u="none" strike="noStrike" kern="0" cap="none" spc="0" normalizeH="0" baseline="0" noProof="0">
+              <a:ln>
+                <a:noFill/>
+              </a:ln>
+              <a:solidFill>
+                <a:srgbClr val="1A1A1A"/>
+              </a:solidFill>
+              <a:effectLst/>
+              <a:uLnTx/>
+              <a:uFillTx/>
+            </a:endParaRPr>
+          </a:p>
+          <a:p>
+            <a:pPr marL="285750" marR="0" lvl="0" indent="-285750" defTabSz="914400" eaLnBrk="1" fontAlgn="auto" latinLnBrk="0" hangingPunct="1">
+              <a:lnSpc>
+                <a:spcPct val="100000"/>
+              </a:lnSpc>
+              <a:spcBef>
+                <a:spcPts val="0"/>
+              </a:spcBef>
+              <a:spcAft>
+                <a:spcPts val="0"/>
+              </a:spcAft>
+              <a:buClrTx/>
+              <a:buSzTx/>
+              <a:buFont typeface="Arial" panose="020B0604020202020204" pitchFamily="34" charset="0"/>
+              <a:buChar char="•"/>
+              <a:tabLst/>
+              <a:defRPr/>
+            </a:pPr>
+            <a:r>
+              <a:rPr kumimoji="0" lang="ja-JP" altLang="en-US" sz="1400" b="0" i="0" u="none" strike="noStrike" kern="0" cap="none" spc="0" normalizeH="0" baseline="0" noProof="0">
+                <a:ln>
+                  <a:noFill/>
+                </a:ln>
+                <a:solidFill>
+                  <a:srgbClr val="1A1A1A"/>
+                </a:solidFill>
+                <a:effectLst/>
+                <a:uLnTx/>
+                <a:uFillTx/>
+              </a:rPr>
+              <a:t>サーバー</a:t>
+            </a:r>
+            <a:endParaRPr kumimoji="0" lang="en-US" altLang="ja-JP" sz="1400" b="0" i="0" u="none" strike="noStrike" kern="0" cap="none" spc="0" normalizeH="0" baseline="0" noProof="0">
+              <a:ln>
+                <a:noFill/>
+              </a:ln>
+              <a:solidFill>
+                <a:srgbClr val="1A1A1A"/>
+              </a:solidFill>
+              <a:effectLst/>
+              <a:uLnTx/>
+              <a:uFillTx/>
+            </a:endParaRPr>
+          </a:p>
+          <a:p>
+            <a:pPr marL="285750" marR="0" lvl="0" indent="-285750" defTabSz="914400" eaLnBrk="1" fontAlgn="auto" latinLnBrk="0" hangingPunct="1">
+              <a:lnSpc>
+                <a:spcPct val="100000"/>
+              </a:lnSpc>
+              <a:spcBef>
+                <a:spcPts val="0"/>
+              </a:spcBef>
+              <a:spcAft>
+                <a:spcPts val="0"/>
+              </a:spcAft>
+              <a:buClrTx/>
+              <a:buSzTx/>
+              <a:buFont typeface="Arial" panose="020B0604020202020204" pitchFamily="34" charset="0"/>
+              <a:buChar char="•"/>
+              <a:tabLst/>
+              <a:defRPr/>
+            </a:pPr>
+            <a:r>
+              <a:rPr kumimoji="0" lang="ja-JP" altLang="en-US" sz="1400" b="0" i="0" u="none" strike="noStrike" kern="0" cap="none" spc="0" normalizeH="0" baseline="0" noProof="0">
+                <a:ln>
+                  <a:noFill/>
+                </a:ln>
+                <a:solidFill>
+                  <a:srgbClr val="1A1A1A"/>
+                </a:solidFill>
+                <a:effectLst/>
+                <a:uLnTx/>
+                <a:uFillTx/>
+              </a:rPr>
+              <a:t>ネットワーク</a:t>
+            </a:r>
+            <a:endParaRPr kumimoji="0" lang="en-US" altLang="ja-JP" sz="1400" b="0" i="0" u="none" strike="noStrike" kern="0" cap="none" spc="0" normalizeH="0" baseline="0" noProof="0">
+              <a:ln>
+                <a:noFill/>
+              </a:ln>
+              <a:solidFill>
+                <a:srgbClr val="1A1A1A"/>
+              </a:solidFill>
+              <a:effectLst/>
+              <a:uLnTx/>
+              <a:uFillTx/>
+            </a:endParaRPr>
+          </a:p>
+          <a:p>
+            <a:pPr marL="285750" marR="0" lvl="0" indent="-285750" defTabSz="914400" eaLnBrk="1" fontAlgn="auto" latinLnBrk="0" hangingPunct="1">
+              <a:lnSpc>
+                <a:spcPct val="100000"/>
+              </a:lnSpc>
+              <a:spcBef>
+                <a:spcPts val="0"/>
+              </a:spcBef>
+              <a:spcAft>
+                <a:spcPts val="0"/>
+              </a:spcAft>
+              <a:buClrTx/>
+              <a:buSzTx/>
+              <a:buFont typeface="Arial" panose="020B0604020202020204" pitchFamily="34" charset="0"/>
+              <a:buChar char="•"/>
+              <a:tabLst/>
+              <a:defRPr/>
+            </a:pPr>
+            <a:r>
+              <a:rPr kumimoji="0" lang="ja-JP" altLang="en-US" sz="1400" b="0" i="0" u="none" strike="noStrike" kern="0" cap="none" spc="0" normalizeH="0" baseline="0" noProof="0">
+                <a:ln>
+                  <a:noFill/>
+                </a:ln>
+                <a:solidFill>
+                  <a:srgbClr val="1A1A1A"/>
+                </a:solidFill>
+                <a:effectLst/>
+                <a:uLnTx/>
+                <a:uFillTx/>
+              </a:rPr>
+              <a:t>セキュリティ</a:t>
+            </a:r>
+          </a:p>
+        </p:txBody>
+      </p:sp>
+      <p:sp>
+        <p:nvSpPr>
+          <p:cNvPr id="10" name="正方形/長方形 9">
+            <a:extLst>
+              <a:ext uri="{FF2B5EF4-FFF2-40B4-BE49-F238E27FC236}">
+                <a16:creationId xmlns:a16="http://schemas.microsoft.com/office/drawing/2014/main" id="{F9BF640D-78C4-23EE-7EB5-F107EB9018D4}"/>
+              </a:ext>
+            </a:extLst>
+          </p:cNvPr>
+          <p:cNvSpPr/>
+          <p:nvPr/>
+        </p:nvSpPr>
+        <p:spPr>
+          <a:xfrm>
+            <a:off x="5319207" y="1972111"/>
+            <a:ext cx="1593273" cy="954107"/>
+          </a:xfrm>
+          <a:prstGeom prst="rect">
+            <a:avLst/>
+          </a:prstGeom>
+        </p:spPr>
+        <p:txBody>
+          <a:bodyPr wrap="square">
+            <a:spAutoFit/>
+          </a:bodyPr>
+          <a:lstStyle/>
+          <a:p>
+            <a:pPr marL="285750" marR="0" lvl="0" indent="-285750" defTabSz="914400" eaLnBrk="1" fontAlgn="auto" latinLnBrk="0" hangingPunct="1">
+              <a:lnSpc>
+                <a:spcPct val="100000"/>
+              </a:lnSpc>
+              <a:spcBef>
+                <a:spcPts val="0"/>
+              </a:spcBef>
+              <a:spcAft>
+                <a:spcPts val="0"/>
+              </a:spcAft>
+              <a:buClrTx/>
+              <a:buSzTx/>
+              <a:buFont typeface="Arial" panose="020B0604020202020204" pitchFamily="34" charset="0"/>
+              <a:buChar char="•"/>
+              <a:tabLst/>
+              <a:defRPr/>
+            </a:pPr>
+            <a:r>
+              <a:rPr kumimoji="0" lang="ja-JP" altLang="en-US" sz="1400" kern="0" dirty="0">
+                <a:solidFill>
+                  <a:srgbClr val="1A1A1A"/>
+                </a:solidFill>
+              </a:rPr>
+              <a:t>しきい</a:t>
+            </a:r>
+            <a:r>
+              <a:rPr kumimoji="0" lang="ja-JP" altLang="en-US" sz="1400" b="0" i="0" u="none" strike="noStrike" kern="0" cap="none" spc="0" normalizeH="0" baseline="0" noProof="0" dirty="0">
+                <a:ln>
+                  <a:noFill/>
+                </a:ln>
+                <a:solidFill>
+                  <a:srgbClr val="1A1A1A"/>
+                </a:solidFill>
+                <a:effectLst/>
+                <a:uLnTx/>
+                <a:uFillTx/>
+              </a:rPr>
+              <a:t>値</a:t>
+            </a:r>
+          </a:p>
+          <a:p>
+            <a:pPr marL="285750" marR="0" lvl="0" indent="-285750" defTabSz="914400" eaLnBrk="1" fontAlgn="auto" latinLnBrk="0" hangingPunct="1">
+              <a:lnSpc>
+                <a:spcPct val="100000"/>
+              </a:lnSpc>
+              <a:spcBef>
+                <a:spcPts val="0"/>
+              </a:spcBef>
+              <a:spcAft>
+                <a:spcPts val="0"/>
+              </a:spcAft>
+              <a:buClrTx/>
+              <a:buSzTx/>
+              <a:buFont typeface="Arial" panose="020B0604020202020204" pitchFamily="34" charset="0"/>
+              <a:buChar char="•"/>
+              <a:tabLst/>
+              <a:defRPr/>
+            </a:pPr>
+            <a:r>
+              <a:rPr kumimoji="0" lang="ja-JP" altLang="en-US" sz="1400" b="0" i="0" u="none" strike="noStrike" kern="0" cap="none" spc="0" normalizeH="0" baseline="0" noProof="0" dirty="0">
+                <a:ln>
+                  <a:noFill/>
+                </a:ln>
+                <a:solidFill>
+                  <a:srgbClr val="1A1A1A"/>
+                </a:solidFill>
+                <a:effectLst/>
+                <a:uLnTx/>
+                <a:uFillTx/>
+              </a:rPr>
+              <a:t>監視サーバー</a:t>
+            </a:r>
+            <a:endParaRPr kumimoji="0" lang="en-US" altLang="ja-JP" sz="1400" b="0" i="0" u="none" strike="noStrike" kern="0" cap="none" spc="0" normalizeH="0" baseline="0" noProof="0" dirty="0">
+              <a:ln>
+                <a:noFill/>
+              </a:ln>
+              <a:solidFill>
+                <a:srgbClr val="1A1A1A"/>
+              </a:solidFill>
+              <a:effectLst/>
+              <a:uLnTx/>
+              <a:uFillTx/>
+            </a:endParaRPr>
+          </a:p>
+          <a:p>
+            <a:pPr marL="285750" marR="0" lvl="0" indent="-285750" defTabSz="914400" eaLnBrk="1" fontAlgn="auto" latinLnBrk="0" hangingPunct="1">
+              <a:lnSpc>
+                <a:spcPct val="100000"/>
+              </a:lnSpc>
+              <a:spcBef>
+                <a:spcPts val="0"/>
+              </a:spcBef>
+              <a:spcAft>
+                <a:spcPts val="0"/>
+              </a:spcAft>
+              <a:buClrTx/>
+              <a:buSzTx/>
+              <a:buFont typeface="Arial" panose="020B0604020202020204" pitchFamily="34" charset="0"/>
+              <a:buChar char="•"/>
+              <a:tabLst/>
+              <a:defRPr/>
+            </a:pPr>
+            <a:r>
+              <a:rPr kumimoji="0" lang="ja-JP" altLang="en-US" sz="1400" kern="0" dirty="0">
+                <a:solidFill>
+                  <a:srgbClr val="1A1A1A"/>
+                </a:solidFill>
+              </a:rPr>
+              <a:t>監視ソフトウェア</a:t>
+            </a:r>
+            <a:endParaRPr kumimoji="0" lang="en-US" altLang="ja-JP" sz="1400" b="0" i="0" u="none" strike="noStrike" kern="0" cap="none" spc="0" normalizeH="0" baseline="0" noProof="0" dirty="0">
+              <a:ln>
+                <a:noFill/>
+              </a:ln>
+              <a:solidFill>
+                <a:srgbClr val="1A1A1A"/>
+              </a:solidFill>
+              <a:effectLst/>
+              <a:uLnTx/>
+              <a:uFillTx/>
+            </a:endParaRPr>
+          </a:p>
+          <a:p>
+            <a:pPr marL="285750" marR="0" lvl="0" indent="-285750" defTabSz="914400" eaLnBrk="1" fontAlgn="auto" latinLnBrk="0" hangingPunct="1">
+              <a:lnSpc>
+                <a:spcPct val="100000"/>
+              </a:lnSpc>
+              <a:spcBef>
+                <a:spcPts val="0"/>
+              </a:spcBef>
+              <a:spcAft>
+                <a:spcPts val="0"/>
+              </a:spcAft>
+              <a:buClrTx/>
+              <a:buSzTx/>
+              <a:buFont typeface="Arial" panose="020B0604020202020204" pitchFamily="34" charset="0"/>
+              <a:buChar char="•"/>
+              <a:tabLst/>
+              <a:defRPr/>
+            </a:pPr>
+            <a:r>
+              <a:rPr kumimoji="0" lang="ja-JP" altLang="en-US" sz="1400" b="0" i="0" u="none" strike="noStrike" kern="0" cap="none" spc="0" normalizeH="0" baseline="0" noProof="0" dirty="0">
+                <a:ln>
+                  <a:noFill/>
+                </a:ln>
+                <a:solidFill>
+                  <a:srgbClr val="1A1A1A"/>
+                </a:solidFill>
+                <a:effectLst/>
+                <a:uLnTx/>
+                <a:uFillTx/>
+              </a:rPr>
+              <a:t>通知方法</a:t>
+            </a:r>
+            <a:endParaRPr kumimoji="0" lang="en-US" altLang="ja-JP" sz="1400" b="0" i="0" u="none" strike="noStrike" kern="0" cap="none" spc="0" normalizeH="0" baseline="0" noProof="0" dirty="0">
+              <a:ln>
+                <a:noFill/>
+              </a:ln>
+              <a:solidFill>
+                <a:srgbClr val="1A1A1A"/>
+              </a:solidFill>
+              <a:effectLst/>
+              <a:uLnTx/>
+              <a:uFillTx/>
+            </a:endParaRPr>
+          </a:p>
+        </p:txBody>
+      </p:sp>
+      <p:sp>
+        <p:nvSpPr>
+          <p:cNvPr id="11" name="正方形/長方形 10">
+            <a:extLst>
+              <a:ext uri="{FF2B5EF4-FFF2-40B4-BE49-F238E27FC236}">
+                <a16:creationId xmlns:a16="http://schemas.microsoft.com/office/drawing/2014/main" id="{5DB4679B-F769-B969-360D-2D4F00834C9A}"/>
+              </a:ext>
+            </a:extLst>
+          </p:cNvPr>
+          <p:cNvSpPr/>
+          <p:nvPr/>
+        </p:nvSpPr>
+        <p:spPr>
+          <a:xfrm>
+            <a:off x="9193128" y="1962840"/>
+            <a:ext cx="2020529" cy="523220"/>
+          </a:xfrm>
+          <a:prstGeom prst="rect">
+            <a:avLst/>
+          </a:prstGeom>
+        </p:spPr>
+        <p:txBody>
+          <a:bodyPr wrap="square">
+            <a:spAutoFit/>
+          </a:bodyPr>
+          <a:lstStyle/>
+          <a:p>
+            <a:pPr marL="285750" marR="0" lvl="0" indent="-285750" defTabSz="914400" eaLnBrk="1" fontAlgn="auto" latinLnBrk="0" hangingPunct="1">
+              <a:lnSpc>
+                <a:spcPct val="100000"/>
+              </a:lnSpc>
+              <a:spcBef>
+                <a:spcPts val="0"/>
+              </a:spcBef>
+              <a:spcAft>
+                <a:spcPts val="0"/>
+              </a:spcAft>
+              <a:buClrTx/>
+              <a:buSzTx/>
+              <a:buFont typeface="Arial" panose="020B0604020202020204" pitchFamily="34" charset="0"/>
+              <a:buChar char="•"/>
+              <a:tabLst/>
+              <a:defRPr/>
+            </a:pPr>
+            <a:r>
+              <a:rPr kumimoji="0" lang="ja-JP" altLang="en-US" sz="1400" b="0" i="0" u="none" strike="noStrike" kern="0" cap="none" spc="0" normalizeH="0" baseline="0" noProof="0">
+                <a:ln>
+                  <a:noFill/>
+                </a:ln>
+                <a:solidFill>
+                  <a:srgbClr val="1A1A1A"/>
+                </a:solidFill>
+                <a:effectLst/>
+                <a:uLnTx/>
+                <a:uFillTx/>
+              </a:rPr>
+              <a:t>インシデント管理</a:t>
+            </a:r>
+          </a:p>
+          <a:p>
+            <a:pPr marL="285750" marR="0" lvl="0" indent="-285750" defTabSz="914400" eaLnBrk="1" fontAlgn="auto" latinLnBrk="0" hangingPunct="1">
+              <a:lnSpc>
+                <a:spcPct val="100000"/>
+              </a:lnSpc>
+              <a:spcBef>
+                <a:spcPts val="0"/>
+              </a:spcBef>
+              <a:spcAft>
+                <a:spcPts val="0"/>
+              </a:spcAft>
+              <a:buClrTx/>
+              <a:buSzTx/>
+              <a:buFont typeface="Arial" panose="020B0604020202020204" pitchFamily="34" charset="0"/>
+              <a:buChar char="•"/>
+              <a:tabLst/>
+              <a:defRPr/>
+            </a:pPr>
+            <a:r>
+              <a:rPr kumimoji="0" lang="ja-JP" altLang="en-US" sz="1400" b="0" i="0" u="none" strike="noStrike" kern="0" cap="none" spc="0" normalizeH="0" baseline="0" noProof="0">
+                <a:ln>
+                  <a:noFill/>
+                </a:ln>
+                <a:solidFill>
+                  <a:srgbClr val="1A1A1A"/>
+                </a:solidFill>
+                <a:effectLst/>
+                <a:uLnTx/>
+                <a:uFillTx/>
+              </a:rPr>
+              <a:t>問題管理</a:t>
+            </a:r>
+            <a:endParaRPr kumimoji="0" lang="en-US" altLang="ja-JP" sz="1400" b="0" i="0" u="none" strike="noStrike" kern="0" cap="none" spc="0" normalizeH="0" baseline="0" noProof="0">
+              <a:ln>
+                <a:noFill/>
+              </a:ln>
+              <a:solidFill>
+                <a:srgbClr val="1A1A1A"/>
+              </a:solidFill>
+              <a:effectLst/>
+              <a:uLnTx/>
+              <a:uFillTx/>
+            </a:endParaRPr>
+          </a:p>
+        </p:txBody>
+      </p:sp>
+      <p:sp>
+        <p:nvSpPr>
+          <p:cNvPr id="12" name="正方形/長方形 11">
+            <a:extLst>
+              <a:ext uri="{FF2B5EF4-FFF2-40B4-BE49-F238E27FC236}">
+                <a16:creationId xmlns:a16="http://schemas.microsoft.com/office/drawing/2014/main" id="{0C88B66D-2D9C-D98B-8068-AC1606A88015}"/>
+              </a:ext>
+            </a:extLst>
+          </p:cNvPr>
+          <p:cNvSpPr/>
+          <p:nvPr/>
+        </p:nvSpPr>
+        <p:spPr>
+          <a:xfrm>
+            <a:off x="1182045" y="1256222"/>
+            <a:ext cx="1581178" cy="400408"/>
+          </a:xfrm>
+          <a:prstGeom prst="rect">
+            <a:avLst/>
+          </a:prstGeom>
+          <a:noFill/>
+          <a:ln w="38100" cap="flat" cmpd="sng" algn="ctr">
+            <a:solidFill>
+              <a:srgbClr val="FF0000"/>
+            </a:solidFill>
+            <a:prstDash val="solid"/>
+          </a:ln>
+          <a:effectLst/>
+        </p:spPr>
+        <p:txBody>
+          <a:bodyPr rtlCol="0" anchor="ctr"/>
+          <a:lstStyle/>
+          <a:p>
+            <a:pPr marL="0" marR="0" lvl="0" indent="0" algn="ctr" defTabSz="914400" eaLnBrk="1" fontAlgn="auto" latinLnBrk="0" hangingPunct="1">
+              <a:lnSpc>
+                <a:spcPct val="100000"/>
+              </a:lnSpc>
+              <a:spcBef>
+                <a:spcPts val="0"/>
+              </a:spcBef>
+              <a:spcAft>
+                <a:spcPts val="0"/>
+              </a:spcAft>
+              <a:buClrTx/>
+              <a:buSzTx/>
+              <a:buFontTx/>
+              <a:buNone/>
+              <a:tabLst/>
+              <a:defRPr/>
+            </a:pPr>
+            <a:endParaRPr kumimoji="0" lang="en-US" altLang="ja-JP" sz="1800" b="0" i="0" u="none" strike="noStrike" kern="0" cap="none" spc="0" normalizeH="0" baseline="0" noProof="0">
+              <a:ln>
+                <a:noFill/>
+              </a:ln>
+              <a:solidFill>
+                <a:srgbClr val="FFFFFF"/>
+              </a:solidFill>
+              <a:effectLst/>
+              <a:uLnTx/>
+              <a:uFillTx/>
+              <a:latin typeface="Segoe UI"/>
+              <a:ea typeface="+mn-ea"/>
+              <a:cs typeface="+mn-cs"/>
+            </a:endParaRPr>
+          </a:p>
+        </p:txBody>
+      </p:sp>
+      <p:sp>
+        <p:nvSpPr>
+          <p:cNvPr id="13" name="テキスト ボックス 12">
+            <a:extLst>
+              <a:ext uri="{FF2B5EF4-FFF2-40B4-BE49-F238E27FC236}">
+                <a16:creationId xmlns:a16="http://schemas.microsoft.com/office/drawing/2014/main" id="{43FB9406-42A3-8BF9-3EFB-60B20423075A}"/>
+              </a:ext>
+            </a:extLst>
+          </p:cNvPr>
+          <p:cNvSpPr txBox="1"/>
+          <p:nvPr/>
+        </p:nvSpPr>
+        <p:spPr>
+          <a:xfrm>
+            <a:off x="1182045" y="1972112"/>
+            <a:ext cx="1554480" cy="307777"/>
+          </a:xfrm>
+          <a:prstGeom prst="rect">
+            <a:avLst/>
+          </a:prstGeom>
+          <a:noFill/>
+        </p:spPr>
+        <p:txBody>
+          <a:bodyPr wrap="square" rtlCol="0">
+            <a:spAutoFit/>
+          </a:bodyPr>
+          <a:lstStyle/>
+          <a:p>
+            <a:pPr marL="285750" marR="0" lvl="0" indent="-285750" defTabSz="914400" eaLnBrk="1" fontAlgn="auto" latinLnBrk="0" hangingPunct="1">
+              <a:lnSpc>
+                <a:spcPct val="100000"/>
+              </a:lnSpc>
+              <a:spcBef>
+                <a:spcPts val="0"/>
+              </a:spcBef>
+              <a:spcAft>
+                <a:spcPts val="0"/>
+              </a:spcAft>
+              <a:buClrTx/>
+              <a:buSzTx/>
+              <a:buFont typeface="Arial" panose="020B0604020202020204" pitchFamily="34" charset="0"/>
+              <a:buChar char="•"/>
+              <a:tabLst/>
+              <a:defRPr/>
+            </a:pPr>
+            <a:r>
+              <a:rPr kumimoji="0" lang="en-US" altLang="ja-JP" sz="1400" b="0" i="0" u="none" strike="noStrike" kern="0" cap="none" spc="0" normalizeH="0" baseline="0" noProof="0">
+                <a:ln>
+                  <a:noFill/>
+                </a:ln>
+                <a:solidFill>
+                  <a:srgbClr val="1A1A1A"/>
+                </a:solidFill>
+                <a:effectLst/>
+                <a:uLnTx/>
+                <a:uFillTx/>
+              </a:rPr>
+              <a:t>KPI</a:t>
+            </a:r>
+            <a:r>
+              <a:rPr kumimoji="0" lang="ja-JP" altLang="en-US" sz="1400" b="0" i="0" u="none" strike="noStrike" kern="0" cap="none" spc="0" normalizeH="0" baseline="0" noProof="0">
+                <a:ln>
+                  <a:noFill/>
+                </a:ln>
+                <a:solidFill>
+                  <a:srgbClr val="1A1A1A"/>
+                </a:solidFill>
+                <a:effectLst/>
+                <a:uLnTx/>
+                <a:uFillTx/>
+              </a:rPr>
+              <a:t>の策定</a:t>
+            </a:r>
+          </a:p>
+        </p:txBody>
+      </p:sp>
+    </p:spTree>
+    <p:extLst>
+      <p:ext uri="{BB962C8B-B14F-4D97-AF65-F5344CB8AC3E}">
+        <p14:creationId xmlns:p14="http://schemas.microsoft.com/office/powerpoint/2010/main" val="3461775122"/>
+      </p:ext>
+    </p:extLst>
+  </p:cSld>
+  <p:clrMapOvr>
+    <a:masterClrMapping/>
+  </p:clrMapOvr>
+</p:sld>
+</file>
+
 <file path=ppt/theme/theme1.xml><?xml version="1.0" encoding="utf-8"?>
 <a:theme xmlns:a="http://schemas.openxmlformats.org/drawingml/2006/main" name="Office テーマ">
   <a:themeElements>

--- a/FTALive/Monitoring/images/figure.pptx
+++ b/FTALive/Monitoring/images/figure.pptx
@@ -15,6 +15,7 @@
     <p:sldId id="270" r:id="rId9"/>
     <p:sldId id="271" r:id="rId10"/>
     <p:sldId id="272" r:id="rId11"/>
+    <p:sldId id="273" r:id="rId12"/>
   </p:sldIdLst>
   <p:sldSz cx="12192000" cy="6858000"/>
   <p:notesSz cx="6858000" cy="9144000"/>
@@ -7172,10 +7173,10 @@
         </p:nvGrpSpPr>
         <p:grpSpPr>
           <a:xfrm>
-            <a:off x="3053189" y="4331525"/>
-            <a:ext cx="4109612" cy="1090435"/>
-            <a:chOff x="1099099" y="4698006"/>
-            <a:chExt cx="7220589" cy="2039545"/>
+            <a:off x="3022229" y="4341516"/>
+            <a:ext cx="4126548" cy="1090435"/>
+            <a:chOff x="1069342" y="4698006"/>
+            <a:chExt cx="7250346" cy="2039545"/>
           </a:xfrm>
         </p:grpSpPr>
         <p:sp>
@@ -11578,8 +11579,8 @@
           </p:nvSpPr>
           <p:spPr>
             <a:xfrm>
-              <a:off x="1226176" y="6046752"/>
-              <a:ext cx="882130" cy="431747"/>
+              <a:off x="1069342" y="6035449"/>
+              <a:ext cx="1372187" cy="431747"/>
             </a:xfrm>
             <a:prstGeom prst="rect">
               <a:avLst/>
@@ -11610,7 +11611,7 @@
                 <a:defRPr/>
               </a:pPr>
               <a:r>
-                <a:rPr kumimoji="0" lang="ja-JP" altLang="en-US" sz="900" b="0" i="0" u="none" strike="noStrike" kern="0" cap="none" spc="0" normalizeH="0" baseline="0" noProof="0">
+                <a:rPr kumimoji="0" lang="ja-JP" altLang="en-US" sz="900" b="0" i="0" u="none" strike="noStrike" kern="0" cap="none" spc="0" normalizeH="0" baseline="0" noProof="0" dirty="0">
                   <a:ln>
                     <a:noFill/>
                   </a:ln>
@@ -11621,7 +11622,7 @@
                   <a:uLnTx/>
                   <a:uFillTx/>
                 </a:rPr>
-                <a:t>ブラウザ</a:t>
+                <a:t>監視サービス</a:t>
               </a:r>
             </a:p>
           </p:txBody>
@@ -11867,10 +11868,2609 @@
           </p:txBody>
         </p:sp>
       </p:grpSp>
+      <p:sp>
+        <p:nvSpPr>
+          <p:cNvPr id="64" name="楕円 63">
+            <a:extLst>
+              <a:ext uri="{FF2B5EF4-FFF2-40B4-BE49-F238E27FC236}">
+                <a16:creationId xmlns:a16="http://schemas.microsoft.com/office/drawing/2014/main" id="{BF4A05C5-74EC-5C52-507F-6048EED5AB9A}"/>
+              </a:ext>
+            </a:extLst>
+          </p:cNvPr>
+          <p:cNvSpPr/>
+          <p:nvPr/>
+        </p:nvSpPr>
+        <p:spPr>
+          <a:xfrm>
+            <a:off x="4998721" y="4678680"/>
+            <a:ext cx="190500" cy="190500"/>
+          </a:xfrm>
+          <a:prstGeom prst="ellipse">
+            <a:avLst/>
+          </a:prstGeom>
+          <a:solidFill>
+            <a:schemeClr val="accent2"/>
+          </a:solidFill>
+          <a:ln>
+            <a:noFill/>
+          </a:ln>
+        </p:spPr>
+        <p:style>
+          <a:lnRef idx="2">
+            <a:schemeClr val="accent1">
+              <a:shade val="50000"/>
+            </a:schemeClr>
+          </a:lnRef>
+          <a:fillRef idx="1">
+            <a:schemeClr val="accent1"/>
+          </a:fillRef>
+          <a:effectRef idx="0">
+            <a:schemeClr val="accent1"/>
+          </a:effectRef>
+          <a:fontRef idx="minor">
+            <a:schemeClr val="lt1"/>
+          </a:fontRef>
+        </p:style>
+        <p:txBody>
+          <a:bodyPr rtlCol="0" anchor="ctr"/>
+          <a:lstStyle/>
+          <a:p>
+            <a:pPr algn="ctr"/>
+            <a:endParaRPr kumimoji="1" lang="ja-JP" altLang="en-US"/>
+          </a:p>
+        </p:txBody>
+      </p:sp>
+      <p:sp>
+        <p:nvSpPr>
+          <p:cNvPr id="65" name="吹き出し: 四角形 64">
+            <a:extLst>
+              <a:ext uri="{FF2B5EF4-FFF2-40B4-BE49-F238E27FC236}">
+                <a16:creationId xmlns:a16="http://schemas.microsoft.com/office/drawing/2014/main" id="{74AA25B6-3015-B073-C4E1-475E944A1837}"/>
+              </a:ext>
+            </a:extLst>
+          </p:cNvPr>
+          <p:cNvSpPr/>
+          <p:nvPr/>
+        </p:nvSpPr>
+        <p:spPr>
+          <a:xfrm>
+            <a:off x="4922031" y="3743287"/>
+            <a:ext cx="1054553" cy="532146"/>
+          </a:xfrm>
+          <a:prstGeom prst="wedgeRectCallout">
+            <a:avLst>
+              <a:gd name="adj1" fmla="val -38967"/>
+              <a:gd name="adj2" fmla="val 126008"/>
+            </a:avLst>
+          </a:prstGeom>
+          <a:solidFill>
+            <a:schemeClr val="accent2"/>
+          </a:solidFill>
+          <a:ln>
+            <a:noFill/>
+          </a:ln>
+        </p:spPr>
+        <p:style>
+          <a:lnRef idx="2">
+            <a:schemeClr val="accent1">
+              <a:shade val="50000"/>
+            </a:schemeClr>
+          </a:lnRef>
+          <a:fillRef idx="1">
+            <a:schemeClr val="accent1"/>
+          </a:fillRef>
+          <a:effectRef idx="0">
+            <a:schemeClr val="accent1"/>
+          </a:effectRef>
+          <a:fontRef idx="minor">
+            <a:schemeClr val="lt1"/>
+          </a:fontRef>
+        </p:style>
+        <p:txBody>
+          <a:bodyPr rtlCol="0" anchor="ctr"/>
+          <a:lstStyle/>
+          <a:p>
+            <a:pPr algn="ctr"/>
+            <a:r>
+              <a:rPr kumimoji="1" lang="ja-JP" altLang="en-US" sz="1200" dirty="0"/>
+              <a:t>ヘルス</a:t>
+            </a:r>
+            <a:endParaRPr kumimoji="1" lang="en-US" altLang="ja-JP" sz="1200" dirty="0"/>
+          </a:p>
+          <a:p>
+            <a:pPr algn="ctr"/>
+            <a:r>
+              <a:rPr kumimoji="1" lang="ja-JP" altLang="en-US" sz="1200" dirty="0"/>
+              <a:t>エンドポイント</a:t>
+            </a:r>
+          </a:p>
+        </p:txBody>
+      </p:sp>
     </p:spTree>
     <p:extLst>
       <p:ext uri="{BB962C8B-B14F-4D97-AF65-F5344CB8AC3E}">
         <p14:creationId xmlns:p14="http://schemas.microsoft.com/office/powerpoint/2010/main" val="3995125306"/>
+      </p:ext>
+    </p:extLst>
+  </p:cSld>
+  <p:clrMapOvr>
+    <a:masterClrMapping/>
+  </p:clrMapOvr>
+</p:sld>
+</file>
+
+<file path=ppt/slides/slide11.xml><?xml version="1.0" encoding="utf-8"?>
+<p:sld xmlns:a="http://schemas.openxmlformats.org/drawingml/2006/main" xmlns:r="http://schemas.openxmlformats.org/officeDocument/2006/relationships" xmlns:p="http://schemas.openxmlformats.org/presentationml/2006/main">
+  <p:cSld>
+    <p:spTree>
+      <p:nvGrpSpPr>
+        <p:cNvPr id="1" name=""/>
+        <p:cNvGrpSpPr/>
+        <p:nvPr/>
+      </p:nvGrpSpPr>
+      <p:grpSpPr>
+        <a:xfrm>
+          <a:off x="0" y="0"/>
+          <a:ext cx="0" cy="0"/>
+          <a:chOff x="0" y="0"/>
+          <a:chExt cx="0" cy="0"/>
+        </a:xfrm>
+      </p:grpSpPr>
+      <p:graphicFrame>
+        <p:nvGraphicFramePr>
+          <p:cNvPr id="3" name="表 2">
+            <a:extLst>
+              <a:ext uri="{FF2B5EF4-FFF2-40B4-BE49-F238E27FC236}">
+                <a16:creationId xmlns:a16="http://schemas.microsoft.com/office/drawing/2014/main" id="{FD8BC9DA-5D64-9E3C-194B-226A1C2F97A4}"/>
+              </a:ext>
+            </a:extLst>
+          </p:cNvPr>
+          <p:cNvGraphicFramePr>
+            <a:graphicFrameLocks noGrp="1"/>
+          </p:cNvGraphicFramePr>
+          <p:nvPr>
+            <p:extLst>
+              <p:ext uri="{D42A27DB-BD31-4B8C-83A1-F6EECF244321}">
+                <p14:modId xmlns:p14="http://schemas.microsoft.com/office/powerpoint/2010/main" val="624358427"/>
+              </p:ext>
+            </p:extLst>
+          </p:nvPr>
+        </p:nvGraphicFramePr>
+        <p:xfrm>
+          <a:off x="584200" y="1916401"/>
+          <a:ext cx="10899775" cy="3200400"/>
+        </p:xfrm>
+        <a:graphic>
+          <a:graphicData uri="http://schemas.openxmlformats.org/drawingml/2006/table">
+            <a:tbl>
+              <a:tblPr firstRow="1" bandRow="1"/>
+              <a:tblGrid>
+                <a:gridCol w="1581132">
+                  <a:extLst>
+                    <a:ext uri="{9D8B030D-6E8A-4147-A177-3AD203B41FA5}">
+                      <a16:colId xmlns:a16="http://schemas.microsoft.com/office/drawing/2014/main" val="2749936843"/>
+                    </a:ext>
+                  </a:extLst>
+                </a:gridCol>
+                <a:gridCol w="3379623">
+                  <a:extLst>
+                    <a:ext uri="{9D8B030D-6E8A-4147-A177-3AD203B41FA5}">
+                      <a16:colId xmlns:a16="http://schemas.microsoft.com/office/drawing/2014/main" val="3146683737"/>
+                    </a:ext>
+                  </a:extLst>
+                </a:gridCol>
+                <a:gridCol w="5939020">
+                  <a:extLst>
+                    <a:ext uri="{9D8B030D-6E8A-4147-A177-3AD203B41FA5}">
+                      <a16:colId xmlns:a16="http://schemas.microsoft.com/office/drawing/2014/main" val="649764883"/>
+                    </a:ext>
+                  </a:extLst>
+                </a:gridCol>
+              </a:tblGrid>
+              <a:tr h="183541">
+                <a:tc>
+                  <a:txBody>
+                    <a:bodyPr/>
+                    <a:lstStyle>
+                      <a:lvl1pPr marL="0" algn="l" defTabSz="914400" rtl="0" eaLnBrk="1" latinLnBrk="0" hangingPunct="1">
+                        <a:defRPr kumimoji="1" sz="1800" b="1" kern="1200">
+                          <a:solidFill>
+                            <a:schemeClr val="lt1"/>
+                          </a:solidFill>
+                          <a:latin typeface="Segoe UI"/>
+                        </a:defRPr>
+                      </a:lvl1pPr>
+                      <a:lvl2pPr marL="457200" algn="l" defTabSz="914400" rtl="0" eaLnBrk="1" latinLnBrk="0" hangingPunct="1">
+                        <a:defRPr kumimoji="1" sz="1800" b="1" kern="1200">
+                          <a:solidFill>
+                            <a:schemeClr val="lt1"/>
+                          </a:solidFill>
+                          <a:latin typeface="Segoe UI"/>
+                        </a:defRPr>
+                      </a:lvl2pPr>
+                      <a:lvl3pPr marL="914400" algn="l" defTabSz="914400" rtl="0" eaLnBrk="1" latinLnBrk="0" hangingPunct="1">
+                        <a:defRPr kumimoji="1" sz="1800" b="1" kern="1200">
+                          <a:solidFill>
+                            <a:schemeClr val="lt1"/>
+                          </a:solidFill>
+                          <a:latin typeface="Segoe UI"/>
+                        </a:defRPr>
+                      </a:lvl3pPr>
+                      <a:lvl4pPr marL="1371600" algn="l" defTabSz="914400" rtl="0" eaLnBrk="1" latinLnBrk="0" hangingPunct="1">
+                        <a:defRPr kumimoji="1" sz="1800" b="1" kern="1200">
+                          <a:solidFill>
+                            <a:schemeClr val="lt1"/>
+                          </a:solidFill>
+                          <a:latin typeface="Segoe UI"/>
+                        </a:defRPr>
+                      </a:lvl4pPr>
+                      <a:lvl5pPr marL="1828800" algn="l" defTabSz="914400" rtl="0" eaLnBrk="1" latinLnBrk="0" hangingPunct="1">
+                        <a:defRPr kumimoji="1" sz="1800" b="1" kern="1200">
+                          <a:solidFill>
+                            <a:schemeClr val="lt1"/>
+                          </a:solidFill>
+                          <a:latin typeface="Segoe UI"/>
+                        </a:defRPr>
+                      </a:lvl5pPr>
+                      <a:lvl6pPr marL="2286000" algn="l" defTabSz="914400" rtl="0" eaLnBrk="1" latinLnBrk="0" hangingPunct="1">
+                        <a:defRPr kumimoji="1" sz="1800" b="1" kern="1200">
+                          <a:solidFill>
+                            <a:schemeClr val="lt1"/>
+                          </a:solidFill>
+                          <a:latin typeface="Segoe UI"/>
+                        </a:defRPr>
+                      </a:lvl6pPr>
+                      <a:lvl7pPr marL="2743200" algn="l" defTabSz="914400" rtl="0" eaLnBrk="1" latinLnBrk="0" hangingPunct="1">
+                        <a:defRPr kumimoji="1" sz="1800" b="1" kern="1200">
+                          <a:solidFill>
+                            <a:schemeClr val="lt1"/>
+                          </a:solidFill>
+                          <a:latin typeface="Segoe UI"/>
+                        </a:defRPr>
+                      </a:lvl7pPr>
+                      <a:lvl8pPr marL="3200400" algn="l" defTabSz="914400" rtl="0" eaLnBrk="1" latinLnBrk="0" hangingPunct="1">
+                        <a:defRPr kumimoji="1" sz="1800" b="1" kern="1200">
+                          <a:solidFill>
+                            <a:schemeClr val="lt1"/>
+                          </a:solidFill>
+                          <a:latin typeface="Segoe UI"/>
+                        </a:defRPr>
+                      </a:lvl8pPr>
+                      <a:lvl9pPr marL="3657600" algn="l" defTabSz="914400" rtl="0" eaLnBrk="1" latinLnBrk="0" hangingPunct="1">
+                        <a:defRPr kumimoji="1" sz="1800" b="1" kern="1200">
+                          <a:solidFill>
+                            <a:schemeClr val="lt1"/>
+                          </a:solidFill>
+                          <a:latin typeface="Segoe UI"/>
+                        </a:defRPr>
+                      </a:lvl9pPr>
+                    </a:lstStyle>
+                    <a:p>
+                      <a:r>
+                        <a:rPr kumimoji="1" lang="ja-JP" altLang="en-US" sz="1200" b="0">
+                          <a:latin typeface="Yu Gothic UI" panose="020B0500000000000000" pitchFamily="34" charset="-128"/>
+                          <a:ea typeface="Yu Gothic UI" panose="020B0500000000000000" pitchFamily="34" charset="-128"/>
+                        </a:rPr>
+                        <a:t>カテゴリ</a:t>
+                      </a:r>
+                    </a:p>
+                  </a:txBody>
+                  <a:tcPr>
+                    <a:lnL w="12700" cmpd="sng">
+                      <a:solidFill>
+                        <a:srgbClr val="FFFFFF"/>
+                      </a:solidFill>
+                    </a:lnL>
+                    <a:lnR w="12700" cmpd="sng">
+                      <a:solidFill>
+                        <a:srgbClr val="FFFFFF"/>
+                      </a:solidFill>
+                    </a:lnR>
+                    <a:lnT w="12700" cmpd="sng">
+                      <a:solidFill>
+                        <a:srgbClr val="FFFFFF"/>
+                      </a:solidFill>
+                    </a:lnT>
+                    <a:lnB w="38100" cmpd="sng">
+                      <a:solidFill>
+                        <a:srgbClr val="FFFFFF"/>
+                      </a:solidFill>
+                    </a:lnB>
+                    <a:lnTlToBr w="12700" cmpd="sng">
+                      <a:noFill/>
+                      <a:prstDash val="solid"/>
+                    </a:lnTlToBr>
+                    <a:lnBlToTr w="12700" cmpd="sng">
+                      <a:noFill/>
+                      <a:prstDash val="solid"/>
+                    </a:lnBlToTr>
+                    <a:solidFill>
+                      <a:srgbClr val="0078D4"/>
+                    </a:solidFill>
+                  </a:tcPr>
+                </a:tc>
+                <a:tc>
+                  <a:txBody>
+                    <a:bodyPr/>
+                    <a:lstStyle>
+                      <a:lvl1pPr marL="0" algn="l" defTabSz="914400" rtl="0" eaLnBrk="1" latinLnBrk="0" hangingPunct="1">
+                        <a:defRPr kumimoji="1" sz="1800" b="1" kern="1200">
+                          <a:solidFill>
+                            <a:schemeClr val="lt1"/>
+                          </a:solidFill>
+                          <a:latin typeface="Segoe UI"/>
+                        </a:defRPr>
+                      </a:lvl1pPr>
+                      <a:lvl2pPr marL="457200" algn="l" defTabSz="914400" rtl="0" eaLnBrk="1" latinLnBrk="0" hangingPunct="1">
+                        <a:defRPr kumimoji="1" sz="1800" b="1" kern="1200">
+                          <a:solidFill>
+                            <a:schemeClr val="lt1"/>
+                          </a:solidFill>
+                          <a:latin typeface="Segoe UI"/>
+                        </a:defRPr>
+                      </a:lvl2pPr>
+                      <a:lvl3pPr marL="914400" algn="l" defTabSz="914400" rtl="0" eaLnBrk="1" latinLnBrk="0" hangingPunct="1">
+                        <a:defRPr kumimoji="1" sz="1800" b="1" kern="1200">
+                          <a:solidFill>
+                            <a:schemeClr val="lt1"/>
+                          </a:solidFill>
+                          <a:latin typeface="Segoe UI"/>
+                        </a:defRPr>
+                      </a:lvl3pPr>
+                      <a:lvl4pPr marL="1371600" algn="l" defTabSz="914400" rtl="0" eaLnBrk="1" latinLnBrk="0" hangingPunct="1">
+                        <a:defRPr kumimoji="1" sz="1800" b="1" kern="1200">
+                          <a:solidFill>
+                            <a:schemeClr val="lt1"/>
+                          </a:solidFill>
+                          <a:latin typeface="Segoe UI"/>
+                        </a:defRPr>
+                      </a:lvl4pPr>
+                      <a:lvl5pPr marL="1828800" algn="l" defTabSz="914400" rtl="0" eaLnBrk="1" latinLnBrk="0" hangingPunct="1">
+                        <a:defRPr kumimoji="1" sz="1800" b="1" kern="1200">
+                          <a:solidFill>
+                            <a:schemeClr val="lt1"/>
+                          </a:solidFill>
+                          <a:latin typeface="Segoe UI"/>
+                        </a:defRPr>
+                      </a:lvl5pPr>
+                      <a:lvl6pPr marL="2286000" algn="l" defTabSz="914400" rtl="0" eaLnBrk="1" latinLnBrk="0" hangingPunct="1">
+                        <a:defRPr kumimoji="1" sz="1800" b="1" kern="1200">
+                          <a:solidFill>
+                            <a:schemeClr val="lt1"/>
+                          </a:solidFill>
+                          <a:latin typeface="Segoe UI"/>
+                        </a:defRPr>
+                      </a:lvl6pPr>
+                      <a:lvl7pPr marL="2743200" algn="l" defTabSz="914400" rtl="0" eaLnBrk="1" latinLnBrk="0" hangingPunct="1">
+                        <a:defRPr kumimoji="1" sz="1800" b="1" kern="1200">
+                          <a:solidFill>
+                            <a:schemeClr val="lt1"/>
+                          </a:solidFill>
+                          <a:latin typeface="Segoe UI"/>
+                        </a:defRPr>
+                      </a:lvl7pPr>
+                      <a:lvl8pPr marL="3200400" algn="l" defTabSz="914400" rtl="0" eaLnBrk="1" latinLnBrk="0" hangingPunct="1">
+                        <a:defRPr kumimoji="1" sz="1800" b="1" kern="1200">
+                          <a:solidFill>
+                            <a:schemeClr val="lt1"/>
+                          </a:solidFill>
+                          <a:latin typeface="Segoe UI"/>
+                        </a:defRPr>
+                      </a:lvl8pPr>
+                      <a:lvl9pPr marL="3657600" algn="l" defTabSz="914400" rtl="0" eaLnBrk="1" latinLnBrk="0" hangingPunct="1">
+                        <a:defRPr kumimoji="1" sz="1800" b="1" kern="1200">
+                          <a:solidFill>
+                            <a:schemeClr val="lt1"/>
+                          </a:solidFill>
+                          <a:latin typeface="Segoe UI"/>
+                        </a:defRPr>
+                      </a:lvl9pPr>
+                    </a:lstStyle>
+                    <a:p>
+                      <a:r>
+                        <a:rPr kumimoji="1" lang="ja-JP" altLang="en-US" sz="1200" b="0">
+                          <a:latin typeface="Yu Gothic UI" panose="020B0500000000000000" pitchFamily="34" charset="-128"/>
+                          <a:ea typeface="Yu Gothic UI" panose="020B0500000000000000" pitchFamily="34" charset="-128"/>
+                        </a:rPr>
+                        <a:t>目的</a:t>
+                      </a:r>
+                    </a:p>
+                  </a:txBody>
+                  <a:tcPr>
+                    <a:lnL w="12700" cmpd="sng">
+                      <a:solidFill>
+                        <a:srgbClr val="FFFFFF"/>
+                      </a:solidFill>
+                    </a:lnL>
+                    <a:lnR w="12700" cmpd="sng">
+                      <a:solidFill>
+                        <a:srgbClr val="FFFFFF"/>
+                      </a:solidFill>
+                    </a:lnR>
+                    <a:lnT w="12700" cmpd="sng">
+                      <a:solidFill>
+                        <a:srgbClr val="FFFFFF"/>
+                      </a:solidFill>
+                    </a:lnT>
+                    <a:lnB w="38100" cmpd="sng">
+                      <a:solidFill>
+                        <a:srgbClr val="FFFFFF"/>
+                      </a:solidFill>
+                    </a:lnB>
+                    <a:lnTlToBr w="12700" cmpd="sng">
+                      <a:noFill/>
+                      <a:prstDash val="solid"/>
+                    </a:lnTlToBr>
+                    <a:lnBlToTr w="12700" cmpd="sng">
+                      <a:noFill/>
+                      <a:prstDash val="solid"/>
+                    </a:lnBlToTr>
+                    <a:solidFill>
+                      <a:srgbClr val="0078D4"/>
+                    </a:solidFill>
+                  </a:tcPr>
+                </a:tc>
+                <a:tc>
+                  <a:txBody>
+                    <a:bodyPr/>
+                    <a:lstStyle>
+                      <a:lvl1pPr marL="0" algn="l" defTabSz="914400" rtl="0" eaLnBrk="1" latinLnBrk="0" hangingPunct="1">
+                        <a:defRPr kumimoji="1" sz="1800" b="1" kern="1200">
+                          <a:solidFill>
+                            <a:schemeClr val="lt1"/>
+                          </a:solidFill>
+                          <a:latin typeface="Segoe UI"/>
+                        </a:defRPr>
+                      </a:lvl1pPr>
+                      <a:lvl2pPr marL="457200" algn="l" defTabSz="914400" rtl="0" eaLnBrk="1" latinLnBrk="0" hangingPunct="1">
+                        <a:defRPr kumimoji="1" sz="1800" b="1" kern="1200">
+                          <a:solidFill>
+                            <a:schemeClr val="lt1"/>
+                          </a:solidFill>
+                          <a:latin typeface="Segoe UI"/>
+                        </a:defRPr>
+                      </a:lvl2pPr>
+                      <a:lvl3pPr marL="914400" algn="l" defTabSz="914400" rtl="0" eaLnBrk="1" latinLnBrk="0" hangingPunct="1">
+                        <a:defRPr kumimoji="1" sz="1800" b="1" kern="1200">
+                          <a:solidFill>
+                            <a:schemeClr val="lt1"/>
+                          </a:solidFill>
+                          <a:latin typeface="Segoe UI"/>
+                        </a:defRPr>
+                      </a:lvl3pPr>
+                      <a:lvl4pPr marL="1371600" algn="l" defTabSz="914400" rtl="0" eaLnBrk="1" latinLnBrk="0" hangingPunct="1">
+                        <a:defRPr kumimoji="1" sz="1800" b="1" kern="1200">
+                          <a:solidFill>
+                            <a:schemeClr val="lt1"/>
+                          </a:solidFill>
+                          <a:latin typeface="Segoe UI"/>
+                        </a:defRPr>
+                      </a:lvl4pPr>
+                      <a:lvl5pPr marL="1828800" algn="l" defTabSz="914400" rtl="0" eaLnBrk="1" latinLnBrk="0" hangingPunct="1">
+                        <a:defRPr kumimoji="1" sz="1800" b="1" kern="1200">
+                          <a:solidFill>
+                            <a:schemeClr val="lt1"/>
+                          </a:solidFill>
+                          <a:latin typeface="Segoe UI"/>
+                        </a:defRPr>
+                      </a:lvl5pPr>
+                      <a:lvl6pPr marL="2286000" algn="l" defTabSz="914400" rtl="0" eaLnBrk="1" latinLnBrk="0" hangingPunct="1">
+                        <a:defRPr kumimoji="1" sz="1800" b="1" kern="1200">
+                          <a:solidFill>
+                            <a:schemeClr val="lt1"/>
+                          </a:solidFill>
+                          <a:latin typeface="Segoe UI"/>
+                        </a:defRPr>
+                      </a:lvl6pPr>
+                      <a:lvl7pPr marL="2743200" algn="l" defTabSz="914400" rtl="0" eaLnBrk="1" latinLnBrk="0" hangingPunct="1">
+                        <a:defRPr kumimoji="1" sz="1800" b="1" kern="1200">
+                          <a:solidFill>
+                            <a:schemeClr val="lt1"/>
+                          </a:solidFill>
+                          <a:latin typeface="Segoe UI"/>
+                        </a:defRPr>
+                      </a:lvl7pPr>
+                      <a:lvl8pPr marL="3200400" algn="l" defTabSz="914400" rtl="0" eaLnBrk="1" latinLnBrk="0" hangingPunct="1">
+                        <a:defRPr kumimoji="1" sz="1800" b="1" kern="1200">
+                          <a:solidFill>
+                            <a:schemeClr val="lt1"/>
+                          </a:solidFill>
+                          <a:latin typeface="Segoe UI"/>
+                        </a:defRPr>
+                      </a:lvl8pPr>
+                      <a:lvl9pPr marL="3657600" algn="l" defTabSz="914400" rtl="0" eaLnBrk="1" latinLnBrk="0" hangingPunct="1">
+                        <a:defRPr kumimoji="1" sz="1800" b="1" kern="1200">
+                          <a:solidFill>
+                            <a:schemeClr val="lt1"/>
+                          </a:solidFill>
+                          <a:latin typeface="Segoe UI"/>
+                        </a:defRPr>
+                      </a:lvl9pPr>
+                    </a:lstStyle>
+                    <a:p>
+                      <a:r>
+                        <a:rPr kumimoji="1" lang="ja-JP" altLang="en-US" sz="1200" b="0">
+                          <a:latin typeface="Yu Gothic UI" panose="020B0500000000000000" pitchFamily="34" charset="-128"/>
+                          <a:ea typeface="Yu Gothic UI" panose="020B0500000000000000" pitchFamily="34" charset="-128"/>
+                        </a:rPr>
+                        <a:t>メトリック例</a:t>
+                      </a:r>
+                    </a:p>
+                  </a:txBody>
+                  <a:tcPr>
+                    <a:lnL w="12700" cmpd="sng">
+                      <a:solidFill>
+                        <a:srgbClr val="FFFFFF"/>
+                      </a:solidFill>
+                    </a:lnL>
+                    <a:lnR w="12700" cmpd="sng">
+                      <a:solidFill>
+                        <a:srgbClr val="FFFFFF"/>
+                      </a:solidFill>
+                    </a:lnR>
+                    <a:lnT w="12700" cmpd="sng">
+                      <a:solidFill>
+                        <a:srgbClr val="FFFFFF"/>
+                      </a:solidFill>
+                    </a:lnT>
+                    <a:lnB w="38100" cmpd="sng">
+                      <a:solidFill>
+                        <a:srgbClr val="FFFFFF"/>
+                      </a:solidFill>
+                    </a:lnB>
+                    <a:lnTlToBr w="12700" cmpd="sng">
+                      <a:noFill/>
+                      <a:prstDash val="solid"/>
+                    </a:lnTlToBr>
+                    <a:lnBlToTr w="12700" cmpd="sng">
+                      <a:noFill/>
+                      <a:prstDash val="solid"/>
+                    </a:lnBlToTr>
+                    <a:solidFill>
+                      <a:srgbClr val="0078D4"/>
+                    </a:solidFill>
+                  </a:tcPr>
+                </a:tc>
+                <a:extLst>
+                  <a:ext uri="{0D108BD9-81ED-4DB2-BD59-A6C34878D82A}">
+                    <a16:rowId xmlns:a16="http://schemas.microsoft.com/office/drawing/2014/main" val="3037881781"/>
+                  </a:ext>
+                </a:extLst>
+              </a:tr>
+              <a:tr h="403790">
+                <a:tc>
+                  <a:txBody>
+                    <a:bodyPr/>
+                    <a:lstStyle>
+                      <a:lvl1pPr marL="0" algn="l" defTabSz="914400" rtl="0" eaLnBrk="1" latinLnBrk="0" hangingPunct="1">
+                        <a:defRPr kumimoji="1" sz="1800" kern="1200">
+                          <a:solidFill>
+                            <a:schemeClr val="dk1"/>
+                          </a:solidFill>
+                          <a:latin typeface="Segoe UI"/>
+                        </a:defRPr>
+                      </a:lvl1pPr>
+                      <a:lvl2pPr marL="457200" algn="l" defTabSz="914400" rtl="0" eaLnBrk="1" latinLnBrk="0" hangingPunct="1">
+                        <a:defRPr kumimoji="1" sz="1800" kern="1200">
+                          <a:solidFill>
+                            <a:schemeClr val="dk1"/>
+                          </a:solidFill>
+                          <a:latin typeface="Segoe UI"/>
+                        </a:defRPr>
+                      </a:lvl2pPr>
+                      <a:lvl3pPr marL="914400" algn="l" defTabSz="914400" rtl="0" eaLnBrk="1" latinLnBrk="0" hangingPunct="1">
+                        <a:defRPr kumimoji="1" sz="1800" kern="1200">
+                          <a:solidFill>
+                            <a:schemeClr val="dk1"/>
+                          </a:solidFill>
+                          <a:latin typeface="Segoe UI"/>
+                        </a:defRPr>
+                      </a:lvl3pPr>
+                      <a:lvl4pPr marL="1371600" algn="l" defTabSz="914400" rtl="0" eaLnBrk="1" latinLnBrk="0" hangingPunct="1">
+                        <a:defRPr kumimoji="1" sz="1800" kern="1200">
+                          <a:solidFill>
+                            <a:schemeClr val="dk1"/>
+                          </a:solidFill>
+                          <a:latin typeface="Segoe UI"/>
+                        </a:defRPr>
+                      </a:lvl4pPr>
+                      <a:lvl5pPr marL="1828800" algn="l" defTabSz="914400" rtl="0" eaLnBrk="1" latinLnBrk="0" hangingPunct="1">
+                        <a:defRPr kumimoji="1" sz="1800" kern="1200">
+                          <a:solidFill>
+                            <a:schemeClr val="dk1"/>
+                          </a:solidFill>
+                          <a:latin typeface="Segoe UI"/>
+                        </a:defRPr>
+                      </a:lvl5pPr>
+                      <a:lvl6pPr marL="2286000" algn="l" defTabSz="914400" rtl="0" eaLnBrk="1" latinLnBrk="0" hangingPunct="1">
+                        <a:defRPr kumimoji="1" sz="1800" kern="1200">
+                          <a:solidFill>
+                            <a:schemeClr val="dk1"/>
+                          </a:solidFill>
+                          <a:latin typeface="Segoe UI"/>
+                        </a:defRPr>
+                      </a:lvl6pPr>
+                      <a:lvl7pPr marL="2743200" algn="l" defTabSz="914400" rtl="0" eaLnBrk="1" latinLnBrk="0" hangingPunct="1">
+                        <a:defRPr kumimoji="1" sz="1800" kern="1200">
+                          <a:solidFill>
+                            <a:schemeClr val="dk1"/>
+                          </a:solidFill>
+                          <a:latin typeface="Segoe UI"/>
+                        </a:defRPr>
+                      </a:lvl7pPr>
+                      <a:lvl8pPr marL="3200400" algn="l" defTabSz="914400" rtl="0" eaLnBrk="1" latinLnBrk="0" hangingPunct="1">
+                        <a:defRPr kumimoji="1" sz="1800" kern="1200">
+                          <a:solidFill>
+                            <a:schemeClr val="dk1"/>
+                          </a:solidFill>
+                          <a:latin typeface="Segoe UI"/>
+                        </a:defRPr>
+                      </a:lvl8pPr>
+                      <a:lvl9pPr marL="3657600" algn="l" defTabSz="914400" rtl="0" eaLnBrk="1" latinLnBrk="0" hangingPunct="1">
+                        <a:defRPr kumimoji="1" sz="1800" kern="1200">
+                          <a:solidFill>
+                            <a:schemeClr val="dk1"/>
+                          </a:solidFill>
+                          <a:latin typeface="Segoe UI"/>
+                        </a:defRPr>
+                      </a:lvl9pPr>
+                    </a:lstStyle>
+                    <a:p>
+                      <a:r>
+                        <a:rPr kumimoji="1" lang="ja-JP" altLang="en-US" sz="1200" b="0">
+                          <a:latin typeface="Yu Gothic UI" panose="020B0500000000000000" pitchFamily="34" charset="-128"/>
+                          <a:ea typeface="Yu Gothic UI" panose="020B0500000000000000" pitchFamily="34" charset="-128"/>
+                        </a:rPr>
+                        <a:t>アプリケーション</a:t>
+                      </a:r>
+                    </a:p>
+                  </a:txBody>
+                  <a:tcPr>
+                    <a:lnL w="12700" cmpd="sng">
+                      <a:solidFill>
+                        <a:srgbClr val="FFFFFF"/>
+                      </a:solidFill>
+                    </a:lnL>
+                    <a:lnR w="12700" cmpd="sng">
+                      <a:solidFill>
+                        <a:srgbClr val="FFFFFF"/>
+                      </a:solidFill>
+                    </a:lnR>
+                    <a:lnT w="38100" cmpd="sng">
+                      <a:solidFill>
+                        <a:srgbClr val="FFFFFF"/>
+                      </a:solidFill>
+                    </a:lnT>
+                    <a:lnB w="12700" cmpd="sng">
+                      <a:solidFill>
+                        <a:srgbClr val="FFFFFF"/>
+                      </a:solidFill>
+                    </a:lnB>
+                    <a:lnTlToBr w="12700" cmpd="sng">
+                      <a:noFill/>
+                      <a:prstDash val="solid"/>
+                    </a:lnTlToBr>
+                    <a:lnBlToTr w="12700" cmpd="sng">
+                      <a:noFill/>
+                      <a:prstDash val="solid"/>
+                    </a:lnBlToTr>
+                    <a:solidFill>
+                      <a:srgbClr val="0078D4">
+                        <a:tint val="40000"/>
+                      </a:srgbClr>
+                    </a:solidFill>
+                  </a:tcPr>
+                </a:tc>
+                <a:tc>
+                  <a:txBody>
+                    <a:bodyPr/>
+                    <a:lstStyle>
+                      <a:lvl1pPr marL="0" algn="l" defTabSz="914400" rtl="0" eaLnBrk="1" latinLnBrk="0" hangingPunct="1">
+                        <a:defRPr kumimoji="1" sz="1800" kern="1200">
+                          <a:solidFill>
+                            <a:schemeClr val="dk1"/>
+                          </a:solidFill>
+                          <a:latin typeface="Segoe UI"/>
+                        </a:defRPr>
+                      </a:lvl1pPr>
+                      <a:lvl2pPr marL="457200" algn="l" defTabSz="914400" rtl="0" eaLnBrk="1" latinLnBrk="0" hangingPunct="1">
+                        <a:defRPr kumimoji="1" sz="1800" kern="1200">
+                          <a:solidFill>
+                            <a:schemeClr val="dk1"/>
+                          </a:solidFill>
+                          <a:latin typeface="Segoe UI"/>
+                        </a:defRPr>
+                      </a:lvl2pPr>
+                      <a:lvl3pPr marL="914400" algn="l" defTabSz="914400" rtl="0" eaLnBrk="1" latinLnBrk="0" hangingPunct="1">
+                        <a:defRPr kumimoji="1" sz="1800" kern="1200">
+                          <a:solidFill>
+                            <a:schemeClr val="dk1"/>
+                          </a:solidFill>
+                          <a:latin typeface="Segoe UI"/>
+                        </a:defRPr>
+                      </a:lvl3pPr>
+                      <a:lvl4pPr marL="1371600" algn="l" defTabSz="914400" rtl="0" eaLnBrk="1" latinLnBrk="0" hangingPunct="1">
+                        <a:defRPr kumimoji="1" sz="1800" kern="1200">
+                          <a:solidFill>
+                            <a:schemeClr val="dk1"/>
+                          </a:solidFill>
+                          <a:latin typeface="Segoe UI"/>
+                        </a:defRPr>
+                      </a:lvl4pPr>
+                      <a:lvl5pPr marL="1828800" algn="l" defTabSz="914400" rtl="0" eaLnBrk="1" latinLnBrk="0" hangingPunct="1">
+                        <a:defRPr kumimoji="1" sz="1800" kern="1200">
+                          <a:solidFill>
+                            <a:schemeClr val="dk1"/>
+                          </a:solidFill>
+                          <a:latin typeface="Segoe UI"/>
+                        </a:defRPr>
+                      </a:lvl5pPr>
+                      <a:lvl6pPr marL="2286000" algn="l" defTabSz="914400" rtl="0" eaLnBrk="1" latinLnBrk="0" hangingPunct="1">
+                        <a:defRPr kumimoji="1" sz="1800" kern="1200">
+                          <a:solidFill>
+                            <a:schemeClr val="dk1"/>
+                          </a:solidFill>
+                          <a:latin typeface="Segoe UI"/>
+                        </a:defRPr>
+                      </a:lvl6pPr>
+                      <a:lvl7pPr marL="2743200" algn="l" defTabSz="914400" rtl="0" eaLnBrk="1" latinLnBrk="0" hangingPunct="1">
+                        <a:defRPr kumimoji="1" sz="1800" kern="1200">
+                          <a:solidFill>
+                            <a:schemeClr val="dk1"/>
+                          </a:solidFill>
+                          <a:latin typeface="Segoe UI"/>
+                        </a:defRPr>
+                      </a:lvl7pPr>
+                      <a:lvl8pPr marL="3200400" algn="l" defTabSz="914400" rtl="0" eaLnBrk="1" latinLnBrk="0" hangingPunct="1">
+                        <a:defRPr kumimoji="1" sz="1800" kern="1200">
+                          <a:solidFill>
+                            <a:schemeClr val="dk1"/>
+                          </a:solidFill>
+                          <a:latin typeface="Segoe UI"/>
+                        </a:defRPr>
+                      </a:lvl8pPr>
+                      <a:lvl9pPr marL="3657600" algn="l" defTabSz="914400" rtl="0" eaLnBrk="1" latinLnBrk="0" hangingPunct="1">
+                        <a:defRPr kumimoji="1" sz="1800" kern="1200">
+                          <a:solidFill>
+                            <a:schemeClr val="dk1"/>
+                          </a:solidFill>
+                          <a:latin typeface="Segoe UI"/>
+                        </a:defRPr>
+                      </a:lvl9pPr>
+                    </a:lstStyle>
+                    <a:p>
+                      <a:r>
+                        <a:rPr kumimoji="1" lang="ja-JP" altLang="en-US" sz="1200" b="0">
+                          <a:latin typeface="Yu Gothic UI" panose="020B0500000000000000" pitchFamily="34" charset="-128"/>
+                          <a:ea typeface="Yu Gothic UI" panose="020B0500000000000000" pitchFamily="34" charset="-128"/>
+                        </a:rPr>
+                        <a:t>フロントエンド、サーバーアプリケーションを通し、ユーザー視点の監視することでサービスの提供可否を確認する</a:t>
+                      </a:r>
+                    </a:p>
+                  </a:txBody>
+                  <a:tcPr>
+                    <a:lnL w="12700" cmpd="sng">
+                      <a:solidFill>
+                        <a:srgbClr val="FFFFFF"/>
+                      </a:solidFill>
+                    </a:lnL>
+                    <a:lnR w="12700" cmpd="sng">
+                      <a:solidFill>
+                        <a:srgbClr val="FFFFFF"/>
+                      </a:solidFill>
+                    </a:lnR>
+                    <a:lnT w="38100" cmpd="sng">
+                      <a:solidFill>
+                        <a:srgbClr val="FFFFFF"/>
+                      </a:solidFill>
+                    </a:lnT>
+                    <a:lnB w="12700" cmpd="sng">
+                      <a:solidFill>
+                        <a:srgbClr val="FFFFFF"/>
+                      </a:solidFill>
+                    </a:lnB>
+                    <a:lnTlToBr w="12700" cmpd="sng">
+                      <a:noFill/>
+                      <a:prstDash val="solid"/>
+                    </a:lnTlToBr>
+                    <a:lnBlToTr w="12700" cmpd="sng">
+                      <a:noFill/>
+                      <a:prstDash val="solid"/>
+                    </a:lnBlToTr>
+                    <a:solidFill>
+                      <a:srgbClr val="0078D4">
+                        <a:tint val="40000"/>
+                      </a:srgbClr>
+                    </a:solidFill>
+                  </a:tcPr>
+                </a:tc>
+                <a:tc>
+                  <a:txBody>
+                    <a:bodyPr/>
+                    <a:lstStyle>
+                      <a:lvl1pPr marL="0" algn="l" defTabSz="914400" rtl="0" eaLnBrk="1" latinLnBrk="0" hangingPunct="1">
+                        <a:defRPr kumimoji="1" sz="1800" kern="1200">
+                          <a:solidFill>
+                            <a:schemeClr val="dk1"/>
+                          </a:solidFill>
+                          <a:latin typeface="Segoe UI"/>
+                        </a:defRPr>
+                      </a:lvl1pPr>
+                      <a:lvl2pPr marL="457200" algn="l" defTabSz="914400" rtl="0" eaLnBrk="1" latinLnBrk="0" hangingPunct="1">
+                        <a:defRPr kumimoji="1" sz="1800" kern="1200">
+                          <a:solidFill>
+                            <a:schemeClr val="dk1"/>
+                          </a:solidFill>
+                          <a:latin typeface="Segoe UI"/>
+                        </a:defRPr>
+                      </a:lvl2pPr>
+                      <a:lvl3pPr marL="914400" algn="l" defTabSz="914400" rtl="0" eaLnBrk="1" latinLnBrk="0" hangingPunct="1">
+                        <a:defRPr kumimoji="1" sz="1800" kern="1200">
+                          <a:solidFill>
+                            <a:schemeClr val="dk1"/>
+                          </a:solidFill>
+                          <a:latin typeface="Segoe UI"/>
+                        </a:defRPr>
+                      </a:lvl3pPr>
+                      <a:lvl4pPr marL="1371600" algn="l" defTabSz="914400" rtl="0" eaLnBrk="1" latinLnBrk="0" hangingPunct="1">
+                        <a:defRPr kumimoji="1" sz="1800" kern="1200">
+                          <a:solidFill>
+                            <a:schemeClr val="dk1"/>
+                          </a:solidFill>
+                          <a:latin typeface="Segoe UI"/>
+                        </a:defRPr>
+                      </a:lvl4pPr>
+                      <a:lvl5pPr marL="1828800" algn="l" defTabSz="914400" rtl="0" eaLnBrk="1" latinLnBrk="0" hangingPunct="1">
+                        <a:defRPr kumimoji="1" sz="1800" kern="1200">
+                          <a:solidFill>
+                            <a:schemeClr val="dk1"/>
+                          </a:solidFill>
+                          <a:latin typeface="Segoe UI"/>
+                        </a:defRPr>
+                      </a:lvl5pPr>
+                      <a:lvl6pPr marL="2286000" algn="l" defTabSz="914400" rtl="0" eaLnBrk="1" latinLnBrk="0" hangingPunct="1">
+                        <a:defRPr kumimoji="1" sz="1800" kern="1200">
+                          <a:solidFill>
+                            <a:schemeClr val="dk1"/>
+                          </a:solidFill>
+                          <a:latin typeface="Segoe UI"/>
+                        </a:defRPr>
+                      </a:lvl6pPr>
+                      <a:lvl7pPr marL="2743200" algn="l" defTabSz="914400" rtl="0" eaLnBrk="1" latinLnBrk="0" hangingPunct="1">
+                        <a:defRPr kumimoji="1" sz="1800" kern="1200">
+                          <a:solidFill>
+                            <a:schemeClr val="dk1"/>
+                          </a:solidFill>
+                          <a:latin typeface="Segoe UI"/>
+                        </a:defRPr>
+                      </a:lvl7pPr>
+                      <a:lvl8pPr marL="3200400" algn="l" defTabSz="914400" rtl="0" eaLnBrk="1" latinLnBrk="0" hangingPunct="1">
+                        <a:defRPr kumimoji="1" sz="1800" kern="1200">
+                          <a:solidFill>
+                            <a:schemeClr val="dk1"/>
+                          </a:solidFill>
+                          <a:latin typeface="Segoe UI"/>
+                        </a:defRPr>
+                      </a:lvl8pPr>
+                      <a:lvl9pPr marL="3657600" algn="l" defTabSz="914400" rtl="0" eaLnBrk="1" latinLnBrk="0" hangingPunct="1">
+                        <a:defRPr kumimoji="1" sz="1800" kern="1200">
+                          <a:solidFill>
+                            <a:schemeClr val="dk1"/>
+                          </a:solidFill>
+                          <a:latin typeface="Segoe UI"/>
+                        </a:defRPr>
+                      </a:lvl9pPr>
+                    </a:lstStyle>
+                    <a:p>
+                      <a:pPr marL="92075" indent="-92075">
+                        <a:buFont typeface="Arial" panose="020B0604020202020204" pitchFamily="34" charset="0"/>
+                        <a:buChar char="•"/>
+                      </a:pPr>
+                      <a:r>
+                        <a:rPr kumimoji="1" lang="ja-JP" altLang="en-US" sz="1200" b="0">
+                          <a:latin typeface="Yu Gothic UI" panose="020B0500000000000000" pitchFamily="34" charset="-128"/>
+                          <a:ea typeface="Yu Gothic UI" panose="020B0500000000000000" pitchFamily="34" charset="-128"/>
+                        </a:rPr>
+                        <a:t>ブラウザのロード完了時間 </a:t>
+                      </a:r>
+                      <a:r>
+                        <a:rPr kumimoji="1" lang="en-US" altLang="ja-JP" sz="1200" b="0">
+                          <a:latin typeface="Yu Gothic UI" panose="020B0500000000000000" pitchFamily="34" charset="-128"/>
+                          <a:ea typeface="Yu Gothic UI" panose="020B0500000000000000" pitchFamily="34" charset="-128"/>
+                        </a:rPr>
+                        <a:t>/ JavaScript </a:t>
+                      </a:r>
+                      <a:r>
+                        <a:rPr kumimoji="1" lang="ja-JP" altLang="en-US" sz="1200" b="0">
+                          <a:latin typeface="Yu Gothic UI" panose="020B0500000000000000" pitchFamily="34" charset="-128"/>
+                          <a:ea typeface="Yu Gothic UI" panose="020B0500000000000000" pitchFamily="34" charset="-128"/>
+                        </a:rPr>
+                        <a:t>のエラー検知 </a:t>
+                      </a:r>
+                      <a:r>
+                        <a:rPr kumimoji="1" lang="en-US" altLang="ja-JP" sz="1200" b="0">
+                          <a:latin typeface="Yu Gothic UI" panose="020B0500000000000000" pitchFamily="34" charset="-128"/>
+                          <a:ea typeface="Yu Gothic UI" panose="020B0500000000000000" pitchFamily="34" charset="-128"/>
+                        </a:rPr>
+                        <a:t>/ </a:t>
+                      </a:r>
+                      <a:r>
+                        <a:rPr kumimoji="1" lang="ja-JP" altLang="en-US" sz="1200" b="0">
+                          <a:latin typeface="Yu Gothic UI" panose="020B0500000000000000" pitchFamily="34" charset="-128"/>
+                          <a:ea typeface="Yu Gothic UI" panose="020B0500000000000000" pitchFamily="34" charset="-128"/>
+                        </a:rPr>
+                        <a:t>外形監視</a:t>
+                      </a:r>
+                      <a:endParaRPr kumimoji="1" lang="en-US" altLang="ja-JP" sz="1200" b="0">
+                        <a:latin typeface="Yu Gothic UI" panose="020B0500000000000000" pitchFamily="34" charset="-128"/>
+                        <a:ea typeface="Yu Gothic UI" panose="020B0500000000000000" pitchFamily="34" charset="-128"/>
+                      </a:endParaRPr>
+                    </a:p>
+                    <a:p>
+                      <a:pPr marL="92075" indent="-92075">
+                        <a:buFont typeface="Arial" panose="020B0604020202020204" pitchFamily="34" charset="0"/>
+                        <a:buChar char="•"/>
+                      </a:pPr>
+                      <a:r>
+                        <a:rPr kumimoji="1" lang="ja-JP" altLang="en-US" sz="1200" b="0">
+                          <a:latin typeface="Yu Gothic UI" panose="020B0500000000000000" pitchFamily="34" charset="-128"/>
+                          <a:ea typeface="Yu Gothic UI" panose="020B0500000000000000" pitchFamily="34" charset="-128"/>
+                        </a:rPr>
+                        <a:t>ログイン処理時間 </a:t>
+                      </a:r>
+                      <a:r>
+                        <a:rPr kumimoji="1" lang="en-US" altLang="ja-JP" sz="1200" b="0">
+                          <a:latin typeface="Yu Gothic UI" panose="020B0500000000000000" pitchFamily="34" charset="-128"/>
+                          <a:ea typeface="Yu Gothic UI" panose="020B0500000000000000" pitchFamily="34" charset="-128"/>
+                        </a:rPr>
+                        <a:t>/ DB </a:t>
+                      </a:r>
+                      <a:r>
+                        <a:rPr kumimoji="1" lang="ja-JP" altLang="en-US" sz="1200" b="0">
+                          <a:latin typeface="Yu Gothic UI" panose="020B0500000000000000" pitchFamily="34" charset="-128"/>
+                          <a:ea typeface="Yu Gothic UI" panose="020B0500000000000000" pitchFamily="34" charset="-128"/>
+                        </a:rPr>
+                        <a:t>アクセス時間 </a:t>
+                      </a:r>
+                      <a:r>
+                        <a:rPr kumimoji="1" lang="en-US" altLang="ja-JP" sz="1200" b="0">
+                          <a:latin typeface="Yu Gothic UI" panose="020B0500000000000000" pitchFamily="34" charset="-128"/>
+                          <a:ea typeface="Yu Gothic UI" panose="020B0500000000000000" pitchFamily="34" charset="-128"/>
+                        </a:rPr>
+                        <a:t>/ </a:t>
+                      </a:r>
+                      <a:r>
+                        <a:rPr kumimoji="1" lang="ja-JP" altLang="en-US" sz="1200" b="0">
+                          <a:latin typeface="Yu Gothic UI" panose="020B0500000000000000" pitchFamily="34" charset="-128"/>
+                          <a:ea typeface="Yu Gothic UI" panose="020B0500000000000000" pitchFamily="34" charset="-128"/>
+                        </a:rPr>
+                        <a:t>ヘルスエンドポイントによるシステム全体の監視</a:t>
+                      </a:r>
+                    </a:p>
+                  </a:txBody>
+                  <a:tcPr>
+                    <a:lnL w="12700" cmpd="sng">
+                      <a:solidFill>
+                        <a:srgbClr val="FFFFFF"/>
+                      </a:solidFill>
+                    </a:lnL>
+                    <a:lnR w="12700" cmpd="sng">
+                      <a:solidFill>
+                        <a:srgbClr val="FFFFFF"/>
+                      </a:solidFill>
+                    </a:lnR>
+                    <a:lnT w="38100" cmpd="sng">
+                      <a:solidFill>
+                        <a:srgbClr val="FFFFFF"/>
+                      </a:solidFill>
+                    </a:lnT>
+                    <a:lnB w="12700" cmpd="sng">
+                      <a:solidFill>
+                        <a:srgbClr val="FFFFFF"/>
+                      </a:solidFill>
+                    </a:lnB>
+                    <a:lnTlToBr w="12700" cmpd="sng">
+                      <a:noFill/>
+                      <a:prstDash val="solid"/>
+                    </a:lnTlToBr>
+                    <a:lnBlToTr w="12700" cmpd="sng">
+                      <a:noFill/>
+                      <a:prstDash val="solid"/>
+                    </a:lnBlToTr>
+                    <a:solidFill>
+                      <a:srgbClr val="0078D4">
+                        <a:tint val="40000"/>
+                      </a:srgbClr>
+                    </a:solidFill>
+                  </a:tcPr>
+                </a:tc>
+                <a:extLst>
+                  <a:ext uri="{0D108BD9-81ED-4DB2-BD59-A6C34878D82A}">
+                    <a16:rowId xmlns:a16="http://schemas.microsoft.com/office/drawing/2014/main" val="889509202"/>
+                  </a:ext>
+                </a:extLst>
+              </a:tr>
+              <a:tr h="513914">
+                <a:tc>
+                  <a:txBody>
+                    <a:bodyPr/>
+                    <a:lstStyle>
+                      <a:lvl1pPr marL="0" algn="l" defTabSz="914400" rtl="0" eaLnBrk="1" latinLnBrk="0" hangingPunct="1">
+                        <a:defRPr kumimoji="1" sz="1800" kern="1200">
+                          <a:solidFill>
+                            <a:schemeClr val="dk1"/>
+                          </a:solidFill>
+                          <a:latin typeface="Segoe UI"/>
+                        </a:defRPr>
+                      </a:lvl1pPr>
+                      <a:lvl2pPr marL="457200" algn="l" defTabSz="914400" rtl="0" eaLnBrk="1" latinLnBrk="0" hangingPunct="1">
+                        <a:defRPr kumimoji="1" sz="1800" kern="1200">
+                          <a:solidFill>
+                            <a:schemeClr val="dk1"/>
+                          </a:solidFill>
+                          <a:latin typeface="Segoe UI"/>
+                        </a:defRPr>
+                      </a:lvl2pPr>
+                      <a:lvl3pPr marL="914400" algn="l" defTabSz="914400" rtl="0" eaLnBrk="1" latinLnBrk="0" hangingPunct="1">
+                        <a:defRPr kumimoji="1" sz="1800" kern="1200">
+                          <a:solidFill>
+                            <a:schemeClr val="dk1"/>
+                          </a:solidFill>
+                          <a:latin typeface="Segoe UI"/>
+                        </a:defRPr>
+                      </a:lvl3pPr>
+                      <a:lvl4pPr marL="1371600" algn="l" defTabSz="914400" rtl="0" eaLnBrk="1" latinLnBrk="0" hangingPunct="1">
+                        <a:defRPr kumimoji="1" sz="1800" kern="1200">
+                          <a:solidFill>
+                            <a:schemeClr val="dk1"/>
+                          </a:solidFill>
+                          <a:latin typeface="Segoe UI"/>
+                        </a:defRPr>
+                      </a:lvl4pPr>
+                      <a:lvl5pPr marL="1828800" algn="l" defTabSz="914400" rtl="0" eaLnBrk="1" latinLnBrk="0" hangingPunct="1">
+                        <a:defRPr kumimoji="1" sz="1800" kern="1200">
+                          <a:solidFill>
+                            <a:schemeClr val="dk1"/>
+                          </a:solidFill>
+                          <a:latin typeface="Segoe UI"/>
+                        </a:defRPr>
+                      </a:lvl5pPr>
+                      <a:lvl6pPr marL="2286000" algn="l" defTabSz="914400" rtl="0" eaLnBrk="1" latinLnBrk="0" hangingPunct="1">
+                        <a:defRPr kumimoji="1" sz="1800" kern="1200">
+                          <a:solidFill>
+                            <a:schemeClr val="dk1"/>
+                          </a:solidFill>
+                          <a:latin typeface="Segoe UI"/>
+                        </a:defRPr>
+                      </a:lvl6pPr>
+                      <a:lvl7pPr marL="2743200" algn="l" defTabSz="914400" rtl="0" eaLnBrk="1" latinLnBrk="0" hangingPunct="1">
+                        <a:defRPr kumimoji="1" sz="1800" kern="1200">
+                          <a:solidFill>
+                            <a:schemeClr val="dk1"/>
+                          </a:solidFill>
+                          <a:latin typeface="Segoe UI"/>
+                        </a:defRPr>
+                      </a:lvl7pPr>
+                      <a:lvl8pPr marL="3200400" algn="l" defTabSz="914400" rtl="0" eaLnBrk="1" latinLnBrk="0" hangingPunct="1">
+                        <a:defRPr kumimoji="1" sz="1800" kern="1200">
+                          <a:solidFill>
+                            <a:schemeClr val="dk1"/>
+                          </a:solidFill>
+                          <a:latin typeface="Segoe UI"/>
+                        </a:defRPr>
+                      </a:lvl8pPr>
+                      <a:lvl9pPr marL="3657600" algn="l" defTabSz="914400" rtl="0" eaLnBrk="1" latinLnBrk="0" hangingPunct="1">
+                        <a:defRPr kumimoji="1" sz="1800" kern="1200">
+                          <a:solidFill>
+                            <a:schemeClr val="dk1"/>
+                          </a:solidFill>
+                          <a:latin typeface="Segoe UI"/>
+                        </a:defRPr>
+                      </a:lvl9pPr>
+                    </a:lstStyle>
+                    <a:p>
+                      <a:r>
+                        <a:rPr kumimoji="1" lang="ja-JP" altLang="en-US" sz="1200" b="0">
+                          <a:latin typeface="Yu Gothic UI" panose="020B0500000000000000" pitchFamily="34" charset="-128"/>
+                          <a:ea typeface="Yu Gothic UI" panose="020B0500000000000000" pitchFamily="34" charset="-128"/>
+                        </a:rPr>
+                        <a:t>サーバー</a:t>
+                      </a:r>
+                    </a:p>
+                  </a:txBody>
+                  <a:tcPr>
+                    <a:lnL w="12700" cmpd="sng">
+                      <a:solidFill>
+                        <a:srgbClr val="FFFFFF"/>
+                      </a:solidFill>
+                    </a:lnL>
+                    <a:lnR w="12700" cmpd="sng">
+                      <a:solidFill>
+                        <a:srgbClr val="FFFFFF"/>
+                      </a:solidFill>
+                    </a:lnR>
+                    <a:lnT w="12700" cmpd="sng">
+                      <a:solidFill>
+                        <a:srgbClr val="FFFFFF"/>
+                      </a:solidFill>
+                    </a:lnT>
+                    <a:lnB w="12700" cmpd="sng">
+                      <a:solidFill>
+                        <a:srgbClr val="FFFFFF"/>
+                      </a:solidFill>
+                    </a:lnB>
+                    <a:lnTlToBr w="12700" cmpd="sng">
+                      <a:noFill/>
+                      <a:prstDash val="solid"/>
+                    </a:lnTlToBr>
+                    <a:lnBlToTr w="12700" cmpd="sng">
+                      <a:noFill/>
+                      <a:prstDash val="solid"/>
+                    </a:lnBlToTr>
+                    <a:solidFill>
+                      <a:srgbClr val="0078D4">
+                        <a:tint val="20000"/>
+                      </a:srgbClr>
+                    </a:solidFill>
+                  </a:tcPr>
+                </a:tc>
+                <a:tc>
+                  <a:txBody>
+                    <a:bodyPr/>
+                    <a:lstStyle>
+                      <a:lvl1pPr marL="0" algn="l" defTabSz="914400" rtl="0" eaLnBrk="1" latinLnBrk="0" hangingPunct="1">
+                        <a:defRPr kumimoji="1" sz="1800" kern="1200">
+                          <a:solidFill>
+                            <a:schemeClr val="dk1"/>
+                          </a:solidFill>
+                          <a:latin typeface="Segoe UI"/>
+                        </a:defRPr>
+                      </a:lvl1pPr>
+                      <a:lvl2pPr marL="457200" algn="l" defTabSz="914400" rtl="0" eaLnBrk="1" latinLnBrk="0" hangingPunct="1">
+                        <a:defRPr kumimoji="1" sz="1800" kern="1200">
+                          <a:solidFill>
+                            <a:schemeClr val="dk1"/>
+                          </a:solidFill>
+                          <a:latin typeface="Segoe UI"/>
+                        </a:defRPr>
+                      </a:lvl2pPr>
+                      <a:lvl3pPr marL="914400" algn="l" defTabSz="914400" rtl="0" eaLnBrk="1" latinLnBrk="0" hangingPunct="1">
+                        <a:defRPr kumimoji="1" sz="1800" kern="1200">
+                          <a:solidFill>
+                            <a:schemeClr val="dk1"/>
+                          </a:solidFill>
+                          <a:latin typeface="Segoe UI"/>
+                        </a:defRPr>
+                      </a:lvl3pPr>
+                      <a:lvl4pPr marL="1371600" algn="l" defTabSz="914400" rtl="0" eaLnBrk="1" latinLnBrk="0" hangingPunct="1">
+                        <a:defRPr kumimoji="1" sz="1800" kern="1200">
+                          <a:solidFill>
+                            <a:schemeClr val="dk1"/>
+                          </a:solidFill>
+                          <a:latin typeface="Segoe UI"/>
+                        </a:defRPr>
+                      </a:lvl4pPr>
+                      <a:lvl5pPr marL="1828800" algn="l" defTabSz="914400" rtl="0" eaLnBrk="1" latinLnBrk="0" hangingPunct="1">
+                        <a:defRPr kumimoji="1" sz="1800" kern="1200">
+                          <a:solidFill>
+                            <a:schemeClr val="dk1"/>
+                          </a:solidFill>
+                          <a:latin typeface="Segoe UI"/>
+                        </a:defRPr>
+                      </a:lvl5pPr>
+                      <a:lvl6pPr marL="2286000" algn="l" defTabSz="914400" rtl="0" eaLnBrk="1" latinLnBrk="0" hangingPunct="1">
+                        <a:defRPr kumimoji="1" sz="1800" kern="1200">
+                          <a:solidFill>
+                            <a:schemeClr val="dk1"/>
+                          </a:solidFill>
+                          <a:latin typeface="Segoe UI"/>
+                        </a:defRPr>
+                      </a:lvl6pPr>
+                      <a:lvl7pPr marL="2743200" algn="l" defTabSz="914400" rtl="0" eaLnBrk="1" latinLnBrk="0" hangingPunct="1">
+                        <a:defRPr kumimoji="1" sz="1800" kern="1200">
+                          <a:solidFill>
+                            <a:schemeClr val="dk1"/>
+                          </a:solidFill>
+                          <a:latin typeface="Segoe UI"/>
+                        </a:defRPr>
+                      </a:lvl7pPr>
+                      <a:lvl8pPr marL="3200400" algn="l" defTabSz="914400" rtl="0" eaLnBrk="1" latinLnBrk="0" hangingPunct="1">
+                        <a:defRPr kumimoji="1" sz="1800" kern="1200">
+                          <a:solidFill>
+                            <a:schemeClr val="dk1"/>
+                          </a:solidFill>
+                          <a:latin typeface="Segoe UI"/>
+                        </a:defRPr>
+                      </a:lvl8pPr>
+                      <a:lvl9pPr marL="3657600" algn="l" defTabSz="914400" rtl="0" eaLnBrk="1" latinLnBrk="0" hangingPunct="1">
+                        <a:defRPr kumimoji="1" sz="1800" kern="1200">
+                          <a:solidFill>
+                            <a:schemeClr val="dk1"/>
+                          </a:solidFill>
+                          <a:latin typeface="Segoe UI"/>
+                        </a:defRPr>
+                      </a:lvl9pPr>
+                    </a:lstStyle>
+                    <a:p>
+                      <a:r>
+                        <a:rPr kumimoji="1" lang="ja-JP" altLang="en-US" sz="1200" b="0">
+                          <a:latin typeface="Yu Gothic UI" panose="020B0500000000000000" pitchFamily="34" charset="-128"/>
+                          <a:ea typeface="Yu Gothic UI" panose="020B0500000000000000" pitchFamily="34" charset="-128"/>
+                        </a:rPr>
+                        <a:t>問題発生時のトラブルシューティングやキャパシティプランニングのためのデータ収集として利用する</a:t>
+                      </a:r>
+                    </a:p>
+                  </a:txBody>
+                  <a:tcPr>
+                    <a:lnL w="12700" cmpd="sng">
+                      <a:solidFill>
+                        <a:srgbClr val="FFFFFF"/>
+                      </a:solidFill>
+                    </a:lnL>
+                    <a:lnR w="12700" cmpd="sng">
+                      <a:solidFill>
+                        <a:srgbClr val="FFFFFF"/>
+                      </a:solidFill>
+                    </a:lnR>
+                    <a:lnT w="12700" cmpd="sng">
+                      <a:solidFill>
+                        <a:srgbClr val="FFFFFF"/>
+                      </a:solidFill>
+                    </a:lnT>
+                    <a:lnB w="12700" cmpd="sng">
+                      <a:solidFill>
+                        <a:srgbClr val="FFFFFF"/>
+                      </a:solidFill>
+                    </a:lnB>
+                    <a:lnTlToBr w="12700" cmpd="sng">
+                      <a:noFill/>
+                      <a:prstDash val="solid"/>
+                    </a:lnTlToBr>
+                    <a:lnBlToTr w="12700" cmpd="sng">
+                      <a:noFill/>
+                      <a:prstDash val="solid"/>
+                    </a:lnBlToTr>
+                    <a:solidFill>
+                      <a:srgbClr val="0078D4">
+                        <a:tint val="20000"/>
+                      </a:srgbClr>
+                    </a:solidFill>
+                  </a:tcPr>
+                </a:tc>
+                <a:tc>
+                  <a:txBody>
+                    <a:bodyPr/>
+                    <a:lstStyle>
+                      <a:lvl1pPr marL="0" algn="l" defTabSz="914400" rtl="0" eaLnBrk="1" latinLnBrk="0" hangingPunct="1">
+                        <a:defRPr kumimoji="1" sz="1800" kern="1200">
+                          <a:solidFill>
+                            <a:schemeClr val="dk1"/>
+                          </a:solidFill>
+                          <a:latin typeface="Segoe UI"/>
+                        </a:defRPr>
+                      </a:lvl1pPr>
+                      <a:lvl2pPr marL="457200" algn="l" defTabSz="914400" rtl="0" eaLnBrk="1" latinLnBrk="0" hangingPunct="1">
+                        <a:defRPr kumimoji="1" sz="1800" kern="1200">
+                          <a:solidFill>
+                            <a:schemeClr val="dk1"/>
+                          </a:solidFill>
+                          <a:latin typeface="Segoe UI"/>
+                        </a:defRPr>
+                      </a:lvl2pPr>
+                      <a:lvl3pPr marL="914400" algn="l" defTabSz="914400" rtl="0" eaLnBrk="1" latinLnBrk="0" hangingPunct="1">
+                        <a:defRPr kumimoji="1" sz="1800" kern="1200">
+                          <a:solidFill>
+                            <a:schemeClr val="dk1"/>
+                          </a:solidFill>
+                          <a:latin typeface="Segoe UI"/>
+                        </a:defRPr>
+                      </a:lvl3pPr>
+                      <a:lvl4pPr marL="1371600" algn="l" defTabSz="914400" rtl="0" eaLnBrk="1" latinLnBrk="0" hangingPunct="1">
+                        <a:defRPr kumimoji="1" sz="1800" kern="1200">
+                          <a:solidFill>
+                            <a:schemeClr val="dk1"/>
+                          </a:solidFill>
+                          <a:latin typeface="Segoe UI"/>
+                        </a:defRPr>
+                      </a:lvl4pPr>
+                      <a:lvl5pPr marL="1828800" algn="l" defTabSz="914400" rtl="0" eaLnBrk="1" latinLnBrk="0" hangingPunct="1">
+                        <a:defRPr kumimoji="1" sz="1800" kern="1200">
+                          <a:solidFill>
+                            <a:schemeClr val="dk1"/>
+                          </a:solidFill>
+                          <a:latin typeface="Segoe UI"/>
+                        </a:defRPr>
+                      </a:lvl5pPr>
+                      <a:lvl6pPr marL="2286000" algn="l" defTabSz="914400" rtl="0" eaLnBrk="1" latinLnBrk="0" hangingPunct="1">
+                        <a:defRPr kumimoji="1" sz="1800" kern="1200">
+                          <a:solidFill>
+                            <a:schemeClr val="dk1"/>
+                          </a:solidFill>
+                          <a:latin typeface="Segoe UI"/>
+                        </a:defRPr>
+                      </a:lvl6pPr>
+                      <a:lvl7pPr marL="2743200" algn="l" defTabSz="914400" rtl="0" eaLnBrk="1" latinLnBrk="0" hangingPunct="1">
+                        <a:defRPr kumimoji="1" sz="1800" kern="1200">
+                          <a:solidFill>
+                            <a:schemeClr val="dk1"/>
+                          </a:solidFill>
+                          <a:latin typeface="Segoe UI"/>
+                        </a:defRPr>
+                      </a:lvl7pPr>
+                      <a:lvl8pPr marL="3200400" algn="l" defTabSz="914400" rtl="0" eaLnBrk="1" latinLnBrk="0" hangingPunct="1">
+                        <a:defRPr kumimoji="1" sz="1800" kern="1200">
+                          <a:solidFill>
+                            <a:schemeClr val="dk1"/>
+                          </a:solidFill>
+                          <a:latin typeface="Segoe UI"/>
+                        </a:defRPr>
+                      </a:lvl8pPr>
+                      <a:lvl9pPr marL="3657600" algn="l" defTabSz="914400" rtl="0" eaLnBrk="1" latinLnBrk="0" hangingPunct="1">
+                        <a:defRPr kumimoji="1" sz="1800" kern="1200">
+                          <a:solidFill>
+                            <a:schemeClr val="dk1"/>
+                          </a:solidFill>
+                          <a:latin typeface="Segoe UI"/>
+                        </a:defRPr>
+                      </a:lvl9pPr>
+                    </a:lstStyle>
+                    <a:p>
+                      <a:pPr marL="92075" indent="-92075">
+                        <a:buFont typeface="Arial" panose="020B0604020202020204" pitchFamily="34" charset="0"/>
+                        <a:buChar char="•"/>
+                      </a:pPr>
+                      <a:r>
+                        <a:rPr kumimoji="1" lang="en-US" altLang="ja-JP" sz="1200" b="0">
+                          <a:latin typeface="Yu Gothic UI" panose="020B0500000000000000" pitchFamily="34" charset="-128"/>
+                          <a:ea typeface="Yu Gothic UI" panose="020B0500000000000000" pitchFamily="34" charset="-128"/>
+                        </a:rPr>
+                        <a:t>OS : CPU </a:t>
+                      </a:r>
+                      <a:r>
+                        <a:rPr kumimoji="1" lang="ja-JP" altLang="en-US" sz="1200" b="0">
+                          <a:latin typeface="Yu Gothic UI" panose="020B0500000000000000" pitchFamily="34" charset="-128"/>
+                          <a:ea typeface="Yu Gothic UI" panose="020B0500000000000000" pitchFamily="34" charset="-128"/>
+                        </a:rPr>
+                        <a:t>使用率 </a:t>
+                      </a:r>
+                      <a:r>
+                        <a:rPr kumimoji="1" lang="en-US" altLang="ja-JP" sz="1200" b="0">
+                          <a:latin typeface="Yu Gothic UI" panose="020B0500000000000000" pitchFamily="34" charset="-128"/>
+                          <a:ea typeface="Yu Gothic UI" panose="020B0500000000000000" pitchFamily="34" charset="-128"/>
+                        </a:rPr>
+                        <a:t>/ </a:t>
+                      </a:r>
+                      <a:r>
+                        <a:rPr kumimoji="1" lang="ja-JP" altLang="en-US" sz="1200" b="0">
+                          <a:latin typeface="Yu Gothic UI" panose="020B0500000000000000" pitchFamily="34" charset="-128"/>
+                          <a:ea typeface="Yu Gothic UI" panose="020B0500000000000000" pitchFamily="34" charset="-128"/>
+                        </a:rPr>
+                        <a:t>メモリ使用量 </a:t>
+                      </a:r>
+                      <a:r>
+                        <a:rPr kumimoji="1" lang="en-US" altLang="ja-JP" sz="1200" b="0">
+                          <a:latin typeface="Yu Gothic UI" panose="020B0500000000000000" pitchFamily="34" charset="-128"/>
+                          <a:ea typeface="Yu Gothic UI" panose="020B0500000000000000" pitchFamily="34" charset="-128"/>
+                        </a:rPr>
+                        <a:t>/ </a:t>
+                      </a:r>
+                      <a:r>
+                        <a:rPr kumimoji="1" lang="ja-JP" altLang="en-US" sz="1200" b="0">
+                          <a:latin typeface="Yu Gothic UI" panose="020B0500000000000000" pitchFamily="34" charset="-128"/>
+                          <a:ea typeface="Yu Gothic UI" panose="020B0500000000000000" pitchFamily="34" charset="-128"/>
+                        </a:rPr>
+                        <a:t>ロードアベレージ </a:t>
+                      </a:r>
+                      <a:r>
+                        <a:rPr kumimoji="1" lang="en-US" altLang="ja-JP" sz="1200" b="0">
+                          <a:latin typeface="Yu Gothic UI" panose="020B0500000000000000" pitchFamily="34" charset="-128"/>
+                          <a:ea typeface="Yu Gothic UI" panose="020B0500000000000000" pitchFamily="34" charset="-128"/>
+                        </a:rPr>
+                        <a:t>/ </a:t>
+                      </a:r>
+                      <a:r>
+                        <a:rPr kumimoji="1" lang="ja-JP" altLang="en-US" sz="1200" b="0">
+                          <a:latin typeface="Yu Gothic UI" panose="020B0500000000000000" pitchFamily="34" charset="-128"/>
+                          <a:ea typeface="Yu Gothic UI" panose="020B0500000000000000" pitchFamily="34" charset="-128"/>
+                        </a:rPr>
+                        <a:t>ストレージの</a:t>
+                      </a:r>
+                      <a:r>
+                        <a:rPr kumimoji="1" lang="en-US" altLang="ja-JP" sz="1200" b="0">
+                          <a:latin typeface="Yu Gothic UI" panose="020B0500000000000000" pitchFamily="34" charset="-128"/>
+                          <a:ea typeface="Yu Gothic UI" panose="020B0500000000000000" pitchFamily="34" charset="-128"/>
+                        </a:rPr>
+                        <a:t>IOPS</a:t>
+                      </a:r>
+                      <a:r>
+                        <a:rPr kumimoji="1" lang="ja-JP" altLang="en-US" sz="1200" b="0">
+                          <a:latin typeface="Yu Gothic UI" panose="020B0500000000000000" pitchFamily="34" charset="-128"/>
+                          <a:ea typeface="Yu Gothic UI" panose="020B0500000000000000" pitchFamily="34" charset="-128"/>
+                        </a:rPr>
+                        <a:t>・スループット</a:t>
+                      </a:r>
+                      <a:r>
+                        <a:rPr kumimoji="1" lang="en-US" altLang="ja-JP" sz="1200" b="0">
+                          <a:latin typeface="Yu Gothic UI" panose="020B0500000000000000" pitchFamily="34" charset="-128"/>
+                          <a:ea typeface="Yu Gothic UI" panose="020B0500000000000000" pitchFamily="34" charset="-128"/>
+                        </a:rPr>
+                        <a:t> / </a:t>
+                      </a:r>
+                      <a:r>
+                        <a:rPr kumimoji="1" lang="ja-JP" altLang="en-US" sz="1200" b="0">
+                          <a:latin typeface="Yu Gothic UI" panose="020B0500000000000000" pitchFamily="34" charset="-128"/>
+                          <a:ea typeface="Yu Gothic UI" panose="020B0500000000000000" pitchFamily="34" charset="-128"/>
+                        </a:rPr>
+                        <a:t>ネットワークの</a:t>
+                      </a:r>
+                      <a:r>
+                        <a:rPr kumimoji="1" lang="en-US" altLang="ja-JP" sz="1200" b="0">
+                          <a:latin typeface="Yu Gothic UI" panose="020B0500000000000000" pitchFamily="34" charset="-128"/>
+                          <a:ea typeface="Yu Gothic UI" panose="020B0500000000000000" pitchFamily="34" charset="-128"/>
+                        </a:rPr>
+                        <a:t> In</a:t>
+                      </a:r>
+                      <a:r>
+                        <a:rPr kumimoji="1" lang="ja-JP" altLang="en-US" sz="1200" b="0">
+                          <a:latin typeface="Yu Gothic UI" panose="020B0500000000000000" pitchFamily="34" charset="-128"/>
+                          <a:ea typeface="Yu Gothic UI" panose="020B0500000000000000" pitchFamily="34" charset="-128"/>
+                        </a:rPr>
+                        <a:t>・</a:t>
+                      </a:r>
+                      <a:r>
+                        <a:rPr kumimoji="1" lang="en-US" altLang="ja-JP" sz="1200" b="0">
+                          <a:latin typeface="Yu Gothic UI" panose="020B0500000000000000" pitchFamily="34" charset="-128"/>
+                          <a:ea typeface="Yu Gothic UI" panose="020B0500000000000000" pitchFamily="34" charset="-128"/>
+                        </a:rPr>
+                        <a:t>Out </a:t>
+                      </a:r>
+                      <a:r>
+                        <a:rPr kumimoji="1" lang="ja-JP" altLang="en-US" sz="1200" b="0">
+                          <a:latin typeface="Yu Gothic UI" panose="020B0500000000000000" pitchFamily="34" charset="-128"/>
+                          <a:ea typeface="Yu Gothic UI" panose="020B0500000000000000" pitchFamily="34" charset="-128"/>
+                        </a:rPr>
+                        <a:t>トラフィック量 </a:t>
+                      </a:r>
+                      <a:r>
+                        <a:rPr kumimoji="1" lang="en-US" altLang="ja-JP" sz="1200" b="0">
+                          <a:latin typeface="Yu Gothic UI" panose="020B0500000000000000" pitchFamily="34" charset="-128"/>
+                          <a:ea typeface="Yu Gothic UI" panose="020B0500000000000000" pitchFamily="34" charset="-128"/>
+                        </a:rPr>
+                        <a:t>/ </a:t>
+                      </a:r>
+                      <a:r>
+                        <a:rPr kumimoji="1" lang="ja-JP" altLang="en-US" sz="1200" b="0">
+                          <a:latin typeface="Yu Gothic UI" panose="020B0500000000000000" pitchFamily="34" charset="-128"/>
+                          <a:ea typeface="Yu Gothic UI" panose="020B0500000000000000" pitchFamily="34" charset="-128"/>
+                        </a:rPr>
+                        <a:t>エラーログ </a:t>
+                      </a:r>
+                      <a:r>
+                        <a:rPr kumimoji="1" lang="en-US" altLang="ja-JP" sz="1200" b="0">
+                          <a:latin typeface="Yu Gothic UI" panose="020B0500000000000000" pitchFamily="34" charset="-128"/>
+                          <a:ea typeface="Yu Gothic UI" panose="020B0500000000000000" pitchFamily="34" charset="-128"/>
+                        </a:rPr>
+                        <a:t>/ </a:t>
+                      </a:r>
+                      <a:r>
+                        <a:rPr kumimoji="1" lang="ja-JP" altLang="en-US" sz="1200" b="0">
+                          <a:latin typeface="Yu Gothic UI" panose="020B0500000000000000" pitchFamily="34" charset="-128"/>
+                          <a:ea typeface="Yu Gothic UI" panose="020B0500000000000000" pitchFamily="34" charset="-128"/>
+                        </a:rPr>
+                        <a:t>ログイン数</a:t>
+                      </a:r>
+                      <a:endParaRPr kumimoji="1" lang="en-US" altLang="ja-JP" sz="1200" b="0">
+                        <a:latin typeface="Yu Gothic UI" panose="020B0500000000000000" pitchFamily="34" charset="-128"/>
+                        <a:ea typeface="Yu Gothic UI" panose="020B0500000000000000" pitchFamily="34" charset="-128"/>
+                      </a:endParaRPr>
+                    </a:p>
+                    <a:p>
+                      <a:pPr marL="92075" indent="-92075">
+                        <a:buFont typeface="Arial" panose="020B0604020202020204" pitchFamily="34" charset="0"/>
+                        <a:buChar char="•"/>
+                      </a:pPr>
+                      <a:r>
+                        <a:rPr kumimoji="1" lang="ja-JP" altLang="en-US" sz="1200" b="0">
+                          <a:latin typeface="Yu Gothic UI" panose="020B0500000000000000" pitchFamily="34" charset="-128"/>
+                          <a:ea typeface="Yu Gothic UI" panose="020B0500000000000000" pitchFamily="34" charset="-128"/>
+                        </a:rPr>
+                        <a:t>データベース</a:t>
+                      </a:r>
+                      <a:r>
+                        <a:rPr kumimoji="1" lang="en-US" altLang="ja-JP" sz="1200" b="0">
+                          <a:latin typeface="Yu Gothic UI" panose="020B0500000000000000" pitchFamily="34" charset="-128"/>
+                          <a:ea typeface="Yu Gothic UI" panose="020B0500000000000000" pitchFamily="34" charset="-128"/>
+                        </a:rPr>
+                        <a:t>: </a:t>
+                      </a:r>
+                      <a:r>
+                        <a:rPr kumimoji="1" lang="ja-JP" altLang="en-US" sz="1200" b="0">
+                          <a:latin typeface="Yu Gothic UI" panose="020B0500000000000000" pitchFamily="34" charset="-128"/>
+                          <a:ea typeface="Yu Gothic UI" panose="020B0500000000000000" pitchFamily="34" charset="-128"/>
+                        </a:rPr>
+                        <a:t>コネクション数・クエリ数・スロークエリログ</a:t>
+                      </a:r>
+                    </a:p>
+                    <a:p>
+                      <a:pPr marL="92075" indent="-92075">
+                        <a:buFont typeface="Arial" panose="020B0604020202020204" pitchFamily="34" charset="0"/>
+                        <a:buChar char="•"/>
+                      </a:pPr>
+                      <a:r>
+                        <a:rPr kumimoji="1" lang="en-US" altLang="ja-JP" sz="1200" b="0">
+                          <a:latin typeface="Yu Gothic UI" panose="020B0500000000000000" pitchFamily="34" charset="-128"/>
+                          <a:ea typeface="Yu Gothic UI" panose="020B0500000000000000" pitchFamily="34" charset="-128"/>
+                        </a:rPr>
+                        <a:t>Web</a:t>
+                      </a:r>
+                      <a:r>
+                        <a:rPr kumimoji="1" lang="ja-JP" altLang="en-US" sz="1200" b="0">
+                          <a:latin typeface="Yu Gothic UI" panose="020B0500000000000000" pitchFamily="34" charset="-128"/>
+                          <a:ea typeface="Yu Gothic UI" panose="020B0500000000000000" pitchFamily="34" charset="-128"/>
+                        </a:rPr>
+                        <a:t>サーバー</a:t>
+                      </a:r>
+                      <a:r>
+                        <a:rPr kumimoji="1" lang="en-US" altLang="ja-JP" sz="1200" b="0">
+                          <a:latin typeface="Yu Gothic UI" panose="020B0500000000000000" pitchFamily="34" charset="-128"/>
+                          <a:ea typeface="Yu Gothic UI" panose="020B0500000000000000" pitchFamily="34" charset="-128"/>
+                        </a:rPr>
+                        <a:t>: </a:t>
+                      </a:r>
+                      <a:r>
+                        <a:rPr kumimoji="1" lang="ja-JP" altLang="en-US" sz="1200" b="0">
+                          <a:latin typeface="Yu Gothic UI" panose="020B0500000000000000" pitchFamily="34" charset="-128"/>
+                          <a:ea typeface="Yu Gothic UI" panose="020B0500000000000000" pitchFamily="34" charset="-128"/>
+                        </a:rPr>
+                        <a:t>リクエスト数・レイテンシー・</a:t>
+                      </a:r>
+                      <a:r>
+                        <a:rPr kumimoji="1" lang="en-US" altLang="ja-JP" sz="1200" b="0">
+                          <a:latin typeface="Yu Gothic UI" panose="020B0500000000000000" pitchFamily="34" charset="-128"/>
+                          <a:ea typeface="Yu Gothic UI" panose="020B0500000000000000" pitchFamily="34" charset="-128"/>
+                        </a:rPr>
+                        <a:t>HTTP </a:t>
+                      </a:r>
+                      <a:r>
+                        <a:rPr kumimoji="1" lang="ja-JP" altLang="en-US" sz="1200" b="0">
+                          <a:latin typeface="Yu Gothic UI" panose="020B0500000000000000" pitchFamily="34" charset="-128"/>
+                          <a:ea typeface="Yu Gothic UI" panose="020B0500000000000000" pitchFamily="34" charset="-128"/>
+                        </a:rPr>
+                        <a:t>ステータスコード・エラーログ</a:t>
+                      </a:r>
+                    </a:p>
+                  </a:txBody>
+                  <a:tcPr>
+                    <a:lnL w="12700" cmpd="sng">
+                      <a:solidFill>
+                        <a:srgbClr val="FFFFFF"/>
+                      </a:solidFill>
+                    </a:lnL>
+                    <a:lnR w="12700" cmpd="sng">
+                      <a:solidFill>
+                        <a:srgbClr val="FFFFFF"/>
+                      </a:solidFill>
+                    </a:lnR>
+                    <a:lnT w="12700" cmpd="sng">
+                      <a:solidFill>
+                        <a:srgbClr val="FFFFFF"/>
+                      </a:solidFill>
+                    </a:lnT>
+                    <a:lnB w="12700" cmpd="sng">
+                      <a:solidFill>
+                        <a:srgbClr val="FFFFFF"/>
+                      </a:solidFill>
+                    </a:lnB>
+                    <a:lnTlToBr w="12700" cmpd="sng">
+                      <a:noFill/>
+                      <a:prstDash val="solid"/>
+                    </a:lnTlToBr>
+                    <a:lnBlToTr w="12700" cmpd="sng">
+                      <a:noFill/>
+                      <a:prstDash val="solid"/>
+                    </a:lnBlToTr>
+                    <a:solidFill>
+                      <a:srgbClr val="0078D4">
+                        <a:tint val="20000"/>
+                      </a:srgbClr>
+                    </a:solidFill>
+                  </a:tcPr>
+                </a:tc>
+                <a:extLst>
+                  <a:ext uri="{0D108BD9-81ED-4DB2-BD59-A6C34878D82A}">
+                    <a16:rowId xmlns:a16="http://schemas.microsoft.com/office/drawing/2014/main" val="3735921896"/>
+                  </a:ext>
+                </a:extLst>
+              </a:tr>
+              <a:tr h="411700">
+                <a:tc>
+                  <a:txBody>
+                    <a:bodyPr/>
+                    <a:lstStyle>
+                      <a:lvl1pPr marL="0" algn="l" defTabSz="914400" rtl="0" eaLnBrk="1" latinLnBrk="0" hangingPunct="1">
+                        <a:defRPr kumimoji="1" sz="1800" kern="1200">
+                          <a:solidFill>
+                            <a:schemeClr val="dk1"/>
+                          </a:solidFill>
+                          <a:latin typeface="Segoe UI"/>
+                        </a:defRPr>
+                      </a:lvl1pPr>
+                      <a:lvl2pPr marL="457200" algn="l" defTabSz="914400" rtl="0" eaLnBrk="1" latinLnBrk="0" hangingPunct="1">
+                        <a:defRPr kumimoji="1" sz="1800" kern="1200">
+                          <a:solidFill>
+                            <a:schemeClr val="dk1"/>
+                          </a:solidFill>
+                          <a:latin typeface="Segoe UI"/>
+                        </a:defRPr>
+                      </a:lvl2pPr>
+                      <a:lvl3pPr marL="914400" algn="l" defTabSz="914400" rtl="0" eaLnBrk="1" latinLnBrk="0" hangingPunct="1">
+                        <a:defRPr kumimoji="1" sz="1800" kern="1200">
+                          <a:solidFill>
+                            <a:schemeClr val="dk1"/>
+                          </a:solidFill>
+                          <a:latin typeface="Segoe UI"/>
+                        </a:defRPr>
+                      </a:lvl3pPr>
+                      <a:lvl4pPr marL="1371600" algn="l" defTabSz="914400" rtl="0" eaLnBrk="1" latinLnBrk="0" hangingPunct="1">
+                        <a:defRPr kumimoji="1" sz="1800" kern="1200">
+                          <a:solidFill>
+                            <a:schemeClr val="dk1"/>
+                          </a:solidFill>
+                          <a:latin typeface="Segoe UI"/>
+                        </a:defRPr>
+                      </a:lvl4pPr>
+                      <a:lvl5pPr marL="1828800" algn="l" defTabSz="914400" rtl="0" eaLnBrk="1" latinLnBrk="0" hangingPunct="1">
+                        <a:defRPr kumimoji="1" sz="1800" kern="1200">
+                          <a:solidFill>
+                            <a:schemeClr val="dk1"/>
+                          </a:solidFill>
+                          <a:latin typeface="Segoe UI"/>
+                        </a:defRPr>
+                      </a:lvl5pPr>
+                      <a:lvl6pPr marL="2286000" algn="l" defTabSz="914400" rtl="0" eaLnBrk="1" latinLnBrk="0" hangingPunct="1">
+                        <a:defRPr kumimoji="1" sz="1800" kern="1200">
+                          <a:solidFill>
+                            <a:schemeClr val="dk1"/>
+                          </a:solidFill>
+                          <a:latin typeface="Segoe UI"/>
+                        </a:defRPr>
+                      </a:lvl6pPr>
+                      <a:lvl7pPr marL="2743200" algn="l" defTabSz="914400" rtl="0" eaLnBrk="1" latinLnBrk="0" hangingPunct="1">
+                        <a:defRPr kumimoji="1" sz="1800" kern="1200">
+                          <a:solidFill>
+                            <a:schemeClr val="dk1"/>
+                          </a:solidFill>
+                          <a:latin typeface="Segoe UI"/>
+                        </a:defRPr>
+                      </a:lvl7pPr>
+                      <a:lvl8pPr marL="3200400" algn="l" defTabSz="914400" rtl="0" eaLnBrk="1" latinLnBrk="0" hangingPunct="1">
+                        <a:defRPr kumimoji="1" sz="1800" kern="1200">
+                          <a:solidFill>
+                            <a:schemeClr val="dk1"/>
+                          </a:solidFill>
+                          <a:latin typeface="Segoe UI"/>
+                        </a:defRPr>
+                      </a:lvl8pPr>
+                      <a:lvl9pPr marL="3657600" algn="l" defTabSz="914400" rtl="0" eaLnBrk="1" latinLnBrk="0" hangingPunct="1">
+                        <a:defRPr kumimoji="1" sz="1800" kern="1200">
+                          <a:solidFill>
+                            <a:schemeClr val="dk1"/>
+                          </a:solidFill>
+                          <a:latin typeface="Segoe UI"/>
+                        </a:defRPr>
+                      </a:lvl9pPr>
+                    </a:lstStyle>
+                    <a:p>
+                      <a:r>
+                        <a:rPr kumimoji="1" lang="ja-JP" altLang="en-US" sz="1200" b="0">
+                          <a:latin typeface="Yu Gothic UI" panose="020B0500000000000000" pitchFamily="34" charset="-128"/>
+                          <a:ea typeface="Yu Gothic UI" panose="020B0500000000000000" pitchFamily="34" charset="-128"/>
+                        </a:rPr>
+                        <a:t>ネットワーク</a:t>
+                      </a:r>
+                    </a:p>
+                  </a:txBody>
+                  <a:tcPr>
+                    <a:lnL w="12700" cmpd="sng">
+                      <a:solidFill>
+                        <a:srgbClr val="FFFFFF"/>
+                      </a:solidFill>
+                    </a:lnL>
+                    <a:lnR w="12700" cmpd="sng">
+                      <a:solidFill>
+                        <a:srgbClr val="FFFFFF"/>
+                      </a:solidFill>
+                    </a:lnR>
+                    <a:lnT w="12700" cmpd="sng">
+                      <a:solidFill>
+                        <a:srgbClr val="FFFFFF"/>
+                      </a:solidFill>
+                    </a:lnT>
+                    <a:lnB w="12700" cmpd="sng">
+                      <a:solidFill>
+                        <a:srgbClr val="FFFFFF"/>
+                      </a:solidFill>
+                    </a:lnB>
+                    <a:lnTlToBr w="12700" cmpd="sng">
+                      <a:noFill/>
+                      <a:prstDash val="solid"/>
+                    </a:lnTlToBr>
+                    <a:lnBlToTr w="12700" cmpd="sng">
+                      <a:noFill/>
+                      <a:prstDash val="solid"/>
+                    </a:lnBlToTr>
+                    <a:solidFill>
+                      <a:srgbClr val="0078D4">
+                        <a:tint val="40000"/>
+                      </a:srgbClr>
+                    </a:solidFill>
+                  </a:tcPr>
+                </a:tc>
+                <a:tc>
+                  <a:txBody>
+                    <a:bodyPr/>
+                    <a:lstStyle>
+                      <a:lvl1pPr marL="0" algn="l" defTabSz="914400" rtl="0" eaLnBrk="1" latinLnBrk="0" hangingPunct="1">
+                        <a:defRPr kumimoji="1" sz="1800" kern="1200">
+                          <a:solidFill>
+                            <a:schemeClr val="dk1"/>
+                          </a:solidFill>
+                          <a:latin typeface="Segoe UI"/>
+                        </a:defRPr>
+                      </a:lvl1pPr>
+                      <a:lvl2pPr marL="457200" algn="l" defTabSz="914400" rtl="0" eaLnBrk="1" latinLnBrk="0" hangingPunct="1">
+                        <a:defRPr kumimoji="1" sz="1800" kern="1200">
+                          <a:solidFill>
+                            <a:schemeClr val="dk1"/>
+                          </a:solidFill>
+                          <a:latin typeface="Segoe UI"/>
+                        </a:defRPr>
+                      </a:lvl2pPr>
+                      <a:lvl3pPr marL="914400" algn="l" defTabSz="914400" rtl="0" eaLnBrk="1" latinLnBrk="0" hangingPunct="1">
+                        <a:defRPr kumimoji="1" sz="1800" kern="1200">
+                          <a:solidFill>
+                            <a:schemeClr val="dk1"/>
+                          </a:solidFill>
+                          <a:latin typeface="Segoe UI"/>
+                        </a:defRPr>
+                      </a:lvl3pPr>
+                      <a:lvl4pPr marL="1371600" algn="l" defTabSz="914400" rtl="0" eaLnBrk="1" latinLnBrk="0" hangingPunct="1">
+                        <a:defRPr kumimoji="1" sz="1800" kern="1200">
+                          <a:solidFill>
+                            <a:schemeClr val="dk1"/>
+                          </a:solidFill>
+                          <a:latin typeface="Segoe UI"/>
+                        </a:defRPr>
+                      </a:lvl4pPr>
+                      <a:lvl5pPr marL="1828800" algn="l" defTabSz="914400" rtl="0" eaLnBrk="1" latinLnBrk="0" hangingPunct="1">
+                        <a:defRPr kumimoji="1" sz="1800" kern="1200">
+                          <a:solidFill>
+                            <a:schemeClr val="dk1"/>
+                          </a:solidFill>
+                          <a:latin typeface="Segoe UI"/>
+                        </a:defRPr>
+                      </a:lvl5pPr>
+                      <a:lvl6pPr marL="2286000" algn="l" defTabSz="914400" rtl="0" eaLnBrk="1" latinLnBrk="0" hangingPunct="1">
+                        <a:defRPr kumimoji="1" sz="1800" kern="1200">
+                          <a:solidFill>
+                            <a:schemeClr val="dk1"/>
+                          </a:solidFill>
+                          <a:latin typeface="Segoe UI"/>
+                        </a:defRPr>
+                      </a:lvl6pPr>
+                      <a:lvl7pPr marL="2743200" algn="l" defTabSz="914400" rtl="0" eaLnBrk="1" latinLnBrk="0" hangingPunct="1">
+                        <a:defRPr kumimoji="1" sz="1800" kern="1200">
+                          <a:solidFill>
+                            <a:schemeClr val="dk1"/>
+                          </a:solidFill>
+                          <a:latin typeface="Segoe UI"/>
+                        </a:defRPr>
+                      </a:lvl7pPr>
+                      <a:lvl8pPr marL="3200400" algn="l" defTabSz="914400" rtl="0" eaLnBrk="1" latinLnBrk="0" hangingPunct="1">
+                        <a:defRPr kumimoji="1" sz="1800" kern="1200">
+                          <a:solidFill>
+                            <a:schemeClr val="dk1"/>
+                          </a:solidFill>
+                          <a:latin typeface="Segoe UI"/>
+                        </a:defRPr>
+                      </a:lvl8pPr>
+                      <a:lvl9pPr marL="3657600" algn="l" defTabSz="914400" rtl="0" eaLnBrk="1" latinLnBrk="0" hangingPunct="1">
+                        <a:defRPr kumimoji="1" sz="1800" kern="1200">
+                          <a:solidFill>
+                            <a:schemeClr val="dk1"/>
+                          </a:solidFill>
+                          <a:latin typeface="Segoe UI"/>
+                        </a:defRPr>
+                      </a:lvl9pPr>
+                    </a:lstStyle>
+                    <a:p>
+                      <a:r>
+                        <a:rPr kumimoji="1" lang="ja-JP" altLang="en-US" sz="1200" b="0">
+                          <a:latin typeface="Yu Gothic UI" panose="020B0500000000000000" pitchFamily="34" charset="-128"/>
+                          <a:ea typeface="Yu Gothic UI" panose="020B0500000000000000" pitchFamily="34" charset="-128"/>
+                        </a:rPr>
+                        <a:t>多数のノードから成るネットワーク網を監視し、アプリケーションやサーバーの様な上位レイヤーの可用性の確保・障害の未然防止を図る</a:t>
+                      </a:r>
+                    </a:p>
+                  </a:txBody>
+                  <a:tcPr>
+                    <a:lnL w="12700" cmpd="sng">
+                      <a:solidFill>
+                        <a:srgbClr val="FFFFFF"/>
+                      </a:solidFill>
+                    </a:lnL>
+                    <a:lnR w="12700" cmpd="sng">
+                      <a:solidFill>
+                        <a:srgbClr val="FFFFFF"/>
+                      </a:solidFill>
+                    </a:lnR>
+                    <a:lnT w="12700" cmpd="sng">
+                      <a:solidFill>
+                        <a:srgbClr val="FFFFFF"/>
+                      </a:solidFill>
+                    </a:lnT>
+                    <a:lnB w="12700" cmpd="sng">
+                      <a:solidFill>
+                        <a:srgbClr val="FFFFFF"/>
+                      </a:solidFill>
+                    </a:lnB>
+                    <a:lnTlToBr w="12700" cmpd="sng">
+                      <a:noFill/>
+                      <a:prstDash val="solid"/>
+                    </a:lnTlToBr>
+                    <a:lnBlToTr w="12700" cmpd="sng">
+                      <a:noFill/>
+                      <a:prstDash val="solid"/>
+                    </a:lnBlToTr>
+                    <a:solidFill>
+                      <a:srgbClr val="0078D4">
+                        <a:tint val="40000"/>
+                      </a:srgbClr>
+                    </a:solidFill>
+                  </a:tcPr>
+                </a:tc>
+                <a:tc>
+                  <a:txBody>
+                    <a:bodyPr/>
+                    <a:lstStyle>
+                      <a:lvl1pPr marL="0" algn="l" defTabSz="914400" rtl="0" eaLnBrk="1" latinLnBrk="0" hangingPunct="1">
+                        <a:defRPr kumimoji="1" sz="1800" kern="1200">
+                          <a:solidFill>
+                            <a:schemeClr val="dk1"/>
+                          </a:solidFill>
+                          <a:latin typeface="Segoe UI"/>
+                        </a:defRPr>
+                      </a:lvl1pPr>
+                      <a:lvl2pPr marL="457200" algn="l" defTabSz="914400" rtl="0" eaLnBrk="1" latinLnBrk="0" hangingPunct="1">
+                        <a:defRPr kumimoji="1" sz="1800" kern="1200">
+                          <a:solidFill>
+                            <a:schemeClr val="dk1"/>
+                          </a:solidFill>
+                          <a:latin typeface="Segoe UI"/>
+                        </a:defRPr>
+                      </a:lvl2pPr>
+                      <a:lvl3pPr marL="914400" algn="l" defTabSz="914400" rtl="0" eaLnBrk="1" latinLnBrk="0" hangingPunct="1">
+                        <a:defRPr kumimoji="1" sz="1800" kern="1200">
+                          <a:solidFill>
+                            <a:schemeClr val="dk1"/>
+                          </a:solidFill>
+                          <a:latin typeface="Segoe UI"/>
+                        </a:defRPr>
+                      </a:lvl3pPr>
+                      <a:lvl4pPr marL="1371600" algn="l" defTabSz="914400" rtl="0" eaLnBrk="1" latinLnBrk="0" hangingPunct="1">
+                        <a:defRPr kumimoji="1" sz="1800" kern="1200">
+                          <a:solidFill>
+                            <a:schemeClr val="dk1"/>
+                          </a:solidFill>
+                          <a:latin typeface="Segoe UI"/>
+                        </a:defRPr>
+                      </a:lvl4pPr>
+                      <a:lvl5pPr marL="1828800" algn="l" defTabSz="914400" rtl="0" eaLnBrk="1" latinLnBrk="0" hangingPunct="1">
+                        <a:defRPr kumimoji="1" sz="1800" kern="1200">
+                          <a:solidFill>
+                            <a:schemeClr val="dk1"/>
+                          </a:solidFill>
+                          <a:latin typeface="Segoe UI"/>
+                        </a:defRPr>
+                      </a:lvl5pPr>
+                      <a:lvl6pPr marL="2286000" algn="l" defTabSz="914400" rtl="0" eaLnBrk="1" latinLnBrk="0" hangingPunct="1">
+                        <a:defRPr kumimoji="1" sz="1800" kern="1200">
+                          <a:solidFill>
+                            <a:schemeClr val="dk1"/>
+                          </a:solidFill>
+                          <a:latin typeface="Segoe UI"/>
+                        </a:defRPr>
+                      </a:lvl6pPr>
+                      <a:lvl7pPr marL="2743200" algn="l" defTabSz="914400" rtl="0" eaLnBrk="1" latinLnBrk="0" hangingPunct="1">
+                        <a:defRPr kumimoji="1" sz="1800" kern="1200">
+                          <a:solidFill>
+                            <a:schemeClr val="dk1"/>
+                          </a:solidFill>
+                          <a:latin typeface="Segoe UI"/>
+                        </a:defRPr>
+                      </a:lvl7pPr>
+                      <a:lvl8pPr marL="3200400" algn="l" defTabSz="914400" rtl="0" eaLnBrk="1" latinLnBrk="0" hangingPunct="1">
+                        <a:defRPr kumimoji="1" sz="1800" kern="1200">
+                          <a:solidFill>
+                            <a:schemeClr val="dk1"/>
+                          </a:solidFill>
+                          <a:latin typeface="Segoe UI"/>
+                        </a:defRPr>
+                      </a:lvl8pPr>
+                      <a:lvl9pPr marL="3657600" algn="l" defTabSz="914400" rtl="0" eaLnBrk="1" latinLnBrk="0" hangingPunct="1">
+                        <a:defRPr kumimoji="1" sz="1800" kern="1200">
+                          <a:solidFill>
+                            <a:schemeClr val="dk1"/>
+                          </a:solidFill>
+                          <a:latin typeface="Segoe UI"/>
+                        </a:defRPr>
+                      </a:lvl9pPr>
+                    </a:lstStyle>
+                    <a:p>
+                      <a:pPr marL="92075" indent="-92075">
+                        <a:buFont typeface="Arial" panose="020B0604020202020204" pitchFamily="34" charset="0"/>
+                        <a:buChar char="•"/>
+                      </a:pPr>
+                      <a:r>
+                        <a:rPr kumimoji="1" lang="ja-JP" altLang="en-US" sz="1200" b="0">
+                          <a:latin typeface="Yu Gothic UI" panose="020B0500000000000000" pitchFamily="34" charset="-128"/>
+                          <a:ea typeface="Yu Gothic UI" panose="020B0500000000000000" pitchFamily="34" charset="-128"/>
+                        </a:rPr>
+                        <a:t>インターフェースのエラー率・ドロップ率</a:t>
+                      </a:r>
+                      <a:r>
+                        <a:rPr kumimoji="1" lang="en-US" altLang="ja-JP" sz="1200" b="0">
+                          <a:latin typeface="Yu Gothic UI" panose="020B0500000000000000" pitchFamily="34" charset="-128"/>
+                          <a:ea typeface="Yu Gothic UI" panose="020B0500000000000000" pitchFamily="34" charset="-128"/>
+                        </a:rPr>
+                        <a:t>/</a:t>
+                      </a:r>
+                      <a:r>
+                        <a:rPr kumimoji="1" lang="ja-JP" altLang="en-US" sz="1200" b="0">
+                          <a:latin typeface="Yu Gothic UI" panose="020B0500000000000000" pitchFamily="34" charset="-128"/>
+                          <a:ea typeface="Yu Gothic UI" panose="020B0500000000000000" pitchFamily="34" charset="-128"/>
+                        </a:rPr>
+                        <a:t>トラフィック量</a:t>
+                      </a:r>
+                      <a:r>
+                        <a:rPr kumimoji="1" lang="en-US" altLang="ja-JP" sz="1200" b="0">
+                          <a:latin typeface="Yu Gothic UI" panose="020B0500000000000000" pitchFamily="34" charset="-128"/>
+                          <a:ea typeface="Yu Gothic UI" panose="020B0500000000000000" pitchFamily="34" charset="-128"/>
+                        </a:rPr>
+                        <a:t>/</a:t>
+                      </a:r>
+                      <a:r>
+                        <a:rPr kumimoji="1" lang="ja-JP" altLang="en-US" sz="1200" b="0">
+                          <a:latin typeface="Yu Gothic UI" panose="020B0500000000000000" pitchFamily="34" charset="-128"/>
+                          <a:ea typeface="Yu Gothic UI" panose="020B0500000000000000" pitchFamily="34" charset="-128"/>
+                        </a:rPr>
+                        <a:t>レイテンシ</a:t>
+                      </a:r>
+                      <a:r>
+                        <a:rPr kumimoji="1" lang="en-US" altLang="ja-JP" sz="1200" b="0">
+                          <a:latin typeface="Yu Gothic UI" panose="020B0500000000000000" pitchFamily="34" charset="-128"/>
+                          <a:ea typeface="Yu Gothic UI" panose="020B0500000000000000" pitchFamily="34" charset="-128"/>
+                        </a:rPr>
+                        <a:t>/</a:t>
+                      </a:r>
+                      <a:r>
+                        <a:rPr kumimoji="1" lang="ja-JP" altLang="en-US" sz="1200" b="0">
+                          <a:latin typeface="Yu Gothic UI" panose="020B0500000000000000" pitchFamily="34" charset="-128"/>
+                          <a:ea typeface="Yu Gothic UI" panose="020B0500000000000000" pitchFamily="34" charset="-128"/>
+                        </a:rPr>
+                        <a:t>ジッター</a:t>
+                      </a:r>
+                      <a:endParaRPr kumimoji="1" lang="en-US" altLang="ja-JP" sz="1200" b="0">
+                        <a:latin typeface="Yu Gothic UI" panose="020B0500000000000000" pitchFamily="34" charset="-128"/>
+                        <a:ea typeface="Yu Gothic UI" panose="020B0500000000000000" pitchFamily="34" charset="-128"/>
+                      </a:endParaRPr>
+                    </a:p>
+                    <a:p>
+                      <a:pPr marL="92075" indent="-92075">
+                        <a:buFont typeface="Arial" panose="020B0604020202020204" pitchFamily="34" charset="0"/>
+                        <a:buChar char="•"/>
+                      </a:pPr>
+                      <a:r>
+                        <a:rPr kumimoji="1" lang="ja-JP" altLang="en-US" sz="1200" b="0">
+                          <a:latin typeface="Yu Gothic UI" panose="020B0500000000000000" pitchFamily="34" charset="-128"/>
+                          <a:ea typeface="Yu Gothic UI" panose="020B0500000000000000" pitchFamily="34" charset="-128"/>
+                        </a:rPr>
+                        <a:t>設定変更</a:t>
+                      </a:r>
+                      <a:endParaRPr kumimoji="1" lang="en-US" altLang="ja-JP" sz="1200" b="0">
+                        <a:latin typeface="Yu Gothic UI" panose="020B0500000000000000" pitchFamily="34" charset="-128"/>
+                        <a:ea typeface="Yu Gothic UI" panose="020B0500000000000000" pitchFamily="34" charset="-128"/>
+                      </a:endParaRPr>
+                    </a:p>
+                    <a:p>
+                      <a:pPr marL="92075" indent="-92075">
+                        <a:buFont typeface="Arial" panose="020B0604020202020204" pitchFamily="34" charset="0"/>
+                        <a:buChar char="•"/>
+                      </a:pPr>
+                      <a:r>
+                        <a:rPr kumimoji="1" lang="ja-JP" altLang="en-US" sz="1200" b="0">
+                          <a:latin typeface="Yu Gothic UI" panose="020B0500000000000000" pitchFamily="34" charset="-128"/>
+                          <a:ea typeface="Yu Gothic UI" panose="020B0500000000000000" pitchFamily="34" charset="-128"/>
+                        </a:rPr>
+                        <a:t>経路</a:t>
+                      </a:r>
+                      <a:r>
+                        <a:rPr kumimoji="1" lang="en-US" altLang="ja-JP" sz="1200" b="0">
+                          <a:latin typeface="Yu Gothic UI" panose="020B0500000000000000" pitchFamily="34" charset="-128"/>
+                          <a:ea typeface="Yu Gothic UI" panose="020B0500000000000000" pitchFamily="34" charset="-128"/>
+                        </a:rPr>
+                        <a:t>(BGP </a:t>
+                      </a:r>
+                      <a:r>
+                        <a:rPr kumimoji="1" lang="ja-JP" altLang="en-US" sz="1200" b="0">
+                          <a:latin typeface="Yu Gothic UI" panose="020B0500000000000000" pitchFamily="34" charset="-128"/>
+                          <a:ea typeface="Yu Gothic UI" panose="020B0500000000000000" pitchFamily="34" charset="-128"/>
+                        </a:rPr>
+                        <a:t>の </a:t>
+                      </a:r>
+                      <a:r>
+                        <a:rPr kumimoji="1" lang="en-US" altLang="ja-JP" sz="1200" b="0">
+                          <a:latin typeface="Yu Gothic UI" panose="020B0500000000000000" pitchFamily="34" charset="-128"/>
+                          <a:ea typeface="Yu Gothic UI" panose="020B0500000000000000" pitchFamily="34" charset="-128"/>
+                        </a:rPr>
+                        <a:t>AS </a:t>
+                      </a:r>
+                      <a:r>
+                        <a:rPr kumimoji="1" lang="ja-JP" altLang="en-US" sz="1200" b="0">
+                          <a:latin typeface="Yu Gothic UI" panose="020B0500000000000000" pitchFamily="34" charset="-128"/>
+                          <a:ea typeface="Yu Gothic UI" panose="020B0500000000000000" pitchFamily="34" charset="-128"/>
+                        </a:rPr>
+                        <a:t>パス等</a:t>
+                      </a:r>
+                      <a:r>
+                        <a:rPr kumimoji="1" lang="en-US" altLang="ja-JP" sz="1200" b="0">
+                          <a:latin typeface="Yu Gothic UI" panose="020B0500000000000000" pitchFamily="34" charset="-128"/>
+                          <a:ea typeface="Yu Gothic UI" panose="020B0500000000000000" pitchFamily="34" charset="-128"/>
+                        </a:rPr>
+                        <a:t>)/BGP </a:t>
+                      </a:r>
+                      <a:r>
+                        <a:rPr kumimoji="1" lang="ja-JP" altLang="en-US" sz="1200" b="0">
+                          <a:latin typeface="Yu Gothic UI" panose="020B0500000000000000" pitchFamily="34" charset="-128"/>
+                          <a:ea typeface="Yu Gothic UI" panose="020B0500000000000000" pitchFamily="34" charset="-128"/>
+                        </a:rPr>
+                        <a:t>ピアやコミュニティの変更</a:t>
+                      </a:r>
+                      <a:r>
+                        <a:rPr kumimoji="1" lang="en-US" altLang="ja-JP" sz="1200" b="0">
+                          <a:latin typeface="Yu Gothic UI" panose="020B0500000000000000" pitchFamily="34" charset="-128"/>
+                          <a:ea typeface="Yu Gothic UI" panose="020B0500000000000000" pitchFamily="34" charset="-128"/>
+                        </a:rPr>
+                        <a:t>/</a:t>
+                      </a:r>
+                      <a:r>
+                        <a:rPr kumimoji="1" lang="ja-JP" altLang="en-US" sz="1200" b="0">
+                          <a:latin typeface="Yu Gothic UI" panose="020B0500000000000000" pitchFamily="34" charset="-128"/>
+                          <a:ea typeface="Yu Gothic UI" panose="020B0500000000000000" pitchFamily="34" charset="-128"/>
+                        </a:rPr>
+                        <a:t>ルーティングテーブルの変更</a:t>
+                      </a:r>
+                      <a:endParaRPr kumimoji="1" lang="en-US" altLang="ja-JP" sz="1200" b="0">
+                        <a:latin typeface="Yu Gothic UI" panose="020B0500000000000000" pitchFamily="34" charset="-128"/>
+                        <a:ea typeface="Yu Gothic UI" panose="020B0500000000000000" pitchFamily="34" charset="-128"/>
+                      </a:endParaRPr>
+                    </a:p>
+                    <a:p>
+                      <a:pPr marL="92075" indent="-92075">
+                        <a:buFont typeface="Arial" panose="020B0604020202020204" pitchFamily="34" charset="0"/>
+                        <a:buChar char="•"/>
+                      </a:pPr>
+                      <a:r>
+                        <a:rPr kumimoji="1" lang="ja-JP" altLang="en-US" sz="1200" b="0">
+                          <a:latin typeface="Yu Gothic UI" panose="020B0500000000000000" pitchFamily="34" charset="-128"/>
+                          <a:ea typeface="Yu Gothic UI" panose="020B0500000000000000" pitchFamily="34" charset="-128"/>
+                        </a:rPr>
+                        <a:t>ネットワークフローの監視</a:t>
+                      </a:r>
+                      <a:endParaRPr kumimoji="1" lang="en-US" altLang="ja-JP" sz="1200" b="0">
+                        <a:latin typeface="Yu Gothic UI" panose="020B0500000000000000" pitchFamily="34" charset="-128"/>
+                        <a:ea typeface="Yu Gothic UI" panose="020B0500000000000000" pitchFamily="34" charset="-128"/>
+                      </a:endParaRPr>
+                    </a:p>
+                    <a:p>
+                      <a:pPr marL="92075" indent="-92075">
+                        <a:buFont typeface="Arial" panose="020B0604020202020204" pitchFamily="34" charset="0"/>
+                        <a:buChar char="•"/>
+                      </a:pPr>
+                      <a:r>
+                        <a:rPr kumimoji="1" lang="ja-JP" altLang="en-US" sz="1200" b="0">
+                          <a:latin typeface="Yu Gothic UI" panose="020B0500000000000000" pitchFamily="34" charset="-128"/>
+                          <a:ea typeface="Yu Gothic UI" panose="020B0500000000000000" pitchFamily="34" charset="-128"/>
+                        </a:rPr>
+                        <a:t>同一環境での検証</a:t>
+                      </a:r>
+                    </a:p>
+                  </a:txBody>
+                  <a:tcPr>
+                    <a:lnL w="12700" cmpd="sng">
+                      <a:solidFill>
+                        <a:srgbClr val="FFFFFF"/>
+                      </a:solidFill>
+                    </a:lnL>
+                    <a:lnR w="12700" cmpd="sng">
+                      <a:solidFill>
+                        <a:srgbClr val="FFFFFF"/>
+                      </a:solidFill>
+                    </a:lnR>
+                    <a:lnT w="12700" cmpd="sng">
+                      <a:solidFill>
+                        <a:srgbClr val="FFFFFF"/>
+                      </a:solidFill>
+                    </a:lnT>
+                    <a:lnB w="12700" cmpd="sng">
+                      <a:solidFill>
+                        <a:srgbClr val="FFFFFF"/>
+                      </a:solidFill>
+                    </a:lnB>
+                    <a:lnTlToBr w="12700" cmpd="sng">
+                      <a:noFill/>
+                      <a:prstDash val="solid"/>
+                    </a:lnTlToBr>
+                    <a:lnBlToTr w="12700" cmpd="sng">
+                      <a:noFill/>
+                      <a:prstDash val="solid"/>
+                    </a:lnBlToTr>
+                    <a:solidFill>
+                      <a:srgbClr val="0078D4">
+                        <a:tint val="40000"/>
+                      </a:srgbClr>
+                    </a:solidFill>
+                  </a:tcPr>
+                </a:tc>
+                <a:extLst>
+                  <a:ext uri="{0D108BD9-81ED-4DB2-BD59-A6C34878D82A}">
+                    <a16:rowId xmlns:a16="http://schemas.microsoft.com/office/drawing/2014/main" val="541852922"/>
+                  </a:ext>
+                </a:extLst>
+              </a:tr>
+              <a:tr h="264709">
+                <a:tc>
+                  <a:txBody>
+                    <a:bodyPr/>
+                    <a:lstStyle>
+                      <a:lvl1pPr marL="0" algn="l" defTabSz="914400" rtl="0" eaLnBrk="1" latinLnBrk="0" hangingPunct="1">
+                        <a:defRPr kumimoji="1" sz="1800" kern="1200">
+                          <a:solidFill>
+                            <a:schemeClr val="dk1"/>
+                          </a:solidFill>
+                          <a:latin typeface="Segoe UI"/>
+                        </a:defRPr>
+                      </a:lvl1pPr>
+                      <a:lvl2pPr marL="457200" algn="l" defTabSz="914400" rtl="0" eaLnBrk="1" latinLnBrk="0" hangingPunct="1">
+                        <a:defRPr kumimoji="1" sz="1800" kern="1200">
+                          <a:solidFill>
+                            <a:schemeClr val="dk1"/>
+                          </a:solidFill>
+                          <a:latin typeface="Segoe UI"/>
+                        </a:defRPr>
+                      </a:lvl2pPr>
+                      <a:lvl3pPr marL="914400" algn="l" defTabSz="914400" rtl="0" eaLnBrk="1" latinLnBrk="0" hangingPunct="1">
+                        <a:defRPr kumimoji="1" sz="1800" kern="1200">
+                          <a:solidFill>
+                            <a:schemeClr val="dk1"/>
+                          </a:solidFill>
+                          <a:latin typeface="Segoe UI"/>
+                        </a:defRPr>
+                      </a:lvl3pPr>
+                      <a:lvl4pPr marL="1371600" algn="l" defTabSz="914400" rtl="0" eaLnBrk="1" latinLnBrk="0" hangingPunct="1">
+                        <a:defRPr kumimoji="1" sz="1800" kern="1200">
+                          <a:solidFill>
+                            <a:schemeClr val="dk1"/>
+                          </a:solidFill>
+                          <a:latin typeface="Segoe UI"/>
+                        </a:defRPr>
+                      </a:lvl4pPr>
+                      <a:lvl5pPr marL="1828800" algn="l" defTabSz="914400" rtl="0" eaLnBrk="1" latinLnBrk="0" hangingPunct="1">
+                        <a:defRPr kumimoji="1" sz="1800" kern="1200">
+                          <a:solidFill>
+                            <a:schemeClr val="dk1"/>
+                          </a:solidFill>
+                          <a:latin typeface="Segoe UI"/>
+                        </a:defRPr>
+                      </a:lvl5pPr>
+                      <a:lvl6pPr marL="2286000" algn="l" defTabSz="914400" rtl="0" eaLnBrk="1" latinLnBrk="0" hangingPunct="1">
+                        <a:defRPr kumimoji="1" sz="1800" kern="1200">
+                          <a:solidFill>
+                            <a:schemeClr val="dk1"/>
+                          </a:solidFill>
+                          <a:latin typeface="Segoe UI"/>
+                        </a:defRPr>
+                      </a:lvl6pPr>
+                      <a:lvl7pPr marL="2743200" algn="l" defTabSz="914400" rtl="0" eaLnBrk="1" latinLnBrk="0" hangingPunct="1">
+                        <a:defRPr kumimoji="1" sz="1800" kern="1200">
+                          <a:solidFill>
+                            <a:schemeClr val="dk1"/>
+                          </a:solidFill>
+                          <a:latin typeface="Segoe UI"/>
+                        </a:defRPr>
+                      </a:lvl7pPr>
+                      <a:lvl8pPr marL="3200400" algn="l" defTabSz="914400" rtl="0" eaLnBrk="1" latinLnBrk="0" hangingPunct="1">
+                        <a:defRPr kumimoji="1" sz="1800" kern="1200">
+                          <a:solidFill>
+                            <a:schemeClr val="dk1"/>
+                          </a:solidFill>
+                          <a:latin typeface="Segoe UI"/>
+                        </a:defRPr>
+                      </a:lvl8pPr>
+                      <a:lvl9pPr marL="3657600" algn="l" defTabSz="914400" rtl="0" eaLnBrk="1" latinLnBrk="0" hangingPunct="1">
+                        <a:defRPr kumimoji="1" sz="1800" kern="1200">
+                          <a:solidFill>
+                            <a:schemeClr val="dk1"/>
+                          </a:solidFill>
+                          <a:latin typeface="Segoe UI"/>
+                        </a:defRPr>
+                      </a:lvl9pPr>
+                    </a:lstStyle>
+                    <a:p>
+                      <a:r>
+                        <a:rPr kumimoji="1" lang="ja-JP" altLang="en-US" sz="1200" b="0">
+                          <a:latin typeface="Yu Gothic UI" panose="020B0500000000000000" pitchFamily="34" charset="-128"/>
+                          <a:ea typeface="Yu Gothic UI" panose="020B0500000000000000" pitchFamily="34" charset="-128"/>
+                        </a:rPr>
+                        <a:t>セキュリティ</a:t>
+                      </a:r>
+                    </a:p>
+                  </a:txBody>
+                  <a:tcPr>
+                    <a:lnL w="12700" cmpd="sng">
+                      <a:solidFill>
+                        <a:srgbClr val="FFFFFF"/>
+                      </a:solidFill>
+                    </a:lnL>
+                    <a:lnR w="12700" cmpd="sng">
+                      <a:solidFill>
+                        <a:srgbClr val="FFFFFF"/>
+                      </a:solidFill>
+                    </a:lnR>
+                    <a:lnT w="12700" cmpd="sng">
+                      <a:solidFill>
+                        <a:srgbClr val="FFFFFF"/>
+                      </a:solidFill>
+                    </a:lnT>
+                    <a:lnB w="12700" cmpd="sng">
+                      <a:solidFill>
+                        <a:srgbClr val="FFFFFF"/>
+                      </a:solidFill>
+                    </a:lnB>
+                    <a:lnTlToBr w="12700" cmpd="sng">
+                      <a:noFill/>
+                      <a:prstDash val="solid"/>
+                    </a:lnTlToBr>
+                    <a:lnBlToTr w="12700" cmpd="sng">
+                      <a:noFill/>
+                      <a:prstDash val="solid"/>
+                    </a:lnBlToTr>
+                    <a:solidFill>
+                      <a:srgbClr val="0078D4">
+                        <a:tint val="20000"/>
+                      </a:srgbClr>
+                    </a:solidFill>
+                  </a:tcPr>
+                </a:tc>
+                <a:tc>
+                  <a:txBody>
+                    <a:bodyPr/>
+                    <a:lstStyle>
+                      <a:lvl1pPr marL="0" algn="l" defTabSz="914400" rtl="0" eaLnBrk="1" latinLnBrk="0" hangingPunct="1">
+                        <a:defRPr kumimoji="1" sz="1800" kern="1200">
+                          <a:solidFill>
+                            <a:schemeClr val="dk1"/>
+                          </a:solidFill>
+                          <a:latin typeface="Segoe UI"/>
+                        </a:defRPr>
+                      </a:lvl1pPr>
+                      <a:lvl2pPr marL="457200" algn="l" defTabSz="914400" rtl="0" eaLnBrk="1" latinLnBrk="0" hangingPunct="1">
+                        <a:defRPr kumimoji="1" sz="1800" kern="1200">
+                          <a:solidFill>
+                            <a:schemeClr val="dk1"/>
+                          </a:solidFill>
+                          <a:latin typeface="Segoe UI"/>
+                        </a:defRPr>
+                      </a:lvl2pPr>
+                      <a:lvl3pPr marL="914400" algn="l" defTabSz="914400" rtl="0" eaLnBrk="1" latinLnBrk="0" hangingPunct="1">
+                        <a:defRPr kumimoji="1" sz="1800" kern="1200">
+                          <a:solidFill>
+                            <a:schemeClr val="dk1"/>
+                          </a:solidFill>
+                          <a:latin typeface="Segoe UI"/>
+                        </a:defRPr>
+                      </a:lvl3pPr>
+                      <a:lvl4pPr marL="1371600" algn="l" defTabSz="914400" rtl="0" eaLnBrk="1" latinLnBrk="0" hangingPunct="1">
+                        <a:defRPr kumimoji="1" sz="1800" kern="1200">
+                          <a:solidFill>
+                            <a:schemeClr val="dk1"/>
+                          </a:solidFill>
+                          <a:latin typeface="Segoe UI"/>
+                        </a:defRPr>
+                      </a:lvl4pPr>
+                      <a:lvl5pPr marL="1828800" algn="l" defTabSz="914400" rtl="0" eaLnBrk="1" latinLnBrk="0" hangingPunct="1">
+                        <a:defRPr kumimoji="1" sz="1800" kern="1200">
+                          <a:solidFill>
+                            <a:schemeClr val="dk1"/>
+                          </a:solidFill>
+                          <a:latin typeface="Segoe UI"/>
+                        </a:defRPr>
+                      </a:lvl5pPr>
+                      <a:lvl6pPr marL="2286000" algn="l" defTabSz="914400" rtl="0" eaLnBrk="1" latinLnBrk="0" hangingPunct="1">
+                        <a:defRPr kumimoji="1" sz="1800" kern="1200">
+                          <a:solidFill>
+                            <a:schemeClr val="dk1"/>
+                          </a:solidFill>
+                          <a:latin typeface="Segoe UI"/>
+                        </a:defRPr>
+                      </a:lvl6pPr>
+                      <a:lvl7pPr marL="2743200" algn="l" defTabSz="914400" rtl="0" eaLnBrk="1" latinLnBrk="0" hangingPunct="1">
+                        <a:defRPr kumimoji="1" sz="1800" kern="1200">
+                          <a:solidFill>
+                            <a:schemeClr val="dk1"/>
+                          </a:solidFill>
+                          <a:latin typeface="Segoe UI"/>
+                        </a:defRPr>
+                      </a:lvl7pPr>
+                      <a:lvl8pPr marL="3200400" algn="l" defTabSz="914400" rtl="0" eaLnBrk="1" latinLnBrk="0" hangingPunct="1">
+                        <a:defRPr kumimoji="1" sz="1800" kern="1200">
+                          <a:solidFill>
+                            <a:schemeClr val="dk1"/>
+                          </a:solidFill>
+                          <a:latin typeface="Segoe UI"/>
+                        </a:defRPr>
+                      </a:lvl8pPr>
+                      <a:lvl9pPr marL="3657600" algn="l" defTabSz="914400" rtl="0" eaLnBrk="1" latinLnBrk="0" hangingPunct="1">
+                        <a:defRPr kumimoji="1" sz="1800" kern="1200">
+                          <a:solidFill>
+                            <a:schemeClr val="dk1"/>
+                          </a:solidFill>
+                          <a:latin typeface="Segoe UI"/>
+                        </a:defRPr>
+                      </a:lvl9pPr>
+                    </a:lstStyle>
+                    <a:p>
+                      <a:r>
+                        <a:rPr kumimoji="1" lang="ja-JP" altLang="en-US" sz="1200" b="0">
+                          <a:latin typeface="Yu Gothic UI" panose="020B0500000000000000" pitchFamily="34" charset="-128"/>
+                          <a:ea typeface="Yu Gothic UI" panose="020B0500000000000000" pitchFamily="34" charset="-128"/>
+                        </a:rPr>
+                        <a:t>意図しないアクセスやプログラムの実行、不正なシステムの変更を監視し、機密性・完全性・可用性が維持できていることを確認する</a:t>
+                      </a:r>
+                    </a:p>
+                  </a:txBody>
+                  <a:tcPr>
+                    <a:lnL w="12700" cmpd="sng">
+                      <a:solidFill>
+                        <a:srgbClr val="FFFFFF"/>
+                      </a:solidFill>
+                    </a:lnL>
+                    <a:lnR w="12700" cmpd="sng">
+                      <a:solidFill>
+                        <a:srgbClr val="FFFFFF"/>
+                      </a:solidFill>
+                    </a:lnR>
+                    <a:lnT w="12700" cmpd="sng">
+                      <a:solidFill>
+                        <a:srgbClr val="FFFFFF"/>
+                      </a:solidFill>
+                    </a:lnT>
+                    <a:lnB w="12700" cmpd="sng">
+                      <a:solidFill>
+                        <a:srgbClr val="FFFFFF"/>
+                      </a:solidFill>
+                    </a:lnB>
+                    <a:lnTlToBr w="12700" cmpd="sng">
+                      <a:noFill/>
+                      <a:prstDash val="solid"/>
+                    </a:lnTlToBr>
+                    <a:lnBlToTr w="12700" cmpd="sng">
+                      <a:noFill/>
+                      <a:prstDash val="solid"/>
+                    </a:lnBlToTr>
+                    <a:solidFill>
+                      <a:srgbClr val="0078D4">
+                        <a:tint val="20000"/>
+                      </a:srgbClr>
+                    </a:solidFill>
+                  </a:tcPr>
+                </a:tc>
+                <a:tc>
+                  <a:txBody>
+                    <a:bodyPr/>
+                    <a:lstStyle>
+                      <a:lvl1pPr marL="0" algn="l" defTabSz="914400" rtl="0" eaLnBrk="1" latinLnBrk="0" hangingPunct="1">
+                        <a:defRPr kumimoji="1" sz="1800" kern="1200">
+                          <a:solidFill>
+                            <a:schemeClr val="dk1"/>
+                          </a:solidFill>
+                          <a:latin typeface="Segoe UI"/>
+                        </a:defRPr>
+                      </a:lvl1pPr>
+                      <a:lvl2pPr marL="457200" algn="l" defTabSz="914400" rtl="0" eaLnBrk="1" latinLnBrk="0" hangingPunct="1">
+                        <a:defRPr kumimoji="1" sz="1800" kern="1200">
+                          <a:solidFill>
+                            <a:schemeClr val="dk1"/>
+                          </a:solidFill>
+                          <a:latin typeface="Segoe UI"/>
+                        </a:defRPr>
+                      </a:lvl2pPr>
+                      <a:lvl3pPr marL="914400" algn="l" defTabSz="914400" rtl="0" eaLnBrk="1" latinLnBrk="0" hangingPunct="1">
+                        <a:defRPr kumimoji="1" sz="1800" kern="1200">
+                          <a:solidFill>
+                            <a:schemeClr val="dk1"/>
+                          </a:solidFill>
+                          <a:latin typeface="Segoe UI"/>
+                        </a:defRPr>
+                      </a:lvl3pPr>
+                      <a:lvl4pPr marL="1371600" algn="l" defTabSz="914400" rtl="0" eaLnBrk="1" latinLnBrk="0" hangingPunct="1">
+                        <a:defRPr kumimoji="1" sz="1800" kern="1200">
+                          <a:solidFill>
+                            <a:schemeClr val="dk1"/>
+                          </a:solidFill>
+                          <a:latin typeface="Segoe UI"/>
+                        </a:defRPr>
+                      </a:lvl4pPr>
+                      <a:lvl5pPr marL="1828800" algn="l" defTabSz="914400" rtl="0" eaLnBrk="1" latinLnBrk="0" hangingPunct="1">
+                        <a:defRPr kumimoji="1" sz="1800" kern="1200">
+                          <a:solidFill>
+                            <a:schemeClr val="dk1"/>
+                          </a:solidFill>
+                          <a:latin typeface="Segoe UI"/>
+                        </a:defRPr>
+                      </a:lvl5pPr>
+                      <a:lvl6pPr marL="2286000" algn="l" defTabSz="914400" rtl="0" eaLnBrk="1" latinLnBrk="0" hangingPunct="1">
+                        <a:defRPr kumimoji="1" sz="1800" kern="1200">
+                          <a:solidFill>
+                            <a:schemeClr val="dk1"/>
+                          </a:solidFill>
+                          <a:latin typeface="Segoe UI"/>
+                        </a:defRPr>
+                      </a:lvl6pPr>
+                      <a:lvl7pPr marL="2743200" algn="l" defTabSz="914400" rtl="0" eaLnBrk="1" latinLnBrk="0" hangingPunct="1">
+                        <a:defRPr kumimoji="1" sz="1800" kern="1200">
+                          <a:solidFill>
+                            <a:schemeClr val="dk1"/>
+                          </a:solidFill>
+                          <a:latin typeface="Segoe UI"/>
+                        </a:defRPr>
+                      </a:lvl7pPr>
+                      <a:lvl8pPr marL="3200400" algn="l" defTabSz="914400" rtl="0" eaLnBrk="1" latinLnBrk="0" hangingPunct="1">
+                        <a:defRPr kumimoji="1" sz="1800" kern="1200">
+                          <a:solidFill>
+                            <a:schemeClr val="dk1"/>
+                          </a:solidFill>
+                          <a:latin typeface="Segoe UI"/>
+                        </a:defRPr>
+                      </a:lvl8pPr>
+                      <a:lvl9pPr marL="3657600" algn="l" defTabSz="914400" rtl="0" eaLnBrk="1" latinLnBrk="0" hangingPunct="1">
+                        <a:defRPr kumimoji="1" sz="1800" kern="1200">
+                          <a:solidFill>
+                            <a:schemeClr val="dk1"/>
+                          </a:solidFill>
+                          <a:latin typeface="Segoe UI"/>
+                        </a:defRPr>
+                      </a:lvl9pPr>
+                    </a:lstStyle>
+                    <a:p>
+                      <a:pPr marL="92075" indent="-92075">
+                        <a:buFont typeface="Arial" panose="020B0604020202020204" pitchFamily="34" charset="0"/>
+                        <a:buChar char="•"/>
+                      </a:pPr>
+                      <a:r>
+                        <a:rPr kumimoji="1" lang="ja-JP" altLang="en-US" sz="1200" b="0" dirty="0">
+                          <a:latin typeface="Yu Gothic UI" panose="020B0500000000000000" pitchFamily="34" charset="-128"/>
+                          <a:ea typeface="Yu Gothic UI" panose="020B0500000000000000" pitchFamily="34" charset="-128"/>
+                        </a:rPr>
+                        <a:t>ファイルシステムの変更有無</a:t>
+                      </a:r>
+                      <a:r>
+                        <a:rPr kumimoji="1" lang="en-US" altLang="ja-JP" sz="1200" b="0" dirty="0">
+                          <a:latin typeface="Yu Gothic UI" panose="020B0500000000000000" pitchFamily="34" charset="-128"/>
+                          <a:ea typeface="Yu Gothic UI" panose="020B0500000000000000" pitchFamily="34" charset="-128"/>
+                        </a:rPr>
+                        <a:t>/</a:t>
+                      </a:r>
+                      <a:r>
+                        <a:rPr kumimoji="1" lang="ja-JP" altLang="en-US" sz="1200" b="0" dirty="0">
+                          <a:latin typeface="Yu Gothic UI" panose="020B0500000000000000" pitchFamily="34" charset="-128"/>
+                          <a:ea typeface="Yu Gothic UI" panose="020B0500000000000000" pitchFamily="34" charset="-128"/>
+                        </a:rPr>
+                        <a:t>不正プログラムの実行・不正ログイン有無</a:t>
+                      </a:r>
+                      <a:endParaRPr kumimoji="1" lang="en-US" altLang="ja-JP" sz="1200" b="0" dirty="0">
+                        <a:latin typeface="Yu Gothic UI" panose="020B0500000000000000" pitchFamily="34" charset="-128"/>
+                        <a:ea typeface="Yu Gothic UI" panose="020B0500000000000000" pitchFamily="34" charset="-128"/>
+                      </a:endParaRPr>
+                    </a:p>
+                    <a:p>
+                      <a:pPr marL="92075" indent="-92075">
+                        <a:buFont typeface="Arial" panose="020B0604020202020204" pitchFamily="34" charset="0"/>
+                        <a:buChar char="•"/>
+                      </a:pPr>
+                      <a:r>
+                        <a:rPr kumimoji="1" lang="en-US" altLang="ja-JP" sz="1200" b="0" dirty="0">
+                          <a:latin typeface="Yu Gothic UI" panose="020B0500000000000000" pitchFamily="34" charset="-128"/>
+                          <a:ea typeface="Yu Gothic UI" panose="020B0500000000000000" pitchFamily="34" charset="-128"/>
+                        </a:rPr>
+                        <a:t>DDoS</a:t>
+                      </a:r>
+                      <a:r>
+                        <a:rPr kumimoji="1" lang="ja-JP" altLang="en-US" sz="1200" b="0" dirty="0">
+                          <a:latin typeface="Yu Gothic UI" panose="020B0500000000000000" pitchFamily="34" charset="-128"/>
+                          <a:ea typeface="Yu Gothic UI" panose="020B0500000000000000" pitchFamily="34" charset="-128"/>
+                        </a:rPr>
+                        <a:t>の検知</a:t>
+                      </a:r>
+                      <a:endParaRPr kumimoji="1" lang="en-US" altLang="ja-JP" sz="1200" b="0" dirty="0">
+                        <a:latin typeface="Yu Gothic UI" panose="020B0500000000000000" pitchFamily="34" charset="-128"/>
+                        <a:ea typeface="Yu Gothic UI" panose="020B0500000000000000" pitchFamily="34" charset="-128"/>
+                      </a:endParaRPr>
+                    </a:p>
+                    <a:p>
+                      <a:pPr marL="92075" indent="-92075">
+                        <a:buFont typeface="Arial" panose="020B0604020202020204" pitchFamily="34" charset="0"/>
+                        <a:buChar char="•"/>
+                      </a:pPr>
+                      <a:r>
+                        <a:rPr kumimoji="1" lang="ja-JP" altLang="en-US" sz="1200" b="0" dirty="0">
+                          <a:latin typeface="Yu Gothic UI" panose="020B0500000000000000" pitchFamily="34" charset="-128"/>
+                          <a:ea typeface="Yu Gothic UI" panose="020B0500000000000000" pitchFamily="34" charset="-128"/>
+                        </a:rPr>
+                        <a:t>コンプライアンス遵守性</a:t>
+                      </a:r>
+                    </a:p>
+                  </a:txBody>
+                  <a:tcPr>
+                    <a:lnL w="12700" cmpd="sng">
+                      <a:solidFill>
+                        <a:srgbClr val="FFFFFF"/>
+                      </a:solidFill>
+                    </a:lnL>
+                    <a:lnR w="12700" cmpd="sng">
+                      <a:solidFill>
+                        <a:srgbClr val="FFFFFF"/>
+                      </a:solidFill>
+                    </a:lnR>
+                    <a:lnT w="12700" cmpd="sng">
+                      <a:solidFill>
+                        <a:srgbClr val="FFFFFF"/>
+                      </a:solidFill>
+                    </a:lnT>
+                    <a:lnB w="12700" cmpd="sng">
+                      <a:solidFill>
+                        <a:srgbClr val="FFFFFF"/>
+                      </a:solidFill>
+                    </a:lnB>
+                    <a:lnTlToBr w="12700" cmpd="sng">
+                      <a:noFill/>
+                      <a:prstDash val="solid"/>
+                    </a:lnTlToBr>
+                    <a:lnBlToTr w="12700" cmpd="sng">
+                      <a:noFill/>
+                      <a:prstDash val="solid"/>
+                    </a:lnBlToTr>
+                    <a:solidFill>
+                      <a:srgbClr val="0078D4">
+                        <a:tint val="20000"/>
+                      </a:srgbClr>
+                    </a:solidFill>
+                  </a:tcPr>
+                </a:tc>
+                <a:extLst>
+                  <a:ext uri="{0D108BD9-81ED-4DB2-BD59-A6C34878D82A}">
+                    <a16:rowId xmlns:a16="http://schemas.microsoft.com/office/drawing/2014/main" val="1456466209"/>
+                  </a:ext>
+                </a:extLst>
+              </a:tr>
+            </a:tbl>
+          </a:graphicData>
+        </a:graphic>
+      </p:graphicFrame>
+    </p:spTree>
+    <p:extLst>
+      <p:ext uri="{BB962C8B-B14F-4D97-AF65-F5344CB8AC3E}">
+        <p14:creationId xmlns:p14="http://schemas.microsoft.com/office/powerpoint/2010/main" val="2952835417"/>
       </p:ext>
     </p:extLst>
   </p:cSld>
